--- a/SE2018春-G17-项目计划PPT.pptx
+++ b/SE2018春-G17-项目计划PPT.pptx
@@ -8,30 +8,29 @@
     <p:notesMasterId r:id="rId4"/>
   </p:notesMasterIdLst>
   <p:handoutMasterIdLst>
-    <p:handoutMasterId r:id="rId25"/>
+    <p:handoutMasterId r:id="rId24"/>
   </p:handoutMasterIdLst>
   <p:sldIdLst>
     <p:sldId id="370" r:id="rId3"/>
     <p:sldId id="418" r:id="rId5"/>
-    <p:sldId id="369" r:id="rId6"/>
-    <p:sldId id="419" r:id="rId7"/>
-    <p:sldId id="420" r:id="rId8"/>
-    <p:sldId id="405" r:id="rId9"/>
-    <p:sldId id="411" r:id="rId10"/>
-    <p:sldId id="439" r:id="rId11"/>
-    <p:sldId id="438" r:id="rId12"/>
-    <p:sldId id="450" r:id="rId13"/>
-    <p:sldId id="437" r:id="rId14"/>
-    <p:sldId id="410" r:id="rId15"/>
-    <p:sldId id="412" r:id="rId16"/>
-    <p:sldId id="413" r:id="rId17"/>
-    <p:sldId id="364" r:id="rId18"/>
-    <p:sldId id="408" r:id="rId19"/>
-    <p:sldId id="406" r:id="rId20"/>
-    <p:sldId id="409" r:id="rId21"/>
-    <p:sldId id="407" r:id="rId22"/>
-    <p:sldId id="451" r:id="rId23"/>
-    <p:sldId id="436" r:id="rId24"/>
+    <p:sldId id="419" r:id="rId6"/>
+    <p:sldId id="420" r:id="rId7"/>
+    <p:sldId id="405" r:id="rId8"/>
+    <p:sldId id="411" r:id="rId9"/>
+    <p:sldId id="439" r:id="rId10"/>
+    <p:sldId id="438" r:id="rId11"/>
+    <p:sldId id="450" r:id="rId12"/>
+    <p:sldId id="437" r:id="rId13"/>
+    <p:sldId id="410" r:id="rId14"/>
+    <p:sldId id="412" r:id="rId15"/>
+    <p:sldId id="413" r:id="rId16"/>
+    <p:sldId id="364" r:id="rId17"/>
+    <p:sldId id="408" r:id="rId18"/>
+    <p:sldId id="406" r:id="rId19"/>
+    <p:sldId id="409" r:id="rId20"/>
+    <p:sldId id="407" r:id="rId21"/>
+    <p:sldId id="451" r:id="rId22"/>
+    <p:sldId id="436" r:id="rId23"/>
   </p:sldIdLst>
   <p:sldSz cx="12190095" cy="6859270"/>
   <p:notesSz cx="6858000" cy="9144000"/>
@@ -794,84 +793,6 @@
 </p:notes>
 </file>
 
-<file path=ppt/notesSlides/notesSlide11.xml><?xml version="1.0" encoding="utf-8"?>
-<p:notes xmlns:a="http://schemas.openxmlformats.org/drawingml/2006/main" xmlns:r="http://schemas.openxmlformats.org/officeDocument/2006/relationships" xmlns:p="http://schemas.openxmlformats.org/presentationml/2006/main">
-  <p:cSld>
-    <p:spTree>
-      <p:nvGrpSpPr>
-        <p:cNvPr id="1" name=""/>
-        <p:cNvGrpSpPr/>
-        <p:nvPr/>
-      </p:nvGrpSpPr>
-      <p:grpSpPr>
-        <a:xfrm>
-          <a:off x="0" y="0"/>
-          <a:ext cx="0" cy="0"/>
-          <a:chOff x="0" y="0"/>
-          <a:chExt cx="0" cy="0"/>
-        </a:xfrm>
-      </p:grpSpPr>
-      <p:sp>
-        <p:nvSpPr>
-          <p:cNvPr id="2" name="幻灯片图像占位符 1"/>
-          <p:cNvSpPr>
-            <a:spLocks noGrp="1" noRot="1" noChangeAspect="1"/>
-          </p:cNvSpPr>
-          <p:nvPr>
-            <p:ph type="sldImg"/>
-          </p:nvPr>
-        </p:nvSpPr>
-        <p:spPr/>
-      </p:sp>
-      <p:sp>
-        <p:nvSpPr>
-          <p:cNvPr id="3" name="备注占位符 2"/>
-          <p:cNvSpPr>
-            <a:spLocks noGrp="1"/>
-          </p:cNvSpPr>
-          <p:nvPr>
-            <p:ph type="body" idx="1"/>
-          </p:nvPr>
-        </p:nvSpPr>
-        <p:spPr/>
-        <p:txBody>
-          <a:bodyPr/>
-          <a:lstStyle/>
-          <a:p>
-            <a:endParaRPr lang="zh-CN" altLang="en-US"/>
-          </a:p>
-        </p:txBody>
-      </p:sp>
-      <p:sp>
-        <p:nvSpPr>
-          <p:cNvPr id="4" name="灯片编号占位符 3"/>
-          <p:cNvSpPr>
-            <a:spLocks noGrp="1"/>
-          </p:cNvSpPr>
-          <p:nvPr>
-            <p:ph type="sldNum" sz="quarter" idx="10"/>
-          </p:nvPr>
-        </p:nvSpPr>
-        <p:spPr/>
-        <p:txBody>
-          <a:bodyPr/>
-          <a:lstStyle/>
-          <a:p>
-            <a:fld id="{74AC173A-3DA8-4893-B28A-1E15F55C330A}" type="slidenum">
-              <a:rPr lang="zh-CN" altLang="en-US" smtClean="0"/>
-            </a:fld>
-            <a:endParaRPr lang="zh-CN" altLang="en-US"/>
-          </a:p>
-        </p:txBody>
-      </p:sp>
-    </p:spTree>
-  </p:cSld>
-  <p:clrMapOvr>
-    <a:masterClrMapping/>
-  </p:clrMapOvr>
-</p:notes>
-</file>
-
 <file path=ppt/notesSlides/notesSlide2.xml><?xml version="1.0" encoding="utf-8"?>
 <p:notes xmlns:a="http://schemas.openxmlformats.org/drawingml/2006/main" xmlns:r="http://schemas.openxmlformats.org/officeDocument/2006/relationships" xmlns:p="http://schemas.openxmlformats.org/presentationml/2006/main">
   <p:cSld>
@@ -1169,7 +1090,7 @@
           <a:bodyPr/>
           <a:lstStyle/>
           <a:p>
-            <a:fld id="{74AC173A-3DA8-4893-B28A-1E15F55C330A}" type="slidenum">
+            <a:fld id="{6E611DA1-5E4C-4157-8D98-35F52756B2FB}" type="slidenum">
               <a:rPr lang="zh-CN" altLang="en-US" smtClean="0"/>
             </a:fld>
             <a:endParaRPr lang="zh-CN" altLang="en-US"/>
@@ -1247,7 +1168,7 @@
           <a:bodyPr/>
           <a:lstStyle/>
           <a:p>
-            <a:fld id="{6E611DA1-5E4C-4157-8D98-35F52756B2FB}" type="slidenum">
+            <a:fld id="{74AC173A-3DA8-4893-B28A-1E15F55C330A}" type="slidenum">
               <a:rPr lang="zh-CN" altLang="en-US" smtClean="0"/>
             </a:fld>
             <a:endParaRPr lang="zh-CN" altLang="en-US"/>
@@ -3707,8 +3628,8 @@
         </p:nvSpPr>
         <p:spPr>
           <a:xfrm>
-            <a:off x="1192128" y="3692461"/>
-            <a:ext cx="9812655" cy="643890"/>
+            <a:off x="1649328" y="3692461"/>
+            <a:ext cx="8898255" cy="643890"/>
           </a:xfrm>
           <a:prstGeom prst="rect">
             <a:avLst/>
@@ -3744,7 +3665,7 @@
                 <a:latin typeface="微软雅黑" panose="020B0503020204020204" pitchFamily="34" charset="-122"/>
                 <a:ea typeface="微软雅黑" panose="020B0503020204020204" pitchFamily="34" charset="-122"/>
               </a:rPr>
-              <a:t>基于安卓端开发的一款关于喝酒经验分享的</a:t>
+              <a:t>基于安卓端开发的一款关于酒类查询的</a:t>
             </a:r>
             <a:r>
               <a:rPr lang="en-US" altLang="zh-CN" sz="3600" b="1" dirty="0">
@@ -4998,247 +4919,6 @@
           <a:p>
             <a:pPr algn="ctr"/>
             <a:r>
-              <a:rPr lang="en-US" sz="2400" dirty="0"/>
-              <a:t>2</a:t>
-            </a:r>
-            <a:endParaRPr lang="en-US" sz="2400" dirty="0"/>
-          </a:p>
-        </p:txBody>
-      </p:sp>
-      <p:sp>
-        <p:nvSpPr>
-          <p:cNvPr id="4" name="文本框 3"/>
-          <p:cNvSpPr txBox="1"/>
-          <p:nvPr/>
-        </p:nvSpPr>
-        <p:spPr>
-          <a:xfrm>
-            <a:off x="2206068" y="159851"/>
-            <a:ext cx="6052718" cy="501650"/>
-          </a:xfrm>
-          <a:prstGeom prst="rect">
-            <a:avLst/>
-          </a:prstGeom>
-          <a:noFill/>
-        </p:spPr>
-        <p:txBody>
-          <a:bodyPr wrap="square" rtlCol="0">
-            <a:spAutoFit/>
-          </a:bodyPr>
-          <a:lstStyle/>
-          <a:p>
-            <a:r>
-              <a:rPr lang="zh-CN" sz="2665" dirty="0" smtClean="0">
-                <a:solidFill>
-                  <a:srgbClr val="183A5D"/>
-                </a:solidFill>
-                <a:latin typeface="微软雅黑" panose="020B0503020204020204" pitchFamily="34" charset="-122"/>
-                <a:ea typeface="微软雅黑" panose="020B0503020204020204" pitchFamily="34" charset="-122"/>
-              </a:rPr>
-              <a:t>经济可行性</a:t>
-            </a:r>
-            <a:endParaRPr lang="zh-CN" sz="2665" dirty="0" smtClean="0">
-              <a:solidFill>
-                <a:srgbClr val="183A5D"/>
-              </a:solidFill>
-              <a:latin typeface="微软雅黑" panose="020B0503020204020204" pitchFamily="34" charset="-122"/>
-              <a:ea typeface="微软雅黑" panose="020B0503020204020204" pitchFamily="34" charset="-122"/>
-            </a:endParaRPr>
-          </a:p>
-        </p:txBody>
-      </p:sp>
-      <p:sp>
-        <p:nvSpPr>
-          <p:cNvPr id="6" name="文本框 5"/>
-          <p:cNvSpPr txBox="1"/>
-          <p:nvPr/>
-        </p:nvSpPr>
-        <p:spPr>
-          <a:xfrm>
-            <a:off x="2736850" y="1849755"/>
-            <a:ext cx="6716395" cy="3415030"/>
-          </a:xfrm>
-          <a:prstGeom prst="rect">
-            <a:avLst/>
-          </a:prstGeom>
-          <a:noFill/>
-        </p:spPr>
-        <p:txBody>
-          <a:bodyPr wrap="square" rtlCol="0">
-            <a:spAutoFit/>
-          </a:bodyPr>
-          <a:p>
-            <a:pPr fontAlgn="auto">
-              <a:lnSpc>
-                <a:spcPct val="150000"/>
-              </a:lnSpc>
-            </a:pPr>
-            <a:r>
-              <a:rPr lang="en-US" altLang="zh-CN" sz="2400">
-                <a:latin typeface="微软雅黑" panose="020B0503020204020204" pitchFamily="34" charset="-122"/>
-                <a:ea typeface="微软雅黑" panose="020B0503020204020204" pitchFamily="34" charset="-122"/>
-              </a:rPr>
-              <a:t>      </a:t>
-            </a:r>
-            <a:r>
-              <a:rPr lang="zh-CN" altLang="en-US" sz="2400">
-                <a:latin typeface="微软雅黑" panose="020B0503020204020204" pitchFamily="34" charset="-122"/>
-                <a:ea typeface="微软雅黑" panose="020B0503020204020204" pitchFamily="34" charset="-122"/>
-              </a:rPr>
-              <a:t>由于本软件项目是课程项目，主要目的是为了让组内成员学习软件工程知识，以及对课程作业的完成。  另外，用于开发软件所需要支出的非用由小组成员</a:t>
-            </a:r>
-            <a:r>
-              <a:rPr lang="en-US" altLang="zh-CN" sz="2400">
-                <a:latin typeface="微软雅黑" panose="020B0503020204020204" pitchFamily="34" charset="-122"/>
-                <a:ea typeface="微软雅黑" panose="020B0503020204020204" pitchFamily="34" charset="-122"/>
-              </a:rPr>
-              <a:t>AA</a:t>
-            </a:r>
-            <a:r>
-              <a:rPr lang="zh-CN" altLang="en-US" sz="2400">
-                <a:latin typeface="微软雅黑" panose="020B0503020204020204" pitchFamily="34" charset="-122"/>
-                <a:ea typeface="微软雅黑" panose="020B0503020204020204" pitchFamily="34" charset="-122"/>
-              </a:rPr>
-              <a:t>，完全承担得起。  在不考虑成本</a:t>
-            </a:r>
-            <a:r>
-              <a:rPr lang="en-US" altLang="zh-CN" sz="2400">
-                <a:latin typeface="微软雅黑" panose="020B0503020204020204" pitchFamily="34" charset="-122"/>
-                <a:ea typeface="微软雅黑" panose="020B0503020204020204" pitchFamily="34" charset="-122"/>
-              </a:rPr>
-              <a:t>/</a:t>
-            </a:r>
-            <a:r>
-              <a:rPr lang="zh-CN" altLang="en-US" sz="2400">
-                <a:latin typeface="微软雅黑" panose="020B0503020204020204" pitchFamily="34" charset="-122"/>
-                <a:ea typeface="微软雅黑" panose="020B0503020204020204" pitchFamily="34" charset="-122"/>
-              </a:rPr>
-              <a:t>效益 比的情况下，该项目从经济方面来说可行。</a:t>
-            </a:r>
-            <a:endParaRPr lang="zh-CN" altLang="en-US" sz="2400">
-              <a:latin typeface="微软雅黑" panose="020B0503020204020204" pitchFamily="34" charset="-122"/>
-              <a:ea typeface="微软雅黑" panose="020B0503020204020204" pitchFamily="34" charset="-122"/>
-            </a:endParaRPr>
-          </a:p>
-        </p:txBody>
-      </p:sp>
-    </p:spTree>
-  </p:cSld>
-  <p:clrMapOvr>
-    <a:masterClrMapping/>
-  </p:clrMapOvr>
-  <p:transition spd="slow" advClick="0" advTm="0">
-    <p:wipe/>
-  </p:transition>
-</p:sld>
-</file>
-
-<file path=ppt/slides/slide11.xml><?xml version="1.0" encoding="utf-8"?>
-<p:sld xmlns:a="http://schemas.openxmlformats.org/drawingml/2006/main" xmlns:r="http://schemas.openxmlformats.org/officeDocument/2006/relationships" xmlns:p="http://schemas.openxmlformats.org/presentationml/2006/main">
-  <p:cSld>
-    <p:spTree>
-      <p:nvGrpSpPr>
-        <p:cNvPr id="1" name=""/>
-        <p:cNvGrpSpPr/>
-        <p:nvPr/>
-      </p:nvGrpSpPr>
-      <p:grpSpPr>
-        <a:xfrm>
-          <a:off x="0" y="0"/>
-          <a:ext cx="0" cy="0"/>
-          <a:chOff x="0" y="0"/>
-          <a:chExt cx="0" cy="0"/>
-        </a:xfrm>
-      </p:grpSpPr>
-      <p:sp>
-        <p:nvSpPr>
-          <p:cNvPr id="2" name="矩形 1"/>
-          <p:cNvSpPr/>
-          <p:nvPr/>
-        </p:nvSpPr>
-        <p:spPr>
-          <a:xfrm>
-            <a:off x="237030" y="1171"/>
-            <a:ext cx="1608415" cy="135446"/>
-          </a:xfrm>
-          <a:prstGeom prst="rect">
-            <a:avLst/>
-          </a:prstGeom>
-          <a:solidFill>
-            <a:srgbClr val="183A5D"/>
-          </a:solidFill>
-          <a:ln>
-            <a:noFill/>
-          </a:ln>
-        </p:spPr>
-        <p:style>
-          <a:lnRef idx="2">
-            <a:schemeClr val="accent1">
-              <a:shade val="50000"/>
-            </a:schemeClr>
-          </a:lnRef>
-          <a:fillRef idx="1">
-            <a:schemeClr val="accent1"/>
-          </a:fillRef>
-          <a:effectRef idx="0">
-            <a:schemeClr val="accent1"/>
-          </a:effectRef>
-          <a:fontRef idx="minor">
-            <a:schemeClr val="lt1"/>
-          </a:fontRef>
-        </p:style>
-        <p:txBody>
-          <a:bodyPr rtlCol="0" anchor="ctr"/>
-          <a:lstStyle/>
-          <a:p>
-            <a:pPr algn="ctr"/>
-            <a:endParaRPr lang="zh-CN" altLang="en-US" sz="2800"/>
-          </a:p>
-        </p:txBody>
-      </p:sp>
-      <p:sp>
-        <p:nvSpPr>
-          <p:cNvPr id="3" name="矩形 2"/>
-          <p:cNvSpPr/>
-          <p:nvPr/>
-        </p:nvSpPr>
-        <p:spPr>
-          <a:xfrm>
-            <a:off x="237030" y="255131"/>
-            <a:ext cx="1608415" cy="406336"/>
-          </a:xfrm>
-          <a:prstGeom prst="rect">
-            <a:avLst/>
-          </a:prstGeom>
-          <a:solidFill>
-            <a:srgbClr val="183A5D"/>
-          </a:solidFill>
-          <a:ln>
-            <a:noFill/>
-          </a:ln>
-        </p:spPr>
-        <p:style>
-          <a:lnRef idx="2">
-            <a:schemeClr val="accent1">
-              <a:shade val="50000"/>
-            </a:schemeClr>
-          </a:lnRef>
-          <a:fillRef idx="1">
-            <a:schemeClr val="accent1"/>
-          </a:fillRef>
-          <a:effectRef idx="0">
-            <a:schemeClr val="accent1"/>
-          </a:effectRef>
-          <a:fontRef idx="minor">
-            <a:schemeClr val="lt1"/>
-          </a:fontRef>
-        </p:style>
-        <p:txBody>
-          <a:bodyPr rtlCol="0" anchor="ctr"/>
-          <a:lstStyle/>
-          <a:p>
-            <a:pPr algn="ctr"/>
-            <a:r>
               <a:rPr lang="en-US" sz="2400" dirty="0" smtClean="0"/>
               <a:t>3</a:t>
             </a:r>
@@ -5346,7 +5026,7 @@
 </p:sld>
 </file>
 
-<file path=ppt/slides/slide12.xml><?xml version="1.0" encoding="utf-8"?>
+<file path=ppt/slides/slide11.xml><?xml version="1.0" encoding="utf-8"?>
 <p:sld xmlns:a="http://schemas.openxmlformats.org/drawingml/2006/main" xmlns:r="http://schemas.openxmlformats.org/officeDocument/2006/relationships" xmlns:p="http://schemas.openxmlformats.org/presentationml/2006/main">
   <p:cSld>
     <p:spTree>
@@ -6514,7 +6194,7 @@
 </p:sld>
 </file>
 
-<file path=ppt/slides/slide13.xml><?xml version="1.0" encoding="utf-8"?>
+<file path=ppt/slides/slide12.xml><?xml version="1.0" encoding="utf-8"?>
 <p:sld xmlns:a="http://schemas.openxmlformats.org/drawingml/2006/main" xmlns:r="http://schemas.openxmlformats.org/officeDocument/2006/relationships" xmlns:p="http://schemas.openxmlformats.org/presentationml/2006/main">
   <p:cSld>
     <p:spTree>
@@ -6797,8 +6477,8 @@
         </p:nvSpPr>
         <p:spPr>
           <a:xfrm>
-            <a:off x="2226310" y="3420110"/>
-            <a:ext cx="6908800" cy="1938020"/>
+            <a:off x="2226310" y="3173095"/>
+            <a:ext cx="6908800" cy="2676525"/>
           </a:xfrm>
           <a:prstGeom prst="rect">
             <a:avLst/>
@@ -6818,40 +6498,31 @@
           </a:p>
           <a:p>
             <a:r>
-              <a:rPr lang="en-US" altLang="zh-CN" sz="2400"/>
-              <a:t>1.</a:t>
+              <a:rPr sz="2400"/>
+              <a:t>1.本项目作为软件工程导论2018春季课程的课程作业。</a:t>
             </a:r>
-            <a:r>
-              <a:rPr lang="zh-CN" altLang="en-US" sz="2400"/>
-              <a:t>目前市面上缺少关于酒的分享与交流专门的平台的</a:t>
-            </a:r>
-            <a:r>
-              <a:rPr lang="en-US" altLang="zh-CN" sz="2400"/>
-              <a:t>APP</a:t>
-            </a:r>
-            <a:endParaRPr lang="en-US" altLang="zh-CN" sz="2400"/>
+            <a:endParaRPr sz="2400"/>
           </a:p>
           <a:p>
             <a:r>
-              <a:rPr lang="en-US" altLang="zh-CN" sz="2400"/>
-              <a:t>2.</a:t>
+              <a:rPr sz="2400"/>
+              <a:t>2.目前市面上缺少关于酒的分享与交流专门的平台的APP</a:t>
             </a:r>
-            <a:r>
-              <a:rPr lang="zh-CN" altLang="en-US" sz="2400"/>
-              <a:t>软件工程的日益发展</a:t>
-            </a:r>
-            <a:endParaRPr lang="zh-CN" altLang="en-US" sz="2400"/>
+            <a:endParaRPr sz="2400"/>
           </a:p>
           <a:p>
             <a:r>
-              <a:rPr lang="en-US" altLang="zh-CN" sz="2400"/>
-              <a:t>3.</a:t>
+              <a:rPr sz="2400"/>
+              <a:t>3.软件工程的日益发展</a:t>
             </a:r>
+            <a:endParaRPr sz="2400"/>
+          </a:p>
+          <a:p>
             <a:r>
-              <a:rPr lang="zh-CN" altLang="en-US" sz="2400"/>
-              <a:t>酒文化的经久不衰</a:t>
+              <a:rPr sz="2400"/>
+              <a:t>4.酒文化的经久不衰</a:t>
             </a:r>
-            <a:endParaRPr lang="zh-CN" altLang="en-US" sz="2400"/>
+            <a:endParaRPr sz="2400"/>
           </a:p>
         </p:txBody>
       </p:sp>
@@ -6866,7 +6537,7 @@
 </p:sld>
 </file>
 
-<file path=ppt/slides/slide14.xml><?xml version="1.0" encoding="utf-8"?>
+<file path=ppt/slides/slide13.xml><?xml version="1.0" encoding="utf-8"?>
 <p:sld xmlns:a="http://schemas.openxmlformats.org/drawingml/2006/main" xmlns:r="http://schemas.openxmlformats.org/officeDocument/2006/relationships" xmlns:p="http://schemas.openxmlformats.org/presentationml/2006/main">
   <p:cSld>
     <p:spTree>
@@ -7101,7 +6772,7 @@
                       </a:pPr>
                       <a:r>
                         <a:rPr lang="zh-CN" altLang="en-US"/>
-                        <a:t>登入注册、搜索不同酒、发表经验、收藏等</a:t>
+                        <a:t>登入注册、通过图像识别来查找该酒的相关信息</a:t>
                       </a:r>
                       <a:endParaRPr lang="zh-CN" altLang="en-US"/>
                     </a:p>
@@ -7134,8 +6805,12 @@
                         <a:buNone/>
                       </a:pPr>
                       <a:r>
+                        <a:rPr lang="en-US" altLang="zh-CN"/>
+                        <a:t> </a:t>
+                      </a:r>
+                      <a:r>
                         <a:rPr lang="zh-CN" altLang="en-US"/>
-                        <a:t>搜索精度、时间特性要求、灵活性</a:t>
+                        <a:t>时间特性要求、灵活性</a:t>
                       </a:r>
                       <a:endParaRPr lang="zh-CN" altLang="en-US"/>
                     </a:p>
@@ -7309,11 +6984,11 @@
                       </a:r>
                       <a:r>
                         <a:rPr lang="en-US" altLang="zh-CN"/>
-                        <a:t>eclipse/Android studio</a:t>
+                        <a:t>Android studio </a:t>
                       </a:r>
                       <a:r>
                         <a:rPr lang="zh-CN" altLang="en-US"/>
-                        <a:t>（待定）</a:t>
+                        <a:t>Tensorflow</a:t>
                       </a:r>
                       <a:endParaRPr lang="zh-CN" altLang="en-US"/>
                     </a:p>
@@ -7394,7 +7069,7 @@
 </p:sld>
 </file>
 
-<file path=ppt/slides/slide15.xml><?xml version="1.0" encoding="utf-8"?>
+<file path=ppt/slides/slide14.xml><?xml version="1.0" encoding="utf-8"?>
 <p:sld xmlns:a="http://schemas.openxmlformats.org/drawingml/2006/main" xmlns:r="http://schemas.openxmlformats.org/officeDocument/2006/relationships" xmlns:p="http://schemas.openxmlformats.org/presentationml/2006/main">
   <p:cSld>
     <p:spTree>
@@ -9124,7 +8799,7 @@
 </p:sld>
 </file>
 
-<file path=ppt/slides/slide16.xml><?xml version="1.0" encoding="utf-8"?>
+<file path=ppt/slides/slide15.xml><?xml version="1.0" encoding="utf-8"?>
 <p:sld xmlns:a="http://schemas.openxmlformats.org/drawingml/2006/main" xmlns:r="http://schemas.openxmlformats.org/officeDocument/2006/relationships" xmlns:p="http://schemas.openxmlformats.org/presentationml/2006/main">
   <p:cSld>
     <p:spTree>
@@ -9590,7 +9265,7 @@
 </p:sld>
 </file>
 
-<file path=ppt/slides/slide17.xml><?xml version="1.0" encoding="utf-8"?>
+<file path=ppt/slides/slide16.xml><?xml version="1.0" encoding="utf-8"?>
 <p:sld xmlns:a="http://schemas.openxmlformats.org/drawingml/2006/main" xmlns:r="http://schemas.openxmlformats.org/officeDocument/2006/relationships" xmlns:p="http://schemas.openxmlformats.org/presentationml/2006/main">
   <p:cSld>
     <p:spTree>
@@ -11081,7 +10756,7 @@
 </p:sld>
 </file>
 
-<file path=ppt/slides/slide18.xml><?xml version="1.0" encoding="utf-8"?>
+<file path=ppt/slides/slide17.xml><?xml version="1.0" encoding="utf-8"?>
 <p:sld xmlns:a="http://schemas.openxmlformats.org/drawingml/2006/main" xmlns:r="http://schemas.openxmlformats.org/officeDocument/2006/relationships" xmlns:p="http://schemas.openxmlformats.org/presentationml/2006/main">
   <p:cSld>
     <p:spTree>
@@ -17771,7 +17446,7 @@
                           <a:ea typeface="微软雅黑" panose="020B0503020204020204" pitchFamily="34" charset="-122"/>
                           <a:cs typeface="宋体" panose="02010600030101010101" pitchFamily="2" charset="-122"/>
                         </a:rPr>
-                        <a:t>搜索功能在使用过程出现问题</a:t>
+                        <a:t>搜索与识别功能在使用过程出现问题</a:t>
                       </a:r>
                       <a:endParaRPr lang="zh-CN" altLang="en-US" sz="1000" b="0">
                         <a:solidFill>
@@ -21447,7 +21122,7 @@
 </p:sld>
 </file>
 
-<file path=ppt/slides/slide19.xml><?xml version="1.0" encoding="utf-8"?>
+<file path=ppt/slides/slide18.xml><?xml version="1.0" encoding="utf-8"?>
 <p:sld xmlns:a="http://schemas.openxmlformats.org/drawingml/2006/main" xmlns:r="http://schemas.openxmlformats.org/officeDocument/2006/relationships" xmlns:p="http://schemas.openxmlformats.org/presentationml/2006/main">
   <p:cSld>
     <p:spTree>
@@ -21688,997 +21363,7 @@
 </p:sld>
 </file>
 
-<file path=ppt/slides/slide2.xml><?xml version="1.0" encoding="utf-8"?>
-<p:sld xmlns:a="http://schemas.openxmlformats.org/drawingml/2006/main" xmlns:r="http://schemas.openxmlformats.org/officeDocument/2006/relationships" xmlns:p="http://schemas.openxmlformats.org/presentationml/2006/main">
-  <p:cSld>
-    <p:spTree>
-      <p:nvGrpSpPr>
-        <p:cNvPr id="1" name=""/>
-        <p:cNvGrpSpPr/>
-        <p:nvPr/>
-      </p:nvGrpSpPr>
-      <p:grpSpPr>
-        <a:xfrm>
-          <a:off x="0" y="0"/>
-          <a:ext cx="0" cy="0"/>
-          <a:chOff x="0" y="0"/>
-          <a:chExt cx="0" cy="0"/>
-        </a:xfrm>
-      </p:grpSpPr>
-      <p:sp>
-        <p:nvSpPr>
-          <p:cNvPr id="20" name="矩形 19"/>
-          <p:cNvSpPr/>
-          <p:nvPr/>
-        </p:nvSpPr>
-        <p:spPr>
-          <a:xfrm>
-            <a:off x="-1270" y="-59055"/>
-            <a:ext cx="12192000" cy="1125538"/>
-          </a:xfrm>
-          <a:prstGeom prst="rect">
-            <a:avLst/>
-          </a:prstGeom>
-          <a:solidFill>
-            <a:srgbClr val="38B1BF"/>
-          </a:solidFill>
-          <a:ln>
-            <a:noFill/>
-          </a:ln>
-          <a:effectLst>
-            <a:outerShdw blurRad="50800" dist="38100" dir="5400000" algn="t" rotWithShape="0">
-              <a:prstClr val="black">
-                <a:alpha val="40000"/>
-              </a:prstClr>
-            </a:outerShdw>
-          </a:effectLst>
-        </p:spPr>
-        <p:style>
-          <a:lnRef idx="2">
-            <a:schemeClr val="accent1">
-              <a:shade val="50000"/>
-            </a:schemeClr>
-          </a:lnRef>
-          <a:fillRef idx="1">
-            <a:schemeClr val="accent1"/>
-          </a:fillRef>
-          <a:effectRef idx="0">
-            <a:schemeClr val="accent1"/>
-          </a:effectRef>
-          <a:fontRef idx="minor">
-            <a:schemeClr val="lt1"/>
-          </a:fontRef>
-        </p:style>
-        <p:txBody>
-          <a:bodyPr rtlCol="0" anchor="ctr"/>
-          <a:lstStyle/>
-          <a:p>
-            <a:pPr algn="ctr"/>
-            <a:endParaRPr lang="zh-CN" altLang="en-US"/>
-          </a:p>
-        </p:txBody>
-      </p:sp>
-      <p:sp>
-        <p:nvSpPr>
-          <p:cNvPr id="16" name="AutoShape 3"/>
-          <p:cNvSpPr>
-            <a:spLocks noChangeArrowheads="1"/>
-          </p:cNvSpPr>
-          <p:nvPr/>
-        </p:nvSpPr>
-        <p:spPr bwMode="auto">
-          <a:xfrm>
-            <a:off x="910630" y="2061642"/>
-            <a:ext cx="10422260" cy="4176464"/>
-          </a:xfrm>
-          <a:prstGeom prst="rect">
-            <a:avLst/>
-          </a:prstGeom>
-          <a:solidFill>
-            <a:schemeClr val="accent1"/>
-          </a:solidFill>
-          <a:ln w="12700" cmpd="sng">
-            <a:noFill/>
-            <a:miter lim="800000"/>
-          </a:ln>
-        </p:spPr>
-        <p:txBody>
-          <a:bodyPr anchor="ctr"/>
-          <a:lstStyle>
-            <a:lvl1pPr eaLnBrk="0" hangingPunct="0">
-              <a:defRPr>
-                <a:solidFill>
-                  <a:schemeClr val="tx1"/>
-                </a:solidFill>
-                <a:latin typeface="Arial" panose="020B0604020202020204" pitchFamily="34" charset="0"/>
-                <a:ea typeface="宋体" panose="02010600030101010101" pitchFamily="2" charset="-122"/>
-              </a:defRPr>
-            </a:lvl1pPr>
-            <a:lvl2pPr marL="742950" indent="-285750" eaLnBrk="0" hangingPunct="0">
-              <a:defRPr>
-                <a:solidFill>
-                  <a:schemeClr val="tx1"/>
-                </a:solidFill>
-                <a:latin typeface="Arial" panose="020B0604020202020204" pitchFamily="34" charset="0"/>
-                <a:ea typeface="宋体" panose="02010600030101010101" pitchFamily="2" charset="-122"/>
-              </a:defRPr>
-            </a:lvl2pPr>
-            <a:lvl3pPr marL="1143000" indent="-228600" eaLnBrk="0" hangingPunct="0">
-              <a:defRPr>
-                <a:solidFill>
-                  <a:schemeClr val="tx1"/>
-                </a:solidFill>
-                <a:latin typeface="Arial" panose="020B0604020202020204" pitchFamily="34" charset="0"/>
-                <a:ea typeface="宋体" panose="02010600030101010101" pitchFamily="2" charset="-122"/>
-              </a:defRPr>
-            </a:lvl3pPr>
-            <a:lvl4pPr marL="1600200" indent="-228600" eaLnBrk="0" hangingPunct="0">
-              <a:defRPr>
-                <a:solidFill>
-                  <a:schemeClr val="tx1"/>
-                </a:solidFill>
-                <a:latin typeface="Arial" panose="020B0604020202020204" pitchFamily="34" charset="0"/>
-                <a:ea typeface="宋体" panose="02010600030101010101" pitchFamily="2" charset="-122"/>
-              </a:defRPr>
-            </a:lvl4pPr>
-            <a:lvl5pPr marL="2057400" indent="-228600" eaLnBrk="0" hangingPunct="0">
-              <a:defRPr>
-                <a:solidFill>
-                  <a:schemeClr val="tx1"/>
-                </a:solidFill>
-                <a:latin typeface="Arial" panose="020B0604020202020204" pitchFamily="34" charset="0"/>
-                <a:ea typeface="宋体" panose="02010600030101010101" pitchFamily="2" charset="-122"/>
-              </a:defRPr>
-            </a:lvl5pPr>
-            <a:lvl6pPr marL="2514600" indent="-228600" eaLnBrk="0" fontAlgn="base" hangingPunct="0">
-              <a:spcBef>
-                <a:spcPct val="0"/>
-              </a:spcBef>
-              <a:spcAft>
-                <a:spcPct val="0"/>
-              </a:spcAft>
-              <a:defRPr>
-                <a:solidFill>
-                  <a:schemeClr val="tx1"/>
-                </a:solidFill>
-                <a:latin typeface="Arial" panose="020B0604020202020204" pitchFamily="34" charset="0"/>
-                <a:ea typeface="宋体" panose="02010600030101010101" pitchFamily="2" charset="-122"/>
-              </a:defRPr>
-            </a:lvl6pPr>
-            <a:lvl7pPr marL="2971800" indent="-228600" eaLnBrk="0" fontAlgn="base" hangingPunct="0">
-              <a:spcBef>
-                <a:spcPct val="0"/>
-              </a:spcBef>
-              <a:spcAft>
-                <a:spcPct val="0"/>
-              </a:spcAft>
-              <a:defRPr>
-                <a:solidFill>
-                  <a:schemeClr val="tx1"/>
-                </a:solidFill>
-                <a:latin typeface="Arial" panose="020B0604020202020204" pitchFamily="34" charset="0"/>
-                <a:ea typeface="宋体" panose="02010600030101010101" pitchFamily="2" charset="-122"/>
-              </a:defRPr>
-            </a:lvl7pPr>
-            <a:lvl8pPr marL="3429000" indent="-228600" eaLnBrk="0" fontAlgn="base" hangingPunct="0">
-              <a:spcBef>
-                <a:spcPct val="0"/>
-              </a:spcBef>
-              <a:spcAft>
-                <a:spcPct val="0"/>
-              </a:spcAft>
-              <a:defRPr>
-                <a:solidFill>
-                  <a:schemeClr val="tx1"/>
-                </a:solidFill>
-                <a:latin typeface="Arial" panose="020B0604020202020204" pitchFamily="34" charset="0"/>
-                <a:ea typeface="宋体" panose="02010600030101010101" pitchFamily="2" charset="-122"/>
-              </a:defRPr>
-            </a:lvl8pPr>
-            <a:lvl9pPr marL="3886200" indent="-228600" eaLnBrk="0" fontAlgn="base" hangingPunct="0">
-              <a:spcBef>
-                <a:spcPct val="0"/>
-              </a:spcBef>
-              <a:spcAft>
-                <a:spcPct val="0"/>
-              </a:spcAft>
-              <a:defRPr>
-                <a:solidFill>
-                  <a:schemeClr val="tx1"/>
-                </a:solidFill>
-                <a:latin typeface="Arial" panose="020B0604020202020204" pitchFamily="34" charset="0"/>
-                <a:ea typeface="宋体" panose="02010600030101010101" pitchFamily="2" charset="-122"/>
-              </a:defRPr>
-            </a:lvl9pPr>
-          </a:lstStyle>
-          <a:p>
-            <a:pPr eaLnBrk="1" hangingPunct="1"/>
-            <a:endParaRPr lang="zh-CN" altLang="en-US"/>
-          </a:p>
-        </p:txBody>
-      </p:sp>
-      <p:sp>
-        <p:nvSpPr>
-          <p:cNvPr id="17" name="AutoShape 3"/>
-          <p:cNvSpPr>
-            <a:spLocks noChangeArrowheads="1"/>
-          </p:cNvSpPr>
-          <p:nvPr/>
-        </p:nvSpPr>
-        <p:spPr bwMode="auto">
-          <a:xfrm>
-            <a:off x="1056063" y="1845618"/>
-            <a:ext cx="10132018" cy="4248471"/>
-          </a:xfrm>
-          <a:prstGeom prst="rect">
-            <a:avLst/>
-          </a:prstGeom>
-          <a:solidFill>
-            <a:schemeClr val="bg1">
-              <a:lumMod val="85000"/>
-            </a:schemeClr>
-          </a:solidFill>
-          <a:ln w="12700" cmpd="sng">
-            <a:noFill/>
-            <a:miter lim="800000"/>
-          </a:ln>
-        </p:spPr>
-        <p:txBody>
-          <a:bodyPr wrap="none" anchor="ctr"/>
-          <a:lstStyle>
-            <a:lvl1pPr eaLnBrk="0" hangingPunct="0">
-              <a:defRPr>
-                <a:solidFill>
-                  <a:schemeClr val="tx1"/>
-                </a:solidFill>
-                <a:latin typeface="Arial" panose="020B0604020202020204" pitchFamily="34" charset="0"/>
-                <a:ea typeface="宋体" panose="02010600030101010101" pitchFamily="2" charset="-122"/>
-              </a:defRPr>
-            </a:lvl1pPr>
-            <a:lvl2pPr marL="742950" indent="-285750" eaLnBrk="0" hangingPunct="0">
-              <a:defRPr>
-                <a:solidFill>
-                  <a:schemeClr val="tx1"/>
-                </a:solidFill>
-                <a:latin typeface="Arial" panose="020B0604020202020204" pitchFamily="34" charset="0"/>
-                <a:ea typeface="宋体" panose="02010600030101010101" pitchFamily="2" charset="-122"/>
-              </a:defRPr>
-            </a:lvl2pPr>
-            <a:lvl3pPr marL="1143000" indent="-228600" eaLnBrk="0" hangingPunct="0">
-              <a:defRPr>
-                <a:solidFill>
-                  <a:schemeClr val="tx1"/>
-                </a:solidFill>
-                <a:latin typeface="Arial" panose="020B0604020202020204" pitchFamily="34" charset="0"/>
-                <a:ea typeface="宋体" panose="02010600030101010101" pitchFamily="2" charset="-122"/>
-              </a:defRPr>
-            </a:lvl3pPr>
-            <a:lvl4pPr marL="1600200" indent="-228600" eaLnBrk="0" hangingPunct="0">
-              <a:defRPr>
-                <a:solidFill>
-                  <a:schemeClr val="tx1"/>
-                </a:solidFill>
-                <a:latin typeface="Arial" panose="020B0604020202020204" pitchFamily="34" charset="0"/>
-                <a:ea typeface="宋体" panose="02010600030101010101" pitchFamily="2" charset="-122"/>
-              </a:defRPr>
-            </a:lvl4pPr>
-            <a:lvl5pPr marL="2057400" indent="-228600" eaLnBrk="0" hangingPunct="0">
-              <a:defRPr>
-                <a:solidFill>
-                  <a:schemeClr val="tx1"/>
-                </a:solidFill>
-                <a:latin typeface="Arial" panose="020B0604020202020204" pitchFamily="34" charset="0"/>
-                <a:ea typeface="宋体" panose="02010600030101010101" pitchFamily="2" charset="-122"/>
-              </a:defRPr>
-            </a:lvl5pPr>
-            <a:lvl6pPr marL="2514600" indent="-228600" eaLnBrk="0" fontAlgn="base" hangingPunct="0">
-              <a:spcBef>
-                <a:spcPct val="0"/>
-              </a:spcBef>
-              <a:spcAft>
-                <a:spcPct val="0"/>
-              </a:spcAft>
-              <a:defRPr>
-                <a:solidFill>
-                  <a:schemeClr val="tx1"/>
-                </a:solidFill>
-                <a:latin typeface="Arial" panose="020B0604020202020204" pitchFamily="34" charset="0"/>
-                <a:ea typeface="宋体" panose="02010600030101010101" pitchFamily="2" charset="-122"/>
-              </a:defRPr>
-            </a:lvl6pPr>
-            <a:lvl7pPr marL="2971800" indent="-228600" eaLnBrk="0" fontAlgn="base" hangingPunct="0">
-              <a:spcBef>
-                <a:spcPct val="0"/>
-              </a:spcBef>
-              <a:spcAft>
-                <a:spcPct val="0"/>
-              </a:spcAft>
-              <a:defRPr>
-                <a:solidFill>
-                  <a:schemeClr val="tx1"/>
-                </a:solidFill>
-                <a:latin typeface="Arial" panose="020B0604020202020204" pitchFamily="34" charset="0"/>
-                <a:ea typeface="宋体" panose="02010600030101010101" pitchFamily="2" charset="-122"/>
-              </a:defRPr>
-            </a:lvl7pPr>
-            <a:lvl8pPr marL="3429000" indent="-228600" eaLnBrk="0" fontAlgn="base" hangingPunct="0">
-              <a:spcBef>
-                <a:spcPct val="0"/>
-              </a:spcBef>
-              <a:spcAft>
-                <a:spcPct val="0"/>
-              </a:spcAft>
-              <a:defRPr>
-                <a:solidFill>
-                  <a:schemeClr val="tx1"/>
-                </a:solidFill>
-                <a:latin typeface="Arial" panose="020B0604020202020204" pitchFamily="34" charset="0"/>
-                <a:ea typeface="宋体" panose="02010600030101010101" pitchFamily="2" charset="-122"/>
-              </a:defRPr>
-            </a:lvl8pPr>
-            <a:lvl9pPr marL="3886200" indent="-228600" eaLnBrk="0" fontAlgn="base" hangingPunct="0">
-              <a:spcBef>
-                <a:spcPct val="0"/>
-              </a:spcBef>
-              <a:spcAft>
-                <a:spcPct val="0"/>
-              </a:spcAft>
-              <a:defRPr>
-                <a:solidFill>
-                  <a:schemeClr val="tx1"/>
-                </a:solidFill>
-                <a:latin typeface="Arial" panose="020B0604020202020204" pitchFamily="34" charset="0"/>
-                <a:ea typeface="宋体" panose="02010600030101010101" pitchFamily="2" charset="-122"/>
-              </a:defRPr>
-            </a:lvl9pPr>
-          </a:lstStyle>
-          <a:p>
-            <a:pPr algn="ctr"/>
-            <a:endParaRPr lang="zh-CN" altLang="en-US" sz="2000">
-              <a:solidFill>
-                <a:schemeClr val="tx2"/>
-              </a:solidFill>
-              <a:ea typeface="微软雅黑" panose="020B0503020204020204" pitchFamily="34" charset="-122"/>
-            </a:endParaRPr>
-          </a:p>
-        </p:txBody>
-      </p:sp>
-      <p:sp>
-        <p:nvSpPr>
-          <p:cNvPr id="18" name="TextBox 17"/>
-          <p:cNvSpPr txBox="1"/>
-          <p:nvPr/>
-        </p:nvSpPr>
-        <p:spPr>
-          <a:xfrm>
-            <a:off x="2291715" y="2228215"/>
-            <a:ext cx="6052185" cy="575945"/>
-          </a:xfrm>
-          <a:prstGeom prst="rect">
-            <a:avLst/>
-          </a:prstGeom>
-          <a:noFill/>
-        </p:spPr>
-        <p:txBody>
-          <a:bodyPr wrap="square" lIns="91472" tIns="45736" rIns="91472" bIns="45736" rtlCol="0">
-            <a:spAutoFit/>
-          </a:bodyPr>
-          <a:lstStyle/>
-          <a:p>
-            <a:pPr algn="just">
-              <a:lnSpc>
-                <a:spcPct val="150000"/>
-              </a:lnSpc>
-            </a:pPr>
-            <a:r>
-              <a:rPr lang="zh-CN" altLang="en-US" dirty="0">
-                <a:solidFill>
-                  <a:sysClr val="windowText" lastClr="000000"/>
-                </a:solidFill>
-                <a:latin typeface="微软雅黑" panose="020B0503020204020204" pitchFamily="34" charset="-122"/>
-                <a:ea typeface="微软雅黑" panose="020B0503020204020204" pitchFamily="34" charset="-122"/>
-              </a:rPr>
-              <a:t>项目名称：问酒</a:t>
-            </a:r>
-            <a:endParaRPr lang="zh-CN" altLang="en-US" dirty="0">
-              <a:solidFill>
-                <a:sysClr val="windowText" lastClr="000000"/>
-              </a:solidFill>
-              <a:latin typeface="微软雅黑" panose="020B0503020204020204" pitchFamily="34" charset="-122"/>
-              <a:ea typeface="微软雅黑" panose="020B0503020204020204" pitchFamily="34" charset="-122"/>
-            </a:endParaRPr>
-          </a:p>
-        </p:txBody>
-      </p:sp>
-      <p:sp>
-        <p:nvSpPr>
-          <p:cNvPr id="19" name="矩形 18"/>
-          <p:cNvSpPr/>
-          <p:nvPr/>
-        </p:nvSpPr>
-        <p:spPr>
-          <a:xfrm>
-            <a:off x="5190186" y="212081"/>
-            <a:ext cx="1808480" cy="583565"/>
-          </a:xfrm>
-          <a:prstGeom prst="rect">
-            <a:avLst/>
-          </a:prstGeom>
-        </p:spPr>
-        <p:txBody>
-          <a:bodyPr wrap="none">
-            <a:spAutoFit/>
-          </a:bodyPr>
-          <a:lstStyle/>
-          <a:p>
-            <a:pPr algn="ctr"/>
-            <a:r>
-              <a:rPr lang="zh-CN" altLang="en-US" sz="3200" b="1" dirty="0">
-                <a:solidFill>
-                  <a:schemeClr val="bg1"/>
-                </a:solidFill>
-                <a:latin typeface="微软雅黑" panose="020B0503020204020204" pitchFamily="34" charset="-122"/>
-                <a:ea typeface="微软雅黑" panose="020B0503020204020204" pitchFamily="34" charset="-122"/>
-              </a:rPr>
-              <a:t>项目简介</a:t>
-            </a:r>
-            <a:endParaRPr lang="zh-CN" altLang="en-US" sz="3200" b="1" dirty="0">
-              <a:solidFill>
-                <a:schemeClr val="bg1"/>
-              </a:solidFill>
-              <a:latin typeface="微软雅黑" panose="020B0503020204020204" pitchFamily="34" charset="-122"/>
-              <a:ea typeface="微软雅黑" panose="020B0503020204020204" pitchFamily="34" charset="-122"/>
-            </a:endParaRPr>
-          </a:p>
-        </p:txBody>
-      </p:sp>
-      <p:sp>
-        <p:nvSpPr>
-          <p:cNvPr id="2" name="文本框 1"/>
-          <p:cNvSpPr txBox="1"/>
-          <p:nvPr/>
-        </p:nvSpPr>
-        <p:spPr>
-          <a:xfrm>
-            <a:off x="2291715" y="3717290"/>
-            <a:ext cx="7799070" cy="1060450"/>
-          </a:xfrm>
-          <a:prstGeom prst="rect">
-            <a:avLst/>
-          </a:prstGeom>
-          <a:noFill/>
-        </p:spPr>
-        <p:txBody>
-          <a:bodyPr wrap="square" rtlCol="0">
-            <a:spAutoFit/>
-          </a:bodyPr>
-          <a:p>
-            <a:r>
-              <a:rPr lang="zh-CN" altLang="en-US">
-                <a:latin typeface="微软雅黑" panose="020B0503020204020204" pitchFamily="34" charset="-122"/>
-                <a:ea typeface="微软雅黑" panose="020B0503020204020204" pitchFamily="34" charset="-122"/>
-              </a:rPr>
-              <a:t>软件用途：</a:t>
-            </a:r>
-            <a:r>
-              <a:rPr lang="zh-CN" altLang="en-US" dirty="0">
-                <a:solidFill>
-                  <a:sysClr val="windowText" lastClr="000000"/>
-                </a:solidFill>
-                <a:latin typeface="微软雅黑" panose="020B0503020204020204" pitchFamily="34" charset="-122"/>
-                <a:ea typeface="微软雅黑" panose="020B0503020204020204" pitchFamily="34" charset="-122"/>
-                <a:sym typeface="+mn-ea"/>
-              </a:rPr>
-              <a:t>供广大群众谈论与查询不同种类的酒，以及分享喝酒体会、心得的一个平台</a:t>
-            </a:r>
-            <a:endParaRPr lang="zh-CN" altLang="en-US" dirty="0">
-              <a:solidFill>
-                <a:sysClr val="windowText" lastClr="000000"/>
-              </a:solidFill>
-              <a:latin typeface="微软雅黑" panose="020B0503020204020204" pitchFamily="34" charset="-122"/>
-              <a:ea typeface="微软雅黑" panose="020B0503020204020204" pitchFamily="34" charset="-122"/>
-              <a:sym typeface="+mn-ea"/>
-            </a:endParaRPr>
-          </a:p>
-          <a:p>
-            <a:endParaRPr lang="zh-CN" altLang="en-US"/>
-          </a:p>
-        </p:txBody>
-      </p:sp>
-    </p:spTree>
-  </p:cSld>
-  <p:clrMapOvr>
-    <a:masterClrMapping/>
-  </p:clrMapOvr>
-  <p:transition spd="slow" advClick="0" advTm="0">
-    <p:pull/>
-  </p:transition>
-  <p:timing>
-    <p:tnLst>
-      <p:par>
-        <p:cTn id="1" dur="indefinite" restart="never" nodeType="tmRoot">
-          <p:childTnLst>
-            <p:seq concurrent="1" nextAc="seek">
-              <p:cTn id="2" dur="indefinite" nodeType="mainSeq">
-                <p:childTnLst>
-                  <p:par>
-                    <p:cTn id="3" fill="hold">
-                      <p:stCondLst>
-                        <p:cond delay="indefinite"/>
-                        <p:cond evt="onBegin" delay="0">
-                          <p:tn val="2"/>
-                        </p:cond>
-                      </p:stCondLst>
-                      <p:childTnLst>
-                        <p:par>
-                          <p:cTn id="4" fill="hold">
-                            <p:stCondLst>
-                              <p:cond delay="0"/>
-                            </p:stCondLst>
-                            <p:childTnLst>
-                              <p:par>
-                                <p:cTn id="5" presetID="17" presetClass="entr" presetSubtype="10" fill="hold" grpId="0" nodeType="afterEffect">
-                                  <p:stCondLst>
-                                    <p:cond delay="0"/>
-                                  </p:stCondLst>
-                                  <p:childTnLst>
-                                    <p:set>
-                                      <p:cBhvr>
-                                        <p:cTn id="6" dur="1" fill="hold">
-                                          <p:stCondLst>
-                                            <p:cond delay="0"/>
-                                          </p:stCondLst>
-                                        </p:cTn>
-                                        <p:tgtEl>
-                                          <p:spTgt spid="20"/>
-                                        </p:tgtEl>
-                                        <p:attrNameLst>
-                                          <p:attrName>style.visibility</p:attrName>
-                                        </p:attrNameLst>
-                                      </p:cBhvr>
-                                      <p:to>
-                                        <p:strVal val="visible"/>
-                                      </p:to>
-                                    </p:set>
-                                    <p:anim calcmode="lin" valueType="num">
-                                      <p:cBhvr>
-                                        <p:cTn id="7" dur="500" fill="hold"/>
-                                        <p:tgtEl>
-                                          <p:spTgt spid="20"/>
-                                        </p:tgtEl>
-                                        <p:attrNameLst>
-                                          <p:attrName>ppt_w</p:attrName>
-                                        </p:attrNameLst>
-                                      </p:cBhvr>
-                                      <p:tavLst>
-                                        <p:tav tm="0">
-                                          <p:val>
-                                            <p:fltVal val="0"/>
-                                          </p:val>
-                                        </p:tav>
-                                        <p:tav tm="100000">
-                                          <p:val>
-                                            <p:strVal val="#ppt_w"/>
-                                          </p:val>
-                                        </p:tav>
-                                      </p:tavLst>
-                                    </p:anim>
-                                    <p:anim calcmode="lin" valueType="num">
-                                      <p:cBhvr>
-                                        <p:cTn id="8" dur="500" fill="hold"/>
-                                        <p:tgtEl>
-                                          <p:spTgt spid="20"/>
-                                        </p:tgtEl>
-                                        <p:attrNameLst>
-                                          <p:attrName>ppt_h</p:attrName>
-                                        </p:attrNameLst>
-                                      </p:cBhvr>
-                                      <p:tavLst>
-                                        <p:tav tm="0">
-                                          <p:val>
-                                            <p:strVal val="#ppt_h"/>
-                                          </p:val>
-                                        </p:tav>
-                                        <p:tav tm="100000">
-                                          <p:val>
-                                            <p:strVal val="#ppt_h"/>
-                                          </p:val>
-                                        </p:tav>
-                                      </p:tavLst>
-                                    </p:anim>
-                                  </p:childTnLst>
-                                </p:cTn>
-                              </p:par>
-                            </p:childTnLst>
-                          </p:cTn>
-                        </p:par>
-                        <p:par>
-                          <p:cTn id="9" fill="hold">
-                            <p:stCondLst>
-                              <p:cond delay="500"/>
-                            </p:stCondLst>
-                            <p:childTnLst>
-                              <p:par>
-                                <p:cTn id="10" presetID="41" presetClass="entr" presetSubtype="0" fill="hold" grpId="0" nodeType="afterEffect">
-                                  <p:stCondLst>
-                                    <p:cond delay="0"/>
-                                  </p:stCondLst>
-                                  <p:iterate type="lt">
-                                    <p:tmPct val="10000"/>
-                                  </p:iterate>
-                                  <p:childTnLst>
-                                    <p:set>
-                                      <p:cBhvr>
-                                        <p:cTn id="11" dur="1" fill="hold">
-                                          <p:stCondLst>
-                                            <p:cond delay="0"/>
-                                          </p:stCondLst>
-                                        </p:cTn>
-                                        <p:tgtEl>
-                                          <p:spTgt spid="19"/>
-                                        </p:tgtEl>
-                                        <p:attrNameLst>
-                                          <p:attrName>style.visibility</p:attrName>
-                                        </p:attrNameLst>
-                                      </p:cBhvr>
-                                      <p:to>
-                                        <p:strVal val="visible"/>
-                                      </p:to>
-                                    </p:set>
-                                    <p:anim calcmode="lin" valueType="num">
-                                      <p:cBhvr>
-                                        <p:cTn id="12" dur="500" fill="hold"/>
-                                        <p:tgtEl>
-                                          <p:spTgt spid="19"/>
-                                        </p:tgtEl>
-                                        <p:attrNameLst>
-                                          <p:attrName>ppt_x</p:attrName>
-                                        </p:attrNameLst>
-                                      </p:cBhvr>
-                                      <p:tavLst>
-                                        <p:tav tm="0">
-                                          <p:val>
-                                            <p:strVal val="#ppt_x"/>
-                                          </p:val>
-                                        </p:tav>
-                                        <p:tav tm="50000">
-                                          <p:val>
-                                            <p:strVal val="#ppt_x+.1"/>
-                                          </p:val>
-                                        </p:tav>
-                                        <p:tav tm="100000">
-                                          <p:val>
-                                            <p:strVal val="#ppt_x"/>
-                                          </p:val>
-                                        </p:tav>
-                                      </p:tavLst>
-                                    </p:anim>
-                                    <p:anim calcmode="lin" valueType="num">
-                                      <p:cBhvr>
-                                        <p:cTn id="13" dur="500" fill="hold"/>
-                                        <p:tgtEl>
-                                          <p:spTgt spid="19"/>
-                                        </p:tgtEl>
-                                        <p:attrNameLst>
-                                          <p:attrName>ppt_y</p:attrName>
-                                        </p:attrNameLst>
-                                      </p:cBhvr>
-                                      <p:tavLst>
-                                        <p:tav tm="0">
-                                          <p:val>
-                                            <p:strVal val="#ppt_y"/>
-                                          </p:val>
-                                        </p:tav>
-                                        <p:tav tm="100000">
-                                          <p:val>
-                                            <p:strVal val="#ppt_y"/>
-                                          </p:val>
-                                        </p:tav>
-                                      </p:tavLst>
-                                    </p:anim>
-                                    <p:anim calcmode="lin" valueType="num">
-                                      <p:cBhvr>
-                                        <p:cTn id="14" dur="500" fill="hold"/>
-                                        <p:tgtEl>
-                                          <p:spTgt spid="19"/>
-                                        </p:tgtEl>
-                                        <p:attrNameLst>
-                                          <p:attrName>ppt_h</p:attrName>
-                                        </p:attrNameLst>
-                                      </p:cBhvr>
-                                      <p:tavLst>
-                                        <p:tav tm="0">
-                                          <p:val>
-                                            <p:strVal val="#ppt_h/10"/>
-                                          </p:val>
-                                        </p:tav>
-                                        <p:tav tm="50000">
-                                          <p:val>
-                                            <p:strVal val="#ppt_h+.01"/>
-                                          </p:val>
-                                        </p:tav>
-                                        <p:tav tm="100000">
-                                          <p:val>
-                                            <p:strVal val="#ppt_h"/>
-                                          </p:val>
-                                        </p:tav>
-                                      </p:tavLst>
-                                    </p:anim>
-                                    <p:anim calcmode="lin" valueType="num">
-                                      <p:cBhvr>
-                                        <p:cTn id="15" dur="500" fill="hold"/>
-                                        <p:tgtEl>
-                                          <p:spTgt spid="19"/>
-                                        </p:tgtEl>
-                                        <p:attrNameLst>
-                                          <p:attrName>ppt_w</p:attrName>
-                                        </p:attrNameLst>
-                                      </p:cBhvr>
-                                      <p:tavLst>
-                                        <p:tav tm="0">
-                                          <p:val>
-                                            <p:strVal val="#ppt_w/10"/>
-                                          </p:val>
-                                        </p:tav>
-                                        <p:tav tm="50000">
-                                          <p:val>
-                                            <p:strVal val="#ppt_w+.01"/>
-                                          </p:val>
-                                        </p:tav>
-                                        <p:tav tm="100000">
-                                          <p:val>
-                                            <p:strVal val="#ppt_w"/>
-                                          </p:val>
-                                        </p:tav>
-                                      </p:tavLst>
-                                    </p:anim>
-                                    <p:animEffect transition="in" filter="fade">
-                                      <p:cBhvr>
-                                        <p:cTn id="16" dur="500" tmFilter="0,0; .5, 1; 1, 1"/>
-                                        <p:tgtEl>
-                                          <p:spTgt spid="19"/>
-                                        </p:tgtEl>
-                                      </p:cBhvr>
-                                    </p:animEffect>
-                                  </p:childTnLst>
-                                </p:cTn>
-                              </p:par>
-                            </p:childTnLst>
-                          </p:cTn>
-                        </p:par>
-                        <p:par>
-                          <p:cTn id="17" fill="hold">
-                            <p:stCondLst>
-                              <p:cond delay="1149"/>
-                            </p:stCondLst>
-                            <p:childTnLst>
-                              <p:par>
-                                <p:cTn id="18" presetID="12" presetClass="entr" presetSubtype="1" fill="hold" grpId="0" nodeType="afterEffect">
-                                  <p:stCondLst>
-                                    <p:cond delay="0"/>
-                                  </p:stCondLst>
-                                  <p:childTnLst>
-                                    <p:set>
-                                      <p:cBhvr>
-                                        <p:cTn id="19" dur="1" fill="hold">
-                                          <p:stCondLst>
-                                            <p:cond delay="0"/>
-                                          </p:stCondLst>
-                                        </p:cTn>
-                                        <p:tgtEl>
-                                          <p:spTgt spid="17"/>
-                                        </p:tgtEl>
-                                        <p:attrNameLst>
-                                          <p:attrName>style.visibility</p:attrName>
-                                        </p:attrNameLst>
-                                      </p:cBhvr>
-                                      <p:to>
-                                        <p:strVal val="visible"/>
-                                      </p:to>
-                                    </p:set>
-                                    <p:animEffect transition="in" filter="slide(fromTop)">
-                                      <p:cBhvr>
-                                        <p:cTn id="20" dur="500"/>
-                                        <p:tgtEl>
-                                          <p:spTgt spid="17"/>
-                                        </p:tgtEl>
-                                      </p:cBhvr>
-                                    </p:animEffect>
-                                  </p:childTnLst>
-                                </p:cTn>
-                              </p:par>
-                              <p:par>
-                                <p:cTn id="21" presetID="12" presetClass="entr" presetSubtype="4" fill="hold" grpId="0" nodeType="withEffect">
-                                  <p:stCondLst>
-                                    <p:cond delay="0"/>
-                                  </p:stCondLst>
-                                  <p:childTnLst>
-                                    <p:set>
-                                      <p:cBhvr>
-                                        <p:cTn id="22" dur="1" fill="hold">
-                                          <p:stCondLst>
-                                            <p:cond delay="0"/>
-                                          </p:stCondLst>
-                                        </p:cTn>
-                                        <p:tgtEl>
-                                          <p:spTgt spid="16"/>
-                                        </p:tgtEl>
-                                        <p:attrNameLst>
-                                          <p:attrName>style.visibility</p:attrName>
-                                        </p:attrNameLst>
-                                      </p:cBhvr>
-                                      <p:to>
-                                        <p:strVal val="visible"/>
-                                      </p:to>
-                                    </p:set>
-                                    <p:animEffect transition="in" filter="slide(fromBottom)">
-                                      <p:cBhvr>
-                                        <p:cTn id="23" dur="500"/>
-                                        <p:tgtEl>
-                                          <p:spTgt spid="16"/>
-                                        </p:tgtEl>
-                                      </p:cBhvr>
-                                    </p:animEffect>
-                                  </p:childTnLst>
-                                </p:cTn>
-                              </p:par>
-                            </p:childTnLst>
-                          </p:cTn>
-                        </p:par>
-                        <p:par>
-                          <p:cTn id="24" fill="hold">
-                            <p:stCondLst>
-                              <p:cond delay="1649"/>
-                            </p:stCondLst>
-                            <p:childTnLst>
-                              <p:par>
-                                <p:cTn id="25" presetID="22" presetClass="entr" presetSubtype="8" fill="hold" grpId="0" nodeType="afterEffect">
-                                  <p:stCondLst>
-                                    <p:cond delay="0"/>
-                                  </p:stCondLst>
-                                  <p:iterate type="lt">
-                                    <p:tmPct val="30000"/>
-                                  </p:iterate>
-                                  <p:childTnLst>
-                                    <p:set>
-                                      <p:cBhvr>
-                                        <p:cTn id="26" dur="1" fill="hold">
-                                          <p:stCondLst>
-                                            <p:cond delay="0"/>
-                                          </p:stCondLst>
-                                        </p:cTn>
-                                        <p:tgtEl>
-                                          <p:spTgt spid="18"/>
-                                        </p:tgtEl>
-                                        <p:attrNameLst>
-                                          <p:attrName>style.visibility</p:attrName>
-                                        </p:attrNameLst>
-                                      </p:cBhvr>
-                                      <p:to>
-                                        <p:strVal val="visible"/>
-                                      </p:to>
-                                    </p:set>
-                                    <p:animEffect transition="in" filter="wipe(left)">
-                                      <p:cBhvr>
-                                        <p:cTn id="27" dur="100"/>
-                                        <p:tgtEl>
-                                          <p:spTgt spid="18"/>
-                                        </p:tgtEl>
-                                      </p:cBhvr>
-                                    </p:animEffect>
-                                  </p:childTnLst>
-                                </p:cTn>
-                              </p:par>
-                              <p:par>
-                                <p:cTn id="28" presetID="36" presetClass="emph" presetSubtype="0" fill="hold" grpId="1" nodeType="withEffect">
-                                  <p:stCondLst>
-                                    <p:cond delay="0"/>
-                                  </p:stCondLst>
-                                  <p:iterate type="lt">
-                                    <p:tmPct val="30000"/>
-                                  </p:iterate>
-                                  <p:childTnLst>
-                                    <p:animScale>
-                                      <p:cBhvr>
-                                        <p:cTn id="29" dur="50" autoRev="1" fill="hold">
-                                          <p:stCondLst>
-                                            <p:cond delay="0"/>
-                                          </p:stCondLst>
-                                        </p:cTn>
-                                        <p:tgtEl>
-                                          <p:spTgt spid="18"/>
-                                        </p:tgtEl>
-                                      </p:cBhvr>
-                                      <p:to x="80000" y="100000"/>
-                                    </p:animScale>
-                                    <p:anim by="(#ppt_w*0.10)" calcmode="lin" valueType="num">
-                                      <p:cBhvr>
-                                        <p:cTn id="30" dur="50" autoRev="1" fill="hold">
-                                          <p:stCondLst>
-                                            <p:cond delay="0"/>
-                                          </p:stCondLst>
-                                        </p:cTn>
-                                        <p:tgtEl>
-                                          <p:spTgt spid="18"/>
-                                        </p:tgtEl>
-                                        <p:attrNameLst>
-                                          <p:attrName>ppt_x</p:attrName>
-                                        </p:attrNameLst>
-                                      </p:cBhvr>
-                                    </p:anim>
-                                    <p:anim by="(-#ppt_w*0.10)" calcmode="lin" valueType="num">
-                                      <p:cBhvr>
-                                        <p:cTn id="31" dur="50" autoRev="1" fill="hold">
-                                          <p:stCondLst>
-                                            <p:cond delay="0"/>
-                                          </p:stCondLst>
-                                        </p:cTn>
-                                        <p:tgtEl>
-                                          <p:spTgt spid="18"/>
-                                        </p:tgtEl>
-                                        <p:attrNameLst>
-                                          <p:attrName>ppt_y</p:attrName>
-                                        </p:attrNameLst>
-                                      </p:cBhvr>
-                                    </p:anim>
-                                    <p:animRot by="-480000">
-                                      <p:cBhvr>
-                                        <p:cTn id="32" dur="50" autoRev="1" fill="hold">
-                                          <p:stCondLst>
-                                            <p:cond delay="0"/>
-                                          </p:stCondLst>
-                                        </p:cTn>
-                                        <p:tgtEl>
-                                          <p:spTgt spid="18"/>
-                                        </p:tgtEl>
-                                        <p:attrNameLst>
-                                          <p:attrName>r</p:attrName>
-                                        </p:attrNameLst>
-                                      </p:cBhvr>
-                                    </p:animRot>
-                                  </p:childTnLst>
-                                </p:cTn>
-                              </p:par>
-                            </p:childTnLst>
-                          </p:cTn>
-                        </p:par>
-                      </p:childTnLst>
-                    </p:cTn>
-                  </p:par>
-                </p:childTnLst>
-              </p:cTn>
-              <p:prevCondLst>
-                <p:cond evt="onPrev" delay="0">
-                  <p:tgtEl>
-                    <p:sldTgt/>
-                  </p:tgtEl>
-                </p:cond>
-              </p:prevCondLst>
-              <p:nextCondLst>
-                <p:cond evt="onNext" delay="0">
-                  <p:tgtEl>
-                    <p:sldTgt/>
-                  </p:tgtEl>
-                </p:cond>
-              </p:nextCondLst>
-            </p:seq>
-          </p:childTnLst>
-        </p:cTn>
-      </p:par>
-    </p:tnLst>
-    <p:bldLst>
-      <p:bldP spid="20" grpId="0" bldLvl="0" animBg="1"/>
-      <p:bldP spid="16" grpId="0" bldLvl="0" animBg="1" autoUpdateAnimBg="0"/>
-      <p:bldP spid="17" grpId="0" bldLvl="0" animBg="1" autoUpdateAnimBg="0"/>
-      <p:bldP spid="18" grpId="0"/>
-      <p:bldP spid="18" grpId="1"/>
-      <p:bldP spid="19" grpId="0"/>
-    </p:bldLst>
-  </p:timing>
-</p:sld>
-</file>
-
-<file path=ppt/slides/slide20.xml><?xml version="1.0" encoding="utf-8"?>
+<file path=ppt/slides/slide19.xml><?xml version="1.0" encoding="utf-8"?>
 <p:sld xmlns:a="http://schemas.openxmlformats.org/drawingml/2006/main" xmlns:r="http://schemas.openxmlformats.org/officeDocument/2006/relationships" xmlns:p="http://schemas.openxmlformats.org/presentationml/2006/main">
   <p:cSld>
     <p:spTree>
@@ -22880,15 +21565,7 @@
                             <a:schemeClr val="tx1"/>
                           </a:solidFill>
                         </a:rPr>
-                        <a:t>制作与</a:t>
-                      </a:r>
-                      <a:r>
-                        <a:rPr lang="zh-CN" altLang="en-US" b="0">
-                          <a:solidFill>
-                            <a:schemeClr val="tx1"/>
-                          </a:solidFill>
-                        </a:rPr>
-                        <a:t>整合，执笔项目计划报告，系统流程图，数据流图</a:t>
+                        <a:t>制作与整合，执笔项目计划报告，系统流程图，数据流图</a:t>
                       </a:r>
                       <a:endParaRPr lang="zh-CN" altLang="en-US" b="0">
                         <a:solidFill>
@@ -23438,7 +22115,1028 @@
 </p:sld>
 </file>
 
-<file path=ppt/slides/slide21.xml><?xml version="1.0" encoding="utf-8"?>
+<file path=ppt/slides/slide2.xml><?xml version="1.0" encoding="utf-8"?>
+<p:sld xmlns:a="http://schemas.openxmlformats.org/drawingml/2006/main" xmlns:r="http://schemas.openxmlformats.org/officeDocument/2006/relationships" xmlns:p="http://schemas.openxmlformats.org/presentationml/2006/main">
+  <p:cSld>
+    <p:spTree>
+      <p:nvGrpSpPr>
+        <p:cNvPr id="1" name=""/>
+        <p:cNvGrpSpPr/>
+        <p:nvPr/>
+      </p:nvGrpSpPr>
+      <p:grpSpPr>
+        <a:xfrm>
+          <a:off x="0" y="0"/>
+          <a:ext cx="0" cy="0"/>
+          <a:chOff x="0" y="0"/>
+          <a:chExt cx="0" cy="0"/>
+        </a:xfrm>
+      </p:grpSpPr>
+      <p:sp>
+        <p:nvSpPr>
+          <p:cNvPr id="20" name="矩形 19"/>
+          <p:cNvSpPr/>
+          <p:nvPr/>
+        </p:nvSpPr>
+        <p:spPr>
+          <a:xfrm>
+            <a:off x="-1270" y="-59055"/>
+            <a:ext cx="12192000" cy="1125538"/>
+          </a:xfrm>
+          <a:prstGeom prst="rect">
+            <a:avLst/>
+          </a:prstGeom>
+          <a:solidFill>
+            <a:srgbClr val="38B1BF"/>
+          </a:solidFill>
+          <a:ln>
+            <a:noFill/>
+          </a:ln>
+          <a:effectLst>
+            <a:outerShdw blurRad="50800" dist="38100" dir="5400000" algn="t" rotWithShape="0">
+              <a:prstClr val="black">
+                <a:alpha val="40000"/>
+              </a:prstClr>
+            </a:outerShdw>
+          </a:effectLst>
+        </p:spPr>
+        <p:style>
+          <a:lnRef idx="2">
+            <a:schemeClr val="accent1">
+              <a:shade val="50000"/>
+            </a:schemeClr>
+          </a:lnRef>
+          <a:fillRef idx="1">
+            <a:schemeClr val="accent1"/>
+          </a:fillRef>
+          <a:effectRef idx="0">
+            <a:schemeClr val="accent1"/>
+          </a:effectRef>
+          <a:fontRef idx="minor">
+            <a:schemeClr val="lt1"/>
+          </a:fontRef>
+        </p:style>
+        <p:txBody>
+          <a:bodyPr rtlCol="0" anchor="ctr"/>
+          <a:lstStyle/>
+          <a:p>
+            <a:pPr algn="ctr"/>
+            <a:endParaRPr lang="zh-CN" altLang="en-US"/>
+          </a:p>
+        </p:txBody>
+      </p:sp>
+      <p:sp>
+        <p:nvSpPr>
+          <p:cNvPr id="16" name="AutoShape 3"/>
+          <p:cNvSpPr>
+            <a:spLocks noChangeArrowheads="1"/>
+          </p:cNvSpPr>
+          <p:nvPr/>
+        </p:nvSpPr>
+        <p:spPr bwMode="auto">
+          <a:xfrm>
+            <a:off x="910630" y="2061642"/>
+            <a:ext cx="10422260" cy="4176464"/>
+          </a:xfrm>
+          <a:prstGeom prst="rect">
+            <a:avLst/>
+          </a:prstGeom>
+          <a:solidFill>
+            <a:schemeClr val="accent1"/>
+          </a:solidFill>
+          <a:ln w="12700" cmpd="sng">
+            <a:noFill/>
+            <a:miter lim="800000"/>
+          </a:ln>
+        </p:spPr>
+        <p:txBody>
+          <a:bodyPr anchor="ctr"/>
+          <a:lstStyle>
+            <a:lvl1pPr eaLnBrk="0" hangingPunct="0">
+              <a:defRPr>
+                <a:solidFill>
+                  <a:schemeClr val="tx1"/>
+                </a:solidFill>
+                <a:latin typeface="Arial" panose="020B0604020202020204" pitchFamily="34" charset="0"/>
+                <a:ea typeface="宋体" panose="02010600030101010101" pitchFamily="2" charset="-122"/>
+              </a:defRPr>
+            </a:lvl1pPr>
+            <a:lvl2pPr marL="742950" indent="-285750" eaLnBrk="0" hangingPunct="0">
+              <a:defRPr>
+                <a:solidFill>
+                  <a:schemeClr val="tx1"/>
+                </a:solidFill>
+                <a:latin typeface="Arial" panose="020B0604020202020204" pitchFamily="34" charset="0"/>
+                <a:ea typeface="宋体" panose="02010600030101010101" pitchFamily="2" charset="-122"/>
+              </a:defRPr>
+            </a:lvl2pPr>
+            <a:lvl3pPr marL="1143000" indent="-228600" eaLnBrk="0" hangingPunct="0">
+              <a:defRPr>
+                <a:solidFill>
+                  <a:schemeClr val="tx1"/>
+                </a:solidFill>
+                <a:latin typeface="Arial" panose="020B0604020202020204" pitchFamily="34" charset="0"/>
+                <a:ea typeface="宋体" panose="02010600030101010101" pitchFamily="2" charset="-122"/>
+              </a:defRPr>
+            </a:lvl3pPr>
+            <a:lvl4pPr marL="1600200" indent="-228600" eaLnBrk="0" hangingPunct="0">
+              <a:defRPr>
+                <a:solidFill>
+                  <a:schemeClr val="tx1"/>
+                </a:solidFill>
+                <a:latin typeface="Arial" panose="020B0604020202020204" pitchFamily="34" charset="0"/>
+                <a:ea typeface="宋体" panose="02010600030101010101" pitchFamily="2" charset="-122"/>
+              </a:defRPr>
+            </a:lvl4pPr>
+            <a:lvl5pPr marL="2057400" indent="-228600" eaLnBrk="0" hangingPunct="0">
+              <a:defRPr>
+                <a:solidFill>
+                  <a:schemeClr val="tx1"/>
+                </a:solidFill>
+                <a:latin typeface="Arial" panose="020B0604020202020204" pitchFamily="34" charset="0"/>
+                <a:ea typeface="宋体" panose="02010600030101010101" pitchFamily="2" charset="-122"/>
+              </a:defRPr>
+            </a:lvl5pPr>
+            <a:lvl6pPr marL="2514600" indent="-228600" eaLnBrk="0" fontAlgn="base" hangingPunct="0">
+              <a:spcBef>
+                <a:spcPct val="0"/>
+              </a:spcBef>
+              <a:spcAft>
+                <a:spcPct val="0"/>
+              </a:spcAft>
+              <a:defRPr>
+                <a:solidFill>
+                  <a:schemeClr val="tx1"/>
+                </a:solidFill>
+                <a:latin typeface="Arial" panose="020B0604020202020204" pitchFamily="34" charset="0"/>
+                <a:ea typeface="宋体" panose="02010600030101010101" pitchFamily="2" charset="-122"/>
+              </a:defRPr>
+            </a:lvl6pPr>
+            <a:lvl7pPr marL="2971800" indent="-228600" eaLnBrk="0" fontAlgn="base" hangingPunct="0">
+              <a:spcBef>
+                <a:spcPct val="0"/>
+              </a:spcBef>
+              <a:spcAft>
+                <a:spcPct val="0"/>
+              </a:spcAft>
+              <a:defRPr>
+                <a:solidFill>
+                  <a:schemeClr val="tx1"/>
+                </a:solidFill>
+                <a:latin typeface="Arial" panose="020B0604020202020204" pitchFamily="34" charset="0"/>
+                <a:ea typeface="宋体" panose="02010600030101010101" pitchFamily="2" charset="-122"/>
+              </a:defRPr>
+            </a:lvl7pPr>
+            <a:lvl8pPr marL="3429000" indent="-228600" eaLnBrk="0" fontAlgn="base" hangingPunct="0">
+              <a:spcBef>
+                <a:spcPct val="0"/>
+              </a:spcBef>
+              <a:spcAft>
+                <a:spcPct val="0"/>
+              </a:spcAft>
+              <a:defRPr>
+                <a:solidFill>
+                  <a:schemeClr val="tx1"/>
+                </a:solidFill>
+                <a:latin typeface="Arial" panose="020B0604020202020204" pitchFamily="34" charset="0"/>
+                <a:ea typeface="宋体" panose="02010600030101010101" pitchFamily="2" charset="-122"/>
+              </a:defRPr>
+            </a:lvl8pPr>
+            <a:lvl9pPr marL="3886200" indent="-228600" eaLnBrk="0" fontAlgn="base" hangingPunct="0">
+              <a:spcBef>
+                <a:spcPct val="0"/>
+              </a:spcBef>
+              <a:spcAft>
+                <a:spcPct val="0"/>
+              </a:spcAft>
+              <a:defRPr>
+                <a:solidFill>
+                  <a:schemeClr val="tx1"/>
+                </a:solidFill>
+                <a:latin typeface="Arial" panose="020B0604020202020204" pitchFamily="34" charset="0"/>
+                <a:ea typeface="宋体" panose="02010600030101010101" pitchFamily="2" charset="-122"/>
+              </a:defRPr>
+            </a:lvl9pPr>
+          </a:lstStyle>
+          <a:p>
+            <a:pPr eaLnBrk="1" hangingPunct="1"/>
+            <a:endParaRPr lang="zh-CN" altLang="en-US"/>
+          </a:p>
+        </p:txBody>
+      </p:sp>
+      <p:sp>
+        <p:nvSpPr>
+          <p:cNvPr id="17" name="AutoShape 3"/>
+          <p:cNvSpPr>
+            <a:spLocks noChangeArrowheads="1"/>
+          </p:cNvSpPr>
+          <p:nvPr/>
+        </p:nvSpPr>
+        <p:spPr bwMode="auto">
+          <a:xfrm>
+            <a:off x="1056063" y="1845618"/>
+            <a:ext cx="10132018" cy="4248471"/>
+          </a:xfrm>
+          <a:prstGeom prst="rect">
+            <a:avLst/>
+          </a:prstGeom>
+          <a:solidFill>
+            <a:schemeClr val="bg1">
+              <a:lumMod val="85000"/>
+            </a:schemeClr>
+          </a:solidFill>
+          <a:ln w="12700" cmpd="sng">
+            <a:noFill/>
+            <a:miter lim="800000"/>
+          </a:ln>
+        </p:spPr>
+        <p:txBody>
+          <a:bodyPr wrap="none" anchor="ctr"/>
+          <a:lstStyle>
+            <a:lvl1pPr eaLnBrk="0" hangingPunct="0">
+              <a:defRPr>
+                <a:solidFill>
+                  <a:schemeClr val="tx1"/>
+                </a:solidFill>
+                <a:latin typeface="Arial" panose="020B0604020202020204" pitchFamily="34" charset="0"/>
+                <a:ea typeface="宋体" panose="02010600030101010101" pitchFamily="2" charset="-122"/>
+              </a:defRPr>
+            </a:lvl1pPr>
+            <a:lvl2pPr marL="742950" indent="-285750" eaLnBrk="0" hangingPunct="0">
+              <a:defRPr>
+                <a:solidFill>
+                  <a:schemeClr val="tx1"/>
+                </a:solidFill>
+                <a:latin typeface="Arial" panose="020B0604020202020204" pitchFamily="34" charset="0"/>
+                <a:ea typeface="宋体" panose="02010600030101010101" pitchFamily="2" charset="-122"/>
+              </a:defRPr>
+            </a:lvl2pPr>
+            <a:lvl3pPr marL="1143000" indent="-228600" eaLnBrk="0" hangingPunct="0">
+              <a:defRPr>
+                <a:solidFill>
+                  <a:schemeClr val="tx1"/>
+                </a:solidFill>
+                <a:latin typeface="Arial" panose="020B0604020202020204" pitchFamily="34" charset="0"/>
+                <a:ea typeface="宋体" panose="02010600030101010101" pitchFamily="2" charset="-122"/>
+              </a:defRPr>
+            </a:lvl3pPr>
+            <a:lvl4pPr marL="1600200" indent="-228600" eaLnBrk="0" hangingPunct="0">
+              <a:defRPr>
+                <a:solidFill>
+                  <a:schemeClr val="tx1"/>
+                </a:solidFill>
+                <a:latin typeface="Arial" panose="020B0604020202020204" pitchFamily="34" charset="0"/>
+                <a:ea typeface="宋体" panose="02010600030101010101" pitchFamily="2" charset="-122"/>
+              </a:defRPr>
+            </a:lvl4pPr>
+            <a:lvl5pPr marL="2057400" indent="-228600" eaLnBrk="0" hangingPunct="0">
+              <a:defRPr>
+                <a:solidFill>
+                  <a:schemeClr val="tx1"/>
+                </a:solidFill>
+                <a:latin typeface="Arial" panose="020B0604020202020204" pitchFamily="34" charset="0"/>
+                <a:ea typeface="宋体" panose="02010600030101010101" pitchFamily="2" charset="-122"/>
+              </a:defRPr>
+            </a:lvl5pPr>
+            <a:lvl6pPr marL="2514600" indent="-228600" eaLnBrk="0" fontAlgn="base" hangingPunct="0">
+              <a:spcBef>
+                <a:spcPct val="0"/>
+              </a:spcBef>
+              <a:spcAft>
+                <a:spcPct val="0"/>
+              </a:spcAft>
+              <a:defRPr>
+                <a:solidFill>
+                  <a:schemeClr val="tx1"/>
+                </a:solidFill>
+                <a:latin typeface="Arial" panose="020B0604020202020204" pitchFamily="34" charset="0"/>
+                <a:ea typeface="宋体" panose="02010600030101010101" pitchFamily="2" charset="-122"/>
+              </a:defRPr>
+            </a:lvl6pPr>
+            <a:lvl7pPr marL="2971800" indent="-228600" eaLnBrk="0" fontAlgn="base" hangingPunct="0">
+              <a:spcBef>
+                <a:spcPct val="0"/>
+              </a:spcBef>
+              <a:spcAft>
+                <a:spcPct val="0"/>
+              </a:spcAft>
+              <a:defRPr>
+                <a:solidFill>
+                  <a:schemeClr val="tx1"/>
+                </a:solidFill>
+                <a:latin typeface="Arial" panose="020B0604020202020204" pitchFamily="34" charset="0"/>
+                <a:ea typeface="宋体" panose="02010600030101010101" pitchFamily="2" charset="-122"/>
+              </a:defRPr>
+            </a:lvl7pPr>
+            <a:lvl8pPr marL="3429000" indent="-228600" eaLnBrk="0" fontAlgn="base" hangingPunct="0">
+              <a:spcBef>
+                <a:spcPct val="0"/>
+              </a:spcBef>
+              <a:spcAft>
+                <a:spcPct val="0"/>
+              </a:spcAft>
+              <a:defRPr>
+                <a:solidFill>
+                  <a:schemeClr val="tx1"/>
+                </a:solidFill>
+                <a:latin typeface="Arial" panose="020B0604020202020204" pitchFamily="34" charset="0"/>
+                <a:ea typeface="宋体" panose="02010600030101010101" pitchFamily="2" charset="-122"/>
+              </a:defRPr>
+            </a:lvl8pPr>
+            <a:lvl9pPr marL="3886200" indent="-228600" eaLnBrk="0" fontAlgn="base" hangingPunct="0">
+              <a:spcBef>
+                <a:spcPct val="0"/>
+              </a:spcBef>
+              <a:spcAft>
+                <a:spcPct val="0"/>
+              </a:spcAft>
+              <a:defRPr>
+                <a:solidFill>
+                  <a:schemeClr val="tx1"/>
+                </a:solidFill>
+                <a:latin typeface="Arial" panose="020B0604020202020204" pitchFamily="34" charset="0"/>
+                <a:ea typeface="宋体" panose="02010600030101010101" pitchFamily="2" charset="-122"/>
+              </a:defRPr>
+            </a:lvl9pPr>
+          </a:lstStyle>
+          <a:p>
+            <a:pPr algn="ctr"/>
+            <a:endParaRPr lang="zh-CN" altLang="en-US" sz="2000">
+              <a:solidFill>
+                <a:schemeClr val="tx2"/>
+              </a:solidFill>
+              <a:ea typeface="微软雅黑" panose="020B0503020204020204" pitchFamily="34" charset="-122"/>
+            </a:endParaRPr>
+          </a:p>
+        </p:txBody>
+      </p:sp>
+      <p:sp>
+        <p:nvSpPr>
+          <p:cNvPr id="18" name="TextBox 17"/>
+          <p:cNvSpPr txBox="1"/>
+          <p:nvPr/>
+        </p:nvSpPr>
+        <p:spPr>
+          <a:xfrm>
+            <a:off x="2291715" y="2228215"/>
+            <a:ext cx="6052185" cy="575945"/>
+          </a:xfrm>
+          <a:prstGeom prst="rect">
+            <a:avLst/>
+          </a:prstGeom>
+          <a:noFill/>
+        </p:spPr>
+        <p:txBody>
+          <a:bodyPr wrap="square" lIns="91472" tIns="45736" rIns="91472" bIns="45736" rtlCol="0">
+            <a:spAutoFit/>
+          </a:bodyPr>
+          <a:lstStyle/>
+          <a:p>
+            <a:pPr algn="just">
+              <a:lnSpc>
+                <a:spcPct val="150000"/>
+              </a:lnSpc>
+            </a:pPr>
+            <a:r>
+              <a:rPr lang="zh-CN" altLang="en-US" dirty="0">
+                <a:solidFill>
+                  <a:sysClr val="windowText" lastClr="000000"/>
+                </a:solidFill>
+                <a:latin typeface="微软雅黑" panose="020B0503020204020204" pitchFamily="34" charset="-122"/>
+                <a:ea typeface="微软雅黑" panose="020B0503020204020204" pitchFamily="34" charset="-122"/>
+              </a:rPr>
+              <a:t>项目名称：问酒</a:t>
+            </a:r>
+            <a:endParaRPr lang="zh-CN" altLang="en-US" dirty="0">
+              <a:solidFill>
+                <a:sysClr val="windowText" lastClr="000000"/>
+              </a:solidFill>
+              <a:latin typeface="微软雅黑" panose="020B0503020204020204" pitchFamily="34" charset="-122"/>
+              <a:ea typeface="微软雅黑" panose="020B0503020204020204" pitchFamily="34" charset="-122"/>
+            </a:endParaRPr>
+          </a:p>
+        </p:txBody>
+      </p:sp>
+      <p:sp>
+        <p:nvSpPr>
+          <p:cNvPr id="19" name="矩形 18"/>
+          <p:cNvSpPr/>
+          <p:nvPr/>
+        </p:nvSpPr>
+        <p:spPr>
+          <a:xfrm>
+            <a:off x="5190186" y="212081"/>
+            <a:ext cx="1808480" cy="583565"/>
+          </a:xfrm>
+          <a:prstGeom prst="rect">
+            <a:avLst/>
+          </a:prstGeom>
+        </p:spPr>
+        <p:txBody>
+          <a:bodyPr wrap="none">
+            <a:spAutoFit/>
+          </a:bodyPr>
+          <a:lstStyle/>
+          <a:p>
+            <a:pPr algn="ctr"/>
+            <a:r>
+              <a:rPr lang="zh-CN" altLang="en-US" sz="3200" b="1" dirty="0">
+                <a:solidFill>
+                  <a:schemeClr val="bg1"/>
+                </a:solidFill>
+                <a:latin typeface="微软雅黑" panose="020B0503020204020204" pitchFamily="34" charset="-122"/>
+                <a:ea typeface="微软雅黑" panose="020B0503020204020204" pitchFamily="34" charset="-122"/>
+              </a:rPr>
+              <a:t>项目简介</a:t>
+            </a:r>
+            <a:endParaRPr lang="zh-CN" altLang="en-US" sz="3200" b="1" dirty="0">
+              <a:solidFill>
+                <a:schemeClr val="bg1"/>
+              </a:solidFill>
+              <a:latin typeface="微软雅黑" panose="020B0503020204020204" pitchFamily="34" charset="-122"/>
+              <a:ea typeface="微软雅黑" panose="020B0503020204020204" pitchFamily="34" charset="-122"/>
+            </a:endParaRPr>
+          </a:p>
+        </p:txBody>
+      </p:sp>
+      <p:sp>
+        <p:nvSpPr>
+          <p:cNvPr id="2" name="文本框 1"/>
+          <p:cNvSpPr txBox="1"/>
+          <p:nvPr/>
+        </p:nvSpPr>
+        <p:spPr>
+          <a:xfrm>
+            <a:off x="2291715" y="3240405"/>
+            <a:ext cx="7799070" cy="2353310"/>
+          </a:xfrm>
+          <a:prstGeom prst="rect">
+            <a:avLst/>
+          </a:prstGeom>
+          <a:noFill/>
+        </p:spPr>
+        <p:txBody>
+          <a:bodyPr wrap="square" rtlCol="0">
+            <a:spAutoFit/>
+          </a:bodyPr>
+          <a:p>
+            <a:r>
+              <a:rPr lang="zh-CN" altLang="en-US">
+                <a:latin typeface="微软雅黑" panose="020B0503020204020204" pitchFamily="34" charset="-122"/>
+                <a:ea typeface="微软雅黑" panose="020B0503020204020204" pitchFamily="34" charset="-122"/>
+              </a:rPr>
+              <a:t>软件用途：</a:t>
+            </a:r>
+            <a:r>
+              <a:rPr lang="zh-CN" altLang="en-US" dirty="0">
+                <a:solidFill>
+                  <a:sysClr val="windowText" lastClr="000000"/>
+                </a:solidFill>
+                <a:latin typeface="微软雅黑" panose="020B0503020204020204" pitchFamily="34" charset="-122"/>
+                <a:ea typeface="微软雅黑" panose="020B0503020204020204" pitchFamily="34" charset="-122"/>
+                <a:sym typeface="+mn-ea"/>
+              </a:rPr>
+              <a:t>供广大群众通过图像识别查询酒的基本信息，以及推荐喝法和配菜。</a:t>
+            </a:r>
+            <a:endParaRPr lang="zh-CN" altLang="en-US" dirty="0">
+              <a:solidFill>
+                <a:sysClr val="windowText" lastClr="000000"/>
+              </a:solidFill>
+              <a:latin typeface="微软雅黑" panose="020B0503020204020204" pitchFamily="34" charset="-122"/>
+              <a:ea typeface="微软雅黑" panose="020B0503020204020204" pitchFamily="34" charset="-122"/>
+              <a:sym typeface="+mn-ea"/>
+            </a:endParaRPr>
+          </a:p>
+          <a:p>
+            <a:endParaRPr lang="zh-CN" altLang="en-US" dirty="0">
+              <a:solidFill>
+                <a:sysClr val="windowText" lastClr="000000"/>
+              </a:solidFill>
+              <a:latin typeface="微软雅黑" panose="020B0503020204020204" pitchFamily="34" charset="-122"/>
+              <a:ea typeface="微软雅黑" panose="020B0503020204020204" pitchFamily="34" charset="-122"/>
+              <a:sym typeface="+mn-ea"/>
+            </a:endParaRPr>
+          </a:p>
+          <a:p>
+            <a:r>
+              <a:rPr lang="zh-CN" altLang="en-US" dirty="0">
+                <a:solidFill>
+                  <a:sysClr val="windowText" lastClr="000000"/>
+                </a:solidFill>
+                <a:latin typeface="微软雅黑" panose="020B0503020204020204" pitchFamily="34" charset="-122"/>
+                <a:ea typeface="微软雅黑" panose="020B0503020204020204" pitchFamily="34" charset="-122"/>
+                <a:sym typeface="+mn-ea"/>
+              </a:rPr>
+              <a:t>项目目标：为喜欢喝酒以及对酒文化感兴趣的群体通过Android Studio和Tensorflow等工具开发出一个可以通过图像识别来检索酒的信息的APP。</a:t>
+            </a:r>
+            <a:endParaRPr lang="zh-CN" altLang="en-US" dirty="0">
+              <a:solidFill>
+                <a:sysClr val="windowText" lastClr="000000"/>
+              </a:solidFill>
+              <a:latin typeface="微软雅黑" panose="020B0503020204020204" pitchFamily="34" charset="-122"/>
+              <a:ea typeface="微软雅黑" panose="020B0503020204020204" pitchFamily="34" charset="-122"/>
+              <a:sym typeface="+mn-ea"/>
+            </a:endParaRPr>
+          </a:p>
+          <a:p>
+            <a:endParaRPr lang="zh-CN" altLang="en-US"/>
+          </a:p>
+        </p:txBody>
+      </p:sp>
+    </p:spTree>
+  </p:cSld>
+  <p:clrMapOvr>
+    <a:masterClrMapping/>
+  </p:clrMapOvr>
+  <p:transition spd="slow" advClick="0" advTm="0">
+    <p:pull/>
+  </p:transition>
+  <p:timing>
+    <p:tnLst>
+      <p:par>
+        <p:cTn id="1" dur="indefinite" restart="never" nodeType="tmRoot">
+          <p:childTnLst>
+            <p:seq concurrent="1" nextAc="seek">
+              <p:cTn id="2" dur="indefinite" nodeType="mainSeq">
+                <p:childTnLst>
+                  <p:par>
+                    <p:cTn id="3" fill="hold">
+                      <p:stCondLst>
+                        <p:cond delay="indefinite"/>
+                        <p:cond evt="onBegin" delay="0">
+                          <p:tn val="2"/>
+                        </p:cond>
+                      </p:stCondLst>
+                      <p:childTnLst>
+                        <p:par>
+                          <p:cTn id="4" fill="hold">
+                            <p:stCondLst>
+                              <p:cond delay="0"/>
+                            </p:stCondLst>
+                            <p:childTnLst>
+                              <p:par>
+                                <p:cTn id="5" presetID="17" presetClass="entr" presetSubtype="10" fill="hold" grpId="0" nodeType="afterEffect">
+                                  <p:stCondLst>
+                                    <p:cond delay="0"/>
+                                  </p:stCondLst>
+                                  <p:childTnLst>
+                                    <p:set>
+                                      <p:cBhvr>
+                                        <p:cTn id="6" dur="1" fill="hold">
+                                          <p:stCondLst>
+                                            <p:cond delay="0"/>
+                                          </p:stCondLst>
+                                        </p:cTn>
+                                        <p:tgtEl>
+                                          <p:spTgt spid="20"/>
+                                        </p:tgtEl>
+                                        <p:attrNameLst>
+                                          <p:attrName>style.visibility</p:attrName>
+                                        </p:attrNameLst>
+                                      </p:cBhvr>
+                                      <p:to>
+                                        <p:strVal val="visible"/>
+                                      </p:to>
+                                    </p:set>
+                                    <p:anim calcmode="lin" valueType="num">
+                                      <p:cBhvr>
+                                        <p:cTn id="7" dur="500" fill="hold"/>
+                                        <p:tgtEl>
+                                          <p:spTgt spid="20"/>
+                                        </p:tgtEl>
+                                        <p:attrNameLst>
+                                          <p:attrName>ppt_w</p:attrName>
+                                        </p:attrNameLst>
+                                      </p:cBhvr>
+                                      <p:tavLst>
+                                        <p:tav tm="0">
+                                          <p:val>
+                                            <p:fltVal val="0"/>
+                                          </p:val>
+                                        </p:tav>
+                                        <p:tav tm="100000">
+                                          <p:val>
+                                            <p:strVal val="#ppt_w"/>
+                                          </p:val>
+                                        </p:tav>
+                                      </p:tavLst>
+                                    </p:anim>
+                                    <p:anim calcmode="lin" valueType="num">
+                                      <p:cBhvr>
+                                        <p:cTn id="8" dur="500" fill="hold"/>
+                                        <p:tgtEl>
+                                          <p:spTgt spid="20"/>
+                                        </p:tgtEl>
+                                        <p:attrNameLst>
+                                          <p:attrName>ppt_h</p:attrName>
+                                        </p:attrNameLst>
+                                      </p:cBhvr>
+                                      <p:tavLst>
+                                        <p:tav tm="0">
+                                          <p:val>
+                                            <p:strVal val="#ppt_h"/>
+                                          </p:val>
+                                        </p:tav>
+                                        <p:tav tm="100000">
+                                          <p:val>
+                                            <p:strVal val="#ppt_h"/>
+                                          </p:val>
+                                        </p:tav>
+                                      </p:tavLst>
+                                    </p:anim>
+                                  </p:childTnLst>
+                                </p:cTn>
+                              </p:par>
+                            </p:childTnLst>
+                          </p:cTn>
+                        </p:par>
+                        <p:par>
+                          <p:cTn id="9" fill="hold">
+                            <p:stCondLst>
+                              <p:cond delay="500"/>
+                            </p:stCondLst>
+                            <p:childTnLst>
+                              <p:par>
+                                <p:cTn id="10" presetID="41" presetClass="entr" presetSubtype="0" fill="hold" grpId="0" nodeType="afterEffect">
+                                  <p:stCondLst>
+                                    <p:cond delay="0"/>
+                                  </p:stCondLst>
+                                  <p:iterate type="lt">
+                                    <p:tmPct val="10000"/>
+                                  </p:iterate>
+                                  <p:childTnLst>
+                                    <p:set>
+                                      <p:cBhvr>
+                                        <p:cTn id="11" dur="1" fill="hold">
+                                          <p:stCondLst>
+                                            <p:cond delay="0"/>
+                                          </p:stCondLst>
+                                        </p:cTn>
+                                        <p:tgtEl>
+                                          <p:spTgt spid="19"/>
+                                        </p:tgtEl>
+                                        <p:attrNameLst>
+                                          <p:attrName>style.visibility</p:attrName>
+                                        </p:attrNameLst>
+                                      </p:cBhvr>
+                                      <p:to>
+                                        <p:strVal val="visible"/>
+                                      </p:to>
+                                    </p:set>
+                                    <p:anim calcmode="lin" valueType="num">
+                                      <p:cBhvr>
+                                        <p:cTn id="12" dur="500" fill="hold"/>
+                                        <p:tgtEl>
+                                          <p:spTgt spid="19"/>
+                                        </p:tgtEl>
+                                        <p:attrNameLst>
+                                          <p:attrName>ppt_x</p:attrName>
+                                        </p:attrNameLst>
+                                      </p:cBhvr>
+                                      <p:tavLst>
+                                        <p:tav tm="0">
+                                          <p:val>
+                                            <p:strVal val="#ppt_x"/>
+                                          </p:val>
+                                        </p:tav>
+                                        <p:tav tm="50000">
+                                          <p:val>
+                                            <p:strVal val="#ppt_x+.1"/>
+                                          </p:val>
+                                        </p:tav>
+                                        <p:tav tm="100000">
+                                          <p:val>
+                                            <p:strVal val="#ppt_x"/>
+                                          </p:val>
+                                        </p:tav>
+                                      </p:tavLst>
+                                    </p:anim>
+                                    <p:anim calcmode="lin" valueType="num">
+                                      <p:cBhvr>
+                                        <p:cTn id="13" dur="500" fill="hold"/>
+                                        <p:tgtEl>
+                                          <p:spTgt spid="19"/>
+                                        </p:tgtEl>
+                                        <p:attrNameLst>
+                                          <p:attrName>ppt_y</p:attrName>
+                                        </p:attrNameLst>
+                                      </p:cBhvr>
+                                      <p:tavLst>
+                                        <p:tav tm="0">
+                                          <p:val>
+                                            <p:strVal val="#ppt_y"/>
+                                          </p:val>
+                                        </p:tav>
+                                        <p:tav tm="100000">
+                                          <p:val>
+                                            <p:strVal val="#ppt_y"/>
+                                          </p:val>
+                                        </p:tav>
+                                      </p:tavLst>
+                                    </p:anim>
+                                    <p:anim calcmode="lin" valueType="num">
+                                      <p:cBhvr>
+                                        <p:cTn id="14" dur="500" fill="hold"/>
+                                        <p:tgtEl>
+                                          <p:spTgt spid="19"/>
+                                        </p:tgtEl>
+                                        <p:attrNameLst>
+                                          <p:attrName>ppt_h</p:attrName>
+                                        </p:attrNameLst>
+                                      </p:cBhvr>
+                                      <p:tavLst>
+                                        <p:tav tm="0">
+                                          <p:val>
+                                            <p:strVal val="#ppt_h/10"/>
+                                          </p:val>
+                                        </p:tav>
+                                        <p:tav tm="50000">
+                                          <p:val>
+                                            <p:strVal val="#ppt_h+.01"/>
+                                          </p:val>
+                                        </p:tav>
+                                        <p:tav tm="100000">
+                                          <p:val>
+                                            <p:strVal val="#ppt_h"/>
+                                          </p:val>
+                                        </p:tav>
+                                      </p:tavLst>
+                                    </p:anim>
+                                    <p:anim calcmode="lin" valueType="num">
+                                      <p:cBhvr>
+                                        <p:cTn id="15" dur="500" fill="hold"/>
+                                        <p:tgtEl>
+                                          <p:spTgt spid="19"/>
+                                        </p:tgtEl>
+                                        <p:attrNameLst>
+                                          <p:attrName>ppt_w</p:attrName>
+                                        </p:attrNameLst>
+                                      </p:cBhvr>
+                                      <p:tavLst>
+                                        <p:tav tm="0">
+                                          <p:val>
+                                            <p:strVal val="#ppt_w/10"/>
+                                          </p:val>
+                                        </p:tav>
+                                        <p:tav tm="50000">
+                                          <p:val>
+                                            <p:strVal val="#ppt_w+.01"/>
+                                          </p:val>
+                                        </p:tav>
+                                        <p:tav tm="100000">
+                                          <p:val>
+                                            <p:strVal val="#ppt_w"/>
+                                          </p:val>
+                                        </p:tav>
+                                      </p:tavLst>
+                                    </p:anim>
+                                    <p:animEffect transition="in" filter="fade">
+                                      <p:cBhvr>
+                                        <p:cTn id="16" dur="500" tmFilter="0,0; .5, 1; 1, 1"/>
+                                        <p:tgtEl>
+                                          <p:spTgt spid="19"/>
+                                        </p:tgtEl>
+                                      </p:cBhvr>
+                                    </p:animEffect>
+                                  </p:childTnLst>
+                                </p:cTn>
+                              </p:par>
+                            </p:childTnLst>
+                          </p:cTn>
+                        </p:par>
+                        <p:par>
+                          <p:cTn id="17" fill="hold">
+                            <p:stCondLst>
+                              <p:cond delay="1149"/>
+                            </p:stCondLst>
+                            <p:childTnLst>
+                              <p:par>
+                                <p:cTn id="18" presetID="12" presetClass="entr" presetSubtype="1" fill="hold" grpId="0" nodeType="afterEffect">
+                                  <p:stCondLst>
+                                    <p:cond delay="0"/>
+                                  </p:stCondLst>
+                                  <p:childTnLst>
+                                    <p:set>
+                                      <p:cBhvr>
+                                        <p:cTn id="19" dur="1" fill="hold">
+                                          <p:stCondLst>
+                                            <p:cond delay="0"/>
+                                          </p:stCondLst>
+                                        </p:cTn>
+                                        <p:tgtEl>
+                                          <p:spTgt spid="17"/>
+                                        </p:tgtEl>
+                                        <p:attrNameLst>
+                                          <p:attrName>style.visibility</p:attrName>
+                                        </p:attrNameLst>
+                                      </p:cBhvr>
+                                      <p:to>
+                                        <p:strVal val="visible"/>
+                                      </p:to>
+                                    </p:set>
+                                    <p:animEffect transition="in" filter="slide(fromTop)">
+                                      <p:cBhvr>
+                                        <p:cTn id="20" dur="500"/>
+                                        <p:tgtEl>
+                                          <p:spTgt spid="17"/>
+                                        </p:tgtEl>
+                                      </p:cBhvr>
+                                    </p:animEffect>
+                                  </p:childTnLst>
+                                </p:cTn>
+                              </p:par>
+                              <p:par>
+                                <p:cTn id="21" presetID="12" presetClass="entr" presetSubtype="4" fill="hold" grpId="0" nodeType="withEffect">
+                                  <p:stCondLst>
+                                    <p:cond delay="0"/>
+                                  </p:stCondLst>
+                                  <p:childTnLst>
+                                    <p:set>
+                                      <p:cBhvr>
+                                        <p:cTn id="22" dur="1" fill="hold">
+                                          <p:stCondLst>
+                                            <p:cond delay="0"/>
+                                          </p:stCondLst>
+                                        </p:cTn>
+                                        <p:tgtEl>
+                                          <p:spTgt spid="16"/>
+                                        </p:tgtEl>
+                                        <p:attrNameLst>
+                                          <p:attrName>style.visibility</p:attrName>
+                                        </p:attrNameLst>
+                                      </p:cBhvr>
+                                      <p:to>
+                                        <p:strVal val="visible"/>
+                                      </p:to>
+                                    </p:set>
+                                    <p:animEffect transition="in" filter="slide(fromBottom)">
+                                      <p:cBhvr>
+                                        <p:cTn id="23" dur="500"/>
+                                        <p:tgtEl>
+                                          <p:spTgt spid="16"/>
+                                        </p:tgtEl>
+                                      </p:cBhvr>
+                                    </p:animEffect>
+                                  </p:childTnLst>
+                                </p:cTn>
+                              </p:par>
+                            </p:childTnLst>
+                          </p:cTn>
+                        </p:par>
+                        <p:par>
+                          <p:cTn id="24" fill="hold">
+                            <p:stCondLst>
+                              <p:cond delay="1649"/>
+                            </p:stCondLst>
+                            <p:childTnLst>
+                              <p:par>
+                                <p:cTn id="25" presetID="22" presetClass="entr" presetSubtype="8" fill="hold" grpId="0" nodeType="afterEffect">
+                                  <p:stCondLst>
+                                    <p:cond delay="0"/>
+                                  </p:stCondLst>
+                                  <p:iterate type="lt">
+                                    <p:tmPct val="30000"/>
+                                  </p:iterate>
+                                  <p:childTnLst>
+                                    <p:set>
+                                      <p:cBhvr>
+                                        <p:cTn id="26" dur="1" fill="hold">
+                                          <p:stCondLst>
+                                            <p:cond delay="0"/>
+                                          </p:stCondLst>
+                                        </p:cTn>
+                                        <p:tgtEl>
+                                          <p:spTgt spid="18"/>
+                                        </p:tgtEl>
+                                        <p:attrNameLst>
+                                          <p:attrName>style.visibility</p:attrName>
+                                        </p:attrNameLst>
+                                      </p:cBhvr>
+                                      <p:to>
+                                        <p:strVal val="visible"/>
+                                      </p:to>
+                                    </p:set>
+                                    <p:animEffect transition="in" filter="wipe(left)">
+                                      <p:cBhvr>
+                                        <p:cTn id="27" dur="100"/>
+                                        <p:tgtEl>
+                                          <p:spTgt spid="18"/>
+                                        </p:tgtEl>
+                                      </p:cBhvr>
+                                    </p:animEffect>
+                                  </p:childTnLst>
+                                </p:cTn>
+                              </p:par>
+                              <p:par>
+                                <p:cTn id="28" presetID="36" presetClass="emph" presetSubtype="0" fill="hold" grpId="1" nodeType="withEffect">
+                                  <p:stCondLst>
+                                    <p:cond delay="0"/>
+                                  </p:stCondLst>
+                                  <p:iterate type="lt">
+                                    <p:tmPct val="30000"/>
+                                  </p:iterate>
+                                  <p:childTnLst>
+                                    <p:animScale>
+                                      <p:cBhvr>
+                                        <p:cTn id="29" dur="50" autoRev="1" fill="hold">
+                                          <p:stCondLst>
+                                            <p:cond delay="0"/>
+                                          </p:stCondLst>
+                                        </p:cTn>
+                                        <p:tgtEl>
+                                          <p:spTgt spid="18"/>
+                                        </p:tgtEl>
+                                      </p:cBhvr>
+                                      <p:to x="80000" y="100000"/>
+                                    </p:animScale>
+                                    <p:anim by="(#ppt_w*0.10)" calcmode="lin" valueType="num">
+                                      <p:cBhvr>
+                                        <p:cTn id="30" dur="50" autoRev="1" fill="hold">
+                                          <p:stCondLst>
+                                            <p:cond delay="0"/>
+                                          </p:stCondLst>
+                                        </p:cTn>
+                                        <p:tgtEl>
+                                          <p:spTgt spid="18"/>
+                                        </p:tgtEl>
+                                        <p:attrNameLst>
+                                          <p:attrName>ppt_x</p:attrName>
+                                        </p:attrNameLst>
+                                      </p:cBhvr>
+                                    </p:anim>
+                                    <p:anim by="(-#ppt_w*0.10)" calcmode="lin" valueType="num">
+                                      <p:cBhvr>
+                                        <p:cTn id="31" dur="50" autoRev="1" fill="hold">
+                                          <p:stCondLst>
+                                            <p:cond delay="0"/>
+                                          </p:stCondLst>
+                                        </p:cTn>
+                                        <p:tgtEl>
+                                          <p:spTgt spid="18"/>
+                                        </p:tgtEl>
+                                        <p:attrNameLst>
+                                          <p:attrName>ppt_y</p:attrName>
+                                        </p:attrNameLst>
+                                      </p:cBhvr>
+                                    </p:anim>
+                                    <p:animRot by="-480000">
+                                      <p:cBhvr>
+                                        <p:cTn id="32" dur="50" autoRev="1" fill="hold">
+                                          <p:stCondLst>
+                                            <p:cond delay="0"/>
+                                          </p:stCondLst>
+                                        </p:cTn>
+                                        <p:tgtEl>
+                                          <p:spTgt spid="18"/>
+                                        </p:tgtEl>
+                                        <p:attrNameLst>
+                                          <p:attrName>r</p:attrName>
+                                        </p:attrNameLst>
+                                      </p:cBhvr>
+                                    </p:animRot>
+                                  </p:childTnLst>
+                                </p:cTn>
+                              </p:par>
+                            </p:childTnLst>
+                          </p:cTn>
+                        </p:par>
+                      </p:childTnLst>
+                    </p:cTn>
+                  </p:par>
+                </p:childTnLst>
+              </p:cTn>
+              <p:prevCondLst>
+                <p:cond evt="onPrev" delay="0">
+                  <p:tgtEl>
+                    <p:sldTgt/>
+                  </p:tgtEl>
+                </p:cond>
+              </p:prevCondLst>
+              <p:nextCondLst>
+                <p:cond evt="onNext" delay="0">
+                  <p:tgtEl>
+                    <p:sldTgt/>
+                  </p:tgtEl>
+                </p:cond>
+              </p:nextCondLst>
+            </p:seq>
+          </p:childTnLst>
+        </p:cTn>
+      </p:par>
+    </p:tnLst>
+    <p:bldLst>
+      <p:bldP spid="20" grpId="0" bldLvl="0" animBg="1"/>
+      <p:bldP spid="16" grpId="0" bldLvl="0" animBg="1" autoUpdateAnimBg="0"/>
+      <p:bldP spid="17" grpId="0" bldLvl="0" animBg="1" autoUpdateAnimBg="0"/>
+      <p:bldP spid="18" grpId="0"/>
+      <p:bldP spid="18" grpId="1"/>
+      <p:bldP spid="19" grpId="0"/>
+    </p:bldLst>
+  </p:timing>
+</p:sld>
+</file>
+
+<file path=ppt/slides/slide20.xml><?xml version="1.0" encoding="utf-8"?>
 <p:sld xmlns:a="http://schemas.openxmlformats.org/drawingml/2006/main" xmlns:r="http://schemas.openxmlformats.org/officeDocument/2006/relationships" xmlns:p="http://schemas.openxmlformats.org/presentationml/2006/main">
   <p:cSld>
     <p:spTree>
@@ -25330,661 +25028,6 @@
       </p:sp>
       <p:graphicFrame>
         <p:nvGraphicFramePr>
-          <p:cNvPr id="3" name="表格 2"/>
-          <p:cNvGraphicFramePr/>
-          <p:nvPr/>
-        </p:nvGraphicFramePr>
-        <p:xfrm>
-          <a:off x="1729105" y="2078355"/>
-          <a:ext cx="8545195" cy="3724275"/>
-        </p:xfrm>
-        <a:graphic>
-          <a:graphicData uri="http://schemas.openxmlformats.org/drawingml/2006/table">
-            <a:tbl>
-              <a:tblPr firstRow="1" bandRow="1">
-                <a:tableStyleId>{5C22544A-7EE6-4342-B048-85BDC9FD1C3A}</a:tableStyleId>
-              </a:tblPr>
-              <a:tblGrid>
-                <a:gridCol w="4302760"/>
-                <a:gridCol w="4242435"/>
-              </a:tblGrid>
-              <a:tr h="725170">
-                <a:tc>
-                  <a:txBody>
-                    <a:bodyPr/>
-                    <a:p>
-                      <a:pPr algn="ctr">
-                        <a:buNone/>
-                      </a:pPr>
-                      <a:r>
-                        <a:rPr lang="zh-CN" altLang="en-US"/>
-                        <a:t>项目目标</a:t>
-                      </a:r>
-                      <a:endParaRPr lang="zh-CN" altLang="en-US"/>
-                    </a:p>
-                  </a:txBody>
-                  <a:tcPr/>
-                </a:tc>
-                <a:tc>
-                  <a:txBody>
-                    <a:bodyPr/>
-                    <a:p>
-                      <a:pPr algn="ctr">
-                        <a:buNone/>
-                      </a:pPr>
-                      <a:r>
-                        <a:rPr lang="zh-CN" altLang="en-US"/>
-                        <a:t>所占比重</a:t>
-                      </a:r>
-                      <a:endParaRPr lang="zh-CN" altLang="en-US"/>
-                    </a:p>
-                  </a:txBody>
-                  <a:tcPr/>
-                </a:tc>
-              </a:tr>
-              <a:tr h="739775">
-                <a:tc>
-                  <a:txBody>
-                    <a:bodyPr/>
-                    <a:p>
-                      <a:pPr>
-                        <a:buNone/>
-                      </a:pPr>
-                      <a:r>
-                        <a:rPr lang="zh-CN" altLang="en-US"/>
-                        <a:t>分享喝不同酒的心得、经验。</a:t>
-                      </a:r>
-                      <a:endParaRPr lang="zh-CN" altLang="en-US"/>
-                    </a:p>
-                  </a:txBody>
-                  <a:tcPr>
-                    <a:solidFill>
-                      <a:schemeClr val="accent1">
-                        <a:lumMod val="60000"/>
-                        <a:lumOff val="40000"/>
-                      </a:schemeClr>
-                    </a:solidFill>
-                  </a:tcPr>
-                </a:tc>
-                <a:tc>
-                  <a:txBody>
-                    <a:bodyPr/>
-                    <a:p>
-                      <a:pPr algn="ctr">
-                        <a:buNone/>
-                      </a:pPr>
-                      <a:r>
-                        <a:rPr lang="en-US" altLang="zh-CN"/>
-                        <a:t>50%</a:t>
-                      </a:r>
-                      <a:endParaRPr lang="en-US" altLang="zh-CN"/>
-                    </a:p>
-                  </a:txBody>
-                  <a:tcPr>
-                    <a:solidFill>
-                      <a:schemeClr val="accent1">
-                        <a:lumMod val="60000"/>
-                        <a:lumOff val="40000"/>
-                      </a:schemeClr>
-                    </a:solidFill>
-                  </a:tcPr>
-                </a:tc>
-              </a:tr>
-              <a:tr h="678180">
-                <a:tc>
-                  <a:txBody>
-                    <a:bodyPr/>
-                    <a:p>
-                      <a:pPr>
-                        <a:buNone/>
-                      </a:pPr>
-                      <a:r>
-                        <a:rPr lang="zh-CN" altLang="en-US"/>
-                        <a:t>遇到未喝过的酒时，查询此酒的相关信息</a:t>
-                      </a:r>
-                      <a:endParaRPr lang="zh-CN" altLang="en-US"/>
-                    </a:p>
-                  </a:txBody>
-                  <a:tcPr>
-                    <a:solidFill>
-                      <a:schemeClr val="accent1">
-                        <a:lumMod val="40000"/>
-                        <a:lumOff val="60000"/>
-                      </a:schemeClr>
-                    </a:solidFill>
-                  </a:tcPr>
-                </a:tc>
-                <a:tc>
-                  <a:txBody>
-                    <a:bodyPr/>
-                    <a:p>
-                      <a:pPr algn="ctr">
-                        <a:buNone/>
-                      </a:pPr>
-                      <a:r>
-                        <a:rPr lang="en-US" altLang="zh-CN"/>
-                        <a:t>30%</a:t>
-                      </a:r>
-                      <a:endParaRPr lang="en-US" altLang="zh-CN"/>
-                    </a:p>
-                  </a:txBody>
-                  <a:tcPr>
-                    <a:solidFill>
-                      <a:schemeClr val="accent1">
-                        <a:lumMod val="40000"/>
-                        <a:lumOff val="60000"/>
-                      </a:schemeClr>
-                    </a:solidFill>
-                  </a:tcPr>
-                </a:tc>
-              </a:tr>
-              <a:tr h="755015">
-                <a:tc>
-                  <a:txBody>
-                    <a:bodyPr/>
-                    <a:p>
-                      <a:pPr>
-                        <a:buNone/>
-                      </a:pPr>
-                      <a:r>
-                        <a:rPr lang="zh-CN" altLang="en-US"/>
-                        <a:t>界面交互简单</a:t>
-                      </a:r>
-                      <a:endParaRPr lang="zh-CN" altLang="en-US"/>
-                    </a:p>
-                  </a:txBody>
-                  <a:tcPr>
-                    <a:solidFill>
-                      <a:schemeClr val="accent1">
-                        <a:lumMod val="60000"/>
-                        <a:lumOff val="40000"/>
-                      </a:schemeClr>
-                    </a:solidFill>
-                  </a:tcPr>
-                </a:tc>
-                <a:tc>
-                  <a:txBody>
-                    <a:bodyPr/>
-                    <a:p>
-                      <a:pPr algn="ctr">
-                        <a:buNone/>
-                      </a:pPr>
-                      <a:r>
-                        <a:rPr lang="en-US" altLang="zh-CN"/>
-                        <a:t>10%</a:t>
-                      </a:r>
-                      <a:endParaRPr lang="en-US" altLang="zh-CN"/>
-                    </a:p>
-                  </a:txBody>
-                  <a:tcPr>
-                    <a:solidFill>
-                      <a:schemeClr val="accent1">
-                        <a:lumMod val="60000"/>
-                        <a:lumOff val="40000"/>
-                      </a:schemeClr>
-                    </a:solidFill>
-                  </a:tcPr>
-                </a:tc>
-              </a:tr>
-              <a:tr h="826135">
-                <a:tc>
-                  <a:txBody>
-                    <a:bodyPr/>
-                    <a:p>
-                      <a:pPr>
-                        <a:buNone/>
-                      </a:pPr>
-                      <a:r>
-                        <a:rPr lang="zh-CN" altLang="en-US"/>
-                        <a:t>促进酒文化的发展</a:t>
-                      </a:r>
-                      <a:endParaRPr lang="zh-CN" altLang="en-US"/>
-                    </a:p>
-                  </a:txBody>
-                  <a:tcPr>
-                    <a:solidFill>
-                      <a:schemeClr val="accent1">
-                        <a:lumMod val="40000"/>
-                        <a:lumOff val="60000"/>
-                      </a:schemeClr>
-                    </a:solidFill>
-                  </a:tcPr>
-                </a:tc>
-                <a:tc>
-                  <a:txBody>
-                    <a:bodyPr/>
-                    <a:p>
-                      <a:pPr algn="ctr">
-                        <a:buNone/>
-                      </a:pPr>
-                      <a:r>
-                        <a:rPr lang="en-US" altLang="zh-CN"/>
-                        <a:t>10%</a:t>
-                      </a:r>
-                      <a:endParaRPr lang="en-US" altLang="zh-CN"/>
-                    </a:p>
-                  </a:txBody>
-                  <a:tcPr>
-                    <a:solidFill>
-                      <a:schemeClr val="accent1">
-                        <a:lumMod val="40000"/>
-                        <a:lumOff val="60000"/>
-                      </a:schemeClr>
-                    </a:solidFill>
-                  </a:tcPr>
-                </a:tc>
-              </a:tr>
-            </a:tbl>
-          </a:graphicData>
-        </a:graphic>
-      </p:graphicFrame>
-    </p:spTree>
-  </p:cSld>
-  <p:clrMapOvr>
-    <a:masterClrMapping/>
-  </p:clrMapOvr>
-  <p:transition spd="slow" advClick="0" advTm="0">
-    <p:pull/>
-  </p:transition>
-  <p:timing>
-    <p:tnLst>
-      <p:par>
-        <p:cTn id="1" dur="indefinite" restart="never" nodeType="tmRoot">
-          <p:childTnLst>
-            <p:seq concurrent="1" nextAc="seek">
-              <p:cTn id="2" dur="indefinite" nodeType="mainSeq">
-                <p:childTnLst>
-                  <p:par>
-                    <p:cTn id="3" fill="hold">
-                      <p:stCondLst>
-                        <p:cond delay="indefinite"/>
-                        <p:cond evt="onBegin" delay="0">
-                          <p:tn val="2"/>
-                        </p:cond>
-                      </p:stCondLst>
-                      <p:childTnLst>
-                        <p:par>
-                          <p:cTn id="4" fill="hold">
-                            <p:stCondLst>
-                              <p:cond delay="0"/>
-                            </p:stCondLst>
-                            <p:childTnLst>
-                              <p:par>
-                                <p:cTn id="5" presetID="17" presetClass="entr" presetSubtype="10" fill="hold" grpId="0" nodeType="afterEffect">
-                                  <p:stCondLst>
-                                    <p:cond delay="0"/>
-                                  </p:stCondLst>
-                                  <p:childTnLst>
-                                    <p:set>
-                                      <p:cBhvr>
-                                        <p:cTn id="6" dur="1" fill="hold">
-                                          <p:stCondLst>
-                                            <p:cond delay="0"/>
-                                          </p:stCondLst>
-                                        </p:cTn>
-                                        <p:tgtEl>
-                                          <p:spTgt spid="20"/>
-                                        </p:tgtEl>
-                                        <p:attrNameLst>
-                                          <p:attrName>style.visibility</p:attrName>
-                                        </p:attrNameLst>
-                                      </p:cBhvr>
-                                      <p:to>
-                                        <p:strVal val="visible"/>
-                                      </p:to>
-                                    </p:set>
-                                    <p:anim calcmode="lin" valueType="num">
-                                      <p:cBhvr>
-                                        <p:cTn id="7" dur="500" fill="hold"/>
-                                        <p:tgtEl>
-                                          <p:spTgt spid="20"/>
-                                        </p:tgtEl>
-                                        <p:attrNameLst>
-                                          <p:attrName>ppt_w</p:attrName>
-                                        </p:attrNameLst>
-                                      </p:cBhvr>
-                                      <p:tavLst>
-                                        <p:tav tm="0">
-                                          <p:val>
-                                            <p:fltVal val="0"/>
-                                          </p:val>
-                                        </p:tav>
-                                        <p:tav tm="100000">
-                                          <p:val>
-                                            <p:strVal val="#ppt_w"/>
-                                          </p:val>
-                                        </p:tav>
-                                      </p:tavLst>
-                                    </p:anim>
-                                    <p:anim calcmode="lin" valueType="num">
-                                      <p:cBhvr>
-                                        <p:cTn id="8" dur="500" fill="hold"/>
-                                        <p:tgtEl>
-                                          <p:spTgt spid="20"/>
-                                        </p:tgtEl>
-                                        <p:attrNameLst>
-                                          <p:attrName>ppt_h</p:attrName>
-                                        </p:attrNameLst>
-                                      </p:cBhvr>
-                                      <p:tavLst>
-                                        <p:tav tm="0">
-                                          <p:val>
-                                            <p:strVal val="#ppt_h"/>
-                                          </p:val>
-                                        </p:tav>
-                                        <p:tav tm="100000">
-                                          <p:val>
-                                            <p:strVal val="#ppt_h"/>
-                                          </p:val>
-                                        </p:tav>
-                                      </p:tavLst>
-                                    </p:anim>
-                                  </p:childTnLst>
-                                </p:cTn>
-                              </p:par>
-                            </p:childTnLst>
-                          </p:cTn>
-                        </p:par>
-                        <p:par>
-                          <p:cTn id="9" fill="hold">
-                            <p:stCondLst>
-                              <p:cond delay="500"/>
-                            </p:stCondLst>
-                            <p:childTnLst>
-                              <p:par>
-                                <p:cTn id="10" presetID="41" presetClass="entr" presetSubtype="0" fill="hold" grpId="0" nodeType="afterEffect">
-                                  <p:stCondLst>
-                                    <p:cond delay="0"/>
-                                  </p:stCondLst>
-                                  <p:iterate type="lt">
-                                    <p:tmPct val="10000"/>
-                                  </p:iterate>
-                                  <p:childTnLst>
-                                    <p:set>
-                                      <p:cBhvr>
-                                        <p:cTn id="11" dur="1" fill="hold">
-                                          <p:stCondLst>
-                                            <p:cond delay="0"/>
-                                          </p:stCondLst>
-                                        </p:cTn>
-                                        <p:tgtEl>
-                                          <p:spTgt spid="19"/>
-                                        </p:tgtEl>
-                                        <p:attrNameLst>
-                                          <p:attrName>style.visibility</p:attrName>
-                                        </p:attrNameLst>
-                                      </p:cBhvr>
-                                      <p:to>
-                                        <p:strVal val="visible"/>
-                                      </p:to>
-                                    </p:set>
-                                    <p:anim calcmode="lin" valueType="num">
-                                      <p:cBhvr>
-                                        <p:cTn id="12" dur="500" fill="hold"/>
-                                        <p:tgtEl>
-                                          <p:spTgt spid="19"/>
-                                        </p:tgtEl>
-                                        <p:attrNameLst>
-                                          <p:attrName>ppt_x</p:attrName>
-                                        </p:attrNameLst>
-                                      </p:cBhvr>
-                                      <p:tavLst>
-                                        <p:tav tm="0">
-                                          <p:val>
-                                            <p:strVal val="#ppt_x"/>
-                                          </p:val>
-                                        </p:tav>
-                                        <p:tav tm="50000">
-                                          <p:val>
-                                            <p:strVal val="#ppt_x+.1"/>
-                                          </p:val>
-                                        </p:tav>
-                                        <p:tav tm="100000">
-                                          <p:val>
-                                            <p:strVal val="#ppt_x"/>
-                                          </p:val>
-                                        </p:tav>
-                                      </p:tavLst>
-                                    </p:anim>
-                                    <p:anim calcmode="lin" valueType="num">
-                                      <p:cBhvr>
-                                        <p:cTn id="13" dur="500" fill="hold"/>
-                                        <p:tgtEl>
-                                          <p:spTgt spid="19"/>
-                                        </p:tgtEl>
-                                        <p:attrNameLst>
-                                          <p:attrName>ppt_y</p:attrName>
-                                        </p:attrNameLst>
-                                      </p:cBhvr>
-                                      <p:tavLst>
-                                        <p:tav tm="0">
-                                          <p:val>
-                                            <p:strVal val="#ppt_y"/>
-                                          </p:val>
-                                        </p:tav>
-                                        <p:tav tm="100000">
-                                          <p:val>
-                                            <p:strVal val="#ppt_y"/>
-                                          </p:val>
-                                        </p:tav>
-                                      </p:tavLst>
-                                    </p:anim>
-                                    <p:anim calcmode="lin" valueType="num">
-                                      <p:cBhvr>
-                                        <p:cTn id="14" dur="500" fill="hold"/>
-                                        <p:tgtEl>
-                                          <p:spTgt spid="19"/>
-                                        </p:tgtEl>
-                                        <p:attrNameLst>
-                                          <p:attrName>ppt_h</p:attrName>
-                                        </p:attrNameLst>
-                                      </p:cBhvr>
-                                      <p:tavLst>
-                                        <p:tav tm="0">
-                                          <p:val>
-                                            <p:strVal val="#ppt_h/10"/>
-                                          </p:val>
-                                        </p:tav>
-                                        <p:tav tm="50000">
-                                          <p:val>
-                                            <p:strVal val="#ppt_h+.01"/>
-                                          </p:val>
-                                        </p:tav>
-                                        <p:tav tm="100000">
-                                          <p:val>
-                                            <p:strVal val="#ppt_h"/>
-                                          </p:val>
-                                        </p:tav>
-                                      </p:tavLst>
-                                    </p:anim>
-                                    <p:anim calcmode="lin" valueType="num">
-                                      <p:cBhvr>
-                                        <p:cTn id="15" dur="500" fill="hold"/>
-                                        <p:tgtEl>
-                                          <p:spTgt spid="19"/>
-                                        </p:tgtEl>
-                                        <p:attrNameLst>
-                                          <p:attrName>ppt_w</p:attrName>
-                                        </p:attrNameLst>
-                                      </p:cBhvr>
-                                      <p:tavLst>
-                                        <p:tav tm="0">
-                                          <p:val>
-                                            <p:strVal val="#ppt_w/10"/>
-                                          </p:val>
-                                        </p:tav>
-                                        <p:tav tm="50000">
-                                          <p:val>
-                                            <p:strVal val="#ppt_w+.01"/>
-                                          </p:val>
-                                        </p:tav>
-                                        <p:tav tm="100000">
-                                          <p:val>
-                                            <p:strVal val="#ppt_w"/>
-                                          </p:val>
-                                        </p:tav>
-                                      </p:tavLst>
-                                    </p:anim>
-                                    <p:animEffect transition="in" filter="fade">
-                                      <p:cBhvr>
-                                        <p:cTn id="16" dur="500" tmFilter="0,0; .5, 1; 1, 1"/>
-                                        <p:tgtEl>
-                                          <p:spTgt spid="19"/>
-                                        </p:tgtEl>
-                                      </p:cBhvr>
-                                    </p:animEffect>
-                                  </p:childTnLst>
-                                </p:cTn>
-                              </p:par>
-                            </p:childTnLst>
-                          </p:cTn>
-                        </p:par>
-                      </p:childTnLst>
-                    </p:cTn>
-                  </p:par>
-                </p:childTnLst>
-              </p:cTn>
-              <p:prevCondLst>
-                <p:cond evt="onPrev" delay="0">
-                  <p:tgtEl>
-                    <p:sldTgt/>
-                  </p:tgtEl>
-                </p:cond>
-              </p:prevCondLst>
-              <p:nextCondLst>
-                <p:cond evt="onNext" delay="0">
-                  <p:tgtEl>
-                    <p:sldTgt/>
-                  </p:tgtEl>
-                </p:cond>
-              </p:nextCondLst>
-            </p:seq>
-          </p:childTnLst>
-        </p:cTn>
-      </p:par>
-    </p:tnLst>
-    <p:bldLst>
-      <p:bldP spid="20" grpId="0" bldLvl="0" animBg="1"/>
-      <p:bldP spid="19" grpId="0"/>
-    </p:bldLst>
-  </p:timing>
-</p:sld>
-</file>
-
-<file path=ppt/slides/slide4.xml><?xml version="1.0" encoding="utf-8"?>
-<p:sld xmlns:a="http://schemas.openxmlformats.org/drawingml/2006/main" xmlns:r="http://schemas.openxmlformats.org/officeDocument/2006/relationships" xmlns:p="http://schemas.openxmlformats.org/presentationml/2006/main">
-  <p:cSld>
-    <p:spTree>
-      <p:nvGrpSpPr>
-        <p:cNvPr id="1" name=""/>
-        <p:cNvGrpSpPr/>
-        <p:nvPr/>
-      </p:nvGrpSpPr>
-      <p:grpSpPr>
-        <a:xfrm>
-          <a:off x="0" y="0"/>
-          <a:ext cx="0" cy="0"/>
-          <a:chOff x="0" y="0"/>
-          <a:chExt cx="0" cy="0"/>
-        </a:xfrm>
-      </p:grpSpPr>
-      <p:sp>
-        <p:nvSpPr>
-          <p:cNvPr id="20" name="矩形 19"/>
-          <p:cNvSpPr/>
-          <p:nvPr/>
-        </p:nvSpPr>
-        <p:spPr>
-          <a:xfrm>
-            <a:off x="-1270" y="-59055"/>
-            <a:ext cx="12192000" cy="1125538"/>
-          </a:xfrm>
-          <a:prstGeom prst="rect">
-            <a:avLst/>
-          </a:prstGeom>
-          <a:solidFill>
-            <a:srgbClr val="38B1BF"/>
-          </a:solidFill>
-          <a:ln>
-            <a:noFill/>
-          </a:ln>
-          <a:effectLst>
-            <a:outerShdw blurRad="50800" dist="38100" dir="5400000" algn="t" rotWithShape="0">
-              <a:prstClr val="black">
-                <a:alpha val="40000"/>
-              </a:prstClr>
-            </a:outerShdw>
-          </a:effectLst>
-        </p:spPr>
-        <p:style>
-          <a:lnRef idx="2">
-            <a:schemeClr val="accent1">
-              <a:shade val="50000"/>
-            </a:schemeClr>
-          </a:lnRef>
-          <a:fillRef idx="1">
-            <a:schemeClr val="accent1"/>
-          </a:fillRef>
-          <a:effectRef idx="0">
-            <a:schemeClr val="accent1"/>
-          </a:effectRef>
-          <a:fontRef idx="minor">
-            <a:schemeClr val="lt1"/>
-          </a:fontRef>
-        </p:style>
-        <p:txBody>
-          <a:bodyPr rtlCol="0" anchor="ctr"/>
-          <a:lstStyle/>
-          <a:p>
-            <a:pPr algn="ctr"/>
-            <a:endParaRPr lang="zh-CN" altLang="en-US"/>
-          </a:p>
-        </p:txBody>
-      </p:sp>
-      <p:sp>
-        <p:nvSpPr>
-          <p:cNvPr id="19" name="矩形 18"/>
-          <p:cNvSpPr/>
-          <p:nvPr/>
-        </p:nvSpPr>
-        <p:spPr>
-          <a:xfrm>
-            <a:off x="5190186" y="212081"/>
-            <a:ext cx="1808480" cy="583565"/>
-          </a:xfrm>
-          <a:prstGeom prst="rect">
-            <a:avLst/>
-          </a:prstGeom>
-        </p:spPr>
-        <p:txBody>
-          <a:bodyPr wrap="none">
-            <a:spAutoFit/>
-          </a:bodyPr>
-          <a:lstStyle/>
-          <a:p>
-            <a:pPr algn="ctr"/>
-            <a:r>
-              <a:rPr lang="zh-CN" altLang="en-US" sz="3200" b="1" dirty="0">
-                <a:solidFill>
-                  <a:schemeClr val="bg1"/>
-                </a:solidFill>
-                <a:latin typeface="微软雅黑" panose="020B0503020204020204" pitchFamily="34" charset="-122"/>
-                <a:ea typeface="微软雅黑" panose="020B0503020204020204" pitchFamily="34" charset="-122"/>
-              </a:rPr>
-              <a:t>项目简介</a:t>
-            </a:r>
-            <a:endParaRPr lang="zh-CN" altLang="en-US" sz="3200" b="1" dirty="0">
-              <a:solidFill>
-                <a:schemeClr val="bg1"/>
-              </a:solidFill>
-              <a:latin typeface="微软雅黑" panose="020B0503020204020204" pitchFamily="34" charset="-122"/>
-              <a:ea typeface="微软雅黑" panose="020B0503020204020204" pitchFamily="34" charset="-122"/>
-            </a:endParaRPr>
-          </a:p>
-        </p:txBody>
-      </p:sp>
-      <p:graphicFrame>
-        <p:nvGraphicFramePr>
           <p:cNvPr id="6" name="表格 5"/>
           <p:cNvGraphicFramePr>
             <a:graphicFrameLocks noGrp="1"/>
@@ -26363,7 +25406,7 @@
           <a:p>
             <a:r>
               <a:rPr lang="zh-CN" altLang="en-US" b="1"/>
-              <a:t>对酒有需求，并喜欢跟不同酒友交流的人们群众。</a:t>
+              <a:t>喜欢喝酒以及对酒文化感兴趣的群体。</a:t>
             </a:r>
             <a:endParaRPr lang="zh-CN" altLang="en-US" b="1"/>
           </a:p>
@@ -26662,7 +25705,7 @@
 </p:sld>
 </file>
 
-<file path=ppt/slides/slide5.xml><?xml version="1.0" encoding="utf-8"?>
+<file path=ppt/slides/slide4.xml><?xml version="1.0" encoding="utf-8"?>
 <p:sld xmlns:a="http://schemas.openxmlformats.org/drawingml/2006/main" xmlns:r="http://schemas.openxmlformats.org/officeDocument/2006/relationships" xmlns:p="http://schemas.openxmlformats.org/presentationml/2006/main">
   <p:cSld>
     <p:spTree>
@@ -27797,7 +26840,7 @@
 </p:sld>
 </file>
 
-<file path=ppt/slides/slide6.xml><?xml version="1.0" encoding="utf-8"?>
+<file path=ppt/slides/slide5.xml><?xml version="1.0" encoding="utf-8"?>
 <p:sld xmlns:a="http://schemas.openxmlformats.org/drawingml/2006/main" xmlns:r="http://schemas.openxmlformats.org/officeDocument/2006/relationships" xmlns:p="http://schemas.openxmlformats.org/presentationml/2006/main">
   <p:cSld>
     <p:spTree>
@@ -32807,7 +31850,7 @@
 </p:sld>
 </file>
 
-<file path=ppt/slides/slide7.xml><?xml version="1.0" encoding="utf-8"?>
+<file path=ppt/slides/slide6.xml><?xml version="1.0" encoding="utf-8"?>
 <p:sld xmlns:a="http://schemas.openxmlformats.org/drawingml/2006/main" xmlns:r="http://schemas.openxmlformats.org/officeDocument/2006/relationships" xmlns:p="http://schemas.openxmlformats.org/presentationml/2006/main">
   <p:cSld>
     <p:spTree>
@@ -34256,7 +33299,7 @@
 </p:sld>
 </file>
 
-<file path=ppt/slides/slide8.xml><?xml version="1.0" encoding="utf-8"?>
+<file path=ppt/slides/slide7.xml><?xml version="1.0" encoding="utf-8"?>
 <p:sld xmlns:a="http://schemas.openxmlformats.org/drawingml/2006/main" xmlns:r="http://schemas.openxmlformats.org/officeDocument/2006/relationships" xmlns:p="http://schemas.openxmlformats.org/presentationml/2006/main">
   <p:cSld>
     <p:spTree>
@@ -34506,7 +33549,7 @@
 </p:sld>
 </file>
 
-<file path=ppt/slides/slide9.xml><?xml version="1.0" encoding="utf-8"?>
+<file path=ppt/slides/slide8.xml><?xml version="1.0" encoding="utf-8"?>
 <p:sld xmlns:a="http://schemas.openxmlformats.org/drawingml/2006/main" xmlns:r="http://schemas.openxmlformats.org/officeDocument/2006/relationships" xmlns:p="http://schemas.openxmlformats.org/presentationml/2006/main">
   <p:cSld>
     <p:spTree>
@@ -34677,7 +33720,7 @@
         </p:blipFill>
         <p:spPr>
           <a:xfrm>
-            <a:off x="1571625" y="1495425"/>
+            <a:off x="1605280" y="1487170"/>
             <a:ext cx="9211310" cy="5191760"/>
           </a:xfrm>
           <a:prstGeom prst="rect">
@@ -34711,6 +33754,247 @@
               <a:t>系统流程图：</a:t>
             </a:r>
             <a:endParaRPr lang="zh-CN" altLang="en-US"/>
+          </a:p>
+        </p:txBody>
+      </p:sp>
+    </p:spTree>
+  </p:cSld>
+  <p:clrMapOvr>
+    <a:masterClrMapping/>
+  </p:clrMapOvr>
+  <p:transition spd="slow" advClick="0" advTm="0">
+    <p:wipe/>
+  </p:transition>
+</p:sld>
+</file>
+
+<file path=ppt/slides/slide9.xml><?xml version="1.0" encoding="utf-8"?>
+<p:sld xmlns:a="http://schemas.openxmlformats.org/drawingml/2006/main" xmlns:r="http://schemas.openxmlformats.org/officeDocument/2006/relationships" xmlns:p="http://schemas.openxmlformats.org/presentationml/2006/main">
+  <p:cSld>
+    <p:spTree>
+      <p:nvGrpSpPr>
+        <p:cNvPr id="1" name=""/>
+        <p:cNvGrpSpPr/>
+        <p:nvPr/>
+      </p:nvGrpSpPr>
+      <p:grpSpPr>
+        <a:xfrm>
+          <a:off x="0" y="0"/>
+          <a:ext cx="0" cy="0"/>
+          <a:chOff x="0" y="0"/>
+          <a:chExt cx="0" cy="0"/>
+        </a:xfrm>
+      </p:grpSpPr>
+      <p:sp>
+        <p:nvSpPr>
+          <p:cNvPr id="2" name="矩形 1"/>
+          <p:cNvSpPr/>
+          <p:nvPr/>
+        </p:nvSpPr>
+        <p:spPr>
+          <a:xfrm>
+            <a:off x="237030" y="1171"/>
+            <a:ext cx="1608415" cy="135446"/>
+          </a:xfrm>
+          <a:prstGeom prst="rect">
+            <a:avLst/>
+          </a:prstGeom>
+          <a:solidFill>
+            <a:srgbClr val="183A5D"/>
+          </a:solidFill>
+          <a:ln>
+            <a:noFill/>
+          </a:ln>
+        </p:spPr>
+        <p:style>
+          <a:lnRef idx="2">
+            <a:schemeClr val="accent1">
+              <a:shade val="50000"/>
+            </a:schemeClr>
+          </a:lnRef>
+          <a:fillRef idx="1">
+            <a:schemeClr val="accent1"/>
+          </a:fillRef>
+          <a:effectRef idx="0">
+            <a:schemeClr val="accent1"/>
+          </a:effectRef>
+          <a:fontRef idx="minor">
+            <a:schemeClr val="lt1"/>
+          </a:fontRef>
+        </p:style>
+        <p:txBody>
+          <a:bodyPr rtlCol="0" anchor="ctr"/>
+          <a:lstStyle/>
+          <a:p>
+            <a:pPr algn="ctr"/>
+            <a:endParaRPr lang="zh-CN" altLang="en-US" sz="2800"/>
+          </a:p>
+        </p:txBody>
+      </p:sp>
+      <p:sp>
+        <p:nvSpPr>
+          <p:cNvPr id="3" name="矩形 2"/>
+          <p:cNvSpPr/>
+          <p:nvPr/>
+        </p:nvSpPr>
+        <p:spPr>
+          <a:xfrm>
+            <a:off x="237030" y="255131"/>
+            <a:ext cx="1608415" cy="406336"/>
+          </a:xfrm>
+          <a:prstGeom prst="rect">
+            <a:avLst/>
+          </a:prstGeom>
+          <a:solidFill>
+            <a:srgbClr val="183A5D"/>
+          </a:solidFill>
+          <a:ln>
+            <a:noFill/>
+          </a:ln>
+        </p:spPr>
+        <p:style>
+          <a:lnRef idx="2">
+            <a:schemeClr val="accent1">
+              <a:shade val="50000"/>
+            </a:schemeClr>
+          </a:lnRef>
+          <a:fillRef idx="1">
+            <a:schemeClr val="accent1"/>
+          </a:fillRef>
+          <a:effectRef idx="0">
+            <a:schemeClr val="accent1"/>
+          </a:effectRef>
+          <a:fontRef idx="minor">
+            <a:schemeClr val="lt1"/>
+          </a:fontRef>
+        </p:style>
+        <p:txBody>
+          <a:bodyPr rtlCol="0" anchor="ctr"/>
+          <a:lstStyle/>
+          <a:p>
+            <a:pPr algn="ctr"/>
+            <a:r>
+              <a:rPr lang="en-US" sz="2400" dirty="0"/>
+              <a:t>2</a:t>
+            </a:r>
+            <a:endParaRPr lang="en-US" sz="2400" dirty="0"/>
+          </a:p>
+        </p:txBody>
+      </p:sp>
+      <p:sp>
+        <p:nvSpPr>
+          <p:cNvPr id="4" name="文本框 3"/>
+          <p:cNvSpPr txBox="1"/>
+          <p:nvPr/>
+        </p:nvSpPr>
+        <p:spPr>
+          <a:xfrm>
+            <a:off x="2206068" y="159851"/>
+            <a:ext cx="6052718" cy="501650"/>
+          </a:xfrm>
+          <a:prstGeom prst="rect">
+            <a:avLst/>
+          </a:prstGeom>
+          <a:noFill/>
+        </p:spPr>
+        <p:txBody>
+          <a:bodyPr wrap="square" rtlCol="0">
+            <a:spAutoFit/>
+          </a:bodyPr>
+          <a:lstStyle/>
+          <a:p>
+            <a:r>
+              <a:rPr lang="zh-CN" sz="2665" dirty="0" smtClean="0">
+                <a:solidFill>
+                  <a:srgbClr val="183A5D"/>
+                </a:solidFill>
+                <a:latin typeface="微软雅黑" panose="020B0503020204020204" pitchFamily="34" charset="-122"/>
+                <a:ea typeface="微软雅黑" panose="020B0503020204020204" pitchFamily="34" charset="-122"/>
+              </a:rPr>
+              <a:t>经济可行性</a:t>
+            </a:r>
+            <a:endParaRPr lang="zh-CN" sz="2665" dirty="0" smtClean="0">
+              <a:solidFill>
+                <a:srgbClr val="183A5D"/>
+              </a:solidFill>
+              <a:latin typeface="微软雅黑" panose="020B0503020204020204" pitchFamily="34" charset="-122"/>
+              <a:ea typeface="微软雅黑" panose="020B0503020204020204" pitchFamily="34" charset="-122"/>
+            </a:endParaRPr>
+          </a:p>
+        </p:txBody>
+      </p:sp>
+      <p:sp>
+        <p:nvSpPr>
+          <p:cNvPr id="6" name="文本框 5"/>
+          <p:cNvSpPr txBox="1"/>
+          <p:nvPr/>
+        </p:nvSpPr>
+        <p:spPr>
+          <a:xfrm>
+            <a:off x="2736850" y="1849755"/>
+            <a:ext cx="6716395" cy="3415030"/>
+          </a:xfrm>
+          <a:prstGeom prst="rect">
+            <a:avLst/>
+          </a:prstGeom>
+          <a:noFill/>
+        </p:spPr>
+        <p:txBody>
+          <a:bodyPr wrap="square" rtlCol="0">
+            <a:spAutoFit/>
+          </a:bodyPr>
+          <a:p>
+            <a:pPr fontAlgn="auto">
+              <a:lnSpc>
+                <a:spcPct val="150000"/>
+              </a:lnSpc>
+            </a:pPr>
+            <a:r>
+              <a:rPr lang="en-US" altLang="zh-CN" sz="2400">
+                <a:latin typeface="微软雅黑" panose="020B0503020204020204" pitchFamily="34" charset="-122"/>
+                <a:ea typeface="微软雅黑" panose="020B0503020204020204" pitchFamily="34" charset="-122"/>
+              </a:rPr>
+              <a:t>      </a:t>
+            </a:r>
+            <a:r>
+              <a:rPr lang="zh-CN" altLang="en-US" sz="2400">
+                <a:latin typeface="微软雅黑" panose="020B0503020204020204" pitchFamily="34" charset="-122"/>
+                <a:ea typeface="微软雅黑" panose="020B0503020204020204" pitchFamily="34" charset="-122"/>
+              </a:rPr>
+              <a:t>由于本软件项目是课程项目，主要目的是为了让组内成员学习软件工程知识，以及对课程作业的完成。  另外，用于开发软件所需要支出的非用由小组成员</a:t>
+            </a:r>
+            <a:r>
+              <a:rPr lang="en-US" altLang="zh-CN" sz="2400">
+                <a:latin typeface="微软雅黑" panose="020B0503020204020204" pitchFamily="34" charset="-122"/>
+                <a:ea typeface="微软雅黑" panose="020B0503020204020204" pitchFamily="34" charset="-122"/>
+              </a:rPr>
+              <a:t>AA</a:t>
+            </a:r>
+            <a:r>
+              <a:rPr lang="zh-CN" altLang="en-US" sz="2400">
+                <a:latin typeface="微软雅黑" panose="020B0503020204020204" pitchFamily="34" charset="-122"/>
+                <a:ea typeface="微软雅黑" panose="020B0503020204020204" pitchFamily="34" charset="-122"/>
+              </a:rPr>
+              <a:t>，完全承担得起。  在不考虑成本</a:t>
+            </a:r>
+            <a:r>
+              <a:rPr lang="en-US" altLang="zh-CN" sz="2400">
+                <a:latin typeface="微软雅黑" panose="020B0503020204020204" pitchFamily="34" charset="-122"/>
+                <a:ea typeface="微软雅黑" panose="020B0503020204020204" pitchFamily="34" charset="-122"/>
+              </a:rPr>
+              <a:t>/</a:t>
+            </a:r>
+            <a:r>
+              <a:rPr lang="zh-CN" altLang="en-US" sz="2400">
+                <a:latin typeface="微软雅黑" panose="020B0503020204020204" pitchFamily="34" charset="-122"/>
+                <a:ea typeface="微软雅黑" panose="020B0503020204020204" pitchFamily="34" charset="-122"/>
+              </a:rPr>
+              <a:t>效益 比的情况下，该项目从经济方面来说可行。</a:t>
+            </a:r>
+            <a:endParaRPr lang="zh-CN" altLang="en-US" sz="2400">
+              <a:latin typeface="微软雅黑" panose="020B0503020204020204" pitchFamily="34" charset="-122"/>
+              <a:ea typeface="微软雅黑" panose="020B0503020204020204" pitchFamily="34" charset="-122"/>
+            </a:endParaRPr>
           </a:p>
         </p:txBody>
       </p:sp>

--- a/SE2018春-G17-项目计划PPT.pptx
+++ b/SE2018春-G17-项目计划PPT.pptx
@@ -5,34 +5,36 @@
     <p:sldMasterId id="2147483648" r:id="rId1"/>
   </p:sldMasterIdLst>
   <p:notesMasterIdLst>
-    <p:notesMasterId r:id="rId4"/>
+    <p:notesMasterId r:id="rId24"/>
   </p:notesMasterIdLst>
   <p:handoutMasterIdLst>
-    <p:handoutMasterId r:id="rId24"/>
+    <p:handoutMasterId r:id="rId25"/>
   </p:handoutMasterIdLst>
   <p:sldIdLst>
-    <p:sldId id="370" r:id="rId3"/>
-    <p:sldId id="418" r:id="rId5"/>
-    <p:sldId id="419" r:id="rId6"/>
-    <p:sldId id="420" r:id="rId7"/>
-    <p:sldId id="405" r:id="rId8"/>
-    <p:sldId id="411" r:id="rId9"/>
-    <p:sldId id="439" r:id="rId10"/>
-    <p:sldId id="438" r:id="rId11"/>
-    <p:sldId id="450" r:id="rId12"/>
-    <p:sldId id="437" r:id="rId13"/>
-    <p:sldId id="410" r:id="rId14"/>
-    <p:sldId id="412" r:id="rId15"/>
-    <p:sldId id="413" r:id="rId16"/>
-    <p:sldId id="364" r:id="rId17"/>
-    <p:sldId id="408" r:id="rId18"/>
-    <p:sldId id="406" r:id="rId19"/>
-    <p:sldId id="409" r:id="rId20"/>
-    <p:sldId id="407" r:id="rId21"/>
+    <p:sldId id="370" r:id="rId2"/>
+    <p:sldId id="418" r:id="rId3"/>
+    <p:sldId id="419" r:id="rId4"/>
+    <p:sldId id="420" r:id="rId5"/>
+    <p:sldId id="405" r:id="rId6"/>
+    <p:sldId id="411" r:id="rId7"/>
+    <p:sldId id="439" r:id="rId8"/>
+    <p:sldId id="438" r:id="rId9"/>
+    <p:sldId id="450" r:id="rId10"/>
+    <p:sldId id="437" r:id="rId11"/>
+    <p:sldId id="410" r:id="rId12"/>
+    <p:sldId id="412" r:id="rId13"/>
+    <p:sldId id="413" r:id="rId14"/>
+    <p:sldId id="364" r:id="rId15"/>
+    <p:sldId id="408" r:id="rId16"/>
+    <p:sldId id="406" r:id="rId17"/>
+    <p:sldId id="409" r:id="rId18"/>
+    <p:sldId id="407" r:id="rId19"/>
+    <p:sldId id="452" r:id="rId20"/>
+    <p:sldId id="453" r:id="rId21"/>
     <p:sldId id="451" r:id="rId22"/>
     <p:sldId id="436" r:id="rId23"/>
   </p:sldIdLst>
-  <p:sldSz cx="12190095" cy="6859270"/>
+  <p:sldSz cx="12190413" cy="6859588"/>
   <p:notesSz cx="6858000" cy="9144000"/>
   <p:defaultTextStyle>
     <a:defPPr>
@@ -214,6 +216,7 @@
           <a:p>
             <a:fld id="{5D1C15E6-6BD2-4E4B-B1D4-218C26E1B228}" type="datetimeFigureOut">
               <a:rPr lang="zh-CN" altLang="en-US" smtClean="0"/>
+              <a:t>2018/3/26</a:t>
             </a:fld>
             <a:endParaRPr lang="zh-CN" altLang="en-US"/>
           </a:p>
@@ -279,12 +282,18 @@
           <a:p>
             <a:fld id="{E655EDCA-2189-4435-B38B-6F3C2C044356}" type="slidenum">
               <a:rPr lang="zh-CN" altLang="en-US" smtClean="0"/>
+              <a:t>‹#›</a:t>
             </a:fld>
             <a:endParaRPr lang="zh-CN" altLang="en-US"/>
           </a:p>
         </p:txBody>
       </p:sp>
     </p:spTree>
+    <p:extLst>
+      <p:ext uri="{BB962C8B-B14F-4D97-AF65-F5344CB8AC3E}">
+        <p14:creationId xmlns:p14="http://schemas.microsoft.com/office/powerpoint/2010/main" val="1868102852"/>
+      </p:ext>
+    </p:extLst>
   </p:cSld>
   <p:clrMap bg1="lt1" tx1="dk1" bg2="lt2" tx2="dk2" accent1="accent1" accent2="accent2" accent3="accent3" accent4="accent4" accent5="accent5" accent6="accent6" hlink="hlink" folHlink="folHlink"/>
 </p:handoutMaster>
@@ -372,6 +381,7 @@
           <a:p>
             <a:fld id="{0B17430C-5A66-4BD0-A971-34190B6C6019}" type="datetimeFigureOut">
               <a:rPr lang="zh-CN" altLang="en-US" smtClean="0"/>
+              <a:t>2018/3/26</a:t>
             </a:fld>
             <a:endParaRPr lang="zh-CN" altLang="en-US"/>
           </a:p>
@@ -438,7 +448,6 @@
               <a:rPr lang="zh-CN" altLang="en-US" smtClean="0"/>
               <a:t>单击此处编辑母版文本样式</a:t>
             </a:r>
-            <a:endParaRPr lang="zh-CN" altLang="en-US" smtClean="0"/>
           </a:p>
           <a:p>
             <a:pPr lvl="1"/>
@@ -446,7 +455,6 @@
               <a:rPr lang="zh-CN" altLang="en-US" smtClean="0"/>
               <a:t>第二级</a:t>
             </a:r>
-            <a:endParaRPr lang="zh-CN" altLang="en-US" smtClean="0"/>
           </a:p>
           <a:p>
             <a:pPr lvl="2"/>
@@ -454,7 +462,6 @@
               <a:rPr lang="zh-CN" altLang="en-US" smtClean="0"/>
               <a:t>第三级</a:t>
             </a:r>
-            <a:endParaRPr lang="zh-CN" altLang="en-US" smtClean="0"/>
           </a:p>
           <a:p>
             <a:pPr lvl="3"/>
@@ -462,7 +469,6 @@
               <a:rPr lang="zh-CN" altLang="en-US" smtClean="0"/>
               <a:t>第四级</a:t>
             </a:r>
-            <a:endParaRPr lang="zh-CN" altLang="en-US" smtClean="0"/>
           </a:p>
           <a:p>
             <a:pPr lvl="4"/>
@@ -534,12 +540,18 @@
           <a:p>
             <a:fld id="{74AC173A-3DA8-4893-B28A-1E15F55C330A}" type="slidenum">
               <a:rPr lang="zh-CN" altLang="en-US" smtClean="0"/>
+              <a:t>‹#›</a:t>
             </a:fld>
             <a:endParaRPr lang="zh-CN" altLang="en-US"/>
           </a:p>
         </p:txBody>
       </p:sp>
     </p:spTree>
+    <p:extLst>
+      <p:ext uri="{BB962C8B-B14F-4D97-AF65-F5344CB8AC3E}">
+        <p14:creationId xmlns:p14="http://schemas.microsoft.com/office/powerpoint/2010/main" val="3433310361"/>
+      </p:ext>
+    </p:extLst>
   </p:cSld>
   <p:clrMap bg1="lt1" tx1="dk1" bg2="lt2" tx2="dk2" accent1="accent1" accent2="accent2" accent3="accent3" accent4="accent4" accent5="accent5" accent6="accent6" hlink="hlink" folHlink="folHlink"/>
   <p:notesStyle>
@@ -702,6 +714,7 @@
           <a:p>
             <a:fld id="{74AC173A-3DA8-4893-B28A-1E15F55C330A}" type="slidenum">
               <a:rPr lang="zh-CN" altLang="en-US" smtClean="0"/>
+              <a:t>1</a:t>
             </a:fld>
             <a:endParaRPr lang="zh-CN" altLang="en-US"/>
           </a:p>
@@ -780,6 +793,7 @@
           <a:p>
             <a:fld id="{74AC173A-3DA8-4893-B28A-1E15F55C330A}" type="slidenum">
               <a:rPr lang="zh-CN" altLang="en-US" smtClean="0"/>
+              <a:t>22</a:t>
             </a:fld>
             <a:endParaRPr lang="zh-CN" altLang="en-US"/>
           </a:p>
@@ -858,6 +872,7 @@
           <a:p>
             <a:fld id="{74AC173A-3DA8-4893-B28A-1E15F55C330A}" type="slidenum">
               <a:rPr lang="zh-CN" altLang="en-US" smtClean="0"/>
+              <a:t>2</a:t>
             </a:fld>
             <a:endParaRPr lang="zh-CN" altLang="en-US"/>
           </a:p>
@@ -936,6 +951,7 @@
           <a:p>
             <a:fld id="{74AC173A-3DA8-4893-B28A-1E15F55C330A}" type="slidenum">
               <a:rPr lang="zh-CN" altLang="en-US" smtClean="0"/>
+              <a:t>3</a:t>
             </a:fld>
             <a:endParaRPr lang="zh-CN" altLang="en-US"/>
           </a:p>
@@ -1014,6 +1030,7 @@
           <a:p>
             <a:fld id="{74AC173A-3DA8-4893-B28A-1E15F55C330A}" type="slidenum">
               <a:rPr lang="zh-CN" altLang="en-US" smtClean="0"/>
+              <a:t>4</a:t>
             </a:fld>
             <a:endParaRPr lang="zh-CN" altLang="en-US"/>
           </a:p>
@@ -1092,6 +1109,7 @@
           <a:p>
             <a:fld id="{6E611DA1-5E4C-4157-8D98-35F52756B2FB}" type="slidenum">
               <a:rPr lang="zh-CN" altLang="en-US" smtClean="0"/>
+              <a:t>5</a:t>
             </a:fld>
             <a:endParaRPr lang="zh-CN" altLang="en-US"/>
           </a:p>
@@ -1170,6 +1188,7 @@
           <a:p>
             <a:fld id="{74AC173A-3DA8-4893-B28A-1E15F55C330A}" type="slidenum">
               <a:rPr lang="zh-CN" altLang="en-US" smtClean="0"/>
+              <a:t>6</a:t>
             </a:fld>
             <a:endParaRPr lang="zh-CN" altLang="en-US"/>
           </a:p>
@@ -1248,6 +1267,7 @@
           <a:p>
             <a:fld id="{74AC173A-3DA8-4893-B28A-1E15F55C330A}" type="slidenum">
               <a:rPr lang="zh-CN" altLang="en-US" smtClean="0"/>
+              <a:t>11</a:t>
             </a:fld>
             <a:endParaRPr lang="zh-CN" altLang="en-US"/>
           </a:p>
@@ -1326,6 +1346,7 @@
           <a:p>
             <a:fld id="{74AC173A-3DA8-4893-B28A-1E15F55C330A}" type="slidenum">
               <a:rPr lang="zh-CN" altLang="en-US" smtClean="0"/>
+              <a:t>14</a:t>
             </a:fld>
             <a:endParaRPr lang="zh-CN" altLang="en-US"/>
           </a:p>
@@ -1404,6 +1425,7 @@
           <a:p>
             <a:fld id="{74AC173A-3DA8-4893-B28A-1E15F55C330A}" type="slidenum">
               <a:rPr lang="zh-CN" altLang="en-US" smtClean="0"/>
+              <a:t>21</a:t>
             </a:fld>
             <a:endParaRPr lang="zh-CN" altLang="en-US"/>
           </a:p>
@@ -1615,6 +1637,7 @@
                 <a:latin typeface="微软雅黑" panose="020B0503020204020204" pitchFamily="34" charset="-122"/>
                 <a:ea typeface="微软雅黑" panose="020B0503020204020204" pitchFamily="34" charset="-122"/>
               </a:rPr>
+              <a:t>‹#›</a:t>
             </a:fld>
             <a:r>
               <a:rPr lang="zh-CN" altLang="en-US" sz="1800" dirty="0" smtClean="0">
@@ -2544,6 +2567,7 @@
           <a:p>
             <a:fld id="{530820CF-B880-4189-942D-D702A7CBA730}" type="datetimeFigureOut">
               <a:rPr lang="zh-CN" altLang="en-US" smtClean="0"/>
+              <a:t>2018/3/26</a:t>
             </a:fld>
             <a:endParaRPr lang="zh-CN" altLang="en-US"/>
           </a:p>
@@ -2601,6 +2625,7 @@
           <a:p>
             <a:fld id="{0C913308-F349-4B6D-A68A-DD1791B4A57B}" type="slidenum">
               <a:rPr lang="zh-CN" altLang="en-US" smtClean="0"/>
+              <a:t>‹#›</a:t>
             </a:fld>
             <a:endParaRPr lang="zh-CN" altLang="en-US"/>
           </a:p>
@@ -2659,6 +2684,7 @@
           <a:p>
             <a:fld id="{530820CF-B880-4189-942D-D702A7CBA730}" type="datetimeFigureOut">
               <a:rPr lang="zh-CN" altLang="en-US" smtClean="0"/>
+              <a:t>2018/3/26</a:t>
             </a:fld>
             <a:endParaRPr lang="zh-CN" altLang="en-US"/>
           </a:p>
@@ -2716,6 +2742,7 @@
           <a:p>
             <a:fld id="{0C913308-F349-4B6D-A68A-DD1791B4A57B}" type="slidenum">
               <a:rPr lang="zh-CN" altLang="en-US" smtClean="0"/>
+              <a:t>‹#›</a:t>
             </a:fld>
             <a:endParaRPr lang="zh-CN" altLang="en-US"/>
           </a:p>
@@ -3509,13 +3536,6 @@
               </a:rPr>
               <a:t>问酒</a:t>
             </a:r>
-            <a:endParaRPr lang="zh-CN" altLang="en-US" sz="12800" dirty="0">
-              <a:solidFill>
-                <a:srgbClr val="38B1BF"/>
-              </a:solidFill>
-              <a:latin typeface="微软雅黑" panose="020B0503020204020204" pitchFamily="34" charset="-122"/>
-              <a:ea typeface="微软雅黑" panose="020B0503020204020204" pitchFamily="34" charset="-122"/>
-            </a:endParaRPr>
           </a:p>
         </p:txBody>
       </p:sp>
@@ -3607,16 +3627,6 @@
               </a:rPr>
               <a:t>小组</a:t>
             </a:r>
-            <a:endParaRPr lang="zh-CN" altLang="en-US" sz="1900" dirty="0">
-              <a:solidFill>
-                <a:schemeClr val="tx1">
-                  <a:lumMod val="85000"/>
-                  <a:lumOff val="15000"/>
-                </a:schemeClr>
-              </a:solidFill>
-              <a:latin typeface="微软雅黑" panose="020B0503020204020204" pitchFamily="34" charset="-122"/>
-              <a:ea typeface="微软雅黑" panose="020B0503020204020204" pitchFamily="34" charset="-122"/>
-            </a:endParaRPr>
           </a:p>
         </p:txBody>
       </p:sp>
@@ -3680,16 +3690,6 @@
               </a:rPr>
               <a:t>APP</a:t>
             </a:r>
-            <a:endParaRPr lang="en-US" altLang="zh-CN" sz="3600" b="1" dirty="0">
-              <a:solidFill>
-                <a:schemeClr val="tx1">
-                  <a:lumMod val="75000"/>
-                  <a:lumOff val="25000"/>
-                </a:schemeClr>
-              </a:solidFill>
-              <a:latin typeface="微软雅黑" panose="020B0503020204020204" pitchFamily="34" charset="-122"/>
-              <a:ea typeface="微软雅黑" panose="020B0503020204020204" pitchFamily="34" charset="-122"/>
-            </a:endParaRPr>
           </a:p>
         </p:txBody>
       </p:sp>
@@ -3794,16 +3794,6 @@
               </a:rPr>
               <a:t>日</a:t>
             </a:r>
-            <a:endParaRPr lang="zh-CN" altLang="en-US" sz="1900" dirty="0">
-              <a:solidFill>
-                <a:schemeClr val="tx1">
-                  <a:lumMod val="85000"/>
-                  <a:lumOff val="15000"/>
-                </a:schemeClr>
-              </a:solidFill>
-              <a:latin typeface="微软雅黑" panose="020B0503020204020204" pitchFamily="34" charset="-122"/>
-              <a:ea typeface="微软雅黑" panose="020B0503020204020204" pitchFamily="34" charset="-122"/>
-            </a:endParaRPr>
           </a:p>
         </p:txBody>
       </p:sp>
@@ -3851,16 +3841,16 @@
             <a:picLocks noChangeAspect="1"/>
           </p:cNvPicPr>
           <p:nvPr>
-            <a:audioFile r:link="rId1"/>
+            <a:audioFile r:link="rId2"/>
             <p:extLst>
               <p:ext uri="{DAA4B4D4-6D71-4841-9C94-3DE7FCFB9230}">
-                <p14:media xmlns:p14="http://schemas.microsoft.com/office/powerpoint/2010/main" r:embed="rId2"/>
+                <p14:media xmlns:p14="http://schemas.microsoft.com/office/powerpoint/2010/main" r:embed="rId1"/>
               </p:ext>
             </p:extLst>
           </p:nvPr>
         </p:nvPicPr>
         <p:blipFill>
-          <a:blip r:embed="rId3"/>
+          <a:blip r:embed="rId5"/>
           <a:stretch>
             <a:fillRect/>
           </a:stretch>
@@ -3895,6 +3885,7 @@
           <a:bodyPr wrap="square" rtlCol="0">
             <a:spAutoFit/>
           </a:bodyPr>
+          <a:lstStyle/>
           <a:p>
             <a:r>
               <a:rPr lang="zh-CN" altLang="en-US" kern="300" spc="2000">
@@ -3907,14 +3898,6 @@
               </a:rPr>
               <a:t>浙江大学城市学院</a:t>
             </a:r>
-            <a:endParaRPr lang="zh-CN" altLang="en-US" kern="300" spc="2000">
-              <a:solidFill>
-                <a:schemeClr val="tx1"/>
-              </a:solidFill>
-              <a:uFillTx/>
-              <a:latin typeface="+中文标题" charset="0"/>
-              <a:ea typeface="+mj-ea"/>
-            </a:endParaRPr>
           </a:p>
         </p:txBody>
       </p:sp>
@@ -3923,13 +3906,13 @@
   <p:clrMapOvr>
     <a:masterClrMapping/>
   </p:clrMapOvr>
-  <mc:AlternateContent xmlns:mc="http://schemas.openxmlformats.org/markup-compatibility/2006">
-    <mc:Choice xmlns:p14="http://schemas.microsoft.com/office/powerpoint/2010/main" Requires="p14">
+  <mc:AlternateContent xmlns:mc="http://schemas.openxmlformats.org/markup-compatibility/2006" xmlns:p14="http://schemas.microsoft.com/office/powerpoint/2010/main">
+    <mc:Choice Requires="p14">
       <p:transition spd="slow" p14:dur="1600" advClick="0" advTm="0">
         <p:blinds dir="vert"/>
       </p:transition>
     </mc:Choice>
-    <mc:Fallback>
+    <mc:Fallback xmlns="">
       <p:transition spd="slow" advClick="0" advTm="0">
         <p:blinds dir="vert"/>
       </p:transition>
@@ -4958,13 +4941,6 @@
               </a:rPr>
               <a:t>法律可行性</a:t>
             </a:r>
-            <a:endParaRPr lang="zh-CN" sz="2665" dirty="0" smtClean="0">
-              <a:solidFill>
-                <a:srgbClr val="183A5D"/>
-              </a:solidFill>
-              <a:latin typeface="微软雅黑" panose="020B0503020204020204" pitchFamily="34" charset="-122"/>
-              <a:ea typeface="微软雅黑" panose="020B0503020204020204" pitchFamily="34" charset="-122"/>
-            </a:endParaRPr>
           </a:p>
         </p:txBody>
       </p:sp>
@@ -4988,6 +4964,7 @@
           <a:bodyPr wrap="square" rtlCol="0">
             <a:spAutoFit/>
           </a:bodyPr>
+          <a:lstStyle/>
           <a:p>
             <a:pPr fontAlgn="auto">
               <a:lnSpc>
@@ -5008,10 +4985,6 @@
               </a:rPr>
               <a:t>所用软件均为开源或者正版软件的试用版，所以本项目在法律因素上并不存在侵犯版权等行为。并且本项目可能并不会涉及到盈利部分，所以出现法律问题的可能性较小。</a:t>
             </a:r>
-            <a:endParaRPr lang="zh-CN" altLang="en-US" sz="2400">
-              <a:latin typeface="微软雅黑" panose="020B0503020204020204" pitchFamily="34" charset="-122"/>
-              <a:ea typeface="微软雅黑" panose="020B0503020204020204" pitchFamily="34" charset="-122"/>
-            </a:endParaRPr>
           </a:p>
         </p:txBody>
       </p:sp>
@@ -5023,6 +4996,13 @@
   <p:transition spd="slow" advClick="0" advTm="0">
     <p:wipe/>
   </p:transition>
+  <p:timing>
+    <p:tnLst>
+      <p:par>
+        <p:cTn id="1" dur="indefinite" restart="never" nodeType="tmRoot"/>
+      </p:par>
+    </p:tnLst>
+  </p:timing>
 </p:sld>
 </file>
 
@@ -5218,14 +5198,6 @@
                 </a:rPr>
                 <a:t>社会需求简介</a:t>
               </a:r>
-              <a:endParaRPr lang="zh-CN" altLang="zh-CN" sz="2000" b="1" kern="100" dirty="0">
-                <a:solidFill>
-                  <a:schemeClr val="bg1"/>
-                </a:solidFill>
-                <a:latin typeface="微软雅黑" panose="020B0503020204020204" pitchFamily="34" charset="-122"/>
-                <a:ea typeface="微软雅黑" panose="020B0503020204020204" pitchFamily="34" charset="-122"/>
-                <a:cs typeface="Times New Roman" panose="02020603050405020304" pitchFamily="18" charset="0"/>
-              </a:endParaRPr>
             </a:p>
           </p:txBody>
         </p:sp>
@@ -5405,14 +5377,6 @@
                 </a:rPr>
                 <a:t>对系统的综合要求</a:t>
               </a:r>
-              <a:endParaRPr lang="zh-CN" altLang="zh-CN" sz="2000" b="1" kern="100" dirty="0">
-                <a:solidFill>
-                  <a:schemeClr val="bg1"/>
-                </a:solidFill>
-                <a:latin typeface="微软雅黑" panose="020B0503020204020204" pitchFamily="34" charset="-122"/>
-                <a:ea typeface="微软雅黑" panose="020B0503020204020204" pitchFamily="34" charset="-122"/>
-                <a:cs typeface="Times New Roman" panose="02020603050405020304" pitchFamily="18" charset="0"/>
-              </a:endParaRPr>
             </a:p>
           </p:txBody>
         </p:sp>
@@ -5510,13 +5474,6 @@
               </a:rPr>
               <a:t>需求分析</a:t>
             </a:r>
-            <a:endParaRPr lang="zh-CN" sz="3200" b="1" dirty="0">
-              <a:solidFill>
-                <a:schemeClr val="bg1"/>
-              </a:solidFill>
-              <a:latin typeface="微软雅黑" panose="020B0503020204020204" pitchFamily="34" charset="-122"/>
-              <a:ea typeface="微软雅黑" panose="020B0503020204020204" pitchFamily="34" charset="-122"/>
-            </a:endParaRPr>
           </a:p>
         </p:txBody>
       </p:sp>
@@ -5578,13 +5535,13 @@
   <p:clrMapOvr>
     <a:masterClrMapping/>
   </p:clrMapOvr>
-  <mc:AlternateContent xmlns:mc="http://schemas.openxmlformats.org/markup-compatibility/2006">
-    <mc:Choice xmlns:p14="http://schemas.microsoft.com/office/powerpoint/2010/main" Requires="p14">
+  <mc:AlternateContent xmlns:mc="http://schemas.openxmlformats.org/markup-compatibility/2006" xmlns:p14="http://schemas.microsoft.com/office/powerpoint/2010/main">
+    <mc:Choice Requires="p14">
       <p:transition spd="slow" p14:dur="1200" advClick="0" advTm="0">
         <p14:prism/>
       </p:transition>
     </mc:Choice>
-    <mc:Fallback>
+    <mc:Fallback xmlns="">
       <p:transition spd="slow" advClick="0" advTm="0">
         <p:fade/>
       </p:transition>
@@ -6250,6 +6207,7 @@
         </p:style>
         <p:txBody>
           <a:bodyPr rtlCol="0" anchor="ctr"/>
+          <a:lstStyle/>
           <a:p>
             <a:pPr algn="ctr"/>
             <a:endParaRPr lang="zh-CN" altLang="en-US"/>
@@ -6414,6 +6372,7 @@
           <a:bodyPr wrap="square" rtlCol="0">
             <a:spAutoFit/>
           </a:bodyPr>
+          <a:lstStyle/>
           <a:p>
             <a:r>
               <a:rPr lang="zh-CN" altLang="en-US" sz="2400">
@@ -6422,10 +6381,6 @@
               </a:rPr>
               <a:t>需求：</a:t>
             </a:r>
-            <a:endParaRPr lang="zh-CN" altLang="en-US" sz="2400">
-              <a:latin typeface="等线" panose="02010600030101010101" charset="-122"/>
-              <a:ea typeface="等线" panose="02010600030101010101" charset="-122"/>
-            </a:endParaRPr>
           </a:p>
           <a:p>
             <a:r>
@@ -6442,10 +6397,6 @@
               </a:rPr>
               <a:t>人民群众在日常生活中需要了解有关酒的信息</a:t>
             </a:r>
-            <a:endParaRPr lang="zh-CN" altLang="en-US" sz="2400">
-              <a:latin typeface="等线" panose="02010600030101010101" charset="-122"/>
-              <a:ea typeface="等线" panose="02010600030101010101" charset="-122"/>
-            </a:endParaRPr>
           </a:p>
           <a:p>
             <a:r>
@@ -6462,10 +6413,6 @@
               </a:rPr>
               <a:t>酒友们想要分享与获取喝不同酒的经验与体会</a:t>
             </a:r>
-            <a:endParaRPr lang="zh-CN" altLang="en-US" sz="2400">
-              <a:latin typeface="等线" panose="02010600030101010101" charset="-122"/>
-              <a:ea typeface="等线" panose="02010600030101010101" charset="-122"/>
-            </a:endParaRPr>
           </a:p>
         </p:txBody>
       </p:sp>
@@ -6489,40 +6436,36 @@
           <a:bodyPr wrap="square" rtlCol="0">
             <a:spAutoFit/>
           </a:bodyPr>
+          <a:lstStyle/>
           <a:p>
             <a:r>
               <a:rPr lang="zh-CN" altLang="en-US" sz="2400"/>
               <a:t>背景：</a:t>
             </a:r>
-            <a:endParaRPr lang="zh-CN" altLang="en-US" sz="2400"/>
           </a:p>
           <a:p>
             <a:r>
               <a:rPr sz="2400"/>
               <a:t>1.本项目作为软件工程导论2018春季课程的课程作业。</a:t>
             </a:r>
-            <a:endParaRPr sz="2400"/>
           </a:p>
           <a:p>
             <a:r>
               <a:rPr sz="2400"/>
               <a:t>2.目前市面上缺少关于酒的分享与交流专门的平台的APP</a:t>
             </a:r>
-            <a:endParaRPr sz="2400"/>
           </a:p>
           <a:p>
             <a:r>
               <a:rPr sz="2400"/>
               <a:t>3.软件工程的日益发展</a:t>
             </a:r>
-            <a:endParaRPr sz="2400"/>
           </a:p>
           <a:p>
             <a:r>
               <a:rPr sz="2400"/>
               <a:t>4.酒文化的经久不衰</a:t>
             </a:r>
-            <a:endParaRPr sz="2400"/>
           </a:p>
         </p:txBody>
       </p:sp>
@@ -6534,6 +6477,13 @@
   <p:transition spd="slow" advClick="0" advTm="0">
     <p:wipe/>
   </p:transition>
+  <p:timing>
+    <p:tnLst>
+      <p:par>
+        <p:cTn id="1" dur="indefinite" restart="never" nodeType="tmRoot"/>
+      </p:par>
+    </p:tnLst>
+  </p:timing>
 </p:sld>
 </file>
 
@@ -6646,7 +6596,6 @@
               <a:rPr lang="en-US" sz="2400" dirty="0"/>
               <a:t>2</a:t>
             </a:r>
-            <a:endParaRPr lang="en-US" sz="2400" dirty="0"/>
           </a:p>
         </p:txBody>
       </p:sp>
@@ -6700,7 +6649,7 @@
         </p:nvGraphicFramePr>
         <p:xfrm>
           <a:off x="1828800" y="1159510"/>
-          <a:ext cx="8532495" cy="3429000"/>
+          <a:ext cx="8531860" cy="5303520"/>
         </p:xfrm>
         <a:graphic>
           <a:graphicData uri="http://schemas.openxmlformats.org/drawingml/2006/table">
@@ -6716,6 +6665,7 @@
                 <a:tc>
                   <a:txBody>
                     <a:bodyPr/>
+                    <a:lstStyle/>
                     <a:p>
                       <a:pPr>
                         <a:buNone/>
@@ -6724,7 +6674,6 @@
                         <a:rPr lang="zh-CN" altLang="en-US"/>
                         <a:t>类项</a:t>
                       </a:r>
-                      <a:endParaRPr lang="zh-CN" altLang="en-US"/>
                     </a:p>
                   </a:txBody>
                   <a:tcPr/>
@@ -6732,6 +6681,7 @@
                 <a:tc>
                   <a:txBody>
                     <a:bodyPr/>
+                    <a:lstStyle/>
                     <a:p>
                       <a:pPr>
                         <a:buNone/>
@@ -6740,7 +6690,6 @@
                         <a:rPr lang="zh-CN" altLang="en-US"/>
                         <a:t>具体说明</a:t>
                       </a:r>
-                      <a:endParaRPr lang="zh-CN" altLang="en-US"/>
                     </a:p>
                   </a:txBody>
                   <a:tcPr/>
@@ -6750,6 +6699,7 @@
                 <a:tc>
                   <a:txBody>
                     <a:bodyPr/>
+                    <a:lstStyle/>
                     <a:p>
                       <a:pPr>
                         <a:buNone/>
@@ -6758,14 +6708,14 @@
                         <a:rPr lang="zh-CN" altLang="en-US"/>
                         <a:t>功能需求</a:t>
                       </a:r>
-                      <a:endParaRPr lang="zh-CN" altLang="en-US"/>
                     </a:p>
                   </a:txBody>
-                  <a:tcPr anchor="ctr" anchorCtr="0"/>
+                  <a:tcPr anchor="ctr"/>
                 </a:tc>
                 <a:tc>
                   <a:txBody>
                     <a:bodyPr/>
+                    <a:lstStyle/>
                     <a:p>
                       <a:pPr>
                         <a:buNone/>
@@ -6774,7 +6724,6 @@
                         <a:rPr lang="zh-CN" altLang="en-US"/>
                         <a:t>登入注册、通过图像识别来查找该酒的相关信息</a:t>
                       </a:r>
-                      <a:endParaRPr lang="zh-CN" altLang="en-US"/>
                     </a:p>
                   </a:txBody>
                   <a:tcPr/>
@@ -6784,6 +6733,7 @@
                 <a:tc>
                   <a:txBody>
                     <a:bodyPr/>
+                    <a:lstStyle/>
                     <a:p>
                       <a:pPr>
                         <a:buNone/>
@@ -6792,14 +6742,14 @@
                         <a:rPr lang="zh-CN" altLang="en-US"/>
                         <a:t>性能需求</a:t>
                       </a:r>
-                      <a:endParaRPr lang="zh-CN" altLang="en-US"/>
                     </a:p>
                   </a:txBody>
-                  <a:tcPr anchor="ctr" anchorCtr="0"/>
+                  <a:tcPr anchor="ctr"/>
                 </a:tc>
                 <a:tc>
                   <a:txBody>
                     <a:bodyPr/>
+                    <a:lstStyle/>
                     <a:p>
                       <a:pPr>
                         <a:buNone/>
@@ -6812,7 +6762,6 @@
                         <a:rPr lang="zh-CN" altLang="en-US"/>
                         <a:t>时间特性要求、灵活性</a:t>
                       </a:r>
-                      <a:endParaRPr lang="zh-CN" altLang="en-US"/>
                     </a:p>
                   </a:txBody>
                   <a:tcPr/>
@@ -6822,6 +6771,7 @@
                 <a:tc>
                   <a:txBody>
                     <a:bodyPr/>
+                    <a:lstStyle/>
                     <a:p>
                       <a:pPr>
                         <a:buNone/>
@@ -6830,14 +6780,14 @@
                         <a:rPr lang="zh-CN" altLang="en-US"/>
                         <a:t>输入输出要求</a:t>
                       </a:r>
-                      <a:endParaRPr lang="zh-CN" altLang="en-US"/>
                     </a:p>
                   </a:txBody>
-                  <a:tcPr anchor="ctr" anchorCtr="0"/>
+                  <a:tcPr anchor="ctr"/>
                 </a:tc>
                 <a:tc>
                   <a:txBody>
                     <a:bodyPr/>
+                    <a:lstStyle/>
                     <a:p>
                       <a:pPr>
                         <a:buNone/>
@@ -6846,7 +6796,6 @@
                         <a:rPr lang="zh-CN" altLang="en-US"/>
                         <a:t>标明系统数据输出量与控制精度</a:t>
                       </a:r>
-                      <a:endParaRPr lang="zh-CN" altLang="en-US"/>
                     </a:p>
                   </a:txBody>
                   <a:tcPr/>
@@ -6856,6 +6805,7 @@
                 <a:tc>
                   <a:txBody>
                     <a:bodyPr/>
+                    <a:lstStyle/>
                     <a:p>
                       <a:pPr>
                         <a:buNone/>
@@ -6864,14 +6814,14 @@
                         <a:rPr lang="zh-CN" altLang="en-US"/>
                         <a:t>数据管理能力要求（针对软件系统）</a:t>
                       </a:r>
-                      <a:endParaRPr lang="zh-CN" altLang="en-US"/>
                     </a:p>
                   </a:txBody>
-                  <a:tcPr anchor="ctr" anchorCtr="0"/>
+                  <a:tcPr anchor="ctr"/>
                 </a:tc>
                 <a:tc>
                   <a:txBody>
                     <a:bodyPr/>
+                    <a:lstStyle/>
                     <a:p>
                       <a:pPr>
                         <a:buNone/>
@@ -6880,7 +6830,6 @@
                         <a:rPr lang="zh-CN" altLang="en-US"/>
                         <a:t>对生命周期管理的数据量进行估算</a:t>
                       </a:r>
-                      <a:endParaRPr lang="zh-CN" altLang="en-US"/>
                     </a:p>
                   </a:txBody>
                   <a:tcPr/>
@@ -6890,6 +6839,7 @@
                 <a:tc>
                   <a:txBody>
                     <a:bodyPr/>
+                    <a:lstStyle/>
                     <a:p>
                       <a:pPr>
                         <a:buNone/>
@@ -6898,14 +6848,14 @@
                         <a:rPr lang="zh-CN" altLang="en-US"/>
                         <a:t>故障处理要求</a:t>
                       </a:r>
-                      <a:endParaRPr lang="zh-CN" altLang="en-US"/>
                     </a:p>
                   </a:txBody>
-                  <a:tcPr anchor="ctr" anchorCtr="0"/>
+                  <a:tcPr anchor="ctr"/>
                 </a:tc>
                 <a:tc>
                   <a:txBody>
                     <a:bodyPr/>
+                    <a:lstStyle/>
                     <a:p>
                       <a:pPr>
                         <a:buNone/>
@@ -6914,7 +6864,6 @@
                         <a:rPr lang="zh-CN" altLang="en-US"/>
                         <a:t>任何时候需要对数据库进行备份</a:t>
                       </a:r>
-                      <a:endParaRPr lang="zh-CN" altLang="en-US"/>
                     </a:p>
                   </a:txBody>
                   <a:tcPr/>
@@ -6924,6 +6873,7 @@
                 <a:tc>
                   <a:txBody>
                     <a:bodyPr/>
+                    <a:lstStyle/>
                     <a:p>
                       <a:pPr>
                         <a:buNone/>
@@ -6932,14 +6882,14 @@
                         <a:rPr lang="zh-CN" altLang="en-US"/>
                         <a:t>可补充性需求</a:t>
                       </a:r>
-                      <a:endParaRPr lang="zh-CN" altLang="en-US"/>
                     </a:p>
                   </a:txBody>
-                  <a:tcPr anchor="ctr" anchorCtr="0"/>
+                  <a:tcPr anchor="ctr"/>
                 </a:tc>
                 <a:tc>
                   <a:txBody>
                     <a:bodyPr/>
+                    <a:lstStyle/>
                     <a:p>
                       <a:pPr>
                         <a:buNone/>
@@ -6948,7 +6898,6 @@
                         <a:rPr lang="zh-CN" altLang="en-US"/>
                         <a:t>在编写代码时需要考虑到后续更新工作</a:t>
                       </a:r>
-                      <a:endParaRPr lang="zh-CN" altLang="en-US"/>
                     </a:p>
                   </a:txBody>
                   <a:tcPr/>
@@ -6958,6 +6907,7 @@
                 <a:tc>
                   <a:txBody>
                     <a:bodyPr/>
+                    <a:lstStyle/>
                     <a:p>
                       <a:pPr>
                         <a:buNone/>
@@ -6966,14 +6916,14 @@
                         <a:rPr lang="zh-CN" altLang="en-US"/>
                         <a:t>约束</a:t>
                       </a:r>
-                      <a:endParaRPr lang="zh-CN" altLang="en-US"/>
                     </a:p>
                   </a:txBody>
-                  <a:tcPr anchor="ctr" anchorCtr="0"/>
+                  <a:tcPr anchor="ctr"/>
                 </a:tc>
                 <a:tc>
                   <a:txBody>
                     <a:bodyPr/>
+                    <a:lstStyle/>
                     <a:p>
                       <a:pPr>
                         <a:buNone/>
@@ -6990,7 +6940,6 @@
                         <a:rPr lang="zh-CN" altLang="en-US"/>
                         <a:t>Tensorflow</a:t>
                       </a:r>
-                      <a:endParaRPr lang="zh-CN" altLang="en-US"/>
                     </a:p>
                     <a:p>
                       <a:pPr>
@@ -7008,7 +6957,6 @@
                         <a:rPr lang="zh-CN" altLang="en-US"/>
                         <a:t>（待定）</a:t>
                       </a:r>
-                      <a:endParaRPr lang="zh-CN" altLang="en-US"/>
                     </a:p>
                     <a:p>
                       <a:pPr>
@@ -7022,7 +6970,6 @@
                         <a:rPr lang="en-US" altLang="zh-CN"/>
                         <a:t>Android</a:t>
                       </a:r>
-                      <a:endParaRPr lang="en-US" altLang="zh-CN"/>
                     </a:p>
                   </a:txBody>
                   <a:tcPr/>
@@ -7032,6 +6979,7 @@
                 <a:tc>
                   <a:txBody>
                     <a:bodyPr/>
+                    <a:lstStyle/>
                     <a:p>
                       <a:pPr>
                         <a:buNone/>
@@ -7044,6 +6992,7 @@
                 <a:tc>
                   <a:txBody>
                     <a:bodyPr/>
+                    <a:lstStyle/>
                     <a:p>
                       <a:pPr>
                         <a:buNone/>
@@ -7066,6 +7015,13 @@
   <p:transition spd="slow" advClick="0" advTm="0">
     <p:wipe/>
   </p:transition>
+  <p:timing>
+    <p:tnLst>
+      <p:par>
+        <p:cTn id="1" dur="indefinite" restart="never" nodeType="tmRoot"/>
+      </p:par>
+    </p:tnLst>
+  </p:timing>
 </p:sld>
 </file>
 
@@ -7448,14 +7404,6 @@
                 </a:rPr>
                 <a:t>项目资源计划</a:t>
               </a:r>
-              <a:endParaRPr lang="zh-CN" altLang="zh-CN" sz="2000" b="1" kern="100" dirty="0">
-                <a:solidFill>
-                  <a:schemeClr val="bg1"/>
-                </a:solidFill>
-                <a:latin typeface="微软雅黑" panose="020B0503020204020204" pitchFamily="34" charset="-122"/>
-                <a:ea typeface="微软雅黑" panose="020B0503020204020204" pitchFamily="34" charset="-122"/>
-                <a:cs typeface="Times New Roman" panose="02020603050405020304" pitchFamily="18" charset="0"/>
-              </a:endParaRPr>
             </a:p>
           </p:txBody>
         </p:sp>
@@ -7635,14 +7583,6 @@
                 </a:rPr>
                 <a:t>项目风险计划</a:t>
               </a:r>
-              <a:endParaRPr lang="zh-CN" altLang="zh-CN" sz="2000" b="1" kern="100" dirty="0">
-                <a:solidFill>
-                  <a:schemeClr val="bg1"/>
-                </a:solidFill>
-                <a:latin typeface="微软雅黑" panose="020B0503020204020204" pitchFamily="34" charset="-122"/>
-                <a:ea typeface="微软雅黑" panose="020B0503020204020204" pitchFamily="34" charset="-122"/>
-                <a:cs typeface="Times New Roman" panose="02020603050405020304" pitchFamily="18" charset="0"/>
-              </a:endParaRPr>
             </a:p>
           </p:txBody>
         </p:sp>
@@ -7822,14 +7762,6 @@
                 </a:rPr>
                 <a:t>项目初步实施计划</a:t>
               </a:r>
-              <a:endParaRPr lang="zh-CN" altLang="zh-CN" sz="2000" b="1" kern="100" dirty="0">
-                <a:solidFill>
-                  <a:schemeClr val="bg1"/>
-                </a:solidFill>
-                <a:latin typeface="微软雅黑" panose="020B0503020204020204" pitchFamily="34" charset="-122"/>
-                <a:ea typeface="微软雅黑" panose="020B0503020204020204" pitchFamily="34" charset="-122"/>
-                <a:cs typeface="Times New Roman" panose="02020603050405020304" pitchFamily="18" charset="0"/>
-              </a:endParaRPr>
             </a:p>
           </p:txBody>
         </p:sp>
@@ -7927,13 +7859,6 @@
               </a:rPr>
               <a:t>项目计划</a:t>
             </a:r>
-            <a:endParaRPr lang="zh-CN" sz="3200" b="1" dirty="0">
-              <a:solidFill>
-                <a:schemeClr val="bg1"/>
-              </a:solidFill>
-              <a:latin typeface="微软雅黑" panose="020B0503020204020204" pitchFamily="34" charset="-122"/>
-              <a:ea typeface="微软雅黑" panose="020B0503020204020204" pitchFamily="34" charset="-122"/>
-            </a:endParaRPr>
           </a:p>
         </p:txBody>
       </p:sp>
@@ -7995,13 +7920,13 @@
   <p:clrMapOvr>
     <a:masterClrMapping/>
   </p:clrMapOvr>
-  <mc:AlternateContent xmlns:mc="http://schemas.openxmlformats.org/markup-compatibility/2006">
-    <mc:Choice xmlns:p14="http://schemas.microsoft.com/office/powerpoint/2010/main" Requires="p14">
+  <mc:AlternateContent xmlns:mc="http://schemas.openxmlformats.org/markup-compatibility/2006" xmlns:p14="http://schemas.microsoft.com/office/powerpoint/2010/main">
+    <mc:Choice Requires="p14">
       <p:transition spd="slow" p14:dur="1200" advClick="0" advTm="0">
         <p14:prism/>
       </p:transition>
     </mc:Choice>
-    <mc:Fallback>
+    <mc:Fallback xmlns="">
       <p:transition spd="slow" advClick="0" advTm="0">
         <p:fade/>
       </p:transition>
@@ -8962,7 +8887,7 @@
         </p:nvGraphicFramePr>
         <p:xfrm>
           <a:off x="1744345" y="1615440"/>
-          <a:ext cx="8532495" cy="3048000"/>
+          <a:ext cx="8531860" cy="3611880"/>
         </p:xfrm>
         <a:graphic>
           <a:graphicData uri="http://schemas.openxmlformats.org/drawingml/2006/table">
@@ -8978,6 +8903,7 @@
                 <a:tc>
                   <a:txBody>
                     <a:bodyPr/>
+                    <a:lstStyle/>
                     <a:p>
                       <a:pPr>
                         <a:buNone/>
@@ -8986,7 +8912,6 @@
                         <a:rPr lang="zh-CN" altLang="en-US"/>
                         <a:t>必要活动</a:t>
                       </a:r>
-                      <a:endParaRPr lang="zh-CN" altLang="en-US"/>
                     </a:p>
                   </a:txBody>
                   <a:tcPr/>
@@ -8994,6 +8919,7 @@
                 <a:tc>
                   <a:txBody>
                     <a:bodyPr/>
+                    <a:lstStyle/>
                     <a:p>
                       <a:pPr>
                         <a:buNone/>
@@ -9002,7 +8928,6 @@
                         <a:rPr lang="zh-CN" altLang="en-US"/>
                         <a:t>具体目标</a:t>
                       </a:r>
-                      <a:endParaRPr lang="zh-CN" altLang="en-US"/>
                     </a:p>
                   </a:txBody>
                   <a:tcPr/>
@@ -9012,6 +8937,7 @@
                 <a:tc>
                   <a:txBody>
                     <a:bodyPr/>
+                    <a:lstStyle/>
                     <a:p>
                       <a:pPr>
                         <a:buNone/>
@@ -9020,7 +8946,6 @@
                         <a:rPr lang="zh-CN" altLang="en-US"/>
                         <a:t>项目前期准备</a:t>
                       </a:r>
-                      <a:endParaRPr lang="zh-CN" altLang="en-US"/>
                     </a:p>
                   </a:txBody>
                   <a:tcPr/>
@@ -9028,6 +8953,7 @@
                 <a:tc>
                   <a:txBody>
                     <a:bodyPr/>
+                    <a:lstStyle/>
                     <a:p>
                       <a:pPr>
                         <a:buNone/>
@@ -9036,7 +8962,6 @@
                         <a:rPr lang="zh-CN" altLang="en-US"/>
                         <a:t>制定项目初步计划</a:t>
                       </a:r>
-                      <a:endParaRPr lang="zh-CN" altLang="en-US"/>
                     </a:p>
                   </a:txBody>
                   <a:tcPr/>
@@ -9046,6 +8971,7 @@
                 <a:tc>
                   <a:txBody>
                     <a:bodyPr/>
+                    <a:lstStyle/>
                     <a:p>
                       <a:pPr>
                         <a:buNone/>
@@ -9054,7 +8980,6 @@
                         <a:rPr lang="zh-CN" altLang="en-US"/>
                         <a:t>可行性分析</a:t>
                       </a:r>
-                      <a:endParaRPr lang="zh-CN" altLang="en-US"/>
                     </a:p>
                   </a:txBody>
                   <a:tcPr/>
@@ -9062,6 +8987,7 @@
                 <a:tc>
                   <a:txBody>
                     <a:bodyPr/>
+                    <a:lstStyle/>
                     <a:p>
                       <a:pPr>
                         <a:buNone/>
@@ -9070,7 +8996,6 @@
                         <a:rPr lang="zh-CN" altLang="en-US"/>
                         <a:t>可行性分析报告</a:t>
                       </a:r>
-                      <a:endParaRPr lang="zh-CN" altLang="en-US"/>
                     </a:p>
                   </a:txBody>
                   <a:tcPr/>
@@ -9080,6 +9005,7 @@
                 <a:tc>
                   <a:txBody>
                     <a:bodyPr/>
+                    <a:lstStyle/>
                     <a:p>
                       <a:pPr>
                         <a:buNone/>
@@ -9088,7 +9014,6 @@
                         <a:rPr lang="zh-CN" altLang="en-US"/>
                         <a:t>需求分析</a:t>
                       </a:r>
-                      <a:endParaRPr lang="zh-CN" altLang="en-US"/>
                     </a:p>
                   </a:txBody>
                   <a:tcPr/>
@@ -9096,6 +9021,7 @@
                 <a:tc>
                   <a:txBody>
                     <a:bodyPr/>
+                    <a:lstStyle/>
                     <a:p>
                       <a:pPr>
                         <a:buNone/>
@@ -9108,7 +9034,6 @@
                         <a:rPr lang="en-US" altLang="zh-CN"/>
                         <a:t>SRS</a:t>
                       </a:r>
-                      <a:endParaRPr lang="en-US" altLang="zh-CN"/>
                     </a:p>
                   </a:txBody>
                   <a:tcPr/>
@@ -9118,6 +9043,7 @@
                 <a:tc>
                   <a:txBody>
                     <a:bodyPr/>
+                    <a:lstStyle/>
                     <a:p>
                       <a:pPr>
                         <a:buNone/>
@@ -9126,7 +9052,6 @@
                         <a:rPr lang="zh-CN" altLang="en-US"/>
                         <a:t>总体设计</a:t>
                       </a:r>
-                      <a:endParaRPr lang="zh-CN" altLang="en-US"/>
                     </a:p>
                   </a:txBody>
                   <a:tcPr/>
@@ -9134,6 +9059,7 @@
                 <a:tc>
                   <a:txBody>
                     <a:bodyPr/>
+                    <a:lstStyle/>
                     <a:p>
                       <a:pPr>
                         <a:buNone/>
@@ -9142,7 +9068,6 @@
                         <a:rPr lang="zh-CN" altLang="en-US"/>
                         <a:t>系统说明报告，软件结构实现计划，测试计划，总体设计报告</a:t>
                       </a:r>
-                      <a:endParaRPr lang="zh-CN" altLang="en-US"/>
                     </a:p>
                   </a:txBody>
                   <a:tcPr/>
@@ -9152,6 +9077,7 @@
                 <a:tc>
                   <a:txBody>
                     <a:bodyPr/>
+                    <a:lstStyle/>
                     <a:p>
                       <a:pPr>
                         <a:buNone/>
@@ -9160,7 +9086,6 @@
                         <a:rPr lang="zh-CN" altLang="en-US"/>
                         <a:t>详细设计</a:t>
                       </a:r>
-                      <a:endParaRPr lang="zh-CN" altLang="en-US"/>
                     </a:p>
                   </a:txBody>
                   <a:tcPr/>
@@ -9168,6 +9093,7 @@
                 <a:tc>
                   <a:txBody>
                     <a:bodyPr/>
+                    <a:lstStyle/>
                     <a:p>
                       <a:pPr>
                         <a:buNone/>
@@ -9176,7 +9102,6 @@
                         <a:rPr lang="zh-CN" altLang="en-US"/>
                         <a:t>详细设计报告</a:t>
                       </a:r>
-                      <a:endParaRPr lang="zh-CN" altLang="en-US"/>
                     </a:p>
                   </a:txBody>
                   <a:tcPr/>
@@ -9186,6 +9111,7 @@
                 <a:tc>
                   <a:txBody>
                     <a:bodyPr/>
+                    <a:lstStyle/>
                     <a:p>
                       <a:pPr>
                         <a:buNone/>
@@ -9194,7 +9120,6 @@
                         <a:rPr lang="zh-CN" altLang="en-US"/>
                         <a:t>项目实现</a:t>
                       </a:r>
-                      <a:endParaRPr lang="zh-CN" altLang="en-US"/>
                     </a:p>
                   </a:txBody>
                   <a:tcPr/>
@@ -9202,6 +9127,7 @@
                 <a:tc>
                   <a:txBody>
                     <a:bodyPr/>
+                    <a:lstStyle/>
                     <a:p>
                       <a:pPr>
                         <a:buNone/>
@@ -9210,7 +9136,6 @@
                         <a:rPr lang="zh-CN" altLang="en-US"/>
                         <a:t>项目实现计划，安装部署计划</a:t>
                       </a:r>
-                      <a:endParaRPr lang="zh-CN" altLang="en-US"/>
                     </a:p>
                   </a:txBody>
                   <a:tcPr/>
@@ -9220,6 +9145,7 @@
                 <a:tc>
                   <a:txBody>
                     <a:bodyPr/>
+                    <a:lstStyle/>
                     <a:p>
                       <a:pPr>
                         <a:buNone/>
@@ -9228,7 +9154,6 @@
                         <a:rPr lang="zh-CN" altLang="en-US"/>
                         <a:t>项目总结</a:t>
                       </a:r>
-                      <a:endParaRPr lang="zh-CN" altLang="en-US"/>
                     </a:p>
                   </a:txBody>
                   <a:tcPr/>
@@ -9236,6 +9161,7 @@
                 <a:tc>
                   <a:txBody>
                     <a:bodyPr/>
+                    <a:lstStyle/>
                     <a:p>
                       <a:pPr>
                         <a:buNone/>
@@ -9244,7 +9170,6 @@
                         <a:rPr lang="zh-CN" altLang="en-US"/>
                         <a:t>项目总结报告，系统测试报告</a:t>
                       </a:r>
-                      <a:endParaRPr lang="zh-CN" altLang="en-US"/>
                     </a:p>
                   </a:txBody>
                   <a:tcPr/>
@@ -9262,6 +9187,13 @@
   <p:transition spd="slow" advClick="0" advTm="0">
     <p:wipe/>
   </p:transition>
+  <p:timing>
+    <p:tnLst>
+      <p:par>
+        <p:cTn id="1" dur="indefinite" restart="never" nodeType="tmRoot"/>
+      </p:par>
+    </p:tnLst>
+  </p:timing>
 </p:sld>
 </file>
 
@@ -9410,13 +9342,6 @@
               </a:rPr>
               <a:t>项目资源计划</a:t>
             </a:r>
-            <a:endParaRPr lang="zh-CN" altLang="en-US" sz="2665" dirty="0" smtClean="0">
-              <a:solidFill>
-                <a:srgbClr val="183A5D"/>
-              </a:solidFill>
-              <a:latin typeface="微软雅黑" panose="020B0503020204020204" pitchFamily="34" charset="-122"/>
-              <a:ea typeface="微软雅黑" panose="020B0503020204020204" pitchFamily="34" charset="-122"/>
-            </a:endParaRPr>
           </a:p>
         </p:txBody>
       </p:sp>
@@ -9448,6 +9373,7 @@
                 <a:tc>
                   <a:txBody>
                     <a:bodyPr/>
+                    <a:lstStyle/>
                     <a:p>
                       <a:pPr>
                         <a:buNone/>
@@ -9460,6 +9386,7 @@
                 <a:tc>
                   <a:txBody>
                     <a:bodyPr/>
+                    <a:lstStyle/>
                     <a:p>
                       <a:pPr>
                         <a:buNone/>
@@ -9468,7 +9395,6 @@
                         <a:rPr lang="zh-CN" altLang="en-US"/>
                         <a:t>周一</a:t>
                       </a:r>
-                      <a:endParaRPr lang="zh-CN" altLang="en-US"/>
                     </a:p>
                   </a:txBody>
                   <a:tcPr/>
@@ -9476,6 +9402,7 @@
                 <a:tc>
                   <a:txBody>
                     <a:bodyPr/>
+                    <a:lstStyle/>
                     <a:p>
                       <a:pPr>
                         <a:buNone/>
@@ -9484,7 +9411,6 @@
                         <a:rPr lang="zh-CN" altLang="en-US"/>
                         <a:t>周二</a:t>
                       </a:r>
-                      <a:endParaRPr lang="zh-CN" altLang="en-US"/>
                     </a:p>
                   </a:txBody>
                   <a:tcPr/>
@@ -9492,6 +9418,7 @@
                 <a:tc>
                   <a:txBody>
                     <a:bodyPr/>
+                    <a:lstStyle/>
                     <a:p>
                       <a:pPr>
                         <a:buNone/>
@@ -9500,7 +9427,6 @@
                         <a:rPr lang="zh-CN" altLang="en-US"/>
                         <a:t>周三</a:t>
                       </a:r>
-                      <a:endParaRPr lang="zh-CN" altLang="en-US"/>
                     </a:p>
                   </a:txBody>
                   <a:tcPr/>
@@ -9508,6 +9434,7 @@
                 <a:tc>
                   <a:txBody>
                     <a:bodyPr/>
+                    <a:lstStyle/>
                     <a:p>
                       <a:pPr>
                         <a:buNone/>
@@ -9516,7 +9443,6 @@
                         <a:rPr lang="zh-CN" altLang="en-US"/>
                         <a:t>周四</a:t>
                       </a:r>
-                      <a:endParaRPr lang="zh-CN" altLang="en-US"/>
                     </a:p>
                   </a:txBody>
                   <a:tcPr/>
@@ -9524,6 +9450,7 @@
                 <a:tc>
                   <a:txBody>
                     <a:bodyPr/>
+                    <a:lstStyle/>
                     <a:p>
                       <a:pPr>
                         <a:buNone/>
@@ -9532,7 +9459,6 @@
                         <a:rPr lang="zh-CN" altLang="en-US"/>
                         <a:t>周五</a:t>
                       </a:r>
-                      <a:endParaRPr lang="zh-CN" altLang="en-US"/>
                     </a:p>
                   </a:txBody>
                   <a:tcPr/>
@@ -9542,6 +9468,7 @@
                 <a:tc>
                   <a:txBody>
                     <a:bodyPr/>
+                    <a:lstStyle/>
                     <a:p>
                       <a:pPr>
                         <a:buNone/>
@@ -9554,7 +9481,6 @@
                         <a:rPr lang="en-US" altLang="zh-CN"/>
                         <a:t>1-2</a:t>
                       </a:r>
-                      <a:endParaRPr lang="en-US" altLang="zh-CN"/>
                     </a:p>
                   </a:txBody>
                   <a:tcPr/>
@@ -9562,6 +9488,7 @@
                 <a:tc>
                   <a:txBody>
                     <a:bodyPr/>
+                    <a:lstStyle/>
                     <a:p>
                       <a:pPr>
                         <a:buNone/>
@@ -9590,7 +9517,6 @@
                         <a:rPr lang="zh-CN" altLang="en-US"/>
                         <a:t>，陈</a:t>
                       </a:r>
-                      <a:endParaRPr lang="zh-CN" altLang="en-US"/>
                     </a:p>
                   </a:txBody>
                   <a:tcPr/>
@@ -9598,6 +9524,7 @@
                 <a:tc>
                   <a:txBody>
                     <a:bodyPr/>
+                    <a:lstStyle/>
                     <a:p>
                       <a:pPr>
                         <a:buNone/>
@@ -9614,7 +9541,6 @@
                         <a:rPr lang="zh-CN" altLang="en-US"/>
                         <a:t>，陈</a:t>
                       </a:r>
-                      <a:endParaRPr lang="zh-CN" altLang="en-US"/>
                     </a:p>
                   </a:txBody>
                   <a:tcPr/>
@@ -9622,6 +9548,7 @@
                 <a:tc>
                   <a:txBody>
                     <a:bodyPr/>
+                    <a:lstStyle/>
                     <a:p>
                       <a:pPr>
                         <a:buNone/>
@@ -9634,6 +9561,7 @@
                 <a:tc>
                   <a:txBody>
                     <a:bodyPr/>
+                    <a:lstStyle/>
                     <a:p>
                       <a:pPr>
                         <a:buNone/>
@@ -9642,7 +9570,6 @@
                         <a:rPr lang="zh-CN" altLang="en-US"/>
                         <a:t>陈</a:t>
                       </a:r>
-                      <a:endParaRPr lang="zh-CN" altLang="en-US"/>
                     </a:p>
                   </a:txBody>
                   <a:tcPr/>
@@ -9650,6 +9577,7 @@
                 <a:tc>
                   <a:txBody>
                     <a:bodyPr/>
+                    <a:lstStyle/>
                     <a:p>
                       <a:pPr>
                         <a:buNone/>
@@ -9678,7 +9606,6 @@
                         <a:rPr lang="zh-CN" altLang="en-US"/>
                         <a:t>，陈</a:t>
                       </a:r>
-                      <a:endParaRPr lang="zh-CN" altLang="en-US"/>
                     </a:p>
                   </a:txBody>
                   <a:tcPr/>
@@ -9688,6 +9615,7 @@
                 <a:tc>
                   <a:txBody>
                     <a:bodyPr/>
+                    <a:lstStyle/>
                     <a:p>
                       <a:pPr>
                         <a:buNone/>
@@ -9700,7 +9628,6 @@
                         <a:rPr lang="en-US" altLang="zh-CN"/>
                         <a:t>3-4</a:t>
                       </a:r>
-                      <a:endParaRPr lang="en-US" altLang="zh-CN"/>
                     </a:p>
                   </a:txBody>
                   <a:tcPr/>
@@ -9708,6 +9635,7 @@
                 <a:tc>
                   <a:txBody>
                     <a:bodyPr/>
+                    <a:lstStyle/>
                     <a:p>
                       <a:pPr>
                         <a:buNone/>
@@ -9720,6 +9648,7 @@
                 <a:tc>
                   <a:txBody>
                     <a:bodyPr/>
+                    <a:lstStyle/>
                     <a:p>
                       <a:pPr>
                         <a:buNone/>
@@ -9732,6 +9661,7 @@
                 <a:tc>
                   <a:txBody>
                     <a:bodyPr/>
+                    <a:lstStyle/>
                     <a:p>
                       <a:pPr>
                         <a:buNone/>
@@ -9744,6 +9674,7 @@
                 <a:tc>
                   <a:txBody>
                     <a:bodyPr/>
+                    <a:lstStyle/>
                     <a:p>
                       <a:pPr>
                         <a:buNone/>
@@ -9756,6 +9687,7 @@
                 <a:tc>
                   <a:txBody>
                     <a:bodyPr/>
+                    <a:lstStyle/>
                     <a:p>
                       <a:pPr>
                         <a:buNone/>
@@ -9772,7 +9704,6 @@
                         <a:rPr lang="zh-CN" altLang="en-US"/>
                         <a:t>，陈</a:t>
                       </a:r>
-                      <a:endParaRPr lang="zh-CN" altLang="en-US"/>
                     </a:p>
                   </a:txBody>
                   <a:tcPr/>
@@ -9782,6 +9713,7 @@
                 <a:tc>
                   <a:txBody>
                     <a:bodyPr/>
+                    <a:lstStyle/>
                     <a:p>
                       <a:pPr>
                         <a:buNone/>
@@ -9794,7 +9726,6 @@
                         <a:rPr lang="en-US" altLang="zh-CN"/>
                         <a:t>1-2</a:t>
                       </a:r>
-                      <a:endParaRPr lang="en-US" altLang="zh-CN"/>
                     </a:p>
                   </a:txBody>
                   <a:tcPr/>
@@ -9802,6 +9733,7 @@
                 <a:tc>
                   <a:txBody>
                     <a:bodyPr/>
+                    <a:lstStyle/>
                     <a:p>
                       <a:pPr>
                         <a:buNone/>
@@ -9814,6 +9746,7 @@
                 <a:tc>
                   <a:txBody>
                     <a:bodyPr/>
+                    <a:lstStyle/>
                     <a:p>
                       <a:pPr>
                         <a:buNone/>
@@ -9826,6 +9759,7 @@
                 <a:tc>
                   <a:txBody>
                     <a:bodyPr/>
+                    <a:lstStyle/>
                     <a:p>
                       <a:pPr>
                         <a:buNone/>
@@ -9834,7 +9768,6 @@
                         <a:rPr lang="zh-CN" altLang="en-US"/>
                         <a:t>陈</a:t>
                       </a:r>
-                      <a:endParaRPr lang="zh-CN" altLang="en-US"/>
                     </a:p>
                   </a:txBody>
                   <a:tcPr/>
@@ -9842,6 +9775,7 @@
                 <a:tc>
                   <a:txBody>
                     <a:bodyPr/>
+                    <a:lstStyle/>
                     <a:p>
                       <a:pPr>
                         <a:buNone/>
@@ -9854,11 +9788,6 @@
                         </a:rPr>
                         <a:t>黄</a:t>
                       </a:r>
-                      <a:endParaRPr lang="zh-CN" altLang="en-US">
-                        <a:solidFill>
-                          <a:srgbClr val="00B0F0"/>
-                        </a:solidFill>
-                      </a:endParaRPr>
                     </a:p>
                   </a:txBody>
                   <a:tcPr/>
@@ -9866,6 +9795,7 @@
                 <a:tc>
                   <a:txBody>
                     <a:bodyPr/>
+                    <a:lstStyle/>
                     <a:p>
                       <a:pPr>
                         <a:buNone/>
@@ -9894,7 +9824,6 @@
                         <a:rPr lang="zh-CN" altLang="en-US"/>
                         <a:t>，陈</a:t>
                       </a:r>
-                      <a:endParaRPr lang="zh-CN" altLang="en-US"/>
                     </a:p>
                   </a:txBody>
                   <a:tcPr/>
@@ -9904,6 +9833,7 @@
                 <a:tc>
                   <a:txBody>
                     <a:bodyPr/>
+                    <a:lstStyle/>
                     <a:p>
                       <a:pPr>
                         <a:buNone/>
@@ -9916,7 +9846,6 @@
                         <a:rPr lang="en-US" altLang="zh-CN"/>
                         <a:t>3-4</a:t>
                       </a:r>
-                      <a:endParaRPr lang="en-US" altLang="zh-CN"/>
                     </a:p>
                   </a:txBody>
                   <a:tcPr/>
@@ -9924,6 +9853,7 @@
                 <a:tc>
                   <a:txBody>
                     <a:bodyPr/>
+                    <a:lstStyle/>
                     <a:p>
                       <a:pPr>
                         <a:buNone/>
@@ -9952,7 +9882,6 @@
                         <a:rPr lang="zh-CN" altLang="en-US"/>
                         <a:t>，陈</a:t>
                       </a:r>
-                      <a:endParaRPr lang="zh-CN" altLang="en-US"/>
                     </a:p>
                   </a:txBody>
                   <a:tcPr/>
@@ -9960,6 +9889,7 @@
                 <a:tc>
                   <a:txBody>
                     <a:bodyPr/>
+                    <a:lstStyle/>
                     <a:p>
                       <a:pPr>
                         <a:buNone/>
@@ -9972,6 +9902,7 @@
                 <a:tc>
                   <a:txBody>
                     <a:bodyPr/>
+                    <a:lstStyle/>
                     <a:p>
                       <a:pPr>
                         <a:buNone/>
@@ -9984,6 +9915,7 @@
                 <a:tc>
                   <a:txBody>
                     <a:bodyPr/>
+                    <a:lstStyle/>
                     <a:p>
                       <a:pPr>
                         <a:buNone/>
@@ -9996,6 +9928,7 @@
                 <a:tc>
                   <a:txBody>
                     <a:bodyPr/>
+                    <a:lstStyle/>
                     <a:p>
                       <a:pPr>
                         <a:buNone/>
@@ -10024,7 +9957,6 @@
                         <a:rPr lang="zh-CN" altLang="en-US"/>
                         <a:t>，陈</a:t>
                       </a:r>
-                      <a:endParaRPr lang="zh-CN" altLang="en-US"/>
                     </a:p>
                   </a:txBody>
                   <a:tcPr/>
@@ -10034,6 +9966,7 @@
                 <a:tc>
                   <a:txBody>
                     <a:bodyPr/>
+                    <a:lstStyle/>
                     <a:p>
                       <a:pPr algn="ctr">
                         <a:buNone/>
@@ -10042,7 +9975,6 @@
                         <a:rPr lang="zh-CN" altLang="en-US"/>
                         <a:t>晚上</a:t>
                       </a:r>
-                      <a:endParaRPr lang="zh-CN" altLang="en-US"/>
                     </a:p>
                   </a:txBody>
                   <a:tcPr/>
@@ -10050,6 +9982,7 @@
                 <a:tc>
                   <a:txBody>
                     <a:bodyPr/>
+                    <a:lstStyle/>
                     <a:p>
                       <a:pPr>
                         <a:buNone/>
@@ -10092,6 +10025,7 @@
                 <a:tc>
                   <a:txBody>
                     <a:bodyPr/>
+                    <a:lstStyle/>
                     <a:p>
                       <a:pPr>
                         <a:buNone/>
@@ -10120,7 +10054,6 @@
                         <a:rPr lang="zh-CN" altLang="en-US"/>
                         <a:t>，陈</a:t>
                       </a:r>
-                      <a:endParaRPr lang="zh-CN" altLang="en-US"/>
                     </a:p>
                   </a:txBody>
                   <a:tcPr/>
@@ -10128,6 +10061,7 @@
                 <a:tc>
                   <a:txBody>
                     <a:bodyPr/>
+                    <a:lstStyle/>
                     <a:p>
                       <a:pPr>
                         <a:buNone/>
@@ -10156,7 +10090,6 @@
                         <a:rPr lang="zh-CN" altLang="en-US"/>
                         <a:t>，陈</a:t>
                       </a:r>
-                      <a:endParaRPr lang="zh-CN" altLang="en-US"/>
                     </a:p>
                   </a:txBody>
                   <a:tcPr/>
@@ -10164,6 +10097,7 @@
                 <a:tc>
                   <a:txBody>
                     <a:bodyPr/>
+                    <a:lstStyle/>
                     <a:p>
                       <a:pPr>
                         <a:buNone/>
@@ -10192,7 +10126,6 @@
                         <a:rPr lang="zh-CN" altLang="en-US"/>
                         <a:t>，陈</a:t>
                       </a:r>
-                      <a:endParaRPr lang="zh-CN" altLang="en-US"/>
                     </a:p>
                   </a:txBody>
                   <a:tcPr/>
@@ -10200,6 +10133,7 @@
                 <a:tc>
                   <a:txBody>
                     <a:bodyPr/>
+                    <a:lstStyle/>
                     <a:p>
                       <a:pPr>
                         <a:buNone/>
@@ -10228,7 +10162,6 @@
                         <a:rPr lang="zh-CN" altLang="en-US"/>
                         <a:t>，陈</a:t>
                       </a:r>
-                      <a:endParaRPr lang="zh-CN" altLang="en-US"/>
                     </a:p>
                   </a:txBody>
                   <a:tcPr/>
@@ -10258,12 +10191,12 @@
           <a:bodyPr wrap="square" rtlCol="0">
             <a:spAutoFit/>
           </a:bodyPr>
+          <a:lstStyle/>
           <a:p>
             <a:r>
               <a:rPr lang="zh-CN" altLang="en-US"/>
               <a:t>项目成员空余时间表：</a:t>
             </a:r>
-            <a:endParaRPr lang="zh-CN" altLang="en-US"/>
           </a:p>
         </p:txBody>
       </p:sp>
@@ -10291,6 +10224,7 @@
                 <a:tc>
                   <a:txBody>
                     <a:bodyPr/>
+                    <a:lstStyle/>
                     <a:p>
                       <a:pPr algn="l">
                         <a:spcAft>
@@ -10324,6 +10258,7 @@
                 <a:tc>
                   <a:txBody>
                     <a:bodyPr/>
+                    <a:lstStyle/>
                     <a:p>
                       <a:pPr>
                         <a:buNone/>
@@ -10338,13 +10273,6 @@
                         </a:rPr>
                         <a:t>陈子卿</a:t>
                       </a:r>
-                      <a:endParaRPr lang="zh-CN" altLang="en-US" sz="2400" b="0">
-                        <a:solidFill>
-                          <a:schemeClr val="tx1"/>
-                        </a:solidFill>
-                        <a:latin typeface="微软雅黑" panose="020B0503020204020204" pitchFamily="34" charset="-122"/>
-                        <a:ea typeface="微软雅黑" panose="020B0503020204020204" pitchFamily="34" charset="-122"/>
-                      </a:endParaRPr>
                     </a:p>
                   </a:txBody>
                   <a:tcPr>
@@ -10361,6 +10289,7 @@
                 <a:tc>
                   <a:txBody>
                     <a:bodyPr/>
+                    <a:lstStyle/>
                     <a:p>
                       <a:pPr algn="l">
                         <a:spcAft>
@@ -10395,6 +10324,7 @@
                 <a:tc>
                   <a:txBody>
                     <a:bodyPr/>
+                    <a:lstStyle/>
                     <a:p>
                       <a:pPr>
                         <a:buNone/>
@@ -10409,13 +10339,6 @@
                         </a:rPr>
                         <a:t>黄为波</a:t>
                       </a:r>
-                      <a:endParaRPr lang="zh-CN" altLang="en-US" sz="2400" b="0">
-                        <a:solidFill>
-                          <a:schemeClr val="tx1"/>
-                        </a:solidFill>
-                        <a:uFillTx/>
-                        <a:ea typeface="微软雅黑" panose="020B0503020204020204" pitchFamily="34" charset="-122"/>
-                      </a:endParaRPr>
                     </a:p>
                   </a:txBody>
                   <a:tcPr>
@@ -10432,6 +10355,7 @@
                 <a:tc>
                   <a:txBody>
                     <a:bodyPr/>
+                    <a:lstStyle/>
                     <a:p>
                       <a:pPr algn="l">
                         <a:spcAft>
@@ -10463,6 +10387,7 @@
                 <a:tc>
                   <a:txBody>
                     <a:bodyPr/>
+                    <a:lstStyle/>
                     <a:p>
                       <a:pPr>
                         <a:buNone/>
@@ -10477,13 +10402,6 @@
                         </a:rPr>
                         <a:t>蔡峰</a:t>
                       </a:r>
-                      <a:endParaRPr lang="zh-CN" altLang="en-US" sz="2400" b="0">
-                        <a:solidFill>
-                          <a:schemeClr val="tx1"/>
-                        </a:solidFill>
-                        <a:uFillTx/>
-                        <a:ea typeface="微软雅黑" panose="020B0503020204020204" pitchFamily="34" charset="-122"/>
-                      </a:endParaRPr>
                     </a:p>
                   </a:txBody>
                   <a:tcPr>
@@ -10500,6 +10418,7 @@
                 <a:tc>
                   <a:txBody>
                     <a:bodyPr/>
+                    <a:lstStyle/>
                     <a:p>
                       <a:pPr algn="l">
                         <a:spcAft>
@@ -10534,6 +10453,7 @@
                 <a:tc>
                   <a:txBody>
                     <a:bodyPr/>
+                    <a:lstStyle/>
                     <a:p>
                       <a:pPr>
                         <a:buNone/>
@@ -10548,13 +10468,6 @@
                         </a:rPr>
                         <a:t>小组协同</a:t>
                       </a:r>
-                      <a:endParaRPr lang="zh-CN" altLang="en-US" sz="2400" b="0">
-                        <a:solidFill>
-                          <a:schemeClr val="tx1"/>
-                        </a:solidFill>
-                        <a:uFillTx/>
-                        <a:ea typeface="微软雅黑" panose="020B0503020204020204" pitchFamily="34" charset="-122"/>
-                      </a:endParaRPr>
                     </a:p>
                   </a:txBody>
                   <a:tcPr>
@@ -10865,7 +10778,6 @@
               <a:rPr lang="en-US" sz="2400" dirty="0"/>
               <a:t>3</a:t>
             </a:r>
-            <a:endParaRPr lang="en-US" sz="2400" dirty="0"/>
           </a:p>
         </p:txBody>
       </p:sp>
@@ -10913,13 +10825,13 @@
       </p:sp>
       <p:graphicFrame>
         <p:nvGraphicFramePr>
-          <p:cNvPr id="0" name="表格 -1"/>
+          <p:cNvPr id="5" name="表格 -1"/>
           <p:cNvGraphicFramePr/>
           <p:nvPr/>
         </p:nvGraphicFramePr>
         <p:xfrm>
           <a:off x="237490" y="693420"/>
-          <a:ext cx="11715115" cy="6002020"/>
+          <a:ext cx="11715115" cy="6093460"/>
         </p:xfrm>
         <a:graphic>
           <a:graphicData uri="http://schemas.openxmlformats.org/drawingml/2006/table">
@@ -10944,6 +10856,7 @@
                 <a:tc rowSpan="2">
                   <a:txBody>
                     <a:bodyPr/>
+                    <a:lstStyle/>
                     <a:p>
                       <a:pPr indent="0" algn="ctr">
                         <a:buNone/>
@@ -10959,17 +10872,9 @@
                         </a:rPr>
                         <a:t>项目管理过程</a:t>
                       </a:r>
-                      <a:endParaRPr lang="zh-CN" altLang="en-US" sz="1000" b="1">
-                        <a:solidFill>
-                          <a:srgbClr val="000000"/>
-                        </a:solidFill>
-                        <a:latin typeface="微软雅黑" panose="020B0503020204020204" pitchFamily="34" charset="-122"/>
-                        <a:ea typeface="微软雅黑" panose="020B0503020204020204" pitchFamily="34" charset="-122"/>
-                        <a:cs typeface="宋体" panose="02010600030101010101" pitchFamily="2" charset="-122"/>
-                      </a:endParaRPr>
                     </a:p>
                   </a:txBody>
-                  <a:tcPr marL="0" marR="0" marT="0" marB="0" vert="horz" anchor="ctr">
+                  <a:tcPr marL="0" marR="0" marT="0" marB="0" anchor="ctr">
                     <a:lnL w="15240" cap="flat" cmpd="sng">
                       <a:solidFill>
                         <a:srgbClr val="000000"/>
@@ -11014,6 +10919,7 @@
                 <a:tc gridSpan="2">
                   <a:txBody>
                     <a:bodyPr/>
+                    <a:lstStyle/>
                     <a:p>
                       <a:pPr indent="0" algn="ctr">
                         <a:buNone/>
@@ -11029,17 +10935,9 @@
                         </a:rPr>
                         <a:t>风险识别</a:t>
                       </a:r>
-                      <a:endParaRPr lang="zh-CN" altLang="en-US" sz="1200" b="1">
-                        <a:solidFill>
-                          <a:srgbClr val="000000"/>
-                        </a:solidFill>
-                        <a:latin typeface="微软雅黑" panose="020B0503020204020204" pitchFamily="34" charset="-122"/>
-                        <a:ea typeface="微软雅黑" panose="020B0503020204020204" pitchFamily="34" charset="-122"/>
-                        <a:cs typeface="宋体" panose="02010600030101010101" pitchFamily="2" charset="-122"/>
-                      </a:endParaRPr>
                     </a:p>
                   </a:txBody>
-                  <a:tcPr marL="0" marR="0" marT="0" marB="0" vert="horz" anchor="ctr">
+                  <a:tcPr marL="0" marR="0" marT="0" marB="0" anchor="ctr">
                     <a:lnL w="15240" cap="flat" cmpd="sng">
                       <a:solidFill>
                         <a:srgbClr val="000000"/>
@@ -11082,6 +10980,13 @@
                   </a:tcPr>
                 </a:tc>
                 <a:tc hMerge="1">
+                  <a:txBody>
+                    <a:bodyPr/>
+                    <a:lstStyle/>
+                    <a:p>
+                      <a:endParaRPr lang="zh-CN"/>
+                    </a:p>
+                  </a:txBody>
                   <a:tcPr>
                     <a:lnR w="15240" cap="flat" cmpd="sng">
                       <a:solidFill>
@@ -11112,6 +11017,7 @@
                 <a:tc gridSpan="4">
                   <a:txBody>
                     <a:bodyPr/>
+                    <a:lstStyle/>
                     <a:p>
                       <a:pPr indent="0" algn="ctr">
                         <a:buNone/>
@@ -11127,17 +11033,9 @@
                         </a:rPr>
                         <a:t>风险评估</a:t>
                       </a:r>
-                      <a:endParaRPr lang="zh-CN" altLang="en-US" sz="1200" b="1">
-                        <a:solidFill>
-                          <a:srgbClr val="000000"/>
-                        </a:solidFill>
-                        <a:latin typeface="微软雅黑" panose="020B0503020204020204" pitchFamily="34" charset="-122"/>
-                        <a:ea typeface="微软雅黑" panose="020B0503020204020204" pitchFamily="34" charset="-122"/>
-                        <a:cs typeface="宋体" panose="02010600030101010101" pitchFamily="2" charset="-122"/>
-                      </a:endParaRPr>
                     </a:p>
                   </a:txBody>
-                  <a:tcPr marL="0" marR="0" marT="0" marB="0" vert="horz" anchor="ctr">
+                  <a:tcPr marL="0" marR="0" marT="0" marB="0" anchor="ctr">
                     <a:lnL w="15240" cap="flat" cmpd="sng">
                       <a:solidFill>
                         <a:srgbClr val="000000"/>
@@ -11180,6 +11078,13 @@
                   </a:tcPr>
                 </a:tc>
                 <a:tc hMerge="1">
+                  <a:txBody>
+                    <a:bodyPr/>
+                    <a:lstStyle/>
+                    <a:p>
+                      <a:endParaRPr lang="zh-CN"/>
+                    </a:p>
+                  </a:txBody>
                   <a:tcPr>
                     <a:lnT w="15240" cap="flat" cmpd="sng">
                       <a:solidFill>
@@ -11200,6 +11105,13 @@
                   </a:tcPr>
                 </a:tc>
                 <a:tc hMerge="1">
+                  <a:txBody>
+                    <a:bodyPr/>
+                    <a:lstStyle/>
+                    <a:p>
+                      <a:endParaRPr lang="zh-CN"/>
+                    </a:p>
+                  </a:txBody>
                   <a:tcPr>
                     <a:lnT w="15240" cap="flat" cmpd="sng">
                       <a:solidFill>
@@ -11220,6 +11132,13 @@
                   </a:tcPr>
                 </a:tc>
                 <a:tc hMerge="1">
+                  <a:txBody>
+                    <a:bodyPr/>
+                    <a:lstStyle/>
+                    <a:p>
+                      <a:endParaRPr lang="zh-CN"/>
+                    </a:p>
+                  </a:txBody>
                   <a:tcPr>
                     <a:lnR w="15240" cap="flat" cmpd="sng">
                       <a:solidFill>
@@ -11250,6 +11169,7 @@
                 <a:tc>
                   <a:txBody>
                     <a:bodyPr/>
+                    <a:lstStyle/>
                     <a:p>
                       <a:pPr indent="0" algn="ctr">
                         <a:buNone/>
@@ -11265,17 +11185,9 @@
                         </a:rPr>
                         <a:t>风险应对措施</a:t>
                       </a:r>
-                      <a:endParaRPr lang="zh-CN" altLang="en-US" sz="1200" b="1">
-                        <a:solidFill>
-                          <a:srgbClr val="000000"/>
-                        </a:solidFill>
-                        <a:latin typeface="微软雅黑" panose="020B0503020204020204" pitchFamily="34" charset="-122"/>
-                        <a:ea typeface="微软雅黑" panose="020B0503020204020204" pitchFamily="34" charset="-122"/>
-                        <a:cs typeface="宋体" panose="02010600030101010101" pitchFamily="2" charset="-122"/>
-                      </a:endParaRPr>
                     </a:p>
                   </a:txBody>
-                  <a:tcPr marL="0" marR="0" marT="0" marB="0" vert="horz" anchor="ctr">
+                  <a:tcPr marL="0" marR="0" marT="0" marB="0" anchor="ctr">
                     <a:lnL w="15240" cap="flat" cmpd="sng">
                       <a:solidFill>
                         <a:srgbClr val="000000"/>
@@ -11320,6 +11232,7 @@
                 <a:tc>
                   <a:txBody>
                     <a:bodyPr/>
+                    <a:lstStyle/>
                     <a:p>
                       <a:pPr indent="0">
                         <a:buNone/>
@@ -11334,7 +11247,7 @@
                       </a:endParaRPr>
                     </a:p>
                   </a:txBody>
-                  <a:tcPr marL="0" marR="0" marT="0" marB="0" vert="horz" anchor="ctr">
+                  <a:tcPr marL="0" marR="0" marT="0" marB="0" anchor="ctr">
                     <a:lnL w="9525" cap="flat" cmpd="sng">
                       <a:solidFill>
                         <a:srgbClr val="000000"/>
@@ -11379,6 +11292,7 @@
                 <a:tc>
                   <a:txBody>
                     <a:bodyPr/>
+                    <a:lstStyle/>
                     <a:p>
                       <a:pPr indent="0">
                         <a:buNone/>
@@ -11393,7 +11307,7 @@
                       </a:endParaRPr>
                     </a:p>
                   </a:txBody>
-                  <a:tcPr marL="0" marR="0" marT="0" marB="0" vert="horz" anchor="ctr">
+                  <a:tcPr marL="0" marR="0" marT="0" marB="0" anchor="ctr">
                     <a:lnL w="9525" cap="flat" cmpd="sng">
                       <a:solidFill>
                         <a:srgbClr val="000000"/>
@@ -11438,6 +11352,7 @@
                 <a:tc>
                   <a:txBody>
                     <a:bodyPr/>
+                    <a:lstStyle/>
                     <a:p>
                       <a:pPr indent="0">
                         <a:buNone/>
@@ -11452,7 +11367,7 @@
                       </a:endParaRPr>
                     </a:p>
                   </a:txBody>
-                  <a:tcPr marL="0" marR="0" marT="0" marB="0" vert="horz" anchor="ctr">
+                  <a:tcPr marL="0" marR="0" marT="0" marB="0" anchor="ctr">
                     <a:lnL w="9525" cap="flat" cmpd="sng">
                       <a:solidFill>
                         <a:srgbClr val="000000"/>
@@ -11497,6 +11412,13 @@
               </a:tr>
               <a:tr h="460375">
                 <a:tc vMerge="1">
+                  <a:txBody>
+                    <a:bodyPr/>
+                    <a:lstStyle/>
+                    <a:p>
+                      <a:endParaRPr lang="zh-CN"/>
+                    </a:p>
+                  </a:txBody>
                   <a:tcPr>
                     <a:lnL w="15240" cap="flat" cmpd="sng">
                       <a:solidFill>
@@ -11527,6 +11449,7 @@
                 <a:tc>
                   <a:txBody>
                     <a:bodyPr/>
+                    <a:lstStyle/>
                     <a:p>
                       <a:pPr indent="0" algn="ctr">
                         <a:buNone/>
@@ -11542,17 +11465,9 @@
                         </a:rPr>
                         <a:t>潜在的风险事件</a:t>
                       </a:r>
-                      <a:endParaRPr lang="zh-CN" altLang="en-US" sz="1000" b="1">
-                        <a:solidFill>
-                          <a:srgbClr val="000000"/>
-                        </a:solidFill>
-                        <a:latin typeface="微软雅黑" panose="020B0503020204020204" pitchFamily="34" charset="-122"/>
-                        <a:ea typeface="微软雅黑" panose="020B0503020204020204" pitchFamily="34" charset="-122"/>
-                        <a:cs typeface="宋体" panose="02010600030101010101" pitchFamily="2" charset="-122"/>
-                      </a:endParaRPr>
                     </a:p>
                   </a:txBody>
-                  <a:tcPr marL="0" marR="0" marT="0" marB="0" vert="horz" anchor="ctr">
+                  <a:tcPr marL="0" marR="0" marT="0" marB="0" anchor="ctr">
                     <a:lnL w="15240" cap="flat" cmpd="sng">
                       <a:solidFill>
                         <a:srgbClr val="000000"/>
@@ -11597,6 +11512,7 @@
                 <a:tc>
                   <a:txBody>
                     <a:bodyPr/>
+                    <a:lstStyle/>
                     <a:p>
                       <a:pPr indent="0" algn="ctr">
                         <a:buNone/>
@@ -11612,17 +11528,9 @@
                         </a:rPr>
                         <a:t>风险发生的后果</a:t>
                       </a:r>
-                      <a:endParaRPr lang="zh-CN" altLang="en-US" sz="1000" b="1">
-                        <a:solidFill>
-                          <a:srgbClr val="000000"/>
-                        </a:solidFill>
-                        <a:latin typeface="微软雅黑" panose="020B0503020204020204" pitchFamily="34" charset="-122"/>
-                        <a:ea typeface="微软雅黑" panose="020B0503020204020204" pitchFamily="34" charset="-122"/>
-                        <a:cs typeface="宋体" panose="02010600030101010101" pitchFamily="2" charset="-122"/>
-                      </a:endParaRPr>
                     </a:p>
                   </a:txBody>
-                  <a:tcPr marL="0" marR="0" marT="0" marB="0" vert="horz" anchor="ctr">
+                  <a:tcPr marL="0" marR="0" marT="0" marB="0" anchor="ctr">
                     <a:lnL w="15240" cap="flat" cmpd="sng">
                       <a:solidFill>
                         <a:srgbClr val="000000"/>
@@ -11667,6 +11575,7 @@
                 <a:tc>
                   <a:txBody>
                     <a:bodyPr/>
+                    <a:lstStyle/>
                     <a:p>
                       <a:pPr indent="0" algn="ctr">
                         <a:buNone/>
@@ -11682,17 +11591,9 @@
                         </a:rPr>
                         <a:t>可能性</a:t>
                       </a:r>
-                      <a:endParaRPr lang="zh-CN" altLang="en-US" sz="1000" b="1">
-                        <a:solidFill>
-                          <a:srgbClr val="000000"/>
-                        </a:solidFill>
-                        <a:latin typeface="微软雅黑" panose="020B0503020204020204" pitchFamily="34" charset="-122"/>
-                        <a:ea typeface="微软雅黑" panose="020B0503020204020204" pitchFamily="34" charset="-122"/>
-                        <a:cs typeface="宋体" panose="02010600030101010101" pitchFamily="2" charset="-122"/>
-                      </a:endParaRPr>
                     </a:p>
                   </a:txBody>
-                  <a:tcPr marL="0" marR="0" marT="0" marB="0" vert="horz" anchor="ctr">
+                  <a:tcPr marL="0" marR="0" marT="0" marB="0" anchor="ctr">
                     <a:lnL w="15240" cap="flat" cmpd="sng">
                       <a:solidFill>
                         <a:srgbClr val="000000"/>
@@ -11737,6 +11638,7 @@
                 <a:tc>
                   <a:txBody>
                     <a:bodyPr/>
+                    <a:lstStyle/>
                     <a:p>
                       <a:pPr indent="0" algn="ctr">
                         <a:buNone/>
@@ -11752,17 +11654,9 @@
                         </a:rPr>
                         <a:t>严重性</a:t>
                       </a:r>
-                      <a:endParaRPr lang="zh-CN" altLang="en-US" sz="1000" b="1">
-                        <a:solidFill>
-                          <a:srgbClr val="000000"/>
-                        </a:solidFill>
-                        <a:latin typeface="微软雅黑" panose="020B0503020204020204" pitchFamily="34" charset="-122"/>
-                        <a:ea typeface="微软雅黑" panose="020B0503020204020204" pitchFamily="34" charset="-122"/>
-                        <a:cs typeface="宋体" panose="02010600030101010101" pitchFamily="2" charset="-122"/>
-                      </a:endParaRPr>
                     </a:p>
                   </a:txBody>
-                  <a:tcPr marL="0" marR="0" marT="0" marB="0" vert="horz" anchor="ctr">
+                  <a:tcPr marL="0" marR="0" marT="0" marB="0" anchor="ctr">
                     <a:lnL w="15240" cap="flat" cmpd="sng">
                       <a:solidFill>
                         <a:srgbClr val="000000"/>
@@ -11807,6 +11701,7 @@
                 <a:tc>
                   <a:txBody>
                     <a:bodyPr/>
+                    <a:lstStyle/>
                     <a:p>
                       <a:pPr indent="0" algn="ctr">
                         <a:buNone/>
@@ -11822,17 +11717,9 @@
                         </a:rPr>
                         <a:t>不可控性</a:t>
                       </a:r>
-                      <a:endParaRPr lang="zh-CN" altLang="en-US" sz="1000" b="1">
-                        <a:solidFill>
-                          <a:srgbClr val="000000"/>
-                        </a:solidFill>
-                        <a:latin typeface="微软雅黑" panose="020B0503020204020204" pitchFamily="34" charset="-122"/>
-                        <a:ea typeface="微软雅黑" panose="020B0503020204020204" pitchFamily="34" charset="-122"/>
-                        <a:cs typeface="宋体" panose="02010600030101010101" pitchFamily="2" charset="-122"/>
-                      </a:endParaRPr>
                     </a:p>
                   </a:txBody>
-                  <a:tcPr marL="0" marR="0" marT="0" marB="0" vert="horz" anchor="ctr">
+                  <a:tcPr marL="0" marR="0" marT="0" marB="0" anchor="ctr">
                     <a:lnL w="15240" cap="flat" cmpd="sng">
                       <a:solidFill>
                         <a:srgbClr val="000000"/>
@@ -11877,6 +11764,7 @@
                 <a:tc>
                   <a:txBody>
                     <a:bodyPr/>
+                    <a:lstStyle/>
                     <a:p>
                       <a:pPr indent="0" algn="ctr">
                         <a:buNone/>
@@ -11892,17 +11780,9 @@
                         </a:rPr>
                         <a:t>风险等级</a:t>
                       </a:r>
-                      <a:endParaRPr lang="zh-CN" altLang="en-US" sz="1000" b="1">
-                        <a:solidFill>
-                          <a:srgbClr val="000000"/>
-                        </a:solidFill>
-                        <a:latin typeface="微软雅黑" panose="020B0503020204020204" pitchFamily="34" charset="-122"/>
-                        <a:ea typeface="微软雅黑" panose="020B0503020204020204" pitchFamily="34" charset="-122"/>
-                        <a:cs typeface="宋体" panose="02010600030101010101" pitchFamily="2" charset="-122"/>
-                      </a:endParaRPr>
                     </a:p>
                   </a:txBody>
-                  <a:tcPr marL="0" marR="0" marT="0" marB="0" vert="horz" anchor="ctr">
+                  <a:tcPr marL="0" marR="0" marT="0" marB="0" anchor="ctr">
                     <a:lnL w="15240" cap="flat" cmpd="sng">
                       <a:solidFill>
                         <a:srgbClr val="000000"/>
@@ -11947,6 +11827,7 @@
                 <a:tc>
                   <a:txBody>
                     <a:bodyPr/>
+                    <a:lstStyle/>
                     <a:p>
                       <a:pPr indent="0" algn="ctr">
                         <a:buNone/>
@@ -11962,17 +11843,9 @@
                         </a:rPr>
                         <a:t>应对措施</a:t>
                       </a:r>
-                      <a:endParaRPr lang="zh-CN" altLang="en-US" sz="1000" b="1">
-                        <a:solidFill>
-                          <a:srgbClr val="000000"/>
-                        </a:solidFill>
-                        <a:latin typeface="微软雅黑" panose="020B0503020204020204" pitchFamily="34" charset="-122"/>
-                        <a:ea typeface="微软雅黑" panose="020B0503020204020204" pitchFamily="34" charset="-122"/>
-                        <a:cs typeface="宋体" panose="02010600030101010101" pitchFamily="2" charset="-122"/>
-                      </a:endParaRPr>
                     </a:p>
                   </a:txBody>
-                  <a:tcPr marL="0" marR="0" marT="0" marB="0" vert="horz" anchor="ctr">
+                  <a:tcPr marL="0" marR="0" marT="0" marB="0" anchor="ctr">
                     <a:lnL w="15240" cap="flat" cmpd="sng">
                       <a:solidFill>
                         <a:srgbClr val="000000"/>
@@ -12017,6 +11890,7 @@
                 <a:tc>
                   <a:txBody>
                     <a:bodyPr/>
+                    <a:lstStyle/>
                     <a:p>
                       <a:pPr indent="0" algn="ctr">
                         <a:buNone/>
@@ -12032,17 +11906,9 @@
                         </a:rPr>
                         <a:t>事故发生的对策</a:t>
                       </a:r>
-                      <a:endParaRPr lang="zh-CN" altLang="en-US" sz="1000" b="1">
-                        <a:solidFill>
-                          <a:srgbClr val="000000"/>
-                        </a:solidFill>
-                        <a:latin typeface="微软雅黑" panose="020B0503020204020204" pitchFamily="34" charset="-122"/>
-                        <a:ea typeface="微软雅黑" panose="020B0503020204020204" pitchFamily="34" charset="-122"/>
-                        <a:cs typeface="宋体" panose="02010600030101010101" pitchFamily="2" charset="-122"/>
-                      </a:endParaRPr>
                     </a:p>
                   </a:txBody>
-                  <a:tcPr marL="0" marR="0" marT="0" marB="0" vert="horz" anchor="ctr">
+                  <a:tcPr marL="0" marR="0" marT="0" marB="0" anchor="ctr">
                     <a:lnL w="15240" cap="flat" cmpd="sng">
                       <a:solidFill>
                         <a:srgbClr val="000000"/>
@@ -12087,6 +11953,7 @@
                 <a:tc>
                   <a:txBody>
                     <a:bodyPr/>
+                    <a:lstStyle/>
                     <a:p>
                       <a:pPr indent="0" algn="ctr">
                         <a:buNone/>
@@ -12102,17 +11969,9 @@
                         </a:rPr>
                         <a:t>发生次数</a:t>
                       </a:r>
-                      <a:endParaRPr lang="zh-CN" altLang="en-US" sz="1000" b="1">
-                        <a:solidFill>
-                          <a:srgbClr val="000000"/>
-                        </a:solidFill>
-                        <a:latin typeface="微软雅黑" panose="020B0503020204020204" pitchFamily="34" charset="-122"/>
-                        <a:ea typeface="微软雅黑" panose="020B0503020204020204" pitchFamily="34" charset="-122"/>
-                        <a:cs typeface="宋体" panose="02010600030101010101" pitchFamily="2" charset="-122"/>
-                      </a:endParaRPr>
                     </a:p>
                   </a:txBody>
-                  <a:tcPr marL="0" marR="0" marT="0" marB="0" vert="horz" anchor="ctr">
+                  <a:tcPr marL="0" marR="0" marT="0" marB="0" anchor="ctr">
                     <a:lnL w="15240" cap="flat" cmpd="sng">
                       <a:solidFill>
                         <a:srgbClr val="000000"/>
@@ -12157,6 +12016,7 @@
                 <a:tc>
                   <a:txBody>
                     <a:bodyPr/>
+                    <a:lstStyle/>
                     <a:p>
                       <a:pPr indent="0" algn="ctr">
                         <a:buNone/>
@@ -12172,17 +12032,9 @@
                         </a:rPr>
                         <a:t>风险高低</a:t>
                       </a:r>
-                      <a:endParaRPr lang="zh-CN" altLang="en-US" sz="1000" b="1">
-                        <a:solidFill>
-                          <a:srgbClr val="000000"/>
-                        </a:solidFill>
-                        <a:latin typeface="微软雅黑" panose="020B0503020204020204" pitchFamily="34" charset="-122"/>
-                        <a:ea typeface="微软雅黑" panose="020B0503020204020204" pitchFamily="34" charset="-122"/>
-                        <a:cs typeface="宋体" panose="02010600030101010101" pitchFamily="2" charset="-122"/>
-                      </a:endParaRPr>
                     </a:p>
                   </a:txBody>
-                  <a:tcPr marL="0" marR="0" marT="0" marB="0" vert="horz" anchor="ctr">
+                  <a:tcPr marL="0" marR="0" marT="0" marB="0" anchor="ctr">
                     <a:lnL w="15240" cap="flat" cmpd="sng">
                       <a:solidFill>
                         <a:srgbClr val="000000"/>
@@ -12229,6 +12081,7 @@
                 <a:tc rowSpan="6">
                   <a:txBody>
                     <a:bodyPr/>
+                    <a:lstStyle/>
                     <a:p>
                       <a:pPr indent="0" algn="ctr">
                         <a:buNone/>
@@ -12244,17 +12097,9 @@
                         </a:rPr>
                         <a:t>组员</a:t>
                       </a:r>
-                      <a:endParaRPr lang="zh-CN" altLang="en-US" sz="1000" b="1">
-                        <a:solidFill>
-                          <a:srgbClr val="000000"/>
-                        </a:solidFill>
-                        <a:latin typeface="微软雅黑" panose="020B0503020204020204" pitchFamily="34" charset="-122"/>
-                        <a:ea typeface="微软雅黑" panose="020B0503020204020204" pitchFamily="34" charset="-122"/>
-                        <a:cs typeface="宋体" panose="02010600030101010101" pitchFamily="2" charset="-122"/>
-                      </a:endParaRPr>
                     </a:p>
                   </a:txBody>
-                  <a:tcPr marL="0" marR="0" marT="0" marB="0" vert="horz" anchor="ctr">
+                  <a:tcPr marL="0" marR="0" marT="0" marB="0" anchor="ctr">
                     <a:lnL w="15240" cap="flat" cmpd="sng">
                       <a:solidFill>
                         <a:srgbClr val="000000"/>
@@ -12299,6 +12144,7 @@
                 <a:tc>
                   <a:txBody>
                     <a:bodyPr/>
+                    <a:lstStyle/>
                     <a:p>
                       <a:pPr indent="0" algn="ctr">
                         <a:buNone/>
@@ -12314,17 +12160,9 @@
                         </a:rPr>
                         <a:t>组员有事情</a:t>
                       </a:r>
-                      <a:endParaRPr lang="zh-CN" altLang="en-US" sz="1000" b="0">
-                        <a:solidFill>
-                          <a:srgbClr val="000000"/>
-                        </a:solidFill>
-                        <a:latin typeface="微软雅黑" panose="020B0503020204020204" pitchFamily="34" charset="-122"/>
-                        <a:ea typeface="微软雅黑" panose="020B0503020204020204" pitchFamily="34" charset="-122"/>
-                        <a:cs typeface="宋体" panose="02010600030101010101" pitchFamily="2" charset="-122"/>
-                      </a:endParaRPr>
                     </a:p>
                   </a:txBody>
-                  <a:tcPr marL="0" marR="0" marT="0" marB="0" vert="horz" anchor="ctr">
+                  <a:tcPr marL="0" marR="0" marT="0" marB="0" anchor="ctr">
                     <a:lnL w="15240" cap="flat" cmpd="sng">
                       <a:solidFill>
                         <a:srgbClr val="000000"/>
@@ -12369,6 +12207,7 @@
                 <a:tc>
                   <a:txBody>
                     <a:bodyPr/>
+                    <a:lstStyle/>
                     <a:p>
                       <a:pPr indent="0" algn="ctr">
                         <a:buNone/>
@@ -12384,17 +12223,9 @@
                         </a:rPr>
                         <a:t>任务不能按时按质完成</a:t>
                       </a:r>
-                      <a:endParaRPr lang="zh-CN" altLang="en-US" sz="1000" b="0">
-                        <a:solidFill>
-                          <a:srgbClr val="000000"/>
-                        </a:solidFill>
-                        <a:latin typeface="微软雅黑" panose="020B0503020204020204" pitchFamily="34" charset="-122"/>
-                        <a:ea typeface="微软雅黑" panose="020B0503020204020204" pitchFamily="34" charset="-122"/>
-                        <a:cs typeface="宋体" panose="02010600030101010101" pitchFamily="2" charset="-122"/>
-                      </a:endParaRPr>
                     </a:p>
                   </a:txBody>
-                  <a:tcPr marL="0" marR="0" marT="0" marB="0" vert="horz" anchor="ctr">
+                  <a:tcPr marL="0" marR="0" marT="0" marB="0" anchor="ctr">
                     <a:lnL w="15240" cap="flat" cmpd="sng">
                       <a:solidFill>
                         <a:srgbClr val="000000"/>
@@ -12439,6 +12270,7 @@
                 <a:tc>
                   <a:txBody>
                     <a:bodyPr/>
+                    <a:lstStyle/>
                     <a:p>
                       <a:pPr indent="0" algn="ctr">
                         <a:buNone/>
@@ -12454,17 +12286,9 @@
                         </a:rPr>
                         <a:t>5</a:t>
                       </a:r>
-                      <a:endParaRPr lang="en-US" altLang="zh-CN" sz="1000" b="0">
-                        <a:solidFill>
-                          <a:srgbClr val="000000"/>
-                        </a:solidFill>
-                        <a:latin typeface="微软雅黑" panose="020B0503020204020204" pitchFamily="34" charset="-122"/>
-                        <a:ea typeface="微软雅黑" panose="020B0503020204020204" pitchFamily="34" charset="-122"/>
-                        <a:cs typeface="宋体" panose="02010600030101010101" pitchFamily="2" charset="-122"/>
-                      </a:endParaRPr>
                     </a:p>
                   </a:txBody>
-                  <a:tcPr marL="0" marR="0" marT="0" marB="0" vert="horz" anchor="ctr">
+                  <a:tcPr marL="0" marR="0" marT="0" marB="0" anchor="ctr">
                     <a:lnL w="15240" cap="flat" cmpd="sng">
                       <a:solidFill>
                         <a:srgbClr val="000000"/>
@@ -12509,6 +12333,7 @@
                 <a:tc>
                   <a:txBody>
                     <a:bodyPr/>
+                    <a:lstStyle/>
                     <a:p>
                       <a:pPr indent="0" algn="ctr">
                         <a:buNone/>
@@ -12524,17 +12349,9 @@
                         </a:rPr>
                         <a:t>9</a:t>
                       </a:r>
-                      <a:endParaRPr lang="en-US" altLang="zh-CN" sz="1000" b="0">
-                        <a:solidFill>
-                          <a:srgbClr val="000000"/>
-                        </a:solidFill>
-                        <a:latin typeface="微软雅黑" panose="020B0503020204020204" pitchFamily="34" charset="-122"/>
-                        <a:ea typeface="微软雅黑" panose="020B0503020204020204" pitchFamily="34" charset="-122"/>
-                        <a:cs typeface="宋体" panose="02010600030101010101" pitchFamily="2" charset="-122"/>
-                      </a:endParaRPr>
                     </a:p>
                   </a:txBody>
-                  <a:tcPr marL="0" marR="0" marT="0" marB="0" vert="horz" anchor="ctr">
+                  <a:tcPr marL="0" marR="0" marT="0" marB="0" anchor="ctr">
                     <a:lnL w="15240" cap="flat" cmpd="sng">
                       <a:solidFill>
                         <a:srgbClr val="000000"/>
@@ -12579,6 +12396,7 @@
                 <a:tc>
                   <a:txBody>
                     <a:bodyPr/>
+                    <a:lstStyle/>
                     <a:p>
                       <a:pPr indent="0" algn="ctr">
                         <a:buNone/>
@@ -12594,17 +12412,9 @@
                         </a:rPr>
                         <a:t>6</a:t>
                       </a:r>
-                      <a:endParaRPr lang="en-US" altLang="zh-CN" sz="1000" b="0">
-                        <a:solidFill>
-                          <a:srgbClr val="000000"/>
-                        </a:solidFill>
-                        <a:latin typeface="微软雅黑" panose="020B0503020204020204" pitchFamily="34" charset="-122"/>
-                        <a:ea typeface="微软雅黑" panose="020B0503020204020204" pitchFamily="34" charset="-122"/>
-                        <a:cs typeface="宋体" panose="02010600030101010101" pitchFamily="2" charset="-122"/>
-                      </a:endParaRPr>
                     </a:p>
                   </a:txBody>
-                  <a:tcPr marL="0" marR="0" marT="0" marB="0" vert="horz" anchor="ctr">
+                  <a:tcPr marL="0" marR="0" marT="0" marB="0" anchor="ctr">
                     <a:lnL w="15240" cap="flat" cmpd="sng">
                       <a:solidFill>
                         <a:srgbClr val="000000"/>
@@ -12649,6 +12459,7 @@
                 <a:tc>
                   <a:txBody>
                     <a:bodyPr/>
+                    <a:lstStyle/>
                     <a:p>
                       <a:pPr indent="0" algn="ctr">
                         <a:buNone/>
@@ -12664,17 +12475,9 @@
                         </a:rPr>
                         <a:t>220</a:t>
                       </a:r>
-                      <a:endParaRPr lang="en-US" altLang="zh-CN" sz="1000" b="0">
-                        <a:solidFill>
-                          <a:srgbClr val="000000"/>
-                        </a:solidFill>
-                        <a:latin typeface="微软雅黑" panose="020B0503020204020204" pitchFamily="34" charset="-122"/>
-                        <a:ea typeface="微软雅黑" panose="020B0503020204020204" pitchFamily="34" charset="-122"/>
-                        <a:cs typeface="宋体" panose="02010600030101010101" pitchFamily="2" charset="-122"/>
-                      </a:endParaRPr>
                     </a:p>
                   </a:txBody>
-                  <a:tcPr marL="0" marR="0" marT="0" marB="0" vert="horz" anchor="ctr">
+                  <a:tcPr marL="0" marR="0" marT="0" marB="0" anchor="ctr">
                     <a:lnL w="15240" cap="flat" cmpd="sng">
                       <a:solidFill>
                         <a:srgbClr val="000000"/>
@@ -12719,6 +12522,7 @@
                 <a:tc>
                   <a:txBody>
                     <a:bodyPr/>
+                    <a:lstStyle/>
                     <a:p>
                       <a:pPr indent="0" algn="ctr">
                         <a:buNone/>
@@ -12734,17 +12538,9 @@
                         </a:rPr>
                         <a:t>提前改变任务的分配，他人顶上</a:t>
                       </a:r>
-                      <a:endParaRPr lang="zh-CN" altLang="en-US" sz="1000" b="0">
-                        <a:solidFill>
-                          <a:srgbClr val="000000"/>
-                        </a:solidFill>
-                        <a:latin typeface="微软雅黑" panose="020B0503020204020204" pitchFamily="34" charset="-122"/>
-                        <a:ea typeface="微软雅黑" panose="020B0503020204020204" pitchFamily="34" charset="-122"/>
-                        <a:cs typeface="宋体" panose="02010600030101010101" pitchFamily="2" charset="-122"/>
-                      </a:endParaRPr>
                     </a:p>
                   </a:txBody>
-                  <a:tcPr marL="0" marR="0" marT="0" marB="0" vert="horz" anchor="ctr">
+                  <a:tcPr marL="0" marR="0" marT="0" marB="0" anchor="ctr">
                     <a:lnL w="15240" cap="flat" cmpd="sng">
                       <a:solidFill>
                         <a:srgbClr val="000000"/>
@@ -12789,6 +12585,7 @@
                 <a:tc>
                   <a:txBody>
                     <a:bodyPr/>
+                    <a:lstStyle/>
                     <a:p>
                       <a:pPr indent="0" algn="ctr">
                         <a:buNone/>
@@ -12804,17 +12601,9 @@
                         </a:rPr>
                         <a:t>有</a:t>
                       </a:r>
-                      <a:endParaRPr lang="zh-CN" altLang="en-US" sz="1000" b="1">
-                        <a:solidFill>
-                          <a:srgbClr val="000000"/>
-                        </a:solidFill>
-                        <a:latin typeface="微软雅黑" panose="020B0503020204020204" pitchFamily="34" charset="-122"/>
-                        <a:ea typeface="微软雅黑" panose="020B0503020204020204" pitchFamily="34" charset="-122"/>
-                        <a:cs typeface="宋体" panose="02010600030101010101" pitchFamily="2" charset="-122"/>
-                      </a:endParaRPr>
                     </a:p>
                   </a:txBody>
-                  <a:tcPr marL="0" marR="0" marT="0" marB="0" vert="horz" anchor="ctr">
+                  <a:tcPr marL="0" marR="0" marT="0" marB="0" anchor="ctr">
                     <a:lnL w="15240" cap="flat" cmpd="sng">
                       <a:solidFill>
                         <a:srgbClr val="000000"/>
@@ -12859,6 +12648,7 @@
                 <a:tc>
                   <a:txBody>
                     <a:bodyPr/>
+                    <a:lstStyle/>
                     <a:p>
                       <a:pPr indent="0" algn="ctr">
                         <a:buNone/>
@@ -12874,17 +12664,9 @@
                         </a:rPr>
                         <a:t>无</a:t>
                       </a:r>
-                      <a:endParaRPr lang="zh-CN" altLang="en-US" sz="1000" b="1">
-                        <a:solidFill>
-                          <a:srgbClr val="000000"/>
-                        </a:solidFill>
-                        <a:latin typeface="微软雅黑" panose="020B0503020204020204" pitchFamily="34" charset="-122"/>
-                        <a:ea typeface="微软雅黑" panose="020B0503020204020204" pitchFamily="34" charset="-122"/>
-                        <a:cs typeface="宋体" panose="02010600030101010101" pitchFamily="2" charset="-122"/>
-                      </a:endParaRPr>
                     </a:p>
                   </a:txBody>
-                  <a:tcPr marL="0" marR="0" marT="0" marB="0" vert="horz" anchor="ctr">
+                  <a:tcPr marL="0" marR="0" marT="0" marB="0" anchor="ctr">
                     <a:lnL w="15240" cap="flat" cmpd="sng">
                       <a:solidFill>
                         <a:srgbClr val="000000"/>
@@ -12929,6 +12711,7 @@
                 <a:tc>
                   <a:txBody>
                     <a:bodyPr/>
+                    <a:lstStyle/>
                     <a:p>
                       <a:pPr indent="0" algn="ctr">
                         <a:buNone/>
@@ -12944,17 +12727,9 @@
                         </a:rPr>
                         <a:t>低</a:t>
                       </a:r>
-                      <a:endParaRPr lang="zh-CN" altLang="en-US" sz="1000" b="1">
-                        <a:solidFill>
-                          <a:srgbClr val="000000"/>
-                        </a:solidFill>
-                        <a:latin typeface="微软雅黑" panose="020B0503020204020204" pitchFamily="34" charset="-122"/>
-                        <a:ea typeface="微软雅黑" panose="020B0503020204020204" pitchFamily="34" charset="-122"/>
-                        <a:cs typeface="宋体" panose="02010600030101010101" pitchFamily="2" charset="-122"/>
-                      </a:endParaRPr>
                     </a:p>
                   </a:txBody>
-                  <a:tcPr marL="0" marR="0" marT="0" marB="0" vert="horz" anchor="ctr">
+                  <a:tcPr marL="0" marR="0" marT="0" marB="0" anchor="ctr">
                     <a:lnL w="15240" cap="flat" cmpd="sng">
                       <a:solidFill>
                         <a:srgbClr val="000000"/>
@@ -12999,6 +12774,13 @@
               </a:tr>
               <a:tr h="360045">
                 <a:tc vMerge="1">
+                  <a:txBody>
+                    <a:bodyPr/>
+                    <a:lstStyle/>
+                    <a:p>
+                      <a:endParaRPr lang="zh-CN"/>
+                    </a:p>
+                  </a:txBody>
                   <a:tcPr>
                     <a:lnL w="15240" cap="flat" cmpd="sng">
                       <a:solidFill>
@@ -13021,6 +12803,7 @@
                 <a:tc>
                   <a:txBody>
                     <a:bodyPr/>
+                    <a:lstStyle/>
                     <a:p>
                       <a:pPr indent="0" algn="ctr">
                         <a:buNone/>
@@ -13036,17 +12819,9 @@
                         </a:rPr>
                         <a:t>组员不能按时完成任务</a:t>
                       </a:r>
-                      <a:endParaRPr lang="zh-CN" altLang="en-US" sz="1000" b="0">
-                        <a:solidFill>
-                          <a:srgbClr val="000000"/>
-                        </a:solidFill>
-                        <a:latin typeface="微软雅黑" panose="020B0503020204020204" pitchFamily="34" charset="-122"/>
-                        <a:ea typeface="微软雅黑" panose="020B0503020204020204" pitchFamily="34" charset="-122"/>
-                        <a:cs typeface="宋体" panose="02010600030101010101" pitchFamily="2" charset="-122"/>
-                      </a:endParaRPr>
                     </a:p>
                   </a:txBody>
-                  <a:tcPr marL="0" marR="0" marT="0" marB="0" vert="horz" anchor="ctr">
+                  <a:tcPr marL="0" marR="0" marT="0" marB="0" anchor="ctr">
                     <a:lnL w="15240" cap="flat" cmpd="sng">
                       <a:solidFill>
                         <a:srgbClr val="000000"/>
@@ -13091,6 +12866,7 @@
                 <a:tc>
                   <a:txBody>
                     <a:bodyPr/>
+                    <a:lstStyle/>
                     <a:p>
                       <a:pPr indent="0" algn="ctr">
                         <a:buNone/>
@@ -13106,17 +12882,9 @@
                         </a:rPr>
                         <a:t>任务不能按时按质完成</a:t>
                       </a:r>
-                      <a:endParaRPr lang="zh-CN" altLang="en-US" sz="1000" b="0">
-                        <a:solidFill>
-                          <a:srgbClr val="000000"/>
-                        </a:solidFill>
-                        <a:latin typeface="微软雅黑" panose="020B0503020204020204" pitchFamily="34" charset="-122"/>
-                        <a:ea typeface="微软雅黑" panose="020B0503020204020204" pitchFamily="34" charset="-122"/>
-                        <a:cs typeface="宋体" panose="02010600030101010101" pitchFamily="2" charset="-122"/>
-                      </a:endParaRPr>
                     </a:p>
                   </a:txBody>
-                  <a:tcPr marL="0" marR="0" marT="0" marB="0" vert="horz" anchor="ctr">
+                  <a:tcPr marL="0" marR="0" marT="0" marB="0" anchor="ctr">
                     <a:lnL w="15240" cap="flat" cmpd="sng">
                       <a:solidFill>
                         <a:srgbClr val="000000"/>
@@ -13161,6 +12929,7 @@
                 <a:tc>
                   <a:txBody>
                     <a:bodyPr/>
+                    <a:lstStyle/>
                     <a:p>
                       <a:pPr indent="0" algn="ctr">
                         <a:buNone/>
@@ -13176,17 +12945,9 @@
                         </a:rPr>
                         <a:t>4</a:t>
                       </a:r>
-                      <a:endParaRPr lang="en-US" altLang="zh-CN" sz="1000" b="0">
-                        <a:solidFill>
-                          <a:srgbClr val="000000"/>
-                        </a:solidFill>
-                        <a:latin typeface="微软雅黑" panose="020B0503020204020204" pitchFamily="34" charset="-122"/>
-                        <a:ea typeface="微软雅黑" panose="020B0503020204020204" pitchFamily="34" charset="-122"/>
-                        <a:cs typeface="宋体" panose="02010600030101010101" pitchFamily="2" charset="-122"/>
-                      </a:endParaRPr>
                     </a:p>
                   </a:txBody>
-                  <a:tcPr marL="0" marR="0" marT="0" marB="0" vert="horz" anchor="ctr">
+                  <a:tcPr marL="0" marR="0" marT="0" marB="0" anchor="ctr">
                     <a:lnL w="15240" cap="flat" cmpd="sng">
                       <a:solidFill>
                         <a:srgbClr val="000000"/>
@@ -13231,6 +12992,7 @@
                 <a:tc>
                   <a:txBody>
                     <a:bodyPr/>
+                    <a:lstStyle/>
                     <a:p>
                       <a:pPr indent="0" algn="ctr">
                         <a:buNone/>
@@ -13246,17 +13008,9 @@
                         </a:rPr>
                         <a:t>9</a:t>
                       </a:r>
-                      <a:endParaRPr lang="en-US" altLang="zh-CN" sz="1000" b="0">
-                        <a:solidFill>
-                          <a:srgbClr val="000000"/>
-                        </a:solidFill>
-                        <a:latin typeface="微软雅黑" panose="020B0503020204020204" pitchFamily="34" charset="-122"/>
-                        <a:ea typeface="微软雅黑" panose="020B0503020204020204" pitchFamily="34" charset="-122"/>
-                        <a:cs typeface="宋体" panose="02010600030101010101" pitchFamily="2" charset="-122"/>
-                      </a:endParaRPr>
                     </a:p>
                   </a:txBody>
-                  <a:tcPr marL="0" marR="0" marT="0" marB="0" vert="horz" anchor="ctr">
+                  <a:tcPr marL="0" marR="0" marT="0" marB="0" anchor="ctr">
                     <a:lnL w="15240" cap="flat" cmpd="sng">
                       <a:solidFill>
                         <a:srgbClr val="000000"/>
@@ -13301,6 +13055,7 @@
                 <a:tc>
                   <a:txBody>
                     <a:bodyPr/>
+                    <a:lstStyle/>
                     <a:p>
                       <a:pPr indent="0" algn="ctr">
                         <a:buNone/>
@@ -13316,17 +13071,9 @@
                         </a:rPr>
                         <a:t>5</a:t>
                       </a:r>
-                      <a:endParaRPr lang="en-US" altLang="zh-CN" sz="1000" b="0">
-                        <a:solidFill>
-                          <a:srgbClr val="000000"/>
-                        </a:solidFill>
-                        <a:latin typeface="微软雅黑" panose="020B0503020204020204" pitchFamily="34" charset="-122"/>
-                        <a:ea typeface="微软雅黑" panose="020B0503020204020204" pitchFamily="34" charset="-122"/>
-                        <a:cs typeface="宋体" panose="02010600030101010101" pitchFamily="2" charset="-122"/>
-                      </a:endParaRPr>
                     </a:p>
                   </a:txBody>
-                  <a:tcPr marL="0" marR="0" marT="0" marB="0" vert="horz" anchor="ctr">
+                  <a:tcPr marL="0" marR="0" marT="0" marB="0" anchor="ctr">
                     <a:lnL w="15240" cap="flat" cmpd="sng">
                       <a:solidFill>
                         <a:srgbClr val="000000"/>
@@ -13371,6 +13118,7 @@
                 <a:tc>
                   <a:txBody>
                     <a:bodyPr/>
+                    <a:lstStyle/>
                     <a:p>
                       <a:pPr indent="0" algn="ctr">
                         <a:buNone/>
@@ -13386,17 +13134,9 @@
                         </a:rPr>
                         <a:t>200</a:t>
                       </a:r>
-                      <a:endParaRPr lang="en-US" altLang="zh-CN" sz="1000" b="0">
-                        <a:solidFill>
-                          <a:srgbClr val="000000"/>
-                        </a:solidFill>
-                        <a:latin typeface="微软雅黑" panose="020B0503020204020204" pitchFamily="34" charset="-122"/>
-                        <a:ea typeface="微软雅黑" panose="020B0503020204020204" pitchFamily="34" charset="-122"/>
-                        <a:cs typeface="宋体" panose="02010600030101010101" pitchFamily="2" charset="-122"/>
-                      </a:endParaRPr>
                     </a:p>
                   </a:txBody>
-                  <a:tcPr marL="0" marR="0" marT="0" marB="0" vert="horz" anchor="ctr">
+                  <a:tcPr marL="0" marR="0" marT="0" marB="0" anchor="ctr">
                     <a:lnL w="15240" cap="flat" cmpd="sng">
                       <a:solidFill>
                         <a:srgbClr val="000000"/>
@@ -13441,6 +13181,7 @@
                 <a:tc>
                   <a:txBody>
                     <a:bodyPr/>
+                    <a:lstStyle/>
                     <a:p>
                       <a:pPr indent="0" algn="ctr">
                         <a:buNone/>
@@ -13456,17 +13197,9 @@
                         </a:rPr>
                         <a:t>其他成员给该成员制定一些培养的计划</a:t>
                       </a:r>
-                      <a:endParaRPr lang="zh-CN" altLang="en-US" sz="1000" b="0">
-                        <a:solidFill>
-                          <a:srgbClr val="000000"/>
-                        </a:solidFill>
-                        <a:latin typeface="微软雅黑" panose="020B0503020204020204" pitchFamily="34" charset="-122"/>
-                        <a:ea typeface="微软雅黑" panose="020B0503020204020204" pitchFamily="34" charset="-122"/>
-                        <a:cs typeface="宋体" panose="02010600030101010101" pitchFamily="2" charset="-122"/>
-                      </a:endParaRPr>
                     </a:p>
                   </a:txBody>
-                  <a:tcPr marL="0" marR="0" marT="0" marB="0" vert="horz" anchor="ctr">
+                  <a:tcPr marL="0" marR="0" marT="0" marB="0" anchor="ctr">
                     <a:lnL w="15240" cap="flat" cmpd="sng">
                       <a:solidFill>
                         <a:srgbClr val="000000"/>
@@ -13511,6 +13244,7 @@
                 <a:tc>
                   <a:txBody>
                     <a:bodyPr/>
+                    <a:lstStyle/>
                     <a:p>
                       <a:pPr indent="0" algn="ctr">
                         <a:buNone/>
@@ -13526,17 +13260,9 @@
                         </a:rPr>
                         <a:t>有</a:t>
                       </a:r>
-                      <a:endParaRPr lang="zh-CN" altLang="en-US" sz="1000" b="1">
-                        <a:solidFill>
-                          <a:srgbClr val="000000"/>
-                        </a:solidFill>
-                        <a:latin typeface="微软雅黑" panose="020B0503020204020204" pitchFamily="34" charset="-122"/>
-                        <a:ea typeface="微软雅黑" panose="020B0503020204020204" pitchFamily="34" charset="-122"/>
-                        <a:cs typeface="宋体" panose="02010600030101010101" pitchFamily="2" charset="-122"/>
-                      </a:endParaRPr>
                     </a:p>
                   </a:txBody>
-                  <a:tcPr marL="0" marR="0" marT="0" marB="0" vert="horz" anchor="ctr">
+                  <a:tcPr marL="0" marR="0" marT="0" marB="0" anchor="ctr">
                     <a:lnL w="15240" cap="flat" cmpd="sng">
                       <a:solidFill>
                         <a:srgbClr val="000000"/>
@@ -13581,6 +13307,7 @@
                 <a:tc>
                   <a:txBody>
                     <a:bodyPr/>
+                    <a:lstStyle/>
                     <a:p>
                       <a:pPr indent="0" algn="ctr">
                         <a:buNone/>
@@ -13596,17 +13323,9 @@
                         </a:rPr>
                         <a:t>无</a:t>
                       </a:r>
-                      <a:endParaRPr lang="zh-CN" altLang="en-US" sz="1000" b="1">
-                        <a:solidFill>
-                          <a:srgbClr val="000000"/>
-                        </a:solidFill>
-                        <a:latin typeface="微软雅黑" panose="020B0503020204020204" pitchFamily="34" charset="-122"/>
-                        <a:ea typeface="微软雅黑" panose="020B0503020204020204" pitchFamily="34" charset="-122"/>
-                        <a:cs typeface="宋体" panose="02010600030101010101" pitchFamily="2" charset="-122"/>
-                      </a:endParaRPr>
                     </a:p>
                   </a:txBody>
-                  <a:tcPr marL="0" marR="0" marT="0" marB="0" vert="horz" anchor="ctr">
+                  <a:tcPr marL="0" marR="0" marT="0" marB="0" anchor="ctr">
                     <a:lnL w="15240" cap="flat" cmpd="sng">
                       <a:solidFill>
                         <a:srgbClr val="000000"/>
@@ -13651,6 +13370,7 @@
                 <a:tc>
                   <a:txBody>
                     <a:bodyPr/>
+                    <a:lstStyle/>
                     <a:p>
                       <a:pPr indent="0" algn="ctr">
                         <a:buNone/>
@@ -13666,17 +13386,9 @@
                         </a:rPr>
                         <a:t>低</a:t>
                       </a:r>
-                      <a:endParaRPr lang="zh-CN" altLang="en-US" sz="1000" b="1">
-                        <a:solidFill>
-                          <a:srgbClr val="000000"/>
-                        </a:solidFill>
-                        <a:latin typeface="微软雅黑" panose="020B0503020204020204" pitchFamily="34" charset="-122"/>
-                        <a:ea typeface="微软雅黑" panose="020B0503020204020204" pitchFamily="34" charset="-122"/>
-                        <a:cs typeface="宋体" panose="02010600030101010101" pitchFamily="2" charset="-122"/>
-                      </a:endParaRPr>
                     </a:p>
                   </a:txBody>
-                  <a:tcPr marL="0" marR="0" marT="0" marB="0" vert="horz" anchor="ctr">
+                  <a:tcPr marL="0" marR="0" marT="0" marB="0" anchor="ctr">
                     <a:lnL w="15240" cap="flat" cmpd="sng">
                       <a:solidFill>
                         <a:srgbClr val="000000"/>
@@ -13721,6 +13433,13 @@
               </a:tr>
               <a:tr h="415925">
                 <a:tc vMerge="1">
+                  <a:txBody>
+                    <a:bodyPr/>
+                    <a:lstStyle/>
+                    <a:p>
+                      <a:endParaRPr lang="zh-CN"/>
+                    </a:p>
+                  </a:txBody>
                   <a:tcPr>
                     <a:lnL w="15240" cap="flat" cmpd="sng">
                       <a:solidFill>
@@ -13743,6 +13462,7 @@
                 <a:tc>
                   <a:txBody>
                     <a:bodyPr/>
+                    <a:lstStyle/>
                     <a:p>
                       <a:pPr indent="0" algn="ctr">
                         <a:buNone/>
@@ -13758,17 +13478,9 @@
                         </a:rPr>
                         <a:t>组员故意不参加讨论与工作</a:t>
                       </a:r>
-                      <a:endParaRPr lang="zh-CN" altLang="en-US" sz="1000" b="0">
-                        <a:solidFill>
-                          <a:srgbClr val="000000"/>
-                        </a:solidFill>
-                        <a:latin typeface="微软雅黑" panose="020B0503020204020204" pitchFamily="34" charset="-122"/>
-                        <a:ea typeface="微软雅黑" panose="020B0503020204020204" pitchFamily="34" charset="-122"/>
-                        <a:cs typeface="宋体" panose="02010600030101010101" pitchFamily="2" charset="-122"/>
-                      </a:endParaRPr>
                     </a:p>
                   </a:txBody>
-                  <a:tcPr marL="0" marR="0" marT="0" marB="0" vert="horz" anchor="ctr">
+                  <a:tcPr marL="0" marR="0" marT="0" marB="0" anchor="ctr">
                     <a:lnL w="15240" cap="flat" cmpd="sng">
                       <a:solidFill>
                         <a:srgbClr val="000000"/>
@@ -13813,6 +13525,7 @@
                 <a:tc>
                   <a:txBody>
                     <a:bodyPr/>
+                    <a:lstStyle/>
                     <a:p>
                       <a:pPr indent="0" algn="ctr">
                         <a:buNone/>
@@ -13828,17 +13541,9 @@
                         </a:rPr>
                         <a:t>其他组员任务太重，时间无法保证</a:t>
                       </a:r>
-                      <a:endParaRPr lang="zh-CN" altLang="en-US" sz="1000" b="0">
-                        <a:solidFill>
-                          <a:srgbClr val="000000"/>
-                        </a:solidFill>
-                        <a:latin typeface="微软雅黑" panose="020B0503020204020204" pitchFamily="34" charset="-122"/>
-                        <a:ea typeface="微软雅黑" panose="020B0503020204020204" pitchFamily="34" charset="-122"/>
-                        <a:cs typeface="宋体" panose="02010600030101010101" pitchFamily="2" charset="-122"/>
-                      </a:endParaRPr>
                     </a:p>
                   </a:txBody>
-                  <a:tcPr marL="0" marR="0" marT="0" marB="0" vert="horz" anchor="ctr">
+                  <a:tcPr marL="0" marR="0" marT="0" marB="0" anchor="ctr">
                     <a:lnL w="15240" cap="flat" cmpd="sng">
                       <a:solidFill>
                         <a:srgbClr val="000000"/>
@@ -13883,6 +13588,7 @@
                 <a:tc>
                   <a:txBody>
                     <a:bodyPr/>
+                    <a:lstStyle/>
                     <a:p>
                       <a:pPr indent="0" algn="ctr">
                         <a:buNone/>
@@ -13898,17 +13604,9 @@
                         </a:rPr>
                         <a:t>1</a:t>
                       </a:r>
-                      <a:endParaRPr lang="en-US" altLang="zh-CN" sz="1000" b="0">
-                        <a:solidFill>
-                          <a:srgbClr val="000000"/>
-                        </a:solidFill>
-                        <a:latin typeface="微软雅黑" panose="020B0503020204020204" pitchFamily="34" charset="-122"/>
-                        <a:ea typeface="微软雅黑" panose="020B0503020204020204" pitchFamily="34" charset="-122"/>
-                        <a:cs typeface="宋体" panose="02010600030101010101" pitchFamily="2" charset="-122"/>
-                      </a:endParaRPr>
                     </a:p>
                   </a:txBody>
-                  <a:tcPr marL="0" marR="0" marT="0" marB="0" vert="horz" anchor="ctr">
+                  <a:tcPr marL="0" marR="0" marT="0" marB="0" anchor="ctr">
                     <a:lnL w="15240" cap="flat" cmpd="sng">
                       <a:solidFill>
                         <a:srgbClr val="000000"/>
@@ -13953,6 +13651,7 @@
                 <a:tc>
                   <a:txBody>
                     <a:bodyPr/>
+                    <a:lstStyle/>
                     <a:p>
                       <a:pPr indent="0" algn="ctr">
                         <a:buNone/>
@@ -13968,17 +13667,9 @@
                         </a:rPr>
                         <a:t>10</a:t>
                       </a:r>
-                      <a:endParaRPr lang="en-US" altLang="zh-CN" sz="1000" b="0">
-                        <a:solidFill>
-                          <a:srgbClr val="000000"/>
-                        </a:solidFill>
-                        <a:latin typeface="微软雅黑" panose="020B0503020204020204" pitchFamily="34" charset="-122"/>
-                        <a:ea typeface="微软雅黑" panose="020B0503020204020204" pitchFamily="34" charset="-122"/>
-                        <a:cs typeface="宋体" panose="02010600030101010101" pitchFamily="2" charset="-122"/>
-                      </a:endParaRPr>
                     </a:p>
                   </a:txBody>
-                  <a:tcPr marL="0" marR="0" marT="0" marB="0" vert="horz" anchor="ctr">
+                  <a:tcPr marL="0" marR="0" marT="0" marB="0" anchor="ctr">
                     <a:lnL w="15240" cap="flat" cmpd="sng">
                       <a:solidFill>
                         <a:srgbClr val="000000"/>
@@ -14023,6 +13714,7 @@
                 <a:tc>
                   <a:txBody>
                     <a:bodyPr/>
+                    <a:lstStyle/>
                     <a:p>
                       <a:pPr indent="0" algn="ctr">
                         <a:buNone/>
@@ -14038,17 +13730,9 @@
                         </a:rPr>
                         <a:t>1</a:t>
                       </a:r>
-                      <a:endParaRPr lang="en-US" altLang="zh-CN" sz="1000" b="0">
-                        <a:solidFill>
-                          <a:srgbClr val="000000"/>
-                        </a:solidFill>
-                        <a:latin typeface="微软雅黑" panose="020B0503020204020204" pitchFamily="34" charset="-122"/>
-                        <a:ea typeface="微软雅黑" panose="020B0503020204020204" pitchFamily="34" charset="-122"/>
-                        <a:cs typeface="宋体" panose="02010600030101010101" pitchFamily="2" charset="-122"/>
-                      </a:endParaRPr>
                     </a:p>
                   </a:txBody>
-                  <a:tcPr marL="0" marR="0" marT="0" marB="0" vert="horz" anchor="ctr">
+                  <a:tcPr marL="0" marR="0" marT="0" marB="0" anchor="ctr">
                     <a:lnL w="15240" cap="flat" cmpd="sng">
                       <a:solidFill>
                         <a:srgbClr val="000000"/>
@@ -14093,6 +13777,7 @@
                 <a:tc>
                   <a:txBody>
                     <a:bodyPr/>
+                    <a:lstStyle/>
                     <a:p>
                       <a:pPr indent="0" algn="ctr">
                         <a:buNone/>
@@ -14108,17 +13793,9 @@
                         </a:rPr>
                         <a:t>10</a:t>
                       </a:r>
-                      <a:endParaRPr lang="en-US" altLang="zh-CN" sz="1000" b="0">
-                        <a:solidFill>
-                          <a:srgbClr val="000000"/>
-                        </a:solidFill>
-                        <a:latin typeface="微软雅黑" panose="020B0503020204020204" pitchFamily="34" charset="-122"/>
-                        <a:ea typeface="微软雅黑" panose="020B0503020204020204" pitchFamily="34" charset="-122"/>
-                        <a:cs typeface="宋体" panose="02010600030101010101" pitchFamily="2" charset="-122"/>
-                      </a:endParaRPr>
                     </a:p>
                   </a:txBody>
-                  <a:tcPr marL="0" marR="0" marT="0" marB="0" vert="horz" anchor="ctr">
+                  <a:tcPr marL="0" marR="0" marT="0" marB="0" anchor="ctr">
                     <a:lnL w="15240" cap="flat" cmpd="sng">
                       <a:solidFill>
                         <a:srgbClr val="000000"/>
@@ -14163,6 +13840,7 @@
                 <a:tc>
                   <a:txBody>
                     <a:bodyPr/>
+                    <a:lstStyle/>
                     <a:p>
                       <a:pPr indent="0" algn="ctr">
                         <a:buNone/>
@@ -14200,17 +13878,9 @@
                         </a:rPr>
                         <a:t>出小组。并且影响小组考评</a:t>
                       </a:r>
-                      <a:endParaRPr lang="zh-CN" altLang="en-US" sz="1000" b="0">
-                        <a:solidFill>
-                          <a:srgbClr val="000000"/>
-                        </a:solidFill>
-                        <a:latin typeface="微软雅黑" panose="020B0503020204020204" pitchFamily="34" charset="-122"/>
-                        <a:ea typeface="微软雅黑" panose="020B0503020204020204" pitchFamily="34" charset="-122"/>
-                        <a:cs typeface="宋体" panose="02010600030101010101" pitchFamily="2" charset="-122"/>
-                      </a:endParaRPr>
                     </a:p>
                   </a:txBody>
-                  <a:tcPr marL="0" marR="0" marT="0" marB="0" vert="horz" anchor="ctr">
+                  <a:tcPr marL="0" marR="0" marT="0" marB="0" anchor="ctr">
                     <a:lnL w="15240" cap="flat" cmpd="sng">
                       <a:solidFill>
                         <a:srgbClr val="000000"/>
@@ -14255,6 +13925,7 @@
                 <a:tc>
                   <a:txBody>
                     <a:bodyPr/>
+                    <a:lstStyle/>
                     <a:p>
                       <a:pPr indent="0" algn="ctr">
                         <a:buNone/>
@@ -14270,17 +13941,9 @@
                         </a:rPr>
                         <a:t>有</a:t>
                       </a:r>
-                      <a:endParaRPr lang="zh-CN" altLang="en-US" sz="1000" b="1">
-                        <a:solidFill>
-                          <a:srgbClr val="000000"/>
-                        </a:solidFill>
-                        <a:latin typeface="微软雅黑" panose="020B0503020204020204" pitchFamily="34" charset="-122"/>
-                        <a:ea typeface="微软雅黑" panose="020B0503020204020204" pitchFamily="34" charset="-122"/>
-                        <a:cs typeface="宋体" panose="02010600030101010101" pitchFamily="2" charset="-122"/>
-                      </a:endParaRPr>
                     </a:p>
                   </a:txBody>
-                  <a:tcPr marL="0" marR="0" marT="0" marB="0" vert="horz" anchor="ctr">
+                  <a:tcPr marL="0" marR="0" marT="0" marB="0" anchor="ctr">
                     <a:lnL w="15240" cap="flat" cmpd="sng">
                       <a:solidFill>
                         <a:srgbClr val="000000"/>
@@ -14325,6 +13988,7 @@
                 <a:tc>
                   <a:txBody>
                     <a:bodyPr/>
+                    <a:lstStyle/>
                     <a:p>
                       <a:pPr indent="0" algn="ctr">
                         <a:buNone/>
@@ -14340,17 +14004,9 @@
                         </a:rPr>
                         <a:t>无</a:t>
                       </a:r>
-                      <a:endParaRPr lang="zh-CN" altLang="en-US" sz="1000" b="1">
-                        <a:solidFill>
-                          <a:srgbClr val="000000"/>
-                        </a:solidFill>
-                        <a:latin typeface="微软雅黑" panose="020B0503020204020204" pitchFamily="34" charset="-122"/>
-                        <a:ea typeface="微软雅黑" panose="020B0503020204020204" pitchFamily="34" charset="-122"/>
-                        <a:cs typeface="宋体" panose="02010600030101010101" pitchFamily="2" charset="-122"/>
-                      </a:endParaRPr>
                     </a:p>
                   </a:txBody>
-                  <a:tcPr marL="0" marR="0" marT="0" marB="0" vert="horz" anchor="ctr">
+                  <a:tcPr marL="0" marR="0" marT="0" marB="0" anchor="ctr">
                     <a:lnL w="15240" cap="flat" cmpd="sng">
                       <a:solidFill>
                         <a:srgbClr val="000000"/>
@@ -14395,6 +14051,7 @@
                 <a:tc>
                   <a:txBody>
                     <a:bodyPr/>
+                    <a:lstStyle/>
                     <a:p>
                       <a:pPr indent="0" algn="ctr">
                         <a:buNone/>
@@ -14410,17 +14067,9 @@
                         </a:rPr>
                         <a:t>低</a:t>
                       </a:r>
-                      <a:endParaRPr lang="zh-CN" altLang="en-US" sz="1000" b="1">
-                        <a:solidFill>
-                          <a:srgbClr val="000000"/>
-                        </a:solidFill>
-                        <a:latin typeface="微软雅黑" panose="020B0503020204020204" pitchFamily="34" charset="-122"/>
-                        <a:ea typeface="微软雅黑" panose="020B0503020204020204" pitchFamily="34" charset="-122"/>
-                        <a:cs typeface="宋体" panose="02010600030101010101" pitchFamily="2" charset="-122"/>
-                      </a:endParaRPr>
                     </a:p>
                   </a:txBody>
-                  <a:tcPr marL="0" marR="0" marT="0" marB="0" vert="horz" anchor="ctr">
+                  <a:tcPr marL="0" marR="0" marT="0" marB="0" anchor="ctr">
                     <a:lnL w="15240" cap="flat" cmpd="sng">
                       <a:solidFill>
                         <a:srgbClr val="000000"/>
@@ -14465,6 +14114,13 @@
               </a:tr>
               <a:tr h="448310">
                 <a:tc vMerge="1">
+                  <a:txBody>
+                    <a:bodyPr/>
+                    <a:lstStyle/>
+                    <a:p>
+                      <a:endParaRPr lang="zh-CN"/>
+                    </a:p>
+                  </a:txBody>
                   <a:tcPr>
                     <a:lnL w="15240" cap="flat" cmpd="sng">
                       <a:solidFill>
@@ -14487,6 +14143,7 @@
                 <a:tc>
                   <a:txBody>
                     <a:bodyPr/>
+                    <a:lstStyle/>
                     <a:p>
                       <a:pPr indent="0" algn="ctr">
                         <a:buNone/>
@@ -14502,17 +14159,9 @@
                         </a:rPr>
                         <a:t>组员能力不平均</a:t>
                       </a:r>
-                      <a:endParaRPr lang="zh-CN" altLang="en-US" sz="1000" b="0">
-                        <a:solidFill>
-                          <a:srgbClr val="000000"/>
-                        </a:solidFill>
-                        <a:latin typeface="微软雅黑" panose="020B0503020204020204" pitchFamily="34" charset="-122"/>
-                        <a:ea typeface="微软雅黑" panose="020B0503020204020204" pitchFamily="34" charset="-122"/>
-                        <a:cs typeface="宋体" panose="02010600030101010101" pitchFamily="2" charset="-122"/>
-                      </a:endParaRPr>
                     </a:p>
                   </a:txBody>
-                  <a:tcPr marL="0" marR="0" marT="0" marB="0" vert="horz" anchor="ctr">
+                  <a:tcPr marL="0" marR="0" marT="0" marB="0" anchor="ctr">
                     <a:lnL w="15240" cap="flat" cmpd="sng">
                       <a:solidFill>
                         <a:srgbClr val="000000"/>
@@ -14557,6 +14206,7 @@
                 <a:tc>
                   <a:txBody>
                     <a:bodyPr/>
+                    <a:lstStyle/>
                     <a:p>
                       <a:pPr indent="0" algn="ctr">
                         <a:buNone/>
@@ -14572,17 +14222,9 @@
                         </a:rPr>
                         <a:t>有的组员能力不行完不成相关任务</a:t>
                       </a:r>
-                      <a:endParaRPr lang="zh-CN" altLang="en-US" sz="1000" b="0">
-                        <a:solidFill>
-                          <a:srgbClr val="000000"/>
-                        </a:solidFill>
-                        <a:latin typeface="微软雅黑" panose="020B0503020204020204" pitchFamily="34" charset="-122"/>
-                        <a:ea typeface="微软雅黑" panose="020B0503020204020204" pitchFamily="34" charset="-122"/>
-                        <a:cs typeface="宋体" panose="02010600030101010101" pitchFamily="2" charset="-122"/>
-                      </a:endParaRPr>
                     </a:p>
                   </a:txBody>
-                  <a:tcPr marL="0" marR="0" marT="0" marB="0" vert="horz" anchor="ctr">
+                  <a:tcPr marL="0" marR="0" marT="0" marB="0" anchor="ctr">
                     <a:lnL w="15240" cap="flat" cmpd="sng">
                       <a:solidFill>
                         <a:srgbClr val="000000"/>
@@ -14627,6 +14269,7 @@
                 <a:tc>
                   <a:txBody>
                     <a:bodyPr/>
+                    <a:lstStyle/>
                     <a:p>
                       <a:pPr indent="0" algn="ctr">
                         <a:buNone/>
@@ -14642,17 +14285,9 @@
                         </a:rPr>
                         <a:t>6</a:t>
                       </a:r>
-                      <a:endParaRPr lang="en-US" altLang="zh-CN" sz="1000" b="0">
-                        <a:solidFill>
-                          <a:srgbClr val="000000"/>
-                        </a:solidFill>
-                        <a:latin typeface="微软雅黑" panose="020B0503020204020204" pitchFamily="34" charset="-122"/>
-                        <a:ea typeface="微软雅黑" panose="020B0503020204020204" pitchFamily="34" charset="-122"/>
-                        <a:cs typeface="宋体" panose="02010600030101010101" pitchFamily="2" charset="-122"/>
-                      </a:endParaRPr>
                     </a:p>
                   </a:txBody>
-                  <a:tcPr marL="0" marR="0" marT="0" marB="0" vert="horz" anchor="ctr">
+                  <a:tcPr marL="0" marR="0" marT="0" marB="0" anchor="ctr">
                     <a:lnL w="15240" cap="flat" cmpd="sng">
                       <a:solidFill>
                         <a:srgbClr val="000000"/>
@@ -14697,6 +14332,7 @@
                 <a:tc>
                   <a:txBody>
                     <a:bodyPr/>
+                    <a:lstStyle/>
                     <a:p>
                       <a:pPr indent="0" algn="ctr">
                         <a:buNone/>
@@ -14712,17 +14348,9 @@
                         </a:rPr>
                         <a:t>9</a:t>
                       </a:r>
-                      <a:endParaRPr lang="en-US" altLang="zh-CN" sz="1000" b="0">
-                        <a:solidFill>
-                          <a:srgbClr val="000000"/>
-                        </a:solidFill>
-                        <a:latin typeface="微软雅黑" panose="020B0503020204020204" pitchFamily="34" charset="-122"/>
-                        <a:ea typeface="微软雅黑" panose="020B0503020204020204" pitchFamily="34" charset="-122"/>
-                        <a:cs typeface="宋体" panose="02010600030101010101" pitchFamily="2" charset="-122"/>
-                      </a:endParaRPr>
                     </a:p>
                   </a:txBody>
-                  <a:tcPr marL="0" marR="0" marT="0" marB="0" vert="horz" anchor="ctr">
+                  <a:tcPr marL="0" marR="0" marT="0" marB="0" anchor="ctr">
                     <a:lnL w="15240" cap="flat" cmpd="sng">
                       <a:solidFill>
                         <a:srgbClr val="000000"/>
@@ -14767,6 +14395,7 @@
                 <a:tc>
                   <a:txBody>
                     <a:bodyPr/>
+                    <a:lstStyle/>
                     <a:p>
                       <a:pPr indent="0" algn="ctr">
                         <a:buNone/>
@@ -14782,17 +14411,9 @@
                         </a:rPr>
                         <a:t>2</a:t>
                       </a:r>
-                      <a:endParaRPr lang="en-US" altLang="zh-CN" sz="1000" b="0">
-                        <a:solidFill>
-                          <a:srgbClr val="000000"/>
-                        </a:solidFill>
-                        <a:latin typeface="微软雅黑" panose="020B0503020204020204" pitchFamily="34" charset="-122"/>
-                        <a:ea typeface="微软雅黑" panose="020B0503020204020204" pitchFamily="34" charset="-122"/>
-                        <a:cs typeface="宋体" panose="02010600030101010101" pitchFamily="2" charset="-122"/>
-                      </a:endParaRPr>
                     </a:p>
                   </a:txBody>
-                  <a:tcPr marL="0" marR="0" marT="0" marB="0" vert="horz" anchor="ctr">
+                  <a:tcPr marL="0" marR="0" marT="0" marB="0" anchor="ctr">
                     <a:lnL w="15240" cap="flat" cmpd="sng">
                       <a:solidFill>
                         <a:srgbClr val="000000"/>
@@ -14837,6 +14458,7 @@
                 <a:tc>
                   <a:txBody>
                     <a:bodyPr/>
+                    <a:lstStyle/>
                     <a:p>
                       <a:pPr indent="0" algn="ctr">
                         <a:buNone/>
@@ -14852,17 +14474,9 @@
                         </a:rPr>
                         <a:t>108</a:t>
                       </a:r>
-                      <a:endParaRPr lang="en-US" altLang="zh-CN" sz="1000" b="0">
-                        <a:solidFill>
-                          <a:srgbClr val="000000"/>
-                        </a:solidFill>
-                        <a:latin typeface="微软雅黑" panose="020B0503020204020204" pitchFamily="34" charset="-122"/>
-                        <a:ea typeface="微软雅黑" panose="020B0503020204020204" pitchFamily="34" charset="-122"/>
-                        <a:cs typeface="宋体" panose="02010600030101010101" pitchFamily="2" charset="-122"/>
-                      </a:endParaRPr>
                     </a:p>
                   </a:txBody>
-                  <a:tcPr marL="0" marR="0" marT="0" marB="0" vert="horz" anchor="ctr">
+                  <a:tcPr marL="0" marR="0" marT="0" marB="0" anchor="ctr">
                     <a:lnL w="15240" cap="flat" cmpd="sng">
                       <a:solidFill>
                         <a:srgbClr val="000000"/>
@@ -14907,6 +14521,7 @@
                 <a:tc>
                   <a:txBody>
                     <a:bodyPr/>
+                    <a:lstStyle/>
                     <a:p>
                       <a:pPr indent="0" algn="ctr">
                         <a:buNone/>
@@ -14922,17 +14537,9 @@
                         </a:rPr>
                         <a:t>由其他能力较强的组员辅导能力较差的组员。对该组员进行提升</a:t>
                       </a:r>
-                      <a:endParaRPr lang="zh-CN" altLang="en-US" sz="1000" b="0">
-                        <a:solidFill>
-                          <a:srgbClr val="000000"/>
-                        </a:solidFill>
-                        <a:latin typeface="微软雅黑" panose="020B0503020204020204" pitchFamily="34" charset="-122"/>
-                        <a:ea typeface="微软雅黑" panose="020B0503020204020204" pitchFamily="34" charset="-122"/>
-                        <a:cs typeface="宋体" panose="02010600030101010101" pitchFamily="2" charset="-122"/>
-                      </a:endParaRPr>
                     </a:p>
                   </a:txBody>
-                  <a:tcPr marL="0" marR="0" marT="0" marB="0" vert="horz" anchor="ctr">
+                  <a:tcPr marL="0" marR="0" marT="0" marB="0" anchor="ctr">
                     <a:lnL w="15240" cap="flat" cmpd="sng">
                       <a:solidFill>
                         <a:srgbClr val="000000"/>
@@ -14977,6 +14584,7 @@
                 <a:tc>
                   <a:txBody>
                     <a:bodyPr/>
+                    <a:lstStyle/>
                     <a:p>
                       <a:pPr indent="0" algn="ctr">
                         <a:buNone/>
@@ -14992,17 +14600,9 @@
                         </a:rPr>
                         <a:t>有</a:t>
                       </a:r>
-                      <a:endParaRPr lang="zh-CN" altLang="en-US" sz="1000" b="1">
-                        <a:solidFill>
-                          <a:srgbClr val="000000"/>
-                        </a:solidFill>
-                        <a:latin typeface="微软雅黑" panose="020B0503020204020204" pitchFamily="34" charset="-122"/>
-                        <a:ea typeface="微软雅黑" panose="020B0503020204020204" pitchFamily="34" charset="-122"/>
-                        <a:cs typeface="宋体" panose="02010600030101010101" pitchFamily="2" charset="-122"/>
-                      </a:endParaRPr>
                     </a:p>
                   </a:txBody>
-                  <a:tcPr marL="0" marR="0" marT="0" marB="0" vert="horz" anchor="ctr">
+                  <a:tcPr marL="0" marR="0" marT="0" marB="0" anchor="ctr">
                     <a:lnL w="15240" cap="flat" cmpd="sng">
                       <a:solidFill>
                         <a:srgbClr val="000000"/>
@@ -15047,6 +14647,7 @@
                 <a:tc>
                   <a:txBody>
                     <a:bodyPr/>
+                    <a:lstStyle/>
                     <a:p>
                       <a:pPr indent="0" algn="ctr">
                         <a:buNone/>
@@ -15062,17 +14663,9 @@
                         </a:rPr>
                         <a:t>无</a:t>
                       </a:r>
-                      <a:endParaRPr lang="zh-CN" altLang="en-US" sz="1000" b="1">
-                        <a:solidFill>
-                          <a:srgbClr val="000000"/>
-                        </a:solidFill>
-                        <a:latin typeface="微软雅黑" panose="020B0503020204020204" pitchFamily="34" charset="-122"/>
-                        <a:ea typeface="微软雅黑" panose="020B0503020204020204" pitchFamily="34" charset="-122"/>
-                        <a:cs typeface="宋体" panose="02010600030101010101" pitchFamily="2" charset="-122"/>
-                      </a:endParaRPr>
                     </a:p>
                   </a:txBody>
-                  <a:tcPr marL="0" marR="0" marT="0" marB="0" vert="horz" anchor="ctr">
+                  <a:tcPr marL="0" marR="0" marT="0" marB="0" anchor="ctr">
                     <a:lnL w="15240" cap="flat" cmpd="sng">
                       <a:solidFill>
                         <a:srgbClr val="000000"/>
@@ -15117,6 +14710,7 @@
                 <a:tc>
                   <a:txBody>
                     <a:bodyPr/>
+                    <a:lstStyle/>
                     <a:p>
                       <a:pPr indent="0" algn="ctr">
                         <a:buNone/>
@@ -15132,17 +14726,9 @@
                         </a:rPr>
                         <a:t>低</a:t>
                       </a:r>
-                      <a:endParaRPr lang="zh-CN" altLang="en-US" sz="1000" b="1">
-                        <a:solidFill>
-                          <a:srgbClr val="000000"/>
-                        </a:solidFill>
-                        <a:latin typeface="微软雅黑" panose="020B0503020204020204" pitchFamily="34" charset="-122"/>
-                        <a:ea typeface="微软雅黑" panose="020B0503020204020204" pitchFamily="34" charset="-122"/>
-                        <a:cs typeface="宋体" panose="02010600030101010101" pitchFamily="2" charset="-122"/>
-                      </a:endParaRPr>
                     </a:p>
                   </a:txBody>
-                  <a:tcPr marL="0" marR="0" marT="0" marB="0" vert="horz" anchor="ctr">
+                  <a:tcPr marL="0" marR="0" marT="0" marB="0" anchor="ctr">
                     <a:lnL w="15240" cap="flat" cmpd="sng">
                       <a:solidFill>
                         <a:srgbClr val="000000"/>
@@ -15187,6 +14773,13 @@
               </a:tr>
               <a:tr h="719455">
                 <a:tc vMerge="1">
+                  <a:txBody>
+                    <a:bodyPr/>
+                    <a:lstStyle/>
+                    <a:p>
+                      <a:endParaRPr lang="zh-CN"/>
+                    </a:p>
+                  </a:txBody>
                   <a:tcPr>
                     <a:lnL w="15240" cap="flat" cmpd="sng">
                       <a:solidFill>
@@ -15209,6 +14802,7 @@
                 <a:tc>
                   <a:txBody>
                     <a:bodyPr/>
+                    <a:lstStyle/>
                     <a:p>
                       <a:pPr indent="0" algn="ctr">
                         <a:buNone/>
@@ -15224,17 +14818,9 @@
                         </a:rPr>
                         <a:t>组员对接下的计划和任务定义不够明确</a:t>
                       </a:r>
-                      <a:endParaRPr lang="zh-CN" altLang="en-US" sz="1000" b="0">
-                        <a:solidFill>
-                          <a:srgbClr val="000000"/>
-                        </a:solidFill>
-                        <a:latin typeface="微软雅黑" panose="020B0503020204020204" pitchFamily="34" charset="-122"/>
-                        <a:ea typeface="微软雅黑" panose="020B0503020204020204" pitchFamily="34" charset="-122"/>
-                        <a:cs typeface="宋体" panose="02010600030101010101" pitchFamily="2" charset="-122"/>
-                      </a:endParaRPr>
                     </a:p>
                   </a:txBody>
-                  <a:tcPr marL="0" marR="0" marT="0" marB="0" vert="horz" anchor="ctr">
+                  <a:tcPr marL="0" marR="0" marT="0" marB="0" anchor="ctr">
                     <a:lnL w="15240" cap="flat" cmpd="sng">
                       <a:solidFill>
                         <a:srgbClr val="000000"/>
@@ -15279,6 +14865,7 @@
                 <a:tc>
                   <a:txBody>
                     <a:bodyPr/>
+                    <a:lstStyle/>
                     <a:p>
                       <a:pPr indent="0" algn="ctr">
                         <a:buNone/>
@@ -15294,17 +14881,9 @@
                         </a:rPr>
                         <a:t>组员不能及时完成任务</a:t>
                       </a:r>
-                      <a:endParaRPr lang="zh-CN" altLang="en-US" sz="1000" b="0">
-                        <a:solidFill>
-                          <a:srgbClr val="000000"/>
-                        </a:solidFill>
-                        <a:latin typeface="微软雅黑" panose="020B0503020204020204" pitchFamily="34" charset="-122"/>
-                        <a:ea typeface="微软雅黑" panose="020B0503020204020204" pitchFamily="34" charset="-122"/>
-                        <a:cs typeface="宋体" panose="02010600030101010101" pitchFamily="2" charset="-122"/>
-                      </a:endParaRPr>
                     </a:p>
                   </a:txBody>
-                  <a:tcPr marL="0" marR="0" marT="0" marB="0" vert="horz" anchor="ctr">
+                  <a:tcPr marL="0" marR="0" marT="0" marB="0" anchor="ctr">
                     <a:lnL w="15240" cap="flat" cmpd="sng">
                       <a:solidFill>
                         <a:srgbClr val="000000"/>
@@ -15349,6 +14928,7 @@
                 <a:tc>
                   <a:txBody>
                     <a:bodyPr/>
+                    <a:lstStyle/>
                     <a:p>
                       <a:pPr indent="0" algn="ctr">
                         <a:buNone/>
@@ -15364,17 +14944,9 @@
                         </a:rPr>
                         <a:t>7</a:t>
                       </a:r>
-                      <a:endParaRPr lang="en-US" altLang="zh-CN" sz="1000" b="0">
-                        <a:solidFill>
-                          <a:srgbClr val="000000"/>
-                        </a:solidFill>
-                        <a:latin typeface="微软雅黑" panose="020B0503020204020204" pitchFamily="34" charset="-122"/>
-                        <a:ea typeface="微软雅黑" panose="020B0503020204020204" pitchFamily="34" charset="-122"/>
-                        <a:cs typeface="宋体" panose="02010600030101010101" pitchFamily="2" charset="-122"/>
-                      </a:endParaRPr>
                     </a:p>
                   </a:txBody>
-                  <a:tcPr marL="0" marR="0" marT="0" marB="0" vert="horz" anchor="ctr">
+                  <a:tcPr marL="0" marR="0" marT="0" marB="0" anchor="ctr">
                     <a:lnL w="15240" cap="flat" cmpd="sng">
                       <a:solidFill>
                         <a:srgbClr val="000000"/>
@@ -15419,6 +14991,7 @@
                 <a:tc>
                   <a:txBody>
                     <a:bodyPr/>
+                    <a:lstStyle/>
                     <a:p>
                       <a:pPr indent="0" algn="ctr">
                         <a:buNone/>
@@ -15434,17 +15007,9 @@
                         </a:rPr>
                         <a:t>7</a:t>
                       </a:r>
-                      <a:endParaRPr lang="en-US" altLang="zh-CN" sz="1000" b="0">
-                        <a:solidFill>
-                          <a:srgbClr val="000000"/>
-                        </a:solidFill>
-                        <a:latin typeface="微软雅黑" panose="020B0503020204020204" pitchFamily="34" charset="-122"/>
-                        <a:ea typeface="微软雅黑" panose="020B0503020204020204" pitchFamily="34" charset="-122"/>
-                        <a:cs typeface="宋体" panose="02010600030101010101" pitchFamily="2" charset="-122"/>
-                      </a:endParaRPr>
                     </a:p>
                   </a:txBody>
-                  <a:tcPr marL="0" marR="0" marT="0" marB="0" vert="horz" anchor="ctr">
+                  <a:tcPr marL="0" marR="0" marT="0" marB="0" anchor="ctr">
                     <a:lnL w="15240" cap="flat" cmpd="sng">
                       <a:solidFill>
                         <a:srgbClr val="000000"/>
@@ -15489,6 +15054,7 @@
                 <a:tc>
                   <a:txBody>
                     <a:bodyPr/>
+                    <a:lstStyle/>
                     <a:p>
                       <a:pPr indent="0" algn="ctr">
                         <a:buNone/>
@@ -15504,17 +15070,9 @@
                         </a:rPr>
                         <a:t>4</a:t>
                       </a:r>
-                      <a:endParaRPr lang="en-US" altLang="zh-CN" sz="1000" b="0">
-                        <a:solidFill>
-                          <a:srgbClr val="000000"/>
-                        </a:solidFill>
-                        <a:latin typeface="微软雅黑" panose="020B0503020204020204" pitchFamily="34" charset="-122"/>
-                        <a:ea typeface="微软雅黑" panose="020B0503020204020204" pitchFamily="34" charset="-122"/>
-                        <a:cs typeface="宋体" panose="02010600030101010101" pitchFamily="2" charset="-122"/>
-                      </a:endParaRPr>
                     </a:p>
                   </a:txBody>
-                  <a:tcPr marL="0" marR="0" marT="0" marB="0" vert="horz" anchor="ctr">
+                  <a:tcPr marL="0" marR="0" marT="0" marB="0" anchor="ctr">
                     <a:lnL w="15240" cap="flat" cmpd="sng">
                       <a:solidFill>
                         <a:srgbClr val="000000"/>
@@ -15559,6 +15117,7 @@
                 <a:tc>
                   <a:txBody>
                     <a:bodyPr/>
+                    <a:lstStyle/>
                     <a:p>
                       <a:pPr indent="0" algn="ctr">
                         <a:buNone/>
@@ -15574,17 +15133,9 @@
                         </a:rPr>
                         <a:t>196</a:t>
                       </a:r>
-                      <a:endParaRPr lang="en-US" altLang="zh-CN" sz="1000" b="0">
-                        <a:solidFill>
-                          <a:srgbClr val="000000"/>
-                        </a:solidFill>
-                        <a:latin typeface="微软雅黑" panose="020B0503020204020204" pitchFamily="34" charset="-122"/>
-                        <a:ea typeface="微软雅黑" panose="020B0503020204020204" pitchFamily="34" charset="-122"/>
-                        <a:cs typeface="宋体" panose="02010600030101010101" pitchFamily="2" charset="-122"/>
-                      </a:endParaRPr>
                     </a:p>
                   </a:txBody>
-                  <a:tcPr marL="0" marR="0" marT="0" marB="0" vert="horz" anchor="ctr">
+                  <a:tcPr marL="0" marR="0" marT="0" marB="0" anchor="ctr">
                     <a:lnL w="15240" cap="flat" cmpd="sng">
                       <a:solidFill>
                         <a:srgbClr val="000000"/>
@@ -15629,6 +15180,7 @@
                 <a:tc>
                   <a:txBody>
                     <a:bodyPr/>
+                    <a:lstStyle/>
                     <a:p>
                       <a:pPr indent="0" algn="ctr">
                         <a:buNone/>
@@ -15644,17 +15196,9 @@
                         </a:rPr>
                         <a:t>由组长沟通班助和老师，真正了解到所要做的事情后再进行任务的分配</a:t>
                       </a:r>
-                      <a:endParaRPr lang="zh-CN" altLang="en-US" sz="1000" b="0">
-                        <a:solidFill>
-                          <a:srgbClr val="000000"/>
-                        </a:solidFill>
-                        <a:latin typeface="微软雅黑" panose="020B0503020204020204" pitchFamily="34" charset="-122"/>
-                        <a:ea typeface="微软雅黑" panose="020B0503020204020204" pitchFamily="34" charset="-122"/>
-                        <a:cs typeface="宋体" panose="02010600030101010101" pitchFamily="2" charset="-122"/>
-                      </a:endParaRPr>
                     </a:p>
                   </a:txBody>
-                  <a:tcPr marL="0" marR="0" marT="0" marB="0" vert="horz" anchor="ctr">
+                  <a:tcPr marL="0" marR="0" marT="0" marB="0" anchor="ctr">
                     <a:lnL w="15240" cap="flat" cmpd="sng">
                       <a:solidFill>
                         <a:srgbClr val="000000"/>
@@ -15699,6 +15243,7 @@
                 <a:tc>
                   <a:txBody>
                     <a:bodyPr/>
+                    <a:lstStyle/>
                     <a:p>
                       <a:pPr indent="0" algn="ctr">
                         <a:buNone/>
@@ -15714,17 +15259,9 @@
                         </a:rPr>
                         <a:t>有</a:t>
                       </a:r>
-                      <a:endParaRPr lang="zh-CN" altLang="en-US" sz="1000" b="1">
-                        <a:solidFill>
-                          <a:srgbClr val="000000"/>
-                        </a:solidFill>
-                        <a:latin typeface="微软雅黑" panose="020B0503020204020204" pitchFamily="34" charset="-122"/>
-                        <a:ea typeface="微软雅黑" panose="020B0503020204020204" pitchFamily="34" charset="-122"/>
-                        <a:cs typeface="宋体" panose="02010600030101010101" pitchFamily="2" charset="-122"/>
-                      </a:endParaRPr>
                     </a:p>
                   </a:txBody>
-                  <a:tcPr marL="0" marR="0" marT="0" marB="0" vert="horz" anchor="ctr">
+                  <a:tcPr marL="0" marR="0" marT="0" marB="0" anchor="ctr">
                     <a:lnL w="15240" cap="flat" cmpd="sng">
                       <a:solidFill>
                         <a:srgbClr val="000000"/>
@@ -15769,6 +15306,7 @@
                 <a:tc>
                   <a:txBody>
                     <a:bodyPr/>
+                    <a:lstStyle/>
                     <a:p>
                       <a:pPr indent="0" algn="ctr">
                         <a:buNone/>
@@ -15784,17 +15322,9 @@
                         </a:rPr>
                         <a:t>无</a:t>
                       </a:r>
-                      <a:endParaRPr lang="zh-CN" altLang="en-US" sz="1000" b="1">
-                        <a:solidFill>
-                          <a:srgbClr val="000000"/>
-                        </a:solidFill>
-                        <a:latin typeface="微软雅黑" panose="020B0503020204020204" pitchFamily="34" charset="-122"/>
-                        <a:ea typeface="微软雅黑" panose="020B0503020204020204" pitchFamily="34" charset="-122"/>
-                        <a:cs typeface="宋体" panose="02010600030101010101" pitchFamily="2" charset="-122"/>
-                      </a:endParaRPr>
                     </a:p>
                   </a:txBody>
-                  <a:tcPr marL="0" marR="0" marT="0" marB="0" vert="horz" anchor="ctr">
+                  <a:tcPr marL="0" marR="0" marT="0" marB="0" anchor="ctr">
                     <a:lnL w="15240" cap="flat" cmpd="sng">
                       <a:solidFill>
                         <a:srgbClr val="000000"/>
@@ -15839,6 +15369,7 @@
                 <a:tc>
                   <a:txBody>
                     <a:bodyPr/>
+                    <a:lstStyle/>
                     <a:p>
                       <a:pPr indent="0" algn="ctr">
                         <a:buNone/>
@@ -15854,17 +15385,9 @@
                         </a:rPr>
                         <a:t>低</a:t>
                       </a:r>
-                      <a:endParaRPr lang="zh-CN" altLang="en-US" sz="1000" b="1">
-                        <a:solidFill>
-                          <a:srgbClr val="000000"/>
-                        </a:solidFill>
-                        <a:latin typeface="微软雅黑" panose="020B0503020204020204" pitchFamily="34" charset="-122"/>
-                        <a:ea typeface="微软雅黑" panose="020B0503020204020204" pitchFamily="34" charset="-122"/>
-                        <a:cs typeface="宋体" panose="02010600030101010101" pitchFamily="2" charset="-122"/>
-                      </a:endParaRPr>
                     </a:p>
                   </a:txBody>
-                  <a:tcPr marL="0" marR="0" marT="0" marB="0" vert="horz" anchor="ctr">
+                  <a:tcPr marL="0" marR="0" marT="0" marB="0" anchor="ctr">
                     <a:lnL w="15240" cap="flat" cmpd="sng">
                       <a:solidFill>
                         <a:srgbClr val="000000"/>
@@ -15909,6 +15432,13 @@
               </a:tr>
               <a:tr h="379730">
                 <a:tc vMerge="1">
+                  <a:txBody>
+                    <a:bodyPr/>
+                    <a:lstStyle/>
+                    <a:p>
+                      <a:endParaRPr lang="zh-CN"/>
+                    </a:p>
+                  </a:txBody>
                   <a:tcPr>
                     <a:lnL w="15240" cap="flat" cmpd="sng">
                       <a:solidFill>
@@ -15939,6 +15469,7 @@
                 <a:tc>
                   <a:txBody>
                     <a:bodyPr/>
+                    <a:lstStyle/>
                     <a:p>
                       <a:pPr indent="0" algn="ctr">
                         <a:buNone/>
@@ -15954,17 +15485,9 @@
                         </a:rPr>
                         <a:t>组员的时间有不确定性</a:t>
                       </a:r>
-                      <a:endParaRPr lang="zh-CN" altLang="en-US" sz="1000" b="0">
-                        <a:solidFill>
-                          <a:srgbClr val="000000"/>
-                        </a:solidFill>
-                        <a:latin typeface="微软雅黑" panose="020B0503020204020204" pitchFamily="34" charset="-122"/>
-                        <a:ea typeface="微软雅黑" panose="020B0503020204020204" pitchFamily="34" charset="-122"/>
-                        <a:cs typeface="宋体" panose="02010600030101010101" pitchFamily="2" charset="-122"/>
-                      </a:endParaRPr>
                     </a:p>
                   </a:txBody>
-                  <a:tcPr marL="0" marR="0" marT="0" marB="0" vert="horz" anchor="ctr">
+                  <a:tcPr marL="0" marR="0" marT="0" marB="0" anchor="ctr">
                     <a:lnL w="15240" cap="flat" cmpd="sng">
                       <a:solidFill>
                         <a:srgbClr val="000000"/>
@@ -16009,6 +15532,7 @@
                 <a:tc>
                   <a:txBody>
                     <a:bodyPr/>
+                    <a:lstStyle/>
                     <a:p>
                       <a:pPr indent="0" algn="ctr">
                         <a:buNone/>
@@ -16024,17 +15548,9 @@
                         </a:rPr>
                         <a:t>任务不好分配</a:t>
                       </a:r>
-                      <a:endParaRPr lang="zh-CN" altLang="en-US" sz="1000" b="0">
-                        <a:solidFill>
-                          <a:srgbClr val="000000"/>
-                        </a:solidFill>
-                        <a:latin typeface="微软雅黑" panose="020B0503020204020204" pitchFamily="34" charset="-122"/>
-                        <a:ea typeface="微软雅黑" panose="020B0503020204020204" pitchFamily="34" charset="-122"/>
-                        <a:cs typeface="宋体" panose="02010600030101010101" pitchFamily="2" charset="-122"/>
-                      </a:endParaRPr>
                     </a:p>
                   </a:txBody>
-                  <a:tcPr marL="0" marR="0" marT="0" marB="0" vert="horz" anchor="ctr">
+                  <a:tcPr marL="0" marR="0" marT="0" marB="0" anchor="ctr">
                     <a:lnL w="15240" cap="flat" cmpd="sng">
                       <a:solidFill>
                         <a:srgbClr val="000000"/>
@@ -16079,6 +15595,7 @@
                 <a:tc>
                   <a:txBody>
                     <a:bodyPr/>
+                    <a:lstStyle/>
                     <a:p>
                       <a:pPr indent="0" algn="ctr">
                         <a:buNone/>
@@ -16094,17 +15611,9 @@
                         </a:rPr>
                         <a:t>5</a:t>
                       </a:r>
-                      <a:endParaRPr lang="en-US" altLang="zh-CN" sz="1000" b="0">
-                        <a:solidFill>
-                          <a:srgbClr val="000000"/>
-                        </a:solidFill>
-                        <a:latin typeface="微软雅黑" panose="020B0503020204020204" pitchFamily="34" charset="-122"/>
-                        <a:ea typeface="微软雅黑" panose="020B0503020204020204" pitchFamily="34" charset="-122"/>
-                        <a:cs typeface="宋体" panose="02010600030101010101" pitchFamily="2" charset="-122"/>
-                      </a:endParaRPr>
                     </a:p>
                   </a:txBody>
-                  <a:tcPr marL="0" marR="0" marT="0" marB="0" vert="horz" anchor="ctr">
+                  <a:tcPr marL="0" marR="0" marT="0" marB="0" anchor="ctr">
                     <a:lnL w="15240" cap="flat" cmpd="sng">
                       <a:solidFill>
                         <a:srgbClr val="000000"/>
@@ -16149,6 +15658,7 @@
                 <a:tc>
                   <a:txBody>
                     <a:bodyPr/>
+                    <a:lstStyle/>
                     <a:p>
                       <a:pPr indent="0" algn="ctr">
                         <a:buNone/>
@@ -16164,17 +15674,9 @@
                         </a:rPr>
                         <a:t>9</a:t>
                       </a:r>
-                      <a:endParaRPr lang="en-US" altLang="zh-CN" sz="1000" b="0">
-                        <a:solidFill>
-                          <a:srgbClr val="000000"/>
-                        </a:solidFill>
-                        <a:latin typeface="微软雅黑" panose="020B0503020204020204" pitchFamily="34" charset="-122"/>
-                        <a:ea typeface="微软雅黑" panose="020B0503020204020204" pitchFamily="34" charset="-122"/>
-                        <a:cs typeface="宋体" panose="02010600030101010101" pitchFamily="2" charset="-122"/>
-                      </a:endParaRPr>
                     </a:p>
                   </a:txBody>
-                  <a:tcPr marL="0" marR="0" marT="0" marB="0" vert="horz" anchor="ctr">
+                  <a:tcPr marL="0" marR="0" marT="0" marB="0" anchor="ctr">
                     <a:lnL w="15240" cap="flat" cmpd="sng">
                       <a:solidFill>
                         <a:srgbClr val="000000"/>
@@ -16219,6 +15721,7 @@
                 <a:tc>
                   <a:txBody>
                     <a:bodyPr/>
+                    <a:lstStyle/>
                     <a:p>
                       <a:pPr indent="0" algn="ctr">
                         <a:buNone/>
@@ -16234,17 +15737,9 @@
                         </a:rPr>
                         <a:t>6</a:t>
                       </a:r>
-                      <a:endParaRPr lang="en-US" altLang="zh-CN" sz="1000" b="0">
-                        <a:solidFill>
-                          <a:srgbClr val="000000"/>
-                        </a:solidFill>
-                        <a:latin typeface="微软雅黑" panose="020B0503020204020204" pitchFamily="34" charset="-122"/>
-                        <a:ea typeface="微软雅黑" panose="020B0503020204020204" pitchFamily="34" charset="-122"/>
-                        <a:cs typeface="宋体" panose="02010600030101010101" pitchFamily="2" charset="-122"/>
-                      </a:endParaRPr>
                     </a:p>
                   </a:txBody>
-                  <a:tcPr marL="0" marR="0" marT="0" marB="0" vert="horz" anchor="ctr">
+                  <a:tcPr marL="0" marR="0" marT="0" marB="0" anchor="ctr">
                     <a:lnL w="15240" cap="flat" cmpd="sng">
                       <a:solidFill>
                         <a:srgbClr val="000000"/>
@@ -16289,6 +15784,7 @@
                 <a:tc>
                   <a:txBody>
                     <a:bodyPr/>
+                    <a:lstStyle/>
                     <a:p>
                       <a:pPr indent="0" algn="ctr">
                         <a:buNone/>
@@ -16304,17 +15800,9 @@
                         </a:rPr>
                         <a:t>190</a:t>
                       </a:r>
-                      <a:endParaRPr lang="en-US" altLang="zh-CN" sz="1000" b="0">
-                        <a:solidFill>
-                          <a:srgbClr val="000000"/>
-                        </a:solidFill>
-                        <a:latin typeface="微软雅黑" panose="020B0503020204020204" pitchFamily="34" charset="-122"/>
-                        <a:ea typeface="微软雅黑" panose="020B0503020204020204" pitchFamily="34" charset="-122"/>
-                        <a:cs typeface="宋体" panose="02010600030101010101" pitchFamily="2" charset="-122"/>
-                      </a:endParaRPr>
                     </a:p>
                   </a:txBody>
-                  <a:tcPr marL="0" marR="0" marT="0" marB="0" vert="horz" anchor="ctr">
+                  <a:tcPr marL="0" marR="0" marT="0" marB="0" anchor="ctr">
                     <a:lnL w="15240" cap="flat" cmpd="sng">
                       <a:solidFill>
                         <a:srgbClr val="000000"/>
@@ -16359,6 +15847,7 @@
                 <a:tc>
                   <a:txBody>
                     <a:bodyPr/>
+                    <a:lstStyle/>
                     <a:p>
                       <a:pPr indent="0" algn="ctr">
                         <a:buNone/>
@@ -16374,17 +15863,9 @@
                         </a:rPr>
                         <a:t>开会说明接下来一周的计划与安排，后再安排工作表</a:t>
                       </a:r>
-                      <a:endParaRPr lang="zh-CN" altLang="en-US" sz="1000" b="0">
-                        <a:solidFill>
-                          <a:srgbClr val="000000"/>
-                        </a:solidFill>
-                        <a:latin typeface="微软雅黑" panose="020B0503020204020204" pitchFamily="34" charset="-122"/>
-                        <a:ea typeface="微软雅黑" panose="020B0503020204020204" pitchFamily="34" charset="-122"/>
-                        <a:cs typeface="宋体" panose="02010600030101010101" pitchFamily="2" charset="-122"/>
-                      </a:endParaRPr>
                     </a:p>
                   </a:txBody>
-                  <a:tcPr marL="0" marR="0" marT="0" marB="0" vert="horz" anchor="ctr">
+                  <a:tcPr marL="0" marR="0" marT="0" marB="0" anchor="ctr">
                     <a:lnL w="15240" cap="flat" cmpd="sng">
                       <a:solidFill>
                         <a:srgbClr val="000000"/>
@@ -16429,6 +15910,7 @@
                 <a:tc>
                   <a:txBody>
                     <a:bodyPr/>
+                    <a:lstStyle/>
                     <a:p>
                       <a:pPr indent="0" algn="ctr">
                         <a:buNone/>
@@ -16444,17 +15926,9 @@
                         </a:rPr>
                         <a:t>有</a:t>
                       </a:r>
-                      <a:endParaRPr lang="zh-CN" altLang="en-US" sz="1000" b="1">
-                        <a:solidFill>
-                          <a:srgbClr val="000000"/>
-                        </a:solidFill>
-                        <a:latin typeface="微软雅黑" panose="020B0503020204020204" pitchFamily="34" charset="-122"/>
-                        <a:ea typeface="微软雅黑" panose="020B0503020204020204" pitchFamily="34" charset="-122"/>
-                        <a:cs typeface="宋体" panose="02010600030101010101" pitchFamily="2" charset="-122"/>
-                      </a:endParaRPr>
                     </a:p>
                   </a:txBody>
-                  <a:tcPr marL="0" marR="0" marT="0" marB="0" vert="horz" anchor="ctr">
+                  <a:tcPr marL="0" marR="0" marT="0" marB="0" anchor="ctr">
                     <a:lnL w="15240" cap="flat" cmpd="sng">
                       <a:solidFill>
                         <a:srgbClr val="000000"/>
@@ -16499,6 +15973,7 @@
                 <a:tc>
                   <a:txBody>
                     <a:bodyPr/>
+                    <a:lstStyle/>
                     <a:p>
                       <a:pPr indent="0" algn="ctr">
                         <a:buNone/>
@@ -16514,17 +15989,9 @@
                         </a:rPr>
                         <a:t>无</a:t>
                       </a:r>
-                      <a:endParaRPr lang="zh-CN" altLang="en-US" sz="1000" b="1">
-                        <a:solidFill>
-                          <a:srgbClr val="000000"/>
-                        </a:solidFill>
-                        <a:latin typeface="微软雅黑" panose="020B0503020204020204" pitchFamily="34" charset="-122"/>
-                        <a:ea typeface="微软雅黑" panose="020B0503020204020204" pitchFamily="34" charset="-122"/>
-                        <a:cs typeface="宋体" panose="02010600030101010101" pitchFamily="2" charset="-122"/>
-                      </a:endParaRPr>
                     </a:p>
                   </a:txBody>
-                  <a:tcPr marL="0" marR="0" marT="0" marB="0" vert="horz" anchor="ctr">
+                  <a:tcPr marL="0" marR="0" marT="0" marB="0" anchor="ctr">
                     <a:lnL w="15240" cap="flat" cmpd="sng">
                       <a:solidFill>
                         <a:srgbClr val="000000"/>
@@ -16569,6 +16036,7 @@
                 <a:tc>
                   <a:txBody>
                     <a:bodyPr/>
+                    <a:lstStyle/>
                     <a:p>
                       <a:pPr indent="0" algn="ctr">
                         <a:buNone/>
@@ -16584,17 +16052,9 @@
                         </a:rPr>
                         <a:t>低</a:t>
                       </a:r>
-                      <a:endParaRPr lang="zh-CN" altLang="en-US" sz="1000" b="1">
-                        <a:solidFill>
-                          <a:srgbClr val="000000"/>
-                        </a:solidFill>
-                        <a:latin typeface="微软雅黑" panose="020B0503020204020204" pitchFamily="34" charset="-122"/>
-                        <a:ea typeface="微软雅黑" panose="020B0503020204020204" pitchFamily="34" charset="-122"/>
-                        <a:cs typeface="宋体" panose="02010600030101010101" pitchFamily="2" charset="-122"/>
-                      </a:endParaRPr>
                     </a:p>
                   </a:txBody>
-                  <a:tcPr marL="0" marR="0" marT="0" marB="0" vert="horz" anchor="ctr">
+                  <a:tcPr marL="0" marR="0" marT="0" marB="0" anchor="ctr">
                     <a:lnL w="15240" cap="flat" cmpd="sng">
                       <a:solidFill>
                         <a:srgbClr val="000000"/>
@@ -16641,6 +16101,7 @@
                 <a:tc rowSpan="4">
                   <a:txBody>
                     <a:bodyPr/>
+                    <a:lstStyle/>
                     <a:p>
                       <a:pPr indent="0" algn="ctr">
                         <a:buNone/>
@@ -16656,17 +16117,9 @@
                         </a:rPr>
                         <a:t>项目</a:t>
                       </a:r>
-                      <a:endParaRPr lang="zh-CN" altLang="en-US" sz="1000" b="1">
-                        <a:solidFill>
-                          <a:srgbClr val="000000"/>
-                        </a:solidFill>
-                        <a:latin typeface="微软雅黑" panose="020B0503020204020204" pitchFamily="34" charset="-122"/>
-                        <a:ea typeface="微软雅黑" panose="020B0503020204020204" pitchFamily="34" charset="-122"/>
-                        <a:cs typeface="宋体" panose="02010600030101010101" pitchFamily="2" charset="-122"/>
-                      </a:endParaRPr>
                     </a:p>
                   </a:txBody>
-                  <a:tcPr marL="0" marR="0" marT="0" marB="0" vert="horz" anchor="ctr">
+                  <a:tcPr marL="0" marR="0" marT="0" marB="0" anchor="ctr">
                     <a:lnL w="15240" cap="flat" cmpd="sng">
                       <a:solidFill>
                         <a:srgbClr val="000000"/>
@@ -16711,6 +16164,7 @@
                 <a:tc>
                   <a:txBody>
                     <a:bodyPr/>
+                    <a:lstStyle/>
                     <a:p>
                       <a:pPr indent="0" algn="ctr">
                         <a:buNone/>
@@ -16726,17 +16180,9 @@
                         </a:rPr>
                         <a:t>界面不被用户认可</a:t>
                       </a:r>
-                      <a:endParaRPr lang="zh-CN" altLang="en-US" sz="1000" b="0">
-                        <a:solidFill>
-                          <a:srgbClr val="000000"/>
-                        </a:solidFill>
-                        <a:latin typeface="微软雅黑" panose="020B0503020204020204" pitchFamily="34" charset="-122"/>
-                        <a:ea typeface="微软雅黑" panose="020B0503020204020204" pitchFamily="34" charset="-122"/>
-                        <a:cs typeface="宋体" panose="02010600030101010101" pitchFamily="2" charset="-122"/>
-                      </a:endParaRPr>
                     </a:p>
                   </a:txBody>
-                  <a:tcPr marL="0" marR="0" marT="0" marB="0" vert="horz" anchor="ctr">
+                  <a:tcPr marL="0" marR="0" marT="0" marB="0" anchor="ctr">
                     <a:lnL w="15240" cap="flat" cmpd="sng">
                       <a:solidFill>
                         <a:srgbClr val="000000"/>
@@ -16781,6 +16227,7 @@
                 <a:tc>
                   <a:txBody>
                     <a:bodyPr/>
+                    <a:lstStyle/>
                     <a:p>
                       <a:pPr indent="0" algn="ctr">
                         <a:buNone/>
@@ -16796,17 +16243,9 @@
                         </a:rPr>
                         <a:t>用户减少</a:t>
                       </a:r>
-                      <a:endParaRPr lang="zh-CN" altLang="en-US" sz="1000" b="0">
-                        <a:solidFill>
-                          <a:srgbClr val="000000"/>
-                        </a:solidFill>
-                        <a:latin typeface="微软雅黑" panose="020B0503020204020204" pitchFamily="34" charset="-122"/>
-                        <a:ea typeface="微软雅黑" panose="020B0503020204020204" pitchFamily="34" charset="-122"/>
-                        <a:cs typeface="宋体" panose="02010600030101010101" pitchFamily="2" charset="-122"/>
-                      </a:endParaRPr>
                     </a:p>
                   </a:txBody>
-                  <a:tcPr marL="0" marR="0" marT="0" marB="0" vert="horz" anchor="ctr">
+                  <a:tcPr marL="0" marR="0" marT="0" marB="0" anchor="ctr">
                     <a:lnL w="15240" cap="flat" cmpd="sng">
                       <a:solidFill>
                         <a:srgbClr val="000000"/>
@@ -16851,6 +16290,7 @@
                 <a:tc>
                   <a:txBody>
                     <a:bodyPr/>
+                    <a:lstStyle/>
                     <a:p>
                       <a:pPr indent="0" algn="ctr">
                         <a:buNone/>
@@ -16866,17 +16306,9 @@
                         </a:rPr>
                         <a:t>4</a:t>
                       </a:r>
-                      <a:endParaRPr lang="en-US" altLang="zh-CN" sz="1000" b="0">
-                        <a:solidFill>
-                          <a:srgbClr val="000000"/>
-                        </a:solidFill>
-                        <a:latin typeface="微软雅黑" panose="020B0503020204020204" pitchFamily="34" charset="-122"/>
-                        <a:ea typeface="微软雅黑" panose="020B0503020204020204" pitchFamily="34" charset="-122"/>
-                        <a:cs typeface="宋体" panose="02010600030101010101" pitchFamily="2" charset="-122"/>
-                      </a:endParaRPr>
                     </a:p>
                   </a:txBody>
-                  <a:tcPr marL="0" marR="0" marT="0" marB="0" vert="horz" anchor="ctr">
+                  <a:tcPr marL="0" marR="0" marT="0" marB="0" anchor="ctr">
                     <a:lnL w="15240" cap="flat" cmpd="sng">
                       <a:solidFill>
                         <a:srgbClr val="000000"/>
@@ -16921,6 +16353,7 @@
                 <a:tc>
                   <a:txBody>
                     <a:bodyPr/>
+                    <a:lstStyle/>
                     <a:p>
                       <a:pPr indent="0" algn="ctr">
                         <a:buNone/>
@@ -16936,17 +16369,9 @@
                         </a:rPr>
                         <a:t>5</a:t>
                       </a:r>
-                      <a:endParaRPr lang="en-US" altLang="zh-CN" sz="1000" b="0">
-                        <a:solidFill>
-                          <a:srgbClr val="000000"/>
-                        </a:solidFill>
-                        <a:latin typeface="微软雅黑" panose="020B0503020204020204" pitchFamily="34" charset="-122"/>
-                        <a:ea typeface="微软雅黑" panose="020B0503020204020204" pitchFamily="34" charset="-122"/>
-                        <a:cs typeface="宋体" panose="02010600030101010101" pitchFamily="2" charset="-122"/>
-                      </a:endParaRPr>
                     </a:p>
                   </a:txBody>
-                  <a:tcPr marL="0" marR="0" marT="0" marB="0" vert="horz" anchor="ctr">
+                  <a:tcPr marL="0" marR="0" marT="0" marB="0" anchor="ctr">
                     <a:lnL w="15240" cap="flat" cmpd="sng">
                       <a:solidFill>
                         <a:srgbClr val="000000"/>
@@ -16991,6 +16416,7 @@
                 <a:tc>
                   <a:txBody>
                     <a:bodyPr/>
+                    <a:lstStyle/>
                     <a:p>
                       <a:pPr indent="0" algn="ctr">
                         <a:buNone/>
@@ -17006,17 +16432,9 @@
                         </a:rPr>
                         <a:t>5</a:t>
                       </a:r>
-                      <a:endParaRPr lang="en-US" altLang="zh-CN" sz="1000" b="0">
-                        <a:solidFill>
-                          <a:srgbClr val="000000"/>
-                        </a:solidFill>
-                        <a:latin typeface="微软雅黑" panose="020B0503020204020204" pitchFamily="34" charset="-122"/>
-                        <a:ea typeface="微软雅黑" panose="020B0503020204020204" pitchFamily="34" charset="-122"/>
-                        <a:cs typeface="宋体" panose="02010600030101010101" pitchFamily="2" charset="-122"/>
-                      </a:endParaRPr>
                     </a:p>
                   </a:txBody>
-                  <a:tcPr marL="0" marR="0" marT="0" marB="0" vert="horz" anchor="ctr">
+                  <a:tcPr marL="0" marR="0" marT="0" marB="0" anchor="ctr">
                     <a:lnL w="15240" cap="flat" cmpd="sng">
                       <a:solidFill>
                         <a:srgbClr val="000000"/>
@@ -17061,6 +16479,7 @@
                 <a:tc>
                   <a:txBody>
                     <a:bodyPr/>
+                    <a:lstStyle/>
                     <a:p>
                       <a:pPr indent="0" algn="ctr">
                         <a:buNone/>
@@ -17076,17 +16495,9 @@
                         </a:rPr>
                         <a:t>100</a:t>
                       </a:r>
-                      <a:endParaRPr lang="en-US" altLang="zh-CN" sz="1000" b="0">
-                        <a:solidFill>
-                          <a:srgbClr val="000000"/>
-                        </a:solidFill>
-                        <a:latin typeface="微软雅黑" panose="020B0503020204020204" pitchFamily="34" charset="-122"/>
-                        <a:ea typeface="微软雅黑" panose="020B0503020204020204" pitchFamily="34" charset="-122"/>
-                        <a:cs typeface="宋体" panose="02010600030101010101" pitchFamily="2" charset="-122"/>
-                      </a:endParaRPr>
                     </a:p>
                   </a:txBody>
-                  <a:tcPr marL="0" marR="0" marT="0" marB="0" vert="horz" anchor="ctr">
+                  <a:tcPr marL="0" marR="0" marT="0" marB="0" anchor="ctr">
                     <a:lnL w="15240" cap="flat" cmpd="sng">
                       <a:solidFill>
                         <a:srgbClr val="000000"/>
@@ -17131,6 +16542,7 @@
                 <a:tc>
                   <a:txBody>
                     <a:bodyPr/>
+                    <a:lstStyle/>
                     <a:p>
                       <a:pPr indent="0" algn="ctr">
                         <a:buNone/>
@@ -17146,17 +16558,9 @@
                         </a:rPr>
                         <a:t>与多位不满意的用户进行沟通交流，然后进行总结修改</a:t>
                       </a:r>
-                      <a:endParaRPr lang="zh-CN" altLang="en-US" sz="1000" b="0">
-                        <a:solidFill>
-                          <a:srgbClr val="000000"/>
-                        </a:solidFill>
-                        <a:latin typeface="微软雅黑" panose="020B0503020204020204" pitchFamily="34" charset="-122"/>
-                        <a:ea typeface="微软雅黑" panose="020B0503020204020204" pitchFamily="34" charset="-122"/>
-                        <a:cs typeface="宋体" panose="02010600030101010101" pitchFamily="2" charset="-122"/>
-                      </a:endParaRPr>
                     </a:p>
                   </a:txBody>
-                  <a:tcPr marL="0" marR="0" marT="0" marB="0" vert="horz" anchor="ctr">
+                  <a:tcPr marL="0" marR="0" marT="0" marB="0" anchor="ctr">
                     <a:lnL w="15240" cap="flat" cmpd="sng">
                       <a:solidFill>
                         <a:srgbClr val="000000"/>
@@ -17201,6 +16605,7 @@
                 <a:tc>
                   <a:txBody>
                     <a:bodyPr/>
+                    <a:lstStyle/>
                     <a:p>
                       <a:pPr indent="0" algn="ctr">
                         <a:buNone/>
@@ -17216,17 +16621,9 @@
                         </a:rPr>
                         <a:t>有</a:t>
                       </a:r>
-                      <a:endParaRPr lang="zh-CN" altLang="en-US" sz="1000" b="1">
-                        <a:solidFill>
-                          <a:srgbClr val="000000"/>
-                        </a:solidFill>
-                        <a:latin typeface="微软雅黑" panose="020B0503020204020204" pitchFamily="34" charset="-122"/>
-                        <a:ea typeface="微软雅黑" panose="020B0503020204020204" pitchFamily="34" charset="-122"/>
-                        <a:cs typeface="宋体" panose="02010600030101010101" pitchFamily="2" charset="-122"/>
-                      </a:endParaRPr>
                     </a:p>
                   </a:txBody>
-                  <a:tcPr marL="0" marR="0" marT="0" marB="0" vert="horz" anchor="ctr">
+                  <a:tcPr marL="0" marR="0" marT="0" marB="0" anchor="ctr">
                     <a:lnL w="15240" cap="flat" cmpd="sng">
                       <a:solidFill>
                         <a:srgbClr val="000000"/>
@@ -17271,6 +16668,7 @@
                 <a:tc>
                   <a:txBody>
                     <a:bodyPr/>
+                    <a:lstStyle/>
                     <a:p>
                       <a:pPr indent="0" algn="ctr">
                         <a:buNone/>
@@ -17286,17 +16684,9 @@
                         </a:rPr>
                         <a:t>无</a:t>
                       </a:r>
-                      <a:endParaRPr lang="zh-CN" altLang="en-US" sz="1000" b="1">
-                        <a:solidFill>
-                          <a:srgbClr val="000000"/>
-                        </a:solidFill>
-                        <a:latin typeface="微软雅黑" panose="020B0503020204020204" pitchFamily="34" charset="-122"/>
-                        <a:ea typeface="微软雅黑" panose="020B0503020204020204" pitchFamily="34" charset="-122"/>
-                        <a:cs typeface="宋体" panose="02010600030101010101" pitchFamily="2" charset="-122"/>
-                      </a:endParaRPr>
                     </a:p>
                   </a:txBody>
-                  <a:tcPr marL="0" marR="0" marT="0" marB="0" vert="horz" anchor="ctr">
+                  <a:tcPr marL="0" marR="0" marT="0" marB="0" anchor="ctr">
                     <a:lnL w="15240" cap="flat" cmpd="sng">
                       <a:solidFill>
                         <a:srgbClr val="000000"/>
@@ -17341,6 +16731,7 @@
                 <a:tc>
                   <a:txBody>
                     <a:bodyPr/>
+                    <a:lstStyle/>
                     <a:p>
                       <a:pPr indent="0" algn="ctr">
                         <a:buNone/>
@@ -17356,17 +16747,9 @@
                         </a:rPr>
                         <a:t>低</a:t>
                       </a:r>
-                      <a:endParaRPr lang="zh-CN" altLang="en-US" sz="1000" b="1">
-                        <a:solidFill>
-                          <a:srgbClr val="000000"/>
-                        </a:solidFill>
-                        <a:latin typeface="微软雅黑" panose="020B0503020204020204" pitchFamily="34" charset="-122"/>
-                        <a:ea typeface="微软雅黑" panose="020B0503020204020204" pitchFamily="34" charset="-122"/>
-                        <a:cs typeface="宋体" panose="02010600030101010101" pitchFamily="2" charset="-122"/>
-                      </a:endParaRPr>
                     </a:p>
                   </a:txBody>
-                  <a:tcPr marL="0" marR="0" marT="0" marB="0" vert="horz" anchor="ctr">
+                  <a:tcPr marL="0" marR="0" marT="0" marB="0" anchor="ctr">
                     <a:lnL w="15240" cap="flat" cmpd="sng">
                       <a:solidFill>
                         <a:srgbClr val="000000"/>
@@ -17411,6 +16794,13 @@
               </a:tr>
               <a:tr h="459740">
                 <a:tc vMerge="1">
+                  <a:txBody>
+                    <a:bodyPr/>
+                    <a:lstStyle/>
+                    <a:p>
+                      <a:endParaRPr lang="zh-CN"/>
+                    </a:p>
+                  </a:txBody>
                   <a:tcPr>
                     <a:lnL w="15240" cap="flat" cmpd="sng">
                       <a:solidFill>
@@ -17433,6 +16823,7 @@
                 <a:tc>
                   <a:txBody>
                     <a:bodyPr/>
+                    <a:lstStyle/>
                     <a:p>
                       <a:pPr indent="0" algn="ctr">
                         <a:buNone/>
@@ -17448,17 +16839,9 @@
                         </a:rPr>
                         <a:t>搜索与识别功能在使用过程出现问题</a:t>
                       </a:r>
-                      <a:endParaRPr lang="zh-CN" altLang="en-US" sz="1000" b="0">
-                        <a:solidFill>
-                          <a:srgbClr val="000000"/>
-                        </a:solidFill>
-                        <a:latin typeface="微软雅黑" panose="020B0503020204020204" pitchFamily="34" charset="-122"/>
-                        <a:ea typeface="微软雅黑" panose="020B0503020204020204" pitchFamily="34" charset="-122"/>
-                        <a:cs typeface="宋体" panose="02010600030101010101" pitchFamily="2" charset="-122"/>
-                      </a:endParaRPr>
                     </a:p>
                   </a:txBody>
-                  <a:tcPr marL="0" marR="0" marT="0" marB="0" vert="horz" anchor="ctr">
+                  <a:tcPr marL="0" marR="0" marT="0" marB="0" anchor="ctr">
                     <a:lnL w="15240" cap="flat" cmpd="sng">
                       <a:solidFill>
                         <a:srgbClr val="000000"/>
@@ -17503,6 +16886,7 @@
                 <a:tc>
                   <a:txBody>
                     <a:bodyPr/>
+                    <a:lstStyle/>
                     <a:p>
                       <a:pPr indent="0" algn="ctr">
                         <a:buNone/>
@@ -17518,17 +16902,9 @@
                         </a:rPr>
                         <a:t>用户减少，不满意程度升高</a:t>
                       </a:r>
-                      <a:endParaRPr lang="zh-CN" altLang="en-US" sz="1000" b="0">
-                        <a:solidFill>
-                          <a:srgbClr val="000000"/>
-                        </a:solidFill>
-                        <a:latin typeface="微软雅黑" panose="020B0503020204020204" pitchFamily="34" charset="-122"/>
-                        <a:ea typeface="微软雅黑" panose="020B0503020204020204" pitchFamily="34" charset="-122"/>
-                        <a:cs typeface="宋体" panose="02010600030101010101" pitchFamily="2" charset="-122"/>
-                      </a:endParaRPr>
                     </a:p>
                   </a:txBody>
-                  <a:tcPr marL="0" marR="0" marT="0" marB="0" vert="horz" anchor="ctr">
+                  <a:tcPr marL="0" marR="0" marT="0" marB="0" anchor="ctr">
                     <a:lnL w="15240" cap="flat" cmpd="sng">
                       <a:solidFill>
                         <a:srgbClr val="000000"/>
@@ -17573,6 +16949,7 @@
                 <a:tc>
                   <a:txBody>
                     <a:bodyPr/>
+                    <a:lstStyle/>
                     <a:p>
                       <a:pPr indent="0" algn="ctr">
                         <a:buNone/>
@@ -17588,17 +16965,9 @@
                         </a:rPr>
                         <a:t>5</a:t>
                       </a:r>
-                      <a:endParaRPr lang="en-US" altLang="zh-CN" sz="1000" b="0">
-                        <a:solidFill>
-                          <a:srgbClr val="000000"/>
-                        </a:solidFill>
-                        <a:latin typeface="微软雅黑" panose="020B0503020204020204" pitchFamily="34" charset="-122"/>
-                        <a:ea typeface="微软雅黑" panose="020B0503020204020204" pitchFamily="34" charset="-122"/>
-                        <a:cs typeface="宋体" panose="02010600030101010101" pitchFamily="2" charset="-122"/>
-                      </a:endParaRPr>
                     </a:p>
                   </a:txBody>
-                  <a:tcPr marL="0" marR="0" marT="0" marB="0" vert="horz" anchor="ctr">
+                  <a:tcPr marL="0" marR="0" marT="0" marB="0" anchor="ctr">
                     <a:lnL w="15240" cap="flat" cmpd="sng">
                       <a:solidFill>
                         <a:srgbClr val="000000"/>
@@ -17643,6 +17012,7 @@
                 <a:tc>
                   <a:txBody>
                     <a:bodyPr/>
+                    <a:lstStyle/>
                     <a:p>
                       <a:pPr indent="0" algn="ctr">
                         <a:buNone/>
@@ -17658,17 +17028,9 @@
                         </a:rPr>
                         <a:t>9</a:t>
                       </a:r>
-                      <a:endParaRPr lang="en-US" altLang="zh-CN" sz="1000" b="0">
-                        <a:solidFill>
-                          <a:srgbClr val="000000"/>
-                        </a:solidFill>
-                        <a:latin typeface="微软雅黑" panose="020B0503020204020204" pitchFamily="34" charset="-122"/>
-                        <a:ea typeface="微软雅黑" panose="020B0503020204020204" pitchFamily="34" charset="-122"/>
-                        <a:cs typeface="宋体" panose="02010600030101010101" pitchFamily="2" charset="-122"/>
-                      </a:endParaRPr>
                     </a:p>
                   </a:txBody>
-                  <a:tcPr marL="0" marR="0" marT="0" marB="0" vert="horz" anchor="ctr">
+                  <a:tcPr marL="0" marR="0" marT="0" marB="0" anchor="ctr">
                     <a:lnL w="15240" cap="flat" cmpd="sng">
                       <a:solidFill>
                         <a:srgbClr val="000000"/>
@@ -17713,6 +17075,7 @@
                 <a:tc>
                   <a:txBody>
                     <a:bodyPr/>
+                    <a:lstStyle/>
                     <a:p>
                       <a:pPr indent="0" algn="ctr">
                         <a:buNone/>
@@ -17728,17 +17091,9 @@
                         </a:rPr>
                         <a:t>10</a:t>
                       </a:r>
-                      <a:endParaRPr lang="en-US" altLang="zh-CN" sz="1000" b="0">
-                        <a:solidFill>
-                          <a:srgbClr val="000000"/>
-                        </a:solidFill>
-                        <a:latin typeface="微软雅黑" panose="020B0503020204020204" pitchFamily="34" charset="-122"/>
-                        <a:ea typeface="微软雅黑" panose="020B0503020204020204" pitchFamily="34" charset="-122"/>
-                        <a:cs typeface="宋体" panose="02010600030101010101" pitchFamily="2" charset="-122"/>
-                      </a:endParaRPr>
                     </a:p>
                   </a:txBody>
-                  <a:tcPr marL="0" marR="0" marT="0" marB="0" vert="horz" anchor="ctr">
+                  <a:tcPr marL="0" marR="0" marT="0" marB="0" anchor="ctr">
                     <a:lnL w="15240" cap="flat" cmpd="sng">
                       <a:solidFill>
                         <a:srgbClr val="000000"/>
@@ -17783,6 +17138,7 @@
                 <a:tc>
                   <a:txBody>
                     <a:bodyPr/>
+                    <a:lstStyle/>
                     <a:p>
                       <a:pPr indent="0" algn="ctr">
                         <a:buNone/>
@@ -17798,17 +17154,9 @@
                         </a:rPr>
                         <a:t>230</a:t>
                       </a:r>
-                      <a:endParaRPr lang="en-US" altLang="zh-CN" sz="1000" b="0">
-                        <a:solidFill>
-                          <a:srgbClr val="000000"/>
-                        </a:solidFill>
-                        <a:latin typeface="微软雅黑" panose="020B0503020204020204" pitchFamily="34" charset="-122"/>
-                        <a:ea typeface="微软雅黑" panose="020B0503020204020204" pitchFamily="34" charset="-122"/>
-                        <a:cs typeface="宋体" panose="02010600030101010101" pitchFamily="2" charset="-122"/>
-                      </a:endParaRPr>
                     </a:p>
                   </a:txBody>
-                  <a:tcPr marL="0" marR="0" marT="0" marB="0" vert="horz" anchor="ctr">
+                  <a:tcPr marL="0" marR="0" marT="0" marB="0" anchor="ctr">
                     <a:lnL w="15240" cap="flat" cmpd="sng">
                       <a:solidFill>
                         <a:srgbClr val="000000"/>
@@ -17853,6 +17201,7 @@
                 <a:tc>
                   <a:txBody>
                     <a:bodyPr/>
+                    <a:lstStyle/>
                     <a:p>
                       <a:pPr indent="0" algn="ctr">
                         <a:buNone/>
@@ -17868,17 +17217,9 @@
                         </a:rPr>
                         <a:t>提前做好多次程序的测试与检测，如果突然出现问题，及时修改</a:t>
                       </a:r>
-                      <a:endParaRPr lang="zh-CN" altLang="en-US" sz="1000" b="0">
-                        <a:solidFill>
-                          <a:srgbClr val="000000"/>
-                        </a:solidFill>
-                        <a:latin typeface="微软雅黑" panose="020B0503020204020204" pitchFamily="34" charset="-122"/>
-                        <a:ea typeface="微软雅黑" panose="020B0503020204020204" pitchFamily="34" charset="-122"/>
-                        <a:cs typeface="宋体" panose="02010600030101010101" pitchFamily="2" charset="-122"/>
-                      </a:endParaRPr>
                     </a:p>
                   </a:txBody>
-                  <a:tcPr marL="0" marR="0" marT="0" marB="0" vert="horz" anchor="ctr">
+                  <a:tcPr marL="0" marR="0" marT="0" marB="0" anchor="ctr">
                     <a:lnL w="15240" cap="flat" cmpd="sng">
                       <a:solidFill>
                         <a:srgbClr val="000000"/>
@@ -17923,6 +17264,7 @@
                 <a:tc>
                   <a:txBody>
                     <a:bodyPr/>
+                    <a:lstStyle/>
                     <a:p>
                       <a:pPr indent="0" algn="ctr">
                         <a:buNone/>
@@ -17938,17 +17280,9 @@
                         </a:rPr>
                         <a:t>有</a:t>
                       </a:r>
-                      <a:endParaRPr lang="zh-CN" altLang="en-US" sz="1000" b="1">
-                        <a:solidFill>
-                          <a:srgbClr val="000000"/>
-                        </a:solidFill>
-                        <a:latin typeface="微软雅黑" panose="020B0503020204020204" pitchFamily="34" charset="-122"/>
-                        <a:ea typeface="微软雅黑" panose="020B0503020204020204" pitchFamily="34" charset="-122"/>
-                        <a:cs typeface="宋体" panose="02010600030101010101" pitchFamily="2" charset="-122"/>
-                      </a:endParaRPr>
                     </a:p>
                   </a:txBody>
-                  <a:tcPr marL="0" marR="0" marT="0" marB="0" vert="horz" anchor="ctr">
+                  <a:tcPr marL="0" marR="0" marT="0" marB="0" anchor="ctr">
                     <a:lnL w="15240" cap="flat" cmpd="sng">
                       <a:solidFill>
                         <a:srgbClr val="000000"/>
@@ -17993,6 +17327,7 @@
                 <a:tc>
                   <a:txBody>
                     <a:bodyPr/>
+                    <a:lstStyle/>
                     <a:p>
                       <a:pPr indent="0" algn="ctr">
                         <a:buNone/>
@@ -18008,17 +17343,9 @@
                         </a:rPr>
                         <a:t>无</a:t>
                       </a:r>
-                      <a:endParaRPr lang="zh-CN" altLang="en-US" sz="1000" b="1">
-                        <a:solidFill>
-                          <a:srgbClr val="000000"/>
-                        </a:solidFill>
-                        <a:latin typeface="微软雅黑" panose="020B0503020204020204" pitchFamily="34" charset="-122"/>
-                        <a:ea typeface="微软雅黑" panose="020B0503020204020204" pitchFamily="34" charset="-122"/>
-                        <a:cs typeface="宋体" panose="02010600030101010101" pitchFamily="2" charset="-122"/>
-                      </a:endParaRPr>
                     </a:p>
                   </a:txBody>
-                  <a:tcPr marL="0" marR="0" marT="0" marB="0" vert="horz" anchor="ctr">
+                  <a:tcPr marL="0" marR="0" marT="0" marB="0" anchor="ctr">
                     <a:lnL w="15240" cap="flat" cmpd="sng">
                       <a:solidFill>
                         <a:srgbClr val="000000"/>
@@ -18063,6 +17390,7 @@
                 <a:tc>
                   <a:txBody>
                     <a:bodyPr/>
+                    <a:lstStyle/>
                     <a:p>
                       <a:pPr indent="0" algn="ctr">
                         <a:buNone/>
@@ -18078,17 +17406,9 @@
                         </a:rPr>
                         <a:t>低</a:t>
                       </a:r>
-                      <a:endParaRPr lang="zh-CN" altLang="en-US" sz="1000" b="1">
-                        <a:solidFill>
-                          <a:srgbClr val="000000"/>
-                        </a:solidFill>
-                        <a:latin typeface="微软雅黑" panose="020B0503020204020204" pitchFamily="34" charset="-122"/>
-                        <a:ea typeface="微软雅黑" panose="020B0503020204020204" pitchFamily="34" charset="-122"/>
-                        <a:cs typeface="宋体" panose="02010600030101010101" pitchFamily="2" charset="-122"/>
-                      </a:endParaRPr>
                     </a:p>
                   </a:txBody>
-                  <a:tcPr marL="0" marR="0" marT="0" marB="0" vert="horz" anchor="ctr">
+                  <a:tcPr marL="0" marR="0" marT="0" marB="0" anchor="ctr">
                     <a:lnL w="15240" cap="flat" cmpd="sng">
                       <a:solidFill>
                         <a:srgbClr val="000000"/>
@@ -18133,6 +17453,13 @@
               </a:tr>
               <a:tr h="360045">
                 <a:tc vMerge="1">
+                  <a:txBody>
+                    <a:bodyPr/>
+                    <a:lstStyle/>
+                    <a:p>
+                      <a:endParaRPr lang="zh-CN"/>
+                    </a:p>
+                  </a:txBody>
                   <a:tcPr>
                     <a:lnL w="15240" cap="flat" cmpd="sng">
                       <a:solidFill>
@@ -18155,6 +17482,7 @@
                 <a:tc>
                   <a:txBody>
                     <a:bodyPr/>
+                    <a:lstStyle/>
                     <a:p>
                       <a:pPr indent="0" algn="ctr">
                         <a:buNone/>
@@ -18170,17 +17498,9 @@
                         </a:rPr>
                         <a:t>管理，开发，测试工具是否符合项目要求</a:t>
                       </a:r>
-                      <a:endParaRPr lang="zh-CN" altLang="en-US" sz="1000" b="0">
-                        <a:solidFill>
-                          <a:srgbClr val="000000"/>
-                        </a:solidFill>
-                        <a:latin typeface="微软雅黑" panose="020B0503020204020204" pitchFamily="34" charset="-122"/>
-                        <a:ea typeface="微软雅黑" panose="020B0503020204020204" pitchFamily="34" charset="-122"/>
-                        <a:cs typeface="宋体" panose="02010600030101010101" pitchFamily="2" charset="-122"/>
-                      </a:endParaRPr>
                     </a:p>
                   </a:txBody>
-                  <a:tcPr marL="0" marR="0" marT="0" marB="0" vert="horz" anchor="ctr">
+                  <a:tcPr marL="0" marR="0" marT="0" marB="0" anchor="ctr">
                     <a:lnL w="15240" cap="flat" cmpd="sng">
                       <a:solidFill>
                         <a:srgbClr val="000000"/>
@@ -18225,6 +17545,7 @@
                 <a:tc>
                   <a:txBody>
                     <a:bodyPr/>
+                    <a:lstStyle/>
                     <a:p>
                       <a:pPr indent="0" algn="ctr">
                         <a:buNone/>
@@ -18240,17 +17561,9 @@
                         </a:rPr>
                         <a:t>无法开发</a:t>
                       </a:r>
-                      <a:endParaRPr lang="zh-CN" altLang="en-US" sz="1000" b="0">
-                        <a:solidFill>
-                          <a:srgbClr val="000000"/>
-                        </a:solidFill>
-                        <a:latin typeface="微软雅黑" panose="020B0503020204020204" pitchFamily="34" charset="-122"/>
-                        <a:ea typeface="微软雅黑" panose="020B0503020204020204" pitchFamily="34" charset="-122"/>
-                        <a:cs typeface="宋体" panose="02010600030101010101" pitchFamily="2" charset="-122"/>
-                      </a:endParaRPr>
                     </a:p>
                   </a:txBody>
-                  <a:tcPr marL="0" marR="0" marT="0" marB="0" vert="horz" anchor="ctr">
+                  <a:tcPr marL="0" marR="0" marT="0" marB="0" anchor="ctr">
                     <a:lnL w="15240" cap="flat" cmpd="sng">
                       <a:solidFill>
                         <a:srgbClr val="000000"/>
@@ -18295,6 +17608,7 @@
                 <a:tc>
                   <a:txBody>
                     <a:bodyPr/>
+                    <a:lstStyle/>
                     <a:p>
                       <a:pPr indent="0" algn="ctr">
                         <a:buNone/>
@@ -18310,17 +17624,9 @@
                         </a:rPr>
                         <a:t>5</a:t>
                       </a:r>
-                      <a:endParaRPr lang="en-US" altLang="zh-CN" sz="1000" b="0">
-                        <a:solidFill>
-                          <a:srgbClr val="000000"/>
-                        </a:solidFill>
-                        <a:latin typeface="微软雅黑" panose="020B0503020204020204" pitchFamily="34" charset="-122"/>
-                        <a:ea typeface="微软雅黑" panose="020B0503020204020204" pitchFamily="34" charset="-122"/>
-                        <a:cs typeface="宋体" panose="02010600030101010101" pitchFamily="2" charset="-122"/>
-                      </a:endParaRPr>
                     </a:p>
                   </a:txBody>
-                  <a:tcPr marL="0" marR="0" marT="0" marB="0" vert="horz" anchor="ctr">
+                  <a:tcPr marL="0" marR="0" marT="0" marB="0" anchor="ctr">
                     <a:lnL w="15240" cap="flat" cmpd="sng">
                       <a:solidFill>
                         <a:srgbClr val="000000"/>
@@ -18365,6 +17671,7 @@
                 <a:tc>
                   <a:txBody>
                     <a:bodyPr/>
+                    <a:lstStyle/>
                     <a:p>
                       <a:pPr indent="0" algn="ctr">
                         <a:buNone/>
@@ -18380,17 +17687,9 @@
                         </a:rPr>
                         <a:t>10</a:t>
                       </a:r>
-                      <a:endParaRPr lang="en-US" altLang="zh-CN" sz="1000" b="0">
-                        <a:solidFill>
-                          <a:srgbClr val="000000"/>
-                        </a:solidFill>
-                        <a:latin typeface="微软雅黑" panose="020B0503020204020204" pitchFamily="34" charset="-122"/>
-                        <a:ea typeface="微软雅黑" panose="020B0503020204020204" pitchFamily="34" charset="-122"/>
-                        <a:cs typeface="宋体" panose="02010600030101010101" pitchFamily="2" charset="-122"/>
-                      </a:endParaRPr>
                     </a:p>
                   </a:txBody>
-                  <a:tcPr marL="0" marR="0" marT="0" marB="0" vert="horz" anchor="ctr">
+                  <a:tcPr marL="0" marR="0" marT="0" marB="0" anchor="ctr">
                     <a:lnL w="15240" cap="flat" cmpd="sng">
                       <a:solidFill>
                         <a:srgbClr val="000000"/>
@@ -18435,6 +17734,7 @@
                 <a:tc>
                   <a:txBody>
                     <a:bodyPr/>
+                    <a:lstStyle/>
                     <a:p>
                       <a:pPr indent="0" algn="ctr">
                         <a:buNone/>
@@ -18450,17 +17750,9 @@
                         </a:rPr>
                         <a:t>5</a:t>
                       </a:r>
-                      <a:endParaRPr lang="en-US" altLang="zh-CN" sz="1000" b="0">
-                        <a:solidFill>
-                          <a:srgbClr val="000000"/>
-                        </a:solidFill>
-                        <a:latin typeface="微软雅黑" panose="020B0503020204020204" pitchFamily="34" charset="-122"/>
-                        <a:ea typeface="微软雅黑" panose="020B0503020204020204" pitchFamily="34" charset="-122"/>
-                        <a:cs typeface="宋体" panose="02010600030101010101" pitchFamily="2" charset="-122"/>
-                      </a:endParaRPr>
                     </a:p>
                   </a:txBody>
-                  <a:tcPr marL="0" marR="0" marT="0" marB="0" vert="horz" anchor="ctr">
+                  <a:tcPr marL="0" marR="0" marT="0" marB="0" anchor="ctr">
                     <a:lnL w="15240" cap="flat" cmpd="sng">
                       <a:solidFill>
                         <a:srgbClr val="000000"/>
@@ -18505,6 +17797,7 @@
                 <a:tc>
                   <a:txBody>
                     <a:bodyPr/>
+                    <a:lstStyle/>
                     <a:p>
                       <a:pPr indent="0" algn="ctr">
                         <a:buNone/>
@@ -18520,17 +17813,9 @@
                         </a:rPr>
                         <a:t>250</a:t>
                       </a:r>
-                      <a:endParaRPr lang="en-US" altLang="zh-CN" sz="1000" b="0">
-                        <a:solidFill>
-                          <a:srgbClr val="000000"/>
-                        </a:solidFill>
-                        <a:latin typeface="微软雅黑" panose="020B0503020204020204" pitchFamily="34" charset="-122"/>
-                        <a:ea typeface="微软雅黑" panose="020B0503020204020204" pitchFamily="34" charset="-122"/>
-                        <a:cs typeface="宋体" panose="02010600030101010101" pitchFamily="2" charset="-122"/>
-                      </a:endParaRPr>
                     </a:p>
                   </a:txBody>
-                  <a:tcPr marL="0" marR="0" marT="0" marB="0" vert="horz" anchor="ctr">
+                  <a:tcPr marL="0" marR="0" marT="0" marB="0" anchor="ctr">
                     <a:lnL w="15240" cap="flat" cmpd="sng">
                       <a:solidFill>
                         <a:srgbClr val="000000"/>
@@ -18575,6 +17860,7 @@
                 <a:tc>
                   <a:txBody>
                     <a:bodyPr/>
+                    <a:lstStyle/>
                     <a:p>
                       <a:pPr indent="0" algn="ctr">
                         <a:buNone/>
@@ -18590,17 +17876,9 @@
                         </a:rPr>
                         <a:t>项目启动阶段就要落实好工具的问题</a:t>
                       </a:r>
-                      <a:endParaRPr lang="zh-CN" altLang="en-US" sz="1000" b="0">
-                        <a:solidFill>
-                          <a:srgbClr val="000000"/>
-                        </a:solidFill>
-                        <a:latin typeface="微软雅黑" panose="020B0503020204020204" pitchFamily="34" charset="-122"/>
-                        <a:ea typeface="微软雅黑" panose="020B0503020204020204" pitchFamily="34" charset="-122"/>
-                        <a:cs typeface="宋体" panose="02010600030101010101" pitchFamily="2" charset="-122"/>
-                      </a:endParaRPr>
                     </a:p>
                   </a:txBody>
-                  <a:tcPr marL="0" marR="0" marT="0" marB="0" vert="horz" anchor="ctr">
+                  <a:tcPr marL="0" marR="0" marT="0" marB="0" anchor="ctr">
                     <a:lnL w="15240" cap="flat" cmpd="sng">
                       <a:solidFill>
                         <a:srgbClr val="000000"/>
@@ -18645,6 +17923,7 @@
                 <a:tc>
                   <a:txBody>
                     <a:bodyPr/>
+                    <a:lstStyle/>
                     <a:p>
                       <a:pPr indent="0" algn="ctr">
                         <a:buNone/>
@@ -18660,17 +17939,9 @@
                         </a:rPr>
                         <a:t>有</a:t>
                       </a:r>
-                      <a:endParaRPr lang="zh-CN" altLang="en-US" sz="1000" b="1">
-                        <a:solidFill>
-                          <a:srgbClr val="000000"/>
-                        </a:solidFill>
-                        <a:latin typeface="微软雅黑" panose="020B0503020204020204" pitchFamily="34" charset="-122"/>
-                        <a:ea typeface="微软雅黑" panose="020B0503020204020204" pitchFamily="34" charset="-122"/>
-                        <a:cs typeface="宋体" panose="02010600030101010101" pitchFamily="2" charset="-122"/>
-                      </a:endParaRPr>
                     </a:p>
                   </a:txBody>
-                  <a:tcPr marL="0" marR="0" marT="0" marB="0" vert="horz" anchor="ctr">
+                  <a:tcPr marL="0" marR="0" marT="0" marB="0" anchor="ctr">
                     <a:lnL w="15240" cap="flat" cmpd="sng">
                       <a:solidFill>
                         <a:srgbClr val="000000"/>
@@ -18715,6 +17986,7 @@
                 <a:tc>
                   <a:txBody>
                     <a:bodyPr/>
+                    <a:lstStyle/>
                     <a:p>
                       <a:pPr indent="0" algn="ctr">
                         <a:buNone/>
@@ -18730,17 +18002,9 @@
                         </a:rPr>
                         <a:t>无</a:t>
                       </a:r>
-                      <a:endParaRPr lang="zh-CN" altLang="en-US" sz="1000" b="1">
-                        <a:solidFill>
-                          <a:srgbClr val="000000"/>
-                        </a:solidFill>
-                        <a:latin typeface="微软雅黑" panose="020B0503020204020204" pitchFamily="34" charset="-122"/>
-                        <a:ea typeface="微软雅黑" panose="020B0503020204020204" pitchFamily="34" charset="-122"/>
-                        <a:cs typeface="宋体" panose="02010600030101010101" pitchFamily="2" charset="-122"/>
-                      </a:endParaRPr>
                     </a:p>
                   </a:txBody>
-                  <a:tcPr marL="0" marR="0" marT="0" marB="0" vert="horz" anchor="ctr">
+                  <a:tcPr marL="0" marR="0" marT="0" marB="0" anchor="ctr">
                     <a:lnL w="15240" cap="flat" cmpd="sng">
                       <a:solidFill>
                         <a:srgbClr val="000000"/>
@@ -18785,6 +18049,7 @@
                 <a:tc>
                   <a:txBody>
                     <a:bodyPr/>
+                    <a:lstStyle/>
                     <a:p>
                       <a:pPr indent="0" algn="ctr">
                         <a:buNone/>
@@ -18800,17 +18065,9 @@
                         </a:rPr>
                         <a:t>中</a:t>
                       </a:r>
-                      <a:endParaRPr lang="zh-CN" altLang="en-US" sz="1000" b="1">
-                        <a:solidFill>
-                          <a:srgbClr val="000000"/>
-                        </a:solidFill>
-                        <a:latin typeface="微软雅黑" panose="020B0503020204020204" pitchFamily="34" charset="-122"/>
-                        <a:ea typeface="微软雅黑" panose="020B0503020204020204" pitchFamily="34" charset="-122"/>
-                        <a:cs typeface="宋体" panose="02010600030101010101" pitchFamily="2" charset="-122"/>
-                      </a:endParaRPr>
                     </a:p>
                   </a:txBody>
-                  <a:tcPr marL="0" marR="0" marT="0" marB="0" vert="horz" anchor="ctr">
+                  <a:tcPr marL="0" marR="0" marT="0" marB="0" anchor="ctr">
                     <a:lnL w="15240" cap="flat" cmpd="sng">
                       <a:solidFill>
                         <a:srgbClr val="000000"/>
@@ -18855,6 +18112,13 @@
               </a:tr>
               <a:tr h="360045">
                 <a:tc vMerge="1">
+                  <a:txBody>
+                    <a:bodyPr/>
+                    <a:lstStyle/>
+                    <a:p>
+                      <a:endParaRPr lang="zh-CN"/>
+                    </a:p>
+                  </a:txBody>
                   <a:tcPr>
                     <a:lnL w="15240" cap="flat" cmpd="sng">
                       <a:solidFill>
@@ -18885,6 +18149,7 @@
                 <a:tc>
                   <a:txBody>
                     <a:bodyPr/>
+                    <a:lstStyle/>
                     <a:p>
                       <a:pPr indent="0" algn="ctr">
                         <a:buNone/>
@@ -18900,17 +18165,9 @@
                         </a:rPr>
                         <a:t>电脑出错，导致文件丢失</a:t>
                       </a:r>
-                      <a:endParaRPr lang="zh-CN" altLang="en-US" sz="1000" b="0">
-                        <a:solidFill>
-                          <a:srgbClr val="000000"/>
-                        </a:solidFill>
-                        <a:latin typeface="微软雅黑" panose="020B0503020204020204" pitchFamily="34" charset="-122"/>
-                        <a:ea typeface="微软雅黑" panose="020B0503020204020204" pitchFamily="34" charset="-122"/>
-                        <a:cs typeface="宋体" panose="02010600030101010101" pitchFamily="2" charset="-122"/>
-                      </a:endParaRPr>
                     </a:p>
                   </a:txBody>
-                  <a:tcPr marL="0" marR="0" marT="0" marB="0" vert="horz" anchor="ctr">
+                  <a:tcPr marL="0" marR="0" marT="0" marB="0" anchor="ctr">
                     <a:lnL w="15240" cap="flat" cmpd="sng">
                       <a:solidFill>
                         <a:srgbClr val="000000"/>
@@ -18955,6 +18212,7 @@
                 <a:tc>
                   <a:txBody>
                     <a:bodyPr/>
+                    <a:lstStyle/>
                     <a:p>
                       <a:pPr indent="0" algn="ctr">
                         <a:buNone/>
@@ -18970,17 +18228,9 @@
                         </a:rPr>
                         <a:t>开发重新开始</a:t>
                       </a:r>
-                      <a:endParaRPr lang="zh-CN" altLang="en-US" sz="1000" b="0">
-                        <a:solidFill>
-                          <a:srgbClr val="000000"/>
-                        </a:solidFill>
-                        <a:latin typeface="微软雅黑" panose="020B0503020204020204" pitchFamily="34" charset="-122"/>
-                        <a:ea typeface="微软雅黑" panose="020B0503020204020204" pitchFamily="34" charset="-122"/>
-                        <a:cs typeface="宋体" panose="02010600030101010101" pitchFamily="2" charset="-122"/>
-                      </a:endParaRPr>
                     </a:p>
                   </a:txBody>
-                  <a:tcPr marL="0" marR="0" marT="0" marB="0" vert="horz" anchor="ctr">
+                  <a:tcPr marL="0" marR="0" marT="0" marB="0" anchor="ctr">
                     <a:lnL w="15240" cap="flat" cmpd="sng">
                       <a:solidFill>
                         <a:srgbClr val="000000"/>
@@ -19025,6 +18275,7 @@
                 <a:tc>
                   <a:txBody>
                     <a:bodyPr/>
+                    <a:lstStyle/>
                     <a:p>
                       <a:pPr indent="0" algn="ctr">
                         <a:buNone/>
@@ -19040,17 +18291,9 @@
                         </a:rPr>
                         <a:t>4</a:t>
                       </a:r>
-                      <a:endParaRPr lang="en-US" altLang="zh-CN" sz="1000" b="0">
-                        <a:solidFill>
-                          <a:srgbClr val="000000"/>
-                        </a:solidFill>
-                        <a:latin typeface="微软雅黑" panose="020B0503020204020204" pitchFamily="34" charset="-122"/>
-                        <a:ea typeface="微软雅黑" panose="020B0503020204020204" pitchFamily="34" charset="-122"/>
-                        <a:cs typeface="宋体" panose="02010600030101010101" pitchFamily="2" charset="-122"/>
-                      </a:endParaRPr>
                     </a:p>
                   </a:txBody>
-                  <a:tcPr marL="0" marR="0" marT="0" marB="0" vert="horz" anchor="ctr">
+                  <a:tcPr marL="0" marR="0" marT="0" marB="0" anchor="ctr">
                     <a:lnL w="15240" cap="flat" cmpd="sng">
                       <a:solidFill>
                         <a:srgbClr val="000000"/>
@@ -19095,6 +18338,7 @@
                 <a:tc>
                   <a:txBody>
                     <a:bodyPr/>
+                    <a:lstStyle/>
                     <a:p>
                       <a:pPr indent="0" algn="ctr">
                         <a:buNone/>
@@ -19110,17 +18354,9 @@
                         </a:rPr>
                         <a:t>8</a:t>
                       </a:r>
-                      <a:endParaRPr lang="en-US" altLang="zh-CN" sz="1000" b="0">
-                        <a:solidFill>
-                          <a:srgbClr val="000000"/>
-                        </a:solidFill>
-                        <a:latin typeface="微软雅黑" panose="020B0503020204020204" pitchFamily="34" charset="-122"/>
-                        <a:ea typeface="微软雅黑" panose="020B0503020204020204" pitchFamily="34" charset="-122"/>
-                        <a:cs typeface="宋体" panose="02010600030101010101" pitchFamily="2" charset="-122"/>
-                      </a:endParaRPr>
                     </a:p>
                   </a:txBody>
-                  <a:tcPr marL="0" marR="0" marT="0" marB="0" vert="horz" anchor="ctr">
+                  <a:tcPr marL="0" marR="0" marT="0" marB="0" anchor="ctr">
                     <a:lnL w="15240" cap="flat" cmpd="sng">
                       <a:solidFill>
                         <a:srgbClr val="000000"/>
@@ -19165,6 +18401,7 @@
                 <a:tc>
                   <a:txBody>
                     <a:bodyPr/>
+                    <a:lstStyle/>
                     <a:p>
                       <a:pPr indent="0" algn="ctr">
                         <a:buNone/>
@@ -19180,17 +18417,9 @@
                         </a:rPr>
                         <a:t>5</a:t>
                       </a:r>
-                      <a:endParaRPr lang="en-US" altLang="zh-CN" sz="1000" b="0">
-                        <a:solidFill>
-                          <a:srgbClr val="000000"/>
-                        </a:solidFill>
-                        <a:latin typeface="微软雅黑" panose="020B0503020204020204" pitchFamily="34" charset="-122"/>
-                        <a:ea typeface="微软雅黑" panose="020B0503020204020204" pitchFamily="34" charset="-122"/>
-                        <a:cs typeface="宋体" panose="02010600030101010101" pitchFamily="2" charset="-122"/>
-                      </a:endParaRPr>
                     </a:p>
                   </a:txBody>
-                  <a:tcPr marL="0" marR="0" marT="0" marB="0" vert="horz" anchor="ctr">
+                  <a:tcPr marL="0" marR="0" marT="0" marB="0" anchor="ctr">
                     <a:lnL w="15240" cap="flat" cmpd="sng">
                       <a:solidFill>
                         <a:srgbClr val="000000"/>
@@ -19235,6 +18464,7 @@
                 <a:tc>
                   <a:txBody>
                     <a:bodyPr/>
+                    <a:lstStyle/>
                     <a:p>
                       <a:pPr indent="0" algn="ctr">
                         <a:buNone/>
@@ -19250,17 +18480,9 @@
                         </a:rPr>
                         <a:t>160</a:t>
                       </a:r>
-                      <a:endParaRPr lang="en-US" altLang="zh-CN" sz="1000" b="0">
-                        <a:solidFill>
-                          <a:srgbClr val="000000"/>
-                        </a:solidFill>
-                        <a:latin typeface="微软雅黑" panose="020B0503020204020204" pitchFamily="34" charset="-122"/>
-                        <a:ea typeface="微软雅黑" panose="020B0503020204020204" pitchFamily="34" charset="-122"/>
-                        <a:cs typeface="宋体" panose="02010600030101010101" pitchFamily="2" charset="-122"/>
-                      </a:endParaRPr>
                     </a:p>
                   </a:txBody>
-                  <a:tcPr marL="0" marR="0" marT="0" marB="0" vert="horz" anchor="ctr">
+                  <a:tcPr marL="0" marR="0" marT="0" marB="0" anchor="ctr">
                     <a:lnL w="15240" cap="flat" cmpd="sng">
                       <a:solidFill>
                         <a:srgbClr val="000000"/>
@@ -19305,6 +18527,7 @@
                 <a:tc>
                   <a:txBody>
                     <a:bodyPr/>
+                    <a:lstStyle/>
                     <a:p>
                       <a:pPr indent="0" algn="ctr">
                         <a:buNone/>
@@ -19342,17 +18565,9 @@
                         </a:rPr>
                         <a:t>等工具</a:t>
                       </a:r>
-                      <a:endParaRPr lang="zh-CN" altLang="en-US" sz="1000" b="0">
-                        <a:solidFill>
-                          <a:srgbClr val="000000"/>
-                        </a:solidFill>
-                        <a:latin typeface="微软雅黑" panose="020B0503020204020204" pitchFamily="34" charset="-122"/>
-                        <a:ea typeface="微软雅黑" panose="020B0503020204020204" pitchFamily="34" charset="-122"/>
-                        <a:cs typeface="宋体" panose="02010600030101010101" pitchFamily="2" charset="-122"/>
-                      </a:endParaRPr>
                     </a:p>
                   </a:txBody>
-                  <a:tcPr marL="0" marR="0" marT="0" marB="0" vert="horz" anchor="ctr">
+                  <a:tcPr marL="0" marR="0" marT="0" marB="0" anchor="ctr">
                     <a:lnL w="15240" cap="flat" cmpd="sng">
                       <a:solidFill>
                         <a:srgbClr val="000000"/>
@@ -19397,6 +18612,7 @@
                 <a:tc>
                   <a:txBody>
                     <a:bodyPr/>
+                    <a:lstStyle/>
                     <a:p>
                       <a:pPr indent="0" algn="ctr">
                         <a:buNone/>
@@ -19412,17 +18628,9 @@
                         </a:rPr>
                         <a:t>有</a:t>
                       </a:r>
-                      <a:endParaRPr lang="zh-CN" altLang="en-US" sz="1000" b="1">
-                        <a:solidFill>
-                          <a:srgbClr val="000000"/>
-                        </a:solidFill>
-                        <a:latin typeface="微软雅黑" panose="020B0503020204020204" pitchFamily="34" charset="-122"/>
-                        <a:ea typeface="微软雅黑" panose="020B0503020204020204" pitchFamily="34" charset="-122"/>
-                        <a:cs typeface="宋体" panose="02010600030101010101" pitchFamily="2" charset="-122"/>
-                      </a:endParaRPr>
                     </a:p>
                   </a:txBody>
-                  <a:tcPr marL="0" marR="0" marT="0" marB="0" vert="horz" anchor="ctr">
+                  <a:tcPr marL="0" marR="0" marT="0" marB="0" anchor="ctr">
                     <a:lnL w="15240" cap="flat" cmpd="sng">
                       <a:solidFill>
                         <a:srgbClr val="000000"/>
@@ -19467,6 +18675,7 @@
                 <a:tc>
                   <a:txBody>
                     <a:bodyPr/>
+                    <a:lstStyle/>
                     <a:p>
                       <a:pPr indent="0" algn="ctr">
                         <a:buNone/>
@@ -19482,17 +18691,9 @@
                         </a:rPr>
                         <a:t>无</a:t>
                       </a:r>
-                      <a:endParaRPr lang="zh-CN" altLang="en-US" sz="1000" b="1">
-                        <a:solidFill>
-                          <a:srgbClr val="000000"/>
-                        </a:solidFill>
-                        <a:latin typeface="微软雅黑" panose="020B0503020204020204" pitchFamily="34" charset="-122"/>
-                        <a:ea typeface="微软雅黑" panose="020B0503020204020204" pitchFamily="34" charset="-122"/>
-                        <a:cs typeface="宋体" panose="02010600030101010101" pitchFamily="2" charset="-122"/>
-                      </a:endParaRPr>
                     </a:p>
                   </a:txBody>
-                  <a:tcPr marL="0" marR="0" marT="0" marB="0" vert="horz" anchor="ctr">
+                  <a:tcPr marL="0" marR="0" marT="0" marB="0" anchor="ctr">
                     <a:lnL w="15240" cap="flat" cmpd="sng">
                       <a:solidFill>
                         <a:srgbClr val="000000"/>
@@ -19537,6 +18738,7 @@
                 <a:tc>
                   <a:txBody>
                     <a:bodyPr/>
+                    <a:lstStyle/>
                     <a:p>
                       <a:pPr indent="0" algn="ctr">
                         <a:buNone/>
@@ -19552,17 +18754,9 @@
                         </a:rPr>
                         <a:t>低</a:t>
                       </a:r>
-                      <a:endParaRPr lang="zh-CN" altLang="en-US" sz="1000" b="1">
-                        <a:solidFill>
-                          <a:srgbClr val="000000"/>
-                        </a:solidFill>
-                        <a:latin typeface="微软雅黑" panose="020B0503020204020204" pitchFamily="34" charset="-122"/>
-                        <a:ea typeface="微软雅黑" panose="020B0503020204020204" pitchFamily="34" charset="-122"/>
-                        <a:cs typeface="宋体" panose="02010600030101010101" pitchFamily="2" charset="-122"/>
-                      </a:endParaRPr>
                     </a:p>
                   </a:txBody>
-                  <a:tcPr marL="0" marR="0" marT="0" marB="0" vert="horz" anchor="ctr">
+                  <a:tcPr marL="0" marR="0" marT="0" marB="0" anchor="ctr">
                     <a:lnL w="15240" cap="flat" cmpd="sng">
                       <a:solidFill>
                         <a:srgbClr val="000000"/>
@@ -19609,6 +18803,7 @@
                 <a:tc rowSpan="2">
                   <a:txBody>
                     <a:bodyPr/>
+                    <a:lstStyle/>
                     <a:p>
                       <a:pPr indent="0" algn="ctr">
                         <a:buNone/>
@@ -19624,17 +18819,9 @@
                         </a:rPr>
                         <a:t>考评</a:t>
                       </a:r>
-                      <a:endParaRPr lang="zh-CN" altLang="en-US" sz="1000" b="1">
-                        <a:solidFill>
-                          <a:srgbClr val="000000"/>
-                        </a:solidFill>
-                        <a:latin typeface="微软雅黑" panose="020B0503020204020204" pitchFamily="34" charset="-122"/>
-                        <a:ea typeface="微软雅黑" panose="020B0503020204020204" pitchFamily="34" charset="-122"/>
-                        <a:cs typeface="宋体" panose="02010600030101010101" pitchFamily="2" charset="-122"/>
-                      </a:endParaRPr>
                     </a:p>
                   </a:txBody>
-                  <a:tcPr marL="0" marR="0" marT="0" marB="0" vert="horz" anchor="ctr">
+                  <a:tcPr marL="0" marR="0" marT="0" marB="0" anchor="ctr">
                     <a:lnL w="15240" cap="flat" cmpd="sng">
                       <a:solidFill>
                         <a:srgbClr val="000000"/>
@@ -19679,6 +18866,7 @@
                 <a:tc>
                   <a:txBody>
                     <a:bodyPr/>
+                    <a:lstStyle/>
                     <a:p>
                       <a:pPr indent="0" algn="ctr">
                         <a:buNone/>
@@ -19694,17 +18882,9 @@
                         </a:rPr>
                         <a:t>组员对自己的评分不满意</a:t>
                       </a:r>
-                      <a:endParaRPr lang="zh-CN" altLang="en-US" sz="1000" b="0">
-                        <a:solidFill>
-                          <a:srgbClr val="000000"/>
-                        </a:solidFill>
-                        <a:latin typeface="微软雅黑" panose="020B0503020204020204" pitchFamily="34" charset="-122"/>
-                        <a:ea typeface="微软雅黑" panose="020B0503020204020204" pitchFamily="34" charset="-122"/>
-                        <a:cs typeface="宋体" panose="02010600030101010101" pitchFamily="2" charset="-122"/>
-                      </a:endParaRPr>
                     </a:p>
                   </a:txBody>
-                  <a:tcPr marL="0" marR="0" marT="0" marB="0" vert="horz" anchor="ctr">
+                  <a:tcPr marL="0" marR="0" marT="0" marB="0" anchor="ctr">
                     <a:lnL w="15240" cap="flat" cmpd="sng">
                       <a:solidFill>
                         <a:srgbClr val="000000"/>
@@ -19749,6 +18929,7 @@
                 <a:tc>
                   <a:txBody>
                     <a:bodyPr/>
+                    <a:lstStyle/>
                     <a:p>
                       <a:pPr indent="0" algn="ctr">
                         <a:buNone/>
@@ -19764,17 +18945,9 @@
                         </a:rPr>
                         <a:t>组员会产生低落情绪，工作积极性降低</a:t>
                       </a:r>
-                      <a:endParaRPr lang="zh-CN" altLang="en-US" sz="1000" b="0">
-                        <a:solidFill>
-                          <a:srgbClr val="000000"/>
-                        </a:solidFill>
-                        <a:latin typeface="微软雅黑" panose="020B0503020204020204" pitchFamily="34" charset="-122"/>
-                        <a:ea typeface="微软雅黑" panose="020B0503020204020204" pitchFamily="34" charset="-122"/>
-                        <a:cs typeface="宋体" panose="02010600030101010101" pitchFamily="2" charset="-122"/>
-                      </a:endParaRPr>
                     </a:p>
                   </a:txBody>
-                  <a:tcPr marL="0" marR="0" marT="0" marB="0" vert="horz" anchor="ctr">
+                  <a:tcPr marL="0" marR="0" marT="0" marB="0" anchor="ctr">
                     <a:lnL w="15240" cap="flat" cmpd="sng">
                       <a:solidFill>
                         <a:srgbClr val="000000"/>
@@ -19819,6 +18992,7 @@
                 <a:tc>
                   <a:txBody>
                     <a:bodyPr/>
+                    <a:lstStyle/>
                     <a:p>
                       <a:pPr indent="0" algn="ctr">
                         <a:buNone/>
@@ -19834,17 +19008,9 @@
                         </a:rPr>
                         <a:t>6</a:t>
                       </a:r>
-                      <a:endParaRPr lang="en-US" altLang="zh-CN" sz="1000" b="0">
-                        <a:solidFill>
-                          <a:srgbClr val="000000"/>
-                        </a:solidFill>
-                        <a:latin typeface="微软雅黑" panose="020B0503020204020204" pitchFamily="34" charset="-122"/>
-                        <a:ea typeface="微软雅黑" panose="020B0503020204020204" pitchFamily="34" charset="-122"/>
-                        <a:cs typeface="宋体" panose="02010600030101010101" pitchFamily="2" charset="-122"/>
-                      </a:endParaRPr>
                     </a:p>
                   </a:txBody>
-                  <a:tcPr marL="0" marR="0" marT="0" marB="0" vert="horz" anchor="ctr">
+                  <a:tcPr marL="0" marR="0" marT="0" marB="0" anchor="ctr">
                     <a:lnL w="15240" cap="flat" cmpd="sng">
                       <a:solidFill>
                         <a:srgbClr val="000000"/>
@@ -19889,6 +19055,7 @@
                 <a:tc>
                   <a:txBody>
                     <a:bodyPr/>
+                    <a:lstStyle/>
                     <a:p>
                       <a:pPr indent="0" algn="ctr">
                         <a:buNone/>
@@ -19904,17 +19071,9 @@
                         </a:rPr>
                         <a:t>9</a:t>
                       </a:r>
-                      <a:endParaRPr lang="en-US" altLang="zh-CN" sz="1000" b="0">
-                        <a:solidFill>
-                          <a:srgbClr val="000000"/>
-                        </a:solidFill>
-                        <a:latin typeface="微软雅黑" panose="020B0503020204020204" pitchFamily="34" charset="-122"/>
-                        <a:ea typeface="微软雅黑" panose="020B0503020204020204" pitchFamily="34" charset="-122"/>
-                        <a:cs typeface="宋体" panose="02010600030101010101" pitchFamily="2" charset="-122"/>
-                      </a:endParaRPr>
                     </a:p>
                   </a:txBody>
-                  <a:tcPr marL="0" marR="0" marT="0" marB="0" vert="horz" anchor="ctr">
+                  <a:tcPr marL="0" marR="0" marT="0" marB="0" anchor="ctr">
                     <a:lnL w="15240" cap="flat" cmpd="sng">
                       <a:solidFill>
                         <a:srgbClr val="000000"/>
@@ -19959,6 +19118,7 @@
                 <a:tc>
                   <a:txBody>
                     <a:bodyPr/>
+                    <a:lstStyle/>
                     <a:p>
                       <a:pPr indent="0" algn="ctr">
                         <a:buNone/>
@@ -19974,17 +19134,9 @@
                         </a:rPr>
                         <a:t>4</a:t>
                       </a:r>
-                      <a:endParaRPr lang="en-US" altLang="zh-CN" sz="1000" b="0">
-                        <a:solidFill>
-                          <a:srgbClr val="000000"/>
-                        </a:solidFill>
-                        <a:latin typeface="微软雅黑" panose="020B0503020204020204" pitchFamily="34" charset="-122"/>
-                        <a:ea typeface="微软雅黑" panose="020B0503020204020204" pitchFamily="34" charset="-122"/>
-                        <a:cs typeface="宋体" panose="02010600030101010101" pitchFamily="2" charset="-122"/>
-                      </a:endParaRPr>
                     </a:p>
                   </a:txBody>
-                  <a:tcPr marL="0" marR="0" marT="0" marB="0" vert="horz" anchor="ctr">
+                  <a:tcPr marL="0" marR="0" marT="0" marB="0" anchor="ctr">
                     <a:lnL w="15240" cap="flat" cmpd="sng">
                       <a:solidFill>
                         <a:srgbClr val="000000"/>
@@ -20029,6 +19181,7 @@
                 <a:tc>
                   <a:txBody>
                     <a:bodyPr/>
+                    <a:lstStyle/>
                     <a:p>
                       <a:pPr indent="0" algn="ctr">
                         <a:buNone/>
@@ -20044,17 +19197,9 @@
                         </a:rPr>
                         <a:t>216</a:t>
                       </a:r>
-                      <a:endParaRPr lang="en-US" altLang="zh-CN" sz="1000" b="0">
-                        <a:solidFill>
-                          <a:srgbClr val="000000"/>
-                        </a:solidFill>
-                        <a:latin typeface="微软雅黑" panose="020B0503020204020204" pitchFamily="34" charset="-122"/>
-                        <a:ea typeface="微软雅黑" panose="020B0503020204020204" pitchFamily="34" charset="-122"/>
-                        <a:cs typeface="宋体" panose="02010600030101010101" pitchFamily="2" charset="-122"/>
-                      </a:endParaRPr>
                     </a:p>
                   </a:txBody>
-                  <a:tcPr marL="0" marR="0" marT="0" marB="0" vert="horz" anchor="ctr">
+                  <a:tcPr marL="0" marR="0" marT="0" marB="0" anchor="ctr">
                     <a:lnL w="15240" cap="flat" cmpd="sng">
                       <a:solidFill>
                         <a:srgbClr val="000000"/>
@@ -20099,6 +19244,7 @@
                 <a:tc>
                   <a:txBody>
                     <a:bodyPr/>
+                    <a:lstStyle/>
                     <a:p>
                       <a:pPr indent="0" algn="ctr">
                         <a:buNone/>
@@ -20114,17 +19260,9 @@
                         </a:rPr>
                         <a:t>提前列出扣分与加分项目，让各个组员明白自己的扣分点和加分点</a:t>
                       </a:r>
-                      <a:endParaRPr lang="zh-CN" altLang="en-US" sz="1000" b="0">
-                        <a:solidFill>
-                          <a:srgbClr val="000000"/>
-                        </a:solidFill>
-                        <a:latin typeface="微软雅黑" panose="020B0503020204020204" pitchFamily="34" charset="-122"/>
-                        <a:ea typeface="微软雅黑" panose="020B0503020204020204" pitchFamily="34" charset="-122"/>
-                        <a:cs typeface="宋体" panose="02010600030101010101" pitchFamily="2" charset="-122"/>
-                      </a:endParaRPr>
                     </a:p>
                   </a:txBody>
-                  <a:tcPr marL="0" marR="0" marT="0" marB="0" vert="horz" anchor="ctr">
+                  <a:tcPr marL="0" marR="0" marT="0" marB="0" anchor="ctr">
                     <a:lnL w="15240" cap="flat" cmpd="sng">
                       <a:solidFill>
                         <a:srgbClr val="000000"/>
@@ -20169,6 +19307,7 @@
                 <a:tc>
                   <a:txBody>
                     <a:bodyPr/>
+                    <a:lstStyle/>
                     <a:p>
                       <a:pPr indent="0" algn="ctr">
                         <a:buNone/>
@@ -20184,17 +19323,9 @@
                         </a:rPr>
                         <a:t>有</a:t>
                       </a:r>
-                      <a:endParaRPr lang="zh-CN" altLang="en-US" sz="1000" b="1">
-                        <a:solidFill>
-                          <a:srgbClr val="000000"/>
-                        </a:solidFill>
-                        <a:latin typeface="微软雅黑" panose="020B0503020204020204" pitchFamily="34" charset="-122"/>
-                        <a:ea typeface="微软雅黑" panose="020B0503020204020204" pitchFamily="34" charset="-122"/>
-                        <a:cs typeface="宋体" panose="02010600030101010101" pitchFamily="2" charset="-122"/>
-                      </a:endParaRPr>
                     </a:p>
                   </a:txBody>
-                  <a:tcPr marL="0" marR="0" marT="0" marB="0" vert="horz" anchor="ctr">
+                  <a:tcPr marL="0" marR="0" marT="0" marB="0" anchor="ctr">
                     <a:lnL w="15240" cap="flat" cmpd="sng">
                       <a:solidFill>
                         <a:srgbClr val="000000"/>
@@ -20239,6 +19370,7 @@
                 <a:tc>
                   <a:txBody>
                     <a:bodyPr/>
+                    <a:lstStyle/>
                     <a:p>
                       <a:pPr indent="0" algn="ctr">
                         <a:buNone/>
@@ -20254,17 +19386,9 @@
                         </a:rPr>
                         <a:t>无</a:t>
                       </a:r>
-                      <a:endParaRPr lang="zh-CN" altLang="en-US" sz="1000" b="1">
-                        <a:solidFill>
-                          <a:srgbClr val="000000"/>
-                        </a:solidFill>
-                        <a:latin typeface="微软雅黑" panose="020B0503020204020204" pitchFamily="34" charset="-122"/>
-                        <a:ea typeface="微软雅黑" panose="020B0503020204020204" pitchFamily="34" charset="-122"/>
-                        <a:cs typeface="宋体" panose="02010600030101010101" pitchFamily="2" charset="-122"/>
-                      </a:endParaRPr>
                     </a:p>
                   </a:txBody>
-                  <a:tcPr marL="0" marR="0" marT="0" marB="0" vert="horz" anchor="ctr">
+                  <a:tcPr marL="0" marR="0" marT="0" marB="0" anchor="ctr">
                     <a:lnL w="15240" cap="flat" cmpd="sng">
                       <a:solidFill>
                         <a:srgbClr val="000000"/>
@@ -20309,6 +19433,7 @@
                 <a:tc>
                   <a:txBody>
                     <a:bodyPr/>
+                    <a:lstStyle/>
                     <a:p>
                       <a:pPr indent="0" algn="ctr">
                         <a:buNone/>
@@ -20324,17 +19449,9 @@
                         </a:rPr>
                         <a:t>低</a:t>
                       </a:r>
-                      <a:endParaRPr lang="zh-CN" altLang="en-US" sz="1000" b="1">
-                        <a:solidFill>
-                          <a:srgbClr val="000000"/>
-                        </a:solidFill>
-                        <a:latin typeface="微软雅黑" panose="020B0503020204020204" pitchFamily="34" charset="-122"/>
-                        <a:ea typeface="微软雅黑" panose="020B0503020204020204" pitchFamily="34" charset="-122"/>
-                        <a:cs typeface="宋体" panose="02010600030101010101" pitchFamily="2" charset="-122"/>
-                      </a:endParaRPr>
                     </a:p>
                   </a:txBody>
-                  <a:tcPr marL="0" marR="0" marT="0" marB="0" vert="horz" anchor="ctr">
+                  <a:tcPr marL="0" marR="0" marT="0" marB="0" anchor="ctr">
                     <a:lnL w="15240" cap="flat" cmpd="sng">
                       <a:solidFill>
                         <a:srgbClr val="000000"/>
@@ -20379,6 +19496,13 @@
               </a:tr>
               <a:tr h="415925">
                 <a:tc vMerge="1">
+                  <a:txBody>
+                    <a:bodyPr/>
+                    <a:lstStyle/>
+                    <a:p>
+                      <a:endParaRPr lang="zh-CN"/>
+                    </a:p>
+                  </a:txBody>
                   <a:tcPr>
                     <a:lnL w="15240" cap="flat" cmpd="sng">
                       <a:solidFill>
@@ -20409,6 +19533,7 @@
                 <a:tc>
                   <a:txBody>
                     <a:bodyPr/>
+                    <a:lstStyle/>
                     <a:p>
                       <a:pPr indent="0" algn="ctr">
                         <a:buNone/>
@@ -20424,17 +19549,9 @@
                         </a:rPr>
                         <a:t>考评项目不是很好</a:t>
                       </a:r>
-                      <a:endParaRPr lang="zh-CN" altLang="en-US" sz="1000" b="0">
-                        <a:solidFill>
-                          <a:srgbClr val="000000"/>
-                        </a:solidFill>
-                        <a:latin typeface="微软雅黑" panose="020B0503020204020204" pitchFamily="34" charset="-122"/>
-                        <a:ea typeface="微软雅黑" panose="020B0503020204020204" pitchFamily="34" charset="-122"/>
-                        <a:cs typeface="宋体" panose="02010600030101010101" pitchFamily="2" charset="-122"/>
-                      </a:endParaRPr>
                     </a:p>
                   </a:txBody>
-                  <a:tcPr marL="0" marR="0" marT="0" marB="0" vert="horz" anchor="ctr">
+                  <a:tcPr marL="0" marR="0" marT="0" marB="0" anchor="ctr">
                     <a:lnL w="15240" cap="flat" cmpd="sng">
                       <a:solidFill>
                         <a:srgbClr val="000000"/>
@@ -20479,6 +19596,7 @@
                 <a:tc>
                   <a:txBody>
                     <a:bodyPr/>
+                    <a:lstStyle/>
                     <a:p>
                       <a:pPr indent="0" algn="ctr">
                         <a:buNone/>
@@ -20494,17 +19612,9 @@
                         </a:rPr>
                         <a:t>影响最终评分</a:t>
                       </a:r>
-                      <a:endParaRPr lang="zh-CN" altLang="en-US" sz="1000" b="0">
-                        <a:solidFill>
-                          <a:srgbClr val="000000"/>
-                        </a:solidFill>
-                        <a:latin typeface="微软雅黑" panose="020B0503020204020204" pitchFamily="34" charset="-122"/>
-                        <a:ea typeface="微软雅黑" panose="020B0503020204020204" pitchFamily="34" charset="-122"/>
-                        <a:cs typeface="宋体" panose="02010600030101010101" pitchFamily="2" charset="-122"/>
-                      </a:endParaRPr>
                     </a:p>
                   </a:txBody>
-                  <a:tcPr marL="0" marR="0" marT="0" marB="0" vert="horz" anchor="ctr">
+                  <a:tcPr marL="0" marR="0" marT="0" marB="0" anchor="ctr">
                     <a:lnL w="15240" cap="flat" cmpd="sng">
                       <a:solidFill>
                         <a:srgbClr val="000000"/>
@@ -20549,6 +19659,7 @@
                 <a:tc>
                   <a:txBody>
                     <a:bodyPr/>
+                    <a:lstStyle/>
                     <a:p>
                       <a:pPr indent="0" algn="ctr">
                         <a:buNone/>
@@ -20564,17 +19675,9 @@
                         </a:rPr>
                         <a:t>4</a:t>
                       </a:r>
-                      <a:endParaRPr lang="en-US" altLang="zh-CN" sz="1000" b="0">
-                        <a:solidFill>
-                          <a:srgbClr val="000000"/>
-                        </a:solidFill>
-                        <a:latin typeface="微软雅黑" panose="020B0503020204020204" pitchFamily="34" charset="-122"/>
-                        <a:ea typeface="微软雅黑" panose="020B0503020204020204" pitchFamily="34" charset="-122"/>
-                        <a:cs typeface="宋体" panose="02010600030101010101" pitchFamily="2" charset="-122"/>
-                      </a:endParaRPr>
                     </a:p>
                   </a:txBody>
-                  <a:tcPr marL="0" marR="0" marT="0" marB="0" vert="horz" anchor="ctr">
+                  <a:tcPr marL="0" marR="0" marT="0" marB="0" anchor="ctr">
                     <a:lnL w="15240" cap="flat" cmpd="sng">
                       <a:solidFill>
                         <a:srgbClr val="000000"/>
@@ -20619,6 +19722,7 @@
                 <a:tc>
                   <a:txBody>
                     <a:bodyPr/>
+                    <a:lstStyle/>
                     <a:p>
                       <a:pPr indent="0" algn="ctr">
                         <a:buNone/>
@@ -20634,17 +19738,9 @@
                         </a:rPr>
                         <a:t>9</a:t>
                       </a:r>
-                      <a:endParaRPr lang="en-US" altLang="zh-CN" sz="1000" b="0">
-                        <a:solidFill>
-                          <a:srgbClr val="000000"/>
-                        </a:solidFill>
-                        <a:latin typeface="微软雅黑" panose="020B0503020204020204" pitchFamily="34" charset="-122"/>
-                        <a:ea typeface="微软雅黑" panose="020B0503020204020204" pitchFamily="34" charset="-122"/>
-                        <a:cs typeface="宋体" panose="02010600030101010101" pitchFamily="2" charset="-122"/>
-                      </a:endParaRPr>
                     </a:p>
                   </a:txBody>
-                  <a:tcPr marL="0" marR="0" marT="0" marB="0" vert="horz" anchor="ctr">
+                  <a:tcPr marL="0" marR="0" marT="0" marB="0" anchor="ctr">
                     <a:lnL w="15240" cap="flat" cmpd="sng">
                       <a:solidFill>
                         <a:srgbClr val="000000"/>
@@ -20689,6 +19785,7 @@
                 <a:tc>
                   <a:txBody>
                     <a:bodyPr/>
+                    <a:lstStyle/>
                     <a:p>
                       <a:pPr indent="0" algn="ctr">
                         <a:buNone/>
@@ -20704,17 +19801,9 @@
                         </a:rPr>
                         <a:t>5</a:t>
                       </a:r>
-                      <a:endParaRPr lang="en-US" altLang="zh-CN" sz="1000" b="0">
-                        <a:solidFill>
-                          <a:srgbClr val="000000"/>
-                        </a:solidFill>
-                        <a:latin typeface="微软雅黑" panose="020B0503020204020204" pitchFamily="34" charset="-122"/>
-                        <a:ea typeface="微软雅黑" panose="020B0503020204020204" pitchFamily="34" charset="-122"/>
-                        <a:cs typeface="宋体" panose="02010600030101010101" pitchFamily="2" charset="-122"/>
-                      </a:endParaRPr>
                     </a:p>
                   </a:txBody>
-                  <a:tcPr marL="0" marR="0" marT="0" marB="0" vert="horz" anchor="ctr">
+                  <a:tcPr marL="0" marR="0" marT="0" marB="0" anchor="ctr">
                     <a:lnL w="15240" cap="flat" cmpd="sng">
                       <a:solidFill>
                         <a:srgbClr val="000000"/>
@@ -20759,6 +19848,7 @@
                 <a:tc>
                   <a:txBody>
                     <a:bodyPr/>
+                    <a:lstStyle/>
                     <a:p>
                       <a:pPr indent="0" algn="ctr">
                         <a:buNone/>
@@ -20774,17 +19864,9 @@
                         </a:rPr>
                         <a:t>180</a:t>
                       </a:r>
-                      <a:endParaRPr lang="en-US" altLang="zh-CN" sz="1000" b="0">
-                        <a:solidFill>
-                          <a:srgbClr val="000000"/>
-                        </a:solidFill>
-                        <a:latin typeface="微软雅黑" panose="020B0503020204020204" pitchFamily="34" charset="-122"/>
-                        <a:ea typeface="微软雅黑" panose="020B0503020204020204" pitchFamily="34" charset="-122"/>
-                        <a:cs typeface="宋体" panose="02010600030101010101" pitchFamily="2" charset="-122"/>
-                      </a:endParaRPr>
                     </a:p>
                   </a:txBody>
-                  <a:tcPr marL="0" marR="0" marT="0" marB="0" vert="horz" anchor="ctr">
+                  <a:tcPr marL="0" marR="0" marT="0" marB="0" anchor="ctr">
                     <a:lnL w="15240" cap="flat" cmpd="sng">
                       <a:solidFill>
                         <a:srgbClr val="000000"/>
@@ -20829,6 +19911,7 @@
                 <a:tc>
                   <a:txBody>
                     <a:bodyPr/>
+                    <a:lstStyle/>
                     <a:p>
                       <a:pPr indent="0" algn="ctr">
                         <a:buNone/>
@@ -20844,17 +19927,9 @@
                         </a:rPr>
                         <a:t>小组间进行讨论，项目启动阶段制定出大家都满意的打分标准</a:t>
                       </a:r>
-                      <a:endParaRPr lang="zh-CN" altLang="en-US" sz="1000" b="0">
-                        <a:solidFill>
-                          <a:srgbClr val="000000"/>
-                        </a:solidFill>
-                        <a:latin typeface="微软雅黑" panose="020B0503020204020204" pitchFamily="34" charset="-122"/>
-                        <a:ea typeface="微软雅黑" panose="020B0503020204020204" pitchFamily="34" charset="-122"/>
-                        <a:cs typeface="宋体" panose="02010600030101010101" pitchFamily="2" charset="-122"/>
-                      </a:endParaRPr>
                     </a:p>
                   </a:txBody>
-                  <a:tcPr marL="0" marR="0" marT="0" marB="0" vert="horz" anchor="ctr">
+                  <a:tcPr marL="0" marR="0" marT="0" marB="0" anchor="ctr">
                     <a:lnL w="15240" cap="flat" cmpd="sng">
                       <a:solidFill>
                         <a:srgbClr val="000000"/>
@@ -20899,6 +19974,7 @@
                 <a:tc>
                   <a:txBody>
                     <a:bodyPr/>
+                    <a:lstStyle/>
                     <a:p>
                       <a:pPr indent="0" algn="ctr">
                         <a:buNone/>
@@ -20914,17 +19990,9 @@
                         </a:rPr>
                         <a:t>有</a:t>
                       </a:r>
-                      <a:endParaRPr lang="zh-CN" altLang="en-US" sz="1000" b="1">
-                        <a:solidFill>
-                          <a:srgbClr val="000000"/>
-                        </a:solidFill>
-                        <a:latin typeface="微软雅黑" panose="020B0503020204020204" pitchFamily="34" charset="-122"/>
-                        <a:ea typeface="微软雅黑" panose="020B0503020204020204" pitchFamily="34" charset="-122"/>
-                        <a:cs typeface="宋体" panose="02010600030101010101" pitchFamily="2" charset="-122"/>
-                      </a:endParaRPr>
                     </a:p>
                   </a:txBody>
-                  <a:tcPr marL="0" marR="0" marT="0" marB="0" vert="horz" anchor="ctr">
+                  <a:tcPr marL="0" marR="0" marT="0" marB="0" anchor="ctr">
                     <a:lnL w="15240" cap="flat" cmpd="sng">
                       <a:solidFill>
                         <a:srgbClr val="000000"/>
@@ -20969,6 +20037,7 @@
                 <a:tc>
                   <a:txBody>
                     <a:bodyPr/>
+                    <a:lstStyle/>
                     <a:p>
                       <a:pPr indent="0" algn="ctr">
                         <a:buNone/>
@@ -20984,17 +20053,9 @@
                         </a:rPr>
                         <a:t>无</a:t>
                       </a:r>
-                      <a:endParaRPr lang="zh-CN" altLang="en-US" sz="1000" b="1">
-                        <a:solidFill>
-                          <a:srgbClr val="000000"/>
-                        </a:solidFill>
-                        <a:latin typeface="微软雅黑" panose="020B0503020204020204" pitchFamily="34" charset="-122"/>
-                        <a:ea typeface="微软雅黑" panose="020B0503020204020204" pitchFamily="34" charset="-122"/>
-                        <a:cs typeface="宋体" panose="02010600030101010101" pitchFamily="2" charset="-122"/>
-                      </a:endParaRPr>
                     </a:p>
                   </a:txBody>
-                  <a:tcPr marL="0" marR="0" marT="0" marB="0" vert="horz" anchor="ctr">
+                  <a:tcPr marL="0" marR="0" marT="0" marB="0" anchor="ctr">
                     <a:lnL w="15240" cap="flat" cmpd="sng">
                       <a:solidFill>
                         <a:srgbClr val="000000"/>
@@ -21039,6 +20100,7 @@
                 <a:tc>
                   <a:txBody>
                     <a:bodyPr/>
+                    <a:lstStyle/>
                     <a:p>
                       <a:pPr indent="0" algn="ctr">
                         <a:buNone/>
@@ -21054,17 +20116,9 @@
                         </a:rPr>
                         <a:t>低</a:t>
                       </a:r>
-                      <a:endParaRPr lang="zh-CN" altLang="en-US" sz="1000" b="1">
-                        <a:solidFill>
-                          <a:srgbClr val="000000"/>
-                        </a:solidFill>
-                        <a:latin typeface="微软雅黑" panose="020B0503020204020204" pitchFamily="34" charset="-122"/>
-                        <a:ea typeface="微软雅黑" panose="020B0503020204020204" pitchFamily="34" charset="-122"/>
-                        <a:cs typeface="宋体" panose="02010600030101010101" pitchFamily="2" charset="-122"/>
-                      </a:endParaRPr>
                     </a:p>
                   </a:txBody>
-                  <a:tcPr marL="0" marR="0" marT="0" marB="0" vert="horz" anchor="ctr">
+                  <a:tcPr marL="0" marR="0" marT="0" marB="0" anchor="ctr">
                     <a:lnL w="15240" cap="flat" cmpd="sng">
                       <a:solidFill>
                         <a:srgbClr val="000000"/>
@@ -21119,6 +20173,13 @@
   <p:transition spd="slow" advClick="0" advTm="0">
     <p:wipe/>
   </p:transition>
+  <p:timing>
+    <p:tnLst>
+      <p:par>
+        <p:cTn id="1" dur="indefinite" restart="never" nodeType="tmRoot"/>
+      </p:par>
+    </p:tnLst>
+  </p:timing>
 </p:sld>
 </file>
 
@@ -21286,7 +20347,7 @@
           <p:nvPr/>
         </p:nvPicPr>
         <p:blipFill>
-          <a:blip r:embed="rId1"/>
+          <a:blip r:embed="rId2"/>
           <a:stretch>
             <a:fillRect/>
           </a:stretch>
@@ -21321,6 +20382,7 @@
           <a:bodyPr wrap="square" rtlCol="0">
             <a:spAutoFit/>
           </a:bodyPr>
+          <a:lstStyle/>
           <a:p>
             <a:r>
               <a:rPr lang="zh-CN" altLang="en-US" sz="5400">
@@ -21337,18 +20399,6 @@
               </a:rPr>
               <a:t>详情见甘特图</a:t>
             </a:r>
-            <a:endParaRPr lang="zh-CN" altLang="en-US" sz="5400">
-              <a:solidFill>
-                <a:schemeClr val="accent1"/>
-              </a:solidFill>
-              <a:effectLst>
-                <a:outerShdw blurRad="38100" dist="25400" dir="5400000" algn="ctr" rotWithShape="0">
-                  <a:srgbClr val="6E747A">
-                    <a:alpha val="43000"/>
-                  </a:srgbClr>
-                </a:outerShdw>
-              </a:effectLst>
-            </a:endParaRPr>
           </a:p>
         </p:txBody>
       </p:sp>
@@ -21360,6 +20410,13 @@
   <p:transition spd="slow" advClick="0" advTm="0">
     <p:wipe/>
   </p:transition>
+  <p:timing>
+    <p:tnLst>
+      <p:par>
+        <p:cTn id="1" dur="indefinite" restart="never" nodeType="tmRoot"/>
+      </p:par>
+    </p:tnLst>
+  </p:timing>
 </p:sld>
 </file>
 
@@ -21380,737 +20437,79 @@
           <a:chExt cx="0" cy="0"/>
         </a:xfrm>
       </p:grpSpPr>
-      <p:sp>
-        <p:nvSpPr>
-          <p:cNvPr id="36" name="矩形 35"/>
-          <p:cNvSpPr/>
+      <p:pic>
+        <p:nvPicPr>
+          <p:cNvPr id="1026" name="Picture 2"/>
+          <p:cNvPicPr>
+            <a:picLocks noChangeAspect="1" noChangeArrowheads="1"/>
+          </p:cNvPicPr>
           <p:nvPr/>
-        </p:nvSpPr>
-        <p:spPr>
+        </p:nvPicPr>
+        <p:blipFill>
+          <a:blip r:embed="rId2">
+            <a:extLst>
+              <a:ext uri="{28A0092B-C50C-407E-A947-70E740481C1C}">
+                <a14:useLocalDpi xmlns:a14="http://schemas.microsoft.com/office/drawing/2010/main" val="0"/>
+              </a:ext>
+            </a:extLst>
+          </a:blip>
+          <a:srcRect/>
+          <a:stretch>
+            <a:fillRect/>
+          </a:stretch>
+        </p:blipFill>
+        <p:spPr bwMode="auto">
           <a:xfrm>
-            <a:off x="-106680" y="0"/>
-            <a:ext cx="2938780" cy="6859270"/>
-          </a:xfrm>
-          <a:prstGeom prst="rect">
-            <a:avLst/>
-          </a:prstGeom>
-          <a:solidFill>
-            <a:srgbClr val="38B1BF"/>
-          </a:solidFill>
-          <a:ln>
-            <a:noFill/>
-          </a:ln>
-          <a:effectLst>
-            <a:outerShdw blurRad="50800" dist="38100" dir="2700000" algn="tl" rotWithShape="0">
-              <a:prstClr val="black">
-                <a:alpha val="40000"/>
-              </a:prstClr>
-            </a:outerShdw>
-          </a:effectLst>
-          <a:scene3d>
-            <a:camera prst="orthographicFront"/>
-            <a:lightRig rig="threePt" dir="t"/>
-          </a:scene3d>
-          <a:sp3d/>
-        </p:spPr>
-        <p:style>
-          <a:lnRef idx="1">
-            <a:schemeClr val="accent1"/>
-          </a:lnRef>
-          <a:fillRef idx="0">
-            <a:schemeClr val="accent1"/>
-          </a:fillRef>
-          <a:effectRef idx="0">
-            <a:schemeClr val="accent1"/>
-          </a:effectRef>
-          <a:fontRef idx="minor">
-            <a:schemeClr val="tx1"/>
-          </a:fontRef>
-        </p:style>
-        <p:txBody>
-          <a:bodyPr rot="0" spcFirstLastPara="0" vertOverflow="overflow" horzOverflow="overflow" vert="horz" wrap="square" lIns="91440" tIns="45720" rIns="91440" bIns="45720" numCol="1" spcCol="0" rtlCol="0" fromWordArt="0" anchor="ctr" anchorCtr="0" forceAA="0" compatLnSpc="1">
-            <a:noAutofit/>
-          </a:bodyPr>
-          <a:lstStyle/>
-          <a:p>
-            <a:pPr algn="ctr"/>
-            <a:endParaRPr lang="zh-CN" altLang="en-US"/>
-          </a:p>
-        </p:txBody>
-      </p:sp>
-      <p:sp>
-        <p:nvSpPr>
-          <p:cNvPr id="37" name="TextBox 36"/>
-          <p:cNvSpPr txBox="1"/>
-          <p:nvPr/>
-        </p:nvSpPr>
-        <p:spPr>
-          <a:xfrm>
-            <a:off x="-276651" y="2922512"/>
-            <a:ext cx="2808312" cy="614045"/>
+            <a:off x="1918742" y="189434"/>
+            <a:ext cx="8591550" cy="6410325"/>
           </a:xfrm>
           <a:prstGeom prst="rect">
             <a:avLst/>
           </a:prstGeom>
           <a:noFill/>
+          <a:ln>
+            <a:noFill/>
+          </a:ln>
+          <a:extLst>
+            <a:ext uri="{909E8E84-426E-40DD-AFC4-6F175D3DCCD1}">
+              <a14:hiddenFill xmlns:a14="http://schemas.microsoft.com/office/drawing/2010/main">
+                <a:solidFill>
+                  <a:schemeClr val="accent1"/>
+                </a:solidFill>
+              </a14:hiddenFill>
+            </a:ext>
+            <a:ext uri="{91240B29-F687-4F45-9708-019B960494DF}">
+              <a14:hiddenLine xmlns:a14="http://schemas.microsoft.com/office/drawing/2010/main" w="9525">
+                <a:solidFill>
+                  <a:schemeClr val="tx1"/>
+                </a:solidFill>
+                <a:miter lim="800000"/>
+                <a:headEnd/>
+                <a:tailEnd/>
+              </a14:hiddenLine>
+            </a:ext>
+          </a:extLst>
         </p:spPr>
-        <p:txBody>
-          <a:bodyPr wrap="square" lIns="121948" tIns="60973" rIns="121948" bIns="60973">
-            <a:spAutoFit/>
-          </a:bodyPr>
-          <a:lstStyle/>
-          <a:p>
-            <a:pPr algn="r">
-              <a:defRPr/>
-            </a:pPr>
-            <a:r>
-              <a:rPr lang="zh-CN" sz="3200" b="1" dirty="0">
-                <a:solidFill>
-                  <a:schemeClr val="bg1"/>
-                </a:solidFill>
-                <a:latin typeface="微软雅黑" panose="020B0503020204020204" pitchFamily="34" charset="-122"/>
-                <a:ea typeface="微软雅黑" panose="020B0503020204020204" pitchFamily="34" charset="-122"/>
-              </a:rPr>
-              <a:t>分工及考评</a:t>
-            </a:r>
-            <a:endParaRPr lang="zh-CN" sz="3200" b="1" dirty="0">
-              <a:solidFill>
-                <a:schemeClr val="bg1"/>
-              </a:solidFill>
-              <a:latin typeface="微软雅黑" panose="020B0503020204020204" pitchFamily="34" charset="-122"/>
-              <a:ea typeface="微软雅黑" panose="020B0503020204020204" pitchFamily="34" charset="-122"/>
-            </a:endParaRPr>
-          </a:p>
-        </p:txBody>
-      </p:sp>
-      <p:graphicFrame>
-        <p:nvGraphicFramePr>
-          <p:cNvPr id="3" name="表格 2"/>
-          <p:cNvGraphicFramePr/>
-          <p:nvPr/>
-        </p:nvGraphicFramePr>
-        <p:xfrm>
-          <a:off x="3181985" y="1708150"/>
-          <a:ext cx="8532495" cy="3854450"/>
-        </p:xfrm>
-        <a:graphic>
-          <a:graphicData uri="http://schemas.openxmlformats.org/drawingml/2006/table">
-            <a:tbl>
-              <a:tblPr firstRow="1" bandRow="1">
-                <a:tableStyleId>{5C22544A-7EE6-4342-B048-85BDC9FD1C3A}</a:tableStyleId>
-              </a:tblPr>
-              <a:tblGrid>
-                <a:gridCol w="1442720"/>
-                <a:gridCol w="4245610"/>
-                <a:gridCol w="2844165"/>
-              </a:tblGrid>
-              <a:tr h="1313180">
-                <a:tc>
-                  <a:txBody>
-                    <a:bodyPr/>
-                    <a:p>
-                      <a:pPr algn="ctr">
-                        <a:buNone/>
-                      </a:pPr>
-                      <a:r>
-                        <a:rPr lang="zh-CN" altLang="en-US" b="0">
-                          <a:solidFill>
-                            <a:schemeClr val="tx1"/>
-                          </a:solidFill>
-                        </a:rPr>
-                        <a:t>黄为波</a:t>
-                      </a:r>
-                      <a:endParaRPr lang="zh-CN" altLang="en-US" b="0">
-                        <a:solidFill>
-                          <a:schemeClr val="tx1"/>
-                        </a:solidFill>
-                      </a:endParaRPr>
-                    </a:p>
-                  </a:txBody>
-                  <a:tcPr>
-                    <a:solidFill>
-                      <a:schemeClr val="accent1">
-                        <a:lumMod val="40000"/>
-                        <a:lumOff val="60000"/>
-                      </a:schemeClr>
-                    </a:solidFill>
-                  </a:tcPr>
-                </a:tc>
-                <a:tc>
-                  <a:txBody>
-                    <a:bodyPr/>
-                    <a:p>
-                      <a:pPr algn="ctr">
-                        <a:buNone/>
-                      </a:pPr>
-                      <a:r>
-                        <a:rPr lang="zh-CN" altLang="en-US" b="0">
-                          <a:solidFill>
-                            <a:schemeClr val="tx1"/>
-                          </a:solidFill>
-                        </a:rPr>
-                        <a:t>制作甘特图，</a:t>
-                      </a:r>
-                      <a:r>
-                        <a:rPr lang="en-US" altLang="zh-CN" b="0">
-                          <a:solidFill>
-                            <a:schemeClr val="tx1"/>
-                          </a:solidFill>
-                        </a:rPr>
-                        <a:t>PPT</a:t>
-                      </a:r>
-                      <a:r>
-                        <a:rPr lang="zh-CN" altLang="en-US" b="0">
-                          <a:solidFill>
-                            <a:schemeClr val="tx1"/>
-                          </a:solidFill>
-                        </a:rPr>
-                        <a:t>制作与整合，执笔项目计划报告，系统流程图，数据流图</a:t>
-                      </a:r>
-                      <a:endParaRPr lang="zh-CN" altLang="en-US" b="0">
-                        <a:solidFill>
-                          <a:schemeClr val="tx1"/>
-                        </a:solidFill>
-                      </a:endParaRPr>
-                    </a:p>
-                  </a:txBody>
-                  <a:tcPr>
-                    <a:solidFill>
-                      <a:schemeClr val="accent1">
-                        <a:lumMod val="40000"/>
-                        <a:lumOff val="60000"/>
-                      </a:schemeClr>
-                    </a:solidFill>
-                  </a:tcPr>
-                </a:tc>
-                <a:tc>
-                  <a:txBody>
-                    <a:bodyPr/>
-                    <a:p>
-                      <a:pPr algn="ctr">
-                        <a:buNone/>
-                      </a:pPr>
-                      <a:r>
-                        <a:rPr lang="en-US" altLang="zh-CN" b="0">
-                          <a:solidFill>
-                            <a:schemeClr val="tx1"/>
-                          </a:solidFill>
-                        </a:rPr>
-                        <a:t>9.6</a:t>
-                      </a:r>
-                      <a:endParaRPr lang="en-US" altLang="zh-CN" b="0">
-                        <a:solidFill>
-                          <a:schemeClr val="tx1"/>
-                        </a:solidFill>
-                      </a:endParaRPr>
-                    </a:p>
-                  </a:txBody>
-                  <a:tcPr>
-                    <a:solidFill>
-                      <a:schemeClr val="accent1">
-                        <a:lumMod val="40000"/>
-                        <a:lumOff val="60000"/>
-                      </a:schemeClr>
-                    </a:solidFill>
-                  </a:tcPr>
-                </a:tc>
-              </a:tr>
-              <a:tr h="1270000">
-                <a:tc>
-                  <a:txBody>
-                    <a:bodyPr/>
-                    <a:p>
-                      <a:pPr algn="ctr">
-                        <a:buNone/>
-                      </a:pPr>
-                      <a:r>
-                        <a:rPr lang="zh-CN" altLang="en-US">
-                          <a:solidFill>
-                            <a:schemeClr val="tx1"/>
-                          </a:solidFill>
-                        </a:rPr>
-                        <a:t>陈子卿</a:t>
-                      </a:r>
-                      <a:endParaRPr lang="zh-CN" altLang="en-US">
-                        <a:solidFill>
-                          <a:schemeClr val="tx1"/>
-                        </a:solidFill>
-                      </a:endParaRPr>
-                    </a:p>
-                  </a:txBody>
-                  <a:tcPr/>
-                </a:tc>
-                <a:tc>
-                  <a:txBody>
-                    <a:bodyPr/>
-                    <a:p>
-                      <a:pPr algn="ctr">
-                        <a:buNone/>
-                      </a:pPr>
-                      <a:r>
-                        <a:rPr lang="zh-CN" altLang="en-US">
-                          <a:solidFill>
-                            <a:schemeClr val="tx1"/>
-                          </a:solidFill>
-                        </a:rPr>
-                        <a:t>制作风险评估计划表格，</a:t>
-                      </a:r>
-                      <a:r>
-                        <a:rPr lang="en-US" altLang="zh-CN">
-                          <a:solidFill>
-                            <a:schemeClr val="tx1"/>
-                          </a:solidFill>
-                        </a:rPr>
-                        <a:t>word</a:t>
-                      </a:r>
-                      <a:r>
-                        <a:rPr lang="zh-CN" altLang="en-US">
-                          <a:solidFill>
-                            <a:schemeClr val="tx1"/>
-                          </a:solidFill>
-                        </a:rPr>
-                        <a:t>文档的规范排版，执笔需求分析报告，项目计划报告的修改</a:t>
-                      </a:r>
-                      <a:endParaRPr lang="zh-CN" altLang="en-US">
-                        <a:solidFill>
-                          <a:schemeClr val="tx1"/>
-                        </a:solidFill>
-                      </a:endParaRPr>
-                    </a:p>
-                  </a:txBody>
-                  <a:tcPr/>
-                </a:tc>
-                <a:tc>
-                  <a:txBody>
-                    <a:bodyPr/>
-                    <a:p>
-                      <a:pPr algn="ctr">
-                        <a:buNone/>
-                      </a:pPr>
-                      <a:r>
-                        <a:rPr lang="en-US" altLang="zh-CN">
-                          <a:solidFill>
-                            <a:schemeClr val="tx1"/>
-                          </a:solidFill>
-                        </a:rPr>
-                        <a:t>9.3</a:t>
-                      </a:r>
-                      <a:endParaRPr lang="en-US" altLang="zh-CN">
-                        <a:solidFill>
-                          <a:schemeClr val="tx1"/>
-                        </a:solidFill>
-                      </a:endParaRPr>
-                    </a:p>
-                  </a:txBody>
-                  <a:tcPr/>
-                </a:tc>
-              </a:tr>
-              <a:tr h="1271270">
-                <a:tc>
-                  <a:txBody>
-                    <a:bodyPr/>
-                    <a:p>
-                      <a:pPr algn="ctr">
-                        <a:buNone/>
-                      </a:pPr>
-                      <a:r>
-                        <a:rPr lang="zh-CN" altLang="en-US">
-                          <a:solidFill>
-                            <a:schemeClr val="tx1"/>
-                          </a:solidFill>
-                        </a:rPr>
-                        <a:t>蔡峰</a:t>
-                      </a:r>
-                      <a:endParaRPr lang="zh-CN" altLang="en-US">
-                        <a:solidFill>
-                          <a:schemeClr val="tx1"/>
-                        </a:solidFill>
-                      </a:endParaRPr>
-                    </a:p>
-                  </a:txBody>
-                  <a:tcPr>
-                    <a:solidFill>
-                      <a:schemeClr val="accent1">
-                        <a:lumMod val="40000"/>
-                        <a:lumOff val="60000"/>
-                      </a:schemeClr>
-                    </a:solidFill>
-                  </a:tcPr>
-                </a:tc>
-                <a:tc>
-                  <a:txBody>
-                    <a:bodyPr/>
-                    <a:p>
-                      <a:pPr algn="ctr">
-                        <a:buNone/>
-                      </a:pPr>
-                      <a:r>
-                        <a:rPr lang="zh-CN" altLang="en-US">
-                          <a:solidFill>
-                            <a:schemeClr val="tx1"/>
-                          </a:solidFill>
-                        </a:rPr>
-                        <a:t>执笔可行性分析报告，</a:t>
-                      </a:r>
-                      <a:r>
-                        <a:rPr lang="en-US" altLang="zh-CN">
-                          <a:solidFill>
-                            <a:schemeClr val="tx1"/>
-                          </a:solidFill>
-                        </a:rPr>
-                        <a:t>PPT</a:t>
-                      </a:r>
-                      <a:r>
-                        <a:rPr lang="zh-CN" altLang="en-US">
-                          <a:solidFill>
-                            <a:schemeClr val="tx1"/>
-                          </a:solidFill>
-                        </a:rPr>
-                        <a:t>中可行性分析的制作，需求分析报告的修改，</a:t>
-                      </a:r>
-                      <a:r>
-                        <a:rPr lang="en-US" altLang="zh-CN">
-                          <a:solidFill>
-                            <a:schemeClr val="tx1"/>
-                          </a:solidFill>
-                        </a:rPr>
-                        <a:t>PPT</a:t>
-                      </a:r>
-                      <a:r>
-                        <a:rPr lang="zh-CN" altLang="en-US">
-                          <a:solidFill>
-                            <a:schemeClr val="tx1"/>
-                          </a:solidFill>
-                        </a:rPr>
-                        <a:t>的整改</a:t>
-                      </a:r>
-                      <a:endParaRPr lang="zh-CN" altLang="en-US">
-                        <a:solidFill>
-                          <a:schemeClr val="tx1"/>
-                        </a:solidFill>
-                      </a:endParaRPr>
-                    </a:p>
-                  </a:txBody>
-                  <a:tcPr>
-                    <a:solidFill>
-                      <a:schemeClr val="accent1">
-                        <a:lumMod val="40000"/>
-                        <a:lumOff val="60000"/>
-                      </a:schemeClr>
-                    </a:solidFill>
-                  </a:tcPr>
-                </a:tc>
-                <a:tc>
-                  <a:txBody>
-                    <a:bodyPr/>
-                    <a:p>
-                      <a:pPr algn="ctr">
-                        <a:buNone/>
-                      </a:pPr>
-                      <a:r>
-                        <a:rPr lang="en-US" altLang="zh-CN">
-                          <a:solidFill>
-                            <a:schemeClr val="tx1"/>
-                          </a:solidFill>
-                        </a:rPr>
-                        <a:t>9.2</a:t>
-                      </a:r>
-                      <a:endParaRPr lang="en-US" altLang="zh-CN">
-                        <a:solidFill>
-                          <a:schemeClr val="tx1"/>
-                        </a:solidFill>
-                      </a:endParaRPr>
-                    </a:p>
-                  </a:txBody>
-                  <a:tcPr>
-                    <a:solidFill>
-                      <a:schemeClr val="accent1">
-                        <a:lumMod val="40000"/>
-                        <a:lumOff val="60000"/>
-                      </a:schemeClr>
-                    </a:solidFill>
-                  </a:tcPr>
-                </a:tc>
-              </a:tr>
-            </a:tbl>
-          </a:graphicData>
-        </a:graphic>
-      </p:graphicFrame>
+      </p:pic>
     </p:spTree>
+    <p:extLst>
+      <p:ext uri="{BB962C8B-B14F-4D97-AF65-F5344CB8AC3E}">
+        <p14:creationId xmlns:p14="http://schemas.microsoft.com/office/powerpoint/2010/main" val="2615583564"/>
+      </p:ext>
+    </p:extLst>
   </p:cSld>
   <p:clrMapOvr>
     <a:masterClrMapping/>
   </p:clrMapOvr>
-  <mc:AlternateContent xmlns:mc="http://schemas.openxmlformats.org/markup-compatibility/2006">
-    <mc:Choice xmlns:p14="http://schemas.microsoft.com/office/powerpoint/2010/main" Requires="p14">
-      <p:transition spd="slow" p14:dur="1200" advClick="0" advTm="0">
-        <p14:prism/>
-      </p:transition>
-    </mc:Choice>
-    <mc:Fallback>
-      <p:transition spd="slow" advClick="0" advTm="0">
-        <p:fade/>
-      </p:transition>
-    </mc:Fallback>
-  </mc:AlternateContent>
+  <p:transition spd="slow" advClick="0" advTm="0">
+    <p:wipe/>
+  </p:transition>
   <p:timing>
     <p:tnLst>
       <p:par>
-        <p:cTn id="1" dur="indefinite" restart="never" nodeType="tmRoot">
-          <p:childTnLst>
-            <p:seq concurrent="1" nextAc="seek">
-              <p:cTn id="2" dur="indefinite" nodeType="mainSeq">
-                <p:childTnLst>
-                  <p:par>
-                    <p:cTn id="3" fill="hold">
-                      <p:stCondLst>
-                        <p:cond delay="indefinite"/>
-                        <p:cond evt="onBegin" delay="0">
-                          <p:tn val="2"/>
-                        </p:cond>
-                      </p:stCondLst>
-                      <p:childTnLst>
-                        <p:par>
-                          <p:cTn id="4" fill="hold">
-                            <p:stCondLst>
-                              <p:cond delay="0"/>
-                            </p:stCondLst>
-                            <p:childTnLst>
-                              <p:par>
-                                <p:cTn id="5" presetID="2" presetClass="entr" presetSubtype="8" fill="hold" grpId="0" nodeType="afterEffect">
-                                  <p:stCondLst>
-                                    <p:cond delay="0"/>
-                                  </p:stCondLst>
-                                  <p:childTnLst>
-                                    <p:set>
-                                      <p:cBhvr>
-                                        <p:cTn id="6" dur="1" fill="hold">
-                                          <p:stCondLst>
-                                            <p:cond delay="0"/>
-                                          </p:stCondLst>
-                                        </p:cTn>
-                                        <p:tgtEl>
-                                          <p:spTgt spid="36"/>
-                                        </p:tgtEl>
-                                        <p:attrNameLst>
-                                          <p:attrName>style.visibility</p:attrName>
-                                        </p:attrNameLst>
-                                      </p:cBhvr>
-                                      <p:to>
-                                        <p:strVal val="visible"/>
-                                      </p:to>
-                                    </p:set>
-                                    <p:anim calcmode="lin" valueType="num">
-                                      <p:cBhvr additive="base">
-                                        <p:cTn id="7" dur="500" fill="hold"/>
-                                        <p:tgtEl>
-                                          <p:spTgt spid="36"/>
-                                        </p:tgtEl>
-                                        <p:attrNameLst>
-                                          <p:attrName>ppt_x</p:attrName>
-                                        </p:attrNameLst>
-                                      </p:cBhvr>
-                                      <p:tavLst>
-                                        <p:tav tm="0">
-                                          <p:val>
-                                            <p:strVal val="0-#ppt_w/2"/>
-                                          </p:val>
-                                        </p:tav>
-                                        <p:tav tm="100000">
-                                          <p:val>
-                                            <p:strVal val="#ppt_x"/>
-                                          </p:val>
-                                        </p:tav>
-                                      </p:tavLst>
-                                    </p:anim>
-                                    <p:anim calcmode="lin" valueType="num">
-                                      <p:cBhvr additive="base">
-                                        <p:cTn id="8" dur="500" fill="hold"/>
-                                        <p:tgtEl>
-                                          <p:spTgt spid="36"/>
-                                        </p:tgtEl>
-                                        <p:attrNameLst>
-                                          <p:attrName>ppt_y</p:attrName>
-                                        </p:attrNameLst>
-                                      </p:cBhvr>
-                                      <p:tavLst>
-                                        <p:tav tm="0">
-                                          <p:val>
-                                            <p:strVal val="#ppt_y"/>
-                                          </p:val>
-                                        </p:tav>
-                                        <p:tav tm="100000">
-                                          <p:val>
-                                            <p:strVal val="#ppt_y"/>
-                                          </p:val>
-                                        </p:tav>
-                                      </p:tavLst>
-                                    </p:anim>
-                                  </p:childTnLst>
-                                </p:cTn>
-                              </p:par>
-                            </p:childTnLst>
-                          </p:cTn>
-                        </p:par>
-                        <p:par>
-                          <p:cTn id="9" fill="hold">
-                            <p:stCondLst>
-                              <p:cond delay="500"/>
-                            </p:stCondLst>
-                            <p:childTnLst>
-                              <p:par>
-                                <p:cTn id="10" presetID="17" presetClass="entr" presetSubtype="1" fill="hold" grpId="0" nodeType="afterEffect">
-                                  <p:stCondLst>
-                                    <p:cond delay="0"/>
-                                  </p:stCondLst>
-                                  <p:iterate type="lt">
-                                    <p:tmPct val="40000"/>
-                                  </p:iterate>
-                                  <p:childTnLst>
-                                    <p:set>
-                                      <p:cBhvr>
-                                        <p:cTn id="11" dur="1" fill="hold">
-                                          <p:stCondLst>
-                                            <p:cond delay="0"/>
-                                          </p:stCondLst>
-                                        </p:cTn>
-                                        <p:tgtEl>
-                                          <p:spTgt spid="37"/>
-                                        </p:tgtEl>
-                                        <p:attrNameLst>
-                                          <p:attrName>style.visibility</p:attrName>
-                                        </p:attrNameLst>
-                                      </p:cBhvr>
-                                      <p:to>
-                                        <p:strVal val="visible"/>
-                                      </p:to>
-                                    </p:set>
-                                    <p:anim calcmode="lin" valueType="num">
-                                      <p:cBhvr>
-                                        <p:cTn id="12" dur="250" fill="hold"/>
-                                        <p:tgtEl>
-                                          <p:spTgt spid="37"/>
-                                        </p:tgtEl>
-                                        <p:attrNameLst>
-                                          <p:attrName>ppt_x</p:attrName>
-                                        </p:attrNameLst>
-                                      </p:cBhvr>
-                                      <p:tavLst>
-                                        <p:tav tm="0">
-                                          <p:val>
-                                            <p:strVal val="#ppt_x"/>
-                                          </p:val>
-                                        </p:tav>
-                                        <p:tav tm="100000">
-                                          <p:val>
-                                            <p:strVal val="#ppt_x"/>
-                                          </p:val>
-                                        </p:tav>
-                                      </p:tavLst>
-                                    </p:anim>
-                                    <p:anim calcmode="lin" valueType="num">
-                                      <p:cBhvr>
-                                        <p:cTn id="13" dur="250" fill="hold"/>
-                                        <p:tgtEl>
-                                          <p:spTgt spid="37"/>
-                                        </p:tgtEl>
-                                        <p:attrNameLst>
-                                          <p:attrName>ppt_y</p:attrName>
-                                        </p:attrNameLst>
-                                      </p:cBhvr>
-                                      <p:tavLst>
-                                        <p:tav tm="0">
-                                          <p:val>
-                                            <p:strVal val="#ppt_y-#ppt_h/2"/>
-                                          </p:val>
-                                        </p:tav>
-                                        <p:tav tm="100000">
-                                          <p:val>
-                                            <p:strVal val="#ppt_y"/>
-                                          </p:val>
-                                        </p:tav>
-                                      </p:tavLst>
-                                    </p:anim>
-                                    <p:anim calcmode="lin" valueType="num">
-                                      <p:cBhvr>
-                                        <p:cTn id="14" dur="250" fill="hold"/>
-                                        <p:tgtEl>
-                                          <p:spTgt spid="37"/>
-                                        </p:tgtEl>
-                                        <p:attrNameLst>
-                                          <p:attrName>ppt_w</p:attrName>
-                                        </p:attrNameLst>
-                                      </p:cBhvr>
-                                      <p:tavLst>
-                                        <p:tav tm="0">
-                                          <p:val>
-                                            <p:strVal val="#ppt_w"/>
-                                          </p:val>
-                                        </p:tav>
-                                        <p:tav tm="100000">
-                                          <p:val>
-                                            <p:strVal val="#ppt_w"/>
-                                          </p:val>
-                                        </p:tav>
-                                      </p:tavLst>
-                                    </p:anim>
-                                    <p:anim calcmode="lin" valueType="num">
-                                      <p:cBhvr>
-                                        <p:cTn id="15" dur="250" fill="hold"/>
-                                        <p:tgtEl>
-                                          <p:spTgt spid="37"/>
-                                        </p:tgtEl>
-                                        <p:attrNameLst>
-                                          <p:attrName>ppt_h</p:attrName>
-                                        </p:attrNameLst>
-                                      </p:cBhvr>
-                                      <p:tavLst>
-                                        <p:tav tm="0">
-                                          <p:val>
-                                            <p:fltVal val="0"/>
-                                          </p:val>
-                                        </p:tav>
-                                        <p:tav tm="100000">
-                                          <p:val>
-                                            <p:strVal val="#ppt_h"/>
-                                          </p:val>
-                                        </p:tav>
-                                      </p:tavLst>
-                                    </p:anim>
-                                  </p:childTnLst>
-                                </p:cTn>
-                              </p:par>
-                            </p:childTnLst>
-                          </p:cTn>
-                        </p:par>
-                      </p:childTnLst>
-                    </p:cTn>
-                  </p:par>
-                </p:childTnLst>
-              </p:cTn>
-              <p:prevCondLst>
-                <p:cond evt="onPrev" delay="0">
-                  <p:tgtEl>
-                    <p:sldTgt/>
-                  </p:tgtEl>
-                </p:cond>
-              </p:prevCondLst>
-              <p:nextCondLst>
-                <p:cond evt="onNext" delay="0">
-                  <p:tgtEl>
-                    <p:sldTgt/>
-                  </p:tgtEl>
-                </p:cond>
-              </p:nextCondLst>
-            </p:seq>
-          </p:childTnLst>
-        </p:cTn>
+        <p:cTn id="1" dur="indefinite" restart="never" nodeType="tmRoot"/>
       </p:par>
     </p:tnLst>
-    <p:bldLst>
-      <p:bldP spid="36" grpId="0" bldLvl="0" animBg="1"/>
-      <p:bldP spid="37" grpId="0"/>
-    </p:bldLst>
   </p:timing>
 </p:sld>
 </file>
@@ -22507,13 +20906,6 @@
               </a:rPr>
               <a:t>项目名称：问酒</a:t>
             </a:r>
-            <a:endParaRPr lang="zh-CN" altLang="en-US" dirty="0">
-              <a:solidFill>
-                <a:sysClr val="windowText" lastClr="000000"/>
-              </a:solidFill>
-              <a:latin typeface="微软雅黑" panose="020B0503020204020204" pitchFamily="34" charset="-122"/>
-              <a:ea typeface="微软雅黑" panose="020B0503020204020204" pitchFamily="34" charset="-122"/>
-            </a:endParaRPr>
           </a:p>
         </p:txBody>
       </p:sp>
@@ -22549,13 +20941,6 @@
               </a:rPr>
               <a:t>项目简介</a:t>
             </a:r>
-            <a:endParaRPr lang="zh-CN" altLang="en-US" sz="3200" b="1" dirty="0">
-              <a:solidFill>
-                <a:schemeClr val="bg1"/>
-              </a:solidFill>
-              <a:latin typeface="微软雅黑" panose="020B0503020204020204" pitchFamily="34" charset="-122"/>
-              <a:ea typeface="微软雅黑" panose="020B0503020204020204" pitchFamily="34" charset="-122"/>
-            </a:endParaRPr>
           </a:p>
         </p:txBody>
       </p:sp>
@@ -22579,6 +20964,7 @@
           <a:bodyPr wrap="square" rtlCol="0">
             <a:spAutoFit/>
           </a:bodyPr>
+          <a:lstStyle/>
           <a:p>
             <a:r>
               <a:rPr lang="zh-CN" altLang="en-US">
@@ -22598,14 +20984,6 @@
               </a:rPr>
               <a:t>供广大群众通过图像识别查询酒的基本信息，以及推荐喝法和配菜。</a:t>
             </a:r>
-            <a:endParaRPr lang="zh-CN" altLang="en-US" dirty="0">
-              <a:solidFill>
-                <a:sysClr val="windowText" lastClr="000000"/>
-              </a:solidFill>
-              <a:latin typeface="微软雅黑" panose="020B0503020204020204" pitchFamily="34" charset="-122"/>
-              <a:ea typeface="微软雅黑" panose="020B0503020204020204" pitchFamily="34" charset="-122"/>
-              <a:sym typeface="+mn-ea"/>
-            </a:endParaRPr>
           </a:p>
           <a:p>
             <a:endParaRPr lang="zh-CN" altLang="en-US" dirty="0">
@@ -22629,14 +21007,6 @@
               </a:rPr>
               <a:t>项目目标：为喜欢喝酒以及对酒文化感兴趣的群体通过Android Studio和Tensorflow等工具开发出一个可以通过图像识别来检索酒的信息的APP。</a:t>
             </a:r>
-            <a:endParaRPr lang="zh-CN" altLang="en-US" dirty="0">
-              <a:solidFill>
-                <a:sysClr val="windowText" lastClr="000000"/>
-              </a:solidFill>
-              <a:latin typeface="微软雅黑" panose="020B0503020204020204" pitchFamily="34" charset="-122"/>
-              <a:ea typeface="微软雅黑" panose="020B0503020204020204" pitchFamily="34" charset="-122"/>
-              <a:sym typeface="+mn-ea"/>
-            </a:endParaRPr>
           </a:p>
           <a:p>
             <a:endParaRPr lang="zh-CN" altLang="en-US"/>
@@ -23153,6 +21523,809 @@
           <a:chExt cx="0" cy="0"/>
         </a:xfrm>
       </p:grpSpPr>
+      <p:pic>
+        <p:nvPicPr>
+          <p:cNvPr id="2050" name="Picture 2"/>
+          <p:cNvPicPr>
+            <a:picLocks noChangeAspect="1" noChangeArrowheads="1"/>
+          </p:cNvPicPr>
+          <p:nvPr/>
+        </p:nvPicPr>
+        <p:blipFill>
+          <a:blip r:embed="rId2">
+            <a:extLst>
+              <a:ext uri="{28A0092B-C50C-407E-A947-70E740481C1C}">
+                <a14:useLocalDpi xmlns:a14="http://schemas.microsoft.com/office/drawing/2010/main" val="0"/>
+              </a:ext>
+            </a:extLst>
+          </a:blip>
+          <a:srcRect/>
+          <a:stretch>
+            <a:fillRect/>
+          </a:stretch>
+        </p:blipFill>
+        <p:spPr bwMode="auto">
+          <a:xfrm>
+            <a:off x="1012825" y="223838"/>
+            <a:ext cx="10163175" cy="6410325"/>
+          </a:xfrm>
+          <a:prstGeom prst="rect">
+            <a:avLst/>
+          </a:prstGeom>
+          <a:noFill/>
+          <a:ln>
+            <a:noFill/>
+          </a:ln>
+          <a:extLst>
+            <a:ext uri="{909E8E84-426E-40DD-AFC4-6F175D3DCCD1}">
+              <a14:hiddenFill xmlns:a14="http://schemas.microsoft.com/office/drawing/2010/main">
+                <a:solidFill>
+                  <a:schemeClr val="accent1"/>
+                </a:solidFill>
+              </a14:hiddenFill>
+            </a:ext>
+            <a:ext uri="{91240B29-F687-4F45-9708-019B960494DF}">
+              <a14:hiddenLine xmlns:a14="http://schemas.microsoft.com/office/drawing/2010/main" w="9525">
+                <a:solidFill>
+                  <a:schemeClr val="tx1"/>
+                </a:solidFill>
+                <a:miter lim="800000"/>
+                <a:headEnd/>
+                <a:tailEnd/>
+              </a14:hiddenLine>
+            </a:ext>
+          </a:extLst>
+        </p:spPr>
+      </p:pic>
+    </p:spTree>
+    <p:extLst>
+      <p:ext uri="{BB962C8B-B14F-4D97-AF65-F5344CB8AC3E}">
+        <p14:creationId xmlns:p14="http://schemas.microsoft.com/office/powerpoint/2010/main" val="2794282569"/>
+      </p:ext>
+    </p:extLst>
+  </p:cSld>
+  <p:clrMapOvr>
+    <a:masterClrMapping/>
+  </p:clrMapOvr>
+  <p:transition spd="slow" advClick="0" advTm="0">
+    <p:wipe/>
+  </p:transition>
+  <p:timing>
+    <p:tnLst>
+      <p:par>
+        <p:cTn id="1" dur="indefinite" restart="never" nodeType="tmRoot"/>
+      </p:par>
+    </p:tnLst>
+  </p:timing>
+</p:sld>
+</file>
+
+<file path=ppt/slides/slide21.xml><?xml version="1.0" encoding="utf-8"?>
+<p:sld xmlns:a="http://schemas.openxmlformats.org/drawingml/2006/main" xmlns:r="http://schemas.openxmlformats.org/officeDocument/2006/relationships" xmlns:p="http://schemas.openxmlformats.org/presentationml/2006/main">
+  <p:cSld>
+    <p:spTree>
+      <p:nvGrpSpPr>
+        <p:cNvPr id="1" name=""/>
+        <p:cNvGrpSpPr/>
+        <p:nvPr/>
+      </p:nvGrpSpPr>
+      <p:grpSpPr>
+        <a:xfrm>
+          <a:off x="0" y="0"/>
+          <a:ext cx="0" cy="0"/>
+          <a:chOff x="0" y="0"/>
+          <a:chExt cx="0" cy="0"/>
+        </a:xfrm>
+      </p:grpSpPr>
+      <p:sp>
+        <p:nvSpPr>
+          <p:cNvPr id="36" name="矩形 35"/>
+          <p:cNvSpPr/>
+          <p:nvPr/>
+        </p:nvSpPr>
+        <p:spPr>
+          <a:xfrm>
+            <a:off x="-106680" y="0"/>
+            <a:ext cx="2938780" cy="6859270"/>
+          </a:xfrm>
+          <a:prstGeom prst="rect">
+            <a:avLst/>
+          </a:prstGeom>
+          <a:solidFill>
+            <a:srgbClr val="38B1BF"/>
+          </a:solidFill>
+          <a:ln>
+            <a:noFill/>
+          </a:ln>
+          <a:effectLst>
+            <a:outerShdw blurRad="50800" dist="38100" dir="2700000" algn="tl" rotWithShape="0">
+              <a:prstClr val="black">
+                <a:alpha val="40000"/>
+              </a:prstClr>
+            </a:outerShdw>
+          </a:effectLst>
+          <a:scene3d>
+            <a:camera prst="orthographicFront"/>
+            <a:lightRig rig="threePt" dir="t"/>
+          </a:scene3d>
+          <a:sp3d/>
+        </p:spPr>
+        <p:style>
+          <a:lnRef idx="1">
+            <a:schemeClr val="accent1"/>
+          </a:lnRef>
+          <a:fillRef idx="0">
+            <a:schemeClr val="accent1"/>
+          </a:fillRef>
+          <a:effectRef idx="0">
+            <a:schemeClr val="accent1"/>
+          </a:effectRef>
+          <a:fontRef idx="minor">
+            <a:schemeClr val="tx1"/>
+          </a:fontRef>
+        </p:style>
+        <p:txBody>
+          <a:bodyPr rot="0" spcFirstLastPara="0" vertOverflow="overflow" horzOverflow="overflow" vert="horz" wrap="square" lIns="91440" tIns="45720" rIns="91440" bIns="45720" numCol="1" spcCol="0" rtlCol="0" fromWordArt="0" anchor="ctr" anchorCtr="0" forceAA="0" compatLnSpc="1">
+            <a:noAutofit/>
+          </a:bodyPr>
+          <a:lstStyle/>
+          <a:p>
+            <a:pPr algn="ctr"/>
+            <a:endParaRPr lang="zh-CN" altLang="en-US"/>
+          </a:p>
+        </p:txBody>
+      </p:sp>
+      <p:sp>
+        <p:nvSpPr>
+          <p:cNvPr id="37" name="TextBox 36"/>
+          <p:cNvSpPr txBox="1"/>
+          <p:nvPr/>
+        </p:nvSpPr>
+        <p:spPr>
+          <a:xfrm>
+            <a:off x="-276651" y="2922512"/>
+            <a:ext cx="2808312" cy="614045"/>
+          </a:xfrm>
+          <a:prstGeom prst="rect">
+            <a:avLst/>
+          </a:prstGeom>
+          <a:noFill/>
+        </p:spPr>
+        <p:txBody>
+          <a:bodyPr wrap="square" lIns="121948" tIns="60973" rIns="121948" bIns="60973">
+            <a:spAutoFit/>
+          </a:bodyPr>
+          <a:lstStyle/>
+          <a:p>
+            <a:pPr algn="r">
+              <a:defRPr/>
+            </a:pPr>
+            <a:r>
+              <a:rPr lang="zh-CN" sz="3200" b="1" dirty="0">
+                <a:solidFill>
+                  <a:schemeClr val="bg1"/>
+                </a:solidFill>
+                <a:latin typeface="微软雅黑" panose="020B0503020204020204" pitchFamily="34" charset="-122"/>
+                <a:ea typeface="微软雅黑" panose="020B0503020204020204" pitchFamily="34" charset="-122"/>
+              </a:rPr>
+              <a:t>分工及考评</a:t>
+            </a:r>
+          </a:p>
+        </p:txBody>
+      </p:sp>
+      <p:graphicFrame>
+        <p:nvGraphicFramePr>
+          <p:cNvPr id="3" name="表格 2"/>
+          <p:cNvGraphicFramePr/>
+          <p:nvPr/>
+        </p:nvGraphicFramePr>
+        <p:xfrm>
+          <a:off x="3181985" y="1708150"/>
+          <a:ext cx="8532495" cy="3854450"/>
+        </p:xfrm>
+        <a:graphic>
+          <a:graphicData uri="http://schemas.openxmlformats.org/drawingml/2006/table">
+            <a:tbl>
+              <a:tblPr firstRow="1" bandRow="1">
+                <a:tableStyleId>{5C22544A-7EE6-4342-B048-85BDC9FD1C3A}</a:tableStyleId>
+              </a:tblPr>
+              <a:tblGrid>
+                <a:gridCol w="1442720"/>
+                <a:gridCol w="4245610"/>
+                <a:gridCol w="2844165"/>
+              </a:tblGrid>
+              <a:tr h="1313180">
+                <a:tc>
+                  <a:txBody>
+                    <a:bodyPr/>
+                    <a:lstStyle/>
+                    <a:p>
+                      <a:pPr algn="ctr">
+                        <a:buNone/>
+                      </a:pPr>
+                      <a:r>
+                        <a:rPr lang="zh-CN" altLang="en-US" b="0">
+                          <a:solidFill>
+                            <a:schemeClr val="tx1"/>
+                          </a:solidFill>
+                        </a:rPr>
+                        <a:t>黄为波</a:t>
+                      </a:r>
+                    </a:p>
+                  </a:txBody>
+                  <a:tcPr>
+                    <a:solidFill>
+                      <a:schemeClr val="accent1">
+                        <a:lumMod val="40000"/>
+                        <a:lumOff val="60000"/>
+                      </a:schemeClr>
+                    </a:solidFill>
+                  </a:tcPr>
+                </a:tc>
+                <a:tc>
+                  <a:txBody>
+                    <a:bodyPr/>
+                    <a:lstStyle/>
+                    <a:p>
+                      <a:pPr algn="ctr">
+                        <a:buNone/>
+                      </a:pPr>
+                      <a:r>
+                        <a:rPr lang="zh-CN" altLang="en-US" b="0">
+                          <a:solidFill>
+                            <a:schemeClr val="tx1"/>
+                          </a:solidFill>
+                        </a:rPr>
+                        <a:t>制作甘特图，</a:t>
+                      </a:r>
+                      <a:r>
+                        <a:rPr lang="en-US" altLang="zh-CN" b="0">
+                          <a:solidFill>
+                            <a:schemeClr val="tx1"/>
+                          </a:solidFill>
+                        </a:rPr>
+                        <a:t>PPT</a:t>
+                      </a:r>
+                      <a:r>
+                        <a:rPr lang="zh-CN" altLang="en-US" b="0">
+                          <a:solidFill>
+                            <a:schemeClr val="tx1"/>
+                          </a:solidFill>
+                        </a:rPr>
+                        <a:t>制作与整合，执笔项目计划报告，系统流程图，数据流图</a:t>
+                      </a:r>
+                    </a:p>
+                  </a:txBody>
+                  <a:tcPr>
+                    <a:solidFill>
+                      <a:schemeClr val="accent1">
+                        <a:lumMod val="40000"/>
+                        <a:lumOff val="60000"/>
+                      </a:schemeClr>
+                    </a:solidFill>
+                  </a:tcPr>
+                </a:tc>
+                <a:tc>
+                  <a:txBody>
+                    <a:bodyPr/>
+                    <a:lstStyle/>
+                    <a:p>
+                      <a:pPr algn="ctr">
+                        <a:buNone/>
+                      </a:pPr>
+                      <a:r>
+                        <a:rPr lang="en-US" altLang="zh-CN" b="0">
+                          <a:solidFill>
+                            <a:schemeClr val="tx1"/>
+                          </a:solidFill>
+                        </a:rPr>
+                        <a:t>9.6</a:t>
+                      </a:r>
+                    </a:p>
+                  </a:txBody>
+                  <a:tcPr>
+                    <a:solidFill>
+                      <a:schemeClr val="accent1">
+                        <a:lumMod val="40000"/>
+                        <a:lumOff val="60000"/>
+                      </a:schemeClr>
+                    </a:solidFill>
+                  </a:tcPr>
+                </a:tc>
+              </a:tr>
+              <a:tr h="1270000">
+                <a:tc>
+                  <a:txBody>
+                    <a:bodyPr/>
+                    <a:lstStyle/>
+                    <a:p>
+                      <a:pPr algn="ctr">
+                        <a:buNone/>
+                      </a:pPr>
+                      <a:r>
+                        <a:rPr lang="zh-CN" altLang="en-US">
+                          <a:solidFill>
+                            <a:schemeClr val="tx1"/>
+                          </a:solidFill>
+                        </a:rPr>
+                        <a:t>陈子卿</a:t>
+                      </a:r>
+                    </a:p>
+                  </a:txBody>
+                  <a:tcPr/>
+                </a:tc>
+                <a:tc>
+                  <a:txBody>
+                    <a:bodyPr/>
+                    <a:lstStyle/>
+                    <a:p>
+                      <a:pPr algn="ctr">
+                        <a:buNone/>
+                      </a:pPr>
+                      <a:r>
+                        <a:rPr lang="zh-CN" altLang="en-US">
+                          <a:solidFill>
+                            <a:schemeClr val="tx1"/>
+                          </a:solidFill>
+                        </a:rPr>
+                        <a:t>制作风险评估计划表格，</a:t>
+                      </a:r>
+                      <a:r>
+                        <a:rPr lang="en-US" altLang="zh-CN">
+                          <a:solidFill>
+                            <a:schemeClr val="tx1"/>
+                          </a:solidFill>
+                        </a:rPr>
+                        <a:t>word</a:t>
+                      </a:r>
+                      <a:r>
+                        <a:rPr lang="zh-CN" altLang="en-US">
+                          <a:solidFill>
+                            <a:schemeClr val="tx1"/>
+                          </a:solidFill>
+                        </a:rPr>
+                        <a:t>文档的规范排版，执笔需求分析报告，项目计划报告的修改</a:t>
+                      </a:r>
+                    </a:p>
+                  </a:txBody>
+                  <a:tcPr/>
+                </a:tc>
+                <a:tc>
+                  <a:txBody>
+                    <a:bodyPr/>
+                    <a:lstStyle/>
+                    <a:p>
+                      <a:pPr algn="ctr">
+                        <a:buNone/>
+                      </a:pPr>
+                      <a:r>
+                        <a:rPr lang="en-US" altLang="zh-CN">
+                          <a:solidFill>
+                            <a:schemeClr val="tx1"/>
+                          </a:solidFill>
+                        </a:rPr>
+                        <a:t>9.3</a:t>
+                      </a:r>
+                    </a:p>
+                  </a:txBody>
+                  <a:tcPr/>
+                </a:tc>
+              </a:tr>
+              <a:tr h="1271270">
+                <a:tc>
+                  <a:txBody>
+                    <a:bodyPr/>
+                    <a:lstStyle/>
+                    <a:p>
+                      <a:pPr algn="ctr">
+                        <a:buNone/>
+                      </a:pPr>
+                      <a:r>
+                        <a:rPr lang="zh-CN" altLang="en-US">
+                          <a:solidFill>
+                            <a:schemeClr val="tx1"/>
+                          </a:solidFill>
+                        </a:rPr>
+                        <a:t>蔡峰</a:t>
+                      </a:r>
+                    </a:p>
+                  </a:txBody>
+                  <a:tcPr>
+                    <a:solidFill>
+                      <a:schemeClr val="accent1">
+                        <a:lumMod val="40000"/>
+                        <a:lumOff val="60000"/>
+                      </a:schemeClr>
+                    </a:solidFill>
+                  </a:tcPr>
+                </a:tc>
+                <a:tc>
+                  <a:txBody>
+                    <a:bodyPr/>
+                    <a:lstStyle/>
+                    <a:p>
+                      <a:pPr algn="ctr">
+                        <a:buNone/>
+                      </a:pPr>
+                      <a:r>
+                        <a:rPr lang="zh-CN" altLang="en-US">
+                          <a:solidFill>
+                            <a:schemeClr val="tx1"/>
+                          </a:solidFill>
+                        </a:rPr>
+                        <a:t>执笔可行性分析报告，</a:t>
+                      </a:r>
+                      <a:r>
+                        <a:rPr lang="en-US" altLang="zh-CN">
+                          <a:solidFill>
+                            <a:schemeClr val="tx1"/>
+                          </a:solidFill>
+                        </a:rPr>
+                        <a:t>PPT</a:t>
+                      </a:r>
+                      <a:r>
+                        <a:rPr lang="zh-CN" altLang="en-US">
+                          <a:solidFill>
+                            <a:schemeClr val="tx1"/>
+                          </a:solidFill>
+                        </a:rPr>
+                        <a:t>中可行性分析的制作，需求分析报告的修改，</a:t>
+                      </a:r>
+                      <a:r>
+                        <a:rPr lang="en-US" altLang="zh-CN">
+                          <a:solidFill>
+                            <a:schemeClr val="tx1"/>
+                          </a:solidFill>
+                        </a:rPr>
+                        <a:t>PPT</a:t>
+                      </a:r>
+                      <a:r>
+                        <a:rPr lang="zh-CN" altLang="en-US">
+                          <a:solidFill>
+                            <a:schemeClr val="tx1"/>
+                          </a:solidFill>
+                        </a:rPr>
+                        <a:t>的整改</a:t>
+                      </a:r>
+                    </a:p>
+                  </a:txBody>
+                  <a:tcPr>
+                    <a:solidFill>
+                      <a:schemeClr val="accent1">
+                        <a:lumMod val="40000"/>
+                        <a:lumOff val="60000"/>
+                      </a:schemeClr>
+                    </a:solidFill>
+                  </a:tcPr>
+                </a:tc>
+                <a:tc>
+                  <a:txBody>
+                    <a:bodyPr/>
+                    <a:lstStyle/>
+                    <a:p>
+                      <a:pPr algn="ctr">
+                        <a:buNone/>
+                      </a:pPr>
+                      <a:r>
+                        <a:rPr lang="en-US" altLang="zh-CN">
+                          <a:solidFill>
+                            <a:schemeClr val="tx1"/>
+                          </a:solidFill>
+                        </a:rPr>
+                        <a:t>9.2</a:t>
+                      </a:r>
+                    </a:p>
+                  </a:txBody>
+                  <a:tcPr>
+                    <a:solidFill>
+                      <a:schemeClr val="accent1">
+                        <a:lumMod val="40000"/>
+                        <a:lumOff val="60000"/>
+                      </a:schemeClr>
+                    </a:solidFill>
+                  </a:tcPr>
+                </a:tc>
+              </a:tr>
+            </a:tbl>
+          </a:graphicData>
+        </a:graphic>
+      </p:graphicFrame>
+    </p:spTree>
+  </p:cSld>
+  <p:clrMapOvr>
+    <a:masterClrMapping/>
+  </p:clrMapOvr>
+  <mc:AlternateContent xmlns:mc="http://schemas.openxmlformats.org/markup-compatibility/2006" xmlns:p14="http://schemas.microsoft.com/office/powerpoint/2010/main">
+    <mc:Choice Requires="p14">
+      <p:transition spd="slow" p14:dur="1200" advClick="0" advTm="0">
+        <p14:prism/>
+      </p:transition>
+    </mc:Choice>
+    <mc:Fallback xmlns="">
+      <p:transition spd="slow" advClick="0" advTm="0">
+        <p:fade/>
+      </p:transition>
+    </mc:Fallback>
+  </mc:AlternateContent>
+  <p:timing>
+    <p:tnLst>
+      <p:par>
+        <p:cTn id="1" dur="indefinite" restart="never" nodeType="tmRoot">
+          <p:childTnLst>
+            <p:seq concurrent="1" nextAc="seek">
+              <p:cTn id="2" dur="indefinite" nodeType="mainSeq">
+                <p:childTnLst>
+                  <p:par>
+                    <p:cTn id="3" fill="hold">
+                      <p:stCondLst>
+                        <p:cond delay="indefinite"/>
+                        <p:cond evt="onBegin" delay="0">
+                          <p:tn val="2"/>
+                        </p:cond>
+                      </p:stCondLst>
+                      <p:childTnLst>
+                        <p:par>
+                          <p:cTn id="4" fill="hold">
+                            <p:stCondLst>
+                              <p:cond delay="0"/>
+                            </p:stCondLst>
+                            <p:childTnLst>
+                              <p:par>
+                                <p:cTn id="5" presetID="2" presetClass="entr" presetSubtype="8" fill="hold" grpId="0" nodeType="afterEffect">
+                                  <p:stCondLst>
+                                    <p:cond delay="0"/>
+                                  </p:stCondLst>
+                                  <p:childTnLst>
+                                    <p:set>
+                                      <p:cBhvr>
+                                        <p:cTn id="6" dur="1" fill="hold">
+                                          <p:stCondLst>
+                                            <p:cond delay="0"/>
+                                          </p:stCondLst>
+                                        </p:cTn>
+                                        <p:tgtEl>
+                                          <p:spTgt spid="36"/>
+                                        </p:tgtEl>
+                                        <p:attrNameLst>
+                                          <p:attrName>style.visibility</p:attrName>
+                                        </p:attrNameLst>
+                                      </p:cBhvr>
+                                      <p:to>
+                                        <p:strVal val="visible"/>
+                                      </p:to>
+                                    </p:set>
+                                    <p:anim calcmode="lin" valueType="num">
+                                      <p:cBhvr additive="base">
+                                        <p:cTn id="7" dur="500" fill="hold"/>
+                                        <p:tgtEl>
+                                          <p:spTgt spid="36"/>
+                                        </p:tgtEl>
+                                        <p:attrNameLst>
+                                          <p:attrName>ppt_x</p:attrName>
+                                        </p:attrNameLst>
+                                      </p:cBhvr>
+                                      <p:tavLst>
+                                        <p:tav tm="0">
+                                          <p:val>
+                                            <p:strVal val="0-#ppt_w/2"/>
+                                          </p:val>
+                                        </p:tav>
+                                        <p:tav tm="100000">
+                                          <p:val>
+                                            <p:strVal val="#ppt_x"/>
+                                          </p:val>
+                                        </p:tav>
+                                      </p:tavLst>
+                                    </p:anim>
+                                    <p:anim calcmode="lin" valueType="num">
+                                      <p:cBhvr additive="base">
+                                        <p:cTn id="8" dur="500" fill="hold"/>
+                                        <p:tgtEl>
+                                          <p:spTgt spid="36"/>
+                                        </p:tgtEl>
+                                        <p:attrNameLst>
+                                          <p:attrName>ppt_y</p:attrName>
+                                        </p:attrNameLst>
+                                      </p:cBhvr>
+                                      <p:tavLst>
+                                        <p:tav tm="0">
+                                          <p:val>
+                                            <p:strVal val="#ppt_y"/>
+                                          </p:val>
+                                        </p:tav>
+                                        <p:tav tm="100000">
+                                          <p:val>
+                                            <p:strVal val="#ppt_y"/>
+                                          </p:val>
+                                        </p:tav>
+                                      </p:tavLst>
+                                    </p:anim>
+                                  </p:childTnLst>
+                                </p:cTn>
+                              </p:par>
+                            </p:childTnLst>
+                          </p:cTn>
+                        </p:par>
+                        <p:par>
+                          <p:cTn id="9" fill="hold">
+                            <p:stCondLst>
+                              <p:cond delay="500"/>
+                            </p:stCondLst>
+                            <p:childTnLst>
+                              <p:par>
+                                <p:cTn id="10" presetID="17" presetClass="entr" presetSubtype="1" fill="hold" grpId="0" nodeType="afterEffect">
+                                  <p:stCondLst>
+                                    <p:cond delay="0"/>
+                                  </p:stCondLst>
+                                  <p:iterate type="lt">
+                                    <p:tmPct val="40000"/>
+                                  </p:iterate>
+                                  <p:childTnLst>
+                                    <p:set>
+                                      <p:cBhvr>
+                                        <p:cTn id="11" dur="1" fill="hold">
+                                          <p:stCondLst>
+                                            <p:cond delay="0"/>
+                                          </p:stCondLst>
+                                        </p:cTn>
+                                        <p:tgtEl>
+                                          <p:spTgt spid="37"/>
+                                        </p:tgtEl>
+                                        <p:attrNameLst>
+                                          <p:attrName>style.visibility</p:attrName>
+                                        </p:attrNameLst>
+                                      </p:cBhvr>
+                                      <p:to>
+                                        <p:strVal val="visible"/>
+                                      </p:to>
+                                    </p:set>
+                                    <p:anim calcmode="lin" valueType="num">
+                                      <p:cBhvr>
+                                        <p:cTn id="12" dur="250" fill="hold"/>
+                                        <p:tgtEl>
+                                          <p:spTgt spid="37"/>
+                                        </p:tgtEl>
+                                        <p:attrNameLst>
+                                          <p:attrName>ppt_x</p:attrName>
+                                        </p:attrNameLst>
+                                      </p:cBhvr>
+                                      <p:tavLst>
+                                        <p:tav tm="0">
+                                          <p:val>
+                                            <p:strVal val="#ppt_x"/>
+                                          </p:val>
+                                        </p:tav>
+                                        <p:tav tm="100000">
+                                          <p:val>
+                                            <p:strVal val="#ppt_x"/>
+                                          </p:val>
+                                        </p:tav>
+                                      </p:tavLst>
+                                    </p:anim>
+                                    <p:anim calcmode="lin" valueType="num">
+                                      <p:cBhvr>
+                                        <p:cTn id="13" dur="250" fill="hold"/>
+                                        <p:tgtEl>
+                                          <p:spTgt spid="37"/>
+                                        </p:tgtEl>
+                                        <p:attrNameLst>
+                                          <p:attrName>ppt_y</p:attrName>
+                                        </p:attrNameLst>
+                                      </p:cBhvr>
+                                      <p:tavLst>
+                                        <p:tav tm="0">
+                                          <p:val>
+                                            <p:strVal val="#ppt_y-#ppt_h/2"/>
+                                          </p:val>
+                                        </p:tav>
+                                        <p:tav tm="100000">
+                                          <p:val>
+                                            <p:strVal val="#ppt_y"/>
+                                          </p:val>
+                                        </p:tav>
+                                      </p:tavLst>
+                                    </p:anim>
+                                    <p:anim calcmode="lin" valueType="num">
+                                      <p:cBhvr>
+                                        <p:cTn id="14" dur="250" fill="hold"/>
+                                        <p:tgtEl>
+                                          <p:spTgt spid="37"/>
+                                        </p:tgtEl>
+                                        <p:attrNameLst>
+                                          <p:attrName>ppt_w</p:attrName>
+                                        </p:attrNameLst>
+                                      </p:cBhvr>
+                                      <p:tavLst>
+                                        <p:tav tm="0">
+                                          <p:val>
+                                            <p:strVal val="#ppt_w"/>
+                                          </p:val>
+                                        </p:tav>
+                                        <p:tav tm="100000">
+                                          <p:val>
+                                            <p:strVal val="#ppt_w"/>
+                                          </p:val>
+                                        </p:tav>
+                                      </p:tavLst>
+                                    </p:anim>
+                                    <p:anim calcmode="lin" valueType="num">
+                                      <p:cBhvr>
+                                        <p:cTn id="15" dur="250" fill="hold"/>
+                                        <p:tgtEl>
+                                          <p:spTgt spid="37"/>
+                                        </p:tgtEl>
+                                        <p:attrNameLst>
+                                          <p:attrName>ppt_h</p:attrName>
+                                        </p:attrNameLst>
+                                      </p:cBhvr>
+                                      <p:tavLst>
+                                        <p:tav tm="0">
+                                          <p:val>
+                                            <p:fltVal val="0"/>
+                                          </p:val>
+                                        </p:tav>
+                                        <p:tav tm="100000">
+                                          <p:val>
+                                            <p:strVal val="#ppt_h"/>
+                                          </p:val>
+                                        </p:tav>
+                                      </p:tavLst>
+                                    </p:anim>
+                                  </p:childTnLst>
+                                </p:cTn>
+                              </p:par>
+                            </p:childTnLst>
+                          </p:cTn>
+                        </p:par>
+                      </p:childTnLst>
+                    </p:cTn>
+                  </p:par>
+                </p:childTnLst>
+              </p:cTn>
+              <p:prevCondLst>
+                <p:cond evt="onPrev" delay="0">
+                  <p:tgtEl>
+                    <p:sldTgt/>
+                  </p:tgtEl>
+                </p:cond>
+              </p:prevCondLst>
+              <p:nextCondLst>
+                <p:cond evt="onNext" delay="0">
+                  <p:tgtEl>
+                    <p:sldTgt/>
+                  </p:tgtEl>
+                </p:cond>
+              </p:nextCondLst>
+            </p:seq>
+          </p:childTnLst>
+        </p:cTn>
+      </p:par>
+    </p:tnLst>
+    <p:bldLst>
+      <p:bldP spid="36" grpId="0" bldLvl="0" animBg="1"/>
+      <p:bldP spid="37" grpId="0"/>
+    </p:bldLst>
+  </p:timing>
+</p:sld>
+</file>
+
+<file path=ppt/slides/slide22.xml><?xml version="1.0" encoding="utf-8"?>
+<p:sld xmlns:a="http://schemas.openxmlformats.org/drawingml/2006/main" xmlns:r="http://schemas.openxmlformats.org/officeDocument/2006/relationships" xmlns:p="http://schemas.openxmlformats.org/presentationml/2006/main">
+  <p:cSld>
+    <p:spTree>
+      <p:nvGrpSpPr>
+        <p:cNvPr id="1" name=""/>
+        <p:cNvGrpSpPr/>
+        <p:nvPr/>
+      </p:nvGrpSpPr>
+      <p:grpSpPr>
+        <a:xfrm>
+          <a:off x="0" y="0"/>
+          <a:ext cx="0" cy="0"/>
+          <a:chOff x="0" y="0"/>
+          <a:chExt cx="0" cy="0"/>
+        </a:xfrm>
+      </p:grpSpPr>
       <p:cxnSp>
         <p:nvCxnSpPr>
           <p:cNvPr id="30" name="直接连接符 29"/>
@@ -23623,13 +22796,6 @@
               </a:rPr>
               <a:t>问酒</a:t>
             </a:r>
-            <a:endParaRPr lang="zh-CN" altLang="en-US" sz="12800" dirty="0">
-              <a:solidFill>
-                <a:srgbClr val="38B1BF"/>
-              </a:solidFill>
-              <a:latin typeface="微软雅黑" panose="020B0503020204020204" pitchFamily="34" charset="-122"/>
-              <a:ea typeface="微软雅黑" panose="020B0503020204020204" pitchFamily="34" charset="-122"/>
-            </a:endParaRPr>
           </a:p>
         </p:txBody>
       </p:sp>
@@ -23721,16 +22887,6 @@
               </a:rPr>
               <a:t>小组</a:t>
             </a:r>
-            <a:endParaRPr lang="zh-CN" altLang="en-US" sz="1900" dirty="0">
-              <a:solidFill>
-                <a:schemeClr val="tx1">
-                  <a:lumMod val="85000"/>
-                  <a:lumOff val="15000"/>
-                </a:schemeClr>
-              </a:solidFill>
-              <a:latin typeface="微软雅黑" panose="020B0503020204020204" pitchFamily="34" charset="-122"/>
-              <a:ea typeface="微软雅黑" panose="020B0503020204020204" pitchFamily="34" charset="-122"/>
-            </a:endParaRPr>
           </a:p>
         </p:txBody>
       </p:sp>
@@ -23781,16 +22937,6 @@
               </a:rPr>
               <a:t>汇报结束 感谢观看</a:t>
             </a:r>
-            <a:endParaRPr lang="zh-CN" altLang="en-US" sz="3600" b="1" dirty="0">
-              <a:solidFill>
-                <a:schemeClr val="tx1">
-                  <a:lumMod val="75000"/>
-                  <a:lumOff val="25000"/>
-                </a:schemeClr>
-              </a:solidFill>
-              <a:latin typeface="微软雅黑" panose="020B0503020204020204" pitchFamily="34" charset="-122"/>
-              <a:ea typeface="微软雅黑" panose="020B0503020204020204" pitchFamily="34" charset="-122"/>
-            </a:endParaRPr>
           </a:p>
         </p:txBody>
       </p:sp>
@@ -23895,16 +23041,6 @@
               </a:rPr>
               <a:t>日</a:t>
             </a:r>
-            <a:endParaRPr lang="zh-CN" altLang="en-US" sz="1900" dirty="0">
-              <a:solidFill>
-                <a:schemeClr val="tx1">
-                  <a:lumMod val="85000"/>
-                  <a:lumOff val="15000"/>
-                </a:schemeClr>
-              </a:solidFill>
-              <a:latin typeface="微软雅黑" panose="020B0503020204020204" pitchFamily="34" charset="-122"/>
-              <a:ea typeface="微软雅黑" panose="020B0503020204020204" pitchFamily="34" charset="-122"/>
-            </a:endParaRPr>
           </a:p>
         </p:txBody>
       </p:sp>
@@ -23952,16 +23088,16 @@
             <a:picLocks noChangeAspect="1"/>
           </p:cNvPicPr>
           <p:nvPr>
-            <a:audioFile r:link="rId1"/>
+            <a:audioFile r:link="rId2"/>
             <p:extLst>
               <p:ext uri="{DAA4B4D4-6D71-4841-9C94-3DE7FCFB9230}">
-                <p14:media xmlns:p14="http://schemas.microsoft.com/office/powerpoint/2010/main" r:embed="rId2"/>
+                <p14:media xmlns:p14="http://schemas.microsoft.com/office/powerpoint/2010/main" r:embed="rId1"/>
               </p:ext>
             </p:extLst>
           </p:nvPr>
         </p:nvPicPr>
         <p:blipFill>
-          <a:blip r:embed="rId3"/>
+          <a:blip r:embed="rId5"/>
           <a:stretch>
             <a:fillRect/>
           </a:stretch>
@@ -23996,6 +23132,7 @@
           <a:bodyPr wrap="square" rtlCol="0">
             <a:spAutoFit/>
           </a:bodyPr>
+          <a:lstStyle/>
           <a:p>
             <a:r>
               <a:rPr lang="zh-CN" altLang="en-US" kern="300" spc="2000">
@@ -24008,14 +23145,6 @@
               </a:rPr>
               <a:t>浙江大学城市学院</a:t>
             </a:r>
-            <a:endParaRPr lang="zh-CN" altLang="en-US" kern="300" spc="2000">
-              <a:solidFill>
-                <a:schemeClr val="tx1"/>
-              </a:solidFill>
-              <a:uFillTx/>
-              <a:latin typeface="+中文标题" charset="0"/>
-              <a:ea typeface="+mj-ea"/>
-            </a:endParaRPr>
           </a:p>
         </p:txBody>
       </p:sp>
@@ -24024,13 +23153,13 @@
   <p:clrMapOvr>
     <a:masterClrMapping/>
   </p:clrMapOvr>
-  <mc:AlternateContent xmlns:mc="http://schemas.openxmlformats.org/markup-compatibility/2006">
-    <mc:Choice xmlns:p14="http://schemas.microsoft.com/office/powerpoint/2010/main" Requires="p14">
+  <mc:AlternateContent xmlns:mc="http://schemas.openxmlformats.org/markup-compatibility/2006" xmlns:p14="http://schemas.microsoft.com/office/powerpoint/2010/main">
+    <mc:Choice Requires="p14">
       <p:transition spd="slow" p14:dur="1600" advClick="0" advTm="0">
         <p:blinds dir="vert"/>
       </p:transition>
     </mc:Choice>
-    <mc:Fallback>
+    <mc:Fallback xmlns="">
       <p:transition spd="slow" advClick="0" advTm="0">
         <p:blinds dir="vert"/>
       </p:transition>
@@ -25016,13 +24145,6 @@
               </a:rPr>
               <a:t>项目简介</a:t>
             </a:r>
-            <a:endParaRPr lang="zh-CN" altLang="en-US" sz="3200" b="1" dirty="0">
-              <a:solidFill>
-                <a:schemeClr val="bg1"/>
-              </a:solidFill>
-              <a:latin typeface="微软雅黑" panose="020B0503020204020204" pitchFamily="34" charset="-122"/>
-              <a:ea typeface="微软雅黑" panose="020B0503020204020204" pitchFamily="34" charset="-122"/>
-            </a:endParaRPr>
           </a:p>
         </p:txBody>
       </p:sp>
@@ -25054,6 +24176,7 @@
                 <a:tc>
                   <a:txBody>
                     <a:bodyPr/>
+                    <a:lstStyle/>
                     <a:p>
                       <a:pPr lvl="0" indent="267970" algn="l">
                         <a:spcAft>
@@ -25089,6 +24212,7 @@
                 <a:tc>
                   <a:txBody>
                     <a:bodyPr/>
+                    <a:lstStyle/>
                     <a:p>
                       <a:pPr lvl="0" indent="267970" algn="l">
                         <a:spcAft>
@@ -25124,6 +24248,7 @@
                 <a:tc>
                   <a:txBody>
                     <a:bodyPr/>
+                    <a:lstStyle/>
                     <a:p>
                       <a:pPr lvl="0" indent="267970" algn="l">
                         <a:spcAft>
@@ -25159,6 +24284,7 @@
                 <a:tc>
                   <a:txBody>
                     <a:bodyPr/>
+                    <a:lstStyle/>
                     <a:p>
                       <a:pPr lvl="0" indent="267970" algn="l">
                         <a:spcAft>
@@ -25196,6 +24322,7 @@
                 <a:tc>
                   <a:txBody>
                     <a:bodyPr/>
+                    <a:lstStyle/>
                     <a:p>
                       <a:pPr lvl="0" indent="266700" algn="l">
                         <a:spcAft>
@@ -25211,12 +24338,6 @@
                         </a:rPr>
                         <a:t>黄为波</a:t>
                       </a:r>
-                      <a:endParaRPr lang="zh-CN" sz="1800" kern="100">
-                        <a:effectLst/>
-                        <a:latin typeface="+mn-ea"/>
-                        <a:ea typeface="+mn-ea"/>
-                        <a:cs typeface="Times New Roman" panose="02020603050405020304" pitchFamily="18" charset="0"/>
-                      </a:endParaRPr>
                     </a:p>
                   </a:txBody>
                   <a:tcPr marL="68580" marR="68580" marT="0" marB="0" anchor="ctr"/>
@@ -25224,6 +24345,7 @@
                 <a:tc>
                   <a:txBody>
                     <a:bodyPr/>
+                    <a:lstStyle/>
                     <a:p>
                       <a:pPr lvl="0" indent="266700" algn="l">
                         <a:spcAft>
@@ -25252,6 +24374,7 @@
                 <a:tc>
                   <a:txBody>
                     <a:bodyPr/>
+                    <a:lstStyle/>
                     <a:p>
                       <a:pPr lvl="0" indent="127000" algn="l">
                         <a:spcAft>
@@ -25270,15 +24393,6 @@
                         </a:rPr>
                         <a:t>31601351@stu.zucc.edu.cn</a:t>
                       </a:r>
-                      <a:endParaRPr lang="en-US" sz="1800" u="none" strike="noStrike" kern="100" dirty="0">
-                        <a:solidFill>
-                          <a:srgbClr val="0563C1"/>
-                        </a:solidFill>
-                        <a:effectLst/>
-                        <a:latin typeface="+mn-ea"/>
-                        <a:ea typeface="+mn-ea"/>
-                        <a:cs typeface="Times New Roman" panose="02020603050405020304" pitchFamily="18" charset="0"/>
-                      </a:endParaRPr>
                     </a:p>
                   </a:txBody>
                   <a:tcPr marL="68580" marR="68580" marT="0" marB="0" anchor="ctr"/>
@@ -25286,6 +24400,7 @@
                 <a:tc>
                   <a:txBody>
                     <a:bodyPr/>
+                    <a:lstStyle/>
                     <a:p>
                       <a:pPr lvl="0" indent="266700" algn="l">
                         <a:spcAft>
@@ -25310,12 +24425,6 @@
                         </a:rPr>
                         <a:t>1-602</a:t>
                       </a:r>
-                      <a:endParaRPr lang="en-US" altLang="zh-CN" sz="1800" kern="100">
-                        <a:effectLst/>
-                        <a:latin typeface="+mn-ea"/>
-                        <a:ea typeface="+mn-ea"/>
-                        <a:cs typeface="Times New Roman" panose="02020603050405020304" pitchFamily="18" charset="0"/>
-                      </a:endParaRPr>
                     </a:p>
                   </a:txBody>
                   <a:tcPr marL="68580" marR="68580" marT="0" marB="0" anchor="ctr"/>
@@ -25345,12 +24454,12 @@
           <a:bodyPr wrap="square" rtlCol="0">
             <a:spAutoFit/>
           </a:bodyPr>
+          <a:lstStyle/>
           <a:p>
             <a:r>
               <a:rPr lang="zh-CN" altLang="en-US"/>
               <a:t>项目提出者：</a:t>
             </a:r>
-            <a:endParaRPr lang="zh-CN" altLang="en-US"/>
           </a:p>
         </p:txBody>
       </p:sp>
@@ -25374,12 +24483,12 @@
           <a:bodyPr wrap="square" rtlCol="0">
             <a:spAutoFit/>
           </a:bodyPr>
+          <a:lstStyle/>
           <a:p>
             <a:r>
               <a:rPr lang="zh-CN" altLang="en-US"/>
               <a:t>项目用户：</a:t>
             </a:r>
-            <a:endParaRPr lang="zh-CN" altLang="en-US"/>
           </a:p>
         </p:txBody>
       </p:sp>
@@ -25403,12 +24512,12 @@
           <a:bodyPr wrap="square" rtlCol="0">
             <a:spAutoFit/>
           </a:bodyPr>
+          <a:lstStyle/>
           <a:p>
             <a:r>
               <a:rPr lang="zh-CN" altLang="en-US" b="1"/>
               <a:t>喜欢喝酒以及对酒文化感兴趣的群体。</a:t>
             </a:r>
-            <a:endParaRPr lang="zh-CN" altLang="en-US" b="1"/>
           </a:p>
         </p:txBody>
       </p:sp>
@@ -25807,13 +24916,6 @@
               </a:rPr>
               <a:t>项目简介</a:t>
             </a:r>
-            <a:endParaRPr lang="zh-CN" altLang="en-US" sz="3200" b="1" dirty="0">
-              <a:solidFill>
-                <a:schemeClr val="bg1"/>
-              </a:solidFill>
-              <a:latin typeface="微软雅黑" panose="020B0503020204020204" pitchFamily="34" charset="-122"/>
-              <a:ea typeface="微软雅黑" panose="020B0503020204020204" pitchFamily="34" charset="-122"/>
-            </a:endParaRPr>
           </a:p>
         </p:txBody>
       </p:sp>
@@ -25846,6 +24948,7 @@
                 <a:tc>
                   <a:txBody>
                     <a:bodyPr/>
+                    <a:lstStyle/>
                     <a:p>
                       <a:pPr indent="127000" algn="just">
                         <a:spcAft>
@@ -25878,6 +24981,7 @@
                 <a:tc>
                   <a:txBody>
                     <a:bodyPr/>
+                    <a:lstStyle/>
                     <a:p>
                       <a:pPr indent="127000" algn="just">
                         <a:spcAft>
@@ -25910,6 +25014,7 @@
                 <a:tc>
                   <a:txBody>
                     <a:bodyPr/>
+                    <a:lstStyle/>
                     <a:p>
                       <a:pPr indent="127000" algn="just">
                         <a:spcAft>
@@ -25942,6 +25047,7 @@
                 <a:tc>
                   <a:txBody>
                     <a:bodyPr/>
+                    <a:lstStyle/>
                     <a:p>
                       <a:pPr indent="127000" algn="just">
                         <a:spcAft>
@@ -25974,6 +25080,7 @@
                 <a:tc>
                   <a:txBody>
                     <a:bodyPr/>
+                    <a:lstStyle/>
                     <a:p>
                       <a:pPr indent="127000" algn="just">
                         <a:spcAft>
@@ -26008,6 +25115,7 @@
                 <a:tc>
                   <a:txBody>
                     <a:bodyPr/>
+                    <a:lstStyle/>
                     <a:p>
                       <a:pPr indent="127000" algn="just">
                         <a:spcAft>
@@ -26023,12 +25131,6 @@
                         </a:rPr>
                         <a:t>黄为波</a:t>
                       </a:r>
-                      <a:endParaRPr lang="zh-CN" sz="1800" kern="100">
-                        <a:effectLst/>
-                        <a:latin typeface="+mn-ea"/>
-                        <a:ea typeface="+mn-ea"/>
-                        <a:cs typeface="Times New Roman" panose="02020603050405020304" pitchFamily="18" charset="0"/>
-                      </a:endParaRPr>
                     </a:p>
                   </a:txBody>
                   <a:tcPr marL="68580" marR="68580" marT="0" marB="0" anchor="ctr"/>
@@ -26036,6 +25138,7 @@
                 <a:tc>
                   <a:txBody>
                     <a:bodyPr/>
+                    <a:lstStyle/>
                     <a:p>
                       <a:pPr indent="127000" algn="just">
                         <a:spcAft>
@@ -26051,12 +25154,6 @@
                         </a:rPr>
                         <a:t>组长</a:t>
                       </a:r>
-                      <a:endParaRPr lang="zh-CN" sz="1800" kern="100">
-                        <a:effectLst/>
-                        <a:latin typeface="+mn-ea"/>
-                        <a:ea typeface="+mn-ea"/>
-                        <a:cs typeface="Times New Roman" panose="02020603050405020304" pitchFamily="18" charset="0"/>
-                      </a:endParaRPr>
                     </a:p>
                   </a:txBody>
                   <a:tcPr marL="68580" marR="68580" marT="0" marB="0" anchor="ctr"/>
@@ -26064,6 +25161,7 @@
                 <a:tc>
                   <a:txBody>
                     <a:bodyPr/>
+                    <a:lstStyle/>
                     <a:p>
                       <a:pPr indent="127000" algn="just">
                         <a:spcAft>
@@ -26079,12 +25177,6 @@
                         </a:rPr>
                         <a:t>15336551730</a:t>
                       </a:r>
-                      <a:endParaRPr lang="en-US" sz="1800" kern="100">
-                        <a:effectLst/>
-                        <a:latin typeface="+mn-ea"/>
-                        <a:ea typeface="+mn-ea"/>
-                        <a:cs typeface="Times New Roman" panose="02020603050405020304" pitchFamily="18" charset="0"/>
-                      </a:endParaRPr>
                     </a:p>
                   </a:txBody>
                   <a:tcPr marL="68580" marR="68580" marT="0" marB="0" anchor="ctr"/>
@@ -26092,6 +25184,7 @@
                 <a:tc>
                   <a:txBody>
                     <a:bodyPr/>
+                    <a:lstStyle/>
                     <a:p>
                       <a:pPr indent="127000" algn="just">
                         <a:spcAft>
@@ -26120,6 +25213,7 @@
                 <a:tc>
                   <a:txBody>
                     <a:bodyPr/>
+                    <a:lstStyle/>
                     <a:p>
                       <a:pPr indent="127000" algn="just">
                         <a:spcAft>
@@ -26159,6 +25253,7 @@
                 <a:tc>
                   <a:txBody>
                     <a:bodyPr/>
+                    <a:lstStyle/>
                     <a:p>
                       <a:pPr indent="127000" algn="just">
                         <a:spcAft>
@@ -26174,12 +25269,6 @@
                         </a:rPr>
                         <a:t>蔡峰</a:t>
                       </a:r>
-                      <a:endParaRPr lang="zh-CN" sz="1800" kern="100">
-                        <a:effectLst/>
-                        <a:latin typeface="+mn-ea"/>
-                        <a:ea typeface="+mn-ea"/>
-                        <a:cs typeface="Times New Roman" panose="02020603050405020304" pitchFamily="18" charset="0"/>
-                      </a:endParaRPr>
                     </a:p>
                   </a:txBody>
                   <a:tcPr marL="68580" marR="68580" marT="0" marB="0" anchor="ctr">
@@ -26194,6 +25283,7 @@
                 <a:tc>
                   <a:txBody>
                     <a:bodyPr/>
+                    <a:lstStyle/>
                     <a:p>
                       <a:pPr indent="127000" algn="just">
                         <a:spcAft>
@@ -26209,12 +25299,6 @@
                         </a:rPr>
                         <a:t>组员</a:t>
                       </a:r>
-                      <a:endParaRPr lang="zh-CN" sz="1800" kern="100">
-                        <a:effectLst/>
-                        <a:latin typeface="+mn-ea"/>
-                        <a:ea typeface="+mn-ea"/>
-                        <a:cs typeface="Times New Roman" panose="02020603050405020304" pitchFamily="18" charset="0"/>
-                      </a:endParaRPr>
                     </a:p>
                   </a:txBody>
                   <a:tcPr marL="68580" marR="68580" marT="0" marB="0" anchor="ctr">
@@ -26229,6 +25313,7 @@
                 <a:tc>
                   <a:txBody>
                     <a:bodyPr/>
+                    <a:lstStyle/>
                     <a:p>
                       <a:pPr indent="127000" algn="just">
                         <a:spcAft>
@@ -26264,6 +25349,7 @@
                 <a:tc>
                   <a:txBody>
                     <a:bodyPr/>
+                    <a:lstStyle/>
                     <a:p>
                       <a:pPr indent="127000" algn="just">
                         <a:spcAft>
@@ -26299,6 +25385,7 @@
                 <a:tc>
                   <a:txBody>
                     <a:bodyPr/>
+                    <a:lstStyle/>
                     <a:p>
                       <a:pPr indent="127000" algn="just">
                         <a:spcAft>
@@ -26345,6 +25432,7 @@
                 <a:tc>
                   <a:txBody>
                     <a:bodyPr/>
+                    <a:lstStyle/>
                     <a:p>
                       <a:pPr indent="127000" algn="just">
                         <a:spcAft>
@@ -26360,12 +25448,6 @@
                         </a:rPr>
                         <a:t>陈子卿</a:t>
                       </a:r>
-                      <a:endParaRPr lang="zh-CN" sz="1800" kern="100">
-                        <a:effectLst/>
-                        <a:latin typeface="+mn-ea"/>
-                        <a:ea typeface="+mn-ea"/>
-                        <a:cs typeface="Times New Roman" panose="02020603050405020304" pitchFamily="18" charset="0"/>
-                      </a:endParaRPr>
                     </a:p>
                   </a:txBody>
                   <a:tcPr marL="68580" marR="68580" marT="0" marB="0" anchor="ctr"/>
@@ -26373,6 +25455,7 @@
                 <a:tc>
                   <a:txBody>
                     <a:bodyPr/>
+                    <a:lstStyle/>
                     <a:p>
                       <a:pPr indent="127000" algn="just">
                         <a:spcAft>
@@ -26388,12 +25471,6 @@
                         </a:rPr>
                         <a:t>组员</a:t>
                       </a:r>
-                      <a:endParaRPr lang="zh-CN" sz="1800" kern="100">
-                        <a:effectLst/>
-                        <a:latin typeface="+mn-ea"/>
-                        <a:ea typeface="+mn-ea"/>
-                        <a:cs typeface="Times New Roman" panose="02020603050405020304" pitchFamily="18" charset="0"/>
-                      </a:endParaRPr>
                     </a:p>
                   </a:txBody>
                   <a:tcPr marL="68580" marR="68580" marT="0" marB="0" anchor="ctr"/>
@@ -26401,6 +25478,7 @@
                 <a:tc>
                   <a:txBody>
                     <a:bodyPr/>
+                    <a:lstStyle/>
                     <a:p>
                       <a:pPr indent="127000" algn="just">
                         <a:spcAft>
@@ -26416,12 +25494,6 @@
                         </a:rPr>
                         <a:t>15968119438</a:t>
                       </a:r>
-                      <a:endParaRPr lang="en-US" sz="1800" kern="100">
-                        <a:effectLst/>
-                        <a:latin typeface="+mn-ea"/>
-                        <a:ea typeface="+mn-ea"/>
-                        <a:cs typeface="Times New Roman" panose="02020603050405020304" pitchFamily="18" charset="0"/>
-                      </a:endParaRPr>
                     </a:p>
                   </a:txBody>
                   <a:tcPr marL="68580" marR="68580" marT="0" marB="0" anchor="ctr"/>
@@ -26429,6 +25501,7 @@
                 <a:tc>
                   <a:txBody>
                     <a:bodyPr/>
+                    <a:lstStyle/>
                     <a:p>
                       <a:pPr indent="127000" algn="just">
                         <a:spcAft>
@@ -26457,6 +25530,7 @@
                 <a:tc>
                   <a:txBody>
                     <a:bodyPr/>
+                    <a:lstStyle/>
                     <a:p>
                       <a:pPr indent="127000" algn="just">
                         <a:spcAft>
@@ -26516,6 +25590,7 @@
           <a:bodyPr wrap="square" rtlCol="0">
             <a:spAutoFit/>
           </a:bodyPr>
+          <a:lstStyle/>
           <a:p>
             <a:r>
               <a:rPr lang="zh-CN" altLang="en-US" sz="2800" b="1">
@@ -26532,18 +25607,6 @@
               </a:rPr>
               <a:t>开发团队：</a:t>
             </a:r>
-            <a:endParaRPr lang="zh-CN" altLang="en-US" sz="2800" b="1">
-              <a:solidFill>
-                <a:schemeClr val="tx1"/>
-              </a:solidFill>
-              <a:effectLst>
-                <a:outerShdw blurRad="38100" dist="19050" dir="2700000" algn="tl" rotWithShape="0">
-                  <a:schemeClr val="dk1">
-                    <a:alpha val="40000"/>
-                  </a:schemeClr>
-                </a:outerShdw>
-              </a:effectLst>
-            </a:endParaRPr>
           </a:p>
         </p:txBody>
       </p:sp>
@@ -28721,13 +27784,6 @@
               <a:noFill/>
             </a:ln>
             <a:extLst>
-              <a:ext uri="{909E8E84-426E-40DD-AFC4-6F175D3DCCD1}">
-                <a14:hiddenFill xmlns:a14="http://schemas.microsoft.com/office/drawing/2010/main">
-                  <a:solidFill>
-                    <a:srgbClr val="FFFFFF"/>
-                  </a:solidFill>
-                </a14:hiddenFill>
-              </a:ext>
               <a:ext uri="{91240B29-F687-4F45-9708-019B960494DF}">
                 <a14:hiddenLine xmlns:a14="http://schemas.microsoft.com/office/drawing/2010/main" w="9525">
                   <a:solidFill>
@@ -29100,13 +28156,6 @@
               <a:noFill/>
             </a:ln>
             <a:extLst>
-              <a:ext uri="{909E8E84-426E-40DD-AFC4-6F175D3DCCD1}">
-                <a14:hiddenFill xmlns:a14="http://schemas.microsoft.com/office/drawing/2010/main">
-                  <a:solidFill>
-                    <a:srgbClr val="FFFFFF"/>
-                  </a:solidFill>
-                </a14:hiddenFill>
-              </a:ext>
               <a:ext uri="{91240B29-F687-4F45-9708-019B960494DF}">
                 <a14:hiddenLine xmlns:a14="http://schemas.microsoft.com/office/drawing/2010/main" w="9525">
                   <a:solidFill>
@@ -29479,13 +28528,6 @@
               <a:noFill/>
             </a:ln>
             <a:extLst>
-              <a:ext uri="{909E8E84-426E-40DD-AFC4-6F175D3DCCD1}">
-                <a14:hiddenFill xmlns:a14="http://schemas.microsoft.com/office/drawing/2010/main">
-                  <a:solidFill>
-                    <a:srgbClr val="FFFFFF"/>
-                  </a:solidFill>
-                </a14:hiddenFill>
-              </a:ext>
               <a:ext uri="{91240B29-F687-4F45-9708-019B960494DF}">
                 <a14:hiddenLine xmlns:a14="http://schemas.microsoft.com/office/drawing/2010/main" w="9525">
                   <a:solidFill>
@@ -29804,15 +28846,6 @@
               </a:rPr>
               <a:t>可行性分析</a:t>
             </a:r>
-            <a:endParaRPr lang="zh-CN" altLang="en-US" sz="3065" kern="0" dirty="0">
-              <a:solidFill>
-                <a:srgbClr val="FFFFFF"/>
-              </a:solidFill>
-              <a:latin typeface="+mn-lt"/>
-              <a:ea typeface="+mn-ea"/>
-              <a:cs typeface="+mn-ea"/>
-              <a:sym typeface="+mn-lt"/>
-            </a:endParaRPr>
           </a:p>
         </p:txBody>
       </p:sp>
@@ -29980,15 +29013,6 @@
               </a:rPr>
               <a:t>需求分析</a:t>
             </a:r>
-            <a:endParaRPr lang="zh-CN" altLang="en-US" sz="3065" kern="0" dirty="0">
-              <a:solidFill>
-                <a:srgbClr val="FFFFFF"/>
-              </a:solidFill>
-              <a:latin typeface="+mn-lt"/>
-              <a:ea typeface="+mn-ea"/>
-              <a:cs typeface="+mn-ea"/>
-              <a:sym typeface="+mn-lt"/>
-            </a:endParaRPr>
           </a:p>
         </p:txBody>
       </p:sp>
@@ -30156,15 +29180,6 @@
               </a:rPr>
               <a:t>项目计划</a:t>
             </a:r>
-            <a:endParaRPr lang="zh-CN" altLang="en-US" sz="3065" kern="0" dirty="0">
-              <a:solidFill>
-                <a:srgbClr val="FFFFFF"/>
-              </a:solidFill>
-              <a:latin typeface="+mn-lt"/>
-              <a:ea typeface="+mn-ea"/>
-              <a:cs typeface="+mn-ea"/>
-              <a:sym typeface="+mn-lt"/>
-            </a:endParaRPr>
           </a:p>
         </p:txBody>
       </p:sp>
@@ -30386,13 +29401,6 @@
               <a:noFill/>
             </a:ln>
             <a:extLst>
-              <a:ext uri="{909E8E84-426E-40DD-AFC4-6F175D3DCCD1}">
-                <a14:hiddenFill xmlns:a14="http://schemas.microsoft.com/office/drawing/2010/main">
-                  <a:solidFill>
-                    <a:srgbClr val="FFFFFF"/>
-                  </a:solidFill>
-                </a14:hiddenFill>
-              </a:ext>
               <a:ext uri="{91240B29-F687-4F45-9708-019B960494DF}">
                 <a14:hiddenLine xmlns:a14="http://schemas.microsoft.com/office/drawing/2010/main" w="9525">
                   <a:solidFill>
@@ -30534,15 +29542,6 @@
                 </a:rPr>
                 <a:t>4</a:t>
               </a:r>
-              <a:endParaRPr lang="en-US" altLang="zh-CN" sz="2800" b="1" kern="0">
-                <a:solidFill>
-                  <a:schemeClr val="tx2"/>
-                </a:solidFill>
-                <a:latin typeface="+mn-lt"/>
-                <a:ea typeface="+mn-ea"/>
-                <a:cs typeface="+mn-ea"/>
-                <a:sym typeface="+mn-lt"/>
-              </a:endParaRPr>
             </a:p>
           </p:txBody>
         </p:sp>
@@ -30711,15 +29710,6 @@
               </a:rPr>
               <a:t>分工及考评</a:t>
             </a:r>
-            <a:endParaRPr lang="zh-CN" altLang="en-US" sz="3065" kern="0" dirty="0">
-              <a:solidFill>
-                <a:srgbClr val="FFFFFF"/>
-              </a:solidFill>
-              <a:latin typeface="+mn-lt"/>
-              <a:ea typeface="+mn-ea"/>
-              <a:cs typeface="+mn-ea"/>
-              <a:sym typeface="+mn-lt"/>
-            </a:endParaRPr>
           </a:p>
         </p:txBody>
       </p:sp>
@@ -32042,14 +31032,6 @@
                 </a:rPr>
                 <a:t>技术可行性</a:t>
               </a:r>
-              <a:endParaRPr lang="zh-CN" altLang="en-US" sz="2000" b="1" kern="100" dirty="0" smtClean="0">
-                <a:solidFill>
-                  <a:schemeClr val="bg1"/>
-                </a:solidFill>
-                <a:latin typeface="微软雅黑" panose="020B0503020204020204" pitchFamily="34" charset="-122"/>
-                <a:ea typeface="微软雅黑" panose="020B0503020204020204" pitchFamily="34" charset="-122"/>
-                <a:cs typeface="Times New Roman" panose="02020603050405020304" pitchFamily="18" charset="0"/>
-              </a:endParaRPr>
             </a:p>
           </p:txBody>
         </p:sp>
@@ -32229,14 +31211,6 @@
                 </a:rPr>
                 <a:t>经济可行性</a:t>
               </a:r>
-              <a:endParaRPr lang="zh-CN" altLang="zh-CN" sz="2000" b="1" kern="100" dirty="0">
-                <a:solidFill>
-                  <a:schemeClr val="bg1"/>
-                </a:solidFill>
-                <a:latin typeface="微软雅黑" panose="020B0503020204020204" pitchFamily="34" charset="-122"/>
-                <a:ea typeface="微软雅黑" panose="020B0503020204020204" pitchFamily="34" charset="-122"/>
-                <a:cs typeface="Times New Roman" panose="02020603050405020304" pitchFamily="18" charset="0"/>
-              </a:endParaRPr>
             </a:p>
           </p:txBody>
         </p:sp>
@@ -32300,11 +31274,6 @@
               </a:rPr>
               <a:t>3</a:t>
             </a:r>
-            <a:endParaRPr lang="en-US" altLang="zh-CN" sz="3600" dirty="0">
-              <a:latin typeface="+mj-lt"/>
-              <a:ea typeface="Arial Unicode MS" panose="020B0604020202020204" pitchFamily="34" charset="-122"/>
-              <a:cs typeface="Arial Unicode MS" panose="020B0604020202020204" pitchFamily="34" charset="-122"/>
-            </a:endParaRPr>
           </a:p>
         </p:txBody>
       </p:sp>
@@ -32416,14 +31385,6 @@
                 </a:rPr>
                 <a:t>法律可行性</a:t>
               </a:r>
-              <a:endParaRPr lang="zh-CN" altLang="zh-CN" sz="2000" b="1" kern="100" dirty="0">
-                <a:solidFill>
-                  <a:schemeClr val="bg1"/>
-                </a:solidFill>
-                <a:latin typeface="微软雅黑" panose="020B0503020204020204" pitchFamily="34" charset="-122"/>
-                <a:ea typeface="微软雅黑" panose="020B0503020204020204" pitchFamily="34" charset="-122"/>
-                <a:cs typeface="Times New Roman" panose="02020603050405020304" pitchFamily="18" charset="0"/>
-              </a:endParaRPr>
             </a:p>
           </p:txBody>
         </p:sp>
@@ -32521,13 +31482,6 @@
               </a:rPr>
               <a:t>可行性分析</a:t>
             </a:r>
-            <a:endParaRPr lang="zh-CN" sz="3200" b="1" dirty="0">
-              <a:solidFill>
-                <a:schemeClr val="bg1"/>
-              </a:solidFill>
-              <a:latin typeface="微软雅黑" panose="020B0503020204020204" pitchFamily="34" charset="-122"/>
-              <a:ea typeface="微软雅黑" panose="020B0503020204020204" pitchFamily="34" charset="-122"/>
-            </a:endParaRPr>
           </a:p>
         </p:txBody>
       </p:sp>
@@ -32589,13 +31543,13 @@
   <p:clrMapOvr>
     <a:masterClrMapping/>
   </p:clrMapOvr>
-  <mc:AlternateContent xmlns:mc="http://schemas.openxmlformats.org/markup-compatibility/2006">
-    <mc:Choice xmlns:p14="http://schemas.microsoft.com/office/powerpoint/2010/main" Requires="p14">
+  <mc:AlternateContent xmlns:mc="http://schemas.openxmlformats.org/markup-compatibility/2006" xmlns:p14="http://schemas.microsoft.com/office/powerpoint/2010/main">
+    <mc:Choice Requires="p14">
       <p:transition spd="slow" p14:dur="1200" advClick="0" advTm="0">
         <p14:prism/>
       </p:transition>
     </mc:Choice>
-    <mc:Fallback>
+    <mc:Fallback xmlns="">
       <p:transition spd="slow" advClick="0" advTm="0">
         <p:fade/>
       </p:transition>
@@ -33464,6 +32418,7 @@
           <a:bodyPr wrap="square" rtlCol="0">
             <a:spAutoFit/>
           </a:bodyPr>
+          <a:lstStyle/>
           <a:p>
             <a:r>
               <a:rPr lang="zh-CN" sz="2665" dirty="0">
@@ -33475,13 +32430,6 @@
               </a:rPr>
               <a:t>技术可行性</a:t>
             </a:r>
-            <a:endParaRPr lang="zh-CN" sz="2665" dirty="0">
-              <a:solidFill>
-                <a:srgbClr val="183A5D"/>
-              </a:solidFill>
-              <a:latin typeface="微软雅黑" panose="020B0503020204020204" pitchFamily="34" charset="-122"/>
-              <a:ea typeface="微软雅黑" panose="020B0503020204020204" pitchFamily="34" charset="-122"/>
-            </a:endParaRPr>
           </a:p>
         </p:txBody>
       </p:sp>
@@ -33494,7 +32442,7 @@
           <p:nvPr/>
         </p:nvPicPr>
         <p:blipFill>
-          <a:blip r:embed="rId1"/>
+          <a:blip r:embed="rId2"/>
           <a:stretch>
             <a:fillRect/>
           </a:stretch>
@@ -33529,12 +32477,12 @@
           <a:bodyPr wrap="square" rtlCol="0">
             <a:spAutoFit/>
           </a:bodyPr>
+          <a:lstStyle/>
           <a:p>
             <a:r>
               <a:rPr lang="zh-CN" altLang="en-US"/>
               <a:t>数据流图：</a:t>
             </a:r>
-            <a:endParaRPr lang="zh-CN" altLang="en-US"/>
           </a:p>
         </p:txBody>
       </p:sp>
@@ -33546,6 +32494,13 @@
   <p:transition spd="slow" advClick="0" advTm="0">
     <p:wipe/>
   </p:transition>
+  <p:timing>
+    <p:tnLst>
+      <p:par>
+        <p:cTn id="1" dur="indefinite" restart="never" nodeType="tmRoot"/>
+      </p:par>
+    </p:tnLst>
+  </p:timing>
 </p:sld>
 </file>
 
@@ -33694,13 +32649,6 @@
               </a:rPr>
               <a:t>技术可行性</a:t>
             </a:r>
-            <a:endParaRPr lang="zh-CN" sz="2665" dirty="0">
-              <a:solidFill>
-                <a:srgbClr val="183A5D"/>
-              </a:solidFill>
-              <a:latin typeface="微软雅黑" panose="020B0503020204020204" pitchFamily="34" charset="-122"/>
-              <a:ea typeface="微软雅黑" panose="020B0503020204020204" pitchFamily="34" charset="-122"/>
-            </a:endParaRPr>
           </a:p>
         </p:txBody>
       </p:sp>
@@ -33713,7 +32661,7 @@
           <p:nvPr/>
         </p:nvPicPr>
         <p:blipFill>
-          <a:blip r:embed="rId1"/>
+          <a:blip r:embed="rId2"/>
           <a:stretch>
             <a:fillRect/>
           </a:stretch>
@@ -33748,12 +32696,12 @@
           <a:bodyPr wrap="square" rtlCol="0">
             <a:spAutoFit/>
           </a:bodyPr>
+          <a:lstStyle/>
           <a:p>
             <a:r>
               <a:rPr lang="zh-CN" altLang="en-US"/>
               <a:t>系统流程图：</a:t>
             </a:r>
-            <a:endParaRPr lang="zh-CN" altLang="en-US"/>
           </a:p>
         </p:txBody>
       </p:sp>
@@ -33765,6 +32713,13 @@
   <p:transition spd="slow" advClick="0" advTm="0">
     <p:wipe/>
   </p:transition>
+  <p:timing>
+    <p:tnLst>
+      <p:par>
+        <p:cTn id="1" dur="indefinite" restart="never" nodeType="tmRoot"/>
+      </p:par>
+    </p:tnLst>
+  </p:timing>
 </p:sld>
 </file>
 
@@ -33877,7 +32832,6 @@
               <a:rPr lang="en-US" sz="2400" dirty="0"/>
               <a:t>2</a:t>
             </a:r>
-            <a:endParaRPr lang="en-US" sz="2400" dirty="0"/>
           </a:p>
         </p:txBody>
       </p:sp>
@@ -33913,13 +32867,6 @@
               </a:rPr>
               <a:t>经济可行性</a:t>
             </a:r>
-            <a:endParaRPr lang="zh-CN" sz="2665" dirty="0" smtClean="0">
-              <a:solidFill>
-                <a:srgbClr val="183A5D"/>
-              </a:solidFill>
-              <a:latin typeface="微软雅黑" panose="020B0503020204020204" pitchFamily="34" charset="-122"/>
-              <a:ea typeface="微软雅黑" panose="020B0503020204020204" pitchFamily="34" charset="-122"/>
-            </a:endParaRPr>
           </a:p>
         </p:txBody>
       </p:sp>
@@ -33943,6 +32890,7 @@
           <a:bodyPr wrap="square" rtlCol="0">
             <a:spAutoFit/>
           </a:bodyPr>
+          <a:lstStyle/>
           <a:p>
             <a:pPr fontAlgn="auto">
               <a:lnSpc>
@@ -33991,10 +32939,6 @@
               </a:rPr>
               <a:t>效益 比的情况下，该项目从经济方面来说可行。</a:t>
             </a:r>
-            <a:endParaRPr lang="zh-CN" altLang="en-US" sz="2400">
-              <a:latin typeface="微软雅黑" panose="020B0503020204020204" pitchFamily="34" charset="-122"/>
-              <a:ea typeface="微软雅黑" panose="020B0503020204020204" pitchFamily="34" charset="-122"/>
-            </a:endParaRPr>
           </a:p>
         </p:txBody>
       </p:sp>
@@ -34006,6 +32950,13 @@
   <p:transition spd="slow" advClick="0" advTm="0">
     <p:wipe/>
   </p:transition>
+  <p:timing>
+    <p:tnLst>
+      <p:par>
+        <p:cTn id="1" dur="indefinite" restart="never" nodeType="tmRoot"/>
+      </p:par>
+    </p:tnLst>
+  </p:timing>
 </p:sld>
 </file>
 
@@ -34287,9 +33238,11 @@
       </a:bgFillStyleLst>
     </a:fmtScheme>
   </a:themeElements>
+  <a:objectDefaults/>
+  <a:extraClrSchemeLst/>
   <a:extLst>
     <a:ext uri="{05A4C25C-085E-4340-85A3-A5531E510DB2}">
-      <thm15:themeFamily xmlns:thm15="http://schemas.microsoft.com/office/thememl/2012/main" name="Office Theme" id="{62F939B6-93AF-4DB8-9C6B-D6C7DFDC589F}" vid="{4A3C46E8-61CC-4603-A589-7422A47A8E4A}"/>
+      <thm15:themeFamily xmlns:thm15="http://schemas.microsoft.com/office/thememl/2012/main" xmlns="" name="Office Theme" id="{62F939B6-93AF-4DB8-9C6B-D6C7DFDC589F}" vid="{4A3C46E8-61CC-4603-A589-7422A47A8E4A}"/>
     </a:ext>
   </a:extLst>
 </a:theme>
@@ -34575,9 +33528,11 @@
       </a:bgFillStyleLst>
     </a:fmtScheme>
   </a:themeElements>
+  <a:objectDefaults/>
+  <a:extraClrSchemeLst/>
   <a:extLst>
     <a:ext uri="{05A4C25C-085E-4340-85A3-A5531E510DB2}">
-      <thm15:themeFamily xmlns:thm15="http://schemas.microsoft.com/office/thememl/2012/main" name="Office Theme" id="{62F939B6-93AF-4DB8-9C6B-D6C7DFDC589F}" vid="{4A3C46E8-61CC-4603-A589-7422A47A8E4A}"/>
+      <thm15:themeFamily xmlns:thm15="http://schemas.microsoft.com/office/thememl/2012/main" xmlns="" name="Office Theme" id="{62F939B6-93AF-4DB8-9C6B-D6C7DFDC589F}" vid="{4A3C46E8-61CC-4603-A589-7422A47A8E4A}"/>
     </a:ext>
   </a:extLst>
 </a:theme>
@@ -34863,9 +33818,11 @@
       </a:bgFillStyleLst>
     </a:fmtScheme>
   </a:themeElements>
+  <a:objectDefaults/>
+  <a:extraClrSchemeLst/>
   <a:extLst>
     <a:ext uri="{05A4C25C-085E-4340-85A3-A5531E510DB2}">
-      <thm15:themeFamily xmlns:thm15="http://schemas.microsoft.com/office/thememl/2012/main" name="Office Theme" id="{62F939B6-93AF-4DB8-9C6B-D6C7DFDC589F}" vid="{4A3C46E8-61CC-4603-A589-7422A47A8E4A}"/>
+      <thm15:themeFamily xmlns:thm15="http://schemas.microsoft.com/office/thememl/2012/main" xmlns="" name="Office Theme" id="{62F939B6-93AF-4DB8-9C6B-D6C7DFDC589F}" vid="{4A3C46E8-61CC-4603-A589-7422A47A8E4A}"/>
     </a:ext>
   </a:extLst>
 </a:theme>

--- a/SE2018春-G17-项目计划PPT.pptx
+++ b/SE2018春-G17-项目计划PPT.pptx
@@ -5,36 +5,35 @@
     <p:sldMasterId id="2147483648" r:id="rId1"/>
   </p:sldMasterIdLst>
   <p:notesMasterIdLst>
-    <p:notesMasterId r:id="rId24"/>
+    <p:notesMasterId r:id="rId4"/>
   </p:notesMasterIdLst>
   <p:handoutMasterIdLst>
     <p:handoutMasterId r:id="rId25"/>
   </p:handoutMasterIdLst>
   <p:sldIdLst>
-    <p:sldId id="370" r:id="rId2"/>
-    <p:sldId id="418" r:id="rId3"/>
-    <p:sldId id="419" r:id="rId4"/>
-    <p:sldId id="420" r:id="rId5"/>
-    <p:sldId id="405" r:id="rId6"/>
-    <p:sldId id="411" r:id="rId7"/>
-    <p:sldId id="439" r:id="rId8"/>
-    <p:sldId id="438" r:id="rId9"/>
-    <p:sldId id="450" r:id="rId10"/>
-    <p:sldId id="437" r:id="rId11"/>
-    <p:sldId id="410" r:id="rId12"/>
-    <p:sldId id="412" r:id="rId13"/>
-    <p:sldId id="413" r:id="rId14"/>
-    <p:sldId id="364" r:id="rId15"/>
-    <p:sldId id="408" r:id="rId16"/>
-    <p:sldId id="406" r:id="rId17"/>
-    <p:sldId id="409" r:id="rId18"/>
-    <p:sldId id="407" r:id="rId19"/>
-    <p:sldId id="452" r:id="rId20"/>
-    <p:sldId id="453" r:id="rId21"/>
-    <p:sldId id="451" r:id="rId22"/>
-    <p:sldId id="436" r:id="rId23"/>
+    <p:sldId id="370" r:id="rId3"/>
+    <p:sldId id="418" r:id="rId5"/>
+    <p:sldId id="419" r:id="rId6"/>
+    <p:sldId id="420" r:id="rId7"/>
+    <p:sldId id="405" r:id="rId8"/>
+    <p:sldId id="411" r:id="rId9"/>
+    <p:sldId id="439" r:id="rId10"/>
+    <p:sldId id="450" r:id="rId11"/>
+    <p:sldId id="437" r:id="rId12"/>
+    <p:sldId id="410" r:id="rId13"/>
+    <p:sldId id="412" r:id="rId14"/>
+    <p:sldId id="413" r:id="rId15"/>
+    <p:sldId id="364" r:id="rId16"/>
+    <p:sldId id="408" r:id="rId17"/>
+    <p:sldId id="406" r:id="rId18"/>
+    <p:sldId id="409" r:id="rId19"/>
+    <p:sldId id="407" r:id="rId20"/>
+    <p:sldId id="452" r:id="rId21"/>
+    <p:sldId id="453" r:id="rId22"/>
+    <p:sldId id="451" r:id="rId23"/>
+    <p:sldId id="436" r:id="rId24"/>
   </p:sldIdLst>
-  <p:sldSz cx="12190413" cy="6859588"/>
+  <p:sldSz cx="12190095" cy="6859270"/>
   <p:notesSz cx="6858000" cy="9144000"/>
   <p:defaultTextStyle>
     <a:defPPr>
@@ -216,7 +215,6 @@
           <a:p>
             <a:fld id="{5D1C15E6-6BD2-4E4B-B1D4-218C26E1B228}" type="datetimeFigureOut">
               <a:rPr lang="zh-CN" altLang="en-US" smtClean="0"/>
-              <a:t>2018/3/26</a:t>
             </a:fld>
             <a:endParaRPr lang="zh-CN" altLang="en-US"/>
           </a:p>
@@ -282,18 +280,12 @@
           <a:p>
             <a:fld id="{E655EDCA-2189-4435-B38B-6F3C2C044356}" type="slidenum">
               <a:rPr lang="zh-CN" altLang="en-US" smtClean="0"/>
-              <a:t>‹#›</a:t>
             </a:fld>
             <a:endParaRPr lang="zh-CN" altLang="en-US"/>
           </a:p>
         </p:txBody>
       </p:sp>
     </p:spTree>
-    <p:extLst>
-      <p:ext uri="{BB962C8B-B14F-4D97-AF65-F5344CB8AC3E}">
-        <p14:creationId xmlns:p14="http://schemas.microsoft.com/office/powerpoint/2010/main" val="1868102852"/>
-      </p:ext>
-    </p:extLst>
   </p:cSld>
   <p:clrMap bg1="lt1" tx1="dk1" bg2="lt2" tx2="dk2" accent1="accent1" accent2="accent2" accent3="accent3" accent4="accent4" accent5="accent5" accent6="accent6" hlink="hlink" folHlink="folHlink"/>
 </p:handoutMaster>
@@ -381,7 +373,6 @@
           <a:p>
             <a:fld id="{0B17430C-5A66-4BD0-A971-34190B6C6019}" type="datetimeFigureOut">
               <a:rPr lang="zh-CN" altLang="en-US" smtClean="0"/>
-              <a:t>2018/3/26</a:t>
             </a:fld>
             <a:endParaRPr lang="zh-CN" altLang="en-US"/>
           </a:p>
@@ -448,6 +439,7 @@
               <a:rPr lang="zh-CN" altLang="en-US" smtClean="0"/>
               <a:t>单击此处编辑母版文本样式</a:t>
             </a:r>
+            <a:endParaRPr lang="zh-CN" altLang="en-US" smtClean="0"/>
           </a:p>
           <a:p>
             <a:pPr lvl="1"/>
@@ -455,6 +447,7 @@
               <a:rPr lang="zh-CN" altLang="en-US" smtClean="0"/>
               <a:t>第二级</a:t>
             </a:r>
+            <a:endParaRPr lang="zh-CN" altLang="en-US" smtClean="0"/>
           </a:p>
           <a:p>
             <a:pPr lvl="2"/>
@@ -462,6 +455,7 @@
               <a:rPr lang="zh-CN" altLang="en-US" smtClean="0"/>
               <a:t>第三级</a:t>
             </a:r>
+            <a:endParaRPr lang="zh-CN" altLang="en-US" smtClean="0"/>
           </a:p>
           <a:p>
             <a:pPr lvl="3"/>
@@ -469,6 +463,7 @@
               <a:rPr lang="zh-CN" altLang="en-US" smtClean="0"/>
               <a:t>第四级</a:t>
             </a:r>
+            <a:endParaRPr lang="zh-CN" altLang="en-US" smtClean="0"/>
           </a:p>
           <a:p>
             <a:pPr lvl="4"/>
@@ -540,18 +535,12 @@
           <a:p>
             <a:fld id="{74AC173A-3DA8-4893-B28A-1E15F55C330A}" type="slidenum">
               <a:rPr lang="zh-CN" altLang="en-US" smtClean="0"/>
-              <a:t>‹#›</a:t>
             </a:fld>
             <a:endParaRPr lang="zh-CN" altLang="en-US"/>
           </a:p>
         </p:txBody>
       </p:sp>
     </p:spTree>
-    <p:extLst>
-      <p:ext uri="{BB962C8B-B14F-4D97-AF65-F5344CB8AC3E}">
-        <p14:creationId xmlns:p14="http://schemas.microsoft.com/office/powerpoint/2010/main" val="3433310361"/>
-      </p:ext>
-    </p:extLst>
   </p:cSld>
   <p:clrMap bg1="lt1" tx1="dk1" bg2="lt2" tx2="dk2" accent1="accent1" accent2="accent2" accent3="accent3" accent4="accent4" accent5="accent5" accent6="accent6" hlink="hlink" folHlink="folHlink"/>
   <p:notesStyle>
@@ -714,7 +703,6 @@
           <a:p>
             <a:fld id="{74AC173A-3DA8-4893-B28A-1E15F55C330A}" type="slidenum">
               <a:rPr lang="zh-CN" altLang="en-US" smtClean="0"/>
-              <a:t>1</a:t>
             </a:fld>
             <a:endParaRPr lang="zh-CN" altLang="en-US"/>
           </a:p>
@@ -793,7 +781,6 @@
           <a:p>
             <a:fld id="{74AC173A-3DA8-4893-B28A-1E15F55C330A}" type="slidenum">
               <a:rPr lang="zh-CN" altLang="en-US" smtClean="0"/>
-              <a:t>22</a:t>
             </a:fld>
             <a:endParaRPr lang="zh-CN" altLang="en-US"/>
           </a:p>
@@ -872,7 +859,6 @@
           <a:p>
             <a:fld id="{74AC173A-3DA8-4893-B28A-1E15F55C330A}" type="slidenum">
               <a:rPr lang="zh-CN" altLang="en-US" smtClean="0"/>
-              <a:t>2</a:t>
             </a:fld>
             <a:endParaRPr lang="zh-CN" altLang="en-US"/>
           </a:p>
@@ -951,7 +937,6 @@
           <a:p>
             <a:fld id="{74AC173A-3DA8-4893-B28A-1E15F55C330A}" type="slidenum">
               <a:rPr lang="zh-CN" altLang="en-US" smtClean="0"/>
-              <a:t>3</a:t>
             </a:fld>
             <a:endParaRPr lang="zh-CN" altLang="en-US"/>
           </a:p>
@@ -1030,7 +1015,6 @@
           <a:p>
             <a:fld id="{74AC173A-3DA8-4893-B28A-1E15F55C330A}" type="slidenum">
               <a:rPr lang="zh-CN" altLang="en-US" smtClean="0"/>
-              <a:t>4</a:t>
             </a:fld>
             <a:endParaRPr lang="zh-CN" altLang="en-US"/>
           </a:p>
@@ -1109,7 +1093,6 @@
           <a:p>
             <a:fld id="{6E611DA1-5E4C-4157-8D98-35F52756B2FB}" type="slidenum">
               <a:rPr lang="zh-CN" altLang="en-US" smtClean="0"/>
-              <a:t>5</a:t>
             </a:fld>
             <a:endParaRPr lang="zh-CN" altLang="en-US"/>
           </a:p>
@@ -1188,7 +1171,6 @@
           <a:p>
             <a:fld id="{74AC173A-3DA8-4893-B28A-1E15F55C330A}" type="slidenum">
               <a:rPr lang="zh-CN" altLang="en-US" smtClean="0"/>
-              <a:t>6</a:t>
             </a:fld>
             <a:endParaRPr lang="zh-CN" altLang="en-US"/>
           </a:p>
@@ -1267,7 +1249,6 @@
           <a:p>
             <a:fld id="{74AC173A-3DA8-4893-B28A-1E15F55C330A}" type="slidenum">
               <a:rPr lang="zh-CN" altLang="en-US" smtClean="0"/>
-              <a:t>11</a:t>
             </a:fld>
             <a:endParaRPr lang="zh-CN" altLang="en-US"/>
           </a:p>
@@ -1346,7 +1327,6 @@
           <a:p>
             <a:fld id="{74AC173A-3DA8-4893-B28A-1E15F55C330A}" type="slidenum">
               <a:rPr lang="zh-CN" altLang="en-US" smtClean="0"/>
-              <a:t>14</a:t>
             </a:fld>
             <a:endParaRPr lang="zh-CN" altLang="en-US"/>
           </a:p>
@@ -1425,7 +1405,6 @@
           <a:p>
             <a:fld id="{74AC173A-3DA8-4893-B28A-1E15F55C330A}" type="slidenum">
               <a:rPr lang="zh-CN" altLang="en-US" smtClean="0"/>
-              <a:t>21</a:t>
             </a:fld>
             <a:endParaRPr lang="zh-CN" altLang="en-US"/>
           </a:p>
@@ -1637,7 +1616,6 @@
                 <a:latin typeface="微软雅黑" panose="020B0503020204020204" pitchFamily="34" charset="-122"/>
                 <a:ea typeface="微软雅黑" panose="020B0503020204020204" pitchFamily="34" charset="-122"/>
               </a:rPr>
-              <a:t>‹#›</a:t>
             </a:fld>
             <a:r>
               <a:rPr lang="zh-CN" altLang="en-US" sz="1800" dirty="0" smtClean="0">
@@ -2567,7 +2545,6 @@
           <a:p>
             <a:fld id="{530820CF-B880-4189-942D-D702A7CBA730}" type="datetimeFigureOut">
               <a:rPr lang="zh-CN" altLang="en-US" smtClean="0"/>
-              <a:t>2018/3/26</a:t>
             </a:fld>
             <a:endParaRPr lang="zh-CN" altLang="en-US"/>
           </a:p>
@@ -2625,7 +2602,6 @@
           <a:p>
             <a:fld id="{0C913308-F349-4B6D-A68A-DD1791B4A57B}" type="slidenum">
               <a:rPr lang="zh-CN" altLang="en-US" smtClean="0"/>
-              <a:t>‹#›</a:t>
             </a:fld>
             <a:endParaRPr lang="zh-CN" altLang="en-US"/>
           </a:p>
@@ -2684,7 +2660,6 @@
           <a:p>
             <a:fld id="{530820CF-B880-4189-942D-D702A7CBA730}" type="datetimeFigureOut">
               <a:rPr lang="zh-CN" altLang="en-US" smtClean="0"/>
-              <a:t>2018/3/26</a:t>
             </a:fld>
             <a:endParaRPr lang="zh-CN" altLang="en-US"/>
           </a:p>
@@ -2742,7 +2717,6 @@
           <a:p>
             <a:fld id="{0C913308-F349-4B6D-A68A-DD1791B4A57B}" type="slidenum">
               <a:rPr lang="zh-CN" altLang="en-US" smtClean="0"/>
-              <a:t>‹#›</a:t>
             </a:fld>
             <a:endParaRPr lang="zh-CN" altLang="en-US"/>
           </a:p>
@@ -3536,6 +3510,13 @@
               </a:rPr>
               <a:t>问酒</a:t>
             </a:r>
+            <a:endParaRPr lang="zh-CN" altLang="en-US" sz="12800" dirty="0">
+              <a:solidFill>
+                <a:srgbClr val="38B1BF"/>
+              </a:solidFill>
+              <a:latin typeface="微软雅黑" panose="020B0503020204020204" pitchFamily="34" charset="-122"/>
+              <a:ea typeface="微软雅黑" panose="020B0503020204020204" pitchFamily="34" charset="-122"/>
+            </a:endParaRPr>
           </a:p>
         </p:txBody>
       </p:sp>
@@ -3627,6 +3608,16 @@
               </a:rPr>
               <a:t>小组</a:t>
             </a:r>
+            <a:endParaRPr lang="zh-CN" altLang="en-US" sz="1900" dirty="0">
+              <a:solidFill>
+                <a:schemeClr val="tx1">
+                  <a:lumMod val="85000"/>
+                  <a:lumOff val="15000"/>
+                </a:schemeClr>
+              </a:solidFill>
+              <a:latin typeface="微软雅黑" panose="020B0503020204020204" pitchFamily="34" charset="-122"/>
+              <a:ea typeface="微软雅黑" panose="020B0503020204020204" pitchFamily="34" charset="-122"/>
+            </a:endParaRPr>
           </a:p>
         </p:txBody>
       </p:sp>
@@ -3690,6 +3681,16 @@
               </a:rPr>
               <a:t>APP</a:t>
             </a:r>
+            <a:endParaRPr lang="en-US" altLang="zh-CN" sz="3600" b="1" dirty="0">
+              <a:solidFill>
+                <a:schemeClr val="tx1">
+                  <a:lumMod val="75000"/>
+                  <a:lumOff val="25000"/>
+                </a:schemeClr>
+              </a:solidFill>
+              <a:latin typeface="微软雅黑" panose="020B0503020204020204" pitchFamily="34" charset="-122"/>
+              <a:ea typeface="微软雅黑" panose="020B0503020204020204" pitchFamily="34" charset="-122"/>
+            </a:endParaRPr>
           </a:p>
         </p:txBody>
       </p:sp>
@@ -3794,6 +3795,16 @@
               </a:rPr>
               <a:t>日</a:t>
             </a:r>
+            <a:endParaRPr lang="zh-CN" altLang="en-US" sz="1900" dirty="0">
+              <a:solidFill>
+                <a:schemeClr val="tx1">
+                  <a:lumMod val="85000"/>
+                  <a:lumOff val="15000"/>
+                </a:schemeClr>
+              </a:solidFill>
+              <a:latin typeface="微软雅黑" panose="020B0503020204020204" pitchFamily="34" charset="-122"/>
+              <a:ea typeface="微软雅黑" panose="020B0503020204020204" pitchFamily="34" charset="-122"/>
+            </a:endParaRPr>
           </a:p>
         </p:txBody>
       </p:sp>
@@ -3841,16 +3852,16 @@
             <a:picLocks noChangeAspect="1"/>
           </p:cNvPicPr>
           <p:nvPr>
-            <a:audioFile r:link="rId2"/>
+            <a:audioFile r:link="rId1"/>
             <p:extLst>
               <p:ext uri="{DAA4B4D4-6D71-4841-9C94-3DE7FCFB9230}">
-                <p14:media xmlns:p14="http://schemas.microsoft.com/office/powerpoint/2010/main" r:embed="rId1"/>
+                <p14:media xmlns:p14="http://schemas.microsoft.com/office/powerpoint/2010/main" r:embed="rId2"/>
               </p:ext>
             </p:extLst>
           </p:nvPr>
         </p:nvPicPr>
         <p:blipFill>
-          <a:blip r:embed="rId5"/>
+          <a:blip r:embed="rId3"/>
           <a:stretch>
             <a:fillRect/>
           </a:stretch>
@@ -3898,6 +3909,14 @@
               </a:rPr>
               <a:t>浙江大学城市学院</a:t>
             </a:r>
+            <a:endParaRPr lang="zh-CN" altLang="en-US" kern="300" spc="2000">
+              <a:solidFill>
+                <a:schemeClr val="tx1"/>
+              </a:solidFill>
+              <a:uFillTx/>
+              <a:latin typeface="+中文标题" charset="0"/>
+              <a:ea typeface="+mj-ea"/>
+            </a:endParaRPr>
           </a:p>
         </p:txBody>
       </p:sp>
@@ -3906,13 +3925,13 @@
   <p:clrMapOvr>
     <a:masterClrMapping/>
   </p:clrMapOvr>
-  <mc:AlternateContent xmlns:mc="http://schemas.openxmlformats.org/markup-compatibility/2006" xmlns:p14="http://schemas.microsoft.com/office/powerpoint/2010/main">
-    <mc:Choice Requires="p14">
+  <mc:AlternateContent xmlns:mc="http://schemas.openxmlformats.org/markup-compatibility/2006">
+    <mc:Choice xmlns:p14="http://schemas.microsoft.com/office/powerpoint/2010/main" Requires="p14">
       <p:transition spd="slow" p14:dur="1600" advClick="0" advTm="0">
         <p:blinds dir="vert"/>
       </p:transition>
     </mc:Choice>
-    <mc:Fallback xmlns="">
+    <mc:Fallback>
       <p:transition spd="slow" advClick="0" advTm="0">
         <p:blinds dir="vert"/>
       </p:transition>
@@ -4815,216 +4834,6 @@
       </p:grpSpPr>
       <p:sp>
         <p:nvSpPr>
-          <p:cNvPr id="2" name="矩形 1"/>
-          <p:cNvSpPr/>
-          <p:nvPr/>
-        </p:nvSpPr>
-        <p:spPr>
-          <a:xfrm>
-            <a:off x="237030" y="1171"/>
-            <a:ext cx="1608415" cy="135446"/>
-          </a:xfrm>
-          <a:prstGeom prst="rect">
-            <a:avLst/>
-          </a:prstGeom>
-          <a:solidFill>
-            <a:srgbClr val="183A5D"/>
-          </a:solidFill>
-          <a:ln>
-            <a:noFill/>
-          </a:ln>
-        </p:spPr>
-        <p:style>
-          <a:lnRef idx="2">
-            <a:schemeClr val="accent1">
-              <a:shade val="50000"/>
-            </a:schemeClr>
-          </a:lnRef>
-          <a:fillRef idx="1">
-            <a:schemeClr val="accent1"/>
-          </a:fillRef>
-          <a:effectRef idx="0">
-            <a:schemeClr val="accent1"/>
-          </a:effectRef>
-          <a:fontRef idx="minor">
-            <a:schemeClr val="lt1"/>
-          </a:fontRef>
-        </p:style>
-        <p:txBody>
-          <a:bodyPr rtlCol="0" anchor="ctr"/>
-          <a:lstStyle/>
-          <a:p>
-            <a:pPr algn="ctr"/>
-            <a:endParaRPr lang="zh-CN" altLang="en-US" sz="2800"/>
-          </a:p>
-        </p:txBody>
-      </p:sp>
-      <p:sp>
-        <p:nvSpPr>
-          <p:cNvPr id="3" name="矩形 2"/>
-          <p:cNvSpPr/>
-          <p:nvPr/>
-        </p:nvSpPr>
-        <p:spPr>
-          <a:xfrm>
-            <a:off x="237030" y="255131"/>
-            <a:ext cx="1608415" cy="406336"/>
-          </a:xfrm>
-          <a:prstGeom prst="rect">
-            <a:avLst/>
-          </a:prstGeom>
-          <a:solidFill>
-            <a:srgbClr val="183A5D"/>
-          </a:solidFill>
-          <a:ln>
-            <a:noFill/>
-          </a:ln>
-        </p:spPr>
-        <p:style>
-          <a:lnRef idx="2">
-            <a:schemeClr val="accent1">
-              <a:shade val="50000"/>
-            </a:schemeClr>
-          </a:lnRef>
-          <a:fillRef idx="1">
-            <a:schemeClr val="accent1"/>
-          </a:fillRef>
-          <a:effectRef idx="0">
-            <a:schemeClr val="accent1"/>
-          </a:effectRef>
-          <a:fontRef idx="minor">
-            <a:schemeClr val="lt1"/>
-          </a:fontRef>
-        </p:style>
-        <p:txBody>
-          <a:bodyPr rtlCol="0" anchor="ctr"/>
-          <a:lstStyle/>
-          <a:p>
-            <a:pPr algn="ctr"/>
-            <a:r>
-              <a:rPr lang="en-US" sz="2400" dirty="0" smtClean="0"/>
-              <a:t>3</a:t>
-            </a:r>
-            <a:endParaRPr lang="en-US" sz="2400" dirty="0"/>
-          </a:p>
-        </p:txBody>
-      </p:sp>
-      <p:sp>
-        <p:nvSpPr>
-          <p:cNvPr id="4" name="文本框 3"/>
-          <p:cNvSpPr txBox="1"/>
-          <p:nvPr/>
-        </p:nvSpPr>
-        <p:spPr>
-          <a:xfrm>
-            <a:off x="2206068" y="159851"/>
-            <a:ext cx="6052718" cy="501650"/>
-          </a:xfrm>
-          <a:prstGeom prst="rect">
-            <a:avLst/>
-          </a:prstGeom>
-          <a:noFill/>
-        </p:spPr>
-        <p:txBody>
-          <a:bodyPr wrap="square" rtlCol="0">
-            <a:spAutoFit/>
-          </a:bodyPr>
-          <a:lstStyle/>
-          <a:p>
-            <a:r>
-              <a:rPr lang="zh-CN" sz="2665" dirty="0" smtClean="0">
-                <a:solidFill>
-                  <a:srgbClr val="183A5D"/>
-                </a:solidFill>
-                <a:latin typeface="微软雅黑" panose="020B0503020204020204" pitchFamily="34" charset="-122"/>
-                <a:ea typeface="微软雅黑" panose="020B0503020204020204" pitchFamily="34" charset="-122"/>
-              </a:rPr>
-              <a:t>法律可行性</a:t>
-            </a:r>
-          </a:p>
-        </p:txBody>
-      </p:sp>
-      <p:sp>
-        <p:nvSpPr>
-          <p:cNvPr id="6" name="文本框 5"/>
-          <p:cNvSpPr txBox="1"/>
-          <p:nvPr/>
-        </p:nvSpPr>
-        <p:spPr>
-          <a:xfrm>
-            <a:off x="2667635" y="2357120"/>
-            <a:ext cx="6716395" cy="2306955"/>
-          </a:xfrm>
-          <a:prstGeom prst="rect">
-            <a:avLst/>
-          </a:prstGeom>
-          <a:noFill/>
-        </p:spPr>
-        <p:txBody>
-          <a:bodyPr wrap="square" rtlCol="0">
-            <a:spAutoFit/>
-          </a:bodyPr>
-          <a:lstStyle/>
-          <a:p>
-            <a:pPr fontAlgn="auto">
-              <a:lnSpc>
-                <a:spcPct val="150000"/>
-              </a:lnSpc>
-            </a:pPr>
-            <a:r>
-              <a:rPr lang="en-US" altLang="zh-CN" sz="2400">
-                <a:latin typeface="微软雅黑" panose="020B0503020204020204" pitchFamily="34" charset="-122"/>
-                <a:ea typeface="微软雅黑" panose="020B0503020204020204" pitchFamily="34" charset="-122"/>
-              </a:rPr>
-              <a:t>       </a:t>
-            </a:r>
-            <a:r>
-              <a:rPr lang="zh-CN" altLang="en-US" sz="2400">
-                <a:latin typeface="微软雅黑" panose="020B0503020204020204" pitchFamily="34" charset="-122"/>
-                <a:ea typeface="微软雅黑" panose="020B0503020204020204" pitchFamily="34" charset="-122"/>
-              </a:rPr>
-              <a:t>所用软件均为开源或者正版软件的试用版，所以本项目在法律因素上并不存在侵犯版权等行为。并且本项目可能并不会涉及到盈利部分，所以出现法律问题的可能性较小。</a:t>
-            </a:r>
-          </a:p>
-        </p:txBody>
-      </p:sp>
-    </p:spTree>
-  </p:cSld>
-  <p:clrMapOvr>
-    <a:masterClrMapping/>
-  </p:clrMapOvr>
-  <p:transition spd="slow" advClick="0" advTm="0">
-    <p:wipe/>
-  </p:transition>
-  <p:timing>
-    <p:tnLst>
-      <p:par>
-        <p:cTn id="1" dur="indefinite" restart="never" nodeType="tmRoot"/>
-      </p:par>
-    </p:tnLst>
-  </p:timing>
-</p:sld>
-</file>
-
-<file path=ppt/slides/slide11.xml><?xml version="1.0" encoding="utf-8"?>
-<p:sld xmlns:a="http://schemas.openxmlformats.org/drawingml/2006/main" xmlns:r="http://schemas.openxmlformats.org/officeDocument/2006/relationships" xmlns:p="http://schemas.openxmlformats.org/presentationml/2006/main">
-  <p:cSld>
-    <p:spTree>
-      <p:nvGrpSpPr>
-        <p:cNvPr id="1" name=""/>
-        <p:cNvGrpSpPr/>
-        <p:nvPr/>
-      </p:nvGrpSpPr>
-      <p:grpSpPr>
-        <a:xfrm>
-          <a:off x="0" y="0"/>
-          <a:ext cx="0" cy="0"/>
-          <a:chOff x="0" y="0"/>
-          <a:chExt cx="0" cy="0"/>
-        </a:xfrm>
-      </p:grpSpPr>
-      <p:sp>
-        <p:nvSpPr>
           <p:cNvPr id="16" name="圆角矩形 15"/>
           <p:cNvSpPr/>
           <p:nvPr/>
@@ -5198,6 +5007,14 @@
                 </a:rPr>
                 <a:t>社会需求简介</a:t>
               </a:r>
+              <a:endParaRPr lang="zh-CN" altLang="zh-CN" sz="2000" b="1" kern="100" dirty="0">
+                <a:solidFill>
+                  <a:schemeClr val="bg1"/>
+                </a:solidFill>
+                <a:latin typeface="微软雅黑" panose="020B0503020204020204" pitchFamily="34" charset="-122"/>
+                <a:ea typeface="微软雅黑" panose="020B0503020204020204" pitchFamily="34" charset="-122"/>
+                <a:cs typeface="Times New Roman" panose="02020603050405020304" pitchFamily="18" charset="0"/>
+              </a:endParaRPr>
             </a:p>
           </p:txBody>
         </p:sp>
@@ -5377,6 +5194,14 @@
                 </a:rPr>
                 <a:t>对系统的综合要求</a:t>
               </a:r>
+              <a:endParaRPr lang="zh-CN" altLang="zh-CN" sz="2000" b="1" kern="100" dirty="0">
+                <a:solidFill>
+                  <a:schemeClr val="bg1"/>
+                </a:solidFill>
+                <a:latin typeface="微软雅黑" panose="020B0503020204020204" pitchFamily="34" charset="-122"/>
+                <a:ea typeface="微软雅黑" panose="020B0503020204020204" pitchFamily="34" charset="-122"/>
+                <a:cs typeface="Times New Roman" panose="02020603050405020304" pitchFamily="18" charset="0"/>
+              </a:endParaRPr>
             </a:p>
           </p:txBody>
         </p:sp>
@@ -5474,6 +5299,13 @@
               </a:rPr>
               <a:t>需求分析</a:t>
             </a:r>
+            <a:endParaRPr lang="zh-CN" sz="3200" b="1" dirty="0">
+              <a:solidFill>
+                <a:schemeClr val="bg1"/>
+              </a:solidFill>
+              <a:latin typeface="微软雅黑" panose="020B0503020204020204" pitchFamily="34" charset="-122"/>
+              <a:ea typeface="微软雅黑" panose="020B0503020204020204" pitchFamily="34" charset="-122"/>
+            </a:endParaRPr>
           </a:p>
         </p:txBody>
       </p:sp>
@@ -5535,13 +5367,13 @@
   <p:clrMapOvr>
     <a:masterClrMapping/>
   </p:clrMapOvr>
-  <mc:AlternateContent xmlns:mc="http://schemas.openxmlformats.org/markup-compatibility/2006" xmlns:p14="http://schemas.microsoft.com/office/powerpoint/2010/main">
-    <mc:Choice Requires="p14">
+  <mc:AlternateContent xmlns:mc="http://schemas.openxmlformats.org/markup-compatibility/2006">
+    <mc:Choice xmlns:p14="http://schemas.microsoft.com/office/powerpoint/2010/main" Requires="p14">
       <p:transition spd="slow" p14:dur="1200" advClick="0" advTm="0">
         <p14:prism/>
       </p:transition>
     </mc:Choice>
-    <mc:Fallback xmlns="">
+    <mc:Fallback>
       <p:transition spd="slow" advClick="0" advTm="0">
         <p:fade/>
       </p:transition>
@@ -6151,7 +5983,7 @@
 </p:sld>
 </file>
 
-<file path=ppt/slides/slide12.xml><?xml version="1.0" encoding="utf-8"?>
+<file path=ppt/slides/slide11.xml><?xml version="1.0" encoding="utf-8"?>
 <p:sld xmlns:a="http://schemas.openxmlformats.org/drawingml/2006/main" xmlns:r="http://schemas.openxmlformats.org/officeDocument/2006/relationships" xmlns:p="http://schemas.openxmlformats.org/presentationml/2006/main">
   <p:cSld>
     <p:spTree>
@@ -6381,6 +6213,10 @@
               </a:rPr>
               <a:t>需求：</a:t>
             </a:r>
+            <a:endParaRPr lang="zh-CN" altLang="en-US" sz="2400">
+              <a:latin typeface="等线" panose="02010600030101010101" charset="-122"/>
+              <a:ea typeface="等线" panose="02010600030101010101" charset="-122"/>
+            </a:endParaRPr>
           </a:p>
           <a:p>
             <a:r>
@@ -6397,6 +6233,10 @@
               </a:rPr>
               <a:t>人民群众在日常生活中需要了解有关酒的信息</a:t>
             </a:r>
+            <a:endParaRPr lang="zh-CN" altLang="en-US" sz="2400">
+              <a:latin typeface="等线" panose="02010600030101010101" charset="-122"/>
+              <a:ea typeface="等线" panose="02010600030101010101" charset="-122"/>
+            </a:endParaRPr>
           </a:p>
           <a:p>
             <a:r>
@@ -6413,6 +6253,10 @@
               </a:rPr>
               <a:t>酒友们想要分享与获取喝不同酒的经验与体会</a:t>
             </a:r>
+            <a:endParaRPr lang="zh-CN" altLang="en-US" sz="2400">
+              <a:latin typeface="等线" panose="02010600030101010101" charset="-122"/>
+              <a:ea typeface="等线" panose="02010600030101010101" charset="-122"/>
+            </a:endParaRPr>
           </a:p>
         </p:txBody>
       </p:sp>
@@ -6442,30 +6286,35 @@
               <a:rPr lang="zh-CN" altLang="en-US" sz="2400"/>
               <a:t>背景：</a:t>
             </a:r>
+            <a:endParaRPr lang="zh-CN" altLang="en-US" sz="2400"/>
           </a:p>
           <a:p>
             <a:r>
               <a:rPr sz="2400"/>
               <a:t>1.本项目作为软件工程导论2018春季课程的课程作业。</a:t>
             </a:r>
+            <a:endParaRPr sz="2400"/>
           </a:p>
           <a:p>
             <a:r>
               <a:rPr sz="2400"/>
               <a:t>2.目前市面上缺少关于酒的分享与交流专门的平台的APP</a:t>
             </a:r>
+            <a:endParaRPr sz="2400"/>
           </a:p>
           <a:p>
             <a:r>
               <a:rPr sz="2400"/>
               <a:t>3.软件工程的日益发展</a:t>
             </a:r>
+            <a:endParaRPr sz="2400"/>
           </a:p>
           <a:p>
             <a:r>
               <a:rPr sz="2400"/>
               <a:t>4.酒文化的经久不衰</a:t>
             </a:r>
+            <a:endParaRPr sz="2400"/>
           </a:p>
         </p:txBody>
       </p:sp>
@@ -6487,7 +6336,7 @@
 </p:sld>
 </file>
 
-<file path=ppt/slides/slide13.xml><?xml version="1.0" encoding="utf-8"?>
+<file path=ppt/slides/slide12.xml><?xml version="1.0" encoding="utf-8"?>
 <p:sld xmlns:a="http://schemas.openxmlformats.org/drawingml/2006/main" xmlns:r="http://schemas.openxmlformats.org/officeDocument/2006/relationships" xmlns:p="http://schemas.openxmlformats.org/presentationml/2006/main">
   <p:cSld>
     <p:spTree>
@@ -6596,6 +6445,7 @@
               <a:rPr lang="en-US" sz="2400" dirty="0"/>
               <a:t>2</a:t>
             </a:r>
+            <a:endParaRPr lang="en-US" sz="2400" dirty="0"/>
           </a:p>
         </p:txBody>
       </p:sp>
@@ -6674,6 +6524,7 @@
                         <a:rPr lang="zh-CN" altLang="en-US"/>
                         <a:t>类项</a:t>
                       </a:r>
+                      <a:endParaRPr lang="zh-CN" altLang="en-US"/>
                     </a:p>
                   </a:txBody>
                   <a:tcPr/>
@@ -6690,6 +6541,7 @@
                         <a:rPr lang="zh-CN" altLang="en-US"/>
                         <a:t>具体说明</a:t>
                       </a:r>
+                      <a:endParaRPr lang="zh-CN" altLang="en-US"/>
                     </a:p>
                   </a:txBody>
                   <a:tcPr/>
@@ -6708,6 +6560,7 @@
                         <a:rPr lang="zh-CN" altLang="en-US"/>
                         <a:t>功能需求</a:t>
                       </a:r>
+                      <a:endParaRPr lang="zh-CN" altLang="en-US"/>
                     </a:p>
                   </a:txBody>
                   <a:tcPr anchor="ctr"/>
@@ -6724,6 +6577,7 @@
                         <a:rPr lang="zh-CN" altLang="en-US"/>
                         <a:t>登入注册、通过图像识别来查找该酒的相关信息</a:t>
                       </a:r>
+                      <a:endParaRPr lang="zh-CN" altLang="en-US"/>
                     </a:p>
                   </a:txBody>
                   <a:tcPr/>
@@ -6742,6 +6596,7 @@
                         <a:rPr lang="zh-CN" altLang="en-US"/>
                         <a:t>性能需求</a:t>
                       </a:r>
+                      <a:endParaRPr lang="zh-CN" altLang="en-US"/>
                     </a:p>
                   </a:txBody>
                   <a:tcPr anchor="ctr"/>
@@ -6762,6 +6617,7 @@
                         <a:rPr lang="zh-CN" altLang="en-US"/>
                         <a:t>时间特性要求、灵活性</a:t>
                       </a:r>
+                      <a:endParaRPr lang="zh-CN" altLang="en-US"/>
                     </a:p>
                   </a:txBody>
                   <a:tcPr/>
@@ -6780,6 +6636,7 @@
                         <a:rPr lang="zh-CN" altLang="en-US"/>
                         <a:t>输入输出要求</a:t>
                       </a:r>
+                      <a:endParaRPr lang="zh-CN" altLang="en-US"/>
                     </a:p>
                   </a:txBody>
                   <a:tcPr anchor="ctr"/>
@@ -6796,6 +6653,7 @@
                         <a:rPr lang="zh-CN" altLang="en-US"/>
                         <a:t>标明系统数据输出量与控制精度</a:t>
                       </a:r>
+                      <a:endParaRPr lang="zh-CN" altLang="en-US"/>
                     </a:p>
                   </a:txBody>
                   <a:tcPr/>
@@ -6814,6 +6672,7 @@
                         <a:rPr lang="zh-CN" altLang="en-US"/>
                         <a:t>数据管理能力要求（针对软件系统）</a:t>
                       </a:r>
+                      <a:endParaRPr lang="zh-CN" altLang="en-US"/>
                     </a:p>
                   </a:txBody>
                   <a:tcPr anchor="ctr"/>
@@ -6830,6 +6689,7 @@
                         <a:rPr lang="zh-CN" altLang="en-US"/>
                         <a:t>对生命周期管理的数据量进行估算</a:t>
                       </a:r>
+                      <a:endParaRPr lang="zh-CN" altLang="en-US"/>
                     </a:p>
                   </a:txBody>
                   <a:tcPr/>
@@ -6848,6 +6708,7 @@
                         <a:rPr lang="zh-CN" altLang="en-US"/>
                         <a:t>故障处理要求</a:t>
                       </a:r>
+                      <a:endParaRPr lang="zh-CN" altLang="en-US"/>
                     </a:p>
                   </a:txBody>
                   <a:tcPr anchor="ctr"/>
@@ -6864,6 +6725,7 @@
                         <a:rPr lang="zh-CN" altLang="en-US"/>
                         <a:t>任何时候需要对数据库进行备份</a:t>
                       </a:r>
+                      <a:endParaRPr lang="zh-CN" altLang="en-US"/>
                     </a:p>
                   </a:txBody>
                   <a:tcPr/>
@@ -6882,6 +6744,7 @@
                         <a:rPr lang="zh-CN" altLang="en-US"/>
                         <a:t>可补充性需求</a:t>
                       </a:r>
+                      <a:endParaRPr lang="zh-CN" altLang="en-US"/>
                     </a:p>
                   </a:txBody>
                   <a:tcPr anchor="ctr"/>
@@ -6898,6 +6761,7 @@
                         <a:rPr lang="zh-CN" altLang="en-US"/>
                         <a:t>在编写代码时需要考虑到后续更新工作</a:t>
                       </a:r>
+                      <a:endParaRPr lang="zh-CN" altLang="en-US"/>
                     </a:p>
                   </a:txBody>
                   <a:tcPr/>
@@ -6916,6 +6780,7 @@
                         <a:rPr lang="zh-CN" altLang="en-US"/>
                         <a:t>约束</a:t>
                       </a:r>
+                      <a:endParaRPr lang="zh-CN" altLang="en-US"/>
                     </a:p>
                   </a:txBody>
                   <a:tcPr anchor="ctr"/>
@@ -6940,6 +6805,7 @@
                         <a:rPr lang="zh-CN" altLang="en-US"/>
                         <a:t>Tensorflow</a:t>
                       </a:r>
+                      <a:endParaRPr lang="zh-CN" altLang="en-US"/>
                     </a:p>
                     <a:p>
                       <a:pPr>
@@ -6957,6 +6823,7 @@
                         <a:rPr lang="zh-CN" altLang="en-US"/>
                         <a:t>（待定）</a:t>
                       </a:r>
+                      <a:endParaRPr lang="zh-CN" altLang="en-US"/>
                     </a:p>
                     <a:p>
                       <a:pPr>
@@ -6970,6 +6837,7 @@
                         <a:rPr lang="en-US" altLang="zh-CN"/>
                         <a:t>Android</a:t>
                       </a:r>
+                      <a:endParaRPr lang="en-US" altLang="zh-CN"/>
                     </a:p>
                   </a:txBody>
                   <a:tcPr/>
@@ -7025,7 +6893,7 @@
 </p:sld>
 </file>
 
-<file path=ppt/slides/slide14.xml><?xml version="1.0" encoding="utf-8"?>
+<file path=ppt/slides/slide13.xml><?xml version="1.0" encoding="utf-8"?>
 <p:sld xmlns:a="http://schemas.openxmlformats.org/drawingml/2006/main" xmlns:r="http://schemas.openxmlformats.org/officeDocument/2006/relationships" xmlns:p="http://schemas.openxmlformats.org/presentationml/2006/main">
   <p:cSld>
     <p:spTree>
@@ -7404,6 +7272,14 @@
                 </a:rPr>
                 <a:t>项目资源计划</a:t>
               </a:r>
+              <a:endParaRPr lang="zh-CN" altLang="zh-CN" sz="2000" b="1" kern="100" dirty="0">
+                <a:solidFill>
+                  <a:schemeClr val="bg1"/>
+                </a:solidFill>
+                <a:latin typeface="微软雅黑" panose="020B0503020204020204" pitchFamily="34" charset="-122"/>
+                <a:ea typeface="微软雅黑" panose="020B0503020204020204" pitchFamily="34" charset="-122"/>
+                <a:cs typeface="Times New Roman" panose="02020603050405020304" pitchFamily="18" charset="0"/>
+              </a:endParaRPr>
             </a:p>
           </p:txBody>
         </p:sp>
@@ -7583,6 +7459,14 @@
                 </a:rPr>
                 <a:t>项目风险计划</a:t>
               </a:r>
+              <a:endParaRPr lang="zh-CN" altLang="zh-CN" sz="2000" b="1" kern="100" dirty="0">
+                <a:solidFill>
+                  <a:schemeClr val="bg1"/>
+                </a:solidFill>
+                <a:latin typeface="微软雅黑" panose="020B0503020204020204" pitchFamily="34" charset="-122"/>
+                <a:ea typeface="微软雅黑" panose="020B0503020204020204" pitchFamily="34" charset="-122"/>
+                <a:cs typeface="Times New Roman" panose="02020603050405020304" pitchFamily="18" charset="0"/>
+              </a:endParaRPr>
             </a:p>
           </p:txBody>
         </p:sp>
@@ -7762,6 +7646,14 @@
                 </a:rPr>
                 <a:t>项目初步实施计划</a:t>
               </a:r>
+              <a:endParaRPr lang="zh-CN" altLang="zh-CN" sz="2000" b="1" kern="100" dirty="0">
+                <a:solidFill>
+                  <a:schemeClr val="bg1"/>
+                </a:solidFill>
+                <a:latin typeface="微软雅黑" panose="020B0503020204020204" pitchFamily="34" charset="-122"/>
+                <a:ea typeface="微软雅黑" panose="020B0503020204020204" pitchFamily="34" charset="-122"/>
+                <a:cs typeface="Times New Roman" panose="02020603050405020304" pitchFamily="18" charset="0"/>
+              </a:endParaRPr>
             </a:p>
           </p:txBody>
         </p:sp>
@@ -7859,6 +7751,13 @@
               </a:rPr>
               <a:t>项目计划</a:t>
             </a:r>
+            <a:endParaRPr lang="zh-CN" sz="3200" b="1" dirty="0">
+              <a:solidFill>
+                <a:schemeClr val="bg1"/>
+              </a:solidFill>
+              <a:latin typeface="微软雅黑" panose="020B0503020204020204" pitchFamily="34" charset="-122"/>
+              <a:ea typeface="微软雅黑" panose="020B0503020204020204" pitchFamily="34" charset="-122"/>
+            </a:endParaRPr>
           </a:p>
         </p:txBody>
       </p:sp>
@@ -7920,13 +7819,13 @@
   <p:clrMapOvr>
     <a:masterClrMapping/>
   </p:clrMapOvr>
-  <mc:AlternateContent xmlns:mc="http://schemas.openxmlformats.org/markup-compatibility/2006" xmlns:p14="http://schemas.microsoft.com/office/powerpoint/2010/main">
-    <mc:Choice Requires="p14">
+  <mc:AlternateContent xmlns:mc="http://schemas.openxmlformats.org/markup-compatibility/2006">
+    <mc:Choice xmlns:p14="http://schemas.microsoft.com/office/powerpoint/2010/main" Requires="p14">
       <p:transition spd="slow" p14:dur="1200" advClick="0" advTm="0">
         <p14:prism/>
       </p:transition>
     </mc:Choice>
-    <mc:Fallback xmlns="">
+    <mc:Fallback>
       <p:transition spd="slow" advClick="0" advTm="0">
         <p:fade/>
       </p:transition>
@@ -8724,7 +8623,7 @@
 </p:sld>
 </file>
 
-<file path=ppt/slides/slide15.xml><?xml version="1.0" encoding="utf-8"?>
+<file path=ppt/slides/slide14.xml><?xml version="1.0" encoding="utf-8"?>
 <p:sld xmlns:a="http://schemas.openxmlformats.org/drawingml/2006/main" xmlns:r="http://schemas.openxmlformats.org/officeDocument/2006/relationships" xmlns:p="http://schemas.openxmlformats.org/presentationml/2006/main">
   <p:cSld>
     <p:spTree>
@@ -8912,6 +8811,7 @@
                         <a:rPr lang="zh-CN" altLang="en-US"/>
                         <a:t>必要活动</a:t>
                       </a:r>
+                      <a:endParaRPr lang="zh-CN" altLang="en-US"/>
                     </a:p>
                   </a:txBody>
                   <a:tcPr/>
@@ -8928,6 +8828,7 @@
                         <a:rPr lang="zh-CN" altLang="en-US"/>
                         <a:t>具体目标</a:t>
                       </a:r>
+                      <a:endParaRPr lang="zh-CN" altLang="en-US"/>
                     </a:p>
                   </a:txBody>
                   <a:tcPr/>
@@ -8946,6 +8847,7 @@
                         <a:rPr lang="zh-CN" altLang="en-US"/>
                         <a:t>项目前期准备</a:t>
                       </a:r>
+                      <a:endParaRPr lang="zh-CN" altLang="en-US"/>
                     </a:p>
                   </a:txBody>
                   <a:tcPr/>
@@ -8962,6 +8864,7 @@
                         <a:rPr lang="zh-CN" altLang="en-US"/>
                         <a:t>制定项目初步计划</a:t>
                       </a:r>
+                      <a:endParaRPr lang="zh-CN" altLang="en-US"/>
                     </a:p>
                   </a:txBody>
                   <a:tcPr/>
@@ -8980,6 +8883,7 @@
                         <a:rPr lang="zh-CN" altLang="en-US"/>
                         <a:t>可行性分析</a:t>
                       </a:r>
+                      <a:endParaRPr lang="zh-CN" altLang="en-US"/>
                     </a:p>
                   </a:txBody>
                   <a:tcPr/>
@@ -8996,6 +8900,7 @@
                         <a:rPr lang="zh-CN" altLang="en-US"/>
                         <a:t>可行性分析报告</a:t>
                       </a:r>
+                      <a:endParaRPr lang="zh-CN" altLang="en-US"/>
                     </a:p>
                   </a:txBody>
                   <a:tcPr/>
@@ -9014,6 +8919,7 @@
                         <a:rPr lang="zh-CN" altLang="en-US"/>
                         <a:t>需求分析</a:t>
                       </a:r>
+                      <a:endParaRPr lang="zh-CN" altLang="en-US"/>
                     </a:p>
                   </a:txBody>
                   <a:tcPr/>
@@ -9034,6 +8940,7 @@
                         <a:rPr lang="en-US" altLang="zh-CN"/>
                         <a:t>SRS</a:t>
                       </a:r>
+                      <a:endParaRPr lang="en-US" altLang="zh-CN"/>
                     </a:p>
                   </a:txBody>
                   <a:tcPr/>
@@ -9052,6 +8959,7 @@
                         <a:rPr lang="zh-CN" altLang="en-US"/>
                         <a:t>总体设计</a:t>
                       </a:r>
+                      <a:endParaRPr lang="zh-CN" altLang="en-US"/>
                     </a:p>
                   </a:txBody>
                   <a:tcPr/>
@@ -9068,6 +8976,7 @@
                         <a:rPr lang="zh-CN" altLang="en-US"/>
                         <a:t>系统说明报告，软件结构实现计划，测试计划，总体设计报告</a:t>
                       </a:r>
+                      <a:endParaRPr lang="zh-CN" altLang="en-US"/>
                     </a:p>
                   </a:txBody>
                   <a:tcPr/>
@@ -9086,6 +8995,7 @@
                         <a:rPr lang="zh-CN" altLang="en-US"/>
                         <a:t>详细设计</a:t>
                       </a:r>
+                      <a:endParaRPr lang="zh-CN" altLang="en-US"/>
                     </a:p>
                   </a:txBody>
                   <a:tcPr/>
@@ -9102,6 +9012,7 @@
                         <a:rPr lang="zh-CN" altLang="en-US"/>
                         <a:t>详细设计报告</a:t>
                       </a:r>
+                      <a:endParaRPr lang="zh-CN" altLang="en-US"/>
                     </a:p>
                   </a:txBody>
                   <a:tcPr/>
@@ -9120,6 +9031,7 @@
                         <a:rPr lang="zh-CN" altLang="en-US"/>
                         <a:t>项目实现</a:t>
                       </a:r>
+                      <a:endParaRPr lang="zh-CN" altLang="en-US"/>
                     </a:p>
                   </a:txBody>
                   <a:tcPr/>
@@ -9136,6 +9048,7 @@
                         <a:rPr lang="zh-CN" altLang="en-US"/>
                         <a:t>项目实现计划，安装部署计划</a:t>
                       </a:r>
+                      <a:endParaRPr lang="zh-CN" altLang="en-US"/>
                     </a:p>
                   </a:txBody>
                   <a:tcPr/>
@@ -9154,6 +9067,7 @@
                         <a:rPr lang="zh-CN" altLang="en-US"/>
                         <a:t>项目总结</a:t>
                       </a:r>
+                      <a:endParaRPr lang="zh-CN" altLang="en-US"/>
                     </a:p>
                   </a:txBody>
                   <a:tcPr/>
@@ -9170,6 +9084,7 @@
                         <a:rPr lang="zh-CN" altLang="en-US"/>
                         <a:t>项目总结报告，系统测试报告</a:t>
                       </a:r>
+                      <a:endParaRPr lang="zh-CN" altLang="en-US"/>
                     </a:p>
                   </a:txBody>
                   <a:tcPr/>
@@ -9197,7 +9112,7 @@
 </p:sld>
 </file>
 
-<file path=ppt/slides/slide16.xml><?xml version="1.0" encoding="utf-8"?>
+<file path=ppt/slides/slide15.xml><?xml version="1.0" encoding="utf-8"?>
 <p:sld xmlns:a="http://schemas.openxmlformats.org/drawingml/2006/main" xmlns:r="http://schemas.openxmlformats.org/officeDocument/2006/relationships" xmlns:p="http://schemas.openxmlformats.org/presentationml/2006/main">
   <p:cSld>
     <p:spTree>
@@ -9342,6 +9257,13 @@
               </a:rPr>
               <a:t>项目资源计划</a:t>
             </a:r>
+            <a:endParaRPr lang="zh-CN" altLang="en-US" sz="2665" dirty="0" smtClean="0">
+              <a:solidFill>
+                <a:srgbClr val="183A5D"/>
+              </a:solidFill>
+              <a:latin typeface="微软雅黑" panose="020B0503020204020204" pitchFamily="34" charset="-122"/>
+              <a:ea typeface="微软雅黑" panose="020B0503020204020204" pitchFamily="34" charset="-122"/>
+            </a:endParaRPr>
           </a:p>
         </p:txBody>
       </p:sp>
@@ -9395,6 +9317,7 @@
                         <a:rPr lang="zh-CN" altLang="en-US"/>
                         <a:t>周一</a:t>
                       </a:r>
+                      <a:endParaRPr lang="zh-CN" altLang="en-US"/>
                     </a:p>
                   </a:txBody>
                   <a:tcPr/>
@@ -9411,6 +9334,7 @@
                         <a:rPr lang="zh-CN" altLang="en-US"/>
                         <a:t>周二</a:t>
                       </a:r>
+                      <a:endParaRPr lang="zh-CN" altLang="en-US"/>
                     </a:p>
                   </a:txBody>
                   <a:tcPr/>
@@ -9427,6 +9351,7 @@
                         <a:rPr lang="zh-CN" altLang="en-US"/>
                         <a:t>周三</a:t>
                       </a:r>
+                      <a:endParaRPr lang="zh-CN" altLang="en-US"/>
                     </a:p>
                   </a:txBody>
                   <a:tcPr/>
@@ -9443,6 +9368,7 @@
                         <a:rPr lang="zh-CN" altLang="en-US"/>
                         <a:t>周四</a:t>
                       </a:r>
+                      <a:endParaRPr lang="zh-CN" altLang="en-US"/>
                     </a:p>
                   </a:txBody>
                   <a:tcPr/>
@@ -9459,6 +9385,7 @@
                         <a:rPr lang="zh-CN" altLang="en-US"/>
                         <a:t>周五</a:t>
                       </a:r>
+                      <a:endParaRPr lang="zh-CN" altLang="en-US"/>
                     </a:p>
                   </a:txBody>
                   <a:tcPr/>
@@ -9481,6 +9408,7 @@
                         <a:rPr lang="en-US" altLang="zh-CN"/>
                         <a:t>1-2</a:t>
                       </a:r>
+                      <a:endParaRPr lang="en-US" altLang="zh-CN"/>
                     </a:p>
                   </a:txBody>
                   <a:tcPr/>
@@ -9517,6 +9445,7 @@
                         <a:rPr lang="zh-CN" altLang="en-US"/>
                         <a:t>，陈</a:t>
                       </a:r>
+                      <a:endParaRPr lang="zh-CN" altLang="en-US"/>
                     </a:p>
                   </a:txBody>
                   <a:tcPr/>
@@ -9541,6 +9470,7 @@
                         <a:rPr lang="zh-CN" altLang="en-US"/>
                         <a:t>，陈</a:t>
                       </a:r>
+                      <a:endParaRPr lang="zh-CN" altLang="en-US"/>
                     </a:p>
                   </a:txBody>
                   <a:tcPr/>
@@ -9570,6 +9500,7 @@
                         <a:rPr lang="zh-CN" altLang="en-US"/>
                         <a:t>陈</a:t>
                       </a:r>
+                      <a:endParaRPr lang="zh-CN" altLang="en-US"/>
                     </a:p>
                   </a:txBody>
                   <a:tcPr/>
@@ -9606,6 +9537,7 @@
                         <a:rPr lang="zh-CN" altLang="en-US"/>
                         <a:t>，陈</a:t>
                       </a:r>
+                      <a:endParaRPr lang="zh-CN" altLang="en-US"/>
                     </a:p>
                   </a:txBody>
                   <a:tcPr/>
@@ -9628,6 +9560,7 @@
                         <a:rPr lang="en-US" altLang="zh-CN"/>
                         <a:t>3-4</a:t>
                       </a:r>
+                      <a:endParaRPr lang="en-US" altLang="zh-CN"/>
                     </a:p>
                   </a:txBody>
                   <a:tcPr/>
@@ -9704,6 +9637,7 @@
                         <a:rPr lang="zh-CN" altLang="en-US"/>
                         <a:t>，陈</a:t>
                       </a:r>
+                      <a:endParaRPr lang="zh-CN" altLang="en-US"/>
                     </a:p>
                   </a:txBody>
                   <a:tcPr/>
@@ -9726,6 +9660,7 @@
                         <a:rPr lang="en-US" altLang="zh-CN"/>
                         <a:t>1-2</a:t>
                       </a:r>
+                      <a:endParaRPr lang="en-US" altLang="zh-CN"/>
                     </a:p>
                   </a:txBody>
                   <a:tcPr/>
@@ -9768,6 +9703,7 @@
                         <a:rPr lang="zh-CN" altLang="en-US"/>
                         <a:t>陈</a:t>
                       </a:r>
+                      <a:endParaRPr lang="zh-CN" altLang="en-US"/>
                     </a:p>
                   </a:txBody>
                   <a:tcPr/>
@@ -9788,6 +9724,11 @@
                         </a:rPr>
                         <a:t>黄</a:t>
                       </a:r>
+                      <a:endParaRPr lang="zh-CN" altLang="en-US">
+                        <a:solidFill>
+                          <a:srgbClr val="00B0F0"/>
+                        </a:solidFill>
+                      </a:endParaRPr>
                     </a:p>
                   </a:txBody>
                   <a:tcPr/>
@@ -9824,6 +9765,7 @@
                         <a:rPr lang="zh-CN" altLang="en-US"/>
                         <a:t>，陈</a:t>
                       </a:r>
+                      <a:endParaRPr lang="zh-CN" altLang="en-US"/>
                     </a:p>
                   </a:txBody>
                   <a:tcPr/>
@@ -9846,6 +9788,7 @@
                         <a:rPr lang="en-US" altLang="zh-CN"/>
                         <a:t>3-4</a:t>
                       </a:r>
+                      <a:endParaRPr lang="en-US" altLang="zh-CN"/>
                     </a:p>
                   </a:txBody>
                   <a:tcPr/>
@@ -9882,6 +9825,7 @@
                         <a:rPr lang="zh-CN" altLang="en-US"/>
                         <a:t>，陈</a:t>
                       </a:r>
+                      <a:endParaRPr lang="zh-CN" altLang="en-US"/>
                     </a:p>
                   </a:txBody>
                   <a:tcPr/>
@@ -9957,6 +9901,7 @@
                         <a:rPr lang="zh-CN" altLang="en-US"/>
                         <a:t>，陈</a:t>
                       </a:r>
+                      <a:endParaRPr lang="zh-CN" altLang="en-US"/>
                     </a:p>
                   </a:txBody>
                   <a:tcPr/>
@@ -9975,6 +9920,7 @@
                         <a:rPr lang="zh-CN" altLang="en-US"/>
                         <a:t>晚上</a:t>
                       </a:r>
+                      <a:endParaRPr lang="zh-CN" altLang="en-US"/>
                     </a:p>
                   </a:txBody>
                   <a:tcPr/>
@@ -10054,6 +10000,7 @@
                         <a:rPr lang="zh-CN" altLang="en-US"/>
                         <a:t>，陈</a:t>
                       </a:r>
+                      <a:endParaRPr lang="zh-CN" altLang="en-US"/>
                     </a:p>
                   </a:txBody>
                   <a:tcPr/>
@@ -10090,6 +10037,7 @@
                         <a:rPr lang="zh-CN" altLang="en-US"/>
                         <a:t>，陈</a:t>
                       </a:r>
+                      <a:endParaRPr lang="zh-CN" altLang="en-US"/>
                     </a:p>
                   </a:txBody>
                   <a:tcPr/>
@@ -10126,6 +10074,7 @@
                         <a:rPr lang="zh-CN" altLang="en-US"/>
                         <a:t>，陈</a:t>
                       </a:r>
+                      <a:endParaRPr lang="zh-CN" altLang="en-US"/>
                     </a:p>
                   </a:txBody>
                   <a:tcPr/>
@@ -10162,6 +10111,7 @@
                         <a:rPr lang="zh-CN" altLang="en-US"/>
                         <a:t>，陈</a:t>
                       </a:r>
+                      <a:endParaRPr lang="zh-CN" altLang="en-US"/>
                     </a:p>
                   </a:txBody>
                   <a:tcPr/>
@@ -10197,293 +10147,10 @@
               <a:rPr lang="zh-CN" altLang="en-US"/>
               <a:t>项目成员空余时间表：</a:t>
             </a:r>
+            <a:endParaRPr lang="zh-CN" altLang="en-US"/>
           </a:p>
         </p:txBody>
       </p:sp>
-      <p:graphicFrame>
-        <p:nvGraphicFramePr>
-          <p:cNvPr id="9" name="表格 8"/>
-          <p:cNvGraphicFramePr/>
-          <p:nvPr/>
-        </p:nvGraphicFramePr>
-        <p:xfrm>
-          <a:off x="1878965" y="1804670"/>
-          <a:ext cx="8225790" cy="3647440"/>
-        </p:xfrm>
-        <a:graphic>
-          <a:graphicData uri="http://schemas.openxmlformats.org/drawingml/2006/table">
-            <a:tbl>
-              <a:tblPr firstRow="1" bandRow="1">
-                <a:tableStyleId>{5C22544A-7EE6-4342-B048-85BDC9FD1C3A}</a:tableStyleId>
-              </a:tblPr>
-              <a:tblGrid>
-                <a:gridCol w="4112895"/>
-                <a:gridCol w="4112895"/>
-              </a:tblGrid>
-              <a:tr h="911860">
-                <a:tc>
-                  <a:txBody>
-                    <a:bodyPr/>
-                    <a:lstStyle/>
-                    <a:p>
-                      <a:pPr algn="l">
-                        <a:spcAft>
-                          <a:spcPts val="0"/>
-                        </a:spcAft>
-                      </a:pPr>
-                      <a:r>
-                        <a:rPr lang="zh-CN" sz="2400" b="0" kern="100" dirty="0">
-                          <a:solidFill>
-                            <a:schemeClr val="tx1"/>
-                          </a:solidFill>
-                          <a:effectLst/>
-                          <a:latin typeface="微软雅黑" panose="020B0503020204020204" pitchFamily="34" charset="-122"/>
-                          <a:ea typeface="微软雅黑" panose="020B0503020204020204" pitchFamily="34" charset="-122"/>
-                        </a:rPr>
-                        <a:t>获取需求</a:t>
-                      </a:r>
-                      <a:endParaRPr lang="zh-CN" sz="2400" b="0" kern="100" dirty="0">
-                        <a:solidFill>
-                          <a:schemeClr val="tx1"/>
-                        </a:solidFill>
-                        <a:effectLst/>
-                        <a:latin typeface="微软雅黑" panose="020B0503020204020204" pitchFamily="34" charset="-122"/>
-                        <a:ea typeface="微软雅黑" panose="020B0503020204020204" pitchFamily="34" charset="-122"/>
-                        <a:cs typeface="宋体" panose="02010600030101010101" pitchFamily="2" charset="-122"/>
-                      </a:endParaRPr>
-                    </a:p>
-                  </a:txBody>
-                  <a:tcPr marL="9525" marR="9525" marT="9525" marB="9525" anchor="ctr"/>
-                </a:tc>
-                <a:tc>
-                  <a:txBody>
-                    <a:bodyPr/>
-                    <a:lstStyle/>
-                    <a:p>
-                      <a:pPr>
-                        <a:buNone/>
-                      </a:pPr>
-                      <a:r>
-                        <a:rPr lang="zh-CN" altLang="en-US" sz="2400" b="0">
-                          <a:solidFill>
-                            <a:schemeClr val="tx1"/>
-                          </a:solidFill>
-                          <a:latin typeface="微软雅黑" panose="020B0503020204020204" pitchFamily="34" charset="-122"/>
-                          <a:ea typeface="微软雅黑" panose="020B0503020204020204" pitchFamily="34" charset="-122"/>
-                        </a:rPr>
-                        <a:t>陈子卿</a:t>
-                      </a:r>
-                    </a:p>
-                  </a:txBody>
-                  <a:tcPr>
-                    <a:solidFill>
-                      <a:schemeClr val="accent1">
-                        <a:lumMod val="40000"/>
-                        <a:lumOff val="60000"/>
-                      </a:schemeClr>
-                    </a:solidFill>
-                  </a:tcPr>
-                </a:tc>
-              </a:tr>
-              <a:tr h="911860">
-                <a:tc>
-                  <a:txBody>
-                    <a:bodyPr/>
-                    <a:lstStyle/>
-                    <a:p>
-                      <a:pPr algn="l">
-                        <a:spcAft>
-                          <a:spcPts val="0"/>
-                        </a:spcAft>
-                      </a:pPr>
-                      <a:r>
-                        <a:rPr lang="zh-CN" sz="2400" kern="100">
-                          <a:effectLst/>
-                          <a:latin typeface="微软雅黑" panose="020B0503020204020204" pitchFamily="34" charset="-122"/>
-                          <a:ea typeface="微软雅黑" panose="020B0503020204020204" pitchFamily="34" charset="-122"/>
-                        </a:rPr>
-                        <a:t>需求分析</a:t>
-                      </a:r>
-                      <a:endParaRPr lang="zh-CN" sz="2400" kern="100">
-                        <a:effectLst/>
-                        <a:latin typeface="微软雅黑" panose="020B0503020204020204" pitchFamily="34" charset="-122"/>
-                        <a:ea typeface="微软雅黑" panose="020B0503020204020204" pitchFamily="34" charset="-122"/>
-                        <a:cs typeface="宋体" panose="02010600030101010101" pitchFamily="2" charset="-122"/>
-                      </a:endParaRPr>
-                    </a:p>
-                  </a:txBody>
-                  <a:tcPr marL="9525" marR="9525" marT="9525" marB="9525" anchor="ctr">
-                    <a:solidFill>
-                      <a:schemeClr val="accent1">
-                        <a:lumMod val="40000"/>
-                        <a:lumOff val="60000"/>
-                      </a:schemeClr>
-                    </a:solidFill>
-                  </a:tcPr>
-                </a:tc>
-                <a:tc>
-                  <a:txBody>
-                    <a:bodyPr/>
-                    <a:lstStyle/>
-                    <a:p>
-                      <a:pPr>
-                        <a:buNone/>
-                      </a:pPr>
-                      <a:r>
-                        <a:rPr lang="zh-CN" altLang="en-US" sz="2400" b="0">
-                          <a:solidFill>
-                            <a:schemeClr val="tx1"/>
-                          </a:solidFill>
-                          <a:uFillTx/>
-                          <a:ea typeface="微软雅黑" panose="020B0503020204020204" pitchFamily="34" charset="-122"/>
-                        </a:rPr>
-                        <a:t>黄为波</a:t>
-                      </a:r>
-                    </a:p>
-                  </a:txBody>
-                  <a:tcPr>
-                    <a:solidFill>
-                      <a:schemeClr val="accent1">
-                        <a:lumMod val="60000"/>
-                        <a:lumOff val="40000"/>
-                      </a:schemeClr>
-                    </a:solidFill>
-                  </a:tcPr>
-                </a:tc>
-              </a:tr>
-              <a:tr h="911860">
-                <a:tc>
-                  <a:txBody>
-                    <a:bodyPr/>
-                    <a:lstStyle/>
-                    <a:p>
-                      <a:pPr algn="l">
-                        <a:spcAft>
-                          <a:spcPts val="0"/>
-                        </a:spcAft>
-                      </a:pPr>
-                      <a:r>
-                        <a:rPr lang="zh-CN" sz="2400" kern="100">
-                          <a:effectLst/>
-                          <a:latin typeface="微软雅黑" panose="020B0503020204020204" pitchFamily="34" charset="-122"/>
-                          <a:ea typeface="微软雅黑" panose="020B0503020204020204" pitchFamily="34" charset="-122"/>
-                        </a:rPr>
-                        <a:t>需求规格说明</a:t>
-                      </a:r>
-                      <a:endParaRPr lang="zh-CN" sz="2400" kern="100">
-                        <a:effectLst/>
-                        <a:latin typeface="微软雅黑" panose="020B0503020204020204" pitchFamily="34" charset="-122"/>
-                        <a:ea typeface="微软雅黑" panose="020B0503020204020204" pitchFamily="34" charset="-122"/>
-                        <a:cs typeface="宋体" panose="02010600030101010101" pitchFamily="2" charset="-122"/>
-                      </a:endParaRPr>
-                    </a:p>
-                  </a:txBody>
-                  <a:tcPr marL="9525" marR="9525" marT="9525" marB="9525" anchor="ctr">
-                    <a:solidFill>
-                      <a:schemeClr val="accent1"/>
-                    </a:solidFill>
-                  </a:tcPr>
-                </a:tc>
-                <a:tc>
-                  <a:txBody>
-                    <a:bodyPr/>
-                    <a:lstStyle/>
-                    <a:p>
-                      <a:pPr>
-                        <a:buNone/>
-                      </a:pPr>
-                      <a:r>
-                        <a:rPr lang="zh-CN" altLang="en-US" sz="2400" b="0">
-                          <a:solidFill>
-                            <a:schemeClr val="tx1"/>
-                          </a:solidFill>
-                          <a:uFillTx/>
-                          <a:ea typeface="微软雅黑" panose="020B0503020204020204" pitchFamily="34" charset="-122"/>
-                        </a:rPr>
-                        <a:t>蔡峰</a:t>
-                      </a:r>
-                    </a:p>
-                  </a:txBody>
-                  <a:tcPr>
-                    <a:solidFill>
-                      <a:schemeClr val="accent1">
-                        <a:lumMod val="40000"/>
-                        <a:lumOff val="60000"/>
-                      </a:schemeClr>
-                    </a:solidFill>
-                  </a:tcPr>
-                </a:tc>
-              </a:tr>
-              <a:tr h="911860">
-                <a:tc>
-                  <a:txBody>
-                    <a:bodyPr/>
-                    <a:lstStyle/>
-                    <a:p>
-                      <a:pPr algn="l">
-                        <a:spcAft>
-                          <a:spcPts val="0"/>
-                        </a:spcAft>
-                      </a:pPr>
-                      <a:r>
-                        <a:rPr lang="zh-CN" sz="2400" kern="100">
-                          <a:effectLst/>
-                          <a:latin typeface="微软雅黑" panose="020B0503020204020204" pitchFamily="34" charset="-122"/>
-                          <a:ea typeface="微软雅黑" panose="020B0503020204020204" pitchFamily="34" charset="-122"/>
-                        </a:rPr>
-                        <a:t>需求规格审核</a:t>
-                      </a:r>
-                      <a:endParaRPr lang="zh-CN" sz="2400" kern="100">
-                        <a:effectLst/>
-                        <a:latin typeface="微软雅黑" panose="020B0503020204020204" pitchFamily="34" charset="-122"/>
-                        <a:ea typeface="微软雅黑" panose="020B0503020204020204" pitchFamily="34" charset="-122"/>
-                        <a:cs typeface="宋体" panose="02010600030101010101" pitchFamily="2" charset="-122"/>
-                      </a:endParaRPr>
-                    </a:p>
-                  </a:txBody>
-                  <a:tcPr marL="9525" marR="9525" marT="9525" marB="9525" anchor="ctr">
-                    <a:solidFill>
-                      <a:schemeClr val="accent1">
-                        <a:lumMod val="40000"/>
-                        <a:lumOff val="60000"/>
-                      </a:schemeClr>
-                    </a:solidFill>
-                  </a:tcPr>
-                </a:tc>
-                <a:tc>
-                  <a:txBody>
-                    <a:bodyPr/>
-                    <a:lstStyle/>
-                    <a:p>
-                      <a:pPr>
-                        <a:buNone/>
-                      </a:pPr>
-                      <a:r>
-                        <a:rPr lang="zh-CN" altLang="en-US" sz="2400" b="0">
-                          <a:solidFill>
-                            <a:schemeClr val="tx1"/>
-                          </a:solidFill>
-                          <a:uFillTx/>
-                          <a:ea typeface="微软雅黑" panose="020B0503020204020204" pitchFamily="34" charset="-122"/>
-                        </a:rPr>
-                        <a:t>小组协同</a:t>
-                      </a:r>
-                    </a:p>
-                  </a:txBody>
-                  <a:tcPr>
-                    <a:solidFill>
-                      <a:schemeClr val="accent1">
-                        <a:lumMod val="60000"/>
-                        <a:lumOff val="40000"/>
-                      </a:schemeClr>
-                    </a:solidFill>
-                  </a:tcPr>
-                </a:tc>
-              </a:tr>
-            </a:tbl>
-          </a:graphicData>
-        </a:graphic>
-      </p:graphicFrame>
     </p:spTree>
   </p:cSld>
   <p:clrMapOvr>
@@ -10495,181 +10162,14 @@
   <p:timing>
     <p:tnLst>
       <p:par>
-        <p:cTn id="1" dur="indefinite" restart="never" nodeType="tmRoot">
-          <p:childTnLst>
-            <p:seq concurrent="1" nextAc="seek">
-              <p:cTn id="2" dur="indefinite" nodeType="mainSeq">
-                <p:childTnLst>
-                  <p:par>
-                    <p:cTn id="3" fill="hold">
-                      <p:stCondLst>
-                        <p:cond delay="indefinite"/>
-                      </p:stCondLst>
-                      <p:childTnLst>
-                        <p:par>
-                          <p:cTn id="4" fill="hold">
-                            <p:stCondLst>
-                              <p:cond delay="0"/>
-                            </p:stCondLst>
-                            <p:childTnLst>
-                              <p:par>
-                                <p:cTn id="5" presetID="2" presetClass="entr" presetSubtype="4" fill="hold" nodeType="clickEffect">
-                                  <p:stCondLst>
-                                    <p:cond delay="0"/>
-                                  </p:stCondLst>
-                                  <p:childTnLst>
-                                    <p:set>
-                                      <p:cBhvr>
-                                        <p:cTn id="6" dur="1" fill="hold">
-                                          <p:stCondLst>
-                                            <p:cond delay="0"/>
-                                          </p:stCondLst>
-                                        </p:cTn>
-                                        <p:tgtEl>
-                                          <p:spTgt spid="9"/>
-                                        </p:tgtEl>
-                                        <p:attrNameLst>
-                                          <p:attrName>style.visibility</p:attrName>
-                                        </p:attrNameLst>
-                                      </p:cBhvr>
-                                      <p:to>
-                                        <p:strVal val="visible"/>
-                                      </p:to>
-                                    </p:set>
-                                    <p:anim calcmode="lin" valueType="num">
-                                      <p:cBhvr additive="base">
-                                        <p:cTn id="7" dur="500" fill="hold"/>
-                                        <p:tgtEl>
-                                          <p:spTgt spid="9"/>
-                                        </p:tgtEl>
-                                        <p:attrNameLst>
-                                          <p:attrName>ppt_x</p:attrName>
-                                        </p:attrNameLst>
-                                      </p:cBhvr>
-                                      <p:tavLst>
-                                        <p:tav tm="0">
-                                          <p:val>
-                                            <p:strVal val="#ppt_x"/>
-                                          </p:val>
-                                        </p:tav>
-                                        <p:tav tm="100000">
-                                          <p:val>
-                                            <p:strVal val="#ppt_x"/>
-                                          </p:val>
-                                        </p:tav>
-                                      </p:tavLst>
-                                    </p:anim>
-                                    <p:anim calcmode="lin" valueType="num">
-                                      <p:cBhvr additive="base">
-                                        <p:cTn id="8" dur="500" fill="hold"/>
-                                        <p:tgtEl>
-                                          <p:spTgt spid="9"/>
-                                        </p:tgtEl>
-                                        <p:attrNameLst>
-                                          <p:attrName>ppt_y</p:attrName>
-                                        </p:attrNameLst>
-                                      </p:cBhvr>
-                                      <p:tavLst>
-                                        <p:tav tm="0">
-                                          <p:val>
-                                            <p:strVal val="1+#ppt_h/2"/>
-                                          </p:val>
-                                        </p:tav>
-                                        <p:tav tm="100000">
-                                          <p:val>
-                                            <p:strVal val="#ppt_y"/>
-                                          </p:val>
-                                        </p:tav>
-                                      </p:tavLst>
-                                    </p:anim>
-                                  </p:childTnLst>
-                                </p:cTn>
-                              </p:par>
-                            </p:childTnLst>
-                          </p:cTn>
-                        </p:par>
-                      </p:childTnLst>
-                    </p:cTn>
-                  </p:par>
-                  <p:par>
-                    <p:cTn id="9" fill="hold">
-                      <p:stCondLst>
-                        <p:cond delay="indefinite"/>
-                      </p:stCondLst>
-                      <p:childTnLst>
-                        <p:par>
-                          <p:cTn id="10" fill="hold">
-                            <p:stCondLst>
-                              <p:cond delay="0"/>
-                            </p:stCondLst>
-                            <p:childTnLst>
-                              <p:par>
-                                <p:cTn id="11" presetID="10" presetClass="entr" presetSubtype="0" fill="hold" nodeType="clickEffect">
-                                  <p:stCondLst>
-                                    <p:cond delay="0"/>
-                                  </p:stCondLst>
-                                  <p:childTnLst>
-                                    <p:set>
-                                      <p:cBhvr>
-                                        <p:cTn id="12" dur="1" fill="hold">
-                                          <p:stCondLst>
-                                            <p:cond delay="0"/>
-                                          </p:stCondLst>
-                                        </p:cTn>
-                                        <p:tgtEl>
-                                          <p:spTgt spid="9"/>
-                                        </p:tgtEl>
-                                        <p:attrNameLst>
-                                          <p:attrName>style.visibility</p:attrName>
-                                        </p:attrNameLst>
-                                      </p:cBhvr>
-                                      <p:to>
-                                        <p:strVal val="visible"/>
-                                      </p:to>
-                                    </p:set>
-                                    <p:animEffect transition="in" filter="fade">
-                                      <p:cBhvr>
-                                        <p:cTn id="13" dur="2000"/>
-                                        <p:tgtEl>
-                                          <p:spTgt spid="9"/>
-                                        </p:tgtEl>
-                                      </p:cBhvr>
-                                    </p:animEffect>
-                                  </p:childTnLst>
-                                </p:cTn>
-                              </p:par>
-                            </p:childTnLst>
-                          </p:cTn>
-                        </p:par>
-                      </p:childTnLst>
-                    </p:cTn>
-                  </p:par>
-                </p:childTnLst>
-              </p:cTn>
-              <p:prevCondLst>
-                <p:cond evt="onPrev" delay="0">
-                  <p:tgtEl>
-                    <p:sldTgt/>
-                  </p:tgtEl>
-                </p:cond>
-              </p:prevCondLst>
-              <p:nextCondLst>
-                <p:cond evt="onNext" delay="0">
-                  <p:tgtEl>
-                    <p:sldTgt/>
-                  </p:tgtEl>
-                </p:cond>
-              </p:nextCondLst>
-            </p:seq>
-          </p:childTnLst>
-        </p:cTn>
+        <p:cTn id="1" dur="indefinite" restart="never" nodeType="tmRoot"/>
       </p:par>
     </p:tnLst>
   </p:timing>
 </p:sld>
 </file>
 
-<file path=ppt/slides/slide17.xml><?xml version="1.0" encoding="utf-8"?>
+<file path=ppt/slides/slide16.xml><?xml version="1.0" encoding="utf-8"?>
 <p:sld xmlns:a="http://schemas.openxmlformats.org/drawingml/2006/main" xmlns:r="http://schemas.openxmlformats.org/officeDocument/2006/relationships" xmlns:p="http://schemas.openxmlformats.org/presentationml/2006/main">
   <p:cSld>
     <p:spTree>
@@ -10778,6 +10278,7 @@
               <a:rPr lang="en-US" sz="2400" dirty="0"/>
               <a:t>3</a:t>
             </a:r>
+            <a:endParaRPr lang="en-US" sz="2400" dirty="0"/>
           </a:p>
         </p:txBody>
       </p:sp>
@@ -10872,6 +10373,14 @@
                         </a:rPr>
                         <a:t>项目管理过程</a:t>
                       </a:r>
+                      <a:endParaRPr lang="zh-CN" altLang="en-US" sz="1000" b="1">
+                        <a:solidFill>
+                          <a:srgbClr val="000000"/>
+                        </a:solidFill>
+                        <a:latin typeface="微软雅黑" panose="020B0503020204020204" pitchFamily="34" charset="-122"/>
+                        <a:ea typeface="微软雅黑" panose="020B0503020204020204" pitchFamily="34" charset="-122"/>
+                        <a:cs typeface="宋体" panose="02010600030101010101" pitchFamily="2" charset="-122"/>
+                      </a:endParaRPr>
                     </a:p>
                   </a:txBody>
                   <a:tcPr marL="0" marR="0" marT="0" marB="0" anchor="ctr">
@@ -10935,6 +10444,14 @@
                         </a:rPr>
                         <a:t>风险识别</a:t>
                       </a:r>
+                      <a:endParaRPr lang="zh-CN" altLang="en-US" sz="1200" b="1">
+                        <a:solidFill>
+                          <a:srgbClr val="000000"/>
+                        </a:solidFill>
+                        <a:latin typeface="微软雅黑" panose="020B0503020204020204" pitchFamily="34" charset="-122"/>
+                        <a:ea typeface="微软雅黑" panose="020B0503020204020204" pitchFamily="34" charset="-122"/>
+                        <a:cs typeface="宋体" panose="02010600030101010101" pitchFamily="2" charset="-122"/>
+                      </a:endParaRPr>
                     </a:p>
                   </a:txBody>
                   <a:tcPr marL="0" marR="0" marT="0" marB="0" anchor="ctr">
@@ -10980,13 +10497,6 @@
                   </a:tcPr>
                 </a:tc>
                 <a:tc hMerge="1">
-                  <a:txBody>
-                    <a:bodyPr/>
-                    <a:lstStyle/>
-                    <a:p>
-                      <a:endParaRPr lang="zh-CN"/>
-                    </a:p>
-                  </a:txBody>
                   <a:tcPr>
                     <a:lnR w="15240" cap="flat" cmpd="sng">
                       <a:solidFill>
@@ -11033,6 +10543,14 @@
                         </a:rPr>
                         <a:t>风险评估</a:t>
                       </a:r>
+                      <a:endParaRPr lang="zh-CN" altLang="en-US" sz="1200" b="1">
+                        <a:solidFill>
+                          <a:srgbClr val="000000"/>
+                        </a:solidFill>
+                        <a:latin typeface="微软雅黑" panose="020B0503020204020204" pitchFamily="34" charset="-122"/>
+                        <a:ea typeface="微软雅黑" panose="020B0503020204020204" pitchFamily="34" charset="-122"/>
+                        <a:cs typeface="宋体" panose="02010600030101010101" pitchFamily="2" charset="-122"/>
+                      </a:endParaRPr>
                     </a:p>
                   </a:txBody>
                   <a:tcPr marL="0" marR="0" marT="0" marB="0" anchor="ctr">
@@ -11078,13 +10596,6 @@
                   </a:tcPr>
                 </a:tc>
                 <a:tc hMerge="1">
-                  <a:txBody>
-                    <a:bodyPr/>
-                    <a:lstStyle/>
-                    <a:p>
-                      <a:endParaRPr lang="zh-CN"/>
-                    </a:p>
-                  </a:txBody>
                   <a:tcPr>
                     <a:lnT w="15240" cap="flat" cmpd="sng">
                       <a:solidFill>
@@ -11105,13 +10616,6 @@
                   </a:tcPr>
                 </a:tc>
                 <a:tc hMerge="1">
-                  <a:txBody>
-                    <a:bodyPr/>
-                    <a:lstStyle/>
-                    <a:p>
-                      <a:endParaRPr lang="zh-CN"/>
-                    </a:p>
-                  </a:txBody>
                   <a:tcPr>
                     <a:lnT w="15240" cap="flat" cmpd="sng">
                       <a:solidFill>
@@ -11132,13 +10636,6 @@
                   </a:tcPr>
                 </a:tc>
                 <a:tc hMerge="1">
-                  <a:txBody>
-                    <a:bodyPr/>
-                    <a:lstStyle/>
-                    <a:p>
-                      <a:endParaRPr lang="zh-CN"/>
-                    </a:p>
-                  </a:txBody>
                   <a:tcPr>
                     <a:lnR w="15240" cap="flat" cmpd="sng">
                       <a:solidFill>
@@ -11185,6 +10682,14 @@
                         </a:rPr>
                         <a:t>风险应对措施</a:t>
                       </a:r>
+                      <a:endParaRPr lang="zh-CN" altLang="en-US" sz="1200" b="1">
+                        <a:solidFill>
+                          <a:srgbClr val="000000"/>
+                        </a:solidFill>
+                        <a:latin typeface="微软雅黑" panose="020B0503020204020204" pitchFamily="34" charset="-122"/>
+                        <a:ea typeface="微软雅黑" panose="020B0503020204020204" pitchFamily="34" charset="-122"/>
+                        <a:cs typeface="宋体" panose="02010600030101010101" pitchFamily="2" charset="-122"/>
+                      </a:endParaRPr>
                     </a:p>
                   </a:txBody>
                   <a:tcPr marL="0" marR="0" marT="0" marB="0" anchor="ctr">
@@ -11412,13 +10917,6 @@
               </a:tr>
               <a:tr h="460375">
                 <a:tc vMerge="1">
-                  <a:txBody>
-                    <a:bodyPr/>
-                    <a:lstStyle/>
-                    <a:p>
-                      <a:endParaRPr lang="zh-CN"/>
-                    </a:p>
-                  </a:txBody>
                   <a:tcPr>
                     <a:lnL w="15240" cap="flat" cmpd="sng">
                       <a:solidFill>
@@ -11465,6 +10963,14 @@
                         </a:rPr>
                         <a:t>潜在的风险事件</a:t>
                       </a:r>
+                      <a:endParaRPr lang="zh-CN" altLang="en-US" sz="1000" b="1">
+                        <a:solidFill>
+                          <a:srgbClr val="000000"/>
+                        </a:solidFill>
+                        <a:latin typeface="微软雅黑" panose="020B0503020204020204" pitchFamily="34" charset="-122"/>
+                        <a:ea typeface="微软雅黑" panose="020B0503020204020204" pitchFamily="34" charset="-122"/>
+                        <a:cs typeface="宋体" panose="02010600030101010101" pitchFamily="2" charset="-122"/>
+                      </a:endParaRPr>
                     </a:p>
                   </a:txBody>
                   <a:tcPr marL="0" marR="0" marT="0" marB="0" anchor="ctr">
@@ -11528,6 +11034,14 @@
                         </a:rPr>
                         <a:t>风险发生的后果</a:t>
                       </a:r>
+                      <a:endParaRPr lang="zh-CN" altLang="en-US" sz="1000" b="1">
+                        <a:solidFill>
+                          <a:srgbClr val="000000"/>
+                        </a:solidFill>
+                        <a:latin typeface="微软雅黑" panose="020B0503020204020204" pitchFamily="34" charset="-122"/>
+                        <a:ea typeface="微软雅黑" panose="020B0503020204020204" pitchFamily="34" charset="-122"/>
+                        <a:cs typeface="宋体" panose="02010600030101010101" pitchFamily="2" charset="-122"/>
+                      </a:endParaRPr>
                     </a:p>
                   </a:txBody>
                   <a:tcPr marL="0" marR="0" marT="0" marB="0" anchor="ctr">
@@ -11591,6 +11105,14 @@
                         </a:rPr>
                         <a:t>可能性</a:t>
                       </a:r>
+                      <a:endParaRPr lang="zh-CN" altLang="en-US" sz="1000" b="1">
+                        <a:solidFill>
+                          <a:srgbClr val="000000"/>
+                        </a:solidFill>
+                        <a:latin typeface="微软雅黑" panose="020B0503020204020204" pitchFamily="34" charset="-122"/>
+                        <a:ea typeface="微软雅黑" panose="020B0503020204020204" pitchFamily="34" charset="-122"/>
+                        <a:cs typeface="宋体" panose="02010600030101010101" pitchFamily="2" charset="-122"/>
+                      </a:endParaRPr>
                     </a:p>
                   </a:txBody>
                   <a:tcPr marL="0" marR="0" marT="0" marB="0" anchor="ctr">
@@ -11654,6 +11176,14 @@
                         </a:rPr>
                         <a:t>严重性</a:t>
                       </a:r>
+                      <a:endParaRPr lang="zh-CN" altLang="en-US" sz="1000" b="1">
+                        <a:solidFill>
+                          <a:srgbClr val="000000"/>
+                        </a:solidFill>
+                        <a:latin typeface="微软雅黑" panose="020B0503020204020204" pitchFamily="34" charset="-122"/>
+                        <a:ea typeface="微软雅黑" panose="020B0503020204020204" pitchFamily="34" charset="-122"/>
+                        <a:cs typeface="宋体" panose="02010600030101010101" pitchFamily="2" charset="-122"/>
+                      </a:endParaRPr>
                     </a:p>
                   </a:txBody>
                   <a:tcPr marL="0" marR="0" marT="0" marB="0" anchor="ctr">
@@ -11717,6 +11247,14 @@
                         </a:rPr>
                         <a:t>不可控性</a:t>
                       </a:r>
+                      <a:endParaRPr lang="zh-CN" altLang="en-US" sz="1000" b="1">
+                        <a:solidFill>
+                          <a:srgbClr val="000000"/>
+                        </a:solidFill>
+                        <a:latin typeface="微软雅黑" panose="020B0503020204020204" pitchFamily="34" charset="-122"/>
+                        <a:ea typeface="微软雅黑" panose="020B0503020204020204" pitchFamily="34" charset="-122"/>
+                        <a:cs typeface="宋体" panose="02010600030101010101" pitchFamily="2" charset="-122"/>
+                      </a:endParaRPr>
                     </a:p>
                   </a:txBody>
                   <a:tcPr marL="0" marR="0" marT="0" marB="0" anchor="ctr">
@@ -11780,6 +11318,14 @@
                         </a:rPr>
                         <a:t>风险等级</a:t>
                       </a:r>
+                      <a:endParaRPr lang="zh-CN" altLang="en-US" sz="1000" b="1">
+                        <a:solidFill>
+                          <a:srgbClr val="000000"/>
+                        </a:solidFill>
+                        <a:latin typeface="微软雅黑" panose="020B0503020204020204" pitchFamily="34" charset="-122"/>
+                        <a:ea typeface="微软雅黑" panose="020B0503020204020204" pitchFamily="34" charset="-122"/>
+                        <a:cs typeface="宋体" panose="02010600030101010101" pitchFamily="2" charset="-122"/>
+                      </a:endParaRPr>
                     </a:p>
                   </a:txBody>
                   <a:tcPr marL="0" marR="0" marT="0" marB="0" anchor="ctr">
@@ -11843,6 +11389,14 @@
                         </a:rPr>
                         <a:t>应对措施</a:t>
                       </a:r>
+                      <a:endParaRPr lang="zh-CN" altLang="en-US" sz="1000" b="1">
+                        <a:solidFill>
+                          <a:srgbClr val="000000"/>
+                        </a:solidFill>
+                        <a:latin typeface="微软雅黑" panose="020B0503020204020204" pitchFamily="34" charset="-122"/>
+                        <a:ea typeface="微软雅黑" panose="020B0503020204020204" pitchFamily="34" charset="-122"/>
+                        <a:cs typeface="宋体" panose="02010600030101010101" pitchFamily="2" charset="-122"/>
+                      </a:endParaRPr>
                     </a:p>
                   </a:txBody>
                   <a:tcPr marL="0" marR="0" marT="0" marB="0" anchor="ctr">
@@ -11906,6 +11460,14 @@
                         </a:rPr>
                         <a:t>事故发生的对策</a:t>
                       </a:r>
+                      <a:endParaRPr lang="zh-CN" altLang="en-US" sz="1000" b="1">
+                        <a:solidFill>
+                          <a:srgbClr val="000000"/>
+                        </a:solidFill>
+                        <a:latin typeface="微软雅黑" panose="020B0503020204020204" pitchFamily="34" charset="-122"/>
+                        <a:ea typeface="微软雅黑" panose="020B0503020204020204" pitchFamily="34" charset="-122"/>
+                        <a:cs typeface="宋体" panose="02010600030101010101" pitchFamily="2" charset="-122"/>
+                      </a:endParaRPr>
                     </a:p>
                   </a:txBody>
                   <a:tcPr marL="0" marR="0" marT="0" marB="0" anchor="ctr">
@@ -11969,6 +11531,14 @@
                         </a:rPr>
                         <a:t>发生次数</a:t>
                       </a:r>
+                      <a:endParaRPr lang="zh-CN" altLang="en-US" sz="1000" b="1">
+                        <a:solidFill>
+                          <a:srgbClr val="000000"/>
+                        </a:solidFill>
+                        <a:latin typeface="微软雅黑" panose="020B0503020204020204" pitchFamily="34" charset="-122"/>
+                        <a:ea typeface="微软雅黑" panose="020B0503020204020204" pitchFamily="34" charset="-122"/>
+                        <a:cs typeface="宋体" panose="02010600030101010101" pitchFamily="2" charset="-122"/>
+                      </a:endParaRPr>
                     </a:p>
                   </a:txBody>
                   <a:tcPr marL="0" marR="0" marT="0" marB="0" anchor="ctr">
@@ -12032,6 +11602,14 @@
                         </a:rPr>
                         <a:t>风险高低</a:t>
                       </a:r>
+                      <a:endParaRPr lang="zh-CN" altLang="en-US" sz="1000" b="1">
+                        <a:solidFill>
+                          <a:srgbClr val="000000"/>
+                        </a:solidFill>
+                        <a:latin typeface="微软雅黑" panose="020B0503020204020204" pitchFamily="34" charset="-122"/>
+                        <a:ea typeface="微软雅黑" panose="020B0503020204020204" pitchFamily="34" charset="-122"/>
+                        <a:cs typeface="宋体" panose="02010600030101010101" pitchFamily="2" charset="-122"/>
+                      </a:endParaRPr>
                     </a:p>
                   </a:txBody>
                   <a:tcPr marL="0" marR="0" marT="0" marB="0" anchor="ctr">
@@ -12097,6 +11675,14 @@
                         </a:rPr>
                         <a:t>组员</a:t>
                       </a:r>
+                      <a:endParaRPr lang="zh-CN" altLang="en-US" sz="1000" b="1">
+                        <a:solidFill>
+                          <a:srgbClr val="000000"/>
+                        </a:solidFill>
+                        <a:latin typeface="微软雅黑" panose="020B0503020204020204" pitchFamily="34" charset="-122"/>
+                        <a:ea typeface="微软雅黑" panose="020B0503020204020204" pitchFamily="34" charset="-122"/>
+                        <a:cs typeface="宋体" panose="02010600030101010101" pitchFamily="2" charset="-122"/>
+                      </a:endParaRPr>
                     </a:p>
                   </a:txBody>
                   <a:tcPr marL="0" marR="0" marT="0" marB="0" anchor="ctr">
@@ -12160,6 +11746,14 @@
                         </a:rPr>
                         <a:t>组员有事情</a:t>
                       </a:r>
+                      <a:endParaRPr lang="zh-CN" altLang="en-US" sz="1000" b="0">
+                        <a:solidFill>
+                          <a:srgbClr val="000000"/>
+                        </a:solidFill>
+                        <a:latin typeface="微软雅黑" panose="020B0503020204020204" pitchFamily="34" charset="-122"/>
+                        <a:ea typeface="微软雅黑" panose="020B0503020204020204" pitchFamily="34" charset="-122"/>
+                        <a:cs typeface="宋体" panose="02010600030101010101" pitchFamily="2" charset="-122"/>
+                      </a:endParaRPr>
                     </a:p>
                   </a:txBody>
                   <a:tcPr marL="0" marR="0" marT="0" marB="0" anchor="ctr">
@@ -12223,6 +11817,14 @@
                         </a:rPr>
                         <a:t>任务不能按时按质完成</a:t>
                       </a:r>
+                      <a:endParaRPr lang="zh-CN" altLang="en-US" sz="1000" b="0">
+                        <a:solidFill>
+                          <a:srgbClr val="000000"/>
+                        </a:solidFill>
+                        <a:latin typeface="微软雅黑" panose="020B0503020204020204" pitchFamily="34" charset="-122"/>
+                        <a:ea typeface="微软雅黑" panose="020B0503020204020204" pitchFamily="34" charset="-122"/>
+                        <a:cs typeface="宋体" panose="02010600030101010101" pitchFamily="2" charset="-122"/>
+                      </a:endParaRPr>
                     </a:p>
                   </a:txBody>
                   <a:tcPr marL="0" marR="0" marT="0" marB="0" anchor="ctr">
@@ -12286,6 +11888,14 @@
                         </a:rPr>
                         <a:t>5</a:t>
                       </a:r>
+                      <a:endParaRPr lang="en-US" altLang="zh-CN" sz="1000" b="0">
+                        <a:solidFill>
+                          <a:srgbClr val="000000"/>
+                        </a:solidFill>
+                        <a:latin typeface="微软雅黑" panose="020B0503020204020204" pitchFamily="34" charset="-122"/>
+                        <a:ea typeface="微软雅黑" panose="020B0503020204020204" pitchFamily="34" charset="-122"/>
+                        <a:cs typeface="宋体" panose="02010600030101010101" pitchFamily="2" charset="-122"/>
+                      </a:endParaRPr>
                     </a:p>
                   </a:txBody>
                   <a:tcPr marL="0" marR="0" marT="0" marB="0" anchor="ctr">
@@ -12349,6 +11959,14 @@
                         </a:rPr>
                         <a:t>9</a:t>
                       </a:r>
+                      <a:endParaRPr lang="en-US" altLang="zh-CN" sz="1000" b="0">
+                        <a:solidFill>
+                          <a:srgbClr val="000000"/>
+                        </a:solidFill>
+                        <a:latin typeface="微软雅黑" panose="020B0503020204020204" pitchFamily="34" charset="-122"/>
+                        <a:ea typeface="微软雅黑" panose="020B0503020204020204" pitchFamily="34" charset="-122"/>
+                        <a:cs typeface="宋体" panose="02010600030101010101" pitchFamily="2" charset="-122"/>
+                      </a:endParaRPr>
                     </a:p>
                   </a:txBody>
                   <a:tcPr marL="0" marR="0" marT="0" marB="0" anchor="ctr">
@@ -12412,6 +12030,14 @@
                         </a:rPr>
                         <a:t>6</a:t>
                       </a:r>
+                      <a:endParaRPr lang="en-US" altLang="zh-CN" sz="1000" b="0">
+                        <a:solidFill>
+                          <a:srgbClr val="000000"/>
+                        </a:solidFill>
+                        <a:latin typeface="微软雅黑" panose="020B0503020204020204" pitchFamily="34" charset="-122"/>
+                        <a:ea typeface="微软雅黑" panose="020B0503020204020204" pitchFamily="34" charset="-122"/>
+                        <a:cs typeface="宋体" panose="02010600030101010101" pitchFamily="2" charset="-122"/>
+                      </a:endParaRPr>
                     </a:p>
                   </a:txBody>
                   <a:tcPr marL="0" marR="0" marT="0" marB="0" anchor="ctr">
@@ -12475,6 +12101,14 @@
                         </a:rPr>
                         <a:t>220</a:t>
                       </a:r>
+                      <a:endParaRPr lang="en-US" altLang="zh-CN" sz="1000" b="0">
+                        <a:solidFill>
+                          <a:srgbClr val="000000"/>
+                        </a:solidFill>
+                        <a:latin typeface="微软雅黑" panose="020B0503020204020204" pitchFamily="34" charset="-122"/>
+                        <a:ea typeface="微软雅黑" panose="020B0503020204020204" pitchFamily="34" charset="-122"/>
+                        <a:cs typeface="宋体" panose="02010600030101010101" pitchFamily="2" charset="-122"/>
+                      </a:endParaRPr>
                     </a:p>
                   </a:txBody>
                   <a:tcPr marL="0" marR="0" marT="0" marB="0" anchor="ctr">
@@ -12538,6 +12172,14 @@
                         </a:rPr>
                         <a:t>提前改变任务的分配，他人顶上</a:t>
                       </a:r>
+                      <a:endParaRPr lang="zh-CN" altLang="en-US" sz="1000" b="0">
+                        <a:solidFill>
+                          <a:srgbClr val="000000"/>
+                        </a:solidFill>
+                        <a:latin typeface="微软雅黑" panose="020B0503020204020204" pitchFamily="34" charset="-122"/>
+                        <a:ea typeface="微软雅黑" panose="020B0503020204020204" pitchFamily="34" charset="-122"/>
+                        <a:cs typeface="宋体" panose="02010600030101010101" pitchFamily="2" charset="-122"/>
+                      </a:endParaRPr>
                     </a:p>
                   </a:txBody>
                   <a:tcPr marL="0" marR="0" marT="0" marB="0" anchor="ctr">
@@ -12601,6 +12243,14 @@
                         </a:rPr>
                         <a:t>有</a:t>
                       </a:r>
+                      <a:endParaRPr lang="zh-CN" altLang="en-US" sz="1000" b="1">
+                        <a:solidFill>
+                          <a:srgbClr val="000000"/>
+                        </a:solidFill>
+                        <a:latin typeface="微软雅黑" panose="020B0503020204020204" pitchFamily="34" charset="-122"/>
+                        <a:ea typeface="微软雅黑" panose="020B0503020204020204" pitchFamily="34" charset="-122"/>
+                        <a:cs typeface="宋体" panose="02010600030101010101" pitchFamily="2" charset="-122"/>
+                      </a:endParaRPr>
                     </a:p>
                   </a:txBody>
                   <a:tcPr marL="0" marR="0" marT="0" marB="0" anchor="ctr">
@@ -12664,6 +12314,14 @@
                         </a:rPr>
                         <a:t>无</a:t>
                       </a:r>
+                      <a:endParaRPr lang="zh-CN" altLang="en-US" sz="1000" b="1">
+                        <a:solidFill>
+                          <a:srgbClr val="000000"/>
+                        </a:solidFill>
+                        <a:latin typeface="微软雅黑" panose="020B0503020204020204" pitchFamily="34" charset="-122"/>
+                        <a:ea typeface="微软雅黑" panose="020B0503020204020204" pitchFamily="34" charset="-122"/>
+                        <a:cs typeface="宋体" panose="02010600030101010101" pitchFamily="2" charset="-122"/>
+                      </a:endParaRPr>
                     </a:p>
                   </a:txBody>
                   <a:tcPr marL="0" marR="0" marT="0" marB="0" anchor="ctr">
@@ -12727,6 +12385,14 @@
                         </a:rPr>
                         <a:t>低</a:t>
                       </a:r>
+                      <a:endParaRPr lang="zh-CN" altLang="en-US" sz="1000" b="1">
+                        <a:solidFill>
+                          <a:srgbClr val="000000"/>
+                        </a:solidFill>
+                        <a:latin typeface="微软雅黑" panose="020B0503020204020204" pitchFamily="34" charset="-122"/>
+                        <a:ea typeface="微软雅黑" panose="020B0503020204020204" pitchFamily="34" charset="-122"/>
+                        <a:cs typeface="宋体" panose="02010600030101010101" pitchFamily="2" charset="-122"/>
+                      </a:endParaRPr>
                     </a:p>
                   </a:txBody>
                   <a:tcPr marL="0" marR="0" marT="0" marB="0" anchor="ctr">
@@ -12774,13 +12440,6 @@
               </a:tr>
               <a:tr h="360045">
                 <a:tc vMerge="1">
-                  <a:txBody>
-                    <a:bodyPr/>
-                    <a:lstStyle/>
-                    <a:p>
-                      <a:endParaRPr lang="zh-CN"/>
-                    </a:p>
-                  </a:txBody>
                   <a:tcPr>
                     <a:lnL w="15240" cap="flat" cmpd="sng">
                       <a:solidFill>
@@ -12819,6 +12478,14 @@
                         </a:rPr>
                         <a:t>组员不能按时完成任务</a:t>
                       </a:r>
+                      <a:endParaRPr lang="zh-CN" altLang="en-US" sz="1000" b="0">
+                        <a:solidFill>
+                          <a:srgbClr val="000000"/>
+                        </a:solidFill>
+                        <a:latin typeface="微软雅黑" panose="020B0503020204020204" pitchFamily="34" charset="-122"/>
+                        <a:ea typeface="微软雅黑" panose="020B0503020204020204" pitchFamily="34" charset="-122"/>
+                        <a:cs typeface="宋体" panose="02010600030101010101" pitchFamily="2" charset="-122"/>
+                      </a:endParaRPr>
                     </a:p>
                   </a:txBody>
                   <a:tcPr marL="0" marR="0" marT="0" marB="0" anchor="ctr">
@@ -12882,6 +12549,14 @@
                         </a:rPr>
                         <a:t>任务不能按时按质完成</a:t>
                       </a:r>
+                      <a:endParaRPr lang="zh-CN" altLang="en-US" sz="1000" b="0">
+                        <a:solidFill>
+                          <a:srgbClr val="000000"/>
+                        </a:solidFill>
+                        <a:latin typeface="微软雅黑" panose="020B0503020204020204" pitchFamily="34" charset="-122"/>
+                        <a:ea typeface="微软雅黑" panose="020B0503020204020204" pitchFamily="34" charset="-122"/>
+                        <a:cs typeface="宋体" panose="02010600030101010101" pitchFamily="2" charset="-122"/>
+                      </a:endParaRPr>
                     </a:p>
                   </a:txBody>
                   <a:tcPr marL="0" marR="0" marT="0" marB="0" anchor="ctr">
@@ -12945,6 +12620,14 @@
                         </a:rPr>
                         <a:t>4</a:t>
                       </a:r>
+                      <a:endParaRPr lang="en-US" altLang="zh-CN" sz="1000" b="0">
+                        <a:solidFill>
+                          <a:srgbClr val="000000"/>
+                        </a:solidFill>
+                        <a:latin typeface="微软雅黑" panose="020B0503020204020204" pitchFamily="34" charset="-122"/>
+                        <a:ea typeface="微软雅黑" panose="020B0503020204020204" pitchFamily="34" charset="-122"/>
+                        <a:cs typeface="宋体" panose="02010600030101010101" pitchFamily="2" charset="-122"/>
+                      </a:endParaRPr>
                     </a:p>
                   </a:txBody>
                   <a:tcPr marL="0" marR="0" marT="0" marB="0" anchor="ctr">
@@ -13008,6 +12691,14 @@
                         </a:rPr>
                         <a:t>9</a:t>
                       </a:r>
+                      <a:endParaRPr lang="en-US" altLang="zh-CN" sz="1000" b="0">
+                        <a:solidFill>
+                          <a:srgbClr val="000000"/>
+                        </a:solidFill>
+                        <a:latin typeface="微软雅黑" panose="020B0503020204020204" pitchFamily="34" charset="-122"/>
+                        <a:ea typeface="微软雅黑" panose="020B0503020204020204" pitchFamily="34" charset="-122"/>
+                        <a:cs typeface="宋体" panose="02010600030101010101" pitchFamily="2" charset="-122"/>
+                      </a:endParaRPr>
                     </a:p>
                   </a:txBody>
                   <a:tcPr marL="0" marR="0" marT="0" marB="0" anchor="ctr">
@@ -13071,6 +12762,14 @@
                         </a:rPr>
                         <a:t>5</a:t>
                       </a:r>
+                      <a:endParaRPr lang="en-US" altLang="zh-CN" sz="1000" b="0">
+                        <a:solidFill>
+                          <a:srgbClr val="000000"/>
+                        </a:solidFill>
+                        <a:latin typeface="微软雅黑" panose="020B0503020204020204" pitchFamily="34" charset="-122"/>
+                        <a:ea typeface="微软雅黑" panose="020B0503020204020204" pitchFamily="34" charset="-122"/>
+                        <a:cs typeface="宋体" panose="02010600030101010101" pitchFamily="2" charset="-122"/>
+                      </a:endParaRPr>
                     </a:p>
                   </a:txBody>
                   <a:tcPr marL="0" marR="0" marT="0" marB="0" anchor="ctr">
@@ -13134,6 +12833,14 @@
                         </a:rPr>
                         <a:t>200</a:t>
                       </a:r>
+                      <a:endParaRPr lang="en-US" altLang="zh-CN" sz="1000" b="0">
+                        <a:solidFill>
+                          <a:srgbClr val="000000"/>
+                        </a:solidFill>
+                        <a:latin typeface="微软雅黑" panose="020B0503020204020204" pitchFamily="34" charset="-122"/>
+                        <a:ea typeface="微软雅黑" panose="020B0503020204020204" pitchFamily="34" charset="-122"/>
+                        <a:cs typeface="宋体" panose="02010600030101010101" pitchFamily="2" charset="-122"/>
+                      </a:endParaRPr>
                     </a:p>
                   </a:txBody>
                   <a:tcPr marL="0" marR="0" marT="0" marB="0" anchor="ctr">
@@ -13197,6 +12904,14 @@
                         </a:rPr>
                         <a:t>其他成员给该成员制定一些培养的计划</a:t>
                       </a:r>
+                      <a:endParaRPr lang="zh-CN" altLang="en-US" sz="1000" b="0">
+                        <a:solidFill>
+                          <a:srgbClr val="000000"/>
+                        </a:solidFill>
+                        <a:latin typeface="微软雅黑" panose="020B0503020204020204" pitchFamily="34" charset="-122"/>
+                        <a:ea typeface="微软雅黑" panose="020B0503020204020204" pitchFamily="34" charset="-122"/>
+                        <a:cs typeface="宋体" panose="02010600030101010101" pitchFamily="2" charset="-122"/>
+                      </a:endParaRPr>
                     </a:p>
                   </a:txBody>
                   <a:tcPr marL="0" marR="0" marT="0" marB="0" anchor="ctr">
@@ -13260,6 +12975,14 @@
                         </a:rPr>
                         <a:t>有</a:t>
                       </a:r>
+                      <a:endParaRPr lang="zh-CN" altLang="en-US" sz="1000" b="1">
+                        <a:solidFill>
+                          <a:srgbClr val="000000"/>
+                        </a:solidFill>
+                        <a:latin typeface="微软雅黑" panose="020B0503020204020204" pitchFamily="34" charset="-122"/>
+                        <a:ea typeface="微软雅黑" panose="020B0503020204020204" pitchFamily="34" charset="-122"/>
+                        <a:cs typeface="宋体" panose="02010600030101010101" pitchFamily="2" charset="-122"/>
+                      </a:endParaRPr>
                     </a:p>
                   </a:txBody>
                   <a:tcPr marL="0" marR="0" marT="0" marB="0" anchor="ctr">
@@ -13323,6 +13046,14 @@
                         </a:rPr>
                         <a:t>无</a:t>
                       </a:r>
+                      <a:endParaRPr lang="zh-CN" altLang="en-US" sz="1000" b="1">
+                        <a:solidFill>
+                          <a:srgbClr val="000000"/>
+                        </a:solidFill>
+                        <a:latin typeface="微软雅黑" panose="020B0503020204020204" pitchFamily="34" charset="-122"/>
+                        <a:ea typeface="微软雅黑" panose="020B0503020204020204" pitchFamily="34" charset="-122"/>
+                        <a:cs typeface="宋体" panose="02010600030101010101" pitchFamily="2" charset="-122"/>
+                      </a:endParaRPr>
                     </a:p>
                   </a:txBody>
                   <a:tcPr marL="0" marR="0" marT="0" marB="0" anchor="ctr">
@@ -13386,6 +13117,14 @@
                         </a:rPr>
                         <a:t>低</a:t>
                       </a:r>
+                      <a:endParaRPr lang="zh-CN" altLang="en-US" sz="1000" b="1">
+                        <a:solidFill>
+                          <a:srgbClr val="000000"/>
+                        </a:solidFill>
+                        <a:latin typeface="微软雅黑" panose="020B0503020204020204" pitchFamily="34" charset="-122"/>
+                        <a:ea typeface="微软雅黑" panose="020B0503020204020204" pitchFamily="34" charset="-122"/>
+                        <a:cs typeface="宋体" panose="02010600030101010101" pitchFamily="2" charset="-122"/>
+                      </a:endParaRPr>
                     </a:p>
                   </a:txBody>
                   <a:tcPr marL="0" marR="0" marT="0" marB="0" anchor="ctr">
@@ -13433,13 +13172,6 @@
               </a:tr>
               <a:tr h="415925">
                 <a:tc vMerge="1">
-                  <a:txBody>
-                    <a:bodyPr/>
-                    <a:lstStyle/>
-                    <a:p>
-                      <a:endParaRPr lang="zh-CN"/>
-                    </a:p>
-                  </a:txBody>
                   <a:tcPr>
                     <a:lnL w="15240" cap="flat" cmpd="sng">
                       <a:solidFill>
@@ -13478,6 +13210,14 @@
                         </a:rPr>
                         <a:t>组员故意不参加讨论与工作</a:t>
                       </a:r>
+                      <a:endParaRPr lang="zh-CN" altLang="en-US" sz="1000" b="0">
+                        <a:solidFill>
+                          <a:srgbClr val="000000"/>
+                        </a:solidFill>
+                        <a:latin typeface="微软雅黑" panose="020B0503020204020204" pitchFamily="34" charset="-122"/>
+                        <a:ea typeface="微软雅黑" panose="020B0503020204020204" pitchFamily="34" charset="-122"/>
+                        <a:cs typeface="宋体" panose="02010600030101010101" pitchFamily="2" charset="-122"/>
+                      </a:endParaRPr>
                     </a:p>
                   </a:txBody>
                   <a:tcPr marL="0" marR="0" marT="0" marB="0" anchor="ctr">
@@ -13541,6 +13281,14 @@
                         </a:rPr>
                         <a:t>其他组员任务太重，时间无法保证</a:t>
                       </a:r>
+                      <a:endParaRPr lang="zh-CN" altLang="en-US" sz="1000" b="0">
+                        <a:solidFill>
+                          <a:srgbClr val="000000"/>
+                        </a:solidFill>
+                        <a:latin typeface="微软雅黑" panose="020B0503020204020204" pitchFamily="34" charset="-122"/>
+                        <a:ea typeface="微软雅黑" panose="020B0503020204020204" pitchFamily="34" charset="-122"/>
+                        <a:cs typeface="宋体" panose="02010600030101010101" pitchFamily="2" charset="-122"/>
+                      </a:endParaRPr>
                     </a:p>
                   </a:txBody>
                   <a:tcPr marL="0" marR="0" marT="0" marB="0" anchor="ctr">
@@ -13604,6 +13352,14 @@
                         </a:rPr>
                         <a:t>1</a:t>
                       </a:r>
+                      <a:endParaRPr lang="en-US" altLang="zh-CN" sz="1000" b="0">
+                        <a:solidFill>
+                          <a:srgbClr val="000000"/>
+                        </a:solidFill>
+                        <a:latin typeface="微软雅黑" panose="020B0503020204020204" pitchFamily="34" charset="-122"/>
+                        <a:ea typeface="微软雅黑" panose="020B0503020204020204" pitchFamily="34" charset="-122"/>
+                        <a:cs typeface="宋体" panose="02010600030101010101" pitchFamily="2" charset="-122"/>
+                      </a:endParaRPr>
                     </a:p>
                   </a:txBody>
                   <a:tcPr marL="0" marR="0" marT="0" marB="0" anchor="ctr">
@@ -13667,6 +13423,14 @@
                         </a:rPr>
                         <a:t>10</a:t>
                       </a:r>
+                      <a:endParaRPr lang="en-US" altLang="zh-CN" sz="1000" b="0">
+                        <a:solidFill>
+                          <a:srgbClr val="000000"/>
+                        </a:solidFill>
+                        <a:latin typeface="微软雅黑" panose="020B0503020204020204" pitchFamily="34" charset="-122"/>
+                        <a:ea typeface="微软雅黑" panose="020B0503020204020204" pitchFamily="34" charset="-122"/>
+                        <a:cs typeface="宋体" panose="02010600030101010101" pitchFamily="2" charset="-122"/>
+                      </a:endParaRPr>
                     </a:p>
                   </a:txBody>
                   <a:tcPr marL="0" marR="0" marT="0" marB="0" anchor="ctr">
@@ -13730,6 +13494,14 @@
                         </a:rPr>
                         <a:t>1</a:t>
                       </a:r>
+                      <a:endParaRPr lang="en-US" altLang="zh-CN" sz="1000" b="0">
+                        <a:solidFill>
+                          <a:srgbClr val="000000"/>
+                        </a:solidFill>
+                        <a:latin typeface="微软雅黑" panose="020B0503020204020204" pitchFamily="34" charset="-122"/>
+                        <a:ea typeface="微软雅黑" panose="020B0503020204020204" pitchFamily="34" charset="-122"/>
+                        <a:cs typeface="宋体" panose="02010600030101010101" pitchFamily="2" charset="-122"/>
+                      </a:endParaRPr>
                     </a:p>
                   </a:txBody>
                   <a:tcPr marL="0" marR="0" marT="0" marB="0" anchor="ctr">
@@ -13793,6 +13565,14 @@
                         </a:rPr>
                         <a:t>10</a:t>
                       </a:r>
+                      <a:endParaRPr lang="en-US" altLang="zh-CN" sz="1000" b="0">
+                        <a:solidFill>
+                          <a:srgbClr val="000000"/>
+                        </a:solidFill>
+                        <a:latin typeface="微软雅黑" panose="020B0503020204020204" pitchFamily="34" charset="-122"/>
+                        <a:ea typeface="微软雅黑" panose="020B0503020204020204" pitchFamily="34" charset="-122"/>
+                        <a:cs typeface="宋体" panose="02010600030101010101" pitchFamily="2" charset="-122"/>
+                      </a:endParaRPr>
                     </a:p>
                   </a:txBody>
                   <a:tcPr marL="0" marR="0" marT="0" marB="0" anchor="ctr">
@@ -13878,6 +13658,14 @@
                         </a:rPr>
                         <a:t>出小组。并且影响小组考评</a:t>
                       </a:r>
+                      <a:endParaRPr lang="zh-CN" altLang="en-US" sz="1000" b="0">
+                        <a:solidFill>
+                          <a:srgbClr val="000000"/>
+                        </a:solidFill>
+                        <a:latin typeface="微软雅黑" panose="020B0503020204020204" pitchFamily="34" charset="-122"/>
+                        <a:ea typeface="微软雅黑" panose="020B0503020204020204" pitchFamily="34" charset="-122"/>
+                        <a:cs typeface="宋体" panose="02010600030101010101" pitchFamily="2" charset="-122"/>
+                      </a:endParaRPr>
                     </a:p>
                   </a:txBody>
                   <a:tcPr marL="0" marR="0" marT="0" marB="0" anchor="ctr">
@@ -13941,6 +13729,14 @@
                         </a:rPr>
                         <a:t>有</a:t>
                       </a:r>
+                      <a:endParaRPr lang="zh-CN" altLang="en-US" sz="1000" b="1">
+                        <a:solidFill>
+                          <a:srgbClr val="000000"/>
+                        </a:solidFill>
+                        <a:latin typeface="微软雅黑" panose="020B0503020204020204" pitchFamily="34" charset="-122"/>
+                        <a:ea typeface="微软雅黑" panose="020B0503020204020204" pitchFamily="34" charset="-122"/>
+                        <a:cs typeface="宋体" panose="02010600030101010101" pitchFamily="2" charset="-122"/>
+                      </a:endParaRPr>
                     </a:p>
                   </a:txBody>
                   <a:tcPr marL="0" marR="0" marT="0" marB="0" anchor="ctr">
@@ -14004,6 +13800,14 @@
                         </a:rPr>
                         <a:t>无</a:t>
                       </a:r>
+                      <a:endParaRPr lang="zh-CN" altLang="en-US" sz="1000" b="1">
+                        <a:solidFill>
+                          <a:srgbClr val="000000"/>
+                        </a:solidFill>
+                        <a:latin typeface="微软雅黑" panose="020B0503020204020204" pitchFamily="34" charset="-122"/>
+                        <a:ea typeface="微软雅黑" panose="020B0503020204020204" pitchFamily="34" charset="-122"/>
+                        <a:cs typeface="宋体" panose="02010600030101010101" pitchFamily="2" charset="-122"/>
+                      </a:endParaRPr>
                     </a:p>
                   </a:txBody>
                   <a:tcPr marL="0" marR="0" marT="0" marB="0" anchor="ctr">
@@ -14067,6 +13871,14 @@
                         </a:rPr>
                         <a:t>低</a:t>
                       </a:r>
+                      <a:endParaRPr lang="zh-CN" altLang="en-US" sz="1000" b="1">
+                        <a:solidFill>
+                          <a:srgbClr val="000000"/>
+                        </a:solidFill>
+                        <a:latin typeface="微软雅黑" panose="020B0503020204020204" pitchFamily="34" charset="-122"/>
+                        <a:ea typeface="微软雅黑" panose="020B0503020204020204" pitchFamily="34" charset="-122"/>
+                        <a:cs typeface="宋体" panose="02010600030101010101" pitchFamily="2" charset="-122"/>
+                      </a:endParaRPr>
                     </a:p>
                   </a:txBody>
                   <a:tcPr marL="0" marR="0" marT="0" marB="0" anchor="ctr">
@@ -14114,13 +13926,6 @@
               </a:tr>
               <a:tr h="448310">
                 <a:tc vMerge="1">
-                  <a:txBody>
-                    <a:bodyPr/>
-                    <a:lstStyle/>
-                    <a:p>
-                      <a:endParaRPr lang="zh-CN"/>
-                    </a:p>
-                  </a:txBody>
                   <a:tcPr>
                     <a:lnL w="15240" cap="flat" cmpd="sng">
                       <a:solidFill>
@@ -14159,6 +13964,14 @@
                         </a:rPr>
                         <a:t>组员能力不平均</a:t>
                       </a:r>
+                      <a:endParaRPr lang="zh-CN" altLang="en-US" sz="1000" b="0">
+                        <a:solidFill>
+                          <a:srgbClr val="000000"/>
+                        </a:solidFill>
+                        <a:latin typeface="微软雅黑" panose="020B0503020204020204" pitchFamily="34" charset="-122"/>
+                        <a:ea typeface="微软雅黑" panose="020B0503020204020204" pitchFamily="34" charset="-122"/>
+                        <a:cs typeface="宋体" panose="02010600030101010101" pitchFamily="2" charset="-122"/>
+                      </a:endParaRPr>
                     </a:p>
                   </a:txBody>
                   <a:tcPr marL="0" marR="0" marT="0" marB="0" anchor="ctr">
@@ -14222,6 +14035,14 @@
                         </a:rPr>
                         <a:t>有的组员能力不行完不成相关任务</a:t>
                       </a:r>
+                      <a:endParaRPr lang="zh-CN" altLang="en-US" sz="1000" b="0">
+                        <a:solidFill>
+                          <a:srgbClr val="000000"/>
+                        </a:solidFill>
+                        <a:latin typeface="微软雅黑" panose="020B0503020204020204" pitchFamily="34" charset="-122"/>
+                        <a:ea typeface="微软雅黑" panose="020B0503020204020204" pitchFamily="34" charset="-122"/>
+                        <a:cs typeface="宋体" panose="02010600030101010101" pitchFamily="2" charset="-122"/>
+                      </a:endParaRPr>
                     </a:p>
                   </a:txBody>
                   <a:tcPr marL="0" marR="0" marT="0" marB="0" anchor="ctr">
@@ -14285,6 +14106,14 @@
                         </a:rPr>
                         <a:t>6</a:t>
                       </a:r>
+                      <a:endParaRPr lang="en-US" altLang="zh-CN" sz="1000" b="0">
+                        <a:solidFill>
+                          <a:srgbClr val="000000"/>
+                        </a:solidFill>
+                        <a:latin typeface="微软雅黑" panose="020B0503020204020204" pitchFamily="34" charset="-122"/>
+                        <a:ea typeface="微软雅黑" panose="020B0503020204020204" pitchFamily="34" charset="-122"/>
+                        <a:cs typeface="宋体" panose="02010600030101010101" pitchFamily="2" charset="-122"/>
+                      </a:endParaRPr>
                     </a:p>
                   </a:txBody>
                   <a:tcPr marL="0" marR="0" marT="0" marB="0" anchor="ctr">
@@ -14348,6 +14177,14 @@
                         </a:rPr>
                         <a:t>9</a:t>
                       </a:r>
+                      <a:endParaRPr lang="en-US" altLang="zh-CN" sz="1000" b="0">
+                        <a:solidFill>
+                          <a:srgbClr val="000000"/>
+                        </a:solidFill>
+                        <a:latin typeface="微软雅黑" panose="020B0503020204020204" pitchFamily="34" charset="-122"/>
+                        <a:ea typeface="微软雅黑" panose="020B0503020204020204" pitchFamily="34" charset="-122"/>
+                        <a:cs typeface="宋体" panose="02010600030101010101" pitchFamily="2" charset="-122"/>
+                      </a:endParaRPr>
                     </a:p>
                   </a:txBody>
                   <a:tcPr marL="0" marR="0" marT="0" marB="0" anchor="ctr">
@@ -14411,6 +14248,14 @@
                         </a:rPr>
                         <a:t>2</a:t>
                       </a:r>
+                      <a:endParaRPr lang="en-US" altLang="zh-CN" sz="1000" b="0">
+                        <a:solidFill>
+                          <a:srgbClr val="000000"/>
+                        </a:solidFill>
+                        <a:latin typeface="微软雅黑" panose="020B0503020204020204" pitchFamily="34" charset="-122"/>
+                        <a:ea typeface="微软雅黑" panose="020B0503020204020204" pitchFamily="34" charset="-122"/>
+                        <a:cs typeface="宋体" panose="02010600030101010101" pitchFamily="2" charset="-122"/>
+                      </a:endParaRPr>
                     </a:p>
                   </a:txBody>
                   <a:tcPr marL="0" marR="0" marT="0" marB="0" anchor="ctr">
@@ -14474,6 +14319,14 @@
                         </a:rPr>
                         <a:t>108</a:t>
                       </a:r>
+                      <a:endParaRPr lang="en-US" altLang="zh-CN" sz="1000" b="0">
+                        <a:solidFill>
+                          <a:srgbClr val="000000"/>
+                        </a:solidFill>
+                        <a:latin typeface="微软雅黑" panose="020B0503020204020204" pitchFamily="34" charset="-122"/>
+                        <a:ea typeface="微软雅黑" panose="020B0503020204020204" pitchFamily="34" charset="-122"/>
+                        <a:cs typeface="宋体" panose="02010600030101010101" pitchFamily="2" charset="-122"/>
+                      </a:endParaRPr>
                     </a:p>
                   </a:txBody>
                   <a:tcPr marL="0" marR="0" marT="0" marB="0" anchor="ctr">
@@ -14537,6 +14390,14 @@
                         </a:rPr>
                         <a:t>由其他能力较强的组员辅导能力较差的组员。对该组员进行提升</a:t>
                       </a:r>
+                      <a:endParaRPr lang="zh-CN" altLang="en-US" sz="1000" b="0">
+                        <a:solidFill>
+                          <a:srgbClr val="000000"/>
+                        </a:solidFill>
+                        <a:latin typeface="微软雅黑" panose="020B0503020204020204" pitchFamily="34" charset="-122"/>
+                        <a:ea typeface="微软雅黑" panose="020B0503020204020204" pitchFamily="34" charset="-122"/>
+                        <a:cs typeface="宋体" panose="02010600030101010101" pitchFamily="2" charset="-122"/>
+                      </a:endParaRPr>
                     </a:p>
                   </a:txBody>
                   <a:tcPr marL="0" marR="0" marT="0" marB="0" anchor="ctr">
@@ -14600,6 +14461,14 @@
                         </a:rPr>
                         <a:t>有</a:t>
                       </a:r>
+                      <a:endParaRPr lang="zh-CN" altLang="en-US" sz="1000" b="1">
+                        <a:solidFill>
+                          <a:srgbClr val="000000"/>
+                        </a:solidFill>
+                        <a:latin typeface="微软雅黑" panose="020B0503020204020204" pitchFamily="34" charset="-122"/>
+                        <a:ea typeface="微软雅黑" panose="020B0503020204020204" pitchFamily="34" charset="-122"/>
+                        <a:cs typeface="宋体" panose="02010600030101010101" pitchFamily="2" charset="-122"/>
+                      </a:endParaRPr>
                     </a:p>
                   </a:txBody>
                   <a:tcPr marL="0" marR="0" marT="0" marB="0" anchor="ctr">
@@ -14663,6 +14532,14 @@
                         </a:rPr>
                         <a:t>无</a:t>
                       </a:r>
+                      <a:endParaRPr lang="zh-CN" altLang="en-US" sz="1000" b="1">
+                        <a:solidFill>
+                          <a:srgbClr val="000000"/>
+                        </a:solidFill>
+                        <a:latin typeface="微软雅黑" panose="020B0503020204020204" pitchFamily="34" charset="-122"/>
+                        <a:ea typeface="微软雅黑" panose="020B0503020204020204" pitchFamily="34" charset="-122"/>
+                        <a:cs typeface="宋体" panose="02010600030101010101" pitchFamily="2" charset="-122"/>
+                      </a:endParaRPr>
                     </a:p>
                   </a:txBody>
                   <a:tcPr marL="0" marR="0" marT="0" marB="0" anchor="ctr">
@@ -14726,6 +14603,14 @@
                         </a:rPr>
                         <a:t>低</a:t>
                       </a:r>
+                      <a:endParaRPr lang="zh-CN" altLang="en-US" sz="1000" b="1">
+                        <a:solidFill>
+                          <a:srgbClr val="000000"/>
+                        </a:solidFill>
+                        <a:latin typeface="微软雅黑" panose="020B0503020204020204" pitchFamily="34" charset="-122"/>
+                        <a:ea typeface="微软雅黑" panose="020B0503020204020204" pitchFamily="34" charset="-122"/>
+                        <a:cs typeface="宋体" panose="02010600030101010101" pitchFamily="2" charset="-122"/>
+                      </a:endParaRPr>
                     </a:p>
                   </a:txBody>
                   <a:tcPr marL="0" marR="0" marT="0" marB="0" anchor="ctr">
@@ -14773,13 +14658,6 @@
               </a:tr>
               <a:tr h="719455">
                 <a:tc vMerge="1">
-                  <a:txBody>
-                    <a:bodyPr/>
-                    <a:lstStyle/>
-                    <a:p>
-                      <a:endParaRPr lang="zh-CN"/>
-                    </a:p>
-                  </a:txBody>
                   <a:tcPr>
                     <a:lnL w="15240" cap="flat" cmpd="sng">
                       <a:solidFill>
@@ -14818,6 +14696,14 @@
                         </a:rPr>
                         <a:t>组员对接下的计划和任务定义不够明确</a:t>
                       </a:r>
+                      <a:endParaRPr lang="zh-CN" altLang="en-US" sz="1000" b="0">
+                        <a:solidFill>
+                          <a:srgbClr val="000000"/>
+                        </a:solidFill>
+                        <a:latin typeface="微软雅黑" panose="020B0503020204020204" pitchFamily="34" charset="-122"/>
+                        <a:ea typeface="微软雅黑" panose="020B0503020204020204" pitchFamily="34" charset="-122"/>
+                        <a:cs typeface="宋体" panose="02010600030101010101" pitchFamily="2" charset="-122"/>
+                      </a:endParaRPr>
                     </a:p>
                   </a:txBody>
                   <a:tcPr marL="0" marR="0" marT="0" marB="0" anchor="ctr">
@@ -14881,6 +14767,14 @@
                         </a:rPr>
                         <a:t>组员不能及时完成任务</a:t>
                       </a:r>
+                      <a:endParaRPr lang="zh-CN" altLang="en-US" sz="1000" b="0">
+                        <a:solidFill>
+                          <a:srgbClr val="000000"/>
+                        </a:solidFill>
+                        <a:latin typeface="微软雅黑" panose="020B0503020204020204" pitchFamily="34" charset="-122"/>
+                        <a:ea typeface="微软雅黑" panose="020B0503020204020204" pitchFamily="34" charset="-122"/>
+                        <a:cs typeface="宋体" panose="02010600030101010101" pitchFamily="2" charset="-122"/>
+                      </a:endParaRPr>
                     </a:p>
                   </a:txBody>
                   <a:tcPr marL="0" marR="0" marT="0" marB="0" anchor="ctr">
@@ -14944,6 +14838,14 @@
                         </a:rPr>
                         <a:t>7</a:t>
                       </a:r>
+                      <a:endParaRPr lang="en-US" altLang="zh-CN" sz="1000" b="0">
+                        <a:solidFill>
+                          <a:srgbClr val="000000"/>
+                        </a:solidFill>
+                        <a:latin typeface="微软雅黑" panose="020B0503020204020204" pitchFamily="34" charset="-122"/>
+                        <a:ea typeface="微软雅黑" panose="020B0503020204020204" pitchFamily="34" charset="-122"/>
+                        <a:cs typeface="宋体" panose="02010600030101010101" pitchFamily="2" charset="-122"/>
+                      </a:endParaRPr>
                     </a:p>
                   </a:txBody>
                   <a:tcPr marL="0" marR="0" marT="0" marB="0" anchor="ctr">
@@ -15007,6 +14909,14 @@
                         </a:rPr>
                         <a:t>7</a:t>
                       </a:r>
+                      <a:endParaRPr lang="en-US" altLang="zh-CN" sz="1000" b="0">
+                        <a:solidFill>
+                          <a:srgbClr val="000000"/>
+                        </a:solidFill>
+                        <a:latin typeface="微软雅黑" panose="020B0503020204020204" pitchFamily="34" charset="-122"/>
+                        <a:ea typeface="微软雅黑" panose="020B0503020204020204" pitchFamily="34" charset="-122"/>
+                        <a:cs typeface="宋体" panose="02010600030101010101" pitchFamily="2" charset="-122"/>
+                      </a:endParaRPr>
                     </a:p>
                   </a:txBody>
                   <a:tcPr marL="0" marR="0" marT="0" marB="0" anchor="ctr">
@@ -15070,6 +14980,14 @@
                         </a:rPr>
                         <a:t>4</a:t>
                       </a:r>
+                      <a:endParaRPr lang="en-US" altLang="zh-CN" sz="1000" b="0">
+                        <a:solidFill>
+                          <a:srgbClr val="000000"/>
+                        </a:solidFill>
+                        <a:latin typeface="微软雅黑" panose="020B0503020204020204" pitchFamily="34" charset="-122"/>
+                        <a:ea typeface="微软雅黑" panose="020B0503020204020204" pitchFamily="34" charset="-122"/>
+                        <a:cs typeface="宋体" panose="02010600030101010101" pitchFamily="2" charset="-122"/>
+                      </a:endParaRPr>
                     </a:p>
                   </a:txBody>
                   <a:tcPr marL="0" marR="0" marT="0" marB="0" anchor="ctr">
@@ -15133,6 +15051,14 @@
                         </a:rPr>
                         <a:t>196</a:t>
                       </a:r>
+                      <a:endParaRPr lang="en-US" altLang="zh-CN" sz="1000" b="0">
+                        <a:solidFill>
+                          <a:srgbClr val="000000"/>
+                        </a:solidFill>
+                        <a:latin typeface="微软雅黑" panose="020B0503020204020204" pitchFamily="34" charset="-122"/>
+                        <a:ea typeface="微软雅黑" panose="020B0503020204020204" pitchFamily="34" charset="-122"/>
+                        <a:cs typeface="宋体" panose="02010600030101010101" pitchFamily="2" charset="-122"/>
+                      </a:endParaRPr>
                     </a:p>
                   </a:txBody>
                   <a:tcPr marL="0" marR="0" marT="0" marB="0" anchor="ctr">
@@ -15196,6 +15122,14 @@
                         </a:rPr>
                         <a:t>由组长沟通班助和老师，真正了解到所要做的事情后再进行任务的分配</a:t>
                       </a:r>
+                      <a:endParaRPr lang="zh-CN" altLang="en-US" sz="1000" b="0">
+                        <a:solidFill>
+                          <a:srgbClr val="000000"/>
+                        </a:solidFill>
+                        <a:latin typeface="微软雅黑" panose="020B0503020204020204" pitchFamily="34" charset="-122"/>
+                        <a:ea typeface="微软雅黑" panose="020B0503020204020204" pitchFamily="34" charset="-122"/>
+                        <a:cs typeface="宋体" panose="02010600030101010101" pitchFamily="2" charset="-122"/>
+                      </a:endParaRPr>
                     </a:p>
                   </a:txBody>
                   <a:tcPr marL="0" marR="0" marT="0" marB="0" anchor="ctr">
@@ -15259,6 +15193,14 @@
                         </a:rPr>
                         <a:t>有</a:t>
                       </a:r>
+                      <a:endParaRPr lang="zh-CN" altLang="en-US" sz="1000" b="1">
+                        <a:solidFill>
+                          <a:srgbClr val="000000"/>
+                        </a:solidFill>
+                        <a:latin typeface="微软雅黑" panose="020B0503020204020204" pitchFamily="34" charset="-122"/>
+                        <a:ea typeface="微软雅黑" panose="020B0503020204020204" pitchFamily="34" charset="-122"/>
+                        <a:cs typeface="宋体" panose="02010600030101010101" pitchFamily="2" charset="-122"/>
+                      </a:endParaRPr>
                     </a:p>
                   </a:txBody>
                   <a:tcPr marL="0" marR="0" marT="0" marB="0" anchor="ctr">
@@ -15322,6 +15264,14 @@
                         </a:rPr>
                         <a:t>无</a:t>
                       </a:r>
+                      <a:endParaRPr lang="zh-CN" altLang="en-US" sz="1000" b="1">
+                        <a:solidFill>
+                          <a:srgbClr val="000000"/>
+                        </a:solidFill>
+                        <a:latin typeface="微软雅黑" panose="020B0503020204020204" pitchFamily="34" charset="-122"/>
+                        <a:ea typeface="微软雅黑" panose="020B0503020204020204" pitchFamily="34" charset="-122"/>
+                        <a:cs typeface="宋体" panose="02010600030101010101" pitchFamily="2" charset="-122"/>
+                      </a:endParaRPr>
                     </a:p>
                   </a:txBody>
                   <a:tcPr marL="0" marR="0" marT="0" marB="0" anchor="ctr">
@@ -15385,6 +15335,14 @@
                         </a:rPr>
                         <a:t>低</a:t>
                       </a:r>
+                      <a:endParaRPr lang="zh-CN" altLang="en-US" sz="1000" b="1">
+                        <a:solidFill>
+                          <a:srgbClr val="000000"/>
+                        </a:solidFill>
+                        <a:latin typeface="微软雅黑" panose="020B0503020204020204" pitchFamily="34" charset="-122"/>
+                        <a:ea typeface="微软雅黑" panose="020B0503020204020204" pitchFamily="34" charset="-122"/>
+                        <a:cs typeface="宋体" panose="02010600030101010101" pitchFamily="2" charset="-122"/>
+                      </a:endParaRPr>
                     </a:p>
                   </a:txBody>
                   <a:tcPr marL="0" marR="0" marT="0" marB="0" anchor="ctr">
@@ -15432,13 +15390,6 @@
               </a:tr>
               <a:tr h="379730">
                 <a:tc vMerge="1">
-                  <a:txBody>
-                    <a:bodyPr/>
-                    <a:lstStyle/>
-                    <a:p>
-                      <a:endParaRPr lang="zh-CN"/>
-                    </a:p>
-                  </a:txBody>
                   <a:tcPr>
                     <a:lnL w="15240" cap="flat" cmpd="sng">
                       <a:solidFill>
@@ -15485,6 +15436,14 @@
                         </a:rPr>
                         <a:t>组员的时间有不确定性</a:t>
                       </a:r>
+                      <a:endParaRPr lang="zh-CN" altLang="en-US" sz="1000" b="0">
+                        <a:solidFill>
+                          <a:srgbClr val="000000"/>
+                        </a:solidFill>
+                        <a:latin typeface="微软雅黑" panose="020B0503020204020204" pitchFamily="34" charset="-122"/>
+                        <a:ea typeface="微软雅黑" panose="020B0503020204020204" pitchFamily="34" charset="-122"/>
+                        <a:cs typeface="宋体" panose="02010600030101010101" pitchFamily="2" charset="-122"/>
+                      </a:endParaRPr>
                     </a:p>
                   </a:txBody>
                   <a:tcPr marL="0" marR="0" marT="0" marB="0" anchor="ctr">
@@ -15548,6 +15507,14 @@
                         </a:rPr>
                         <a:t>任务不好分配</a:t>
                       </a:r>
+                      <a:endParaRPr lang="zh-CN" altLang="en-US" sz="1000" b="0">
+                        <a:solidFill>
+                          <a:srgbClr val="000000"/>
+                        </a:solidFill>
+                        <a:latin typeface="微软雅黑" panose="020B0503020204020204" pitchFamily="34" charset="-122"/>
+                        <a:ea typeface="微软雅黑" panose="020B0503020204020204" pitchFamily="34" charset="-122"/>
+                        <a:cs typeface="宋体" panose="02010600030101010101" pitchFamily="2" charset="-122"/>
+                      </a:endParaRPr>
                     </a:p>
                   </a:txBody>
                   <a:tcPr marL="0" marR="0" marT="0" marB="0" anchor="ctr">
@@ -15611,6 +15578,14 @@
                         </a:rPr>
                         <a:t>5</a:t>
                       </a:r>
+                      <a:endParaRPr lang="en-US" altLang="zh-CN" sz="1000" b="0">
+                        <a:solidFill>
+                          <a:srgbClr val="000000"/>
+                        </a:solidFill>
+                        <a:latin typeface="微软雅黑" panose="020B0503020204020204" pitchFamily="34" charset="-122"/>
+                        <a:ea typeface="微软雅黑" panose="020B0503020204020204" pitchFamily="34" charset="-122"/>
+                        <a:cs typeface="宋体" panose="02010600030101010101" pitchFamily="2" charset="-122"/>
+                      </a:endParaRPr>
                     </a:p>
                   </a:txBody>
                   <a:tcPr marL="0" marR="0" marT="0" marB="0" anchor="ctr">
@@ -15674,6 +15649,14 @@
                         </a:rPr>
                         <a:t>9</a:t>
                       </a:r>
+                      <a:endParaRPr lang="en-US" altLang="zh-CN" sz="1000" b="0">
+                        <a:solidFill>
+                          <a:srgbClr val="000000"/>
+                        </a:solidFill>
+                        <a:latin typeface="微软雅黑" panose="020B0503020204020204" pitchFamily="34" charset="-122"/>
+                        <a:ea typeface="微软雅黑" panose="020B0503020204020204" pitchFamily="34" charset="-122"/>
+                        <a:cs typeface="宋体" panose="02010600030101010101" pitchFamily="2" charset="-122"/>
+                      </a:endParaRPr>
                     </a:p>
                   </a:txBody>
                   <a:tcPr marL="0" marR="0" marT="0" marB="0" anchor="ctr">
@@ -15737,6 +15720,14 @@
                         </a:rPr>
                         <a:t>6</a:t>
                       </a:r>
+                      <a:endParaRPr lang="en-US" altLang="zh-CN" sz="1000" b="0">
+                        <a:solidFill>
+                          <a:srgbClr val="000000"/>
+                        </a:solidFill>
+                        <a:latin typeface="微软雅黑" panose="020B0503020204020204" pitchFamily="34" charset="-122"/>
+                        <a:ea typeface="微软雅黑" panose="020B0503020204020204" pitchFamily="34" charset="-122"/>
+                        <a:cs typeface="宋体" panose="02010600030101010101" pitchFamily="2" charset="-122"/>
+                      </a:endParaRPr>
                     </a:p>
                   </a:txBody>
                   <a:tcPr marL="0" marR="0" marT="0" marB="0" anchor="ctr">
@@ -15800,6 +15791,14 @@
                         </a:rPr>
                         <a:t>190</a:t>
                       </a:r>
+                      <a:endParaRPr lang="en-US" altLang="zh-CN" sz="1000" b="0">
+                        <a:solidFill>
+                          <a:srgbClr val="000000"/>
+                        </a:solidFill>
+                        <a:latin typeface="微软雅黑" panose="020B0503020204020204" pitchFamily="34" charset="-122"/>
+                        <a:ea typeface="微软雅黑" panose="020B0503020204020204" pitchFamily="34" charset="-122"/>
+                        <a:cs typeface="宋体" panose="02010600030101010101" pitchFamily="2" charset="-122"/>
+                      </a:endParaRPr>
                     </a:p>
                   </a:txBody>
                   <a:tcPr marL="0" marR="0" marT="0" marB="0" anchor="ctr">
@@ -15863,6 +15862,14 @@
                         </a:rPr>
                         <a:t>开会说明接下来一周的计划与安排，后再安排工作表</a:t>
                       </a:r>
+                      <a:endParaRPr lang="zh-CN" altLang="en-US" sz="1000" b="0">
+                        <a:solidFill>
+                          <a:srgbClr val="000000"/>
+                        </a:solidFill>
+                        <a:latin typeface="微软雅黑" panose="020B0503020204020204" pitchFamily="34" charset="-122"/>
+                        <a:ea typeface="微软雅黑" panose="020B0503020204020204" pitchFamily="34" charset="-122"/>
+                        <a:cs typeface="宋体" panose="02010600030101010101" pitchFamily="2" charset="-122"/>
+                      </a:endParaRPr>
                     </a:p>
                   </a:txBody>
                   <a:tcPr marL="0" marR="0" marT="0" marB="0" anchor="ctr">
@@ -15926,6 +15933,14 @@
                         </a:rPr>
                         <a:t>有</a:t>
                       </a:r>
+                      <a:endParaRPr lang="zh-CN" altLang="en-US" sz="1000" b="1">
+                        <a:solidFill>
+                          <a:srgbClr val="000000"/>
+                        </a:solidFill>
+                        <a:latin typeface="微软雅黑" panose="020B0503020204020204" pitchFamily="34" charset="-122"/>
+                        <a:ea typeface="微软雅黑" panose="020B0503020204020204" pitchFamily="34" charset="-122"/>
+                        <a:cs typeface="宋体" panose="02010600030101010101" pitchFamily="2" charset="-122"/>
+                      </a:endParaRPr>
                     </a:p>
                   </a:txBody>
                   <a:tcPr marL="0" marR="0" marT="0" marB="0" anchor="ctr">
@@ -15989,6 +16004,14 @@
                         </a:rPr>
                         <a:t>无</a:t>
                       </a:r>
+                      <a:endParaRPr lang="zh-CN" altLang="en-US" sz="1000" b="1">
+                        <a:solidFill>
+                          <a:srgbClr val="000000"/>
+                        </a:solidFill>
+                        <a:latin typeface="微软雅黑" panose="020B0503020204020204" pitchFamily="34" charset="-122"/>
+                        <a:ea typeface="微软雅黑" panose="020B0503020204020204" pitchFamily="34" charset="-122"/>
+                        <a:cs typeface="宋体" panose="02010600030101010101" pitchFamily="2" charset="-122"/>
+                      </a:endParaRPr>
                     </a:p>
                   </a:txBody>
                   <a:tcPr marL="0" marR="0" marT="0" marB="0" anchor="ctr">
@@ -16052,6 +16075,14 @@
                         </a:rPr>
                         <a:t>低</a:t>
                       </a:r>
+                      <a:endParaRPr lang="zh-CN" altLang="en-US" sz="1000" b="1">
+                        <a:solidFill>
+                          <a:srgbClr val="000000"/>
+                        </a:solidFill>
+                        <a:latin typeface="微软雅黑" panose="020B0503020204020204" pitchFamily="34" charset="-122"/>
+                        <a:ea typeface="微软雅黑" panose="020B0503020204020204" pitchFamily="34" charset="-122"/>
+                        <a:cs typeface="宋体" panose="02010600030101010101" pitchFamily="2" charset="-122"/>
+                      </a:endParaRPr>
                     </a:p>
                   </a:txBody>
                   <a:tcPr marL="0" marR="0" marT="0" marB="0" anchor="ctr">
@@ -16117,6 +16148,14 @@
                         </a:rPr>
                         <a:t>项目</a:t>
                       </a:r>
+                      <a:endParaRPr lang="zh-CN" altLang="en-US" sz="1000" b="1">
+                        <a:solidFill>
+                          <a:srgbClr val="000000"/>
+                        </a:solidFill>
+                        <a:latin typeface="微软雅黑" panose="020B0503020204020204" pitchFamily="34" charset="-122"/>
+                        <a:ea typeface="微软雅黑" panose="020B0503020204020204" pitchFamily="34" charset="-122"/>
+                        <a:cs typeface="宋体" panose="02010600030101010101" pitchFamily="2" charset="-122"/>
+                      </a:endParaRPr>
                     </a:p>
                   </a:txBody>
                   <a:tcPr marL="0" marR="0" marT="0" marB="0" anchor="ctr">
@@ -16180,6 +16219,14 @@
                         </a:rPr>
                         <a:t>界面不被用户认可</a:t>
                       </a:r>
+                      <a:endParaRPr lang="zh-CN" altLang="en-US" sz="1000" b="0">
+                        <a:solidFill>
+                          <a:srgbClr val="000000"/>
+                        </a:solidFill>
+                        <a:latin typeface="微软雅黑" panose="020B0503020204020204" pitchFamily="34" charset="-122"/>
+                        <a:ea typeface="微软雅黑" panose="020B0503020204020204" pitchFamily="34" charset="-122"/>
+                        <a:cs typeface="宋体" panose="02010600030101010101" pitchFamily="2" charset="-122"/>
+                      </a:endParaRPr>
                     </a:p>
                   </a:txBody>
                   <a:tcPr marL="0" marR="0" marT="0" marB="0" anchor="ctr">
@@ -16243,6 +16290,14 @@
                         </a:rPr>
                         <a:t>用户减少</a:t>
                       </a:r>
+                      <a:endParaRPr lang="zh-CN" altLang="en-US" sz="1000" b="0">
+                        <a:solidFill>
+                          <a:srgbClr val="000000"/>
+                        </a:solidFill>
+                        <a:latin typeface="微软雅黑" panose="020B0503020204020204" pitchFamily="34" charset="-122"/>
+                        <a:ea typeface="微软雅黑" panose="020B0503020204020204" pitchFamily="34" charset="-122"/>
+                        <a:cs typeface="宋体" panose="02010600030101010101" pitchFamily="2" charset="-122"/>
+                      </a:endParaRPr>
                     </a:p>
                   </a:txBody>
                   <a:tcPr marL="0" marR="0" marT="0" marB="0" anchor="ctr">
@@ -16306,6 +16361,14 @@
                         </a:rPr>
                         <a:t>4</a:t>
                       </a:r>
+                      <a:endParaRPr lang="en-US" altLang="zh-CN" sz="1000" b="0">
+                        <a:solidFill>
+                          <a:srgbClr val="000000"/>
+                        </a:solidFill>
+                        <a:latin typeface="微软雅黑" panose="020B0503020204020204" pitchFamily="34" charset="-122"/>
+                        <a:ea typeface="微软雅黑" panose="020B0503020204020204" pitchFamily="34" charset="-122"/>
+                        <a:cs typeface="宋体" panose="02010600030101010101" pitchFamily="2" charset="-122"/>
+                      </a:endParaRPr>
                     </a:p>
                   </a:txBody>
                   <a:tcPr marL="0" marR="0" marT="0" marB="0" anchor="ctr">
@@ -16369,6 +16432,14 @@
                         </a:rPr>
                         <a:t>5</a:t>
                       </a:r>
+                      <a:endParaRPr lang="en-US" altLang="zh-CN" sz="1000" b="0">
+                        <a:solidFill>
+                          <a:srgbClr val="000000"/>
+                        </a:solidFill>
+                        <a:latin typeface="微软雅黑" panose="020B0503020204020204" pitchFamily="34" charset="-122"/>
+                        <a:ea typeface="微软雅黑" panose="020B0503020204020204" pitchFamily="34" charset="-122"/>
+                        <a:cs typeface="宋体" panose="02010600030101010101" pitchFamily="2" charset="-122"/>
+                      </a:endParaRPr>
                     </a:p>
                   </a:txBody>
                   <a:tcPr marL="0" marR="0" marT="0" marB="0" anchor="ctr">
@@ -16432,6 +16503,14 @@
                         </a:rPr>
                         <a:t>5</a:t>
                       </a:r>
+                      <a:endParaRPr lang="en-US" altLang="zh-CN" sz="1000" b="0">
+                        <a:solidFill>
+                          <a:srgbClr val="000000"/>
+                        </a:solidFill>
+                        <a:latin typeface="微软雅黑" panose="020B0503020204020204" pitchFamily="34" charset="-122"/>
+                        <a:ea typeface="微软雅黑" panose="020B0503020204020204" pitchFamily="34" charset="-122"/>
+                        <a:cs typeface="宋体" panose="02010600030101010101" pitchFamily="2" charset="-122"/>
+                      </a:endParaRPr>
                     </a:p>
                   </a:txBody>
                   <a:tcPr marL="0" marR="0" marT="0" marB="0" anchor="ctr">
@@ -16495,6 +16574,14 @@
                         </a:rPr>
                         <a:t>100</a:t>
                       </a:r>
+                      <a:endParaRPr lang="en-US" altLang="zh-CN" sz="1000" b="0">
+                        <a:solidFill>
+                          <a:srgbClr val="000000"/>
+                        </a:solidFill>
+                        <a:latin typeface="微软雅黑" panose="020B0503020204020204" pitchFamily="34" charset="-122"/>
+                        <a:ea typeface="微软雅黑" panose="020B0503020204020204" pitchFamily="34" charset="-122"/>
+                        <a:cs typeface="宋体" panose="02010600030101010101" pitchFamily="2" charset="-122"/>
+                      </a:endParaRPr>
                     </a:p>
                   </a:txBody>
                   <a:tcPr marL="0" marR="0" marT="0" marB="0" anchor="ctr">
@@ -16558,6 +16645,14 @@
                         </a:rPr>
                         <a:t>与多位不满意的用户进行沟通交流，然后进行总结修改</a:t>
                       </a:r>
+                      <a:endParaRPr lang="zh-CN" altLang="en-US" sz="1000" b="0">
+                        <a:solidFill>
+                          <a:srgbClr val="000000"/>
+                        </a:solidFill>
+                        <a:latin typeface="微软雅黑" panose="020B0503020204020204" pitchFamily="34" charset="-122"/>
+                        <a:ea typeface="微软雅黑" panose="020B0503020204020204" pitchFamily="34" charset="-122"/>
+                        <a:cs typeface="宋体" panose="02010600030101010101" pitchFamily="2" charset="-122"/>
+                      </a:endParaRPr>
                     </a:p>
                   </a:txBody>
                   <a:tcPr marL="0" marR="0" marT="0" marB="0" anchor="ctr">
@@ -16621,6 +16716,14 @@
                         </a:rPr>
                         <a:t>有</a:t>
                       </a:r>
+                      <a:endParaRPr lang="zh-CN" altLang="en-US" sz="1000" b="1">
+                        <a:solidFill>
+                          <a:srgbClr val="000000"/>
+                        </a:solidFill>
+                        <a:latin typeface="微软雅黑" panose="020B0503020204020204" pitchFamily="34" charset="-122"/>
+                        <a:ea typeface="微软雅黑" panose="020B0503020204020204" pitchFamily="34" charset="-122"/>
+                        <a:cs typeface="宋体" panose="02010600030101010101" pitchFamily="2" charset="-122"/>
+                      </a:endParaRPr>
                     </a:p>
                   </a:txBody>
                   <a:tcPr marL="0" marR="0" marT="0" marB="0" anchor="ctr">
@@ -16684,6 +16787,14 @@
                         </a:rPr>
                         <a:t>无</a:t>
                       </a:r>
+                      <a:endParaRPr lang="zh-CN" altLang="en-US" sz="1000" b="1">
+                        <a:solidFill>
+                          <a:srgbClr val="000000"/>
+                        </a:solidFill>
+                        <a:latin typeface="微软雅黑" panose="020B0503020204020204" pitchFamily="34" charset="-122"/>
+                        <a:ea typeface="微软雅黑" panose="020B0503020204020204" pitchFamily="34" charset="-122"/>
+                        <a:cs typeface="宋体" panose="02010600030101010101" pitchFamily="2" charset="-122"/>
+                      </a:endParaRPr>
                     </a:p>
                   </a:txBody>
                   <a:tcPr marL="0" marR="0" marT="0" marB="0" anchor="ctr">
@@ -16747,6 +16858,14 @@
                         </a:rPr>
                         <a:t>低</a:t>
                       </a:r>
+                      <a:endParaRPr lang="zh-CN" altLang="en-US" sz="1000" b="1">
+                        <a:solidFill>
+                          <a:srgbClr val="000000"/>
+                        </a:solidFill>
+                        <a:latin typeface="微软雅黑" panose="020B0503020204020204" pitchFamily="34" charset="-122"/>
+                        <a:ea typeface="微软雅黑" panose="020B0503020204020204" pitchFamily="34" charset="-122"/>
+                        <a:cs typeface="宋体" panose="02010600030101010101" pitchFamily="2" charset="-122"/>
+                      </a:endParaRPr>
                     </a:p>
                   </a:txBody>
                   <a:tcPr marL="0" marR="0" marT="0" marB="0" anchor="ctr">
@@ -16794,13 +16913,6 @@
               </a:tr>
               <a:tr h="459740">
                 <a:tc vMerge="1">
-                  <a:txBody>
-                    <a:bodyPr/>
-                    <a:lstStyle/>
-                    <a:p>
-                      <a:endParaRPr lang="zh-CN"/>
-                    </a:p>
-                  </a:txBody>
                   <a:tcPr>
                     <a:lnL w="15240" cap="flat" cmpd="sng">
                       <a:solidFill>
@@ -16839,6 +16951,14 @@
                         </a:rPr>
                         <a:t>搜索与识别功能在使用过程出现问题</a:t>
                       </a:r>
+                      <a:endParaRPr lang="zh-CN" altLang="en-US" sz="1000" b="0">
+                        <a:solidFill>
+                          <a:srgbClr val="000000"/>
+                        </a:solidFill>
+                        <a:latin typeface="微软雅黑" panose="020B0503020204020204" pitchFamily="34" charset="-122"/>
+                        <a:ea typeface="微软雅黑" panose="020B0503020204020204" pitchFamily="34" charset="-122"/>
+                        <a:cs typeface="宋体" panose="02010600030101010101" pitchFamily="2" charset="-122"/>
+                      </a:endParaRPr>
                     </a:p>
                   </a:txBody>
                   <a:tcPr marL="0" marR="0" marT="0" marB="0" anchor="ctr">
@@ -16902,6 +17022,14 @@
                         </a:rPr>
                         <a:t>用户减少，不满意程度升高</a:t>
                       </a:r>
+                      <a:endParaRPr lang="zh-CN" altLang="en-US" sz="1000" b="0">
+                        <a:solidFill>
+                          <a:srgbClr val="000000"/>
+                        </a:solidFill>
+                        <a:latin typeface="微软雅黑" panose="020B0503020204020204" pitchFamily="34" charset="-122"/>
+                        <a:ea typeface="微软雅黑" panose="020B0503020204020204" pitchFamily="34" charset="-122"/>
+                        <a:cs typeface="宋体" panose="02010600030101010101" pitchFamily="2" charset="-122"/>
+                      </a:endParaRPr>
                     </a:p>
                   </a:txBody>
                   <a:tcPr marL="0" marR="0" marT="0" marB="0" anchor="ctr">
@@ -16965,6 +17093,14 @@
                         </a:rPr>
                         <a:t>5</a:t>
                       </a:r>
+                      <a:endParaRPr lang="en-US" altLang="zh-CN" sz="1000" b="0">
+                        <a:solidFill>
+                          <a:srgbClr val="000000"/>
+                        </a:solidFill>
+                        <a:latin typeface="微软雅黑" panose="020B0503020204020204" pitchFamily="34" charset="-122"/>
+                        <a:ea typeface="微软雅黑" panose="020B0503020204020204" pitchFamily="34" charset="-122"/>
+                        <a:cs typeface="宋体" panose="02010600030101010101" pitchFamily="2" charset="-122"/>
+                      </a:endParaRPr>
                     </a:p>
                   </a:txBody>
                   <a:tcPr marL="0" marR="0" marT="0" marB="0" anchor="ctr">
@@ -17028,6 +17164,14 @@
                         </a:rPr>
                         <a:t>9</a:t>
                       </a:r>
+                      <a:endParaRPr lang="en-US" altLang="zh-CN" sz="1000" b="0">
+                        <a:solidFill>
+                          <a:srgbClr val="000000"/>
+                        </a:solidFill>
+                        <a:latin typeface="微软雅黑" panose="020B0503020204020204" pitchFamily="34" charset="-122"/>
+                        <a:ea typeface="微软雅黑" panose="020B0503020204020204" pitchFamily="34" charset="-122"/>
+                        <a:cs typeface="宋体" panose="02010600030101010101" pitchFamily="2" charset="-122"/>
+                      </a:endParaRPr>
                     </a:p>
                   </a:txBody>
                   <a:tcPr marL="0" marR="0" marT="0" marB="0" anchor="ctr">
@@ -17091,6 +17235,14 @@
                         </a:rPr>
                         <a:t>10</a:t>
                       </a:r>
+                      <a:endParaRPr lang="en-US" altLang="zh-CN" sz="1000" b="0">
+                        <a:solidFill>
+                          <a:srgbClr val="000000"/>
+                        </a:solidFill>
+                        <a:latin typeface="微软雅黑" panose="020B0503020204020204" pitchFamily="34" charset="-122"/>
+                        <a:ea typeface="微软雅黑" panose="020B0503020204020204" pitchFamily="34" charset="-122"/>
+                        <a:cs typeface="宋体" panose="02010600030101010101" pitchFamily="2" charset="-122"/>
+                      </a:endParaRPr>
                     </a:p>
                   </a:txBody>
                   <a:tcPr marL="0" marR="0" marT="0" marB="0" anchor="ctr">
@@ -17154,6 +17306,14 @@
                         </a:rPr>
                         <a:t>230</a:t>
                       </a:r>
+                      <a:endParaRPr lang="en-US" altLang="zh-CN" sz="1000" b="0">
+                        <a:solidFill>
+                          <a:srgbClr val="000000"/>
+                        </a:solidFill>
+                        <a:latin typeface="微软雅黑" panose="020B0503020204020204" pitchFamily="34" charset="-122"/>
+                        <a:ea typeface="微软雅黑" panose="020B0503020204020204" pitchFamily="34" charset="-122"/>
+                        <a:cs typeface="宋体" panose="02010600030101010101" pitchFamily="2" charset="-122"/>
+                      </a:endParaRPr>
                     </a:p>
                   </a:txBody>
                   <a:tcPr marL="0" marR="0" marT="0" marB="0" anchor="ctr">
@@ -17217,6 +17377,14 @@
                         </a:rPr>
                         <a:t>提前做好多次程序的测试与检测，如果突然出现问题，及时修改</a:t>
                       </a:r>
+                      <a:endParaRPr lang="zh-CN" altLang="en-US" sz="1000" b="0">
+                        <a:solidFill>
+                          <a:srgbClr val="000000"/>
+                        </a:solidFill>
+                        <a:latin typeface="微软雅黑" panose="020B0503020204020204" pitchFamily="34" charset="-122"/>
+                        <a:ea typeface="微软雅黑" panose="020B0503020204020204" pitchFamily="34" charset="-122"/>
+                        <a:cs typeface="宋体" panose="02010600030101010101" pitchFamily="2" charset="-122"/>
+                      </a:endParaRPr>
                     </a:p>
                   </a:txBody>
                   <a:tcPr marL="0" marR="0" marT="0" marB="0" anchor="ctr">
@@ -17280,6 +17448,14 @@
                         </a:rPr>
                         <a:t>有</a:t>
                       </a:r>
+                      <a:endParaRPr lang="zh-CN" altLang="en-US" sz="1000" b="1">
+                        <a:solidFill>
+                          <a:srgbClr val="000000"/>
+                        </a:solidFill>
+                        <a:latin typeface="微软雅黑" panose="020B0503020204020204" pitchFamily="34" charset="-122"/>
+                        <a:ea typeface="微软雅黑" panose="020B0503020204020204" pitchFamily="34" charset="-122"/>
+                        <a:cs typeface="宋体" panose="02010600030101010101" pitchFamily="2" charset="-122"/>
+                      </a:endParaRPr>
                     </a:p>
                   </a:txBody>
                   <a:tcPr marL="0" marR="0" marT="0" marB="0" anchor="ctr">
@@ -17343,6 +17519,14 @@
                         </a:rPr>
                         <a:t>无</a:t>
                       </a:r>
+                      <a:endParaRPr lang="zh-CN" altLang="en-US" sz="1000" b="1">
+                        <a:solidFill>
+                          <a:srgbClr val="000000"/>
+                        </a:solidFill>
+                        <a:latin typeface="微软雅黑" panose="020B0503020204020204" pitchFamily="34" charset="-122"/>
+                        <a:ea typeface="微软雅黑" panose="020B0503020204020204" pitchFamily="34" charset="-122"/>
+                        <a:cs typeface="宋体" panose="02010600030101010101" pitchFamily="2" charset="-122"/>
+                      </a:endParaRPr>
                     </a:p>
                   </a:txBody>
                   <a:tcPr marL="0" marR="0" marT="0" marB="0" anchor="ctr">
@@ -17406,6 +17590,14 @@
                         </a:rPr>
                         <a:t>低</a:t>
                       </a:r>
+                      <a:endParaRPr lang="zh-CN" altLang="en-US" sz="1000" b="1">
+                        <a:solidFill>
+                          <a:srgbClr val="000000"/>
+                        </a:solidFill>
+                        <a:latin typeface="微软雅黑" panose="020B0503020204020204" pitchFamily="34" charset="-122"/>
+                        <a:ea typeface="微软雅黑" panose="020B0503020204020204" pitchFamily="34" charset="-122"/>
+                        <a:cs typeface="宋体" panose="02010600030101010101" pitchFamily="2" charset="-122"/>
+                      </a:endParaRPr>
                     </a:p>
                   </a:txBody>
                   <a:tcPr marL="0" marR="0" marT="0" marB="0" anchor="ctr">
@@ -17453,13 +17645,6 @@
               </a:tr>
               <a:tr h="360045">
                 <a:tc vMerge="1">
-                  <a:txBody>
-                    <a:bodyPr/>
-                    <a:lstStyle/>
-                    <a:p>
-                      <a:endParaRPr lang="zh-CN"/>
-                    </a:p>
-                  </a:txBody>
                   <a:tcPr>
                     <a:lnL w="15240" cap="flat" cmpd="sng">
                       <a:solidFill>
@@ -17498,6 +17683,14 @@
                         </a:rPr>
                         <a:t>管理，开发，测试工具是否符合项目要求</a:t>
                       </a:r>
+                      <a:endParaRPr lang="zh-CN" altLang="en-US" sz="1000" b="0">
+                        <a:solidFill>
+                          <a:srgbClr val="000000"/>
+                        </a:solidFill>
+                        <a:latin typeface="微软雅黑" panose="020B0503020204020204" pitchFamily="34" charset="-122"/>
+                        <a:ea typeface="微软雅黑" panose="020B0503020204020204" pitchFamily="34" charset="-122"/>
+                        <a:cs typeface="宋体" panose="02010600030101010101" pitchFamily="2" charset="-122"/>
+                      </a:endParaRPr>
                     </a:p>
                   </a:txBody>
                   <a:tcPr marL="0" marR="0" marT="0" marB="0" anchor="ctr">
@@ -17561,6 +17754,14 @@
                         </a:rPr>
                         <a:t>无法开发</a:t>
                       </a:r>
+                      <a:endParaRPr lang="zh-CN" altLang="en-US" sz="1000" b="0">
+                        <a:solidFill>
+                          <a:srgbClr val="000000"/>
+                        </a:solidFill>
+                        <a:latin typeface="微软雅黑" panose="020B0503020204020204" pitchFamily="34" charset="-122"/>
+                        <a:ea typeface="微软雅黑" panose="020B0503020204020204" pitchFamily="34" charset="-122"/>
+                        <a:cs typeface="宋体" panose="02010600030101010101" pitchFamily="2" charset="-122"/>
+                      </a:endParaRPr>
                     </a:p>
                   </a:txBody>
                   <a:tcPr marL="0" marR="0" marT="0" marB="0" anchor="ctr">
@@ -17624,6 +17825,14 @@
                         </a:rPr>
                         <a:t>5</a:t>
                       </a:r>
+                      <a:endParaRPr lang="en-US" altLang="zh-CN" sz="1000" b="0">
+                        <a:solidFill>
+                          <a:srgbClr val="000000"/>
+                        </a:solidFill>
+                        <a:latin typeface="微软雅黑" panose="020B0503020204020204" pitchFamily="34" charset="-122"/>
+                        <a:ea typeface="微软雅黑" panose="020B0503020204020204" pitchFamily="34" charset="-122"/>
+                        <a:cs typeface="宋体" panose="02010600030101010101" pitchFamily="2" charset="-122"/>
+                      </a:endParaRPr>
                     </a:p>
                   </a:txBody>
                   <a:tcPr marL="0" marR="0" marT="0" marB="0" anchor="ctr">
@@ -17687,6 +17896,14 @@
                         </a:rPr>
                         <a:t>10</a:t>
                       </a:r>
+                      <a:endParaRPr lang="en-US" altLang="zh-CN" sz="1000" b="0">
+                        <a:solidFill>
+                          <a:srgbClr val="000000"/>
+                        </a:solidFill>
+                        <a:latin typeface="微软雅黑" panose="020B0503020204020204" pitchFamily="34" charset="-122"/>
+                        <a:ea typeface="微软雅黑" panose="020B0503020204020204" pitchFamily="34" charset="-122"/>
+                        <a:cs typeface="宋体" panose="02010600030101010101" pitchFamily="2" charset="-122"/>
+                      </a:endParaRPr>
                     </a:p>
                   </a:txBody>
                   <a:tcPr marL="0" marR="0" marT="0" marB="0" anchor="ctr">
@@ -17750,6 +17967,14 @@
                         </a:rPr>
                         <a:t>5</a:t>
                       </a:r>
+                      <a:endParaRPr lang="en-US" altLang="zh-CN" sz="1000" b="0">
+                        <a:solidFill>
+                          <a:srgbClr val="000000"/>
+                        </a:solidFill>
+                        <a:latin typeface="微软雅黑" panose="020B0503020204020204" pitchFamily="34" charset="-122"/>
+                        <a:ea typeface="微软雅黑" panose="020B0503020204020204" pitchFamily="34" charset="-122"/>
+                        <a:cs typeface="宋体" panose="02010600030101010101" pitchFamily="2" charset="-122"/>
+                      </a:endParaRPr>
                     </a:p>
                   </a:txBody>
                   <a:tcPr marL="0" marR="0" marT="0" marB="0" anchor="ctr">
@@ -17813,6 +18038,14 @@
                         </a:rPr>
                         <a:t>250</a:t>
                       </a:r>
+                      <a:endParaRPr lang="en-US" altLang="zh-CN" sz="1000" b="0">
+                        <a:solidFill>
+                          <a:srgbClr val="000000"/>
+                        </a:solidFill>
+                        <a:latin typeface="微软雅黑" panose="020B0503020204020204" pitchFamily="34" charset="-122"/>
+                        <a:ea typeface="微软雅黑" panose="020B0503020204020204" pitchFamily="34" charset="-122"/>
+                        <a:cs typeface="宋体" panose="02010600030101010101" pitchFamily="2" charset="-122"/>
+                      </a:endParaRPr>
                     </a:p>
                   </a:txBody>
                   <a:tcPr marL="0" marR="0" marT="0" marB="0" anchor="ctr">
@@ -17876,6 +18109,14 @@
                         </a:rPr>
                         <a:t>项目启动阶段就要落实好工具的问题</a:t>
                       </a:r>
+                      <a:endParaRPr lang="zh-CN" altLang="en-US" sz="1000" b="0">
+                        <a:solidFill>
+                          <a:srgbClr val="000000"/>
+                        </a:solidFill>
+                        <a:latin typeface="微软雅黑" panose="020B0503020204020204" pitchFamily="34" charset="-122"/>
+                        <a:ea typeface="微软雅黑" panose="020B0503020204020204" pitchFamily="34" charset="-122"/>
+                        <a:cs typeface="宋体" panose="02010600030101010101" pitchFamily="2" charset="-122"/>
+                      </a:endParaRPr>
                     </a:p>
                   </a:txBody>
                   <a:tcPr marL="0" marR="0" marT="0" marB="0" anchor="ctr">
@@ -17939,6 +18180,14 @@
                         </a:rPr>
                         <a:t>有</a:t>
                       </a:r>
+                      <a:endParaRPr lang="zh-CN" altLang="en-US" sz="1000" b="1">
+                        <a:solidFill>
+                          <a:srgbClr val="000000"/>
+                        </a:solidFill>
+                        <a:latin typeface="微软雅黑" panose="020B0503020204020204" pitchFamily="34" charset="-122"/>
+                        <a:ea typeface="微软雅黑" panose="020B0503020204020204" pitchFamily="34" charset="-122"/>
+                        <a:cs typeface="宋体" panose="02010600030101010101" pitchFamily="2" charset="-122"/>
+                      </a:endParaRPr>
                     </a:p>
                   </a:txBody>
                   <a:tcPr marL="0" marR="0" marT="0" marB="0" anchor="ctr">
@@ -18002,6 +18251,14 @@
                         </a:rPr>
                         <a:t>无</a:t>
                       </a:r>
+                      <a:endParaRPr lang="zh-CN" altLang="en-US" sz="1000" b="1">
+                        <a:solidFill>
+                          <a:srgbClr val="000000"/>
+                        </a:solidFill>
+                        <a:latin typeface="微软雅黑" panose="020B0503020204020204" pitchFamily="34" charset="-122"/>
+                        <a:ea typeface="微软雅黑" panose="020B0503020204020204" pitchFamily="34" charset="-122"/>
+                        <a:cs typeface="宋体" panose="02010600030101010101" pitchFamily="2" charset="-122"/>
+                      </a:endParaRPr>
                     </a:p>
                   </a:txBody>
                   <a:tcPr marL="0" marR="0" marT="0" marB="0" anchor="ctr">
@@ -18065,6 +18322,14 @@
                         </a:rPr>
                         <a:t>中</a:t>
                       </a:r>
+                      <a:endParaRPr lang="zh-CN" altLang="en-US" sz="1000" b="1">
+                        <a:solidFill>
+                          <a:srgbClr val="000000"/>
+                        </a:solidFill>
+                        <a:latin typeface="微软雅黑" panose="020B0503020204020204" pitchFamily="34" charset="-122"/>
+                        <a:ea typeface="微软雅黑" panose="020B0503020204020204" pitchFamily="34" charset="-122"/>
+                        <a:cs typeface="宋体" panose="02010600030101010101" pitchFamily="2" charset="-122"/>
+                      </a:endParaRPr>
                     </a:p>
                   </a:txBody>
                   <a:tcPr marL="0" marR="0" marT="0" marB="0" anchor="ctr">
@@ -18112,13 +18377,6 @@
               </a:tr>
               <a:tr h="360045">
                 <a:tc vMerge="1">
-                  <a:txBody>
-                    <a:bodyPr/>
-                    <a:lstStyle/>
-                    <a:p>
-                      <a:endParaRPr lang="zh-CN"/>
-                    </a:p>
-                  </a:txBody>
                   <a:tcPr>
                     <a:lnL w="15240" cap="flat" cmpd="sng">
                       <a:solidFill>
@@ -18165,6 +18423,14 @@
                         </a:rPr>
                         <a:t>电脑出错，导致文件丢失</a:t>
                       </a:r>
+                      <a:endParaRPr lang="zh-CN" altLang="en-US" sz="1000" b="0">
+                        <a:solidFill>
+                          <a:srgbClr val="000000"/>
+                        </a:solidFill>
+                        <a:latin typeface="微软雅黑" panose="020B0503020204020204" pitchFamily="34" charset="-122"/>
+                        <a:ea typeface="微软雅黑" panose="020B0503020204020204" pitchFamily="34" charset="-122"/>
+                        <a:cs typeface="宋体" panose="02010600030101010101" pitchFamily="2" charset="-122"/>
+                      </a:endParaRPr>
                     </a:p>
                   </a:txBody>
                   <a:tcPr marL="0" marR="0" marT="0" marB="0" anchor="ctr">
@@ -18228,6 +18494,14 @@
                         </a:rPr>
                         <a:t>开发重新开始</a:t>
                       </a:r>
+                      <a:endParaRPr lang="zh-CN" altLang="en-US" sz="1000" b="0">
+                        <a:solidFill>
+                          <a:srgbClr val="000000"/>
+                        </a:solidFill>
+                        <a:latin typeface="微软雅黑" panose="020B0503020204020204" pitchFamily="34" charset="-122"/>
+                        <a:ea typeface="微软雅黑" panose="020B0503020204020204" pitchFamily="34" charset="-122"/>
+                        <a:cs typeface="宋体" panose="02010600030101010101" pitchFamily="2" charset="-122"/>
+                      </a:endParaRPr>
                     </a:p>
                   </a:txBody>
                   <a:tcPr marL="0" marR="0" marT="0" marB="0" anchor="ctr">
@@ -18291,6 +18565,14 @@
                         </a:rPr>
                         <a:t>4</a:t>
                       </a:r>
+                      <a:endParaRPr lang="en-US" altLang="zh-CN" sz="1000" b="0">
+                        <a:solidFill>
+                          <a:srgbClr val="000000"/>
+                        </a:solidFill>
+                        <a:latin typeface="微软雅黑" panose="020B0503020204020204" pitchFamily="34" charset="-122"/>
+                        <a:ea typeface="微软雅黑" panose="020B0503020204020204" pitchFamily="34" charset="-122"/>
+                        <a:cs typeface="宋体" panose="02010600030101010101" pitchFamily="2" charset="-122"/>
+                      </a:endParaRPr>
                     </a:p>
                   </a:txBody>
                   <a:tcPr marL="0" marR="0" marT="0" marB="0" anchor="ctr">
@@ -18354,6 +18636,14 @@
                         </a:rPr>
                         <a:t>8</a:t>
                       </a:r>
+                      <a:endParaRPr lang="en-US" altLang="zh-CN" sz="1000" b="0">
+                        <a:solidFill>
+                          <a:srgbClr val="000000"/>
+                        </a:solidFill>
+                        <a:latin typeface="微软雅黑" panose="020B0503020204020204" pitchFamily="34" charset="-122"/>
+                        <a:ea typeface="微软雅黑" panose="020B0503020204020204" pitchFamily="34" charset="-122"/>
+                        <a:cs typeface="宋体" panose="02010600030101010101" pitchFamily="2" charset="-122"/>
+                      </a:endParaRPr>
                     </a:p>
                   </a:txBody>
                   <a:tcPr marL="0" marR="0" marT="0" marB="0" anchor="ctr">
@@ -18417,6 +18707,14 @@
                         </a:rPr>
                         <a:t>5</a:t>
                       </a:r>
+                      <a:endParaRPr lang="en-US" altLang="zh-CN" sz="1000" b="0">
+                        <a:solidFill>
+                          <a:srgbClr val="000000"/>
+                        </a:solidFill>
+                        <a:latin typeface="微软雅黑" panose="020B0503020204020204" pitchFamily="34" charset="-122"/>
+                        <a:ea typeface="微软雅黑" panose="020B0503020204020204" pitchFamily="34" charset="-122"/>
+                        <a:cs typeface="宋体" panose="02010600030101010101" pitchFamily="2" charset="-122"/>
+                      </a:endParaRPr>
                     </a:p>
                   </a:txBody>
                   <a:tcPr marL="0" marR="0" marT="0" marB="0" anchor="ctr">
@@ -18480,6 +18778,14 @@
                         </a:rPr>
                         <a:t>160</a:t>
                       </a:r>
+                      <a:endParaRPr lang="en-US" altLang="zh-CN" sz="1000" b="0">
+                        <a:solidFill>
+                          <a:srgbClr val="000000"/>
+                        </a:solidFill>
+                        <a:latin typeface="微软雅黑" panose="020B0503020204020204" pitchFamily="34" charset="-122"/>
+                        <a:ea typeface="微软雅黑" panose="020B0503020204020204" pitchFamily="34" charset="-122"/>
+                        <a:cs typeface="宋体" panose="02010600030101010101" pitchFamily="2" charset="-122"/>
+                      </a:endParaRPr>
                     </a:p>
                   </a:txBody>
                   <a:tcPr marL="0" marR="0" marT="0" marB="0" anchor="ctr">
@@ -18565,6 +18871,14 @@
                         </a:rPr>
                         <a:t>等工具</a:t>
                       </a:r>
+                      <a:endParaRPr lang="zh-CN" altLang="en-US" sz="1000" b="0">
+                        <a:solidFill>
+                          <a:srgbClr val="000000"/>
+                        </a:solidFill>
+                        <a:latin typeface="微软雅黑" panose="020B0503020204020204" pitchFamily="34" charset="-122"/>
+                        <a:ea typeface="微软雅黑" panose="020B0503020204020204" pitchFamily="34" charset="-122"/>
+                        <a:cs typeface="宋体" panose="02010600030101010101" pitchFamily="2" charset="-122"/>
+                      </a:endParaRPr>
                     </a:p>
                   </a:txBody>
                   <a:tcPr marL="0" marR="0" marT="0" marB="0" anchor="ctr">
@@ -18628,6 +18942,14 @@
                         </a:rPr>
                         <a:t>有</a:t>
                       </a:r>
+                      <a:endParaRPr lang="zh-CN" altLang="en-US" sz="1000" b="1">
+                        <a:solidFill>
+                          <a:srgbClr val="000000"/>
+                        </a:solidFill>
+                        <a:latin typeface="微软雅黑" panose="020B0503020204020204" pitchFamily="34" charset="-122"/>
+                        <a:ea typeface="微软雅黑" panose="020B0503020204020204" pitchFamily="34" charset="-122"/>
+                        <a:cs typeface="宋体" panose="02010600030101010101" pitchFamily="2" charset="-122"/>
+                      </a:endParaRPr>
                     </a:p>
                   </a:txBody>
                   <a:tcPr marL="0" marR="0" marT="0" marB="0" anchor="ctr">
@@ -18691,6 +19013,14 @@
                         </a:rPr>
                         <a:t>无</a:t>
                       </a:r>
+                      <a:endParaRPr lang="zh-CN" altLang="en-US" sz="1000" b="1">
+                        <a:solidFill>
+                          <a:srgbClr val="000000"/>
+                        </a:solidFill>
+                        <a:latin typeface="微软雅黑" panose="020B0503020204020204" pitchFamily="34" charset="-122"/>
+                        <a:ea typeface="微软雅黑" panose="020B0503020204020204" pitchFamily="34" charset="-122"/>
+                        <a:cs typeface="宋体" panose="02010600030101010101" pitchFamily="2" charset="-122"/>
+                      </a:endParaRPr>
                     </a:p>
                   </a:txBody>
                   <a:tcPr marL="0" marR="0" marT="0" marB="0" anchor="ctr">
@@ -18754,6 +19084,14 @@
                         </a:rPr>
                         <a:t>低</a:t>
                       </a:r>
+                      <a:endParaRPr lang="zh-CN" altLang="en-US" sz="1000" b="1">
+                        <a:solidFill>
+                          <a:srgbClr val="000000"/>
+                        </a:solidFill>
+                        <a:latin typeface="微软雅黑" panose="020B0503020204020204" pitchFamily="34" charset="-122"/>
+                        <a:ea typeface="微软雅黑" panose="020B0503020204020204" pitchFamily="34" charset="-122"/>
+                        <a:cs typeface="宋体" panose="02010600030101010101" pitchFamily="2" charset="-122"/>
+                      </a:endParaRPr>
                     </a:p>
                   </a:txBody>
                   <a:tcPr marL="0" marR="0" marT="0" marB="0" anchor="ctr">
@@ -18819,6 +19157,14 @@
                         </a:rPr>
                         <a:t>考评</a:t>
                       </a:r>
+                      <a:endParaRPr lang="zh-CN" altLang="en-US" sz="1000" b="1">
+                        <a:solidFill>
+                          <a:srgbClr val="000000"/>
+                        </a:solidFill>
+                        <a:latin typeface="微软雅黑" panose="020B0503020204020204" pitchFamily="34" charset="-122"/>
+                        <a:ea typeface="微软雅黑" panose="020B0503020204020204" pitchFamily="34" charset="-122"/>
+                        <a:cs typeface="宋体" panose="02010600030101010101" pitchFamily="2" charset="-122"/>
+                      </a:endParaRPr>
                     </a:p>
                   </a:txBody>
                   <a:tcPr marL="0" marR="0" marT="0" marB="0" anchor="ctr">
@@ -18882,6 +19228,14 @@
                         </a:rPr>
                         <a:t>组员对自己的评分不满意</a:t>
                       </a:r>
+                      <a:endParaRPr lang="zh-CN" altLang="en-US" sz="1000" b="0">
+                        <a:solidFill>
+                          <a:srgbClr val="000000"/>
+                        </a:solidFill>
+                        <a:latin typeface="微软雅黑" panose="020B0503020204020204" pitchFamily="34" charset="-122"/>
+                        <a:ea typeface="微软雅黑" panose="020B0503020204020204" pitchFamily="34" charset="-122"/>
+                        <a:cs typeface="宋体" panose="02010600030101010101" pitchFamily="2" charset="-122"/>
+                      </a:endParaRPr>
                     </a:p>
                   </a:txBody>
                   <a:tcPr marL="0" marR="0" marT="0" marB="0" anchor="ctr">
@@ -18945,6 +19299,14 @@
                         </a:rPr>
                         <a:t>组员会产生低落情绪，工作积极性降低</a:t>
                       </a:r>
+                      <a:endParaRPr lang="zh-CN" altLang="en-US" sz="1000" b="0">
+                        <a:solidFill>
+                          <a:srgbClr val="000000"/>
+                        </a:solidFill>
+                        <a:latin typeface="微软雅黑" panose="020B0503020204020204" pitchFamily="34" charset="-122"/>
+                        <a:ea typeface="微软雅黑" panose="020B0503020204020204" pitchFamily="34" charset="-122"/>
+                        <a:cs typeface="宋体" panose="02010600030101010101" pitchFamily="2" charset="-122"/>
+                      </a:endParaRPr>
                     </a:p>
                   </a:txBody>
                   <a:tcPr marL="0" marR="0" marT="0" marB="0" anchor="ctr">
@@ -19008,6 +19370,14 @@
                         </a:rPr>
                         <a:t>6</a:t>
                       </a:r>
+                      <a:endParaRPr lang="en-US" altLang="zh-CN" sz="1000" b="0">
+                        <a:solidFill>
+                          <a:srgbClr val="000000"/>
+                        </a:solidFill>
+                        <a:latin typeface="微软雅黑" panose="020B0503020204020204" pitchFamily="34" charset="-122"/>
+                        <a:ea typeface="微软雅黑" panose="020B0503020204020204" pitchFamily="34" charset="-122"/>
+                        <a:cs typeface="宋体" panose="02010600030101010101" pitchFamily="2" charset="-122"/>
+                      </a:endParaRPr>
                     </a:p>
                   </a:txBody>
                   <a:tcPr marL="0" marR="0" marT="0" marB="0" anchor="ctr">
@@ -19071,6 +19441,14 @@
                         </a:rPr>
                         <a:t>9</a:t>
                       </a:r>
+                      <a:endParaRPr lang="en-US" altLang="zh-CN" sz="1000" b="0">
+                        <a:solidFill>
+                          <a:srgbClr val="000000"/>
+                        </a:solidFill>
+                        <a:latin typeface="微软雅黑" panose="020B0503020204020204" pitchFamily="34" charset="-122"/>
+                        <a:ea typeface="微软雅黑" panose="020B0503020204020204" pitchFamily="34" charset="-122"/>
+                        <a:cs typeface="宋体" panose="02010600030101010101" pitchFamily="2" charset="-122"/>
+                      </a:endParaRPr>
                     </a:p>
                   </a:txBody>
                   <a:tcPr marL="0" marR="0" marT="0" marB="0" anchor="ctr">
@@ -19134,6 +19512,14 @@
                         </a:rPr>
                         <a:t>4</a:t>
                       </a:r>
+                      <a:endParaRPr lang="en-US" altLang="zh-CN" sz="1000" b="0">
+                        <a:solidFill>
+                          <a:srgbClr val="000000"/>
+                        </a:solidFill>
+                        <a:latin typeface="微软雅黑" panose="020B0503020204020204" pitchFamily="34" charset="-122"/>
+                        <a:ea typeface="微软雅黑" panose="020B0503020204020204" pitchFamily="34" charset="-122"/>
+                        <a:cs typeface="宋体" panose="02010600030101010101" pitchFamily="2" charset="-122"/>
+                      </a:endParaRPr>
                     </a:p>
                   </a:txBody>
                   <a:tcPr marL="0" marR="0" marT="0" marB="0" anchor="ctr">
@@ -19197,6 +19583,14 @@
                         </a:rPr>
                         <a:t>216</a:t>
                       </a:r>
+                      <a:endParaRPr lang="en-US" altLang="zh-CN" sz="1000" b="0">
+                        <a:solidFill>
+                          <a:srgbClr val="000000"/>
+                        </a:solidFill>
+                        <a:latin typeface="微软雅黑" panose="020B0503020204020204" pitchFamily="34" charset="-122"/>
+                        <a:ea typeface="微软雅黑" panose="020B0503020204020204" pitchFamily="34" charset="-122"/>
+                        <a:cs typeface="宋体" panose="02010600030101010101" pitchFamily="2" charset="-122"/>
+                      </a:endParaRPr>
                     </a:p>
                   </a:txBody>
                   <a:tcPr marL="0" marR="0" marT="0" marB="0" anchor="ctr">
@@ -19260,6 +19654,14 @@
                         </a:rPr>
                         <a:t>提前列出扣分与加分项目，让各个组员明白自己的扣分点和加分点</a:t>
                       </a:r>
+                      <a:endParaRPr lang="zh-CN" altLang="en-US" sz="1000" b="0">
+                        <a:solidFill>
+                          <a:srgbClr val="000000"/>
+                        </a:solidFill>
+                        <a:latin typeface="微软雅黑" panose="020B0503020204020204" pitchFamily="34" charset="-122"/>
+                        <a:ea typeface="微软雅黑" panose="020B0503020204020204" pitchFamily="34" charset="-122"/>
+                        <a:cs typeface="宋体" panose="02010600030101010101" pitchFamily="2" charset="-122"/>
+                      </a:endParaRPr>
                     </a:p>
                   </a:txBody>
                   <a:tcPr marL="0" marR="0" marT="0" marB="0" anchor="ctr">
@@ -19323,6 +19725,14 @@
                         </a:rPr>
                         <a:t>有</a:t>
                       </a:r>
+                      <a:endParaRPr lang="zh-CN" altLang="en-US" sz="1000" b="1">
+                        <a:solidFill>
+                          <a:srgbClr val="000000"/>
+                        </a:solidFill>
+                        <a:latin typeface="微软雅黑" panose="020B0503020204020204" pitchFamily="34" charset="-122"/>
+                        <a:ea typeface="微软雅黑" panose="020B0503020204020204" pitchFamily="34" charset="-122"/>
+                        <a:cs typeface="宋体" panose="02010600030101010101" pitchFamily="2" charset="-122"/>
+                      </a:endParaRPr>
                     </a:p>
                   </a:txBody>
                   <a:tcPr marL="0" marR="0" marT="0" marB="0" anchor="ctr">
@@ -19386,6 +19796,14 @@
                         </a:rPr>
                         <a:t>无</a:t>
                       </a:r>
+                      <a:endParaRPr lang="zh-CN" altLang="en-US" sz="1000" b="1">
+                        <a:solidFill>
+                          <a:srgbClr val="000000"/>
+                        </a:solidFill>
+                        <a:latin typeface="微软雅黑" panose="020B0503020204020204" pitchFamily="34" charset="-122"/>
+                        <a:ea typeface="微软雅黑" panose="020B0503020204020204" pitchFamily="34" charset="-122"/>
+                        <a:cs typeface="宋体" panose="02010600030101010101" pitchFamily="2" charset="-122"/>
+                      </a:endParaRPr>
                     </a:p>
                   </a:txBody>
                   <a:tcPr marL="0" marR="0" marT="0" marB="0" anchor="ctr">
@@ -19449,6 +19867,14 @@
                         </a:rPr>
                         <a:t>低</a:t>
                       </a:r>
+                      <a:endParaRPr lang="zh-CN" altLang="en-US" sz="1000" b="1">
+                        <a:solidFill>
+                          <a:srgbClr val="000000"/>
+                        </a:solidFill>
+                        <a:latin typeface="微软雅黑" panose="020B0503020204020204" pitchFamily="34" charset="-122"/>
+                        <a:ea typeface="微软雅黑" panose="020B0503020204020204" pitchFamily="34" charset="-122"/>
+                        <a:cs typeface="宋体" panose="02010600030101010101" pitchFamily="2" charset="-122"/>
+                      </a:endParaRPr>
                     </a:p>
                   </a:txBody>
                   <a:tcPr marL="0" marR="0" marT="0" marB="0" anchor="ctr">
@@ -19496,13 +19922,6 @@
               </a:tr>
               <a:tr h="415925">
                 <a:tc vMerge="1">
-                  <a:txBody>
-                    <a:bodyPr/>
-                    <a:lstStyle/>
-                    <a:p>
-                      <a:endParaRPr lang="zh-CN"/>
-                    </a:p>
-                  </a:txBody>
                   <a:tcPr>
                     <a:lnL w="15240" cap="flat" cmpd="sng">
                       <a:solidFill>
@@ -19549,6 +19968,14 @@
                         </a:rPr>
                         <a:t>考评项目不是很好</a:t>
                       </a:r>
+                      <a:endParaRPr lang="zh-CN" altLang="en-US" sz="1000" b="0">
+                        <a:solidFill>
+                          <a:srgbClr val="000000"/>
+                        </a:solidFill>
+                        <a:latin typeface="微软雅黑" panose="020B0503020204020204" pitchFamily="34" charset="-122"/>
+                        <a:ea typeface="微软雅黑" panose="020B0503020204020204" pitchFamily="34" charset="-122"/>
+                        <a:cs typeface="宋体" panose="02010600030101010101" pitchFamily="2" charset="-122"/>
+                      </a:endParaRPr>
                     </a:p>
                   </a:txBody>
                   <a:tcPr marL="0" marR="0" marT="0" marB="0" anchor="ctr">
@@ -19612,6 +20039,14 @@
                         </a:rPr>
                         <a:t>影响最终评分</a:t>
                       </a:r>
+                      <a:endParaRPr lang="zh-CN" altLang="en-US" sz="1000" b="0">
+                        <a:solidFill>
+                          <a:srgbClr val="000000"/>
+                        </a:solidFill>
+                        <a:latin typeface="微软雅黑" panose="020B0503020204020204" pitchFamily="34" charset="-122"/>
+                        <a:ea typeface="微软雅黑" panose="020B0503020204020204" pitchFamily="34" charset="-122"/>
+                        <a:cs typeface="宋体" panose="02010600030101010101" pitchFamily="2" charset="-122"/>
+                      </a:endParaRPr>
                     </a:p>
                   </a:txBody>
                   <a:tcPr marL="0" marR="0" marT="0" marB="0" anchor="ctr">
@@ -19675,6 +20110,14 @@
                         </a:rPr>
                         <a:t>4</a:t>
                       </a:r>
+                      <a:endParaRPr lang="en-US" altLang="zh-CN" sz="1000" b="0">
+                        <a:solidFill>
+                          <a:srgbClr val="000000"/>
+                        </a:solidFill>
+                        <a:latin typeface="微软雅黑" panose="020B0503020204020204" pitchFamily="34" charset="-122"/>
+                        <a:ea typeface="微软雅黑" panose="020B0503020204020204" pitchFamily="34" charset="-122"/>
+                        <a:cs typeface="宋体" panose="02010600030101010101" pitchFamily="2" charset="-122"/>
+                      </a:endParaRPr>
                     </a:p>
                   </a:txBody>
                   <a:tcPr marL="0" marR="0" marT="0" marB="0" anchor="ctr">
@@ -19738,6 +20181,14 @@
                         </a:rPr>
                         <a:t>9</a:t>
                       </a:r>
+                      <a:endParaRPr lang="en-US" altLang="zh-CN" sz="1000" b="0">
+                        <a:solidFill>
+                          <a:srgbClr val="000000"/>
+                        </a:solidFill>
+                        <a:latin typeface="微软雅黑" panose="020B0503020204020204" pitchFamily="34" charset="-122"/>
+                        <a:ea typeface="微软雅黑" panose="020B0503020204020204" pitchFamily="34" charset="-122"/>
+                        <a:cs typeface="宋体" panose="02010600030101010101" pitchFamily="2" charset="-122"/>
+                      </a:endParaRPr>
                     </a:p>
                   </a:txBody>
                   <a:tcPr marL="0" marR="0" marT="0" marB="0" anchor="ctr">
@@ -19801,6 +20252,14 @@
                         </a:rPr>
                         <a:t>5</a:t>
                       </a:r>
+                      <a:endParaRPr lang="en-US" altLang="zh-CN" sz="1000" b="0">
+                        <a:solidFill>
+                          <a:srgbClr val="000000"/>
+                        </a:solidFill>
+                        <a:latin typeface="微软雅黑" panose="020B0503020204020204" pitchFamily="34" charset="-122"/>
+                        <a:ea typeface="微软雅黑" panose="020B0503020204020204" pitchFamily="34" charset="-122"/>
+                        <a:cs typeface="宋体" panose="02010600030101010101" pitchFamily="2" charset="-122"/>
+                      </a:endParaRPr>
                     </a:p>
                   </a:txBody>
                   <a:tcPr marL="0" marR="0" marT="0" marB="0" anchor="ctr">
@@ -19864,6 +20323,14 @@
                         </a:rPr>
                         <a:t>180</a:t>
                       </a:r>
+                      <a:endParaRPr lang="en-US" altLang="zh-CN" sz="1000" b="0">
+                        <a:solidFill>
+                          <a:srgbClr val="000000"/>
+                        </a:solidFill>
+                        <a:latin typeface="微软雅黑" panose="020B0503020204020204" pitchFamily="34" charset="-122"/>
+                        <a:ea typeface="微软雅黑" panose="020B0503020204020204" pitchFamily="34" charset="-122"/>
+                        <a:cs typeface="宋体" panose="02010600030101010101" pitchFamily="2" charset="-122"/>
+                      </a:endParaRPr>
                     </a:p>
                   </a:txBody>
                   <a:tcPr marL="0" marR="0" marT="0" marB="0" anchor="ctr">
@@ -19927,6 +20394,14 @@
                         </a:rPr>
                         <a:t>小组间进行讨论，项目启动阶段制定出大家都满意的打分标准</a:t>
                       </a:r>
+                      <a:endParaRPr lang="zh-CN" altLang="en-US" sz="1000" b="0">
+                        <a:solidFill>
+                          <a:srgbClr val="000000"/>
+                        </a:solidFill>
+                        <a:latin typeface="微软雅黑" panose="020B0503020204020204" pitchFamily="34" charset="-122"/>
+                        <a:ea typeface="微软雅黑" panose="020B0503020204020204" pitchFamily="34" charset="-122"/>
+                        <a:cs typeface="宋体" panose="02010600030101010101" pitchFamily="2" charset="-122"/>
+                      </a:endParaRPr>
                     </a:p>
                   </a:txBody>
                   <a:tcPr marL="0" marR="0" marT="0" marB="0" anchor="ctr">
@@ -19990,6 +20465,14 @@
                         </a:rPr>
                         <a:t>有</a:t>
                       </a:r>
+                      <a:endParaRPr lang="zh-CN" altLang="en-US" sz="1000" b="1">
+                        <a:solidFill>
+                          <a:srgbClr val="000000"/>
+                        </a:solidFill>
+                        <a:latin typeface="微软雅黑" panose="020B0503020204020204" pitchFamily="34" charset="-122"/>
+                        <a:ea typeface="微软雅黑" panose="020B0503020204020204" pitchFamily="34" charset="-122"/>
+                        <a:cs typeface="宋体" panose="02010600030101010101" pitchFamily="2" charset="-122"/>
+                      </a:endParaRPr>
                     </a:p>
                   </a:txBody>
                   <a:tcPr marL="0" marR="0" marT="0" marB="0" anchor="ctr">
@@ -20053,6 +20536,14 @@
                         </a:rPr>
                         <a:t>无</a:t>
                       </a:r>
+                      <a:endParaRPr lang="zh-CN" altLang="en-US" sz="1000" b="1">
+                        <a:solidFill>
+                          <a:srgbClr val="000000"/>
+                        </a:solidFill>
+                        <a:latin typeface="微软雅黑" panose="020B0503020204020204" pitchFamily="34" charset="-122"/>
+                        <a:ea typeface="微软雅黑" panose="020B0503020204020204" pitchFamily="34" charset="-122"/>
+                        <a:cs typeface="宋体" panose="02010600030101010101" pitchFamily="2" charset="-122"/>
+                      </a:endParaRPr>
                     </a:p>
                   </a:txBody>
                   <a:tcPr marL="0" marR="0" marT="0" marB="0" anchor="ctr">
@@ -20116,6 +20607,14 @@
                         </a:rPr>
                         <a:t>低</a:t>
                       </a:r>
+                      <a:endParaRPr lang="zh-CN" altLang="en-US" sz="1000" b="1">
+                        <a:solidFill>
+                          <a:srgbClr val="000000"/>
+                        </a:solidFill>
+                        <a:latin typeface="微软雅黑" panose="020B0503020204020204" pitchFamily="34" charset="-122"/>
+                        <a:ea typeface="微软雅黑" panose="020B0503020204020204" pitchFamily="34" charset="-122"/>
+                        <a:cs typeface="宋体" panose="02010600030101010101" pitchFamily="2" charset="-122"/>
+                      </a:endParaRPr>
                     </a:p>
                   </a:txBody>
                   <a:tcPr marL="0" marR="0" marT="0" marB="0" anchor="ctr">
@@ -20183,7 +20682,7 @@
 </p:sld>
 </file>
 
-<file path=ppt/slides/slide18.xml><?xml version="1.0" encoding="utf-8"?>
+<file path=ppt/slides/slide17.xml><?xml version="1.0" encoding="utf-8"?>
 <p:sld xmlns:a="http://schemas.openxmlformats.org/drawingml/2006/main" xmlns:r="http://schemas.openxmlformats.org/officeDocument/2006/relationships" xmlns:p="http://schemas.openxmlformats.org/presentationml/2006/main">
   <p:cSld>
     <p:spTree>
@@ -20347,7 +20846,7 @@
           <p:nvPr/>
         </p:nvPicPr>
         <p:blipFill>
-          <a:blip r:embed="rId2"/>
+          <a:blip r:embed="rId1"/>
           <a:stretch>
             <a:fillRect/>
           </a:stretch>
@@ -20399,6 +20898,18 @@
               </a:rPr>
               <a:t>详情见甘特图</a:t>
             </a:r>
+            <a:endParaRPr lang="zh-CN" altLang="en-US" sz="5400">
+              <a:solidFill>
+                <a:schemeClr val="accent1"/>
+              </a:solidFill>
+              <a:effectLst>
+                <a:outerShdw blurRad="38100" dist="25400" dir="5400000" algn="ctr" rotWithShape="0">
+                  <a:srgbClr val="6E747A">
+                    <a:alpha val="43000"/>
+                  </a:srgbClr>
+                </a:outerShdw>
+              </a:effectLst>
+            </a:endParaRPr>
           </a:p>
         </p:txBody>
       </p:sp>
@@ -20420,7 +20931,7 @@
 </p:sld>
 </file>
 
-<file path=ppt/slides/slide19.xml><?xml version="1.0" encoding="utf-8"?>
+<file path=ppt/slides/slide18.xml><?xml version="1.0" encoding="utf-8"?>
 <p:sld xmlns:a="http://schemas.openxmlformats.org/drawingml/2006/main" xmlns:r="http://schemas.openxmlformats.org/officeDocument/2006/relationships" xmlns:p="http://schemas.openxmlformats.org/presentationml/2006/main">
   <p:cSld>
     <p:spTree>
@@ -20446,7 +20957,7 @@
           <p:nvPr/>
         </p:nvPicPr>
         <p:blipFill>
-          <a:blip r:embed="rId2">
+          <a:blip r:embed="rId1">
             <a:extLst>
               <a:ext uri="{28A0092B-C50C-407E-A947-70E740481C1C}">
                 <a14:useLocalDpi xmlns:a14="http://schemas.microsoft.com/office/drawing/2010/main" val="0"/>
@@ -20492,11 +21003,95 @@
         </p:spPr>
       </p:pic>
     </p:spTree>
-    <p:extLst>
-      <p:ext uri="{BB962C8B-B14F-4D97-AF65-F5344CB8AC3E}">
-        <p14:creationId xmlns:p14="http://schemas.microsoft.com/office/powerpoint/2010/main" val="2615583564"/>
-      </p:ext>
-    </p:extLst>
+  </p:cSld>
+  <p:clrMapOvr>
+    <a:masterClrMapping/>
+  </p:clrMapOvr>
+  <p:transition spd="slow" advClick="0" advTm="0">
+    <p:wipe/>
+  </p:transition>
+  <p:timing>
+    <p:tnLst>
+      <p:par>
+        <p:cTn id="1" dur="indefinite" restart="never" nodeType="tmRoot"/>
+      </p:par>
+    </p:tnLst>
+  </p:timing>
+</p:sld>
+</file>
+
+<file path=ppt/slides/slide19.xml><?xml version="1.0" encoding="utf-8"?>
+<p:sld xmlns:a="http://schemas.openxmlformats.org/drawingml/2006/main" xmlns:r="http://schemas.openxmlformats.org/officeDocument/2006/relationships" xmlns:p="http://schemas.openxmlformats.org/presentationml/2006/main">
+  <p:cSld>
+    <p:spTree>
+      <p:nvGrpSpPr>
+        <p:cNvPr id="1" name=""/>
+        <p:cNvGrpSpPr/>
+        <p:nvPr/>
+      </p:nvGrpSpPr>
+      <p:grpSpPr>
+        <a:xfrm>
+          <a:off x="0" y="0"/>
+          <a:ext cx="0" cy="0"/>
+          <a:chOff x="0" y="0"/>
+          <a:chExt cx="0" cy="0"/>
+        </a:xfrm>
+      </p:grpSpPr>
+      <p:pic>
+        <p:nvPicPr>
+          <p:cNvPr id="2050" name="Picture 2"/>
+          <p:cNvPicPr>
+            <a:picLocks noChangeAspect="1" noChangeArrowheads="1"/>
+          </p:cNvPicPr>
+          <p:nvPr/>
+        </p:nvPicPr>
+        <p:blipFill>
+          <a:blip r:embed="rId1">
+            <a:extLst>
+              <a:ext uri="{28A0092B-C50C-407E-A947-70E740481C1C}">
+                <a14:useLocalDpi xmlns:a14="http://schemas.microsoft.com/office/drawing/2010/main" val="0"/>
+              </a:ext>
+            </a:extLst>
+          </a:blip>
+          <a:srcRect/>
+          <a:stretch>
+            <a:fillRect/>
+          </a:stretch>
+        </p:blipFill>
+        <p:spPr bwMode="auto">
+          <a:xfrm>
+            <a:off x="1012825" y="223838"/>
+            <a:ext cx="10163175" cy="6410325"/>
+          </a:xfrm>
+          <a:prstGeom prst="rect">
+            <a:avLst/>
+          </a:prstGeom>
+          <a:noFill/>
+          <a:ln>
+            <a:noFill/>
+          </a:ln>
+          <a:extLst>
+            <a:ext uri="{909E8E84-426E-40DD-AFC4-6F175D3DCCD1}">
+              <a14:hiddenFill xmlns:a14="http://schemas.microsoft.com/office/drawing/2010/main">
+                <a:solidFill>
+                  <a:schemeClr val="accent1"/>
+                </a:solidFill>
+              </a14:hiddenFill>
+            </a:ext>
+            <a:ext uri="{91240B29-F687-4F45-9708-019B960494DF}">
+              <a14:hiddenLine xmlns:a14="http://schemas.microsoft.com/office/drawing/2010/main" w="9525">
+                <a:solidFill>
+                  <a:schemeClr val="tx1"/>
+                </a:solidFill>
+                <a:miter lim="800000"/>
+                <a:headEnd/>
+                <a:tailEnd/>
+              </a14:hiddenLine>
+            </a:ext>
+          </a:extLst>
+        </p:spPr>
+      </p:pic>
+    </p:spTree>
   </p:cSld>
   <p:clrMapOvr>
     <a:masterClrMapping/>
@@ -20906,6 +21501,13 @@
               </a:rPr>
               <a:t>项目名称：问酒</a:t>
             </a:r>
+            <a:endParaRPr lang="zh-CN" altLang="en-US" dirty="0">
+              <a:solidFill>
+                <a:sysClr val="windowText" lastClr="000000"/>
+              </a:solidFill>
+              <a:latin typeface="微软雅黑" panose="020B0503020204020204" pitchFamily="34" charset="-122"/>
+              <a:ea typeface="微软雅黑" panose="020B0503020204020204" pitchFamily="34" charset="-122"/>
+            </a:endParaRPr>
           </a:p>
         </p:txBody>
       </p:sp>
@@ -20941,6 +21543,13 @@
               </a:rPr>
               <a:t>项目简介</a:t>
             </a:r>
+            <a:endParaRPr lang="zh-CN" altLang="en-US" sz="3200" b="1" dirty="0">
+              <a:solidFill>
+                <a:schemeClr val="bg1"/>
+              </a:solidFill>
+              <a:latin typeface="微软雅黑" panose="020B0503020204020204" pitchFamily="34" charset="-122"/>
+              <a:ea typeface="微软雅黑" panose="020B0503020204020204" pitchFamily="34" charset="-122"/>
+            </a:endParaRPr>
           </a:p>
         </p:txBody>
       </p:sp>
@@ -20984,6 +21593,14 @@
               </a:rPr>
               <a:t>供广大群众通过图像识别查询酒的基本信息，以及推荐喝法和配菜。</a:t>
             </a:r>
+            <a:endParaRPr lang="zh-CN" altLang="en-US" dirty="0">
+              <a:solidFill>
+                <a:sysClr val="windowText" lastClr="000000"/>
+              </a:solidFill>
+              <a:latin typeface="微软雅黑" panose="020B0503020204020204" pitchFamily="34" charset="-122"/>
+              <a:ea typeface="微软雅黑" panose="020B0503020204020204" pitchFamily="34" charset="-122"/>
+              <a:sym typeface="+mn-ea"/>
+            </a:endParaRPr>
           </a:p>
           <a:p>
             <a:endParaRPr lang="zh-CN" altLang="en-US" dirty="0">
@@ -21007,6 +21624,14 @@
               </a:rPr>
               <a:t>项目目标：为喜欢喝酒以及对酒文化感兴趣的群体通过Android Studio和Tensorflow等工具开发出一个可以通过图像识别来检索酒的信息的APP。</a:t>
             </a:r>
+            <a:endParaRPr lang="zh-CN" altLang="en-US" dirty="0">
+              <a:solidFill>
+                <a:sysClr val="windowText" lastClr="000000"/>
+              </a:solidFill>
+              <a:latin typeface="微软雅黑" panose="020B0503020204020204" pitchFamily="34" charset="-122"/>
+              <a:ea typeface="微软雅黑" panose="020B0503020204020204" pitchFamily="34" charset="-122"/>
+              <a:sym typeface="+mn-ea"/>
+            </a:endParaRPr>
           </a:p>
           <a:p>
             <a:endParaRPr lang="zh-CN" altLang="en-US"/>
@@ -21523,100 +22148,6 @@
           <a:chExt cx="0" cy="0"/>
         </a:xfrm>
       </p:grpSpPr>
-      <p:pic>
-        <p:nvPicPr>
-          <p:cNvPr id="2050" name="Picture 2"/>
-          <p:cNvPicPr>
-            <a:picLocks noChangeAspect="1" noChangeArrowheads="1"/>
-          </p:cNvPicPr>
-          <p:nvPr/>
-        </p:nvPicPr>
-        <p:blipFill>
-          <a:blip r:embed="rId2">
-            <a:extLst>
-              <a:ext uri="{28A0092B-C50C-407E-A947-70E740481C1C}">
-                <a14:useLocalDpi xmlns:a14="http://schemas.microsoft.com/office/drawing/2010/main" val="0"/>
-              </a:ext>
-            </a:extLst>
-          </a:blip>
-          <a:srcRect/>
-          <a:stretch>
-            <a:fillRect/>
-          </a:stretch>
-        </p:blipFill>
-        <p:spPr bwMode="auto">
-          <a:xfrm>
-            <a:off x="1012825" y="223838"/>
-            <a:ext cx="10163175" cy="6410325"/>
-          </a:xfrm>
-          <a:prstGeom prst="rect">
-            <a:avLst/>
-          </a:prstGeom>
-          <a:noFill/>
-          <a:ln>
-            <a:noFill/>
-          </a:ln>
-          <a:extLst>
-            <a:ext uri="{909E8E84-426E-40DD-AFC4-6F175D3DCCD1}">
-              <a14:hiddenFill xmlns:a14="http://schemas.microsoft.com/office/drawing/2010/main">
-                <a:solidFill>
-                  <a:schemeClr val="accent1"/>
-                </a:solidFill>
-              </a14:hiddenFill>
-            </a:ext>
-            <a:ext uri="{91240B29-F687-4F45-9708-019B960494DF}">
-              <a14:hiddenLine xmlns:a14="http://schemas.microsoft.com/office/drawing/2010/main" w="9525">
-                <a:solidFill>
-                  <a:schemeClr val="tx1"/>
-                </a:solidFill>
-                <a:miter lim="800000"/>
-                <a:headEnd/>
-                <a:tailEnd/>
-              </a14:hiddenLine>
-            </a:ext>
-          </a:extLst>
-        </p:spPr>
-      </p:pic>
-    </p:spTree>
-    <p:extLst>
-      <p:ext uri="{BB962C8B-B14F-4D97-AF65-F5344CB8AC3E}">
-        <p14:creationId xmlns:p14="http://schemas.microsoft.com/office/powerpoint/2010/main" val="2794282569"/>
-      </p:ext>
-    </p:extLst>
-  </p:cSld>
-  <p:clrMapOvr>
-    <a:masterClrMapping/>
-  </p:clrMapOvr>
-  <p:transition spd="slow" advClick="0" advTm="0">
-    <p:wipe/>
-  </p:transition>
-  <p:timing>
-    <p:tnLst>
-      <p:par>
-        <p:cTn id="1" dur="indefinite" restart="never" nodeType="tmRoot"/>
-      </p:par>
-    </p:tnLst>
-  </p:timing>
-</p:sld>
-</file>
-
-<file path=ppt/slides/slide21.xml><?xml version="1.0" encoding="utf-8"?>
-<p:sld xmlns:a="http://schemas.openxmlformats.org/drawingml/2006/main" xmlns:r="http://schemas.openxmlformats.org/officeDocument/2006/relationships" xmlns:p="http://schemas.openxmlformats.org/presentationml/2006/main">
-  <p:cSld>
-    <p:spTree>
-      <p:nvGrpSpPr>
-        <p:cNvPr id="1" name=""/>
-        <p:cNvGrpSpPr/>
-        <p:nvPr/>
-      </p:nvGrpSpPr>
-      <p:grpSpPr>
-        <a:xfrm>
-          <a:off x="0" y="0"/>
-          <a:ext cx="0" cy="0"/>
-          <a:chOff x="0" y="0"/>
-          <a:chExt cx="0" cy="0"/>
-        </a:xfrm>
-      </p:grpSpPr>
       <p:sp>
         <p:nvSpPr>
           <p:cNvPr id="36" name="矩形 35"/>
@@ -21710,6 +22241,13 @@
               </a:rPr>
               <a:t>分工及考评</a:t>
             </a:r>
+            <a:endParaRPr lang="zh-CN" sz="3200" b="1" dirty="0">
+              <a:solidFill>
+                <a:schemeClr val="bg1"/>
+              </a:solidFill>
+              <a:latin typeface="微软雅黑" panose="020B0503020204020204" pitchFamily="34" charset="-122"/>
+              <a:ea typeface="微软雅黑" panose="020B0503020204020204" pitchFamily="34" charset="-122"/>
+            </a:endParaRPr>
           </a:p>
         </p:txBody>
       </p:sp>
@@ -21751,6 +22289,11 @@
                         </a:rPr>
                         <a:t>黄为波</a:t>
                       </a:r>
+                      <a:endParaRPr lang="zh-CN" altLang="en-US" b="0">
+                        <a:solidFill>
+                          <a:schemeClr val="tx1"/>
+                        </a:solidFill>
+                      </a:endParaRPr>
                     </a:p>
                   </a:txBody>
                   <a:tcPr>
@@ -21792,8 +22335,29 @@
                             <a:schemeClr val="tx1"/>
                           </a:solidFill>
                         </a:rPr>
-                        <a:t>制作与整合，执笔项目计划报告，系统流程图，数据流图</a:t>
+                        <a:t>制作与整合，执笔项目计划报告，数据流图，文档规范文件，</a:t>
                       </a:r>
+                      <a:r>
+                        <a:rPr lang="en-US" altLang="zh-CN" b="0">
+                          <a:solidFill>
+                            <a:schemeClr val="tx1"/>
+                          </a:solidFill>
+                        </a:rPr>
+                        <a:t>WBS</a:t>
+                      </a:r>
+                      <a:r>
+                        <a:rPr lang="zh-CN" altLang="en-US" b="0">
+                          <a:solidFill>
+                            <a:schemeClr val="tx1"/>
+                          </a:solidFill>
+                        </a:rPr>
+                        <a:t>结构图</a:t>
+                      </a:r>
+                      <a:endParaRPr lang="zh-CN" altLang="en-US" b="0">
+                        <a:solidFill>
+                          <a:schemeClr val="tx1"/>
+                        </a:solidFill>
+                      </a:endParaRPr>
                     </a:p>
                   </a:txBody>
                   <a:tcPr>
@@ -21821,6 +22385,11 @@
                         </a:rPr>
                         <a:t>9.6</a:t>
                       </a:r>
+                      <a:endParaRPr lang="en-US" altLang="zh-CN" b="0">
+                        <a:solidFill>
+                          <a:schemeClr val="tx1"/>
+                        </a:solidFill>
+                      </a:endParaRPr>
                     </a:p>
                   </a:txBody>
                   <a:tcPr>
@@ -21850,6 +22419,11 @@
                         </a:rPr>
                         <a:t>陈子卿</a:t>
                       </a:r>
+                      <a:endParaRPr lang="zh-CN" altLang="en-US">
+                        <a:solidFill>
+                          <a:schemeClr val="tx1"/>
+                        </a:solidFill>
+                      </a:endParaRPr>
                     </a:p>
                   </a:txBody>
                   <a:tcPr/>
@@ -21886,6 +22460,11 @@
                         </a:rPr>
                         <a:t>文档的规范排版，执笔需求分析报告，项目计划报告的修改</a:t>
                       </a:r>
+                      <a:endParaRPr lang="zh-CN" altLang="en-US">
+                        <a:solidFill>
+                          <a:schemeClr val="tx1"/>
+                        </a:solidFill>
+                      </a:endParaRPr>
                     </a:p>
                   </a:txBody>
                   <a:tcPr/>
@@ -21906,6 +22485,11 @@
                         </a:rPr>
                         <a:t>9.3</a:t>
                       </a:r>
+                      <a:endParaRPr lang="en-US" altLang="zh-CN">
+                        <a:solidFill>
+                          <a:schemeClr val="tx1"/>
+                        </a:solidFill>
+                      </a:endParaRPr>
                     </a:p>
                   </a:txBody>
                   <a:tcPr/>
@@ -21928,6 +22512,11 @@
                         </a:rPr>
                         <a:t>蔡峰</a:t>
                       </a:r>
+                      <a:endParaRPr lang="zh-CN" altLang="en-US">
+                        <a:solidFill>
+                          <a:schemeClr val="tx1"/>
+                        </a:solidFill>
+                      </a:endParaRPr>
                     </a:p>
                   </a:txBody>
                   <a:tcPr>
@@ -21987,6 +22576,11 @@
                         </a:rPr>
                         <a:t>的整改</a:t>
                       </a:r>
+                      <a:endParaRPr lang="zh-CN" altLang="en-US">
+                        <a:solidFill>
+                          <a:schemeClr val="tx1"/>
+                        </a:solidFill>
+                      </a:endParaRPr>
                     </a:p>
                   </a:txBody>
                   <a:tcPr>
@@ -22014,6 +22608,11 @@
                         </a:rPr>
                         <a:t>9.2</a:t>
                       </a:r>
+                      <a:endParaRPr lang="en-US" altLang="zh-CN">
+                        <a:solidFill>
+                          <a:schemeClr val="tx1"/>
+                        </a:solidFill>
+                      </a:endParaRPr>
                     </a:p>
                   </a:txBody>
                   <a:tcPr>
@@ -22035,13 +22634,13 @@
   <p:clrMapOvr>
     <a:masterClrMapping/>
   </p:clrMapOvr>
-  <mc:AlternateContent xmlns:mc="http://schemas.openxmlformats.org/markup-compatibility/2006" xmlns:p14="http://schemas.microsoft.com/office/powerpoint/2010/main">
-    <mc:Choice Requires="p14">
+  <mc:AlternateContent xmlns:mc="http://schemas.openxmlformats.org/markup-compatibility/2006">
+    <mc:Choice xmlns:p14="http://schemas.microsoft.com/office/powerpoint/2010/main" Requires="p14">
       <p:transition spd="slow" p14:dur="1200" advClick="0" advTm="0">
         <p14:prism/>
       </p:transition>
     </mc:Choice>
-    <mc:Fallback xmlns="">
+    <mc:Fallback>
       <p:transition spd="slow" advClick="0" advTm="0">
         <p:fade/>
       </p:transition>
@@ -22309,7 +22908,7 @@
 </p:sld>
 </file>
 
-<file path=ppt/slides/slide22.xml><?xml version="1.0" encoding="utf-8"?>
+<file path=ppt/slides/slide21.xml><?xml version="1.0" encoding="utf-8"?>
 <p:sld xmlns:a="http://schemas.openxmlformats.org/drawingml/2006/main" xmlns:r="http://schemas.openxmlformats.org/officeDocument/2006/relationships" xmlns:p="http://schemas.openxmlformats.org/presentationml/2006/main">
   <p:cSld>
     <p:spTree>
@@ -22796,6 +23395,13 @@
               </a:rPr>
               <a:t>问酒</a:t>
             </a:r>
+            <a:endParaRPr lang="zh-CN" altLang="en-US" sz="12800" dirty="0">
+              <a:solidFill>
+                <a:srgbClr val="38B1BF"/>
+              </a:solidFill>
+              <a:latin typeface="微软雅黑" panose="020B0503020204020204" pitchFamily="34" charset="-122"/>
+              <a:ea typeface="微软雅黑" panose="020B0503020204020204" pitchFamily="34" charset="-122"/>
+            </a:endParaRPr>
           </a:p>
         </p:txBody>
       </p:sp>
@@ -22887,6 +23493,16 @@
               </a:rPr>
               <a:t>小组</a:t>
             </a:r>
+            <a:endParaRPr lang="zh-CN" altLang="en-US" sz="1900" dirty="0">
+              <a:solidFill>
+                <a:schemeClr val="tx1">
+                  <a:lumMod val="85000"/>
+                  <a:lumOff val="15000"/>
+                </a:schemeClr>
+              </a:solidFill>
+              <a:latin typeface="微软雅黑" panose="020B0503020204020204" pitchFamily="34" charset="-122"/>
+              <a:ea typeface="微软雅黑" panose="020B0503020204020204" pitchFamily="34" charset="-122"/>
+            </a:endParaRPr>
           </a:p>
         </p:txBody>
       </p:sp>
@@ -22937,6 +23553,16 @@
               </a:rPr>
               <a:t>汇报结束 感谢观看</a:t>
             </a:r>
+            <a:endParaRPr lang="zh-CN" altLang="en-US" sz="3600" b="1" dirty="0">
+              <a:solidFill>
+                <a:schemeClr val="tx1">
+                  <a:lumMod val="75000"/>
+                  <a:lumOff val="25000"/>
+                </a:schemeClr>
+              </a:solidFill>
+              <a:latin typeface="微软雅黑" panose="020B0503020204020204" pitchFamily="34" charset="-122"/>
+              <a:ea typeface="微软雅黑" panose="020B0503020204020204" pitchFamily="34" charset="-122"/>
+            </a:endParaRPr>
           </a:p>
         </p:txBody>
       </p:sp>
@@ -23041,6 +23667,16 @@
               </a:rPr>
               <a:t>日</a:t>
             </a:r>
+            <a:endParaRPr lang="zh-CN" altLang="en-US" sz="1900" dirty="0">
+              <a:solidFill>
+                <a:schemeClr val="tx1">
+                  <a:lumMod val="85000"/>
+                  <a:lumOff val="15000"/>
+                </a:schemeClr>
+              </a:solidFill>
+              <a:latin typeface="微软雅黑" panose="020B0503020204020204" pitchFamily="34" charset="-122"/>
+              <a:ea typeface="微软雅黑" panose="020B0503020204020204" pitchFamily="34" charset="-122"/>
+            </a:endParaRPr>
           </a:p>
         </p:txBody>
       </p:sp>
@@ -23088,16 +23724,16 @@
             <a:picLocks noChangeAspect="1"/>
           </p:cNvPicPr>
           <p:nvPr>
-            <a:audioFile r:link="rId2"/>
+            <a:audioFile r:link="rId1"/>
             <p:extLst>
               <p:ext uri="{DAA4B4D4-6D71-4841-9C94-3DE7FCFB9230}">
-                <p14:media xmlns:p14="http://schemas.microsoft.com/office/powerpoint/2010/main" r:embed="rId1"/>
+                <p14:media xmlns:p14="http://schemas.microsoft.com/office/powerpoint/2010/main" r:embed="rId2"/>
               </p:ext>
             </p:extLst>
           </p:nvPr>
         </p:nvPicPr>
         <p:blipFill>
-          <a:blip r:embed="rId5"/>
+          <a:blip r:embed="rId3"/>
           <a:stretch>
             <a:fillRect/>
           </a:stretch>
@@ -23145,6 +23781,14 @@
               </a:rPr>
               <a:t>浙江大学城市学院</a:t>
             </a:r>
+            <a:endParaRPr lang="zh-CN" altLang="en-US" kern="300" spc="2000">
+              <a:solidFill>
+                <a:schemeClr val="tx1"/>
+              </a:solidFill>
+              <a:uFillTx/>
+              <a:latin typeface="+中文标题" charset="0"/>
+              <a:ea typeface="+mj-ea"/>
+            </a:endParaRPr>
           </a:p>
         </p:txBody>
       </p:sp>
@@ -23153,13 +23797,13 @@
   <p:clrMapOvr>
     <a:masterClrMapping/>
   </p:clrMapOvr>
-  <mc:AlternateContent xmlns:mc="http://schemas.openxmlformats.org/markup-compatibility/2006" xmlns:p14="http://schemas.microsoft.com/office/powerpoint/2010/main">
-    <mc:Choice Requires="p14">
+  <mc:AlternateContent xmlns:mc="http://schemas.openxmlformats.org/markup-compatibility/2006">
+    <mc:Choice xmlns:p14="http://schemas.microsoft.com/office/powerpoint/2010/main" Requires="p14">
       <p:transition spd="slow" p14:dur="1600" advClick="0" advTm="0">
         <p:blinds dir="vert"/>
       </p:transition>
     </mc:Choice>
-    <mc:Fallback xmlns="">
+    <mc:Fallback>
       <p:transition spd="slow" advClick="0" advTm="0">
         <p:blinds dir="vert"/>
       </p:transition>
@@ -24145,6 +24789,13 @@
               </a:rPr>
               <a:t>项目简介</a:t>
             </a:r>
+            <a:endParaRPr lang="zh-CN" altLang="en-US" sz="3200" b="1" dirty="0">
+              <a:solidFill>
+                <a:schemeClr val="bg1"/>
+              </a:solidFill>
+              <a:latin typeface="微软雅黑" panose="020B0503020204020204" pitchFamily="34" charset="-122"/>
+              <a:ea typeface="微软雅黑" panose="020B0503020204020204" pitchFamily="34" charset="-122"/>
+            </a:endParaRPr>
           </a:p>
         </p:txBody>
       </p:sp>
@@ -24338,6 +24989,12 @@
                         </a:rPr>
                         <a:t>黄为波</a:t>
                       </a:r>
+                      <a:endParaRPr lang="zh-CN" sz="1800" kern="100">
+                        <a:effectLst/>
+                        <a:latin typeface="+mn-ea"/>
+                        <a:ea typeface="+mn-ea"/>
+                        <a:cs typeface="Times New Roman" panose="02020603050405020304" pitchFamily="18" charset="0"/>
+                      </a:endParaRPr>
                     </a:p>
                   </a:txBody>
                   <a:tcPr marL="68580" marR="68580" marT="0" marB="0" anchor="ctr"/>
@@ -24393,6 +25050,15 @@
                         </a:rPr>
                         <a:t>31601351@stu.zucc.edu.cn</a:t>
                       </a:r>
+                      <a:endParaRPr lang="en-US" sz="1800" u="none" strike="noStrike" kern="100" dirty="0">
+                        <a:solidFill>
+                          <a:srgbClr val="0563C1"/>
+                        </a:solidFill>
+                        <a:effectLst/>
+                        <a:latin typeface="+mn-ea"/>
+                        <a:ea typeface="+mn-ea"/>
+                        <a:cs typeface="Times New Roman" panose="02020603050405020304" pitchFamily="18" charset="0"/>
+                      </a:endParaRPr>
                     </a:p>
                   </a:txBody>
                   <a:tcPr marL="68580" marR="68580" marT="0" marB="0" anchor="ctr"/>
@@ -24425,6 +25091,12 @@
                         </a:rPr>
                         <a:t>1-602</a:t>
                       </a:r>
+                      <a:endParaRPr lang="en-US" altLang="zh-CN" sz="1800" kern="100">
+                        <a:effectLst/>
+                        <a:latin typeface="+mn-ea"/>
+                        <a:ea typeface="+mn-ea"/>
+                        <a:cs typeface="Times New Roman" panose="02020603050405020304" pitchFamily="18" charset="0"/>
+                      </a:endParaRPr>
                     </a:p>
                   </a:txBody>
                   <a:tcPr marL="68580" marR="68580" marT="0" marB="0" anchor="ctr"/>
@@ -24460,6 +25132,7 @@
               <a:rPr lang="zh-CN" altLang="en-US"/>
               <a:t>项目提出者：</a:t>
             </a:r>
+            <a:endParaRPr lang="zh-CN" altLang="en-US"/>
           </a:p>
         </p:txBody>
       </p:sp>
@@ -24489,6 +25162,7 @@
               <a:rPr lang="zh-CN" altLang="en-US"/>
               <a:t>项目用户：</a:t>
             </a:r>
+            <a:endParaRPr lang="zh-CN" altLang="en-US"/>
           </a:p>
         </p:txBody>
       </p:sp>
@@ -24518,6 +25192,7 @@
               <a:rPr lang="zh-CN" altLang="en-US" b="1"/>
               <a:t>喜欢喝酒以及对酒文化感兴趣的群体。</a:t>
             </a:r>
+            <a:endParaRPr lang="zh-CN" altLang="en-US" b="1"/>
           </a:p>
         </p:txBody>
       </p:sp>
@@ -24916,6 +25591,13 @@
               </a:rPr>
               <a:t>项目简介</a:t>
             </a:r>
+            <a:endParaRPr lang="zh-CN" altLang="en-US" sz="3200" b="1" dirty="0">
+              <a:solidFill>
+                <a:schemeClr val="bg1"/>
+              </a:solidFill>
+              <a:latin typeface="微软雅黑" panose="020B0503020204020204" pitchFamily="34" charset="-122"/>
+              <a:ea typeface="微软雅黑" panose="020B0503020204020204" pitchFamily="34" charset="-122"/>
+            </a:endParaRPr>
           </a:p>
         </p:txBody>
       </p:sp>
@@ -25131,6 +25813,12 @@
                         </a:rPr>
                         <a:t>黄为波</a:t>
                       </a:r>
+                      <a:endParaRPr lang="zh-CN" sz="1800" kern="100">
+                        <a:effectLst/>
+                        <a:latin typeface="+mn-ea"/>
+                        <a:ea typeface="+mn-ea"/>
+                        <a:cs typeface="Times New Roman" panose="02020603050405020304" pitchFamily="18" charset="0"/>
+                      </a:endParaRPr>
                     </a:p>
                   </a:txBody>
                   <a:tcPr marL="68580" marR="68580" marT="0" marB="0" anchor="ctr"/>
@@ -25154,6 +25842,12 @@
                         </a:rPr>
                         <a:t>组长</a:t>
                       </a:r>
+                      <a:endParaRPr lang="zh-CN" sz="1800" kern="100">
+                        <a:effectLst/>
+                        <a:latin typeface="+mn-ea"/>
+                        <a:ea typeface="+mn-ea"/>
+                        <a:cs typeface="Times New Roman" panose="02020603050405020304" pitchFamily="18" charset="0"/>
+                      </a:endParaRPr>
                     </a:p>
                   </a:txBody>
                   <a:tcPr marL="68580" marR="68580" marT="0" marB="0" anchor="ctr"/>
@@ -25177,6 +25871,12 @@
                         </a:rPr>
                         <a:t>15336551730</a:t>
                       </a:r>
+                      <a:endParaRPr lang="en-US" sz="1800" kern="100">
+                        <a:effectLst/>
+                        <a:latin typeface="+mn-ea"/>
+                        <a:ea typeface="+mn-ea"/>
+                        <a:cs typeface="Times New Roman" panose="02020603050405020304" pitchFamily="18" charset="0"/>
+                      </a:endParaRPr>
                     </a:p>
                   </a:txBody>
                   <a:tcPr marL="68580" marR="68580" marT="0" marB="0" anchor="ctr"/>
@@ -25269,6 +25969,12 @@
                         </a:rPr>
                         <a:t>蔡峰</a:t>
                       </a:r>
+                      <a:endParaRPr lang="zh-CN" sz="1800" kern="100">
+                        <a:effectLst/>
+                        <a:latin typeface="+mn-ea"/>
+                        <a:ea typeface="+mn-ea"/>
+                        <a:cs typeface="Times New Roman" panose="02020603050405020304" pitchFamily="18" charset="0"/>
+                      </a:endParaRPr>
                     </a:p>
                   </a:txBody>
                   <a:tcPr marL="68580" marR="68580" marT="0" marB="0" anchor="ctr">
@@ -25299,6 +26005,12 @@
                         </a:rPr>
                         <a:t>组员</a:t>
                       </a:r>
+                      <a:endParaRPr lang="zh-CN" sz="1800" kern="100">
+                        <a:effectLst/>
+                        <a:latin typeface="+mn-ea"/>
+                        <a:ea typeface="+mn-ea"/>
+                        <a:cs typeface="Times New Roman" panose="02020603050405020304" pitchFamily="18" charset="0"/>
+                      </a:endParaRPr>
                     </a:p>
                   </a:txBody>
                   <a:tcPr marL="68580" marR="68580" marT="0" marB="0" anchor="ctr">
@@ -25448,6 +26160,12 @@
                         </a:rPr>
                         <a:t>陈子卿</a:t>
                       </a:r>
+                      <a:endParaRPr lang="zh-CN" sz="1800" kern="100">
+                        <a:effectLst/>
+                        <a:latin typeface="+mn-ea"/>
+                        <a:ea typeface="+mn-ea"/>
+                        <a:cs typeface="Times New Roman" panose="02020603050405020304" pitchFamily="18" charset="0"/>
+                      </a:endParaRPr>
                     </a:p>
                   </a:txBody>
                   <a:tcPr marL="68580" marR="68580" marT="0" marB="0" anchor="ctr"/>
@@ -25471,6 +26189,12 @@
                         </a:rPr>
                         <a:t>组员</a:t>
                       </a:r>
+                      <a:endParaRPr lang="zh-CN" sz="1800" kern="100">
+                        <a:effectLst/>
+                        <a:latin typeface="+mn-ea"/>
+                        <a:ea typeface="+mn-ea"/>
+                        <a:cs typeface="Times New Roman" panose="02020603050405020304" pitchFamily="18" charset="0"/>
+                      </a:endParaRPr>
                     </a:p>
                   </a:txBody>
                   <a:tcPr marL="68580" marR="68580" marT="0" marB="0" anchor="ctr"/>
@@ -25494,6 +26218,12 @@
                         </a:rPr>
                         <a:t>15968119438</a:t>
                       </a:r>
+                      <a:endParaRPr lang="en-US" sz="1800" kern="100">
+                        <a:effectLst/>
+                        <a:latin typeface="+mn-ea"/>
+                        <a:ea typeface="+mn-ea"/>
+                        <a:cs typeface="Times New Roman" panose="02020603050405020304" pitchFamily="18" charset="0"/>
+                      </a:endParaRPr>
                     </a:p>
                   </a:txBody>
                   <a:tcPr marL="68580" marR="68580" marT="0" marB="0" anchor="ctr"/>
@@ -25607,6 +26337,18 @@
               </a:rPr>
               <a:t>开发团队：</a:t>
             </a:r>
+            <a:endParaRPr lang="zh-CN" altLang="en-US" sz="2800" b="1">
+              <a:solidFill>
+                <a:schemeClr val="tx1"/>
+              </a:solidFill>
+              <a:effectLst>
+                <a:outerShdw blurRad="38100" dist="19050" dir="2700000" algn="tl" rotWithShape="0">
+                  <a:schemeClr val="dk1">
+                    <a:alpha val="40000"/>
+                  </a:schemeClr>
+                </a:outerShdw>
+              </a:effectLst>
+            </a:endParaRPr>
           </a:p>
         </p:txBody>
       </p:sp>
@@ -28846,6 +29588,15 @@
               </a:rPr>
               <a:t>可行性分析</a:t>
             </a:r>
+            <a:endParaRPr lang="zh-CN" altLang="en-US" sz="3065" kern="0" dirty="0">
+              <a:solidFill>
+                <a:srgbClr val="FFFFFF"/>
+              </a:solidFill>
+              <a:latin typeface="+mn-lt"/>
+              <a:ea typeface="+mn-ea"/>
+              <a:cs typeface="+mn-ea"/>
+              <a:sym typeface="+mn-lt"/>
+            </a:endParaRPr>
           </a:p>
         </p:txBody>
       </p:sp>
@@ -29013,6 +29764,15 @@
               </a:rPr>
               <a:t>需求分析</a:t>
             </a:r>
+            <a:endParaRPr lang="zh-CN" altLang="en-US" sz="3065" kern="0" dirty="0">
+              <a:solidFill>
+                <a:srgbClr val="FFFFFF"/>
+              </a:solidFill>
+              <a:latin typeface="+mn-lt"/>
+              <a:ea typeface="+mn-ea"/>
+              <a:cs typeface="+mn-ea"/>
+              <a:sym typeface="+mn-lt"/>
+            </a:endParaRPr>
           </a:p>
         </p:txBody>
       </p:sp>
@@ -29180,6 +29940,15 @@
               </a:rPr>
               <a:t>项目计划</a:t>
             </a:r>
+            <a:endParaRPr lang="zh-CN" altLang="en-US" sz="3065" kern="0" dirty="0">
+              <a:solidFill>
+                <a:srgbClr val="FFFFFF"/>
+              </a:solidFill>
+              <a:latin typeface="+mn-lt"/>
+              <a:ea typeface="+mn-ea"/>
+              <a:cs typeface="+mn-ea"/>
+              <a:sym typeface="+mn-lt"/>
+            </a:endParaRPr>
           </a:p>
         </p:txBody>
       </p:sp>
@@ -29542,6 +30311,15 @@
                 </a:rPr>
                 <a:t>4</a:t>
               </a:r>
+              <a:endParaRPr lang="en-US" altLang="zh-CN" sz="2800" b="1" kern="0">
+                <a:solidFill>
+                  <a:schemeClr val="tx2"/>
+                </a:solidFill>
+                <a:latin typeface="+mn-lt"/>
+                <a:ea typeface="+mn-ea"/>
+                <a:cs typeface="+mn-ea"/>
+                <a:sym typeface="+mn-lt"/>
+              </a:endParaRPr>
             </a:p>
           </p:txBody>
         </p:sp>
@@ -29710,6 +30488,15 @@
               </a:rPr>
               <a:t>分工及考评</a:t>
             </a:r>
+            <a:endParaRPr lang="zh-CN" altLang="en-US" sz="3065" kern="0" dirty="0">
+              <a:solidFill>
+                <a:srgbClr val="FFFFFF"/>
+              </a:solidFill>
+              <a:latin typeface="+mn-lt"/>
+              <a:ea typeface="+mn-ea"/>
+              <a:cs typeface="+mn-ea"/>
+              <a:sym typeface="+mn-lt"/>
+            </a:endParaRPr>
           </a:p>
         </p:txBody>
       </p:sp>
@@ -31032,6 +31819,14 @@
                 </a:rPr>
                 <a:t>技术可行性</a:t>
               </a:r>
+              <a:endParaRPr lang="zh-CN" altLang="en-US" sz="2000" b="1" kern="100" dirty="0" smtClean="0">
+                <a:solidFill>
+                  <a:schemeClr val="bg1"/>
+                </a:solidFill>
+                <a:latin typeface="微软雅黑" panose="020B0503020204020204" pitchFamily="34" charset="-122"/>
+                <a:ea typeface="微软雅黑" panose="020B0503020204020204" pitchFamily="34" charset="-122"/>
+                <a:cs typeface="Times New Roman" panose="02020603050405020304" pitchFamily="18" charset="0"/>
+              </a:endParaRPr>
             </a:p>
           </p:txBody>
         </p:sp>
@@ -31211,6 +32006,14 @@
                 </a:rPr>
                 <a:t>经济可行性</a:t>
               </a:r>
+              <a:endParaRPr lang="zh-CN" altLang="zh-CN" sz="2000" b="1" kern="100" dirty="0">
+                <a:solidFill>
+                  <a:schemeClr val="bg1"/>
+                </a:solidFill>
+                <a:latin typeface="微软雅黑" panose="020B0503020204020204" pitchFamily="34" charset="-122"/>
+                <a:ea typeface="微软雅黑" panose="020B0503020204020204" pitchFamily="34" charset="-122"/>
+                <a:cs typeface="Times New Roman" panose="02020603050405020304" pitchFamily="18" charset="0"/>
+              </a:endParaRPr>
             </a:p>
           </p:txBody>
         </p:sp>
@@ -31274,6 +32077,11 @@
               </a:rPr>
               <a:t>3</a:t>
             </a:r>
+            <a:endParaRPr lang="en-US" altLang="zh-CN" sz="3600" dirty="0">
+              <a:latin typeface="+mj-lt"/>
+              <a:ea typeface="Arial Unicode MS" panose="020B0604020202020204" pitchFamily="34" charset="-122"/>
+              <a:cs typeface="Arial Unicode MS" panose="020B0604020202020204" pitchFamily="34" charset="-122"/>
+            </a:endParaRPr>
           </a:p>
         </p:txBody>
       </p:sp>
@@ -31385,6 +32193,14 @@
                 </a:rPr>
                 <a:t>法律可行性</a:t>
               </a:r>
+              <a:endParaRPr lang="zh-CN" altLang="zh-CN" sz="2000" b="1" kern="100" dirty="0">
+                <a:solidFill>
+                  <a:schemeClr val="bg1"/>
+                </a:solidFill>
+                <a:latin typeface="微软雅黑" panose="020B0503020204020204" pitchFamily="34" charset="-122"/>
+                <a:ea typeface="微软雅黑" panose="020B0503020204020204" pitchFamily="34" charset="-122"/>
+                <a:cs typeface="Times New Roman" panose="02020603050405020304" pitchFamily="18" charset="0"/>
+              </a:endParaRPr>
             </a:p>
           </p:txBody>
         </p:sp>
@@ -31482,6 +32298,13 @@
               </a:rPr>
               <a:t>可行性分析</a:t>
             </a:r>
+            <a:endParaRPr lang="zh-CN" sz="3200" b="1" dirty="0">
+              <a:solidFill>
+                <a:schemeClr val="bg1"/>
+              </a:solidFill>
+              <a:latin typeface="微软雅黑" panose="020B0503020204020204" pitchFamily="34" charset="-122"/>
+              <a:ea typeface="微软雅黑" panose="020B0503020204020204" pitchFamily="34" charset="-122"/>
+            </a:endParaRPr>
           </a:p>
         </p:txBody>
       </p:sp>
@@ -31543,13 +32366,13 @@
   <p:clrMapOvr>
     <a:masterClrMapping/>
   </p:clrMapOvr>
-  <mc:AlternateContent xmlns:mc="http://schemas.openxmlformats.org/markup-compatibility/2006" xmlns:p14="http://schemas.microsoft.com/office/powerpoint/2010/main">
-    <mc:Choice Requires="p14">
+  <mc:AlternateContent xmlns:mc="http://schemas.openxmlformats.org/markup-compatibility/2006">
+    <mc:Choice xmlns:p14="http://schemas.microsoft.com/office/powerpoint/2010/main" Requires="p14">
       <p:transition spd="slow" p14:dur="1200" advClick="0" advTm="0">
         <p14:prism/>
       </p:transition>
     </mc:Choice>
-    <mc:Fallback xmlns="">
+    <mc:Fallback>
       <p:transition spd="slow" advClick="0" advTm="0">
         <p:fade/>
       </p:transition>
@@ -32430,6 +33253,13 @@
               </a:rPr>
               <a:t>技术可行性</a:t>
             </a:r>
+            <a:endParaRPr lang="zh-CN" sz="2665" dirty="0">
+              <a:solidFill>
+                <a:srgbClr val="183A5D"/>
+              </a:solidFill>
+              <a:latin typeface="微软雅黑" panose="020B0503020204020204" pitchFamily="34" charset="-122"/>
+              <a:ea typeface="微软雅黑" panose="020B0503020204020204" pitchFamily="34" charset="-122"/>
+            </a:endParaRPr>
           </a:p>
         </p:txBody>
       </p:sp>
@@ -32442,7 +33272,7 @@
           <p:nvPr/>
         </p:nvPicPr>
         <p:blipFill>
-          <a:blip r:embed="rId2"/>
+          <a:blip r:embed="rId1"/>
           <a:stretch>
             <a:fillRect/>
           </a:stretch>
@@ -32483,6 +33313,7 @@
               <a:rPr lang="zh-CN" altLang="en-US"/>
               <a:t>数据流图：</a:t>
             </a:r>
+            <a:endParaRPr lang="zh-CN" altLang="en-US"/>
           </a:p>
         </p:txBody>
       </p:sp>
@@ -32610,8 +33441,8 @@
           <a:p>
             <a:pPr algn="ctr"/>
             <a:r>
-              <a:rPr lang="en-US" sz="2400" dirty="0" smtClean="0"/>
-              <a:t>1</a:t>
+              <a:rPr lang="en-US" sz="2400" dirty="0"/>
+              <a:t>2</a:t>
             </a:r>
             <a:endParaRPr lang="en-US" sz="2400" dirty="0"/>
           </a:p>
@@ -32625,7 +33456,7 @@
         </p:nvSpPr>
         <p:spPr>
           <a:xfrm>
-            <a:off x="2226388" y="159851"/>
+            <a:off x="2206068" y="159851"/>
             <a:ext cx="6052718" cy="501650"/>
           </a:xfrm>
           <a:prstGeom prst="rect">
@@ -32640,42 +33471,25 @@
           <a:lstStyle/>
           <a:p>
             <a:r>
-              <a:rPr lang="zh-CN" sz="2665" dirty="0">
+              <a:rPr lang="zh-CN" sz="2665" dirty="0" smtClean="0">
                 <a:solidFill>
                   <a:srgbClr val="183A5D"/>
                 </a:solidFill>
                 <a:latin typeface="微软雅黑" panose="020B0503020204020204" pitchFamily="34" charset="-122"/>
                 <a:ea typeface="微软雅黑" panose="020B0503020204020204" pitchFamily="34" charset="-122"/>
               </a:rPr>
-              <a:t>技术可行性</a:t>
+              <a:t>经济可行性</a:t>
             </a:r>
+            <a:endParaRPr lang="zh-CN" sz="2665" dirty="0" smtClean="0">
+              <a:solidFill>
+                <a:srgbClr val="183A5D"/>
+              </a:solidFill>
+              <a:latin typeface="微软雅黑" panose="020B0503020204020204" pitchFamily="34" charset="-122"/>
+              <a:ea typeface="微软雅黑" panose="020B0503020204020204" pitchFamily="34" charset="-122"/>
+            </a:endParaRPr>
           </a:p>
         </p:txBody>
       </p:sp>
-      <p:pic>
-        <p:nvPicPr>
-          <p:cNvPr id="5" name="图片 4" descr="a87aad3707a8f079cd81c6812082d44"/>
-          <p:cNvPicPr>
-            <a:picLocks noChangeAspect="1"/>
-          </p:cNvPicPr>
-          <p:nvPr/>
-        </p:nvPicPr>
-        <p:blipFill>
-          <a:blip r:embed="rId2"/>
-          <a:stretch>
-            <a:fillRect/>
-          </a:stretch>
-        </p:blipFill>
-        <p:spPr>
-          <a:xfrm>
-            <a:off x="1605280" y="1487170"/>
-            <a:ext cx="9211310" cy="5191760"/>
-          </a:xfrm>
-          <a:prstGeom prst="rect">
-            <a:avLst/>
-          </a:prstGeom>
-        </p:spPr>
-      </p:pic>
       <p:sp>
         <p:nvSpPr>
           <p:cNvPr id="6" name="文本框 5"/>
@@ -32684,8 +33498,8 @@
         </p:nvSpPr>
         <p:spPr>
           <a:xfrm>
-            <a:off x="1845310" y="950595"/>
-            <a:ext cx="2842260" cy="414020"/>
+            <a:off x="2736850" y="1849755"/>
+            <a:ext cx="6716395" cy="3415030"/>
           </a:xfrm>
           <a:prstGeom prst="rect">
             <a:avLst/>
@@ -32698,10 +33512,57 @@
           </a:bodyPr>
           <a:lstStyle/>
           <a:p>
+            <a:pPr fontAlgn="auto">
+              <a:lnSpc>
+                <a:spcPct val="150000"/>
+              </a:lnSpc>
+            </a:pPr>
             <a:r>
-              <a:rPr lang="zh-CN" altLang="en-US"/>
-              <a:t>系统流程图：</a:t>
+              <a:rPr lang="en-US" altLang="zh-CN" sz="2400">
+                <a:latin typeface="微软雅黑" panose="020B0503020204020204" pitchFamily="34" charset="-122"/>
+                <a:ea typeface="微软雅黑" panose="020B0503020204020204" pitchFamily="34" charset="-122"/>
+              </a:rPr>
+              <a:t>      </a:t>
             </a:r>
+            <a:r>
+              <a:rPr lang="zh-CN" altLang="en-US" sz="2400">
+                <a:latin typeface="微软雅黑" panose="020B0503020204020204" pitchFamily="34" charset="-122"/>
+                <a:ea typeface="微软雅黑" panose="020B0503020204020204" pitchFamily="34" charset="-122"/>
+              </a:rPr>
+              <a:t>由于本软件项目是课程项目，主要目的是为了让组内成员学习软件工程知识，以及对课程作业的完成。  另外，用于开发软件所需要支出的非用由小组成员</a:t>
+            </a:r>
+            <a:r>
+              <a:rPr lang="en-US" altLang="zh-CN" sz="2400">
+                <a:latin typeface="微软雅黑" panose="020B0503020204020204" pitchFamily="34" charset="-122"/>
+                <a:ea typeface="微软雅黑" panose="020B0503020204020204" pitchFamily="34" charset="-122"/>
+              </a:rPr>
+              <a:t>AA</a:t>
+            </a:r>
+            <a:r>
+              <a:rPr lang="zh-CN" altLang="en-US" sz="2400">
+                <a:latin typeface="微软雅黑" panose="020B0503020204020204" pitchFamily="34" charset="-122"/>
+                <a:ea typeface="微软雅黑" panose="020B0503020204020204" pitchFamily="34" charset="-122"/>
+              </a:rPr>
+              <a:t>，完全承担得起。  在不考虑成本</a:t>
+            </a:r>
+            <a:r>
+              <a:rPr lang="en-US" altLang="zh-CN" sz="2400">
+                <a:latin typeface="微软雅黑" panose="020B0503020204020204" pitchFamily="34" charset="-122"/>
+                <a:ea typeface="微软雅黑" panose="020B0503020204020204" pitchFamily="34" charset="-122"/>
+              </a:rPr>
+              <a:t>/</a:t>
+            </a:r>
+            <a:r>
+              <a:rPr lang="zh-CN" altLang="en-US" sz="2400">
+                <a:latin typeface="微软雅黑" panose="020B0503020204020204" pitchFamily="34" charset="-122"/>
+                <a:ea typeface="微软雅黑" panose="020B0503020204020204" pitchFamily="34" charset="-122"/>
+              </a:rPr>
+              <a:t>效益 比的情况下，该项目从经济方面来说可行。</a:t>
+            </a:r>
+            <a:endParaRPr lang="zh-CN" altLang="en-US" sz="2400">
+              <a:latin typeface="微软雅黑" panose="020B0503020204020204" pitchFamily="34" charset="-122"/>
+              <a:ea typeface="微软雅黑" panose="020B0503020204020204" pitchFamily="34" charset="-122"/>
+            </a:endParaRPr>
           </a:p>
         </p:txBody>
       </p:sp>
@@ -32829,9 +33690,10 @@
           <a:p>
             <a:pPr algn="ctr"/>
             <a:r>
-              <a:rPr lang="en-US" sz="2400" dirty="0"/>
-              <a:t>2</a:t>
+              <a:rPr lang="en-US" sz="2400" dirty="0" smtClean="0"/>
+              <a:t>3</a:t>
             </a:r>
+            <a:endParaRPr lang="en-US" sz="2400" dirty="0"/>
           </a:p>
         </p:txBody>
       </p:sp>
@@ -32865,8 +33727,15 @@
                 <a:latin typeface="微软雅黑" panose="020B0503020204020204" pitchFamily="34" charset="-122"/>
                 <a:ea typeface="微软雅黑" panose="020B0503020204020204" pitchFamily="34" charset="-122"/>
               </a:rPr>
-              <a:t>经济可行性</a:t>
+              <a:t>法律可行性</a:t>
             </a:r>
+            <a:endParaRPr lang="zh-CN" sz="2665" dirty="0" smtClean="0">
+              <a:solidFill>
+                <a:srgbClr val="183A5D"/>
+              </a:solidFill>
+              <a:latin typeface="微软雅黑" panose="020B0503020204020204" pitchFamily="34" charset="-122"/>
+              <a:ea typeface="微软雅黑" panose="020B0503020204020204" pitchFamily="34" charset="-122"/>
+            </a:endParaRPr>
           </a:p>
         </p:txBody>
       </p:sp>
@@ -32878,8 +33747,8 @@
         </p:nvSpPr>
         <p:spPr>
           <a:xfrm>
-            <a:off x="2736850" y="1849755"/>
-            <a:ext cx="6716395" cy="3415030"/>
+            <a:off x="2667635" y="2357120"/>
+            <a:ext cx="6716395" cy="2306955"/>
           </a:xfrm>
           <a:prstGeom prst="rect">
             <a:avLst/>
@@ -32902,43 +33771,19 @@
                 <a:latin typeface="微软雅黑" panose="020B0503020204020204" pitchFamily="34" charset="-122"/>
                 <a:ea typeface="微软雅黑" panose="020B0503020204020204" pitchFamily="34" charset="-122"/>
               </a:rPr>
-              <a:t>      </a:t>
+              <a:t>       </a:t>
             </a:r>
             <a:r>
               <a:rPr lang="zh-CN" altLang="en-US" sz="2400">
                 <a:latin typeface="微软雅黑" panose="020B0503020204020204" pitchFamily="34" charset="-122"/>
                 <a:ea typeface="微软雅黑" panose="020B0503020204020204" pitchFamily="34" charset="-122"/>
               </a:rPr>
-              <a:t>由于本软件项目是课程项目，主要目的是为了让组内成员学习软件工程知识，以及对课程作业的完成。  另外，用于开发软件所需要支出的非用由小组成员</a:t>
+              <a:t>所用软件均为开源或者正版软件的试用版，所以本项目在法律因素上并不存在侵犯版权等行为。并且本项目可能并不会涉及到盈利部分，所以出现法律问题的可能性较小。</a:t>
             </a:r>
-            <a:r>
-              <a:rPr lang="en-US" altLang="zh-CN" sz="2400">
-                <a:latin typeface="微软雅黑" panose="020B0503020204020204" pitchFamily="34" charset="-122"/>
-                <a:ea typeface="微软雅黑" panose="020B0503020204020204" pitchFamily="34" charset="-122"/>
-              </a:rPr>
-              <a:t>AA</a:t>
-            </a:r>
-            <a:r>
-              <a:rPr lang="zh-CN" altLang="en-US" sz="2400">
-                <a:latin typeface="微软雅黑" panose="020B0503020204020204" pitchFamily="34" charset="-122"/>
-                <a:ea typeface="微软雅黑" panose="020B0503020204020204" pitchFamily="34" charset="-122"/>
-              </a:rPr>
-              <a:t>，完全承担得起。  在不考虑成本</a:t>
-            </a:r>
-            <a:r>
-              <a:rPr lang="en-US" altLang="zh-CN" sz="2400">
-                <a:latin typeface="微软雅黑" panose="020B0503020204020204" pitchFamily="34" charset="-122"/>
-                <a:ea typeface="微软雅黑" panose="020B0503020204020204" pitchFamily="34" charset="-122"/>
-              </a:rPr>
-              <a:t>/</a:t>
-            </a:r>
-            <a:r>
-              <a:rPr lang="zh-CN" altLang="en-US" sz="2400">
-                <a:latin typeface="微软雅黑" panose="020B0503020204020204" pitchFamily="34" charset="-122"/>
-                <a:ea typeface="微软雅黑" panose="020B0503020204020204" pitchFamily="34" charset="-122"/>
-              </a:rPr>
-              <a:t>效益 比的情况下，该项目从经济方面来说可行。</a:t>
-            </a:r>
+            <a:endParaRPr lang="zh-CN" altLang="en-US" sz="2400">
+              <a:latin typeface="微软雅黑" panose="020B0503020204020204" pitchFamily="34" charset="-122"/>
+              <a:ea typeface="微软雅黑" panose="020B0503020204020204" pitchFamily="34" charset="-122"/>
+            </a:endParaRPr>
           </a:p>
         </p:txBody>
       </p:sp>
@@ -33238,11 +34083,9 @@
       </a:bgFillStyleLst>
     </a:fmtScheme>
   </a:themeElements>
-  <a:objectDefaults/>
-  <a:extraClrSchemeLst/>
   <a:extLst>
     <a:ext uri="{05A4C25C-085E-4340-85A3-A5531E510DB2}">
-      <thm15:themeFamily xmlns:thm15="http://schemas.microsoft.com/office/thememl/2012/main" xmlns="" name="Office Theme" id="{62F939B6-93AF-4DB8-9C6B-D6C7DFDC589F}" vid="{4A3C46E8-61CC-4603-A589-7422A47A8E4A}"/>
+      <thm15:themeFamily xmlns:thm15="http://schemas.microsoft.com/office/thememl/2012/main" name="Office Theme" id="{62F939B6-93AF-4DB8-9C6B-D6C7DFDC589F}" vid="{4A3C46E8-61CC-4603-A589-7422A47A8E4A}"/>
     </a:ext>
   </a:extLst>
 </a:theme>
@@ -33528,11 +34371,9 @@
       </a:bgFillStyleLst>
     </a:fmtScheme>
   </a:themeElements>
-  <a:objectDefaults/>
-  <a:extraClrSchemeLst/>
   <a:extLst>
     <a:ext uri="{05A4C25C-085E-4340-85A3-A5531E510DB2}">
-      <thm15:themeFamily xmlns:thm15="http://schemas.microsoft.com/office/thememl/2012/main" xmlns="" name="Office Theme" id="{62F939B6-93AF-4DB8-9C6B-D6C7DFDC589F}" vid="{4A3C46E8-61CC-4603-A589-7422A47A8E4A}"/>
+      <thm15:themeFamily xmlns:thm15="http://schemas.microsoft.com/office/thememl/2012/main" name="Office Theme" id="{62F939B6-93AF-4DB8-9C6B-D6C7DFDC589F}" vid="{4A3C46E8-61CC-4603-A589-7422A47A8E4A}"/>
     </a:ext>
   </a:extLst>
 </a:theme>
@@ -33818,11 +34659,9 @@
       </a:bgFillStyleLst>
     </a:fmtScheme>
   </a:themeElements>
-  <a:objectDefaults/>
-  <a:extraClrSchemeLst/>
   <a:extLst>
     <a:ext uri="{05A4C25C-085E-4340-85A3-A5531E510DB2}">
-      <thm15:themeFamily xmlns:thm15="http://schemas.microsoft.com/office/thememl/2012/main" xmlns="" name="Office Theme" id="{62F939B6-93AF-4DB8-9C6B-D6C7DFDC589F}" vid="{4A3C46E8-61CC-4603-A589-7422A47A8E4A}"/>
+      <thm15:themeFamily xmlns:thm15="http://schemas.microsoft.com/office/thememl/2012/main" name="Office Theme" id="{62F939B6-93AF-4DB8-9C6B-D6C7DFDC589F}" vid="{4A3C46E8-61CC-4603-A589-7422A47A8E4A}"/>
     </a:ext>
   </a:extLst>
 </a:theme>

--- a/SE2018春-G17-项目计划PPT.pptx
+++ b/SE2018春-G17-项目计划PPT.pptx
@@ -5,35 +5,36 @@
     <p:sldMasterId id="2147483648" r:id="rId1"/>
   </p:sldMasterIdLst>
   <p:notesMasterIdLst>
-    <p:notesMasterId r:id="rId4"/>
+    <p:notesMasterId r:id="rId24"/>
   </p:notesMasterIdLst>
   <p:handoutMasterIdLst>
     <p:handoutMasterId r:id="rId25"/>
   </p:handoutMasterIdLst>
   <p:sldIdLst>
-    <p:sldId id="370" r:id="rId3"/>
-    <p:sldId id="418" r:id="rId5"/>
-    <p:sldId id="419" r:id="rId6"/>
-    <p:sldId id="420" r:id="rId7"/>
-    <p:sldId id="405" r:id="rId8"/>
-    <p:sldId id="411" r:id="rId9"/>
-    <p:sldId id="439" r:id="rId10"/>
-    <p:sldId id="450" r:id="rId11"/>
-    <p:sldId id="437" r:id="rId12"/>
-    <p:sldId id="410" r:id="rId13"/>
-    <p:sldId id="412" r:id="rId14"/>
-    <p:sldId id="413" r:id="rId15"/>
-    <p:sldId id="364" r:id="rId16"/>
-    <p:sldId id="408" r:id="rId17"/>
-    <p:sldId id="406" r:id="rId18"/>
-    <p:sldId id="409" r:id="rId19"/>
-    <p:sldId id="407" r:id="rId20"/>
-    <p:sldId id="452" r:id="rId21"/>
-    <p:sldId id="453" r:id="rId22"/>
-    <p:sldId id="451" r:id="rId23"/>
-    <p:sldId id="436" r:id="rId24"/>
+    <p:sldId id="370" r:id="rId2"/>
+    <p:sldId id="418" r:id="rId3"/>
+    <p:sldId id="419" r:id="rId4"/>
+    <p:sldId id="420" r:id="rId5"/>
+    <p:sldId id="405" r:id="rId6"/>
+    <p:sldId id="411" r:id="rId7"/>
+    <p:sldId id="439" r:id="rId8"/>
+    <p:sldId id="450" r:id="rId9"/>
+    <p:sldId id="437" r:id="rId10"/>
+    <p:sldId id="410" r:id="rId11"/>
+    <p:sldId id="412" r:id="rId12"/>
+    <p:sldId id="413" r:id="rId13"/>
+    <p:sldId id="364" r:id="rId14"/>
+    <p:sldId id="408" r:id="rId15"/>
+    <p:sldId id="406" r:id="rId16"/>
+    <p:sldId id="409" r:id="rId17"/>
+    <p:sldId id="407" r:id="rId18"/>
+    <p:sldId id="452" r:id="rId19"/>
+    <p:sldId id="453" r:id="rId20"/>
+    <p:sldId id="455" r:id="rId21"/>
+    <p:sldId id="451" r:id="rId22"/>
+    <p:sldId id="436" r:id="rId23"/>
   </p:sldIdLst>
-  <p:sldSz cx="12190095" cy="6859270"/>
+  <p:sldSz cx="12190413" cy="6859588"/>
   <p:notesSz cx="6858000" cy="9144000"/>
   <p:defaultTextStyle>
     <a:defPPr>
@@ -215,6 +216,7 @@
           <a:p>
             <a:fld id="{5D1C15E6-6BD2-4E4B-B1D4-218C26E1B228}" type="datetimeFigureOut">
               <a:rPr lang="zh-CN" altLang="en-US" smtClean="0"/>
+              <a:t>2018/3/25</a:t>
             </a:fld>
             <a:endParaRPr lang="zh-CN" altLang="en-US"/>
           </a:p>
@@ -280,12 +282,18 @@
           <a:p>
             <a:fld id="{E655EDCA-2189-4435-B38B-6F3C2C044356}" type="slidenum">
               <a:rPr lang="zh-CN" altLang="en-US" smtClean="0"/>
+              <a:t>‹#›</a:t>
             </a:fld>
             <a:endParaRPr lang="zh-CN" altLang="en-US"/>
           </a:p>
         </p:txBody>
       </p:sp>
     </p:spTree>
+    <p:extLst>
+      <p:ext uri="{BB962C8B-B14F-4D97-AF65-F5344CB8AC3E}">
+        <p14:creationId xmlns:p14="http://schemas.microsoft.com/office/powerpoint/2010/main" val="2291456244"/>
+      </p:ext>
+    </p:extLst>
   </p:cSld>
   <p:clrMap bg1="lt1" tx1="dk1" bg2="lt2" tx2="dk2" accent1="accent1" accent2="accent2" accent3="accent3" accent4="accent4" accent5="accent5" accent6="accent6" hlink="hlink" folHlink="folHlink"/>
 </p:handoutMaster>
@@ -373,6 +381,7 @@
           <a:p>
             <a:fld id="{0B17430C-5A66-4BD0-A971-34190B6C6019}" type="datetimeFigureOut">
               <a:rPr lang="zh-CN" altLang="en-US" smtClean="0"/>
+              <a:t>2018/3/25</a:t>
             </a:fld>
             <a:endParaRPr lang="zh-CN" altLang="en-US"/>
           </a:p>
@@ -439,7 +448,6 @@
               <a:rPr lang="zh-CN" altLang="en-US" smtClean="0"/>
               <a:t>单击此处编辑母版文本样式</a:t>
             </a:r>
-            <a:endParaRPr lang="zh-CN" altLang="en-US" smtClean="0"/>
           </a:p>
           <a:p>
             <a:pPr lvl="1"/>
@@ -447,7 +455,6 @@
               <a:rPr lang="zh-CN" altLang="en-US" smtClean="0"/>
               <a:t>第二级</a:t>
             </a:r>
-            <a:endParaRPr lang="zh-CN" altLang="en-US" smtClean="0"/>
           </a:p>
           <a:p>
             <a:pPr lvl="2"/>
@@ -455,7 +462,6 @@
               <a:rPr lang="zh-CN" altLang="en-US" smtClean="0"/>
               <a:t>第三级</a:t>
             </a:r>
-            <a:endParaRPr lang="zh-CN" altLang="en-US" smtClean="0"/>
           </a:p>
           <a:p>
             <a:pPr lvl="3"/>
@@ -463,7 +469,6 @@
               <a:rPr lang="zh-CN" altLang="en-US" smtClean="0"/>
               <a:t>第四级</a:t>
             </a:r>
-            <a:endParaRPr lang="zh-CN" altLang="en-US" smtClean="0"/>
           </a:p>
           <a:p>
             <a:pPr lvl="4"/>
@@ -535,12 +540,18 @@
           <a:p>
             <a:fld id="{74AC173A-3DA8-4893-B28A-1E15F55C330A}" type="slidenum">
               <a:rPr lang="zh-CN" altLang="en-US" smtClean="0"/>
+              <a:t>‹#›</a:t>
             </a:fld>
             <a:endParaRPr lang="zh-CN" altLang="en-US"/>
           </a:p>
         </p:txBody>
       </p:sp>
     </p:spTree>
+    <p:extLst>
+      <p:ext uri="{BB962C8B-B14F-4D97-AF65-F5344CB8AC3E}">
+        <p14:creationId xmlns:p14="http://schemas.microsoft.com/office/powerpoint/2010/main" val="3918369639"/>
+      </p:ext>
+    </p:extLst>
   </p:cSld>
   <p:clrMap bg1="lt1" tx1="dk1" bg2="lt2" tx2="dk2" accent1="accent1" accent2="accent2" accent3="accent3" accent4="accent4" accent5="accent5" accent6="accent6" hlink="hlink" folHlink="folHlink"/>
   <p:notesStyle>
@@ -703,6 +714,7 @@
           <a:p>
             <a:fld id="{74AC173A-3DA8-4893-B28A-1E15F55C330A}" type="slidenum">
               <a:rPr lang="zh-CN" altLang="en-US" smtClean="0"/>
+              <a:t>1</a:t>
             </a:fld>
             <a:endParaRPr lang="zh-CN" altLang="en-US"/>
           </a:p>
@@ -781,6 +793,86 @@
           <a:p>
             <a:fld id="{74AC173A-3DA8-4893-B28A-1E15F55C330A}" type="slidenum">
               <a:rPr lang="zh-CN" altLang="en-US" smtClean="0"/>
+              <a:t>21</a:t>
+            </a:fld>
+            <a:endParaRPr lang="zh-CN" altLang="en-US"/>
+          </a:p>
+        </p:txBody>
+      </p:sp>
+    </p:spTree>
+  </p:cSld>
+  <p:clrMapOvr>
+    <a:masterClrMapping/>
+  </p:clrMapOvr>
+</p:notes>
+</file>
+
+<file path=ppt/notesSlides/notesSlide11.xml><?xml version="1.0" encoding="utf-8"?>
+<p:notes xmlns:a="http://schemas.openxmlformats.org/drawingml/2006/main" xmlns:r="http://schemas.openxmlformats.org/officeDocument/2006/relationships" xmlns:p="http://schemas.openxmlformats.org/presentationml/2006/main">
+  <p:cSld>
+    <p:spTree>
+      <p:nvGrpSpPr>
+        <p:cNvPr id="1" name=""/>
+        <p:cNvGrpSpPr/>
+        <p:nvPr/>
+      </p:nvGrpSpPr>
+      <p:grpSpPr>
+        <a:xfrm>
+          <a:off x="0" y="0"/>
+          <a:ext cx="0" cy="0"/>
+          <a:chOff x="0" y="0"/>
+          <a:chExt cx="0" cy="0"/>
+        </a:xfrm>
+      </p:grpSpPr>
+      <p:sp>
+        <p:nvSpPr>
+          <p:cNvPr id="2" name="幻灯片图像占位符 1"/>
+          <p:cNvSpPr>
+            <a:spLocks noGrp="1" noRot="1" noChangeAspect="1"/>
+          </p:cNvSpPr>
+          <p:nvPr>
+            <p:ph type="sldImg"/>
+          </p:nvPr>
+        </p:nvSpPr>
+        <p:spPr/>
+      </p:sp>
+      <p:sp>
+        <p:nvSpPr>
+          <p:cNvPr id="3" name="备注占位符 2"/>
+          <p:cNvSpPr>
+            <a:spLocks noGrp="1"/>
+          </p:cNvSpPr>
+          <p:nvPr>
+            <p:ph type="body" idx="1"/>
+          </p:nvPr>
+        </p:nvSpPr>
+        <p:spPr/>
+        <p:txBody>
+          <a:bodyPr/>
+          <a:lstStyle/>
+          <a:p>
+            <a:endParaRPr lang="zh-CN" altLang="en-US"/>
+          </a:p>
+        </p:txBody>
+      </p:sp>
+      <p:sp>
+        <p:nvSpPr>
+          <p:cNvPr id="4" name="灯片编号占位符 3"/>
+          <p:cNvSpPr>
+            <a:spLocks noGrp="1"/>
+          </p:cNvSpPr>
+          <p:nvPr>
+            <p:ph type="sldNum" sz="quarter" idx="10"/>
+          </p:nvPr>
+        </p:nvSpPr>
+        <p:spPr/>
+        <p:txBody>
+          <a:bodyPr/>
+          <a:lstStyle/>
+          <a:p>
+            <a:fld id="{74AC173A-3DA8-4893-B28A-1E15F55C330A}" type="slidenum">
+              <a:rPr lang="zh-CN" altLang="en-US" smtClean="0"/>
+              <a:t>22</a:t>
             </a:fld>
             <a:endParaRPr lang="zh-CN" altLang="en-US"/>
           </a:p>
@@ -859,6 +951,7 @@
           <a:p>
             <a:fld id="{74AC173A-3DA8-4893-B28A-1E15F55C330A}" type="slidenum">
               <a:rPr lang="zh-CN" altLang="en-US" smtClean="0"/>
+              <a:t>2</a:t>
             </a:fld>
             <a:endParaRPr lang="zh-CN" altLang="en-US"/>
           </a:p>
@@ -937,6 +1030,7 @@
           <a:p>
             <a:fld id="{74AC173A-3DA8-4893-B28A-1E15F55C330A}" type="slidenum">
               <a:rPr lang="zh-CN" altLang="en-US" smtClean="0"/>
+              <a:t>3</a:t>
             </a:fld>
             <a:endParaRPr lang="zh-CN" altLang="en-US"/>
           </a:p>
@@ -1015,6 +1109,7 @@
           <a:p>
             <a:fld id="{74AC173A-3DA8-4893-B28A-1E15F55C330A}" type="slidenum">
               <a:rPr lang="zh-CN" altLang="en-US" smtClean="0"/>
+              <a:t>4</a:t>
             </a:fld>
             <a:endParaRPr lang="zh-CN" altLang="en-US"/>
           </a:p>
@@ -1093,6 +1188,7 @@
           <a:p>
             <a:fld id="{6E611DA1-5E4C-4157-8D98-35F52756B2FB}" type="slidenum">
               <a:rPr lang="zh-CN" altLang="en-US" smtClean="0"/>
+              <a:t>5</a:t>
             </a:fld>
             <a:endParaRPr lang="zh-CN" altLang="en-US"/>
           </a:p>
@@ -1171,6 +1267,7 @@
           <a:p>
             <a:fld id="{74AC173A-3DA8-4893-B28A-1E15F55C330A}" type="slidenum">
               <a:rPr lang="zh-CN" altLang="en-US" smtClean="0"/>
+              <a:t>6</a:t>
             </a:fld>
             <a:endParaRPr lang="zh-CN" altLang="en-US"/>
           </a:p>
@@ -1249,6 +1346,7 @@
           <a:p>
             <a:fld id="{74AC173A-3DA8-4893-B28A-1E15F55C330A}" type="slidenum">
               <a:rPr lang="zh-CN" altLang="en-US" smtClean="0"/>
+              <a:t>10</a:t>
             </a:fld>
             <a:endParaRPr lang="zh-CN" altLang="en-US"/>
           </a:p>
@@ -1327,6 +1425,7 @@
           <a:p>
             <a:fld id="{74AC173A-3DA8-4893-B28A-1E15F55C330A}" type="slidenum">
               <a:rPr lang="zh-CN" altLang="en-US" smtClean="0"/>
+              <a:t>13</a:t>
             </a:fld>
             <a:endParaRPr lang="zh-CN" altLang="en-US"/>
           </a:p>
@@ -1405,6 +1504,7 @@
           <a:p>
             <a:fld id="{74AC173A-3DA8-4893-B28A-1E15F55C330A}" type="slidenum">
               <a:rPr lang="zh-CN" altLang="en-US" smtClean="0"/>
+              <a:t>20</a:t>
             </a:fld>
             <a:endParaRPr lang="zh-CN" altLang="en-US"/>
           </a:p>
@@ -1616,6 +1716,7 @@
                 <a:latin typeface="微软雅黑" panose="020B0503020204020204" pitchFamily="34" charset="-122"/>
                 <a:ea typeface="微软雅黑" panose="020B0503020204020204" pitchFamily="34" charset="-122"/>
               </a:rPr>
+              <a:t>‹#›</a:t>
             </a:fld>
             <a:r>
               <a:rPr lang="zh-CN" altLang="en-US" sz="1800" dirty="0" smtClean="0">
@@ -2545,6 +2646,7 @@
           <a:p>
             <a:fld id="{530820CF-B880-4189-942D-D702A7CBA730}" type="datetimeFigureOut">
               <a:rPr lang="zh-CN" altLang="en-US" smtClean="0"/>
+              <a:t>2018/3/25</a:t>
             </a:fld>
             <a:endParaRPr lang="zh-CN" altLang="en-US"/>
           </a:p>
@@ -2602,6 +2704,7 @@
           <a:p>
             <a:fld id="{0C913308-F349-4B6D-A68A-DD1791B4A57B}" type="slidenum">
               <a:rPr lang="zh-CN" altLang="en-US" smtClean="0"/>
+              <a:t>‹#›</a:t>
             </a:fld>
             <a:endParaRPr lang="zh-CN" altLang="en-US"/>
           </a:p>
@@ -2660,6 +2763,7 @@
           <a:p>
             <a:fld id="{530820CF-B880-4189-942D-D702A7CBA730}" type="datetimeFigureOut">
               <a:rPr lang="zh-CN" altLang="en-US" smtClean="0"/>
+              <a:t>2018/3/25</a:t>
             </a:fld>
             <a:endParaRPr lang="zh-CN" altLang="en-US"/>
           </a:p>
@@ -2717,6 +2821,7 @@
           <a:p>
             <a:fld id="{0C913308-F349-4B6D-A68A-DD1791B4A57B}" type="slidenum">
               <a:rPr lang="zh-CN" altLang="en-US" smtClean="0"/>
+              <a:t>‹#›</a:t>
             </a:fld>
             <a:endParaRPr lang="zh-CN" altLang="en-US"/>
           </a:p>
@@ -3510,13 +3615,6 @@
               </a:rPr>
               <a:t>问酒</a:t>
             </a:r>
-            <a:endParaRPr lang="zh-CN" altLang="en-US" sz="12800" dirty="0">
-              <a:solidFill>
-                <a:srgbClr val="38B1BF"/>
-              </a:solidFill>
-              <a:latin typeface="微软雅黑" panose="020B0503020204020204" pitchFamily="34" charset="-122"/>
-              <a:ea typeface="微软雅黑" panose="020B0503020204020204" pitchFamily="34" charset="-122"/>
-            </a:endParaRPr>
           </a:p>
         </p:txBody>
       </p:sp>
@@ -3608,16 +3706,6 @@
               </a:rPr>
               <a:t>小组</a:t>
             </a:r>
-            <a:endParaRPr lang="zh-CN" altLang="en-US" sz="1900" dirty="0">
-              <a:solidFill>
-                <a:schemeClr val="tx1">
-                  <a:lumMod val="85000"/>
-                  <a:lumOff val="15000"/>
-                </a:schemeClr>
-              </a:solidFill>
-              <a:latin typeface="微软雅黑" panose="020B0503020204020204" pitchFamily="34" charset="-122"/>
-              <a:ea typeface="微软雅黑" panose="020B0503020204020204" pitchFamily="34" charset="-122"/>
-            </a:endParaRPr>
           </a:p>
         </p:txBody>
       </p:sp>
@@ -3681,16 +3769,6 @@
               </a:rPr>
               <a:t>APP</a:t>
             </a:r>
-            <a:endParaRPr lang="en-US" altLang="zh-CN" sz="3600" b="1" dirty="0">
-              <a:solidFill>
-                <a:schemeClr val="tx1">
-                  <a:lumMod val="75000"/>
-                  <a:lumOff val="25000"/>
-                </a:schemeClr>
-              </a:solidFill>
-              <a:latin typeface="微软雅黑" panose="020B0503020204020204" pitchFamily="34" charset="-122"/>
-              <a:ea typeface="微软雅黑" panose="020B0503020204020204" pitchFamily="34" charset="-122"/>
-            </a:endParaRPr>
           </a:p>
         </p:txBody>
       </p:sp>
@@ -3795,16 +3873,6 @@
               </a:rPr>
               <a:t>日</a:t>
             </a:r>
-            <a:endParaRPr lang="zh-CN" altLang="en-US" sz="1900" dirty="0">
-              <a:solidFill>
-                <a:schemeClr val="tx1">
-                  <a:lumMod val="85000"/>
-                  <a:lumOff val="15000"/>
-                </a:schemeClr>
-              </a:solidFill>
-              <a:latin typeface="微软雅黑" panose="020B0503020204020204" pitchFamily="34" charset="-122"/>
-              <a:ea typeface="微软雅黑" panose="020B0503020204020204" pitchFamily="34" charset="-122"/>
-            </a:endParaRPr>
           </a:p>
         </p:txBody>
       </p:sp>
@@ -3852,16 +3920,16 @@
             <a:picLocks noChangeAspect="1"/>
           </p:cNvPicPr>
           <p:nvPr>
-            <a:audioFile r:link="rId1"/>
+            <a:audioFile r:link="rId2"/>
             <p:extLst>
               <p:ext uri="{DAA4B4D4-6D71-4841-9C94-3DE7FCFB9230}">
-                <p14:media xmlns:p14="http://schemas.microsoft.com/office/powerpoint/2010/main" r:embed="rId2"/>
+                <p14:media xmlns:p14="http://schemas.microsoft.com/office/powerpoint/2010/main" r:embed="rId1"/>
               </p:ext>
             </p:extLst>
           </p:nvPr>
         </p:nvPicPr>
         <p:blipFill>
-          <a:blip r:embed="rId3"/>
+          <a:blip r:embed="rId5"/>
           <a:stretch>
             <a:fillRect/>
           </a:stretch>
@@ -3909,14 +3977,6 @@
               </a:rPr>
               <a:t>浙江大学城市学院</a:t>
             </a:r>
-            <a:endParaRPr lang="zh-CN" altLang="en-US" kern="300" spc="2000">
-              <a:solidFill>
-                <a:schemeClr val="tx1"/>
-              </a:solidFill>
-              <a:uFillTx/>
-              <a:latin typeface="+中文标题" charset="0"/>
-              <a:ea typeface="+mj-ea"/>
-            </a:endParaRPr>
           </a:p>
         </p:txBody>
       </p:sp>
@@ -3925,13 +3985,13 @@
   <p:clrMapOvr>
     <a:masterClrMapping/>
   </p:clrMapOvr>
-  <mc:AlternateContent xmlns:mc="http://schemas.openxmlformats.org/markup-compatibility/2006">
-    <mc:Choice xmlns:p14="http://schemas.microsoft.com/office/powerpoint/2010/main" Requires="p14">
+  <mc:AlternateContent xmlns:mc="http://schemas.openxmlformats.org/markup-compatibility/2006" xmlns:p14="http://schemas.microsoft.com/office/powerpoint/2010/main">
+    <mc:Choice Requires="p14">
       <p:transition spd="slow" p14:dur="1600" advClick="0" advTm="0">
         <p:blinds dir="vert"/>
       </p:transition>
     </mc:Choice>
-    <mc:Fallback>
+    <mc:Fallback xmlns="">
       <p:transition spd="slow" advClick="0" advTm="0">
         <p:blinds dir="vert"/>
       </p:transition>
@@ -5007,14 +5067,6 @@
                 </a:rPr>
                 <a:t>社会需求简介</a:t>
               </a:r>
-              <a:endParaRPr lang="zh-CN" altLang="zh-CN" sz="2000" b="1" kern="100" dirty="0">
-                <a:solidFill>
-                  <a:schemeClr val="bg1"/>
-                </a:solidFill>
-                <a:latin typeface="微软雅黑" panose="020B0503020204020204" pitchFamily="34" charset="-122"/>
-                <a:ea typeface="微软雅黑" panose="020B0503020204020204" pitchFamily="34" charset="-122"/>
-                <a:cs typeface="Times New Roman" panose="02020603050405020304" pitchFamily="18" charset="0"/>
-              </a:endParaRPr>
             </a:p>
           </p:txBody>
         </p:sp>
@@ -5194,14 +5246,6 @@
                 </a:rPr>
                 <a:t>对系统的综合要求</a:t>
               </a:r>
-              <a:endParaRPr lang="zh-CN" altLang="zh-CN" sz="2000" b="1" kern="100" dirty="0">
-                <a:solidFill>
-                  <a:schemeClr val="bg1"/>
-                </a:solidFill>
-                <a:latin typeface="微软雅黑" panose="020B0503020204020204" pitchFamily="34" charset="-122"/>
-                <a:ea typeface="微软雅黑" panose="020B0503020204020204" pitchFamily="34" charset="-122"/>
-                <a:cs typeface="Times New Roman" panose="02020603050405020304" pitchFamily="18" charset="0"/>
-              </a:endParaRPr>
             </a:p>
           </p:txBody>
         </p:sp>
@@ -5299,13 +5343,6 @@
               </a:rPr>
               <a:t>需求分析</a:t>
             </a:r>
-            <a:endParaRPr lang="zh-CN" sz="3200" b="1" dirty="0">
-              <a:solidFill>
-                <a:schemeClr val="bg1"/>
-              </a:solidFill>
-              <a:latin typeface="微软雅黑" panose="020B0503020204020204" pitchFamily="34" charset="-122"/>
-              <a:ea typeface="微软雅黑" panose="020B0503020204020204" pitchFamily="34" charset="-122"/>
-            </a:endParaRPr>
           </a:p>
         </p:txBody>
       </p:sp>
@@ -5367,13 +5404,13 @@
   <p:clrMapOvr>
     <a:masterClrMapping/>
   </p:clrMapOvr>
-  <mc:AlternateContent xmlns:mc="http://schemas.openxmlformats.org/markup-compatibility/2006">
-    <mc:Choice xmlns:p14="http://schemas.microsoft.com/office/powerpoint/2010/main" Requires="p14">
+  <mc:AlternateContent xmlns:mc="http://schemas.openxmlformats.org/markup-compatibility/2006" xmlns:p14="http://schemas.microsoft.com/office/powerpoint/2010/main">
+    <mc:Choice Requires="p14">
       <p:transition spd="slow" p14:dur="1200" advClick="0" advTm="0">
         <p14:prism/>
       </p:transition>
     </mc:Choice>
-    <mc:Fallback>
+    <mc:Fallback xmlns="">
       <p:transition spd="slow" advClick="0" advTm="0">
         <p:fade/>
       </p:transition>
@@ -6213,10 +6250,6 @@
               </a:rPr>
               <a:t>需求：</a:t>
             </a:r>
-            <a:endParaRPr lang="zh-CN" altLang="en-US" sz="2400">
-              <a:latin typeface="等线" panose="02010600030101010101" charset="-122"/>
-              <a:ea typeface="等线" panose="02010600030101010101" charset="-122"/>
-            </a:endParaRPr>
           </a:p>
           <a:p>
             <a:r>
@@ -6233,10 +6266,6 @@
               </a:rPr>
               <a:t>人民群众在日常生活中需要了解有关酒的信息</a:t>
             </a:r>
-            <a:endParaRPr lang="zh-CN" altLang="en-US" sz="2400">
-              <a:latin typeface="等线" panose="02010600030101010101" charset="-122"/>
-              <a:ea typeface="等线" panose="02010600030101010101" charset="-122"/>
-            </a:endParaRPr>
           </a:p>
           <a:p>
             <a:r>
@@ -6253,10 +6282,6 @@
               </a:rPr>
               <a:t>酒友们想要分享与获取喝不同酒的经验与体会</a:t>
             </a:r>
-            <a:endParaRPr lang="zh-CN" altLang="en-US" sz="2400">
-              <a:latin typeface="等线" panose="02010600030101010101" charset="-122"/>
-              <a:ea typeface="等线" panose="02010600030101010101" charset="-122"/>
-            </a:endParaRPr>
           </a:p>
         </p:txBody>
       </p:sp>
@@ -6283,38 +6308,33 @@
           <a:lstStyle/>
           <a:p>
             <a:r>
-              <a:rPr lang="zh-CN" altLang="en-US" sz="2400"/>
+              <a:rPr lang="zh-CN" altLang="en-US" sz="2400" dirty="0"/>
               <a:t>背景：</a:t>
             </a:r>
-            <a:endParaRPr lang="zh-CN" altLang="en-US" sz="2400"/>
           </a:p>
           <a:p>
             <a:r>
-              <a:rPr sz="2400"/>
+              <a:rPr sz="2400" dirty="0"/>
               <a:t>1.本项目作为软件工程导论2018春季课程的课程作业。</a:t>
             </a:r>
-            <a:endParaRPr sz="2400"/>
           </a:p>
           <a:p>
             <a:r>
-              <a:rPr sz="2400"/>
+              <a:rPr sz="2400" dirty="0"/>
               <a:t>2.目前市面上缺少关于酒的分享与交流专门的平台的APP</a:t>
             </a:r>
-            <a:endParaRPr sz="2400"/>
           </a:p>
           <a:p>
             <a:r>
-              <a:rPr sz="2400"/>
+              <a:rPr sz="2400" dirty="0"/>
               <a:t>3.软件工程的日益发展</a:t>
             </a:r>
-            <a:endParaRPr sz="2400"/>
           </a:p>
           <a:p>
             <a:r>
-              <a:rPr sz="2400"/>
+              <a:rPr sz="2400" dirty="0"/>
               <a:t>4.酒文化的经久不衰</a:t>
             </a:r>
-            <a:endParaRPr sz="2400"/>
           </a:p>
         </p:txBody>
       </p:sp>
@@ -6445,7 +6465,6 @@
               <a:rPr lang="en-US" sz="2400" dirty="0"/>
               <a:t>2</a:t>
             </a:r>
-            <a:endParaRPr lang="en-US" sz="2400" dirty="0"/>
           </a:p>
         </p:txBody>
       </p:sp>
@@ -6495,11 +6514,17 @@
         <p:nvGraphicFramePr>
           <p:cNvPr id="6" name="表格 5"/>
           <p:cNvGraphicFramePr/>
-          <p:nvPr/>
+          <p:nvPr>
+            <p:extLst>
+              <p:ext uri="{D42A27DB-BD31-4B8C-83A1-F6EECF244321}">
+                <p14:modId xmlns:p14="http://schemas.microsoft.com/office/powerpoint/2010/main" val="2657467953"/>
+              </p:ext>
+            </p:extLst>
+          </p:nvPr>
         </p:nvGraphicFramePr>
         <p:xfrm>
           <a:off x="1828800" y="1159510"/>
-          <a:ext cx="8531860" cy="5303520"/>
+          <a:ext cx="8531860" cy="4983480"/>
         </p:xfrm>
         <a:graphic>
           <a:graphicData uri="http://schemas.openxmlformats.org/drawingml/2006/table">
@@ -6521,10 +6546,9 @@
                         <a:buNone/>
                       </a:pPr>
                       <a:r>
-                        <a:rPr lang="zh-CN" altLang="en-US"/>
+                        <a:rPr lang="zh-CN" altLang="en-US" dirty="0"/>
                         <a:t>类项</a:t>
                       </a:r>
-                      <a:endParaRPr lang="zh-CN" altLang="en-US"/>
                     </a:p>
                   </a:txBody>
                   <a:tcPr/>
@@ -6541,7 +6565,6 @@
                         <a:rPr lang="zh-CN" altLang="en-US"/>
                         <a:t>具体说明</a:t>
                       </a:r>
-                      <a:endParaRPr lang="zh-CN" altLang="en-US"/>
                     </a:p>
                   </a:txBody>
                   <a:tcPr/>
@@ -6560,7 +6583,6 @@
                         <a:rPr lang="zh-CN" altLang="en-US"/>
                         <a:t>功能需求</a:t>
                       </a:r>
-                      <a:endParaRPr lang="zh-CN" altLang="en-US"/>
                     </a:p>
                   </a:txBody>
                   <a:tcPr anchor="ctr"/>
@@ -6577,7 +6599,6 @@
                         <a:rPr lang="zh-CN" altLang="en-US"/>
                         <a:t>登入注册、通过图像识别来查找该酒的相关信息</a:t>
                       </a:r>
-                      <a:endParaRPr lang="zh-CN" altLang="en-US"/>
                     </a:p>
                   </a:txBody>
                   <a:tcPr/>
@@ -6596,7 +6617,6 @@
                         <a:rPr lang="zh-CN" altLang="en-US"/>
                         <a:t>性能需求</a:t>
                       </a:r>
-                      <a:endParaRPr lang="zh-CN" altLang="en-US"/>
                     </a:p>
                   </a:txBody>
                   <a:tcPr anchor="ctr"/>
@@ -6617,7 +6637,6 @@
                         <a:rPr lang="zh-CN" altLang="en-US"/>
                         <a:t>时间特性要求、灵活性</a:t>
                       </a:r>
-                      <a:endParaRPr lang="zh-CN" altLang="en-US"/>
                     </a:p>
                   </a:txBody>
                   <a:tcPr/>
@@ -6636,7 +6655,6 @@
                         <a:rPr lang="zh-CN" altLang="en-US"/>
                         <a:t>输入输出要求</a:t>
                       </a:r>
-                      <a:endParaRPr lang="zh-CN" altLang="en-US"/>
                     </a:p>
                   </a:txBody>
                   <a:tcPr anchor="ctr"/>
@@ -6653,7 +6671,6 @@
                         <a:rPr lang="zh-CN" altLang="en-US"/>
                         <a:t>标明系统数据输出量与控制精度</a:t>
                       </a:r>
-                      <a:endParaRPr lang="zh-CN" altLang="en-US"/>
                     </a:p>
                   </a:txBody>
                   <a:tcPr/>
@@ -6672,7 +6689,6 @@
                         <a:rPr lang="zh-CN" altLang="en-US"/>
                         <a:t>数据管理能力要求（针对软件系统）</a:t>
                       </a:r>
-                      <a:endParaRPr lang="zh-CN" altLang="en-US"/>
                     </a:p>
                   </a:txBody>
                   <a:tcPr anchor="ctr"/>
@@ -6689,7 +6705,6 @@
                         <a:rPr lang="zh-CN" altLang="en-US"/>
                         <a:t>对生命周期管理的数据量进行估算</a:t>
                       </a:r>
-                      <a:endParaRPr lang="zh-CN" altLang="en-US"/>
                     </a:p>
                   </a:txBody>
                   <a:tcPr/>
@@ -6708,7 +6723,6 @@
                         <a:rPr lang="zh-CN" altLang="en-US"/>
                         <a:t>故障处理要求</a:t>
                       </a:r>
-                      <a:endParaRPr lang="zh-CN" altLang="en-US"/>
                     </a:p>
                   </a:txBody>
                   <a:tcPr anchor="ctr"/>
@@ -6725,7 +6739,6 @@
                         <a:rPr lang="zh-CN" altLang="en-US"/>
                         <a:t>任何时候需要对数据库进行备份</a:t>
                       </a:r>
-                      <a:endParaRPr lang="zh-CN" altLang="en-US"/>
                     </a:p>
                   </a:txBody>
                   <a:tcPr/>
@@ -6744,7 +6757,6 @@
                         <a:rPr lang="zh-CN" altLang="en-US"/>
                         <a:t>可补充性需求</a:t>
                       </a:r>
-                      <a:endParaRPr lang="zh-CN" altLang="en-US"/>
                     </a:p>
                   </a:txBody>
                   <a:tcPr anchor="ctr"/>
@@ -6761,7 +6773,6 @@
                         <a:rPr lang="zh-CN" altLang="en-US"/>
                         <a:t>在编写代码时需要考虑到后续更新工作</a:t>
                       </a:r>
-                      <a:endParaRPr lang="zh-CN" altLang="en-US"/>
                     </a:p>
                   </a:txBody>
                   <a:tcPr/>
@@ -6780,7 +6791,6 @@
                         <a:rPr lang="zh-CN" altLang="en-US"/>
                         <a:t>约束</a:t>
                       </a:r>
-                      <a:endParaRPr lang="zh-CN" altLang="en-US"/>
                     </a:p>
                   </a:txBody>
                   <a:tcPr anchor="ctr"/>
@@ -6794,50 +6804,48 @@
                         <a:buNone/>
                       </a:pPr>
                       <a:r>
-                        <a:rPr lang="zh-CN" altLang="en-US"/>
+                        <a:rPr lang="zh-CN" altLang="en-US" dirty="0"/>
                         <a:t>开发工具</a:t>
                       </a:r>
                       <a:r>
-                        <a:rPr lang="en-US" altLang="zh-CN"/>
+                        <a:rPr lang="en-US" altLang="zh-CN" dirty="0"/>
                         <a:t>Android studio </a:t>
                       </a:r>
                       <a:r>
-                        <a:rPr lang="zh-CN" altLang="en-US"/>
+                        <a:rPr lang="zh-CN" altLang="en-US" dirty="0"/>
                         <a:t>Tensorflow</a:t>
                       </a:r>
-                      <a:endParaRPr lang="zh-CN" altLang="en-US"/>
                     </a:p>
                     <a:p>
                       <a:pPr>
                         <a:buNone/>
                       </a:pPr>
                       <a:r>
-                        <a:rPr lang="zh-CN" altLang="en-US"/>
-                        <a:t>开发环境：</a:t>
+                        <a:rPr lang="zh-CN" altLang="en-US" dirty="0"/>
+                        <a:t>开发环境</a:t>
                       </a:r>
                       <a:r>
-                        <a:rPr lang="en-US" altLang="zh-CN"/>
-                        <a:t>Windows7/Windows10</a:t>
+                        <a:rPr lang="zh-CN" altLang="en-US" dirty="0" smtClean="0"/>
+                        <a:t>：</a:t>
                       </a:r>
                       <a:r>
-                        <a:rPr lang="zh-CN" altLang="en-US"/>
-                        <a:t>（待定）</a:t>
+                        <a:rPr lang="en-US" altLang="zh-CN" dirty="0" smtClean="0"/>
+                        <a:t>Windows10</a:t>
                       </a:r>
-                      <a:endParaRPr lang="zh-CN" altLang="en-US"/>
+                      <a:endParaRPr lang="zh-CN" altLang="en-US" dirty="0"/>
                     </a:p>
                     <a:p>
                       <a:pPr>
                         <a:buNone/>
                       </a:pPr>
                       <a:r>
-                        <a:rPr lang="zh-CN" altLang="en-US"/>
+                        <a:rPr lang="zh-CN" altLang="en-US" dirty="0"/>
                         <a:t>应用运行环境：</a:t>
                       </a:r>
                       <a:r>
-                        <a:rPr lang="en-US" altLang="zh-CN"/>
+                        <a:rPr lang="en-US" altLang="zh-CN" dirty="0"/>
                         <a:t>Android</a:t>
                       </a:r>
-                      <a:endParaRPr lang="en-US" altLang="zh-CN"/>
                     </a:p>
                   </a:txBody>
                   <a:tcPr/>
@@ -7272,14 +7280,6 @@
                 </a:rPr>
                 <a:t>项目资源计划</a:t>
               </a:r>
-              <a:endParaRPr lang="zh-CN" altLang="zh-CN" sz="2000" b="1" kern="100" dirty="0">
-                <a:solidFill>
-                  <a:schemeClr val="bg1"/>
-                </a:solidFill>
-                <a:latin typeface="微软雅黑" panose="020B0503020204020204" pitchFamily="34" charset="-122"/>
-                <a:ea typeface="微软雅黑" panose="020B0503020204020204" pitchFamily="34" charset="-122"/>
-                <a:cs typeface="Times New Roman" panose="02020603050405020304" pitchFamily="18" charset="0"/>
-              </a:endParaRPr>
             </a:p>
           </p:txBody>
         </p:sp>
@@ -7459,14 +7459,6 @@
                 </a:rPr>
                 <a:t>项目风险计划</a:t>
               </a:r>
-              <a:endParaRPr lang="zh-CN" altLang="zh-CN" sz="2000" b="1" kern="100" dirty="0">
-                <a:solidFill>
-                  <a:schemeClr val="bg1"/>
-                </a:solidFill>
-                <a:latin typeface="微软雅黑" panose="020B0503020204020204" pitchFamily="34" charset="-122"/>
-                <a:ea typeface="微软雅黑" panose="020B0503020204020204" pitchFamily="34" charset="-122"/>
-                <a:cs typeface="Times New Roman" panose="02020603050405020304" pitchFamily="18" charset="0"/>
-              </a:endParaRPr>
             </a:p>
           </p:txBody>
         </p:sp>
@@ -7646,14 +7638,6 @@
                 </a:rPr>
                 <a:t>项目初步实施计划</a:t>
               </a:r>
-              <a:endParaRPr lang="zh-CN" altLang="zh-CN" sz="2000" b="1" kern="100" dirty="0">
-                <a:solidFill>
-                  <a:schemeClr val="bg1"/>
-                </a:solidFill>
-                <a:latin typeface="微软雅黑" panose="020B0503020204020204" pitchFamily="34" charset="-122"/>
-                <a:ea typeface="微软雅黑" panose="020B0503020204020204" pitchFamily="34" charset="-122"/>
-                <a:cs typeface="Times New Roman" panose="02020603050405020304" pitchFamily="18" charset="0"/>
-              </a:endParaRPr>
             </a:p>
           </p:txBody>
         </p:sp>
@@ -7751,13 +7735,6 @@
               </a:rPr>
               <a:t>项目计划</a:t>
             </a:r>
-            <a:endParaRPr lang="zh-CN" sz="3200" b="1" dirty="0">
-              <a:solidFill>
-                <a:schemeClr val="bg1"/>
-              </a:solidFill>
-              <a:latin typeface="微软雅黑" panose="020B0503020204020204" pitchFamily="34" charset="-122"/>
-              <a:ea typeface="微软雅黑" panose="020B0503020204020204" pitchFamily="34" charset="-122"/>
-            </a:endParaRPr>
           </a:p>
         </p:txBody>
       </p:sp>
@@ -7819,13 +7796,13 @@
   <p:clrMapOvr>
     <a:masterClrMapping/>
   </p:clrMapOvr>
-  <mc:AlternateContent xmlns:mc="http://schemas.openxmlformats.org/markup-compatibility/2006">
-    <mc:Choice xmlns:p14="http://schemas.microsoft.com/office/powerpoint/2010/main" Requires="p14">
+  <mc:AlternateContent xmlns:mc="http://schemas.openxmlformats.org/markup-compatibility/2006" xmlns:p14="http://schemas.microsoft.com/office/powerpoint/2010/main">
+    <mc:Choice Requires="p14">
       <p:transition spd="slow" p14:dur="1200" advClick="0" advTm="0">
         <p14:prism/>
       </p:transition>
     </mc:Choice>
-    <mc:Fallback>
+    <mc:Fallback xmlns="">
       <p:transition spd="slow" advClick="0" advTm="0">
         <p:fade/>
       </p:transition>
@@ -8811,7 +8788,6 @@
                         <a:rPr lang="zh-CN" altLang="en-US"/>
                         <a:t>必要活动</a:t>
                       </a:r>
-                      <a:endParaRPr lang="zh-CN" altLang="en-US"/>
                     </a:p>
                   </a:txBody>
                   <a:tcPr/>
@@ -8828,7 +8804,6 @@
                         <a:rPr lang="zh-CN" altLang="en-US"/>
                         <a:t>具体目标</a:t>
                       </a:r>
-                      <a:endParaRPr lang="zh-CN" altLang="en-US"/>
                     </a:p>
                   </a:txBody>
                   <a:tcPr/>
@@ -8847,7 +8822,6 @@
                         <a:rPr lang="zh-CN" altLang="en-US"/>
                         <a:t>项目前期准备</a:t>
                       </a:r>
-                      <a:endParaRPr lang="zh-CN" altLang="en-US"/>
                     </a:p>
                   </a:txBody>
                   <a:tcPr/>
@@ -8864,7 +8838,6 @@
                         <a:rPr lang="zh-CN" altLang="en-US"/>
                         <a:t>制定项目初步计划</a:t>
                       </a:r>
-                      <a:endParaRPr lang="zh-CN" altLang="en-US"/>
                     </a:p>
                   </a:txBody>
                   <a:tcPr/>
@@ -8883,7 +8856,6 @@
                         <a:rPr lang="zh-CN" altLang="en-US"/>
                         <a:t>可行性分析</a:t>
                       </a:r>
-                      <a:endParaRPr lang="zh-CN" altLang="en-US"/>
                     </a:p>
                   </a:txBody>
                   <a:tcPr/>
@@ -8900,7 +8872,6 @@
                         <a:rPr lang="zh-CN" altLang="en-US"/>
                         <a:t>可行性分析报告</a:t>
                       </a:r>
-                      <a:endParaRPr lang="zh-CN" altLang="en-US"/>
                     </a:p>
                   </a:txBody>
                   <a:tcPr/>
@@ -8919,7 +8890,6 @@
                         <a:rPr lang="zh-CN" altLang="en-US"/>
                         <a:t>需求分析</a:t>
                       </a:r>
-                      <a:endParaRPr lang="zh-CN" altLang="en-US"/>
                     </a:p>
                   </a:txBody>
                   <a:tcPr/>
@@ -8940,7 +8910,6 @@
                         <a:rPr lang="en-US" altLang="zh-CN"/>
                         <a:t>SRS</a:t>
                       </a:r>
-                      <a:endParaRPr lang="en-US" altLang="zh-CN"/>
                     </a:p>
                   </a:txBody>
                   <a:tcPr/>
@@ -8959,7 +8928,6 @@
                         <a:rPr lang="zh-CN" altLang="en-US"/>
                         <a:t>总体设计</a:t>
                       </a:r>
-                      <a:endParaRPr lang="zh-CN" altLang="en-US"/>
                     </a:p>
                   </a:txBody>
                   <a:tcPr/>
@@ -8976,7 +8944,6 @@
                         <a:rPr lang="zh-CN" altLang="en-US"/>
                         <a:t>系统说明报告，软件结构实现计划，测试计划，总体设计报告</a:t>
                       </a:r>
-                      <a:endParaRPr lang="zh-CN" altLang="en-US"/>
                     </a:p>
                   </a:txBody>
                   <a:tcPr/>
@@ -8995,7 +8962,6 @@
                         <a:rPr lang="zh-CN" altLang="en-US"/>
                         <a:t>详细设计</a:t>
                       </a:r>
-                      <a:endParaRPr lang="zh-CN" altLang="en-US"/>
                     </a:p>
                   </a:txBody>
                   <a:tcPr/>
@@ -9012,7 +8978,6 @@
                         <a:rPr lang="zh-CN" altLang="en-US"/>
                         <a:t>详细设计报告</a:t>
                       </a:r>
-                      <a:endParaRPr lang="zh-CN" altLang="en-US"/>
                     </a:p>
                   </a:txBody>
                   <a:tcPr/>
@@ -9031,7 +8996,6 @@
                         <a:rPr lang="zh-CN" altLang="en-US"/>
                         <a:t>项目实现</a:t>
                       </a:r>
-                      <a:endParaRPr lang="zh-CN" altLang="en-US"/>
                     </a:p>
                   </a:txBody>
                   <a:tcPr/>
@@ -9048,7 +9012,6 @@
                         <a:rPr lang="zh-CN" altLang="en-US"/>
                         <a:t>项目实现计划，安装部署计划</a:t>
                       </a:r>
-                      <a:endParaRPr lang="zh-CN" altLang="en-US"/>
                     </a:p>
                   </a:txBody>
                   <a:tcPr/>
@@ -9067,7 +9030,6 @@
                         <a:rPr lang="zh-CN" altLang="en-US"/>
                         <a:t>项目总结</a:t>
                       </a:r>
-                      <a:endParaRPr lang="zh-CN" altLang="en-US"/>
                     </a:p>
                   </a:txBody>
                   <a:tcPr/>
@@ -9084,7 +9046,6 @@
                         <a:rPr lang="zh-CN" altLang="en-US"/>
                         <a:t>项目总结报告，系统测试报告</a:t>
                       </a:r>
-                      <a:endParaRPr lang="zh-CN" altLang="en-US"/>
                     </a:p>
                   </a:txBody>
                   <a:tcPr/>
@@ -9257,13 +9218,6 @@
               </a:rPr>
               <a:t>项目资源计划</a:t>
             </a:r>
-            <a:endParaRPr lang="zh-CN" altLang="en-US" sz="2665" dirty="0" smtClean="0">
-              <a:solidFill>
-                <a:srgbClr val="183A5D"/>
-              </a:solidFill>
-              <a:latin typeface="微软雅黑" panose="020B0503020204020204" pitchFamily="34" charset="-122"/>
-              <a:ea typeface="微软雅黑" panose="020B0503020204020204" pitchFamily="34" charset="-122"/>
-            </a:endParaRPr>
           </a:p>
         </p:txBody>
       </p:sp>
@@ -9317,7 +9271,6 @@
                         <a:rPr lang="zh-CN" altLang="en-US"/>
                         <a:t>周一</a:t>
                       </a:r>
-                      <a:endParaRPr lang="zh-CN" altLang="en-US"/>
                     </a:p>
                   </a:txBody>
                   <a:tcPr/>
@@ -9334,7 +9287,6 @@
                         <a:rPr lang="zh-CN" altLang="en-US"/>
                         <a:t>周二</a:t>
                       </a:r>
-                      <a:endParaRPr lang="zh-CN" altLang="en-US"/>
                     </a:p>
                   </a:txBody>
                   <a:tcPr/>
@@ -9351,7 +9303,6 @@
                         <a:rPr lang="zh-CN" altLang="en-US"/>
                         <a:t>周三</a:t>
                       </a:r>
-                      <a:endParaRPr lang="zh-CN" altLang="en-US"/>
                     </a:p>
                   </a:txBody>
                   <a:tcPr/>
@@ -9368,7 +9319,6 @@
                         <a:rPr lang="zh-CN" altLang="en-US"/>
                         <a:t>周四</a:t>
                       </a:r>
-                      <a:endParaRPr lang="zh-CN" altLang="en-US"/>
                     </a:p>
                   </a:txBody>
                   <a:tcPr/>
@@ -9385,7 +9335,6 @@
                         <a:rPr lang="zh-CN" altLang="en-US"/>
                         <a:t>周五</a:t>
                       </a:r>
-                      <a:endParaRPr lang="zh-CN" altLang="en-US"/>
                     </a:p>
                   </a:txBody>
                   <a:tcPr/>
@@ -9408,7 +9357,6 @@
                         <a:rPr lang="en-US" altLang="zh-CN"/>
                         <a:t>1-2</a:t>
                       </a:r>
-                      <a:endParaRPr lang="en-US" altLang="zh-CN"/>
                     </a:p>
                   </a:txBody>
                   <a:tcPr/>
@@ -9445,7 +9393,6 @@
                         <a:rPr lang="zh-CN" altLang="en-US"/>
                         <a:t>，陈</a:t>
                       </a:r>
-                      <a:endParaRPr lang="zh-CN" altLang="en-US"/>
                     </a:p>
                   </a:txBody>
                   <a:tcPr/>
@@ -9470,7 +9417,6 @@
                         <a:rPr lang="zh-CN" altLang="en-US"/>
                         <a:t>，陈</a:t>
                       </a:r>
-                      <a:endParaRPr lang="zh-CN" altLang="en-US"/>
                     </a:p>
                   </a:txBody>
                   <a:tcPr/>
@@ -9500,7 +9446,6 @@
                         <a:rPr lang="zh-CN" altLang="en-US"/>
                         <a:t>陈</a:t>
                       </a:r>
-                      <a:endParaRPr lang="zh-CN" altLang="en-US"/>
                     </a:p>
                   </a:txBody>
                   <a:tcPr/>
@@ -9537,7 +9482,6 @@
                         <a:rPr lang="zh-CN" altLang="en-US"/>
                         <a:t>，陈</a:t>
                       </a:r>
-                      <a:endParaRPr lang="zh-CN" altLang="en-US"/>
                     </a:p>
                   </a:txBody>
                   <a:tcPr/>
@@ -9560,7 +9504,6 @@
                         <a:rPr lang="en-US" altLang="zh-CN"/>
                         <a:t>3-4</a:t>
                       </a:r>
-                      <a:endParaRPr lang="en-US" altLang="zh-CN"/>
                     </a:p>
                   </a:txBody>
                   <a:tcPr/>
@@ -9637,7 +9580,6 @@
                         <a:rPr lang="zh-CN" altLang="en-US"/>
                         <a:t>，陈</a:t>
                       </a:r>
-                      <a:endParaRPr lang="zh-CN" altLang="en-US"/>
                     </a:p>
                   </a:txBody>
                   <a:tcPr/>
@@ -9660,7 +9602,6 @@
                         <a:rPr lang="en-US" altLang="zh-CN"/>
                         <a:t>1-2</a:t>
                       </a:r>
-                      <a:endParaRPr lang="en-US" altLang="zh-CN"/>
                     </a:p>
                   </a:txBody>
                   <a:tcPr/>
@@ -9703,7 +9644,6 @@
                         <a:rPr lang="zh-CN" altLang="en-US"/>
                         <a:t>陈</a:t>
                       </a:r>
-                      <a:endParaRPr lang="zh-CN" altLang="en-US"/>
                     </a:p>
                   </a:txBody>
                   <a:tcPr/>
@@ -9724,11 +9664,6 @@
                         </a:rPr>
                         <a:t>黄</a:t>
                       </a:r>
-                      <a:endParaRPr lang="zh-CN" altLang="en-US">
-                        <a:solidFill>
-                          <a:srgbClr val="00B0F0"/>
-                        </a:solidFill>
-                      </a:endParaRPr>
                     </a:p>
                   </a:txBody>
                   <a:tcPr/>
@@ -9765,7 +9700,6 @@
                         <a:rPr lang="zh-CN" altLang="en-US"/>
                         <a:t>，陈</a:t>
                       </a:r>
-                      <a:endParaRPr lang="zh-CN" altLang="en-US"/>
                     </a:p>
                   </a:txBody>
                   <a:tcPr/>
@@ -9788,7 +9722,6 @@
                         <a:rPr lang="en-US" altLang="zh-CN"/>
                         <a:t>3-4</a:t>
                       </a:r>
-                      <a:endParaRPr lang="en-US" altLang="zh-CN"/>
                     </a:p>
                   </a:txBody>
                   <a:tcPr/>
@@ -9825,7 +9758,6 @@
                         <a:rPr lang="zh-CN" altLang="en-US"/>
                         <a:t>，陈</a:t>
                       </a:r>
-                      <a:endParaRPr lang="zh-CN" altLang="en-US"/>
                     </a:p>
                   </a:txBody>
                   <a:tcPr/>
@@ -9901,7 +9833,6 @@
                         <a:rPr lang="zh-CN" altLang="en-US"/>
                         <a:t>，陈</a:t>
                       </a:r>
-                      <a:endParaRPr lang="zh-CN" altLang="en-US"/>
                     </a:p>
                   </a:txBody>
                   <a:tcPr/>
@@ -9920,7 +9851,6 @@
                         <a:rPr lang="zh-CN" altLang="en-US"/>
                         <a:t>晚上</a:t>
                       </a:r>
-                      <a:endParaRPr lang="zh-CN" altLang="en-US"/>
                     </a:p>
                   </a:txBody>
                   <a:tcPr/>
@@ -10000,7 +9930,6 @@
                         <a:rPr lang="zh-CN" altLang="en-US"/>
                         <a:t>，陈</a:t>
                       </a:r>
-                      <a:endParaRPr lang="zh-CN" altLang="en-US"/>
                     </a:p>
                   </a:txBody>
                   <a:tcPr/>
@@ -10037,7 +9966,6 @@
                         <a:rPr lang="zh-CN" altLang="en-US"/>
                         <a:t>，陈</a:t>
                       </a:r>
-                      <a:endParaRPr lang="zh-CN" altLang="en-US"/>
                     </a:p>
                   </a:txBody>
                   <a:tcPr/>
@@ -10074,7 +10002,6 @@
                         <a:rPr lang="zh-CN" altLang="en-US"/>
                         <a:t>，陈</a:t>
                       </a:r>
-                      <a:endParaRPr lang="zh-CN" altLang="en-US"/>
                     </a:p>
                   </a:txBody>
                   <a:tcPr/>
@@ -10111,7 +10038,6 @@
                         <a:rPr lang="zh-CN" altLang="en-US"/>
                         <a:t>，陈</a:t>
                       </a:r>
-                      <a:endParaRPr lang="zh-CN" altLang="en-US"/>
                     </a:p>
                   </a:txBody>
                   <a:tcPr/>
@@ -10147,7 +10073,6 @@
               <a:rPr lang="zh-CN" altLang="en-US"/>
               <a:t>项目成员空余时间表：</a:t>
             </a:r>
-            <a:endParaRPr lang="zh-CN" altLang="en-US"/>
           </a:p>
         </p:txBody>
       </p:sp>
@@ -10278,7 +10203,6 @@
               <a:rPr lang="en-US" sz="2400" dirty="0"/>
               <a:t>3</a:t>
             </a:r>
-            <a:endParaRPr lang="en-US" sz="2400" dirty="0"/>
           </a:p>
         </p:txBody>
       </p:sp>
@@ -10363,7 +10287,7 @@
                         <a:buNone/>
                       </a:pPr>
                       <a:r>
-                        <a:rPr lang="zh-CN" altLang="en-US" sz="1000" b="1">
+                        <a:rPr lang="zh-CN" altLang="en-US" sz="1000" b="1" dirty="0">
                           <a:solidFill>
                             <a:srgbClr val="000000"/>
                           </a:solidFill>
@@ -10373,14 +10297,6 @@
                         </a:rPr>
                         <a:t>项目管理过程</a:t>
                       </a:r>
-                      <a:endParaRPr lang="zh-CN" altLang="en-US" sz="1000" b="1">
-                        <a:solidFill>
-                          <a:srgbClr val="000000"/>
-                        </a:solidFill>
-                        <a:latin typeface="微软雅黑" panose="020B0503020204020204" pitchFamily="34" charset="-122"/>
-                        <a:ea typeface="微软雅黑" panose="020B0503020204020204" pitchFamily="34" charset="-122"/>
-                        <a:cs typeface="宋体" panose="02010600030101010101" pitchFamily="2" charset="-122"/>
-                      </a:endParaRPr>
                     </a:p>
                   </a:txBody>
                   <a:tcPr marL="0" marR="0" marT="0" marB="0" anchor="ctr">
@@ -10444,14 +10360,6 @@
                         </a:rPr>
                         <a:t>风险识别</a:t>
                       </a:r>
-                      <a:endParaRPr lang="zh-CN" altLang="en-US" sz="1200" b="1">
-                        <a:solidFill>
-                          <a:srgbClr val="000000"/>
-                        </a:solidFill>
-                        <a:latin typeface="微软雅黑" panose="020B0503020204020204" pitchFamily="34" charset="-122"/>
-                        <a:ea typeface="微软雅黑" panose="020B0503020204020204" pitchFamily="34" charset="-122"/>
-                        <a:cs typeface="宋体" panose="02010600030101010101" pitchFamily="2" charset="-122"/>
-                      </a:endParaRPr>
                     </a:p>
                   </a:txBody>
                   <a:tcPr marL="0" marR="0" marT="0" marB="0" anchor="ctr">
@@ -10497,6 +10405,13 @@
                   </a:tcPr>
                 </a:tc>
                 <a:tc hMerge="1">
+                  <a:txBody>
+                    <a:bodyPr/>
+                    <a:lstStyle/>
+                    <a:p>
+                      <a:endParaRPr lang="zh-CN"/>
+                    </a:p>
+                  </a:txBody>
                   <a:tcPr>
                     <a:lnR w="15240" cap="flat" cmpd="sng">
                       <a:solidFill>
@@ -10543,14 +10458,6 @@
                         </a:rPr>
                         <a:t>风险评估</a:t>
                       </a:r>
-                      <a:endParaRPr lang="zh-CN" altLang="en-US" sz="1200" b="1">
-                        <a:solidFill>
-                          <a:srgbClr val="000000"/>
-                        </a:solidFill>
-                        <a:latin typeface="微软雅黑" panose="020B0503020204020204" pitchFamily="34" charset="-122"/>
-                        <a:ea typeface="微软雅黑" panose="020B0503020204020204" pitchFamily="34" charset="-122"/>
-                        <a:cs typeface="宋体" panose="02010600030101010101" pitchFamily="2" charset="-122"/>
-                      </a:endParaRPr>
                     </a:p>
                   </a:txBody>
                   <a:tcPr marL="0" marR="0" marT="0" marB="0" anchor="ctr">
@@ -10596,6 +10503,13 @@
                   </a:tcPr>
                 </a:tc>
                 <a:tc hMerge="1">
+                  <a:txBody>
+                    <a:bodyPr/>
+                    <a:lstStyle/>
+                    <a:p>
+                      <a:endParaRPr lang="zh-CN"/>
+                    </a:p>
+                  </a:txBody>
                   <a:tcPr>
                     <a:lnT w="15240" cap="flat" cmpd="sng">
                       <a:solidFill>
@@ -10616,6 +10530,13 @@
                   </a:tcPr>
                 </a:tc>
                 <a:tc hMerge="1">
+                  <a:txBody>
+                    <a:bodyPr/>
+                    <a:lstStyle/>
+                    <a:p>
+                      <a:endParaRPr lang="zh-CN"/>
+                    </a:p>
+                  </a:txBody>
                   <a:tcPr>
                     <a:lnT w="15240" cap="flat" cmpd="sng">
                       <a:solidFill>
@@ -10636,6 +10557,13 @@
                   </a:tcPr>
                 </a:tc>
                 <a:tc hMerge="1">
+                  <a:txBody>
+                    <a:bodyPr/>
+                    <a:lstStyle/>
+                    <a:p>
+                      <a:endParaRPr lang="zh-CN"/>
+                    </a:p>
+                  </a:txBody>
                   <a:tcPr>
                     <a:lnR w="15240" cap="flat" cmpd="sng">
                       <a:solidFill>
@@ -10682,14 +10610,6 @@
                         </a:rPr>
                         <a:t>风险应对措施</a:t>
                       </a:r>
-                      <a:endParaRPr lang="zh-CN" altLang="en-US" sz="1200" b="1">
-                        <a:solidFill>
-                          <a:srgbClr val="000000"/>
-                        </a:solidFill>
-                        <a:latin typeface="微软雅黑" panose="020B0503020204020204" pitchFamily="34" charset="-122"/>
-                        <a:ea typeface="微软雅黑" panose="020B0503020204020204" pitchFamily="34" charset="-122"/>
-                        <a:cs typeface="宋体" panose="02010600030101010101" pitchFamily="2" charset="-122"/>
-                      </a:endParaRPr>
                     </a:p>
                   </a:txBody>
                   <a:tcPr marL="0" marR="0" marT="0" marB="0" anchor="ctr">
@@ -10917,6 +10837,13 @@
               </a:tr>
               <a:tr h="460375">
                 <a:tc vMerge="1">
+                  <a:txBody>
+                    <a:bodyPr/>
+                    <a:lstStyle/>
+                    <a:p>
+                      <a:endParaRPr lang="zh-CN"/>
+                    </a:p>
+                  </a:txBody>
                   <a:tcPr>
                     <a:lnL w="15240" cap="flat" cmpd="sng">
                       <a:solidFill>
@@ -10963,14 +10890,6 @@
                         </a:rPr>
                         <a:t>潜在的风险事件</a:t>
                       </a:r>
-                      <a:endParaRPr lang="zh-CN" altLang="en-US" sz="1000" b="1">
-                        <a:solidFill>
-                          <a:srgbClr val="000000"/>
-                        </a:solidFill>
-                        <a:latin typeface="微软雅黑" panose="020B0503020204020204" pitchFamily="34" charset="-122"/>
-                        <a:ea typeface="微软雅黑" panose="020B0503020204020204" pitchFamily="34" charset="-122"/>
-                        <a:cs typeface="宋体" panose="02010600030101010101" pitchFamily="2" charset="-122"/>
-                      </a:endParaRPr>
                     </a:p>
                   </a:txBody>
                   <a:tcPr marL="0" marR="0" marT="0" marB="0" anchor="ctr">
@@ -11034,14 +10953,6 @@
                         </a:rPr>
                         <a:t>风险发生的后果</a:t>
                       </a:r>
-                      <a:endParaRPr lang="zh-CN" altLang="en-US" sz="1000" b="1">
-                        <a:solidFill>
-                          <a:srgbClr val="000000"/>
-                        </a:solidFill>
-                        <a:latin typeface="微软雅黑" panose="020B0503020204020204" pitchFamily="34" charset="-122"/>
-                        <a:ea typeface="微软雅黑" panose="020B0503020204020204" pitchFamily="34" charset="-122"/>
-                        <a:cs typeface="宋体" panose="02010600030101010101" pitchFamily="2" charset="-122"/>
-                      </a:endParaRPr>
                     </a:p>
                   </a:txBody>
                   <a:tcPr marL="0" marR="0" marT="0" marB="0" anchor="ctr">
@@ -11105,14 +11016,6 @@
                         </a:rPr>
                         <a:t>可能性</a:t>
                       </a:r>
-                      <a:endParaRPr lang="zh-CN" altLang="en-US" sz="1000" b="1">
-                        <a:solidFill>
-                          <a:srgbClr val="000000"/>
-                        </a:solidFill>
-                        <a:latin typeface="微软雅黑" panose="020B0503020204020204" pitchFamily="34" charset="-122"/>
-                        <a:ea typeface="微软雅黑" panose="020B0503020204020204" pitchFamily="34" charset="-122"/>
-                        <a:cs typeface="宋体" panose="02010600030101010101" pitchFamily="2" charset="-122"/>
-                      </a:endParaRPr>
                     </a:p>
                   </a:txBody>
                   <a:tcPr marL="0" marR="0" marT="0" marB="0" anchor="ctr">
@@ -11176,14 +11079,6 @@
                         </a:rPr>
                         <a:t>严重性</a:t>
                       </a:r>
-                      <a:endParaRPr lang="zh-CN" altLang="en-US" sz="1000" b="1">
-                        <a:solidFill>
-                          <a:srgbClr val="000000"/>
-                        </a:solidFill>
-                        <a:latin typeface="微软雅黑" panose="020B0503020204020204" pitchFamily="34" charset="-122"/>
-                        <a:ea typeface="微软雅黑" panose="020B0503020204020204" pitchFamily="34" charset="-122"/>
-                        <a:cs typeface="宋体" panose="02010600030101010101" pitchFamily="2" charset="-122"/>
-                      </a:endParaRPr>
                     </a:p>
                   </a:txBody>
                   <a:tcPr marL="0" marR="0" marT="0" marB="0" anchor="ctr">
@@ -11247,14 +11142,6 @@
                         </a:rPr>
                         <a:t>不可控性</a:t>
                       </a:r>
-                      <a:endParaRPr lang="zh-CN" altLang="en-US" sz="1000" b="1">
-                        <a:solidFill>
-                          <a:srgbClr val="000000"/>
-                        </a:solidFill>
-                        <a:latin typeface="微软雅黑" panose="020B0503020204020204" pitchFamily="34" charset="-122"/>
-                        <a:ea typeface="微软雅黑" panose="020B0503020204020204" pitchFamily="34" charset="-122"/>
-                        <a:cs typeface="宋体" panose="02010600030101010101" pitchFamily="2" charset="-122"/>
-                      </a:endParaRPr>
                     </a:p>
                   </a:txBody>
                   <a:tcPr marL="0" marR="0" marT="0" marB="0" anchor="ctr">
@@ -11318,14 +11205,6 @@
                         </a:rPr>
                         <a:t>风险等级</a:t>
                       </a:r>
-                      <a:endParaRPr lang="zh-CN" altLang="en-US" sz="1000" b="1">
-                        <a:solidFill>
-                          <a:srgbClr val="000000"/>
-                        </a:solidFill>
-                        <a:latin typeface="微软雅黑" panose="020B0503020204020204" pitchFamily="34" charset="-122"/>
-                        <a:ea typeface="微软雅黑" panose="020B0503020204020204" pitchFamily="34" charset="-122"/>
-                        <a:cs typeface="宋体" panose="02010600030101010101" pitchFamily="2" charset="-122"/>
-                      </a:endParaRPr>
                     </a:p>
                   </a:txBody>
                   <a:tcPr marL="0" marR="0" marT="0" marB="0" anchor="ctr">
@@ -11389,14 +11268,6 @@
                         </a:rPr>
                         <a:t>应对措施</a:t>
                       </a:r>
-                      <a:endParaRPr lang="zh-CN" altLang="en-US" sz="1000" b="1">
-                        <a:solidFill>
-                          <a:srgbClr val="000000"/>
-                        </a:solidFill>
-                        <a:latin typeface="微软雅黑" panose="020B0503020204020204" pitchFamily="34" charset="-122"/>
-                        <a:ea typeface="微软雅黑" panose="020B0503020204020204" pitchFamily="34" charset="-122"/>
-                        <a:cs typeface="宋体" panose="02010600030101010101" pitchFamily="2" charset="-122"/>
-                      </a:endParaRPr>
                     </a:p>
                   </a:txBody>
                   <a:tcPr marL="0" marR="0" marT="0" marB="0" anchor="ctr">
@@ -11460,14 +11331,6 @@
                         </a:rPr>
                         <a:t>事故发生的对策</a:t>
                       </a:r>
-                      <a:endParaRPr lang="zh-CN" altLang="en-US" sz="1000" b="1">
-                        <a:solidFill>
-                          <a:srgbClr val="000000"/>
-                        </a:solidFill>
-                        <a:latin typeface="微软雅黑" panose="020B0503020204020204" pitchFamily="34" charset="-122"/>
-                        <a:ea typeface="微软雅黑" panose="020B0503020204020204" pitchFamily="34" charset="-122"/>
-                        <a:cs typeface="宋体" panose="02010600030101010101" pitchFamily="2" charset="-122"/>
-                      </a:endParaRPr>
                     </a:p>
                   </a:txBody>
                   <a:tcPr marL="0" marR="0" marT="0" marB="0" anchor="ctr">
@@ -11531,14 +11394,6 @@
                         </a:rPr>
                         <a:t>发生次数</a:t>
                       </a:r>
-                      <a:endParaRPr lang="zh-CN" altLang="en-US" sz="1000" b="1">
-                        <a:solidFill>
-                          <a:srgbClr val="000000"/>
-                        </a:solidFill>
-                        <a:latin typeface="微软雅黑" panose="020B0503020204020204" pitchFamily="34" charset="-122"/>
-                        <a:ea typeface="微软雅黑" panose="020B0503020204020204" pitchFamily="34" charset="-122"/>
-                        <a:cs typeface="宋体" panose="02010600030101010101" pitchFamily="2" charset="-122"/>
-                      </a:endParaRPr>
                     </a:p>
                   </a:txBody>
                   <a:tcPr marL="0" marR="0" marT="0" marB="0" anchor="ctr">
@@ -11602,14 +11457,6 @@
                         </a:rPr>
                         <a:t>风险高低</a:t>
                       </a:r>
-                      <a:endParaRPr lang="zh-CN" altLang="en-US" sz="1000" b="1">
-                        <a:solidFill>
-                          <a:srgbClr val="000000"/>
-                        </a:solidFill>
-                        <a:latin typeface="微软雅黑" panose="020B0503020204020204" pitchFamily="34" charset="-122"/>
-                        <a:ea typeface="微软雅黑" panose="020B0503020204020204" pitchFamily="34" charset="-122"/>
-                        <a:cs typeface="宋体" panose="02010600030101010101" pitchFamily="2" charset="-122"/>
-                      </a:endParaRPr>
                     </a:p>
                   </a:txBody>
                   <a:tcPr marL="0" marR="0" marT="0" marB="0" anchor="ctr">
@@ -11675,14 +11522,6 @@
                         </a:rPr>
                         <a:t>组员</a:t>
                       </a:r>
-                      <a:endParaRPr lang="zh-CN" altLang="en-US" sz="1000" b="1">
-                        <a:solidFill>
-                          <a:srgbClr val="000000"/>
-                        </a:solidFill>
-                        <a:latin typeface="微软雅黑" panose="020B0503020204020204" pitchFamily="34" charset="-122"/>
-                        <a:ea typeface="微软雅黑" panose="020B0503020204020204" pitchFamily="34" charset="-122"/>
-                        <a:cs typeface="宋体" panose="02010600030101010101" pitchFamily="2" charset="-122"/>
-                      </a:endParaRPr>
                     </a:p>
                   </a:txBody>
                   <a:tcPr marL="0" marR="0" marT="0" marB="0" anchor="ctr">
@@ -11746,14 +11585,6 @@
                         </a:rPr>
                         <a:t>组员有事情</a:t>
                       </a:r>
-                      <a:endParaRPr lang="zh-CN" altLang="en-US" sz="1000" b="0">
-                        <a:solidFill>
-                          <a:srgbClr val="000000"/>
-                        </a:solidFill>
-                        <a:latin typeface="微软雅黑" panose="020B0503020204020204" pitchFamily="34" charset="-122"/>
-                        <a:ea typeface="微软雅黑" panose="020B0503020204020204" pitchFamily="34" charset="-122"/>
-                        <a:cs typeface="宋体" panose="02010600030101010101" pitchFamily="2" charset="-122"/>
-                      </a:endParaRPr>
                     </a:p>
                   </a:txBody>
                   <a:tcPr marL="0" marR="0" marT="0" marB="0" anchor="ctr">
@@ -11817,14 +11648,6 @@
                         </a:rPr>
                         <a:t>任务不能按时按质完成</a:t>
                       </a:r>
-                      <a:endParaRPr lang="zh-CN" altLang="en-US" sz="1000" b="0">
-                        <a:solidFill>
-                          <a:srgbClr val="000000"/>
-                        </a:solidFill>
-                        <a:latin typeface="微软雅黑" panose="020B0503020204020204" pitchFamily="34" charset="-122"/>
-                        <a:ea typeface="微软雅黑" panose="020B0503020204020204" pitchFamily="34" charset="-122"/>
-                        <a:cs typeface="宋体" panose="02010600030101010101" pitchFamily="2" charset="-122"/>
-                      </a:endParaRPr>
                     </a:p>
                   </a:txBody>
                   <a:tcPr marL="0" marR="0" marT="0" marB="0" anchor="ctr">
@@ -11888,14 +11711,6 @@
                         </a:rPr>
                         <a:t>5</a:t>
                       </a:r>
-                      <a:endParaRPr lang="en-US" altLang="zh-CN" sz="1000" b="0">
-                        <a:solidFill>
-                          <a:srgbClr val="000000"/>
-                        </a:solidFill>
-                        <a:latin typeface="微软雅黑" panose="020B0503020204020204" pitchFamily="34" charset="-122"/>
-                        <a:ea typeface="微软雅黑" panose="020B0503020204020204" pitchFamily="34" charset="-122"/>
-                        <a:cs typeface="宋体" panose="02010600030101010101" pitchFamily="2" charset="-122"/>
-                      </a:endParaRPr>
                     </a:p>
                   </a:txBody>
                   <a:tcPr marL="0" marR="0" marT="0" marB="0" anchor="ctr">
@@ -11959,14 +11774,6 @@
                         </a:rPr>
                         <a:t>9</a:t>
                       </a:r>
-                      <a:endParaRPr lang="en-US" altLang="zh-CN" sz="1000" b="0">
-                        <a:solidFill>
-                          <a:srgbClr val="000000"/>
-                        </a:solidFill>
-                        <a:latin typeface="微软雅黑" panose="020B0503020204020204" pitchFamily="34" charset="-122"/>
-                        <a:ea typeface="微软雅黑" panose="020B0503020204020204" pitchFamily="34" charset="-122"/>
-                        <a:cs typeface="宋体" panose="02010600030101010101" pitchFamily="2" charset="-122"/>
-                      </a:endParaRPr>
                     </a:p>
                   </a:txBody>
                   <a:tcPr marL="0" marR="0" marT="0" marB="0" anchor="ctr">
@@ -12030,14 +11837,6 @@
                         </a:rPr>
                         <a:t>6</a:t>
                       </a:r>
-                      <a:endParaRPr lang="en-US" altLang="zh-CN" sz="1000" b="0">
-                        <a:solidFill>
-                          <a:srgbClr val="000000"/>
-                        </a:solidFill>
-                        <a:latin typeface="微软雅黑" panose="020B0503020204020204" pitchFamily="34" charset="-122"/>
-                        <a:ea typeface="微软雅黑" panose="020B0503020204020204" pitchFamily="34" charset="-122"/>
-                        <a:cs typeface="宋体" panose="02010600030101010101" pitchFamily="2" charset="-122"/>
-                      </a:endParaRPr>
                     </a:p>
                   </a:txBody>
                   <a:tcPr marL="0" marR="0" marT="0" marB="0" anchor="ctr">
@@ -12101,14 +11900,6 @@
                         </a:rPr>
                         <a:t>220</a:t>
                       </a:r>
-                      <a:endParaRPr lang="en-US" altLang="zh-CN" sz="1000" b="0">
-                        <a:solidFill>
-                          <a:srgbClr val="000000"/>
-                        </a:solidFill>
-                        <a:latin typeface="微软雅黑" panose="020B0503020204020204" pitchFamily="34" charset="-122"/>
-                        <a:ea typeface="微软雅黑" panose="020B0503020204020204" pitchFamily="34" charset="-122"/>
-                        <a:cs typeface="宋体" panose="02010600030101010101" pitchFamily="2" charset="-122"/>
-                      </a:endParaRPr>
                     </a:p>
                   </a:txBody>
                   <a:tcPr marL="0" marR="0" marT="0" marB="0" anchor="ctr">
@@ -12172,14 +11963,6 @@
                         </a:rPr>
                         <a:t>提前改变任务的分配，他人顶上</a:t>
                       </a:r>
-                      <a:endParaRPr lang="zh-CN" altLang="en-US" sz="1000" b="0">
-                        <a:solidFill>
-                          <a:srgbClr val="000000"/>
-                        </a:solidFill>
-                        <a:latin typeface="微软雅黑" panose="020B0503020204020204" pitchFamily="34" charset="-122"/>
-                        <a:ea typeface="微软雅黑" panose="020B0503020204020204" pitchFamily="34" charset="-122"/>
-                        <a:cs typeface="宋体" panose="02010600030101010101" pitchFamily="2" charset="-122"/>
-                      </a:endParaRPr>
                     </a:p>
                   </a:txBody>
                   <a:tcPr marL="0" marR="0" marT="0" marB="0" anchor="ctr">
@@ -12243,14 +12026,6 @@
                         </a:rPr>
                         <a:t>有</a:t>
                       </a:r>
-                      <a:endParaRPr lang="zh-CN" altLang="en-US" sz="1000" b="1">
-                        <a:solidFill>
-                          <a:srgbClr val="000000"/>
-                        </a:solidFill>
-                        <a:latin typeface="微软雅黑" panose="020B0503020204020204" pitchFamily="34" charset="-122"/>
-                        <a:ea typeface="微软雅黑" panose="020B0503020204020204" pitchFamily="34" charset="-122"/>
-                        <a:cs typeface="宋体" panose="02010600030101010101" pitchFamily="2" charset="-122"/>
-                      </a:endParaRPr>
                     </a:p>
                   </a:txBody>
                   <a:tcPr marL="0" marR="0" marT="0" marB="0" anchor="ctr">
@@ -12314,14 +12089,6 @@
                         </a:rPr>
                         <a:t>无</a:t>
                       </a:r>
-                      <a:endParaRPr lang="zh-CN" altLang="en-US" sz="1000" b="1">
-                        <a:solidFill>
-                          <a:srgbClr val="000000"/>
-                        </a:solidFill>
-                        <a:latin typeface="微软雅黑" panose="020B0503020204020204" pitchFamily="34" charset="-122"/>
-                        <a:ea typeface="微软雅黑" panose="020B0503020204020204" pitchFamily="34" charset="-122"/>
-                        <a:cs typeface="宋体" panose="02010600030101010101" pitchFamily="2" charset="-122"/>
-                      </a:endParaRPr>
                     </a:p>
                   </a:txBody>
                   <a:tcPr marL="0" marR="0" marT="0" marB="0" anchor="ctr">
@@ -12385,14 +12152,6 @@
                         </a:rPr>
                         <a:t>低</a:t>
                       </a:r>
-                      <a:endParaRPr lang="zh-CN" altLang="en-US" sz="1000" b="1">
-                        <a:solidFill>
-                          <a:srgbClr val="000000"/>
-                        </a:solidFill>
-                        <a:latin typeface="微软雅黑" panose="020B0503020204020204" pitchFamily="34" charset="-122"/>
-                        <a:ea typeface="微软雅黑" panose="020B0503020204020204" pitchFamily="34" charset="-122"/>
-                        <a:cs typeface="宋体" panose="02010600030101010101" pitchFamily="2" charset="-122"/>
-                      </a:endParaRPr>
                     </a:p>
                   </a:txBody>
                   <a:tcPr marL="0" marR="0" marT="0" marB="0" anchor="ctr">
@@ -12440,6 +12199,13 @@
               </a:tr>
               <a:tr h="360045">
                 <a:tc vMerge="1">
+                  <a:txBody>
+                    <a:bodyPr/>
+                    <a:lstStyle/>
+                    <a:p>
+                      <a:endParaRPr lang="zh-CN"/>
+                    </a:p>
+                  </a:txBody>
                   <a:tcPr>
                     <a:lnL w="15240" cap="flat" cmpd="sng">
                       <a:solidFill>
@@ -12478,14 +12244,6 @@
                         </a:rPr>
                         <a:t>组员不能按时完成任务</a:t>
                       </a:r>
-                      <a:endParaRPr lang="zh-CN" altLang="en-US" sz="1000" b="0">
-                        <a:solidFill>
-                          <a:srgbClr val="000000"/>
-                        </a:solidFill>
-                        <a:latin typeface="微软雅黑" panose="020B0503020204020204" pitchFamily="34" charset="-122"/>
-                        <a:ea typeface="微软雅黑" panose="020B0503020204020204" pitchFamily="34" charset="-122"/>
-                        <a:cs typeface="宋体" panose="02010600030101010101" pitchFamily="2" charset="-122"/>
-                      </a:endParaRPr>
                     </a:p>
                   </a:txBody>
                   <a:tcPr marL="0" marR="0" marT="0" marB="0" anchor="ctr">
@@ -12549,14 +12307,6 @@
                         </a:rPr>
                         <a:t>任务不能按时按质完成</a:t>
                       </a:r>
-                      <a:endParaRPr lang="zh-CN" altLang="en-US" sz="1000" b="0">
-                        <a:solidFill>
-                          <a:srgbClr val="000000"/>
-                        </a:solidFill>
-                        <a:latin typeface="微软雅黑" panose="020B0503020204020204" pitchFamily="34" charset="-122"/>
-                        <a:ea typeface="微软雅黑" panose="020B0503020204020204" pitchFamily="34" charset="-122"/>
-                        <a:cs typeface="宋体" panose="02010600030101010101" pitchFamily="2" charset="-122"/>
-                      </a:endParaRPr>
                     </a:p>
                   </a:txBody>
                   <a:tcPr marL="0" marR="0" marT="0" marB="0" anchor="ctr">
@@ -12620,14 +12370,6 @@
                         </a:rPr>
                         <a:t>4</a:t>
                       </a:r>
-                      <a:endParaRPr lang="en-US" altLang="zh-CN" sz="1000" b="0">
-                        <a:solidFill>
-                          <a:srgbClr val="000000"/>
-                        </a:solidFill>
-                        <a:latin typeface="微软雅黑" panose="020B0503020204020204" pitchFamily="34" charset="-122"/>
-                        <a:ea typeface="微软雅黑" panose="020B0503020204020204" pitchFamily="34" charset="-122"/>
-                        <a:cs typeface="宋体" panose="02010600030101010101" pitchFamily="2" charset="-122"/>
-                      </a:endParaRPr>
                     </a:p>
                   </a:txBody>
                   <a:tcPr marL="0" marR="0" marT="0" marB="0" anchor="ctr">
@@ -12691,14 +12433,6 @@
                         </a:rPr>
                         <a:t>9</a:t>
                       </a:r>
-                      <a:endParaRPr lang="en-US" altLang="zh-CN" sz="1000" b="0">
-                        <a:solidFill>
-                          <a:srgbClr val="000000"/>
-                        </a:solidFill>
-                        <a:latin typeface="微软雅黑" panose="020B0503020204020204" pitchFamily="34" charset="-122"/>
-                        <a:ea typeface="微软雅黑" panose="020B0503020204020204" pitchFamily="34" charset="-122"/>
-                        <a:cs typeface="宋体" panose="02010600030101010101" pitchFamily="2" charset="-122"/>
-                      </a:endParaRPr>
                     </a:p>
                   </a:txBody>
                   <a:tcPr marL="0" marR="0" marT="0" marB="0" anchor="ctr">
@@ -12762,14 +12496,6 @@
                         </a:rPr>
                         <a:t>5</a:t>
                       </a:r>
-                      <a:endParaRPr lang="en-US" altLang="zh-CN" sz="1000" b="0">
-                        <a:solidFill>
-                          <a:srgbClr val="000000"/>
-                        </a:solidFill>
-                        <a:latin typeface="微软雅黑" panose="020B0503020204020204" pitchFamily="34" charset="-122"/>
-                        <a:ea typeface="微软雅黑" panose="020B0503020204020204" pitchFamily="34" charset="-122"/>
-                        <a:cs typeface="宋体" panose="02010600030101010101" pitchFamily="2" charset="-122"/>
-                      </a:endParaRPr>
                     </a:p>
                   </a:txBody>
                   <a:tcPr marL="0" marR="0" marT="0" marB="0" anchor="ctr">
@@ -12833,14 +12559,6 @@
                         </a:rPr>
                         <a:t>200</a:t>
                       </a:r>
-                      <a:endParaRPr lang="en-US" altLang="zh-CN" sz="1000" b="0">
-                        <a:solidFill>
-                          <a:srgbClr val="000000"/>
-                        </a:solidFill>
-                        <a:latin typeface="微软雅黑" panose="020B0503020204020204" pitchFamily="34" charset="-122"/>
-                        <a:ea typeface="微软雅黑" panose="020B0503020204020204" pitchFamily="34" charset="-122"/>
-                        <a:cs typeface="宋体" panose="02010600030101010101" pitchFamily="2" charset="-122"/>
-                      </a:endParaRPr>
                     </a:p>
                   </a:txBody>
                   <a:tcPr marL="0" marR="0" marT="0" marB="0" anchor="ctr">
@@ -12904,14 +12622,6 @@
                         </a:rPr>
                         <a:t>其他成员给该成员制定一些培养的计划</a:t>
                       </a:r>
-                      <a:endParaRPr lang="zh-CN" altLang="en-US" sz="1000" b="0">
-                        <a:solidFill>
-                          <a:srgbClr val="000000"/>
-                        </a:solidFill>
-                        <a:latin typeface="微软雅黑" panose="020B0503020204020204" pitchFamily="34" charset="-122"/>
-                        <a:ea typeface="微软雅黑" panose="020B0503020204020204" pitchFamily="34" charset="-122"/>
-                        <a:cs typeface="宋体" panose="02010600030101010101" pitchFamily="2" charset="-122"/>
-                      </a:endParaRPr>
                     </a:p>
                   </a:txBody>
                   <a:tcPr marL="0" marR="0" marT="0" marB="0" anchor="ctr">
@@ -12975,14 +12685,6 @@
                         </a:rPr>
                         <a:t>有</a:t>
                       </a:r>
-                      <a:endParaRPr lang="zh-CN" altLang="en-US" sz="1000" b="1">
-                        <a:solidFill>
-                          <a:srgbClr val="000000"/>
-                        </a:solidFill>
-                        <a:latin typeface="微软雅黑" panose="020B0503020204020204" pitchFamily="34" charset="-122"/>
-                        <a:ea typeface="微软雅黑" panose="020B0503020204020204" pitchFamily="34" charset="-122"/>
-                        <a:cs typeface="宋体" panose="02010600030101010101" pitchFamily="2" charset="-122"/>
-                      </a:endParaRPr>
                     </a:p>
                   </a:txBody>
                   <a:tcPr marL="0" marR="0" marT="0" marB="0" anchor="ctr">
@@ -13046,14 +12748,6 @@
                         </a:rPr>
                         <a:t>无</a:t>
                       </a:r>
-                      <a:endParaRPr lang="zh-CN" altLang="en-US" sz="1000" b="1">
-                        <a:solidFill>
-                          <a:srgbClr val="000000"/>
-                        </a:solidFill>
-                        <a:latin typeface="微软雅黑" panose="020B0503020204020204" pitchFamily="34" charset="-122"/>
-                        <a:ea typeface="微软雅黑" panose="020B0503020204020204" pitchFamily="34" charset="-122"/>
-                        <a:cs typeface="宋体" panose="02010600030101010101" pitchFamily="2" charset="-122"/>
-                      </a:endParaRPr>
                     </a:p>
                   </a:txBody>
                   <a:tcPr marL="0" marR="0" marT="0" marB="0" anchor="ctr">
@@ -13117,14 +12811,6 @@
                         </a:rPr>
                         <a:t>低</a:t>
                       </a:r>
-                      <a:endParaRPr lang="zh-CN" altLang="en-US" sz="1000" b="1">
-                        <a:solidFill>
-                          <a:srgbClr val="000000"/>
-                        </a:solidFill>
-                        <a:latin typeface="微软雅黑" panose="020B0503020204020204" pitchFamily="34" charset="-122"/>
-                        <a:ea typeface="微软雅黑" panose="020B0503020204020204" pitchFamily="34" charset="-122"/>
-                        <a:cs typeface="宋体" panose="02010600030101010101" pitchFamily="2" charset="-122"/>
-                      </a:endParaRPr>
                     </a:p>
                   </a:txBody>
                   <a:tcPr marL="0" marR="0" marT="0" marB="0" anchor="ctr">
@@ -13172,6 +12858,13 @@
               </a:tr>
               <a:tr h="415925">
                 <a:tc vMerge="1">
+                  <a:txBody>
+                    <a:bodyPr/>
+                    <a:lstStyle/>
+                    <a:p>
+                      <a:endParaRPr lang="zh-CN"/>
+                    </a:p>
+                  </a:txBody>
                   <a:tcPr>
                     <a:lnL w="15240" cap="flat" cmpd="sng">
                       <a:solidFill>
@@ -13210,14 +12903,6 @@
                         </a:rPr>
                         <a:t>组员故意不参加讨论与工作</a:t>
                       </a:r>
-                      <a:endParaRPr lang="zh-CN" altLang="en-US" sz="1000" b="0">
-                        <a:solidFill>
-                          <a:srgbClr val="000000"/>
-                        </a:solidFill>
-                        <a:latin typeface="微软雅黑" panose="020B0503020204020204" pitchFamily="34" charset="-122"/>
-                        <a:ea typeface="微软雅黑" panose="020B0503020204020204" pitchFamily="34" charset="-122"/>
-                        <a:cs typeface="宋体" panose="02010600030101010101" pitchFamily="2" charset="-122"/>
-                      </a:endParaRPr>
                     </a:p>
                   </a:txBody>
                   <a:tcPr marL="0" marR="0" marT="0" marB="0" anchor="ctr">
@@ -13281,14 +12966,6 @@
                         </a:rPr>
                         <a:t>其他组员任务太重，时间无法保证</a:t>
                       </a:r>
-                      <a:endParaRPr lang="zh-CN" altLang="en-US" sz="1000" b="0">
-                        <a:solidFill>
-                          <a:srgbClr val="000000"/>
-                        </a:solidFill>
-                        <a:latin typeface="微软雅黑" panose="020B0503020204020204" pitchFamily="34" charset="-122"/>
-                        <a:ea typeface="微软雅黑" panose="020B0503020204020204" pitchFamily="34" charset="-122"/>
-                        <a:cs typeface="宋体" panose="02010600030101010101" pitchFamily="2" charset="-122"/>
-                      </a:endParaRPr>
                     </a:p>
                   </a:txBody>
                   <a:tcPr marL="0" marR="0" marT="0" marB="0" anchor="ctr">
@@ -13352,14 +13029,6 @@
                         </a:rPr>
                         <a:t>1</a:t>
                       </a:r>
-                      <a:endParaRPr lang="en-US" altLang="zh-CN" sz="1000" b="0">
-                        <a:solidFill>
-                          <a:srgbClr val="000000"/>
-                        </a:solidFill>
-                        <a:latin typeface="微软雅黑" panose="020B0503020204020204" pitchFamily="34" charset="-122"/>
-                        <a:ea typeface="微软雅黑" panose="020B0503020204020204" pitchFamily="34" charset="-122"/>
-                        <a:cs typeface="宋体" panose="02010600030101010101" pitchFamily="2" charset="-122"/>
-                      </a:endParaRPr>
                     </a:p>
                   </a:txBody>
                   <a:tcPr marL="0" marR="0" marT="0" marB="0" anchor="ctr">
@@ -13423,14 +13092,6 @@
                         </a:rPr>
                         <a:t>10</a:t>
                       </a:r>
-                      <a:endParaRPr lang="en-US" altLang="zh-CN" sz="1000" b="0">
-                        <a:solidFill>
-                          <a:srgbClr val="000000"/>
-                        </a:solidFill>
-                        <a:latin typeface="微软雅黑" panose="020B0503020204020204" pitchFamily="34" charset="-122"/>
-                        <a:ea typeface="微软雅黑" panose="020B0503020204020204" pitchFamily="34" charset="-122"/>
-                        <a:cs typeface="宋体" panose="02010600030101010101" pitchFamily="2" charset="-122"/>
-                      </a:endParaRPr>
                     </a:p>
                   </a:txBody>
                   <a:tcPr marL="0" marR="0" marT="0" marB="0" anchor="ctr">
@@ -13494,14 +13155,6 @@
                         </a:rPr>
                         <a:t>1</a:t>
                       </a:r>
-                      <a:endParaRPr lang="en-US" altLang="zh-CN" sz="1000" b="0">
-                        <a:solidFill>
-                          <a:srgbClr val="000000"/>
-                        </a:solidFill>
-                        <a:latin typeface="微软雅黑" panose="020B0503020204020204" pitchFamily="34" charset="-122"/>
-                        <a:ea typeface="微软雅黑" panose="020B0503020204020204" pitchFamily="34" charset="-122"/>
-                        <a:cs typeface="宋体" panose="02010600030101010101" pitchFamily="2" charset="-122"/>
-                      </a:endParaRPr>
                     </a:p>
                   </a:txBody>
                   <a:tcPr marL="0" marR="0" marT="0" marB="0" anchor="ctr">
@@ -13565,14 +13218,6 @@
                         </a:rPr>
                         <a:t>10</a:t>
                       </a:r>
-                      <a:endParaRPr lang="en-US" altLang="zh-CN" sz="1000" b="0">
-                        <a:solidFill>
-                          <a:srgbClr val="000000"/>
-                        </a:solidFill>
-                        <a:latin typeface="微软雅黑" panose="020B0503020204020204" pitchFamily="34" charset="-122"/>
-                        <a:ea typeface="微软雅黑" panose="020B0503020204020204" pitchFamily="34" charset="-122"/>
-                        <a:cs typeface="宋体" panose="02010600030101010101" pitchFamily="2" charset="-122"/>
-                      </a:endParaRPr>
                     </a:p>
                   </a:txBody>
                   <a:tcPr marL="0" marR="0" marT="0" marB="0" anchor="ctr">
@@ -13658,14 +13303,6 @@
                         </a:rPr>
                         <a:t>出小组。并且影响小组考评</a:t>
                       </a:r>
-                      <a:endParaRPr lang="zh-CN" altLang="en-US" sz="1000" b="0">
-                        <a:solidFill>
-                          <a:srgbClr val="000000"/>
-                        </a:solidFill>
-                        <a:latin typeface="微软雅黑" panose="020B0503020204020204" pitchFamily="34" charset="-122"/>
-                        <a:ea typeface="微软雅黑" panose="020B0503020204020204" pitchFamily="34" charset="-122"/>
-                        <a:cs typeface="宋体" panose="02010600030101010101" pitchFamily="2" charset="-122"/>
-                      </a:endParaRPr>
                     </a:p>
                   </a:txBody>
                   <a:tcPr marL="0" marR="0" marT="0" marB="0" anchor="ctr">
@@ -13729,14 +13366,6 @@
                         </a:rPr>
                         <a:t>有</a:t>
                       </a:r>
-                      <a:endParaRPr lang="zh-CN" altLang="en-US" sz="1000" b="1">
-                        <a:solidFill>
-                          <a:srgbClr val="000000"/>
-                        </a:solidFill>
-                        <a:latin typeface="微软雅黑" panose="020B0503020204020204" pitchFamily="34" charset="-122"/>
-                        <a:ea typeface="微软雅黑" panose="020B0503020204020204" pitchFamily="34" charset="-122"/>
-                        <a:cs typeface="宋体" panose="02010600030101010101" pitchFamily="2" charset="-122"/>
-                      </a:endParaRPr>
                     </a:p>
                   </a:txBody>
                   <a:tcPr marL="0" marR="0" marT="0" marB="0" anchor="ctr">
@@ -13800,14 +13429,6 @@
                         </a:rPr>
                         <a:t>无</a:t>
                       </a:r>
-                      <a:endParaRPr lang="zh-CN" altLang="en-US" sz="1000" b="1">
-                        <a:solidFill>
-                          <a:srgbClr val="000000"/>
-                        </a:solidFill>
-                        <a:latin typeface="微软雅黑" panose="020B0503020204020204" pitchFamily="34" charset="-122"/>
-                        <a:ea typeface="微软雅黑" panose="020B0503020204020204" pitchFamily="34" charset="-122"/>
-                        <a:cs typeface="宋体" panose="02010600030101010101" pitchFamily="2" charset="-122"/>
-                      </a:endParaRPr>
                     </a:p>
                   </a:txBody>
                   <a:tcPr marL="0" marR="0" marT="0" marB="0" anchor="ctr">
@@ -13871,14 +13492,6 @@
                         </a:rPr>
                         <a:t>低</a:t>
                       </a:r>
-                      <a:endParaRPr lang="zh-CN" altLang="en-US" sz="1000" b="1">
-                        <a:solidFill>
-                          <a:srgbClr val="000000"/>
-                        </a:solidFill>
-                        <a:latin typeface="微软雅黑" panose="020B0503020204020204" pitchFamily="34" charset="-122"/>
-                        <a:ea typeface="微软雅黑" panose="020B0503020204020204" pitchFamily="34" charset="-122"/>
-                        <a:cs typeface="宋体" panose="02010600030101010101" pitchFamily="2" charset="-122"/>
-                      </a:endParaRPr>
                     </a:p>
                   </a:txBody>
                   <a:tcPr marL="0" marR="0" marT="0" marB="0" anchor="ctr">
@@ -13926,6 +13539,13 @@
               </a:tr>
               <a:tr h="448310">
                 <a:tc vMerge="1">
+                  <a:txBody>
+                    <a:bodyPr/>
+                    <a:lstStyle/>
+                    <a:p>
+                      <a:endParaRPr lang="zh-CN"/>
+                    </a:p>
+                  </a:txBody>
                   <a:tcPr>
                     <a:lnL w="15240" cap="flat" cmpd="sng">
                       <a:solidFill>
@@ -13964,14 +13584,6 @@
                         </a:rPr>
                         <a:t>组员能力不平均</a:t>
                       </a:r>
-                      <a:endParaRPr lang="zh-CN" altLang="en-US" sz="1000" b="0">
-                        <a:solidFill>
-                          <a:srgbClr val="000000"/>
-                        </a:solidFill>
-                        <a:latin typeface="微软雅黑" panose="020B0503020204020204" pitchFamily="34" charset="-122"/>
-                        <a:ea typeface="微软雅黑" panose="020B0503020204020204" pitchFamily="34" charset="-122"/>
-                        <a:cs typeface="宋体" panose="02010600030101010101" pitchFamily="2" charset="-122"/>
-                      </a:endParaRPr>
                     </a:p>
                   </a:txBody>
                   <a:tcPr marL="0" marR="0" marT="0" marB="0" anchor="ctr">
@@ -14035,14 +13647,6 @@
                         </a:rPr>
                         <a:t>有的组员能力不行完不成相关任务</a:t>
                       </a:r>
-                      <a:endParaRPr lang="zh-CN" altLang="en-US" sz="1000" b="0">
-                        <a:solidFill>
-                          <a:srgbClr val="000000"/>
-                        </a:solidFill>
-                        <a:latin typeface="微软雅黑" panose="020B0503020204020204" pitchFamily="34" charset="-122"/>
-                        <a:ea typeface="微软雅黑" panose="020B0503020204020204" pitchFamily="34" charset="-122"/>
-                        <a:cs typeface="宋体" panose="02010600030101010101" pitchFamily="2" charset="-122"/>
-                      </a:endParaRPr>
                     </a:p>
                   </a:txBody>
                   <a:tcPr marL="0" marR="0" marT="0" marB="0" anchor="ctr">
@@ -14106,14 +13710,6 @@
                         </a:rPr>
                         <a:t>6</a:t>
                       </a:r>
-                      <a:endParaRPr lang="en-US" altLang="zh-CN" sz="1000" b="0">
-                        <a:solidFill>
-                          <a:srgbClr val="000000"/>
-                        </a:solidFill>
-                        <a:latin typeface="微软雅黑" panose="020B0503020204020204" pitchFamily="34" charset="-122"/>
-                        <a:ea typeface="微软雅黑" panose="020B0503020204020204" pitchFamily="34" charset="-122"/>
-                        <a:cs typeface="宋体" panose="02010600030101010101" pitchFamily="2" charset="-122"/>
-                      </a:endParaRPr>
                     </a:p>
                   </a:txBody>
                   <a:tcPr marL="0" marR="0" marT="0" marB="0" anchor="ctr">
@@ -14177,14 +13773,6 @@
                         </a:rPr>
                         <a:t>9</a:t>
                       </a:r>
-                      <a:endParaRPr lang="en-US" altLang="zh-CN" sz="1000" b="0">
-                        <a:solidFill>
-                          <a:srgbClr val="000000"/>
-                        </a:solidFill>
-                        <a:latin typeface="微软雅黑" panose="020B0503020204020204" pitchFamily="34" charset="-122"/>
-                        <a:ea typeface="微软雅黑" panose="020B0503020204020204" pitchFamily="34" charset="-122"/>
-                        <a:cs typeface="宋体" panose="02010600030101010101" pitchFamily="2" charset="-122"/>
-                      </a:endParaRPr>
                     </a:p>
                   </a:txBody>
                   <a:tcPr marL="0" marR="0" marT="0" marB="0" anchor="ctr">
@@ -14248,14 +13836,6 @@
                         </a:rPr>
                         <a:t>2</a:t>
                       </a:r>
-                      <a:endParaRPr lang="en-US" altLang="zh-CN" sz="1000" b="0">
-                        <a:solidFill>
-                          <a:srgbClr val="000000"/>
-                        </a:solidFill>
-                        <a:latin typeface="微软雅黑" panose="020B0503020204020204" pitchFamily="34" charset="-122"/>
-                        <a:ea typeface="微软雅黑" panose="020B0503020204020204" pitchFamily="34" charset="-122"/>
-                        <a:cs typeface="宋体" panose="02010600030101010101" pitchFamily="2" charset="-122"/>
-                      </a:endParaRPr>
                     </a:p>
                   </a:txBody>
                   <a:tcPr marL="0" marR="0" marT="0" marB="0" anchor="ctr">
@@ -14319,14 +13899,6 @@
                         </a:rPr>
                         <a:t>108</a:t>
                       </a:r>
-                      <a:endParaRPr lang="en-US" altLang="zh-CN" sz="1000" b="0">
-                        <a:solidFill>
-                          <a:srgbClr val="000000"/>
-                        </a:solidFill>
-                        <a:latin typeface="微软雅黑" panose="020B0503020204020204" pitchFamily="34" charset="-122"/>
-                        <a:ea typeface="微软雅黑" panose="020B0503020204020204" pitchFamily="34" charset="-122"/>
-                        <a:cs typeface="宋体" panose="02010600030101010101" pitchFamily="2" charset="-122"/>
-                      </a:endParaRPr>
                     </a:p>
                   </a:txBody>
                   <a:tcPr marL="0" marR="0" marT="0" marB="0" anchor="ctr">
@@ -14390,14 +13962,6 @@
                         </a:rPr>
                         <a:t>由其他能力较强的组员辅导能力较差的组员。对该组员进行提升</a:t>
                       </a:r>
-                      <a:endParaRPr lang="zh-CN" altLang="en-US" sz="1000" b="0">
-                        <a:solidFill>
-                          <a:srgbClr val="000000"/>
-                        </a:solidFill>
-                        <a:latin typeface="微软雅黑" panose="020B0503020204020204" pitchFamily="34" charset="-122"/>
-                        <a:ea typeface="微软雅黑" panose="020B0503020204020204" pitchFamily="34" charset="-122"/>
-                        <a:cs typeface="宋体" panose="02010600030101010101" pitchFamily="2" charset="-122"/>
-                      </a:endParaRPr>
                     </a:p>
                   </a:txBody>
                   <a:tcPr marL="0" marR="0" marT="0" marB="0" anchor="ctr">
@@ -14461,14 +14025,6 @@
                         </a:rPr>
                         <a:t>有</a:t>
                       </a:r>
-                      <a:endParaRPr lang="zh-CN" altLang="en-US" sz="1000" b="1">
-                        <a:solidFill>
-                          <a:srgbClr val="000000"/>
-                        </a:solidFill>
-                        <a:latin typeface="微软雅黑" panose="020B0503020204020204" pitchFamily="34" charset="-122"/>
-                        <a:ea typeface="微软雅黑" panose="020B0503020204020204" pitchFamily="34" charset="-122"/>
-                        <a:cs typeface="宋体" panose="02010600030101010101" pitchFamily="2" charset="-122"/>
-                      </a:endParaRPr>
                     </a:p>
                   </a:txBody>
                   <a:tcPr marL="0" marR="0" marT="0" marB="0" anchor="ctr">
@@ -14532,14 +14088,6 @@
                         </a:rPr>
                         <a:t>无</a:t>
                       </a:r>
-                      <a:endParaRPr lang="zh-CN" altLang="en-US" sz="1000" b="1">
-                        <a:solidFill>
-                          <a:srgbClr val="000000"/>
-                        </a:solidFill>
-                        <a:latin typeface="微软雅黑" panose="020B0503020204020204" pitchFamily="34" charset="-122"/>
-                        <a:ea typeface="微软雅黑" panose="020B0503020204020204" pitchFamily="34" charset="-122"/>
-                        <a:cs typeface="宋体" panose="02010600030101010101" pitchFamily="2" charset="-122"/>
-                      </a:endParaRPr>
                     </a:p>
                   </a:txBody>
                   <a:tcPr marL="0" marR="0" marT="0" marB="0" anchor="ctr">
@@ -14603,14 +14151,6 @@
                         </a:rPr>
                         <a:t>低</a:t>
                       </a:r>
-                      <a:endParaRPr lang="zh-CN" altLang="en-US" sz="1000" b="1">
-                        <a:solidFill>
-                          <a:srgbClr val="000000"/>
-                        </a:solidFill>
-                        <a:latin typeface="微软雅黑" panose="020B0503020204020204" pitchFamily="34" charset="-122"/>
-                        <a:ea typeface="微软雅黑" panose="020B0503020204020204" pitchFamily="34" charset="-122"/>
-                        <a:cs typeface="宋体" panose="02010600030101010101" pitchFamily="2" charset="-122"/>
-                      </a:endParaRPr>
                     </a:p>
                   </a:txBody>
                   <a:tcPr marL="0" marR="0" marT="0" marB="0" anchor="ctr">
@@ -14658,6 +14198,13 @@
               </a:tr>
               <a:tr h="719455">
                 <a:tc vMerge="1">
+                  <a:txBody>
+                    <a:bodyPr/>
+                    <a:lstStyle/>
+                    <a:p>
+                      <a:endParaRPr lang="zh-CN"/>
+                    </a:p>
+                  </a:txBody>
                   <a:tcPr>
                     <a:lnL w="15240" cap="flat" cmpd="sng">
                       <a:solidFill>
@@ -14696,14 +14243,6 @@
                         </a:rPr>
                         <a:t>组员对接下的计划和任务定义不够明确</a:t>
                       </a:r>
-                      <a:endParaRPr lang="zh-CN" altLang="en-US" sz="1000" b="0">
-                        <a:solidFill>
-                          <a:srgbClr val="000000"/>
-                        </a:solidFill>
-                        <a:latin typeface="微软雅黑" panose="020B0503020204020204" pitchFamily="34" charset="-122"/>
-                        <a:ea typeface="微软雅黑" panose="020B0503020204020204" pitchFamily="34" charset="-122"/>
-                        <a:cs typeface="宋体" panose="02010600030101010101" pitchFamily="2" charset="-122"/>
-                      </a:endParaRPr>
                     </a:p>
                   </a:txBody>
                   <a:tcPr marL="0" marR="0" marT="0" marB="0" anchor="ctr">
@@ -14767,14 +14306,6 @@
                         </a:rPr>
                         <a:t>组员不能及时完成任务</a:t>
                       </a:r>
-                      <a:endParaRPr lang="zh-CN" altLang="en-US" sz="1000" b="0">
-                        <a:solidFill>
-                          <a:srgbClr val="000000"/>
-                        </a:solidFill>
-                        <a:latin typeface="微软雅黑" panose="020B0503020204020204" pitchFamily="34" charset="-122"/>
-                        <a:ea typeface="微软雅黑" panose="020B0503020204020204" pitchFamily="34" charset="-122"/>
-                        <a:cs typeface="宋体" panose="02010600030101010101" pitchFamily="2" charset="-122"/>
-                      </a:endParaRPr>
                     </a:p>
                   </a:txBody>
                   <a:tcPr marL="0" marR="0" marT="0" marB="0" anchor="ctr">
@@ -14838,14 +14369,6 @@
                         </a:rPr>
                         <a:t>7</a:t>
                       </a:r>
-                      <a:endParaRPr lang="en-US" altLang="zh-CN" sz="1000" b="0">
-                        <a:solidFill>
-                          <a:srgbClr val="000000"/>
-                        </a:solidFill>
-                        <a:latin typeface="微软雅黑" panose="020B0503020204020204" pitchFamily="34" charset="-122"/>
-                        <a:ea typeface="微软雅黑" panose="020B0503020204020204" pitchFamily="34" charset="-122"/>
-                        <a:cs typeface="宋体" panose="02010600030101010101" pitchFamily="2" charset="-122"/>
-                      </a:endParaRPr>
                     </a:p>
                   </a:txBody>
                   <a:tcPr marL="0" marR="0" marT="0" marB="0" anchor="ctr">
@@ -14909,14 +14432,6 @@
                         </a:rPr>
                         <a:t>7</a:t>
                       </a:r>
-                      <a:endParaRPr lang="en-US" altLang="zh-CN" sz="1000" b="0">
-                        <a:solidFill>
-                          <a:srgbClr val="000000"/>
-                        </a:solidFill>
-                        <a:latin typeface="微软雅黑" panose="020B0503020204020204" pitchFamily="34" charset="-122"/>
-                        <a:ea typeface="微软雅黑" panose="020B0503020204020204" pitchFamily="34" charset="-122"/>
-                        <a:cs typeface="宋体" panose="02010600030101010101" pitchFamily="2" charset="-122"/>
-                      </a:endParaRPr>
                     </a:p>
                   </a:txBody>
                   <a:tcPr marL="0" marR="0" marT="0" marB="0" anchor="ctr">
@@ -14980,14 +14495,6 @@
                         </a:rPr>
                         <a:t>4</a:t>
                       </a:r>
-                      <a:endParaRPr lang="en-US" altLang="zh-CN" sz="1000" b="0">
-                        <a:solidFill>
-                          <a:srgbClr val="000000"/>
-                        </a:solidFill>
-                        <a:latin typeface="微软雅黑" panose="020B0503020204020204" pitchFamily="34" charset="-122"/>
-                        <a:ea typeface="微软雅黑" panose="020B0503020204020204" pitchFamily="34" charset="-122"/>
-                        <a:cs typeface="宋体" panose="02010600030101010101" pitchFamily="2" charset="-122"/>
-                      </a:endParaRPr>
                     </a:p>
                   </a:txBody>
                   <a:tcPr marL="0" marR="0" marT="0" marB="0" anchor="ctr">
@@ -15051,14 +14558,6 @@
                         </a:rPr>
                         <a:t>196</a:t>
                       </a:r>
-                      <a:endParaRPr lang="en-US" altLang="zh-CN" sz="1000" b="0">
-                        <a:solidFill>
-                          <a:srgbClr val="000000"/>
-                        </a:solidFill>
-                        <a:latin typeface="微软雅黑" panose="020B0503020204020204" pitchFamily="34" charset="-122"/>
-                        <a:ea typeface="微软雅黑" panose="020B0503020204020204" pitchFamily="34" charset="-122"/>
-                        <a:cs typeface="宋体" panose="02010600030101010101" pitchFamily="2" charset="-122"/>
-                      </a:endParaRPr>
                     </a:p>
                   </a:txBody>
                   <a:tcPr marL="0" marR="0" marT="0" marB="0" anchor="ctr">
@@ -15122,14 +14621,6 @@
                         </a:rPr>
                         <a:t>由组长沟通班助和老师，真正了解到所要做的事情后再进行任务的分配</a:t>
                       </a:r>
-                      <a:endParaRPr lang="zh-CN" altLang="en-US" sz="1000" b="0">
-                        <a:solidFill>
-                          <a:srgbClr val="000000"/>
-                        </a:solidFill>
-                        <a:latin typeface="微软雅黑" panose="020B0503020204020204" pitchFamily="34" charset="-122"/>
-                        <a:ea typeface="微软雅黑" panose="020B0503020204020204" pitchFamily="34" charset="-122"/>
-                        <a:cs typeface="宋体" panose="02010600030101010101" pitchFamily="2" charset="-122"/>
-                      </a:endParaRPr>
                     </a:p>
                   </a:txBody>
                   <a:tcPr marL="0" marR="0" marT="0" marB="0" anchor="ctr">
@@ -15193,14 +14684,6 @@
                         </a:rPr>
                         <a:t>有</a:t>
                       </a:r>
-                      <a:endParaRPr lang="zh-CN" altLang="en-US" sz="1000" b="1">
-                        <a:solidFill>
-                          <a:srgbClr val="000000"/>
-                        </a:solidFill>
-                        <a:latin typeface="微软雅黑" panose="020B0503020204020204" pitchFamily="34" charset="-122"/>
-                        <a:ea typeface="微软雅黑" panose="020B0503020204020204" pitchFamily="34" charset="-122"/>
-                        <a:cs typeface="宋体" panose="02010600030101010101" pitchFamily="2" charset="-122"/>
-                      </a:endParaRPr>
                     </a:p>
                   </a:txBody>
                   <a:tcPr marL="0" marR="0" marT="0" marB="0" anchor="ctr">
@@ -15264,14 +14747,6 @@
                         </a:rPr>
                         <a:t>无</a:t>
                       </a:r>
-                      <a:endParaRPr lang="zh-CN" altLang="en-US" sz="1000" b="1">
-                        <a:solidFill>
-                          <a:srgbClr val="000000"/>
-                        </a:solidFill>
-                        <a:latin typeface="微软雅黑" panose="020B0503020204020204" pitchFamily="34" charset="-122"/>
-                        <a:ea typeface="微软雅黑" panose="020B0503020204020204" pitchFamily="34" charset="-122"/>
-                        <a:cs typeface="宋体" panose="02010600030101010101" pitchFamily="2" charset="-122"/>
-                      </a:endParaRPr>
                     </a:p>
                   </a:txBody>
                   <a:tcPr marL="0" marR="0" marT="0" marB="0" anchor="ctr">
@@ -15335,14 +14810,6 @@
                         </a:rPr>
                         <a:t>低</a:t>
                       </a:r>
-                      <a:endParaRPr lang="zh-CN" altLang="en-US" sz="1000" b="1">
-                        <a:solidFill>
-                          <a:srgbClr val="000000"/>
-                        </a:solidFill>
-                        <a:latin typeface="微软雅黑" panose="020B0503020204020204" pitchFamily="34" charset="-122"/>
-                        <a:ea typeface="微软雅黑" panose="020B0503020204020204" pitchFamily="34" charset="-122"/>
-                        <a:cs typeface="宋体" panose="02010600030101010101" pitchFamily="2" charset="-122"/>
-                      </a:endParaRPr>
                     </a:p>
                   </a:txBody>
                   <a:tcPr marL="0" marR="0" marT="0" marB="0" anchor="ctr">
@@ -15390,6 +14857,13 @@
               </a:tr>
               <a:tr h="379730">
                 <a:tc vMerge="1">
+                  <a:txBody>
+                    <a:bodyPr/>
+                    <a:lstStyle/>
+                    <a:p>
+                      <a:endParaRPr lang="zh-CN"/>
+                    </a:p>
+                  </a:txBody>
                   <a:tcPr>
                     <a:lnL w="15240" cap="flat" cmpd="sng">
                       <a:solidFill>
@@ -15436,14 +14910,6 @@
                         </a:rPr>
                         <a:t>组员的时间有不确定性</a:t>
                       </a:r>
-                      <a:endParaRPr lang="zh-CN" altLang="en-US" sz="1000" b="0">
-                        <a:solidFill>
-                          <a:srgbClr val="000000"/>
-                        </a:solidFill>
-                        <a:latin typeface="微软雅黑" panose="020B0503020204020204" pitchFamily="34" charset="-122"/>
-                        <a:ea typeface="微软雅黑" panose="020B0503020204020204" pitchFamily="34" charset="-122"/>
-                        <a:cs typeface="宋体" panose="02010600030101010101" pitchFamily="2" charset="-122"/>
-                      </a:endParaRPr>
                     </a:p>
                   </a:txBody>
                   <a:tcPr marL="0" marR="0" marT="0" marB="0" anchor="ctr">
@@ -15507,14 +14973,6 @@
                         </a:rPr>
                         <a:t>任务不好分配</a:t>
                       </a:r>
-                      <a:endParaRPr lang="zh-CN" altLang="en-US" sz="1000" b="0">
-                        <a:solidFill>
-                          <a:srgbClr val="000000"/>
-                        </a:solidFill>
-                        <a:latin typeface="微软雅黑" panose="020B0503020204020204" pitchFamily="34" charset="-122"/>
-                        <a:ea typeface="微软雅黑" panose="020B0503020204020204" pitchFamily="34" charset="-122"/>
-                        <a:cs typeface="宋体" panose="02010600030101010101" pitchFamily="2" charset="-122"/>
-                      </a:endParaRPr>
                     </a:p>
                   </a:txBody>
                   <a:tcPr marL="0" marR="0" marT="0" marB="0" anchor="ctr">
@@ -15578,14 +15036,6 @@
                         </a:rPr>
                         <a:t>5</a:t>
                       </a:r>
-                      <a:endParaRPr lang="en-US" altLang="zh-CN" sz="1000" b="0">
-                        <a:solidFill>
-                          <a:srgbClr val="000000"/>
-                        </a:solidFill>
-                        <a:latin typeface="微软雅黑" panose="020B0503020204020204" pitchFamily="34" charset="-122"/>
-                        <a:ea typeface="微软雅黑" panose="020B0503020204020204" pitchFamily="34" charset="-122"/>
-                        <a:cs typeface="宋体" panose="02010600030101010101" pitchFamily="2" charset="-122"/>
-                      </a:endParaRPr>
                     </a:p>
                   </a:txBody>
                   <a:tcPr marL="0" marR="0" marT="0" marB="0" anchor="ctr">
@@ -15649,14 +15099,6 @@
                         </a:rPr>
                         <a:t>9</a:t>
                       </a:r>
-                      <a:endParaRPr lang="en-US" altLang="zh-CN" sz="1000" b="0">
-                        <a:solidFill>
-                          <a:srgbClr val="000000"/>
-                        </a:solidFill>
-                        <a:latin typeface="微软雅黑" panose="020B0503020204020204" pitchFamily="34" charset="-122"/>
-                        <a:ea typeface="微软雅黑" panose="020B0503020204020204" pitchFamily="34" charset="-122"/>
-                        <a:cs typeface="宋体" panose="02010600030101010101" pitchFamily="2" charset="-122"/>
-                      </a:endParaRPr>
                     </a:p>
                   </a:txBody>
                   <a:tcPr marL="0" marR="0" marT="0" marB="0" anchor="ctr">
@@ -15720,14 +15162,6 @@
                         </a:rPr>
                         <a:t>6</a:t>
                       </a:r>
-                      <a:endParaRPr lang="en-US" altLang="zh-CN" sz="1000" b="0">
-                        <a:solidFill>
-                          <a:srgbClr val="000000"/>
-                        </a:solidFill>
-                        <a:latin typeface="微软雅黑" panose="020B0503020204020204" pitchFamily="34" charset="-122"/>
-                        <a:ea typeface="微软雅黑" panose="020B0503020204020204" pitchFamily="34" charset="-122"/>
-                        <a:cs typeface="宋体" panose="02010600030101010101" pitchFamily="2" charset="-122"/>
-                      </a:endParaRPr>
                     </a:p>
                   </a:txBody>
                   <a:tcPr marL="0" marR="0" marT="0" marB="0" anchor="ctr">
@@ -15791,14 +15225,6 @@
                         </a:rPr>
                         <a:t>190</a:t>
                       </a:r>
-                      <a:endParaRPr lang="en-US" altLang="zh-CN" sz="1000" b="0">
-                        <a:solidFill>
-                          <a:srgbClr val="000000"/>
-                        </a:solidFill>
-                        <a:latin typeface="微软雅黑" panose="020B0503020204020204" pitchFamily="34" charset="-122"/>
-                        <a:ea typeface="微软雅黑" panose="020B0503020204020204" pitchFamily="34" charset="-122"/>
-                        <a:cs typeface="宋体" panose="02010600030101010101" pitchFamily="2" charset="-122"/>
-                      </a:endParaRPr>
                     </a:p>
                   </a:txBody>
                   <a:tcPr marL="0" marR="0" marT="0" marB="0" anchor="ctr">
@@ -15862,14 +15288,6 @@
                         </a:rPr>
                         <a:t>开会说明接下来一周的计划与安排，后再安排工作表</a:t>
                       </a:r>
-                      <a:endParaRPr lang="zh-CN" altLang="en-US" sz="1000" b="0">
-                        <a:solidFill>
-                          <a:srgbClr val="000000"/>
-                        </a:solidFill>
-                        <a:latin typeface="微软雅黑" panose="020B0503020204020204" pitchFamily="34" charset="-122"/>
-                        <a:ea typeface="微软雅黑" panose="020B0503020204020204" pitchFamily="34" charset="-122"/>
-                        <a:cs typeface="宋体" panose="02010600030101010101" pitchFamily="2" charset="-122"/>
-                      </a:endParaRPr>
                     </a:p>
                   </a:txBody>
                   <a:tcPr marL="0" marR="0" marT="0" marB="0" anchor="ctr">
@@ -15933,14 +15351,6 @@
                         </a:rPr>
                         <a:t>有</a:t>
                       </a:r>
-                      <a:endParaRPr lang="zh-CN" altLang="en-US" sz="1000" b="1">
-                        <a:solidFill>
-                          <a:srgbClr val="000000"/>
-                        </a:solidFill>
-                        <a:latin typeface="微软雅黑" panose="020B0503020204020204" pitchFamily="34" charset="-122"/>
-                        <a:ea typeface="微软雅黑" panose="020B0503020204020204" pitchFamily="34" charset="-122"/>
-                        <a:cs typeface="宋体" panose="02010600030101010101" pitchFamily="2" charset="-122"/>
-                      </a:endParaRPr>
                     </a:p>
                   </a:txBody>
                   <a:tcPr marL="0" marR="0" marT="0" marB="0" anchor="ctr">
@@ -16004,14 +15414,6 @@
                         </a:rPr>
                         <a:t>无</a:t>
                       </a:r>
-                      <a:endParaRPr lang="zh-CN" altLang="en-US" sz="1000" b="1">
-                        <a:solidFill>
-                          <a:srgbClr val="000000"/>
-                        </a:solidFill>
-                        <a:latin typeface="微软雅黑" panose="020B0503020204020204" pitchFamily="34" charset="-122"/>
-                        <a:ea typeface="微软雅黑" panose="020B0503020204020204" pitchFamily="34" charset="-122"/>
-                        <a:cs typeface="宋体" panose="02010600030101010101" pitchFamily="2" charset="-122"/>
-                      </a:endParaRPr>
                     </a:p>
                   </a:txBody>
                   <a:tcPr marL="0" marR="0" marT="0" marB="0" anchor="ctr">
@@ -16075,14 +15477,6 @@
                         </a:rPr>
                         <a:t>低</a:t>
                       </a:r>
-                      <a:endParaRPr lang="zh-CN" altLang="en-US" sz="1000" b="1">
-                        <a:solidFill>
-                          <a:srgbClr val="000000"/>
-                        </a:solidFill>
-                        <a:latin typeface="微软雅黑" panose="020B0503020204020204" pitchFamily="34" charset="-122"/>
-                        <a:ea typeface="微软雅黑" panose="020B0503020204020204" pitchFamily="34" charset="-122"/>
-                        <a:cs typeface="宋体" panose="02010600030101010101" pitchFamily="2" charset="-122"/>
-                      </a:endParaRPr>
                     </a:p>
                   </a:txBody>
                   <a:tcPr marL="0" marR="0" marT="0" marB="0" anchor="ctr">
@@ -16148,14 +15542,6 @@
                         </a:rPr>
                         <a:t>项目</a:t>
                       </a:r>
-                      <a:endParaRPr lang="zh-CN" altLang="en-US" sz="1000" b="1">
-                        <a:solidFill>
-                          <a:srgbClr val="000000"/>
-                        </a:solidFill>
-                        <a:latin typeface="微软雅黑" panose="020B0503020204020204" pitchFamily="34" charset="-122"/>
-                        <a:ea typeface="微软雅黑" panose="020B0503020204020204" pitchFamily="34" charset="-122"/>
-                        <a:cs typeface="宋体" panose="02010600030101010101" pitchFamily="2" charset="-122"/>
-                      </a:endParaRPr>
                     </a:p>
                   </a:txBody>
                   <a:tcPr marL="0" marR="0" marT="0" marB="0" anchor="ctr">
@@ -16219,14 +15605,6 @@
                         </a:rPr>
                         <a:t>界面不被用户认可</a:t>
                       </a:r>
-                      <a:endParaRPr lang="zh-CN" altLang="en-US" sz="1000" b="0">
-                        <a:solidFill>
-                          <a:srgbClr val="000000"/>
-                        </a:solidFill>
-                        <a:latin typeface="微软雅黑" panose="020B0503020204020204" pitchFamily="34" charset="-122"/>
-                        <a:ea typeface="微软雅黑" panose="020B0503020204020204" pitchFamily="34" charset="-122"/>
-                        <a:cs typeface="宋体" panose="02010600030101010101" pitchFamily="2" charset="-122"/>
-                      </a:endParaRPr>
                     </a:p>
                   </a:txBody>
                   <a:tcPr marL="0" marR="0" marT="0" marB="0" anchor="ctr">
@@ -16290,14 +15668,6 @@
                         </a:rPr>
                         <a:t>用户减少</a:t>
                       </a:r>
-                      <a:endParaRPr lang="zh-CN" altLang="en-US" sz="1000" b="0">
-                        <a:solidFill>
-                          <a:srgbClr val="000000"/>
-                        </a:solidFill>
-                        <a:latin typeface="微软雅黑" panose="020B0503020204020204" pitchFamily="34" charset="-122"/>
-                        <a:ea typeface="微软雅黑" panose="020B0503020204020204" pitchFamily="34" charset="-122"/>
-                        <a:cs typeface="宋体" panose="02010600030101010101" pitchFamily="2" charset="-122"/>
-                      </a:endParaRPr>
                     </a:p>
                   </a:txBody>
                   <a:tcPr marL="0" marR="0" marT="0" marB="0" anchor="ctr">
@@ -16361,14 +15731,6 @@
                         </a:rPr>
                         <a:t>4</a:t>
                       </a:r>
-                      <a:endParaRPr lang="en-US" altLang="zh-CN" sz="1000" b="0">
-                        <a:solidFill>
-                          <a:srgbClr val="000000"/>
-                        </a:solidFill>
-                        <a:latin typeface="微软雅黑" panose="020B0503020204020204" pitchFamily="34" charset="-122"/>
-                        <a:ea typeface="微软雅黑" panose="020B0503020204020204" pitchFamily="34" charset="-122"/>
-                        <a:cs typeface="宋体" panose="02010600030101010101" pitchFamily="2" charset="-122"/>
-                      </a:endParaRPr>
                     </a:p>
                   </a:txBody>
                   <a:tcPr marL="0" marR="0" marT="0" marB="0" anchor="ctr">
@@ -16432,14 +15794,6 @@
                         </a:rPr>
                         <a:t>5</a:t>
                       </a:r>
-                      <a:endParaRPr lang="en-US" altLang="zh-CN" sz="1000" b="0">
-                        <a:solidFill>
-                          <a:srgbClr val="000000"/>
-                        </a:solidFill>
-                        <a:latin typeface="微软雅黑" panose="020B0503020204020204" pitchFamily="34" charset="-122"/>
-                        <a:ea typeface="微软雅黑" panose="020B0503020204020204" pitchFamily="34" charset="-122"/>
-                        <a:cs typeface="宋体" panose="02010600030101010101" pitchFamily="2" charset="-122"/>
-                      </a:endParaRPr>
                     </a:p>
                   </a:txBody>
                   <a:tcPr marL="0" marR="0" marT="0" marB="0" anchor="ctr">
@@ -16503,14 +15857,6 @@
                         </a:rPr>
                         <a:t>5</a:t>
                       </a:r>
-                      <a:endParaRPr lang="en-US" altLang="zh-CN" sz="1000" b="0">
-                        <a:solidFill>
-                          <a:srgbClr val="000000"/>
-                        </a:solidFill>
-                        <a:latin typeface="微软雅黑" panose="020B0503020204020204" pitchFamily="34" charset="-122"/>
-                        <a:ea typeface="微软雅黑" panose="020B0503020204020204" pitchFamily="34" charset="-122"/>
-                        <a:cs typeface="宋体" panose="02010600030101010101" pitchFamily="2" charset="-122"/>
-                      </a:endParaRPr>
                     </a:p>
                   </a:txBody>
                   <a:tcPr marL="0" marR="0" marT="0" marB="0" anchor="ctr">
@@ -16574,14 +15920,6 @@
                         </a:rPr>
                         <a:t>100</a:t>
                       </a:r>
-                      <a:endParaRPr lang="en-US" altLang="zh-CN" sz="1000" b="0">
-                        <a:solidFill>
-                          <a:srgbClr val="000000"/>
-                        </a:solidFill>
-                        <a:latin typeface="微软雅黑" panose="020B0503020204020204" pitchFamily="34" charset="-122"/>
-                        <a:ea typeface="微软雅黑" panose="020B0503020204020204" pitchFamily="34" charset="-122"/>
-                        <a:cs typeface="宋体" panose="02010600030101010101" pitchFamily="2" charset="-122"/>
-                      </a:endParaRPr>
                     </a:p>
                   </a:txBody>
                   <a:tcPr marL="0" marR="0" marT="0" marB="0" anchor="ctr">
@@ -16645,14 +15983,6 @@
                         </a:rPr>
                         <a:t>与多位不满意的用户进行沟通交流，然后进行总结修改</a:t>
                       </a:r>
-                      <a:endParaRPr lang="zh-CN" altLang="en-US" sz="1000" b="0">
-                        <a:solidFill>
-                          <a:srgbClr val="000000"/>
-                        </a:solidFill>
-                        <a:latin typeface="微软雅黑" panose="020B0503020204020204" pitchFamily="34" charset="-122"/>
-                        <a:ea typeface="微软雅黑" panose="020B0503020204020204" pitchFamily="34" charset="-122"/>
-                        <a:cs typeface="宋体" panose="02010600030101010101" pitchFamily="2" charset="-122"/>
-                      </a:endParaRPr>
                     </a:p>
                   </a:txBody>
                   <a:tcPr marL="0" marR="0" marT="0" marB="0" anchor="ctr">
@@ -16716,14 +16046,6 @@
                         </a:rPr>
                         <a:t>有</a:t>
                       </a:r>
-                      <a:endParaRPr lang="zh-CN" altLang="en-US" sz="1000" b="1">
-                        <a:solidFill>
-                          <a:srgbClr val="000000"/>
-                        </a:solidFill>
-                        <a:latin typeface="微软雅黑" panose="020B0503020204020204" pitchFamily="34" charset="-122"/>
-                        <a:ea typeface="微软雅黑" panose="020B0503020204020204" pitchFamily="34" charset="-122"/>
-                        <a:cs typeface="宋体" panose="02010600030101010101" pitchFamily="2" charset="-122"/>
-                      </a:endParaRPr>
                     </a:p>
                   </a:txBody>
                   <a:tcPr marL="0" marR="0" marT="0" marB="0" anchor="ctr">
@@ -16787,14 +16109,6 @@
                         </a:rPr>
                         <a:t>无</a:t>
                       </a:r>
-                      <a:endParaRPr lang="zh-CN" altLang="en-US" sz="1000" b="1">
-                        <a:solidFill>
-                          <a:srgbClr val="000000"/>
-                        </a:solidFill>
-                        <a:latin typeface="微软雅黑" panose="020B0503020204020204" pitchFamily="34" charset="-122"/>
-                        <a:ea typeface="微软雅黑" panose="020B0503020204020204" pitchFamily="34" charset="-122"/>
-                        <a:cs typeface="宋体" panose="02010600030101010101" pitchFamily="2" charset="-122"/>
-                      </a:endParaRPr>
                     </a:p>
                   </a:txBody>
                   <a:tcPr marL="0" marR="0" marT="0" marB="0" anchor="ctr">
@@ -16858,14 +16172,6 @@
                         </a:rPr>
                         <a:t>低</a:t>
                       </a:r>
-                      <a:endParaRPr lang="zh-CN" altLang="en-US" sz="1000" b="1">
-                        <a:solidFill>
-                          <a:srgbClr val="000000"/>
-                        </a:solidFill>
-                        <a:latin typeface="微软雅黑" panose="020B0503020204020204" pitchFamily="34" charset="-122"/>
-                        <a:ea typeface="微软雅黑" panose="020B0503020204020204" pitchFamily="34" charset="-122"/>
-                        <a:cs typeface="宋体" panose="02010600030101010101" pitchFamily="2" charset="-122"/>
-                      </a:endParaRPr>
                     </a:p>
                   </a:txBody>
                   <a:tcPr marL="0" marR="0" marT="0" marB="0" anchor="ctr">
@@ -16913,6 +16219,13 @@
               </a:tr>
               <a:tr h="459740">
                 <a:tc vMerge="1">
+                  <a:txBody>
+                    <a:bodyPr/>
+                    <a:lstStyle/>
+                    <a:p>
+                      <a:endParaRPr lang="zh-CN"/>
+                    </a:p>
+                  </a:txBody>
                   <a:tcPr>
                     <a:lnL w="15240" cap="flat" cmpd="sng">
                       <a:solidFill>
@@ -16951,14 +16264,6 @@
                         </a:rPr>
                         <a:t>搜索与识别功能在使用过程出现问题</a:t>
                       </a:r>
-                      <a:endParaRPr lang="zh-CN" altLang="en-US" sz="1000" b="0">
-                        <a:solidFill>
-                          <a:srgbClr val="000000"/>
-                        </a:solidFill>
-                        <a:latin typeface="微软雅黑" panose="020B0503020204020204" pitchFamily="34" charset="-122"/>
-                        <a:ea typeface="微软雅黑" panose="020B0503020204020204" pitchFamily="34" charset="-122"/>
-                        <a:cs typeface="宋体" panose="02010600030101010101" pitchFamily="2" charset="-122"/>
-                      </a:endParaRPr>
                     </a:p>
                   </a:txBody>
                   <a:tcPr marL="0" marR="0" marT="0" marB="0" anchor="ctr">
@@ -17022,14 +16327,6 @@
                         </a:rPr>
                         <a:t>用户减少，不满意程度升高</a:t>
                       </a:r>
-                      <a:endParaRPr lang="zh-CN" altLang="en-US" sz="1000" b="0">
-                        <a:solidFill>
-                          <a:srgbClr val="000000"/>
-                        </a:solidFill>
-                        <a:latin typeface="微软雅黑" panose="020B0503020204020204" pitchFamily="34" charset="-122"/>
-                        <a:ea typeface="微软雅黑" panose="020B0503020204020204" pitchFamily="34" charset="-122"/>
-                        <a:cs typeface="宋体" panose="02010600030101010101" pitchFamily="2" charset="-122"/>
-                      </a:endParaRPr>
                     </a:p>
                   </a:txBody>
                   <a:tcPr marL="0" marR="0" marT="0" marB="0" anchor="ctr">
@@ -17093,14 +16390,6 @@
                         </a:rPr>
                         <a:t>5</a:t>
                       </a:r>
-                      <a:endParaRPr lang="en-US" altLang="zh-CN" sz="1000" b="0">
-                        <a:solidFill>
-                          <a:srgbClr val="000000"/>
-                        </a:solidFill>
-                        <a:latin typeface="微软雅黑" panose="020B0503020204020204" pitchFamily="34" charset="-122"/>
-                        <a:ea typeface="微软雅黑" panose="020B0503020204020204" pitchFamily="34" charset="-122"/>
-                        <a:cs typeface="宋体" panose="02010600030101010101" pitchFamily="2" charset="-122"/>
-                      </a:endParaRPr>
                     </a:p>
                   </a:txBody>
                   <a:tcPr marL="0" marR="0" marT="0" marB="0" anchor="ctr">
@@ -17164,14 +16453,6 @@
                         </a:rPr>
                         <a:t>9</a:t>
                       </a:r>
-                      <a:endParaRPr lang="en-US" altLang="zh-CN" sz="1000" b="0">
-                        <a:solidFill>
-                          <a:srgbClr val="000000"/>
-                        </a:solidFill>
-                        <a:latin typeface="微软雅黑" panose="020B0503020204020204" pitchFamily="34" charset="-122"/>
-                        <a:ea typeface="微软雅黑" panose="020B0503020204020204" pitchFamily="34" charset="-122"/>
-                        <a:cs typeface="宋体" panose="02010600030101010101" pitchFamily="2" charset="-122"/>
-                      </a:endParaRPr>
                     </a:p>
                   </a:txBody>
                   <a:tcPr marL="0" marR="0" marT="0" marB="0" anchor="ctr">
@@ -17235,14 +16516,6 @@
                         </a:rPr>
                         <a:t>10</a:t>
                       </a:r>
-                      <a:endParaRPr lang="en-US" altLang="zh-CN" sz="1000" b="0">
-                        <a:solidFill>
-                          <a:srgbClr val="000000"/>
-                        </a:solidFill>
-                        <a:latin typeface="微软雅黑" panose="020B0503020204020204" pitchFamily="34" charset="-122"/>
-                        <a:ea typeface="微软雅黑" panose="020B0503020204020204" pitchFamily="34" charset="-122"/>
-                        <a:cs typeface="宋体" panose="02010600030101010101" pitchFamily="2" charset="-122"/>
-                      </a:endParaRPr>
                     </a:p>
                   </a:txBody>
                   <a:tcPr marL="0" marR="0" marT="0" marB="0" anchor="ctr">
@@ -17306,14 +16579,6 @@
                         </a:rPr>
                         <a:t>230</a:t>
                       </a:r>
-                      <a:endParaRPr lang="en-US" altLang="zh-CN" sz="1000" b="0">
-                        <a:solidFill>
-                          <a:srgbClr val="000000"/>
-                        </a:solidFill>
-                        <a:latin typeface="微软雅黑" panose="020B0503020204020204" pitchFamily="34" charset="-122"/>
-                        <a:ea typeface="微软雅黑" panose="020B0503020204020204" pitchFamily="34" charset="-122"/>
-                        <a:cs typeface="宋体" panose="02010600030101010101" pitchFamily="2" charset="-122"/>
-                      </a:endParaRPr>
                     </a:p>
                   </a:txBody>
                   <a:tcPr marL="0" marR="0" marT="0" marB="0" anchor="ctr">
@@ -17377,14 +16642,6 @@
                         </a:rPr>
                         <a:t>提前做好多次程序的测试与检测，如果突然出现问题，及时修改</a:t>
                       </a:r>
-                      <a:endParaRPr lang="zh-CN" altLang="en-US" sz="1000" b="0">
-                        <a:solidFill>
-                          <a:srgbClr val="000000"/>
-                        </a:solidFill>
-                        <a:latin typeface="微软雅黑" panose="020B0503020204020204" pitchFamily="34" charset="-122"/>
-                        <a:ea typeface="微软雅黑" panose="020B0503020204020204" pitchFamily="34" charset="-122"/>
-                        <a:cs typeface="宋体" panose="02010600030101010101" pitchFamily="2" charset="-122"/>
-                      </a:endParaRPr>
                     </a:p>
                   </a:txBody>
                   <a:tcPr marL="0" marR="0" marT="0" marB="0" anchor="ctr">
@@ -17448,14 +16705,6 @@
                         </a:rPr>
                         <a:t>有</a:t>
                       </a:r>
-                      <a:endParaRPr lang="zh-CN" altLang="en-US" sz="1000" b="1">
-                        <a:solidFill>
-                          <a:srgbClr val="000000"/>
-                        </a:solidFill>
-                        <a:latin typeface="微软雅黑" panose="020B0503020204020204" pitchFamily="34" charset="-122"/>
-                        <a:ea typeface="微软雅黑" panose="020B0503020204020204" pitchFamily="34" charset="-122"/>
-                        <a:cs typeface="宋体" panose="02010600030101010101" pitchFamily="2" charset="-122"/>
-                      </a:endParaRPr>
                     </a:p>
                   </a:txBody>
                   <a:tcPr marL="0" marR="0" marT="0" marB="0" anchor="ctr">
@@ -17519,14 +16768,6 @@
                         </a:rPr>
                         <a:t>无</a:t>
                       </a:r>
-                      <a:endParaRPr lang="zh-CN" altLang="en-US" sz="1000" b="1">
-                        <a:solidFill>
-                          <a:srgbClr val="000000"/>
-                        </a:solidFill>
-                        <a:latin typeface="微软雅黑" panose="020B0503020204020204" pitchFamily="34" charset="-122"/>
-                        <a:ea typeface="微软雅黑" panose="020B0503020204020204" pitchFamily="34" charset="-122"/>
-                        <a:cs typeface="宋体" panose="02010600030101010101" pitchFamily="2" charset="-122"/>
-                      </a:endParaRPr>
                     </a:p>
                   </a:txBody>
                   <a:tcPr marL="0" marR="0" marT="0" marB="0" anchor="ctr">
@@ -17590,14 +16831,6 @@
                         </a:rPr>
                         <a:t>低</a:t>
                       </a:r>
-                      <a:endParaRPr lang="zh-CN" altLang="en-US" sz="1000" b="1">
-                        <a:solidFill>
-                          <a:srgbClr val="000000"/>
-                        </a:solidFill>
-                        <a:latin typeface="微软雅黑" panose="020B0503020204020204" pitchFamily="34" charset="-122"/>
-                        <a:ea typeface="微软雅黑" panose="020B0503020204020204" pitchFamily="34" charset="-122"/>
-                        <a:cs typeface="宋体" panose="02010600030101010101" pitchFamily="2" charset="-122"/>
-                      </a:endParaRPr>
                     </a:p>
                   </a:txBody>
                   <a:tcPr marL="0" marR="0" marT="0" marB="0" anchor="ctr">
@@ -17645,6 +16878,13 @@
               </a:tr>
               <a:tr h="360045">
                 <a:tc vMerge="1">
+                  <a:txBody>
+                    <a:bodyPr/>
+                    <a:lstStyle/>
+                    <a:p>
+                      <a:endParaRPr lang="zh-CN"/>
+                    </a:p>
+                  </a:txBody>
                   <a:tcPr>
                     <a:lnL w="15240" cap="flat" cmpd="sng">
                       <a:solidFill>
@@ -17683,14 +16923,6 @@
                         </a:rPr>
                         <a:t>管理，开发，测试工具是否符合项目要求</a:t>
                       </a:r>
-                      <a:endParaRPr lang="zh-CN" altLang="en-US" sz="1000" b="0">
-                        <a:solidFill>
-                          <a:srgbClr val="000000"/>
-                        </a:solidFill>
-                        <a:latin typeface="微软雅黑" panose="020B0503020204020204" pitchFamily="34" charset="-122"/>
-                        <a:ea typeface="微软雅黑" panose="020B0503020204020204" pitchFamily="34" charset="-122"/>
-                        <a:cs typeface="宋体" panose="02010600030101010101" pitchFamily="2" charset="-122"/>
-                      </a:endParaRPr>
                     </a:p>
                   </a:txBody>
                   <a:tcPr marL="0" marR="0" marT="0" marB="0" anchor="ctr">
@@ -17754,14 +16986,6 @@
                         </a:rPr>
                         <a:t>无法开发</a:t>
                       </a:r>
-                      <a:endParaRPr lang="zh-CN" altLang="en-US" sz="1000" b="0">
-                        <a:solidFill>
-                          <a:srgbClr val="000000"/>
-                        </a:solidFill>
-                        <a:latin typeface="微软雅黑" panose="020B0503020204020204" pitchFamily="34" charset="-122"/>
-                        <a:ea typeface="微软雅黑" panose="020B0503020204020204" pitchFamily="34" charset="-122"/>
-                        <a:cs typeface="宋体" panose="02010600030101010101" pitchFamily="2" charset="-122"/>
-                      </a:endParaRPr>
                     </a:p>
                   </a:txBody>
                   <a:tcPr marL="0" marR="0" marT="0" marB="0" anchor="ctr">
@@ -17825,14 +17049,6 @@
                         </a:rPr>
                         <a:t>5</a:t>
                       </a:r>
-                      <a:endParaRPr lang="en-US" altLang="zh-CN" sz="1000" b="0">
-                        <a:solidFill>
-                          <a:srgbClr val="000000"/>
-                        </a:solidFill>
-                        <a:latin typeface="微软雅黑" panose="020B0503020204020204" pitchFamily="34" charset="-122"/>
-                        <a:ea typeface="微软雅黑" panose="020B0503020204020204" pitchFamily="34" charset="-122"/>
-                        <a:cs typeface="宋体" panose="02010600030101010101" pitchFamily="2" charset="-122"/>
-                      </a:endParaRPr>
                     </a:p>
                   </a:txBody>
                   <a:tcPr marL="0" marR="0" marT="0" marB="0" anchor="ctr">
@@ -17896,14 +17112,6 @@
                         </a:rPr>
                         <a:t>10</a:t>
                       </a:r>
-                      <a:endParaRPr lang="en-US" altLang="zh-CN" sz="1000" b="0">
-                        <a:solidFill>
-                          <a:srgbClr val="000000"/>
-                        </a:solidFill>
-                        <a:latin typeface="微软雅黑" panose="020B0503020204020204" pitchFamily="34" charset="-122"/>
-                        <a:ea typeface="微软雅黑" panose="020B0503020204020204" pitchFamily="34" charset="-122"/>
-                        <a:cs typeface="宋体" panose="02010600030101010101" pitchFamily="2" charset="-122"/>
-                      </a:endParaRPr>
                     </a:p>
                   </a:txBody>
                   <a:tcPr marL="0" marR="0" marT="0" marB="0" anchor="ctr">
@@ -17967,14 +17175,6 @@
                         </a:rPr>
                         <a:t>5</a:t>
                       </a:r>
-                      <a:endParaRPr lang="en-US" altLang="zh-CN" sz="1000" b="0">
-                        <a:solidFill>
-                          <a:srgbClr val="000000"/>
-                        </a:solidFill>
-                        <a:latin typeface="微软雅黑" panose="020B0503020204020204" pitchFamily="34" charset="-122"/>
-                        <a:ea typeface="微软雅黑" panose="020B0503020204020204" pitchFamily="34" charset="-122"/>
-                        <a:cs typeface="宋体" panose="02010600030101010101" pitchFamily="2" charset="-122"/>
-                      </a:endParaRPr>
                     </a:p>
                   </a:txBody>
                   <a:tcPr marL="0" marR="0" marT="0" marB="0" anchor="ctr">
@@ -18038,14 +17238,6 @@
                         </a:rPr>
                         <a:t>250</a:t>
                       </a:r>
-                      <a:endParaRPr lang="en-US" altLang="zh-CN" sz="1000" b="0">
-                        <a:solidFill>
-                          <a:srgbClr val="000000"/>
-                        </a:solidFill>
-                        <a:latin typeface="微软雅黑" panose="020B0503020204020204" pitchFamily="34" charset="-122"/>
-                        <a:ea typeface="微软雅黑" panose="020B0503020204020204" pitchFamily="34" charset="-122"/>
-                        <a:cs typeface="宋体" panose="02010600030101010101" pitchFamily="2" charset="-122"/>
-                      </a:endParaRPr>
                     </a:p>
                   </a:txBody>
                   <a:tcPr marL="0" marR="0" marT="0" marB="0" anchor="ctr">
@@ -18109,14 +17301,6 @@
                         </a:rPr>
                         <a:t>项目启动阶段就要落实好工具的问题</a:t>
                       </a:r>
-                      <a:endParaRPr lang="zh-CN" altLang="en-US" sz="1000" b="0">
-                        <a:solidFill>
-                          <a:srgbClr val="000000"/>
-                        </a:solidFill>
-                        <a:latin typeface="微软雅黑" panose="020B0503020204020204" pitchFamily="34" charset="-122"/>
-                        <a:ea typeface="微软雅黑" panose="020B0503020204020204" pitchFamily="34" charset="-122"/>
-                        <a:cs typeface="宋体" panose="02010600030101010101" pitchFamily="2" charset="-122"/>
-                      </a:endParaRPr>
                     </a:p>
                   </a:txBody>
                   <a:tcPr marL="0" marR="0" marT="0" marB="0" anchor="ctr">
@@ -18180,14 +17364,6 @@
                         </a:rPr>
                         <a:t>有</a:t>
                       </a:r>
-                      <a:endParaRPr lang="zh-CN" altLang="en-US" sz="1000" b="1">
-                        <a:solidFill>
-                          <a:srgbClr val="000000"/>
-                        </a:solidFill>
-                        <a:latin typeface="微软雅黑" panose="020B0503020204020204" pitchFamily="34" charset="-122"/>
-                        <a:ea typeface="微软雅黑" panose="020B0503020204020204" pitchFamily="34" charset="-122"/>
-                        <a:cs typeface="宋体" panose="02010600030101010101" pitchFamily="2" charset="-122"/>
-                      </a:endParaRPr>
                     </a:p>
                   </a:txBody>
                   <a:tcPr marL="0" marR="0" marT="0" marB="0" anchor="ctr">
@@ -18251,14 +17427,6 @@
                         </a:rPr>
                         <a:t>无</a:t>
                       </a:r>
-                      <a:endParaRPr lang="zh-CN" altLang="en-US" sz="1000" b="1">
-                        <a:solidFill>
-                          <a:srgbClr val="000000"/>
-                        </a:solidFill>
-                        <a:latin typeface="微软雅黑" panose="020B0503020204020204" pitchFamily="34" charset="-122"/>
-                        <a:ea typeface="微软雅黑" panose="020B0503020204020204" pitchFamily="34" charset="-122"/>
-                        <a:cs typeface="宋体" panose="02010600030101010101" pitchFamily="2" charset="-122"/>
-                      </a:endParaRPr>
                     </a:p>
                   </a:txBody>
                   <a:tcPr marL="0" marR="0" marT="0" marB="0" anchor="ctr">
@@ -18322,14 +17490,6 @@
                         </a:rPr>
                         <a:t>中</a:t>
                       </a:r>
-                      <a:endParaRPr lang="zh-CN" altLang="en-US" sz="1000" b="1">
-                        <a:solidFill>
-                          <a:srgbClr val="000000"/>
-                        </a:solidFill>
-                        <a:latin typeface="微软雅黑" panose="020B0503020204020204" pitchFamily="34" charset="-122"/>
-                        <a:ea typeface="微软雅黑" panose="020B0503020204020204" pitchFamily="34" charset="-122"/>
-                        <a:cs typeface="宋体" panose="02010600030101010101" pitchFamily="2" charset="-122"/>
-                      </a:endParaRPr>
                     </a:p>
                   </a:txBody>
                   <a:tcPr marL="0" marR="0" marT="0" marB="0" anchor="ctr">
@@ -18377,6 +17537,13 @@
               </a:tr>
               <a:tr h="360045">
                 <a:tc vMerge="1">
+                  <a:txBody>
+                    <a:bodyPr/>
+                    <a:lstStyle/>
+                    <a:p>
+                      <a:endParaRPr lang="zh-CN"/>
+                    </a:p>
+                  </a:txBody>
                   <a:tcPr>
                     <a:lnL w="15240" cap="flat" cmpd="sng">
                       <a:solidFill>
@@ -18423,14 +17590,6 @@
                         </a:rPr>
                         <a:t>电脑出错，导致文件丢失</a:t>
                       </a:r>
-                      <a:endParaRPr lang="zh-CN" altLang="en-US" sz="1000" b="0">
-                        <a:solidFill>
-                          <a:srgbClr val="000000"/>
-                        </a:solidFill>
-                        <a:latin typeface="微软雅黑" panose="020B0503020204020204" pitchFamily="34" charset="-122"/>
-                        <a:ea typeface="微软雅黑" panose="020B0503020204020204" pitchFamily="34" charset="-122"/>
-                        <a:cs typeface="宋体" panose="02010600030101010101" pitchFamily="2" charset="-122"/>
-                      </a:endParaRPr>
                     </a:p>
                   </a:txBody>
                   <a:tcPr marL="0" marR="0" marT="0" marB="0" anchor="ctr">
@@ -18494,14 +17653,6 @@
                         </a:rPr>
                         <a:t>开发重新开始</a:t>
                       </a:r>
-                      <a:endParaRPr lang="zh-CN" altLang="en-US" sz="1000" b="0">
-                        <a:solidFill>
-                          <a:srgbClr val="000000"/>
-                        </a:solidFill>
-                        <a:latin typeface="微软雅黑" panose="020B0503020204020204" pitchFamily="34" charset="-122"/>
-                        <a:ea typeface="微软雅黑" panose="020B0503020204020204" pitchFamily="34" charset="-122"/>
-                        <a:cs typeface="宋体" panose="02010600030101010101" pitchFamily="2" charset="-122"/>
-                      </a:endParaRPr>
                     </a:p>
                   </a:txBody>
                   <a:tcPr marL="0" marR="0" marT="0" marB="0" anchor="ctr">
@@ -18565,14 +17716,6 @@
                         </a:rPr>
                         <a:t>4</a:t>
                       </a:r>
-                      <a:endParaRPr lang="en-US" altLang="zh-CN" sz="1000" b="0">
-                        <a:solidFill>
-                          <a:srgbClr val="000000"/>
-                        </a:solidFill>
-                        <a:latin typeface="微软雅黑" panose="020B0503020204020204" pitchFamily="34" charset="-122"/>
-                        <a:ea typeface="微软雅黑" panose="020B0503020204020204" pitchFamily="34" charset="-122"/>
-                        <a:cs typeface="宋体" panose="02010600030101010101" pitchFamily="2" charset="-122"/>
-                      </a:endParaRPr>
                     </a:p>
                   </a:txBody>
                   <a:tcPr marL="0" marR="0" marT="0" marB="0" anchor="ctr">
@@ -18636,14 +17779,6 @@
                         </a:rPr>
                         <a:t>8</a:t>
                       </a:r>
-                      <a:endParaRPr lang="en-US" altLang="zh-CN" sz="1000" b="0">
-                        <a:solidFill>
-                          <a:srgbClr val="000000"/>
-                        </a:solidFill>
-                        <a:latin typeface="微软雅黑" panose="020B0503020204020204" pitchFamily="34" charset="-122"/>
-                        <a:ea typeface="微软雅黑" panose="020B0503020204020204" pitchFamily="34" charset="-122"/>
-                        <a:cs typeface="宋体" panose="02010600030101010101" pitchFamily="2" charset="-122"/>
-                      </a:endParaRPr>
                     </a:p>
                   </a:txBody>
                   <a:tcPr marL="0" marR="0" marT="0" marB="0" anchor="ctr">
@@ -18707,14 +17842,6 @@
                         </a:rPr>
                         <a:t>5</a:t>
                       </a:r>
-                      <a:endParaRPr lang="en-US" altLang="zh-CN" sz="1000" b="0">
-                        <a:solidFill>
-                          <a:srgbClr val="000000"/>
-                        </a:solidFill>
-                        <a:latin typeface="微软雅黑" panose="020B0503020204020204" pitchFamily="34" charset="-122"/>
-                        <a:ea typeface="微软雅黑" panose="020B0503020204020204" pitchFamily="34" charset="-122"/>
-                        <a:cs typeface="宋体" panose="02010600030101010101" pitchFamily="2" charset="-122"/>
-                      </a:endParaRPr>
                     </a:p>
                   </a:txBody>
                   <a:tcPr marL="0" marR="0" marT="0" marB="0" anchor="ctr">
@@ -18778,14 +17905,6 @@
                         </a:rPr>
                         <a:t>160</a:t>
                       </a:r>
-                      <a:endParaRPr lang="en-US" altLang="zh-CN" sz="1000" b="0">
-                        <a:solidFill>
-                          <a:srgbClr val="000000"/>
-                        </a:solidFill>
-                        <a:latin typeface="微软雅黑" panose="020B0503020204020204" pitchFamily="34" charset="-122"/>
-                        <a:ea typeface="微软雅黑" panose="020B0503020204020204" pitchFamily="34" charset="-122"/>
-                        <a:cs typeface="宋体" panose="02010600030101010101" pitchFamily="2" charset="-122"/>
-                      </a:endParaRPr>
                     </a:p>
                   </a:txBody>
                   <a:tcPr marL="0" marR="0" marT="0" marB="0" anchor="ctr">
@@ -18871,14 +17990,6 @@
                         </a:rPr>
                         <a:t>等工具</a:t>
                       </a:r>
-                      <a:endParaRPr lang="zh-CN" altLang="en-US" sz="1000" b="0">
-                        <a:solidFill>
-                          <a:srgbClr val="000000"/>
-                        </a:solidFill>
-                        <a:latin typeface="微软雅黑" panose="020B0503020204020204" pitchFamily="34" charset="-122"/>
-                        <a:ea typeface="微软雅黑" panose="020B0503020204020204" pitchFamily="34" charset="-122"/>
-                        <a:cs typeface="宋体" panose="02010600030101010101" pitchFamily="2" charset="-122"/>
-                      </a:endParaRPr>
                     </a:p>
                   </a:txBody>
                   <a:tcPr marL="0" marR="0" marT="0" marB="0" anchor="ctr">
@@ -18942,14 +18053,6 @@
                         </a:rPr>
                         <a:t>有</a:t>
                       </a:r>
-                      <a:endParaRPr lang="zh-CN" altLang="en-US" sz="1000" b="1">
-                        <a:solidFill>
-                          <a:srgbClr val="000000"/>
-                        </a:solidFill>
-                        <a:latin typeface="微软雅黑" panose="020B0503020204020204" pitchFamily="34" charset="-122"/>
-                        <a:ea typeface="微软雅黑" panose="020B0503020204020204" pitchFamily="34" charset="-122"/>
-                        <a:cs typeface="宋体" panose="02010600030101010101" pitchFamily="2" charset="-122"/>
-                      </a:endParaRPr>
                     </a:p>
                   </a:txBody>
                   <a:tcPr marL="0" marR="0" marT="0" marB="0" anchor="ctr">
@@ -19013,14 +18116,6 @@
                         </a:rPr>
                         <a:t>无</a:t>
                       </a:r>
-                      <a:endParaRPr lang="zh-CN" altLang="en-US" sz="1000" b="1">
-                        <a:solidFill>
-                          <a:srgbClr val="000000"/>
-                        </a:solidFill>
-                        <a:latin typeface="微软雅黑" panose="020B0503020204020204" pitchFamily="34" charset="-122"/>
-                        <a:ea typeface="微软雅黑" panose="020B0503020204020204" pitchFamily="34" charset="-122"/>
-                        <a:cs typeface="宋体" panose="02010600030101010101" pitchFamily="2" charset="-122"/>
-                      </a:endParaRPr>
                     </a:p>
                   </a:txBody>
                   <a:tcPr marL="0" marR="0" marT="0" marB="0" anchor="ctr">
@@ -19084,14 +18179,6 @@
                         </a:rPr>
                         <a:t>低</a:t>
                       </a:r>
-                      <a:endParaRPr lang="zh-CN" altLang="en-US" sz="1000" b="1">
-                        <a:solidFill>
-                          <a:srgbClr val="000000"/>
-                        </a:solidFill>
-                        <a:latin typeface="微软雅黑" panose="020B0503020204020204" pitchFamily="34" charset="-122"/>
-                        <a:ea typeface="微软雅黑" panose="020B0503020204020204" pitchFamily="34" charset="-122"/>
-                        <a:cs typeface="宋体" panose="02010600030101010101" pitchFamily="2" charset="-122"/>
-                      </a:endParaRPr>
                     </a:p>
                   </a:txBody>
                   <a:tcPr marL="0" marR="0" marT="0" marB="0" anchor="ctr">
@@ -19157,14 +18244,6 @@
                         </a:rPr>
                         <a:t>考评</a:t>
                       </a:r>
-                      <a:endParaRPr lang="zh-CN" altLang="en-US" sz="1000" b="1">
-                        <a:solidFill>
-                          <a:srgbClr val="000000"/>
-                        </a:solidFill>
-                        <a:latin typeface="微软雅黑" panose="020B0503020204020204" pitchFamily="34" charset="-122"/>
-                        <a:ea typeface="微软雅黑" panose="020B0503020204020204" pitchFamily="34" charset="-122"/>
-                        <a:cs typeface="宋体" panose="02010600030101010101" pitchFamily="2" charset="-122"/>
-                      </a:endParaRPr>
                     </a:p>
                   </a:txBody>
                   <a:tcPr marL="0" marR="0" marT="0" marB="0" anchor="ctr">
@@ -19228,14 +18307,6 @@
                         </a:rPr>
                         <a:t>组员对自己的评分不满意</a:t>
                       </a:r>
-                      <a:endParaRPr lang="zh-CN" altLang="en-US" sz="1000" b="0">
-                        <a:solidFill>
-                          <a:srgbClr val="000000"/>
-                        </a:solidFill>
-                        <a:latin typeface="微软雅黑" panose="020B0503020204020204" pitchFamily="34" charset="-122"/>
-                        <a:ea typeface="微软雅黑" panose="020B0503020204020204" pitchFamily="34" charset="-122"/>
-                        <a:cs typeface="宋体" panose="02010600030101010101" pitchFamily="2" charset="-122"/>
-                      </a:endParaRPr>
                     </a:p>
                   </a:txBody>
                   <a:tcPr marL="0" marR="0" marT="0" marB="0" anchor="ctr">
@@ -19299,14 +18370,6 @@
                         </a:rPr>
                         <a:t>组员会产生低落情绪，工作积极性降低</a:t>
                       </a:r>
-                      <a:endParaRPr lang="zh-CN" altLang="en-US" sz="1000" b="0">
-                        <a:solidFill>
-                          <a:srgbClr val="000000"/>
-                        </a:solidFill>
-                        <a:latin typeface="微软雅黑" panose="020B0503020204020204" pitchFamily="34" charset="-122"/>
-                        <a:ea typeface="微软雅黑" panose="020B0503020204020204" pitchFamily="34" charset="-122"/>
-                        <a:cs typeface="宋体" panose="02010600030101010101" pitchFamily="2" charset="-122"/>
-                      </a:endParaRPr>
                     </a:p>
                   </a:txBody>
                   <a:tcPr marL="0" marR="0" marT="0" marB="0" anchor="ctr">
@@ -19370,14 +18433,6 @@
                         </a:rPr>
                         <a:t>6</a:t>
                       </a:r>
-                      <a:endParaRPr lang="en-US" altLang="zh-CN" sz="1000" b="0">
-                        <a:solidFill>
-                          <a:srgbClr val="000000"/>
-                        </a:solidFill>
-                        <a:latin typeface="微软雅黑" panose="020B0503020204020204" pitchFamily="34" charset="-122"/>
-                        <a:ea typeface="微软雅黑" panose="020B0503020204020204" pitchFamily="34" charset="-122"/>
-                        <a:cs typeface="宋体" panose="02010600030101010101" pitchFamily="2" charset="-122"/>
-                      </a:endParaRPr>
                     </a:p>
                   </a:txBody>
                   <a:tcPr marL="0" marR="0" marT="0" marB="0" anchor="ctr">
@@ -19441,14 +18496,6 @@
                         </a:rPr>
                         <a:t>9</a:t>
                       </a:r>
-                      <a:endParaRPr lang="en-US" altLang="zh-CN" sz="1000" b="0">
-                        <a:solidFill>
-                          <a:srgbClr val="000000"/>
-                        </a:solidFill>
-                        <a:latin typeface="微软雅黑" panose="020B0503020204020204" pitchFamily="34" charset="-122"/>
-                        <a:ea typeface="微软雅黑" panose="020B0503020204020204" pitchFamily="34" charset="-122"/>
-                        <a:cs typeface="宋体" panose="02010600030101010101" pitchFamily="2" charset="-122"/>
-                      </a:endParaRPr>
                     </a:p>
                   </a:txBody>
                   <a:tcPr marL="0" marR="0" marT="0" marB="0" anchor="ctr">
@@ -19512,14 +18559,6 @@
                         </a:rPr>
                         <a:t>4</a:t>
                       </a:r>
-                      <a:endParaRPr lang="en-US" altLang="zh-CN" sz="1000" b="0">
-                        <a:solidFill>
-                          <a:srgbClr val="000000"/>
-                        </a:solidFill>
-                        <a:latin typeface="微软雅黑" panose="020B0503020204020204" pitchFamily="34" charset="-122"/>
-                        <a:ea typeface="微软雅黑" panose="020B0503020204020204" pitchFamily="34" charset="-122"/>
-                        <a:cs typeface="宋体" panose="02010600030101010101" pitchFamily="2" charset="-122"/>
-                      </a:endParaRPr>
                     </a:p>
                   </a:txBody>
                   <a:tcPr marL="0" marR="0" marT="0" marB="0" anchor="ctr">
@@ -19583,14 +18622,6 @@
                         </a:rPr>
                         <a:t>216</a:t>
                       </a:r>
-                      <a:endParaRPr lang="en-US" altLang="zh-CN" sz="1000" b="0">
-                        <a:solidFill>
-                          <a:srgbClr val="000000"/>
-                        </a:solidFill>
-                        <a:latin typeface="微软雅黑" panose="020B0503020204020204" pitchFamily="34" charset="-122"/>
-                        <a:ea typeface="微软雅黑" panose="020B0503020204020204" pitchFamily="34" charset="-122"/>
-                        <a:cs typeface="宋体" panose="02010600030101010101" pitchFamily="2" charset="-122"/>
-                      </a:endParaRPr>
                     </a:p>
                   </a:txBody>
                   <a:tcPr marL="0" marR="0" marT="0" marB="0" anchor="ctr">
@@ -19654,14 +18685,6 @@
                         </a:rPr>
                         <a:t>提前列出扣分与加分项目，让各个组员明白自己的扣分点和加分点</a:t>
                       </a:r>
-                      <a:endParaRPr lang="zh-CN" altLang="en-US" sz="1000" b="0">
-                        <a:solidFill>
-                          <a:srgbClr val="000000"/>
-                        </a:solidFill>
-                        <a:latin typeface="微软雅黑" panose="020B0503020204020204" pitchFamily="34" charset="-122"/>
-                        <a:ea typeface="微软雅黑" panose="020B0503020204020204" pitchFamily="34" charset="-122"/>
-                        <a:cs typeface="宋体" panose="02010600030101010101" pitchFamily="2" charset="-122"/>
-                      </a:endParaRPr>
                     </a:p>
                   </a:txBody>
                   <a:tcPr marL="0" marR="0" marT="0" marB="0" anchor="ctr">
@@ -19725,14 +18748,6 @@
                         </a:rPr>
                         <a:t>有</a:t>
                       </a:r>
-                      <a:endParaRPr lang="zh-CN" altLang="en-US" sz="1000" b="1">
-                        <a:solidFill>
-                          <a:srgbClr val="000000"/>
-                        </a:solidFill>
-                        <a:latin typeface="微软雅黑" panose="020B0503020204020204" pitchFamily="34" charset="-122"/>
-                        <a:ea typeface="微软雅黑" panose="020B0503020204020204" pitchFamily="34" charset="-122"/>
-                        <a:cs typeface="宋体" panose="02010600030101010101" pitchFamily="2" charset="-122"/>
-                      </a:endParaRPr>
                     </a:p>
                   </a:txBody>
                   <a:tcPr marL="0" marR="0" marT="0" marB="0" anchor="ctr">
@@ -19796,14 +18811,6 @@
                         </a:rPr>
                         <a:t>无</a:t>
                       </a:r>
-                      <a:endParaRPr lang="zh-CN" altLang="en-US" sz="1000" b="1">
-                        <a:solidFill>
-                          <a:srgbClr val="000000"/>
-                        </a:solidFill>
-                        <a:latin typeface="微软雅黑" panose="020B0503020204020204" pitchFamily="34" charset="-122"/>
-                        <a:ea typeface="微软雅黑" panose="020B0503020204020204" pitchFamily="34" charset="-122"/>
-                        <a:cs typeface="宋体" panose="02010600030101010101" pitchFamily="2" charset="-122"/>
-                      </a:endParaRPr>
                     </a:p>
                   </a:txBody>
                   <a:tcPr marL="0" marR="0" marT="0" marB="0" anchor="ctr">
@@ -19867,14 +18874,6 @@
                         </a:rPr>
                         <a:t>低</a:t>
                       </a:r>
-                      <a:endParaRPr lang="zh-CN" altLang="en-US" sz="1000" b="1">
-                        <a:solidFill>
-                          <a:srgbClr val="000000"/>
-                        </a:solidFill>
-                        <a:latin typeface="微软雅黑" panose="020B0503020204020204" pitchFamily="34" charset="-122"/>
-                        <a:ea typeface="微软雅黑" panose="020B0503020204020204" pitchFamily="34" charset="-122"/>
-                        <a:cs typeface="宋体" panose="02010600030101010101" pitchFamily="2" charset="-122"/>
-                      </a:endParaRPr>
                     </a:p>
                   </a:txBody>
                   <a:tcPr marL="0" marR="0" marT="0" marB="0" anchor="ctr">
@@ -19922,6 +18921,13 @@
               </a:tr>
               <a:tr h="415925">
                 <a:tc vMerge="1">
+                  <a:txBody>
+                    <a:bodyPr/>
+                    <a:lstStyle/>
+                    <a:p>
+                      <a:endParaRPr lang="zh-CN"/>
+                    </a:p>
+                  </a:txBody>
                   <a:tcPr>
                     <a:lnL w="15240" cap="flat" cmpd="sng">
                       <a:solidFill>
@@ -19968,14 +18974,6 @@
                         </a:rPr>
                         <a:t>考评项目不是很好</a:t>
                       </a:r>
-                      <a:endParaRPr lang="zh-CN" altLang="en-US" sz="1000" b="0">
-                        <a:solidFill>
-                          <a:srgbClr val="000000"/>
-                        </a:solidFill>
-                        <a:latin typeface="微软雅黑" panose="020B0503020204020204" pitchFamily="34" charset="-122"/>
-                        <a:ea typeface="微软雅黑" panose="020B0503020204020204" pitchFamily="34" charset="-122"/>
-                        <a:cs typeface="宋体" panose="02010600030101010101" pitchFamily="2" charset="-122"/>
-                      </a:endParaRPr>
                     </a:p>
                   </a:txBody>
                   <a:tcPr marL="0" marR="0" marT="0" marB="0" anchor="ctr">
@@ -20039,14 +19037,6 @@
                         </a:rPr>
                         <a:t>影响最终评分</a:t>
                       </a:r>
-                      <a:endParaRPr lang="zh-CN" altLang="en-US" sz="1000" b="0">
-                        <a:solidFill>
-                          <a:srgbClr val="000000"/>
-                        </a:solidFill>
-                        <a:latin typeface="微软雅黑" panose="020B0503020204020204" pitchFamily="34" charset="-122"/>
-                        <a:ea typeface="微软雅黑" panose="020B0503020204020204" pitchFamily="34" charset="-122"/>
-                        <a:cs typeface="宋体" panose="02010600030101010101" pitchFamily="2" charset="-122"/>
-                      </a:endParaRPr>
                     </a:p>
                   </a:txBody>
                   <a:tcPr marL="0" marR="0" marT="0" marB="0" anchor="ctr">
@@ -20110,14 +19100,6 @@
                         </a:rPr>
                         <a:t>4</a:t>
                       </a:r>
-                      <a:endParaRPr lang="en-US" altLang="zh-CN" sz="1000" b="0">
-                        <a:solidFill>
-                          <a:srgbClr val="000000"/>
-                        </a:solidFill>
-                        <a:latin typeface="微软雅黑" panose="020B0503020204020204" pitchFamily="34" charset="-122"/>
-                        <a:ea typeface="微软雅黑" panose="020B0503020204020204" pitchFamily="34" charset="-122"/>
-                        <a:cs typeface="宋体" panose="02010600030101010101" pitchFamily="2" charset="-122"/>
-                      </a:endParaRPr>
                     </a:p>
                   </a:txBody>
                   <a:tcPr marL="0" marR="0" marT="0" marB="0" anchor="ctr">
@@ -20171,7 +19153,7 @@
                         <a:buNone/>
                       </a:pPr>
                       <a:r>
-                        <a:rPr lang="en-US" altLang="zh-CN" sz="1000" b="0">
+                        <a:rPr lang="en-US" altLang="zh-CN" sz="1000" b="0" dirty="0">
                           <a:solidFill>
                             <a:srgbClr val="000000"/>
                           </a:solidFill>
@@ -20181,14 +19163,6 @@
                         </a:rPr>
                         <a:t>9</a:t>
                       </a:r>
-                      <a:endParaRPr lang="en-US" altLang="zh-CN" sz="1000" b="0">
-                        <a:solidFill>
-                          <a:srgbClr val="000000"/>
-                        </a:solidFill>
-                        <a:latin typeface="微软雅黑" panose="020B0503020204020204" pitchFamily="34" charset="-122"/>
-                        <a:ea typeface="微软雅黑" panose="020B0503020204020204" pitchFamily="34" charset="-122"/>
-                        <a:cs typeface="宋体" panose="02010600030101010101" pitchFamily="2" charset="-122"/>
-                      </a:endParaRPr>
                     </a:p>
                   </a:txBody>
                   <a:tcPr marL="0" marR="0" marT="0" marB="0" anchor="ctr">
@@ -20252,14 +19226,6 @@
                         </a:rPr>
                         <a:t>5</a:t>
                       </a:r>
-                      <a:endParaRPr lang="en-US" altLang="zh-CN" sz="1000" b="0">
-                        <a:solidFill>
-                          <a:srgbClr val="000000"/>
-                        </a:solidFill>
-                        <a:latin typeface="微软雅黑" panose="020B0503020204020204" pitchFamily="34" charset="-122"/>
-                        <a:ea typeface="微软雅黑" panose="020B0503020204020204" pitchFamily="34" charset="-122"/>
-                        <a:cs typeface="宋体" panose="02010600030101010101" pitchFamily="2" charset="-122"/>
-                      </a:endParaRPr>
                     </a:p>
                   </a:txBody>
                   <a:tcPr marL="0" marR="0" marT="0" marB="0" anchor="ctr">
@@ -20323,14 +19289,6 @@
                         </a:rPr>
                         <a:t>180</a:t>
                       </a:r>
-                      <a:endParaRPr lang="en-US" altLang="zh-CN" sz="1000" b="0">
-                        <a:solidFill>
-                          <a:srgbClr val="000000"/>
-                        </a:solidFill>
-                        <a:latin typeface="微软雅黑" panose="020B0503020204020204" pitchFamily="34" charset="-122"/>
-                        <a:ea typeface="微软雅黑" panose="020B0503020204020204" pitchFamily="34" charset="-122"/>
-                        <a:cs typeface="宋体" panose="02010600030101010101" pitchFamily="2" charset="-122"/>
-                      </a:endParaRPr>
                     </a:p>
                   </a:txBody>
                   <a:tcPr marL="0" marR="0" marT="0" marB="0" anchor="ctr">
@@ -20394,14 +19352,6 @@
                         </a:rPr>
                         <a:t>小组间进行讨论，项目启动阶段制定出大家都满意的打分标准</a:t>
                       </a:r>
-                      <a:endParaRPr lang="zh-CN" altLang="en-US" sz="1000" b="0">
-                        <a:solidFill>
-                          <a:srgbClr val="000000"/>
-                        </a:solidFill>
-                        <a:latin typeface="微软雅黑" panose="020B0503020204020204" pitchFamily="34" charset="-122"/>
-                        <a:ea typeface="微软雅黑" panose="020B0503020204020204" pitchFamily="34" charset="-122"/>
-                        <a:cs typeface="宋体" panose="02010600030101010101" pitchFamily="2" charset="-122"/>
-                      </a:endParaRPr>
                     </a:p>
                   </a:txBody>
                   <a:tcPr marL="0" marR="0" marT="0" marB="0" anchor="ctr">
@@ -20465,14 +19415,6 @@
                         </a:rPr>
                         <a:t>有</a:t>
                       </a:r>
-                      <a:endParaRPr lang="zh-CN" altLang="en-US" sz="1000" b="1">
-                        <a:solidFill>
-                          <a:srgbClr val="000000"/>
-                        </a:solidFill>
-                        <a:latin typeface="微软雅黑" panose="020B0503020204020204" pitchFamily="34" charset="-122"/>
-                        <a:ea typeface="微软雅黑" panose="020B0503020204020204" pitchFamily="34" charset="-122"/>
-                        <a:cs typeface="宋体" panose="02010600030101010101" pitchFamily="2" charset="-122"/>
-                      </a:endParaRPr>
                     </a:p>
                   </a:txBody>
                   <a:tcPr marL="0" marR="0" marT="0" marB="0" anchor="ctr">
@@ -20536,14 +19478,6 @@
                         </a:rPr>
                         <a:t>无</a:t>
                       </a:r>
-                      <a:endParaRPr lang="zh-CN" altLang="en-US" sz="1000" b="1">
-                        <a:solidFill>
-                          <a:srgbClr val="000000"/>
-                        </a:solidFill>
-                        <a:latin typeface="微软雅黑" panose="020B0503020204020204" pitchFamily="34" charset="-122"/>
-                        <a:ea typeface="微软雅黑" panose="020B0503020204020204" pitchFamily="34" charset="-122"/>
-                        <a:cs typeface="宋体" panose="02010600030101010101" pitchFamily="2" charset="-122"/>
-                      </a:endParaRPr>
                     </a:p>
                   </a:txBody>
                   <a:tcPr marL="0" marR="0" marT="0" marB="0" anchor="ctr">
@@ -20607,14 +19541,6 @@
                         </a:rPr>
                         <a:t>低</a:t>
                       </a:r>
-                      <a:endParaRPr lang="zh-CN" altLang="en-US" sz="1000" b="1">
-                        <a:solidFill>
-                          <a:srgbClr val="000000"/>
-                        </a:solidFill>
-                        <a:latin typeface="微软雅黑" panose="020B0503020204020204" pitchFamily="34" charset="-122"/>
-                        <a:ea typeface="微软雅黑" panose="020B0503020204020204" pitchFamily="34" charset="-122"/>
-                        <a:cs typeface="宋体" panose="02010600030101010101" pitchFamily="2" charset="-122"/>
-                      </a:endParaRPr>
                     </a:p>
                   </a:txBody>
                   <a:tcPr marL="0" marR="0" marT="0" marB="0" anchor="ctr">
@@ -20664,6 +19590,74 @@
           </a:graphicData>
         </a:graphic>
       </p:graphicFrame>
+      <p:sp>
+        <p:nvSpPr>
+          <p:cNvPr id="7" name="TextBox 6"/>
+          <p:cNvSpPr txBox="1"/>
+          <p:nvPr/>
+        </p:nvSpPr>
+        <p:spPr>
+          <a:xfrm>
+            <a:off x="7535366" y="136617"/>
+            <a:ext cx="4447003" cy="461665"/>
+          </a:xfrm>
+          <a:prstGeom prst="rect">
+            <a:avLst/>
+          </a:prstGeom>
+          <a:noFill/>
+        </p:spPr>
+        <p:txBody>
+          <a:bodyPr wrap="square" rtlCol="0">
+            <a:spAutoFit/>
+          </a:bodyPr>
+          <a:lstStyle/>
+          <a:p>
+            <a:r>
+              <a:rPr lang="zh-CN" altLang="en-US" sz="1200" dirty="0" smtClean="0"/>
+              <a:t>注释：参考</a:t>
+            </a:r>
+            <a:r>
+              <a:rPr lang="en-US" altLang="zh-CN" sz="1200" dirty="0" smtClean="0"/>
+              <a:t>《</a:t>
+            </a:r>
+            <a:r>
+              <a:rPr lang="zh-CN" altLang="en-US" sz="1200" dirty="0" smtClean="0"/>
+              <a:t>风险评估：理论方法与应用</a:t>
+            </a:r>
+            <a:r>
+              <a:rPr lang="en-US" altLang="zh-CN" sz="1200" dirty="0" smtClean="0"/>
+              <a:t>》</a:t>
+            </a:r>
+          </a:p>
+          <a:p>
+            <a:r>
+              <a:rPr lang="zh-CN" altLang="en-US" sz="1200" dirty="0" smtClean="0"/>
+              <a:t>作者</a:t>
+            </a:r>
+            <a:r>
+              <a:rPr lang="en-US" altLang="zh-CN" sz="1200" dirty="0" smtClean="0"/>
+              <a:t>:Marvin </a:t>
+            </a:r>
+            <a:r>
+              <a:rPr lang="en-US" altLang="zh-CN" sz="1200" dirty="0" err="1" smtClean="0"/>
+              <a:t>Rausand</a:t>
+            </a:r>
+            <a:r>
+              <a:rPr lang="en-US" altLang="zh-CN" sz="1200" dirty="0" smtClean="0"/>
+              <a:t>     </a:t>
+            </a:r>
+            <a:r>
+              <a:rPr lang="zh-CN" altLang="en-US" sz="1200" dirty="0" smtClean="0"/>
+              <a:t>清华大学出版社</a:t>
+            </a:r>
+            <a:r>
+              <a:rPr lang="en-US" altLang="zh-CN" sz="1200" dirty="0" smtClean="0"/>
+              <a:t>2013.06.01</a:t>
+            </a:r>
+            <a:endParaRPr lang="zh-CN" altLang="en-US" sz="1200" dirty="0"/>
+          </a:p>
+        </p:txBody>
+      </p:sp>
     </p:spTree>
   </p:cSld>
   <p:clrMapOvr>
@@ -20846,7 +19840,7 @@
           <p:nvPr/>
         </p:nvPicPr>
         <p:blipFill>
-          <a:blip r:embed="rId1"/>
+          <a:blip r:embed="rId2"/>
           <a:stretch>
             <a:fillRect/>
           </a:stretch>
@@ -20898,18 +19892,6 @@
               </a:rPr>
               <a:t>详情见甘特图</a:t>
             </a:r>
-            <a:endParaRPr lang="zh-CN" altLang="en-US" sz="5400">
-              <a:solidFill>
-                <a:schemeClr val="accent1"/>
-              </a:solidFill>
-              <a:effectLst>
-                <a:outerShdw blurRad="38100" dist="25400" dir="5400000" algn="ctr" rotWithShape="0">
-                  <a:srgbClr val="6E747A">
-                    <a:alpha val="43000"/>
-                  </a:srgbClr>
-                </a:outerShdw>
-              </a:effectLst>
-            </a:endParaRPr>
           </a:p>
         </p:txBody>
       </p:sp>
@@ -20957,7 +19939,7 @@
           <p:nvPr/>
         </p:nvPicPr>
         <p:blipFill>
-          <a:blip r:embed="rId1">
+          <a:blip r:embed="rId2">
             <a:extLst>
               <a:ext uri="{28A0092B-C50C-407E-A947-70E740481C1C}">
                 <a14:useLocalDpi xmlns:a14="http://schemas.microsoft.com/office/drawing/2010/main" val="0"/>
@@ -21046,7 +20028,7 @@
           <p:nvPr/>
         </p:nvPicPr>
         <p:blipFill>
-          <a:blip r:embed="rId1">
+          <a:blip r:embed="rId2">
             <a:extLst>
               <a:ext uri="{28A0092B-C50C-407E-A947-70E740481C1C}">
                 <a14:useLocalDpi xmlns:a14="http://schemas.microsoft.com/office/drawing/2010/main" val="0"/>
@@ -21501,13 +20483,6 @@
               </a:rPr>
               <a:t>项目名称：问酒</a:t>
             </a:r>
-            <a:endParaRPr lang="zh-CN" altLang="en-US" dirty="0">
-              <a:solidFill>
-                <a:sysClr val="windowText" lastClr="000000"/>
-              </a:solidFill>
-              <a:latin typeface="微软雅黑" panose="020B0503020204020204" pitchFamily="34" charset="-122"/>
-              <a:ea typeface="微软雅黑" panose="020B0503020204020204" pitchFamily="34" charset="-122"/>
-            </a:endParaRPr>
           </a:p>
         </p:txBody>
       </p:sp>
@@ -21543,13 +20518,6 @@
               </a:rPr>
               <a:t>项目简介</a:t>
             </a:r>
-            <a:endParaRPr lang="zh-CN" altLang="en-US" sz="3200" b="1" dirty="0">
-              <a:solidFill>
-                <a:schemeClr val="bg1"/>
-              </a:solidFill>
-              <a:latin typeface="微软雅黑" panose="020B0503020204020204" pitchFamily="34" charset="-122"/>
-              <a:ea typeface="微软雅黑" panose="020B0503020204020204" pitchFamily="34" charset="-122"/>
-            </a:endParaRPr>
           </a:p>
         </p:txBody>
       </p:sp>
@@ -21576,7 +20544,7 @@
           <a:lstStyle/>
           <a:p>
             <a:r>
-              <a:rPr lang="zh-CN" altLang="en-US">
+              <a:rPr lang="zh-CN" altLang="en-US" dirty="0">
                 <a:latin typeface="微软雅黑" panose="020B0503020204020204" pitchFamily="34" charset="-122"/>
                 <a:ea typeface="微软雅黑" panose="020B0503020204020204" pitchFamily="34" charset="-122"/>
               </a:rPr>
@@ -21593,14 +20561,6 @@
               </a:rPr>
               <a:t>供广大群众通过图像识别查询酒的基本信息，以及推荐喝法和配菜。</a:t>
             </a:r>
-            <a:endParaRPr lang="zh-CN" altLang="en-US" dirty="0">
-              <a:solidFill>
-                <a:sysClr val="windowText" lastClr="000000"/>
-              </a:solidFill>
-              <a:latin typeface="微软雅黑" panose="020B0503020204020204" pitchFamily="34" charset="-122"/>
-              <a:ea typeface="微软雅黑" panose="020B0503020204020204" pitchFamily="34" charset="-122"/>
-              <a:sym typeface="+mn-ea"/>
-            </a:endParaRPr>
           </a:p>
           <a:p>
             <a:endParaRPr lang="zh-CN" altLang="en-US" dirty="0">
@@ -21624,7 +20584,7 @@
               </a:rPr>
               <a:t>项目目标：为喜欢喝酒以及对酒文化感兴趣的群体通过Android Studio和Tensorflow等工具开发出一个可以通过图像识别来检索酒的信息的APP。</a:t>
             </a:r>
-            <a:endParaRPr lang="zh-CN" altLang="en-US" dirty="0">
+            <a:endParaRPr lang="zh-CN" altLang="en-US" i="1" dirty="0">
               <a:solidFill>
                 <a:sysClr val="windowText" lastClr="000000"/>
               </a:solidFill>
@@ -21634,7 +20594,7 @@
             </a:endParaRPr>
           </a:p>
           <a:p>
-            <a:endParaRPr lang="zh-CN" altLang="en-US"/>
+            <a:endParaRPr lang="zh-CN" altLang="en-US" dirty="0"/>
           </a:p>
         </p:txBody>
       </p:sp>
@@ -22232,14 +21192,14 @@
               <a:defRPr/>
             </a:pPr>
             <a:r>
-              <a:rPr lang="zh-CN" sz="3200" b="1" dirty="0">
+              <a:rPr lang="zh-CN" altLang="en-US" sz="3200" b="1" dirty="0" smtClean="0">
                 <a:solidFill>
                   <a:schemeClr val="bg1"/>
                 </a:solidFill>
                 <a:latin typeface="微软雅黑" panose="020B0503020204020204" pitchFamily="34" charset="-122"/>
                 <a:ea typeface="微软雅黑" panose="020B0503020204020204" pitchFamily="34" charset="-122"/>
               </a:rPr>
-              <a:t>分工及考评</a:t>
+              <a:t>参考文献</a:t>
             </a:r>
             <a:endParaRPr lang="zh-CN" sz="3200" b="1" dirty="0">
               <a:solidFill>
@@ -22255,11 +21215,17 @@
         <p:nvGraphicFramePr>
           <p:cNvPr id="3" name="表格 2"/>
           <p:cNvGraphicFramePr/>
-          <p:nvPr/>
+          <p:nvPr>
+            <p:extLst>
+              <p:ext uri="{D42A27DB-BD31-4B8C-83A1-F6EECF244321}">
+                <p14:modId xmlns:p14="http://schemas.microsoft.com/office/powerpoint/2010/main" val="3926437162"/>
+              </p:ext>
+            </p:extLst>
+          </p:nvPr>
         </p:nvGraphicFramePr>
         <p:xfrm>
-          <a:off x="3181985" y="1708150"/>
-          <a:ext cx="8532495" cy="3854450"/>
+          <a:off x="3934967" y="1629594"/>
+          <a:ext cx="6984474" cy="4005014"/>
         </p:xfrm>
         <a:graphic>
           <a:graphicData uri="http://schemas.openxmlformats.org/drawingml/2006/table">
@@ -22268,28 +21234,62 @@
                 <a:tableStyleId>{5C22544A-7EE6-4342-B048-85BDC9FD1C3A}</a:tableStyleId>
               </a:tblPr>
               <a:tblGrid>
-                <a:gridCol w="1442720"/>
+                <a:gridCol w="2738864"/>
                 <a:gridCol w="4245610"/>
-                <a:gridCol w="2844165"/>
               </a:tblGrid>
-              <a:tr h="1313180">
+              <a:tr h="1463744">
                 <a:tc>
                   <a:txBody>
                     <a:bodyPr/>
                     <a:lstStyle/>
                     <a:p>
-                      <a:pPr algn="ctr">
+                      <a:pPr marL="0" marR="0" indent="0" algn="l" defTabSz="1088390" rtl="0" eaLnBrk="1" fontAlgn="auto" latinLnBrk="0" hangingPunct="1">
+                        <a:lnSpc>
+                          <a:spcPct val="100000"/>
+                        </a:lnSpc>
+                        <a:spcBef>
+                          <a:spcPts val="0"/>
+                        </a:spcBef>
+                        <a:spcAft>
+                          <a:spcPts val="0"/>
+                        </a:spcAft>
+                        <a:buClrTx/>
+                        <a:buSzTx/>
+                        <a:buFontTx/>
                         <a:buNone/>
+                        <a:tabLst/>
+                        <a:defRPr/>
                       </a:pPr>
                       <a:r>
-                        <a:rPr lang="zh-CN" altLang="en-US" b="0">
+                        <a:rPr lang="en-US" altLang="zh-CN" sz="2400" b="0" dirty="0" smtClean="0">
                           <a:solidFill>
                             <a:schemeClr val="tx1"/>
                           </a:solidFill>
                         </a:rPr>
-                        <a:t>黄为波</a:t>
+                        <a:t>《</a:t>
                       </a:r>
-                      <a:endParaRPr lang="zh-CN" altLang="en-US" b="0">
+                      <a:r>
+                        <a:rPr lang="zh-CN" altLang="en-US" sz="2400" b="0" dirty="0" smtClean="0">
+                          <a:solidFill>
+                            <a:schemeClr val="tx1"/>
+                          </a:solidFill>
+                        </a:rPr>
+                        <a:t>风险评估：理论方法与应用</a:t>
+                      </a:r>
+                      <a:r>
+                        <a:rPr lang="en-US" altLang="zh-CN" sz="2400" b="0" dirty="0" smtClean="0">
+                          <a:solidFill>
+                            <a:schemeClr val="tx1"/>
+                          </a:solidFill>
+                        </a:rPr>
+                        <a:t>》</a:t>
+                      </a:r>
+                    </a:p>
+                    <a:p>
+                      <a:pPr algn="l">
+                        <a:buNone/>
+                      </a:pPr>
+                      <a:endParaRPr lang="zh-CN" altLang="en-US" b="0" dirty="0">
                         <a:solidFill>
                           <a:schemeClr val="tx1"/>
                         </a:solidFill>
@@ -22310,82 +21310,67 @@
                     <a:bodyPr/>
                     <a:lstStyle/>
                     <a:p>
-                      <a:pPr algn="ctr">
-                        <a:buNone/>
-                      </a:pPr>
+                      <a:pPr algn="l"/>
                       <a:r>
-                        <a:rPr lang="zh-CN" altLang="en-US" b="0">
+                        <a:rPr lang="zh-CN" altLang="en-US" sz="2400" b="0" dirty="0" smtClean="0">
                           <a:solidFill>
                             <a:schemeClr val="tx1"/>
                           </a:solidFill>
                         </a:rPr>
-                        <a:t>制作甘特图，</a:t>
+                        <a:t>作者</a:t>
                       </a:r>
                       <a:r>
-                        <a:rPr lang="en-US" altLang="zh-CN" b="0">
+                        <a:rPr lang="en-US" altLang="zh-CN" sz="2400" b="0" dirty="0" smtClean="0">
                           <a:solidFill>
                             <a:schemeClr val="tx1"/>
                           </a:solidFill>
                         </a:rPr>
-                        <a:t>PPT</a:t>
+                        <a:t>:Marvin </a:t>
                       </a:r>
                       <a:r>
-                        <a:rPr lang="zh-CN" altLang="en-US" b="0">
+                        <a:rPr lang="en-US" altLang="zh-CN" sz="2400" b="0" dirty="0" err="1" smtClean="0">
                           <a:solidFill>
                             <a:schemeClr val="tx1"/>
                           </a:solidFill>
                         </a:rPr>
-                        <a:t>制作与整合，执笔项目计划报告，数据流图，文档规范文件，</a:t>
+                        <a:t>Rausand</a:t>
                       </a:r>
                       <a:r>
-                        <a:rPr lang="en-US" altLang="zh-CN" b="0">
+                        <a:rPr lang="en-US" altLang="zh-CN" sz="2400" b="0" dirty="0" smtClean="0">
                           <a:solidFill>
                             <a:schemeClr val="tx1"/>
                           </a:solidFill>
                         </a:rPr>
-                        <a:t>WBS</a:t>
+                        <a:t>     </a:t>
                       </a:r>
+                    </a:p>
+                    <a:p>
+                      <a:pPr algn="l"/>
                       <a:r>
-                        <a:rPr lang="zh-CN" altLang="en-US" b="0">
+                        <a:rPr lang="zh-CN" altLang="en-US" sz="2400" b="0" dirty="0" smtClean="0">
                           <a:solidFill>
                             <a:schemeClr val="tx1"/>
                           </a:solidFill>
                         </a:rPr>
-                        <a:t>结构图</a:t>
+                        <a:t>清华大学出版社</a:t>
                       </a:r>
-                      <a:endParaRPr lang="zh-CN" altLang="en-US" b="0">
+                      <a:endParaRPr lang="en-US" altLang="zh-CN" sz="2400" b="0" dirty="0" smtClean="0">
                         <a:solidFill>
                           <a:schemeClr val="tx1"/>
                         </a:solidFill>
                       </a:endParaRPr>
                     </a:p>
-                  </a:txBody>
-                  <a:tcPr>
-                    <a:solidFill>
-                      <a:schemeClr val="accent1">
-                        <a:lumMod val="40000"/>
-                        <a:lumOff val="60000"/>
-                      </a:schemeClr>
-                    </a:solidFill>
-                  </a:tcPr>
-                </a:tc>
-                <a:tc>
-                  <a:txBody>
-                    <a:bodyPr/>
-                    <a:lstStyle/>
                     <a:p>
-                      <a:pPr algn="ctr">
-                        <a:buNone/>
-                      </a:pPr>
+                      <a:pPr algn="l"/>
                       <a:r>
-                        <a:rPr lang="en-US" altLang="zh-CN" b="0">
+                        <a:rPr lang="en-US" altLang="zh-CN" sz="2400" b="0" dirty="0" smtClean="0">
                           <a:solidFill>
                             <a:schemeClr val="tx1"/>
                           </a:solidFill>
                         </a:rPr>
-                        <a:t>9.6</a:t>
+                        <a:t>2013.06.01</a:t>
                       </a:r>
-                      <a:endParaRPr lang="en-US" altLang="zh-CN" b="0">
+                      <a:endParaRPr lang="zh-CN" altLang="en-US" sz="2400" b="0" dirty="0">
                         <a:solidFill>
                           <a:schemeClr val="tx1"/>
                         </a:solidFill>
@@ -22408,18 +21393,63 @@
                     <a:bodyPr/>
                     <a:lstStyle/>
                     <a:p>
-                      <a:pPr algn="ctr">
+                      <a:pPr algn="l">
                         <a:buNone/>
                       </a:pPr>
                       <a:r>
-                        <a:rPr lang="zh-CN" altLang="en-US">
+                        <a:rPr lang="en-US" altLang="zh-CN" dirty="0" smtClean="0">
                           <a:solidFill>
                             <a:schemeClr val="tx1"/>
                           </a:solidFill>
                         </a:rPr>
-                        <a:t>陈子卿</a:t>
+                        <a:t>《</a:t>
                       </a:r>
-                      <a:endParaRPr lang="zh-CN" altLang="en-US">
+                      <a:r>
+                        <a:rPr lang="zh-CN" altLang="en-US" dirty="0" smtClean="0">
+                          <a:solidFill>
+                            <a:schemeClr val="tx1"/>
+                          </a:solidFill>
+                        </a:rPr>
+                        <a:t>软件工程导论</a:t>
+                      </a:r>
+                      <a:r>
+                        <a:rPr lang="en-US" altLang="zh-CN" dirty="0" smtClean="0">
+                          <a:solidFill>
+                            <a:schemeClr val="tx1"/>
+                          </a:solidFill>
+                        </a:rPr>
+                        <a:t>》</a:t>
+                      </a:r>
+                    </a:p>
+                    <a:p>
+                      <a:pPr algn="l">
+                        <a:buNone/>
+                      </a:pPr>
+                      <a:r>
+                        <a:rPr lang="zh-CN" altLang="en-US" dirty="0" smtClean="0">
+                          <a:solidFill>
+                            <a:schemeClr val="tx1"/>
+                          </a:solidFill>
+                        </a:rPr>
+                        <a:t>（第</a:t>
+                      </a:r>
+                      <a:r>
+                        <a:rPr lang="en-US" altLang="zh-CN" dirty="0" smtClean="0">
+                          <a:solidFill>
+                            <a:schemeClr val="tx1"/>
+                          </a:solidFill>
+                        </a:rPr>
+                        <a:t>6</a:t>
+                      </a:r>
+                      <a:r>
+                        <a:rPr lang="zh-CN" altLang="en-US" dirty="0" smtClean="0">
+                          <a:solidFill>
+                            <a:schemeClr val="tx1"/>
+                          </a:solidFill>
+                        </a:rPr>
+                        <a:t>版）</a:t>
+                      </a:r>
+                      <a:endParaRPr lang="zh-CN" altLang="en-US" dirty="0">
                         <a:solidFill>
                           <a:schemeClr val="tx1"/>
                         </a:solidFill>
@@ -22433,59 +21463,102 @@
                     <a:bodyPr/>
                     <a:lstStyle/>
                     <a:p>
-                      <a:pPr algn="ctr">
+                      <a:pPr algn="l">
                         <a:buNone/>
                       </a:pPr>
                       <a:r>
-                        <a:rPr lang="zh-CN" altLang="en-US">
+                        <a:rPr lang="zh-CN" altLang="en-US" dirty="0" smtClean="0">
                           <a:solidFill>
                             <a:schemeClr val="tx1"/>
                           </a:solidFill>
                         </a:rPr>
-                        <a:t>制作风险评估计划表格，</a:t>
+                        <a:t>作者：张海藩</a:t>
                       </a:r>
                       <a:r>
-                        <a:rPr lang="en-US" altLang="zh-CN">
+                        <a:rPr lang="zh-CN" altLang="en-US" baseline="0" dirty="0" smtClean="0">
                           <a:solidFill>
                             <a:schemeClr val="tx1"/>
                           </a:solidFill>
                         </a:rPr>
-                        <a:t>word</a:t>
+                        <a:t>    牟永敏</a:t>
                       </a:r>
-                      <a:r>
-                        <a:rPr lang="zh-CN" altLang="en-US">
-                          <a:solidFill>
-                            <a:schemeClr val="tx1"/>
-                          </a:solidFill>
-                        </a:rPr>
-                        <a:t>文档的规范排版，执笔需求分析报告，项目计划报告的修改</a:t>
-                      </a:r>
-                      <a:endParaRPr lang="zh-CN" altLang="en-US">
+                      <a:endParaRPr lang="en-US" altLang="zh-CN" baseline="0" dirty="0" smtClean="0">
                         <a:solidFill>
                           <a:schemeClr val="tx1"/>
                         </a:solidFill>
                       </a:endParaRPr>
                     </a:p>
-                  </a:txBody>
-                  <a:tcPr/>
-                </a:tc>
-                <a:tc>
-                  <a:txBody>
-                    <a:bodyPr/>
-                    <a:lstStyle/>
                     <a:p>
-                      <a:pPr algn="ctr">
+                      <a:pPr algn="l">
                         <a:buNone/>
                       </a:pPr>
                       <a:r>
-                        <a:rPr lang="en-US" altLang="zh-CN">
+                        <a:rPr lang="zh-CN" altLang="en-US" baseline="0" dirty="0" smtClean="0">
                           <a:solidFill>
                             <a:schemeClr val="tx1"/>
                           </a:solidFill>
                         </a:rPr>
-                        <a:t>9.3</a:t>
+                        <a:t>清华大学出版社</a:t>
                       </a:r>
-                      <a:endParaRPr lang="en-US" altLang="zh-CN">
+                      <a:endParaRPr lang="en-US" altLang="zh-CN" baseline="0" dirty="0" smtClean="0">
+                        <a:solidFill>
+                          <a:schemeClr val="tx1"/>
+                        </a:solidFill>
+                      </a:endParaRPr>
+                    </a:p>
+                    <a:p>
+                      <a:pPr algn="l">
+                        <a:buNone/>
+                      </a:pPr>
+                      <a:r>
+                        <a:rPr lang="en-US" altLang="zh-CN" baseline="0" dirty="0" smtClean="0">
+                          <a:solidFill>
+                            <a:schemeClr val="tx1"/>
+                          </a:solidFill>
+                        </a:rPr>
+                        <a:t>2013</a:t>
+                      </a:r>
+                      <a:r>
+                        <a:rPr lang="zh-CN" altLang="en-US" baseline="0" dirty="0" smtClean="0">
+                          <a:solidFill>
+                            <a:schemeClr val="tx1"/>
+                          </a:solidFill>
+                        </a:rPr>
+                        <a:t>年</a:t>
+                      </a:r>
+                      <a:r>
+                        <a:rPr lang="en-US" altLang="zh-CN" baseline="0" dirty="0" smtClean="0">
+                          <a:solidFill>
+                            <a:schemeClr val="tx1"/>
+                          </a:solidFill>
+                        </a:rPr>
+                        <a:t>8</a:t>
+                      </a:r>
+                      <a:r>
+                        <a:rPr lang="zh-CN" altLang="en-US" baseline="0" dirty="0" smtClean="0">
+                          <a:solidFill>
+                            <a:schemeClr val="tx1"/>
+                          </a:solidFill>
+                        </a:rPr>
+                        <a:t>月第</a:t>
+                      </a:r>
+                      <a:r>
+                        <a:rPr lang="en-US" altLang="zh-CN" baseline="0" dirty="0" smtClean="0">
+                          <a:solidFill>
+                            <a:schemeClr val="tx1"/>
+                          </a:solidFill>
+                        </a:rPr>
+                        <a:t>6</a:t>
+                      </a:r>
+                      <a:r>
+                        <a:rPr lang="zh-CN" altLang="en-US" baseline="0" dirty="0" smtClean="0">
+                          <a:solidFill>
+                            <a:schemeClr val="tx1"/>
+                          </a:solidFill>
+                        </a:rPr>
+                        <a:t>版</a:t>
+                      </a:r>
+                      <a:endParaRPr lang="en-US" altLang="zh-CN" dirty="0" smtClean="0">
                         <a:solidFill>
                           <a:schemeClr val="tx1"/>
                         </a:solidFill>
@@ -22501,18 +21574,34 @@
                     <a:bodyPr/>
                     <a:lstStyle/>
                     <a:p>
-                      <a:pPr algn="ctr">
+                      <a:pPr algn="l">
                         <a:buNone/>
                       </a:pPr>
                       <a:r>
-                        <a:rPr lang="zh-CN" altLang="en-US">
+                        <a:rPr lang="en-US" altLang="zh-CN" dirty="0" smtClean="0">
                           <a:solidFill>
                             <a:schemeClr val="tx1"/>
                           </a:solidFill>
                         </a:rPr>
-                        <a:t>蔡峰</a:t>
+                        <a:t>《</a:t>
                       </a:r>
-                      <a:endParaRPr lang="zh-CN" altLang="en-US">
+                      <a:r>
+                        <a:rPr lang="zh-CN" altLang="en-US" dirty="0" smtClean="0">
+                          <a:solidFill>
+                            <a:schemeClr val="tx1"/>
+                          </a:solidFill>
+                        </a:rPr>
+                        <a:t>软件开发的过程与管理</a:t>
+                      </a:r>
+                      <a:r>
+                        <a:rPr lang="en-US" altLang="zh-CN" dirty="0" smtClean="0">
+                          <a:solidFill>
+                            <a:schemeClr val="tx1"/>
+                          </a:solidFill>
+                        </a:rPr>
+                        <a:t>》</a:t>
+                      </a:r>
+                      <a:endParaRPr lang="zh-CN" altLang="en-US" dirty="0">
                         <a:solidFill>
                           <a:schemeClr val="tx1"/>
                         </a:solidFill>
@@ -22533,82 +21622,62 @@
                     <a:bodyPr/>
                     <a:lstStyle/>
                     <a:p>
-                      <a:pPr algn="ctr">
+                      <a:pPr algn="l">
                         <a:buNone/>
                       </a:pPr>
                       <a:r>
-                        <a:rPr lang="zh-CN" altLang="en-US">
+                        <a:rPr lang="zh-CN" altLang="en-US" dirty="0" smtClean="0">
                           <a:solidFill>
                             <a:schemeClr val="tx1"/>
                           </a:solidFill>
                         </a:rPr>
-                        <a:t>执笔可行性分析报告，</a:t>
+                        <a:t>作者：张湘辉</a:t>
                       </a:r>
-                      <a:r>
-                        <a:rPr lang="en-US" altLang="zh-CN">
-                          <a:solidFill>
-                            <a:schemeClr val="tx1"/>
-                          </a:solidFill>
-                        </a:rPr>
-                        <a:t>PPT</a:t>
-                      </a:r>
-                      <a:r>
-                        <a:rPr lang="zh-CN" altLang="en-US">
-                          <a:solidFill>
-                            <a:schemeClr val="tx1"/>
-                          </a:solidFill>
-                        </a:rPr>
-                        <a:t>中可行性分析的制作，需求分析报告的修改，</a:t>
-                      </a:r>
-                      <a:r>
-                        <a:rPr lang="en-US" altLang="zh-CN">
-                          <a:solidFill>
-                            <a:schemeClr val="tx1"/>
-                          </a:solidFill>
-                        </a:rPr>
-                        <a:t>PPT</a:t>
-                      </a:r>
-                      <a:r>
-                        <a:rPr lang="zh-CN" altLang="en-US">
-                          <a:solidFill>
-                            <a:schemeClr val="tx1"/>
-                          </a:solidFill>
-                        </a:rPr>
-                        <a:t>的整改</a:t>
-                      </a:r>
-                      <a:endParaRPr lang="zh-CN" altLang="en-US">
+                      <a:endParaRPr lang="en-US" altLang="zh-CN" dirty="0" smtClean="0">
                         <a:solidFill>
                           <a:schemeClr val="tx1"/>
                         </a:solidFill>
                       </a:endParaRPr>
                     </a:p>
-                  </a:txBody>
-                  <a:tcPr>
-                    <a:solidFill>
-                      <a:schemeClr val="accent1">
-                        <a:lumMod val="40000"/>
-                        <a:lumOff val="60000"/>
-                      </a:schemeClr>
-                    </a:solidFill>
-                  </a:tcPr>
-                </a:tc>
-                <a:tc>
-                  <a:txBody>
-                    <a:bodyPr/>
-                    <a:lstStyle/>
                     <a:p>
-                      <a:pPr algn="ctr">
+                      <a:pPr algn="l">
                         <a:buNone/>
                       </a:pPr>
                       <a:r>
-                        <a:rPr lang="en-US" altLang="zh-CN">
+                        <a:rPr lang="zh-CN" altLang="en-US" dirty="0" smtClean="0">
                           <a:solidFill>
                             <a:schemeClr val="tx1"/>
                           </a:solidFill>
                         </a:rPr>
-                        <a:t>9.2</a:t>
+                        <a:t>清华大学出版社</a:t>
                       </a:r>
-                      <a:endParaRPr lang="en-US" altLang="zh-CN">
+                      <a:endParaRPr lang="en-US" altLang="zh-CN" dirty="0" smtClean="0">
+                        <a:solidFill>
+                          <a:schemeClr val="tx1"/>
+                        </a:solidFill>
+                      </a:endParaRPr>
+                    </a:p>
+                    <a:p>
+                      <a:pPr algn="l">
+                        <a:buNone/>
+                      </a:pPr>
+                      <a:r>
+                        <a:rPr lang="en-US" altLang="zh-CN" dirty="0" smtClean="0">
+                          <a:solidFill>
+                            <a:schemeClr val="tx1"/>
+                          </a:solidFill>
+                        </a:rPr>
+                        <a:t>2005</a:t>
+                      </a:r>
+                      <a:r>
+                        <a:rPr lang="zh-CN" altLang="en-US" dirty="0" smtClean="0">
+                          <a:solidFill>
+                            <a:schemeClr val="tx1"/>
+                          </a:solidFill>
+                        </a:rPr>
+                        <a:t>年</a:t>
+                      </a:r>
+                      <a:endParaRPr lang="zh-CN" altLang="en-US" dirty="0">
                         <a:solidFill>
                           <a:schemeClr val="tx1"/>
                         </a:solidFill>
@@ -22630,17 +21699,22 @@
         </a:graphic>
       </p:graphicFrame>
     </p:spTree>
+    <p:extLst>
+      <p:ext uri="{BB962C8B-B14F-4D97-AF65-F5344CB8AC3E}">
+        <p14:creationId xmlns:p14="http://schemas.microsoft.com/office/powerpoint/2010/main" val="55139724"/>
+      </p:ext>
+    </p:extLst>
   </p:cSld>
   <p:clrMapOvr>
     <a:masterClrMapping/>
   </p:clrMapOvr>
-  <mc:AlternateContent xmlns:mc="http://schemas.openxmlformats.org/markup-compatibility/2006">
-    <mc:Choice xmlns:p14="http://schemas.microsoft.com/office/powerpoint/2010/main" Requires="p14">
+  <mc:AlternateContent xmlns:mc="http://schemas.openxmlformats.org/markup-compatibility/2006" xmlns:p14="http://schemas.microsoft.com/office/powerpoint/2010/main">
+    <mc:Choice Requires="p14">
       <p:transition spd="slow" p14:dur="1200" advClick="0" advTm="0">
         <p14:prism/>
       </p:transition>
     </mc:Choice>
-    <mc:Fallback>
+    <mc:Fallback xmlns="">
       <p:transition spd="slow" advClick="0" advTm="0">
         <p:fade/>
       </p:transition>
@@ -22909,6 +21983,731 @@
 </file>
 
 <file path=ppt/slides/slide21.xml><?xml version="1.0" encoding="utf-8"?>
+<p:sld xmlns:a="http://schemas.openxmlformats.org/drawingml/2006/main" xmlns:r="http://schemas.openxmlformats.org/officeDocument/2006/relationships" xmlns:p="http://schemas.openxmlformats.org/presentationml/2006/main">
+  <p:cSld>
+    <p:spTree>
+      <p:nvGrpSpPr>
+        <p:cNvPr id="1" name=""/>
+        <p:cNvGrpSpPr/>
+        <p:nvPr/>
+      </p:nvGrpSpPr>
+      <p:grpSpPr>
+        <a:xfrm>
+          <a:off x="0" y="0"/>
+          <a:ext cx="0" cy="0"/>
+          <a:chOff x="0" y="0"/>
+          <a:chExt cx="0" cy="0"/>
+        </a:xfrm>
+      </p:grpSpPr>
+      <p:sp>
+        <p:nvSpPr>
+          <p:cNvPr id="36" name="矩形 35"/>
+          <p:cNvSpPr/>
+          <p:nvPr/>
+        </p:nvSpPr>
+        <p:spPr>
+          <a:xfrm>
+            <a:off x="-106680" y="0"/>
+            <a:ext cx="2938780" cy="6859270"/>
+          </a:xfrm>
+          <a:prstGeom prst="rect">
+            <a:avLst/>
+          </a:prstGeom>
+          <a:solidFill>
+            <a:srgbClr val="38B1BF"/>
+          </a:solidFill>
+          <a:ln>
+            <a:noFill/>
+          </a:ln>
+          <a:effectLst>
+            <a:outerShdw blurRad="50800" dist="38100" dir="2700000" algn="tl" rotWithShape="0">
+              <a:prstClr val="black">
+                <a:alpha val="40000"/>
+              </a:prstClr>
+            </a:outerShdw>
+          </a:effectLst>
+          <a:scene3d>
+            <a:camera prst="orthographicFront"/>
+            <a:lightRig rig="threePt" dir="t"/>
+          </a:scene3d>
+          <a:sp3d/>
+        </p:spPr>
+        <p:style>
+          <a:lnRef idx="1">
+            <a:schemeClr val="accent1"/>
+          </a:lnRef>
+          <a:fillRef idx="0">
+            <a:schemeClr val="accent1"/>
+          </a:fillRef>
+          <a:effectRef idx="0">
+            <a:schemeClr val="accent1"/>
+          </a:effectRef>
+          <a:fontRef idx="minor">
+            <a:schemeClr val="tx1"/>
+          </a:fontRef>
+        </p:style>
+        <p:txBody>
+          <a:bodyPr rot="0" spcFirstLastPara="0" vertOverflow="overflow" horzOverflow="overflow" vert="horz" wrap="square" lIns="91440" tIns="45720" rIns="91440" bIns="45720" numCol="1" spcCol="0" rtlCol="0" fromWordArt="0" anchor="ctr" anchorCtr="0" forceAA="0" compatLnSpc="1">
+            <a:noAutofit/>
+          </a:bodyPr>
+          <a:lstStyle/>
+          <a:p>
+            <a:pPr algn="ctr"/>
+            <a:endParaRPr lang="zh-CN" altLang="en-US"/>
+          </a:p>
+        </p:txBody>
+      </p:sp>
+      <p:sp>
+        <p:nvSpPr>
+          <p:cNvPr id="37" name="TextBox 36"/>
+          <p:cNvSpPr txBox="1"/>
+          <p:nvPr/>
+        </p:nvSpPr>
+        <p:spPr>
+          <a:xfrm>
+            <a:off x="-276651" y="2922512"/>
+            <a:ext cx="2808312" cy="614045"/>
+          </a:xfrm>
+          <a:prstGeom prst="rect">
+            <a:avLst/>
+          </a:prstGeom>
+          <a:noFill/>
+        </p:spPr>
+        <p:txBody>
+          <a:bodyPr wrap="square" lIns="121948" tIns="60973" rIns="121948" bIns="60973">
+            <a:spAutoFit/>
+          </a:bodyPr>
+          <a:lstStyle/>
+          <a:p>
+            <a:pPr algn="r">
+              <a:defRPr/>
+            </a:pPr>
+            <a:r>
+              <a:rPr lang="zh-CN" sz="3200" b="1" dirty="0">
+                <a:solidFill>
+                  <a:schemeClr val="bg1"/>
+                </a:solidFill>
+                <a:latin typeface="微软雅黑" panose="020B0503020204020204" pitchFamily="34" charset="-122"/>
+                <a:ea typeface="微软雅黑" panose="020B0503020204020204" pitchFamily="34" charset="-122"/>
+              </a:rPr>
+              <a:t>分工及考评</a:t>
+            </a:r>
+          </a:p>
+        </p:txBody>
+      </p:sp>
+      <p:graphicFrame>
+        <p:nvGraphicFramePr>
+          <p:cNvPr id="3" name="表格 2"/>
+          <p:cNvGraphicFramePr/>
+          <p:nvPr/>
+        </p:nvGraphicFramePr>
+        <p:xfrm>
+          <a:off x="3181985" y="1708150"/>
+          <a:ext cx="8532495" cy="3854450"/>
+        </p:xfrm>
+        <a:graphic>
+          <a:graphicData uri="http://schemas.openxmlformats.org/drawingml/2006/table">
+            <a:tbl>
+              <a:tblPr firstRow="1" bandRow="1">
+                <a:tableStyleId>{5C22544A-7EE6-4342-B048-85BDC9FD1C3A}</a:tableStyleId>
+              </a:tblPr>
+              <a:tblGrid>
+                <a:gridCol w="1442720"/>
+                <a:gridCol w="4245610"/>
+                <a:gridCol w="2844165"/>
+              </a:tblGrid>
+              <a:tr h="1313180">
+                <a:tc>
+                  <a:txBody>
+                    <a:bodyPr/>
+                    <a:lstStyle/>
+                    <a:p>
+                      <a:pPr algn="ctr">
+                        <a:buNone/>
+                      </a:pPr>
+                      <a:r>
+                        <a:rPr lang="zh-CN" altLang="en-US" b="0">
+                          <a:solidFill>
+                            <a:schemeClr val="tx1"/>
+                          </a:solidFill>
+                        </a:rPr>
+                        <a:t>黄为波</a:t>
+                      </a:r>
+                    </a:p>
+                  </a:txBody>
+                  <a:tcPr>
+                    <a:solidFill>
+                      <a:schemeClr val="accent1">
+                        <a:lumMod val="40000"/>
+                        <a:lumOff val="60000"/>
+                      </a:schemeClr>
+                    </a:solidFill>
+                  </a:tcPr>
+                </a:tc>
+                <a:tc>
+                  <a:txBody>
+                    <a:bodyPr/>
+                    <a:lstStyle/>
+                    <a:p>
+                      <a:pPr algn="ctr">
+                        <a:buNone/>
+                      </a:pPr>
+                      <a:r>
+                        <a:rPr lang="zh-CN" altLang="en-US" b="0">
+                          <a:solidFill>
+                            <a:schemeClr val="tx1"/>
+                          </a:solidFill>
+                        </a:rPr>
+                        <a:t>制作甘特图，</a:t>
+                      </a:r>
+                      <a:r>
+                        <a:rPr lang="en-US" altLang="zh-CN" b="0">
+                          <a:solidFill>
+                            <a:schemeClr val="tx1"/>
+                          </a:solidFill>
+                        </a:rPr>
+                        <a:t>PPT</a:t>
+                      </a:r>
+                      <a:r>
+                        <a:rPr lang="zh-CN" altLang="en-US" b="0">
+                          <a:solidFill>
+                            <a:schemeClr val="tx1"/>
+                          </a:solidFill>
+                        </a:rPr>
+                        <a:t>制作与整合，执笔项目计划报告，数据流图，文档规范文件，</a:t>
+                      </a:r>
+                      <a:r>
+                        <a:rPr lang="en-US" altLang="zh-CN" b="0">
+                          <a:solidFill>
+                            <a:schemeClr val="tx1"/>
+                          </a:solidFill>
+                        </a:rPr>
+                        <a:t>WBS</a:t>
+                      </a:r>
+                      <a:r>
+                        <a:rPr lang="zh-CN" altLang="en-US" b="0">
+                          <a:solidFill>
+                            <a:schemeClr val="tx1"/>
+                          </a:solidFill>
+                        </a:rPr>
+                        <a:t>结构图</a:t>
+                      </a:r>
+                    </a:p>
+                  </a:txBody>
+                  <a:tcPr>
+                    <a:solidFill>
+                      <a:schemeClr val="accent1">
+                        <a:lumMod val="40000"/>
+                        <a:lumOff val="60000"/>
+                      </a:schemeClr>
+                    </a:solidFill>
+                  </a:tcPr>
+                </a:tc>
+                <a:tc>
+                  <a:txBody>
+                    <a:bodyPr/>
+                    <a:lstStyle/>
+                    <a:p>
+                      <a:pPr algn="ctr">
+                        <a:buNone/>
+                      </a:pPr>
+                      <a:r>
+                        <a:rPr lang="en-US" altLang="zh-CN" b="0">
+                          <a:solidFill>
+                            <a:schemeClr val="tx1"/>
+                          </a:solidFill>
+                        </a:rPr>
+                        <a:t>9.6</a:t>
+                      </a:r>
+                    </a:p>
+                  </a:txBody>
+                  <a:tcPr>
+                    <a:solidFill>
+                      <a:schemeClr val="accent1">
+                        <a:lumMod val="40000"/>
+                        <a:lumOff val="60000"/>
+                      </a:schemeClr>
+                    </a:solidFill>
+                  </a:tcPr>
+                </a:tc>
+              </a:tr>
+              <a:tr h="1270000">
+                <a:tc>
+                  <a:txBody>
+                    <a:bodyPr/>
+                    <a:lstStyle/>
+                    <a:p>
+                      <a:pPr algn="ctr">
+                        <a:buNone/>
+                      </a:pPr>
+                      <a:r>
+                        <a:rPr lang="zh-CN" altLang="en-US">
+                          <a:solidFill>
+                            <a:schemeClr val="tx1"/>
+                          </a:solidFill>
+                        </a:rPr>
+                        <a:t>陈子卿</a:t>
+                      </a:r>
+                    </a:p>
+                  </a:txBody>
+                  <a:tcPr/>
+                </a:tc>
+                <a:tc>
+                  <a:txBody>
+                    <a:bodyPr/>
+                    <a:lstStyle/>
+                    <a:p>
+                      <a:pPr algn="ctr">
+                        <a:buNone/>
+                      </a:pPr>
+                      <a:r>
+                        <a:rPr lang="zh-CN" altLang="en-US">
+                          <a:solidFill>
+                            <a:schemeClr val="tx1"/>
+                          </a:solidFill>
+                        </a:rPr>
+                        <a:t>制作风险评估计划表格，</a:t>
+                      </a:r>
+                      <a:r>
+                        <a:rPr lang="en-US" altLang="zh-CN">
+                          <a:solidFill>
+                            <a:schemeClr val="tx1"/>
+                          </a:solidFill>
+                        </a:rPr>
+                        <a:t>word</a:t>
+                      </a:r>
+                      <a:r>
+                        <a:rPr lang="zh-CN" altLang="en-US">
+                          <a:solidFill>
+                            <a:schemeClr val="tx1"/>
+                          </a:solidFill>
+                        </a:rPr>
+                        <a:t>文档的规范排版，执笔需求分析报告，项目计划报告的修改</a:t>
+                      </a:r>
+                    </a:p>
+                  </a:txBody>
+                  <a:tcPr/>
+                </a:tc>
+                <a:tc>
+                  <a:txBody>
+                    <a:bodyPr/>
+                    <a:lstStyle/>
+                    <a:p>
+                      <a:pPr algn="ctr">
+                        <a:buNone/>
+                      </a:pPr>
+                      <a:r>
+                        <a:rPr lang="en-US" altLang="zh-CN">
+                          <a:solidFill>
+                            <a:schemeClr val="tx1"/>
+                          </a:solidFill>
+                        </a:rPr>
+                        <a:t>9.3</a:t>
+                      </a:r>
+                    </a:p>
+                  </a:txBody>
+                  <a:tcPr/>
+                </a:tc>
+              </a:tr>
+              <a:tr h="1271270">
+                <a:tc>
+                  <a:txBody>
+                    <a:bodyPr/>
+                    <a:lstStyle/>
+                    <a:p>
+                      <a:pPr algn="ctr">
+                        <a:buNone/>
+                      </a:pPr>
+                      <a:r>
+                        <a:rPr lang="zh-CN" altLang="en-US">
+                          <a:solidFill>
+                            <a:schemeClr val="tx1"/>
+                          </a:solidFill>
+                        </a:rPr>
+                        <a:t>蔡峰</a:t>
+                      </a:r>
+                    </a:p>
+                  </a:txBody>
+                  <a:tcPr>
+                    <a:solidFill>
+                      <a:schemeClr val="accent1">
+                        <a:lumMod val="40000"/>
+                        <a:lumOff val="60000"/>
+                      </a:schemeClr>
+                    </a:solidFill>
+                  </a:tcPr>
+                </a:tc>
+                <a:tc>
+                  <a:txBody>
+                    <a:bodyPr/>
+                    <a:lstStyle/>
+                    <a:p>
+                      <a:pPr algn="ctr">
+                        <a:buNone/>
+                      </a:pPr>
+                      <a:r>
+                        <a:rPr lang="zh-CN" altLang="en-US">
+                          <a:solidFill>
+                            <a:schemeClr val="tx1"/>
+                          </a:solidFill>
+                        </a:rPr>
+                        <a:t>执笔可行性分析报告，</a:t>
+                      </a:r>
+                      <a:r>
+                        <a:rPr lang="en-US" altLang="zh-CN">
+                          <a:solidFill>
+                            <a:schemeClr val="tx1"/>
+                          </a:solidFill>
+                        </a:rPr>
+                        <a:t>PPT</a:t>
+                      </a:r>
+                      <a:r>
+                        <a:rPr lang="zh-CN" altLang="en-US">
+                          <a:solidFill>
+                            <a:schemeClr val="tx1"/>
+                          </a:solidFill>
+                        </a:rPr>
+                        <a:t>中可行性分析的制作，需求分析报告的修改，</a:t>
+                      </a:r>
+                      <a:r>
+                        <a:rPr lang="en-US" altLang="zh-CN">
+                          <a:solidFill>
+                            <a:schemeClr val="tx1"/>
+                          </a:solidFill>
+                        </a:rPr>
+                        <a:t>PPT</a:t>
+                      </a:r>
+                      <a:r>
+                        <a:rPr lang="zh-CN" altLang="en-US">
+                          <a:solidFill>
+                            <a:schemeClr val="tx1"/>
+                          </a:solidFill>
+                        </a:rPr>
+                        <a:t>的整改</a:t>
+                      </a:r>
+                    </a:p>
+                  </a:txBody>
+                  <a:tcPr>
+                    <a:solidFill>
+                      <a:schemeClr val="accent1">
+                        <a:lumMod val="40000"/>
+                        <a:lumOff val="60000"/>
+                      </a:schemeClr>
+                    </a:solidFill>
+                  </a:tcPr>
+                </a:tc>
+                <a:tc>
+                  <a:txBody>
+                    <a:bodyPr/>
+                    <a:lstStyle/>
+                    <a:p>
+                      <a:pPr algn="ctr">
+                        <a:buNone/>
+                      </a:pPr>
+                      <a:r>
+                        <a:rPr lang="en-US" altLang="zh-CN">
+                          <a:solidFill>
+                            <a:schemeClr val="tx1"/>
+                          </a:solidFill>
+                        </a:rPr>
+                        <a:t>9.2</a:t>
+                      </a:r>
+                    </a:p>
+                  </a:txBody>
+                  <a:tcPr>
+                    <a:solidFill>
+                      <a:schemeClr val="accent1">
+                        <a:lumMod val="40000"/>
+                        <a:lumOff val="60000"/>
+                      </a:schemeClr>
+                    </a:solidFill>
+                  </a:tcPr>
+                </a:tc>
+              </a:tr>
+            </a:tbl>
+          </a:graphicData>
+        </a:graphic>
+      </p:graphicFrame>
+    </p:spTree>
+  </p:cSld>
+  <p:clrMapOvr>
+    <a:masterClrMapping/>
+  </p:clrMapOvr>
+  <mc:AlternateContent xmlns:mc="http://schemas.openxmlformats.org/markup-compatibility/2006" xmlns:p14="http://schemas.microsoft.com/office/powerpoint/2010/main">
+    <mc:Choice Requires="p14">
+      <p:transition spd="slow" p14:dur="1200" advClick="0" advTm="0">
+        <p14:prism/>
+      </p:transition>
+    </mc:Choice>
+    <mc:Fallback xmlns="">
+      <p:transition spd="slow" advClick="0" advTm="0">
+        <p:fade/>
+      </p:transition>
+    </mc:Fallback>
+  </mc:AlternateContent>
+  <p:timing>
+    <p:tnLst>
+      <p:par>
+        <p:cTn id="1" dur="indefinite" restart="never" nodeType="tmRoot">
+          <p:childTnLst>
+            <p:seq concurrent="1" nextAc="seek">
+              <p:cTn id="2" dur="indefinite" nodeType="mainSeq">
+                <p:childTnLst>
+                  <p:par>
+                    <p:cTn id="3" fill="hold">
+                      <p:stCondLst>
+                        <p:cond delay="indefinite"/>
+                        <p:cond evt="onBegin" delay="0">
+                          <p:tn val="2"/>
+                        </p:cond>
+                      </p:stCondLst>
+                      <p:childTnLst>
+                        <p:par>
+                          <p:cTn id="4" fill="hold">
+                            <p:stCondLst>
+                              <p:cond delay="0"/>
+                            </p:stCondLst>
+                            <p:childTnLst>
+                              <p:par>
+                                <p:cTn id="5" presetID="2" presetClass="entr" presetSubtype="8" fill="hold" grpId="0" nodeType="afterEffect">
+                                  <p:stCondLst>
+                                    <p:cond delay="0"/>
+                                  </p:stCondLst>
+                                  <p:childTnLst>
+                                    <p:set>
+                                      <p:cBhvr>
+                                        <p:cTn id="6" dur="1" fill="hold">
+                                          <p:stCondLst>
+                                            <p:cond delay="0"/>
+                                          </p:stCondLst>
+                                        </p:cTn>
+                                        <p:tgtEl>
+                                          <p:spTgt spid="36"/>
+                                        </p:tgtEl>
+                                        <p:attrNameLst>
+                                          <p:attrName>style.visibility</p:attrName>
+                                        </p:attrNameLst>
+                                      </p:cBhvr>
+                                      <p:to>
+                                        <p:strVal val="visible"/>
+                                      </p:to>
+                                    </p:set>
+                                    <p:anim calcmode="lin" valueType="num">
+                                      <p:cBhvr additive="base">
+                                        <p:cTn id="7" dur="500" fill="hold"/>
+                                        <p:tgtEl>
+                                          <p:spTgt spid="36"/>
+                                        </p:tgtEl>
+                                        <p:attrNameLst>
+                                          <p:attrName>ppt_x</p:attrName>
+                                        </p:attrNameLst>
+                                      </p:cBhvr>
+                                      <p:tavLst>
+                                        <p:tav tm="0">
+                                          <p:val>
+                                            <p:strVal val="0-#ppt_w/2"/>
+                                          </p:val>
+                                        </p:tav>
+                                        <p:tav tm="100000">
+                                          <p:val>
+                                            <p:strVal val="#ppt_x"/>
+                                          </p:val>
+                                        </p:tav>
+                                      </p:tavLst>
+                                    </p:anim>
+                                    <p:anim calcmode="lin" valueType="num">
+                                      <p:cBhvr additive="base">
+                                        <p:cTn id="8" dur="500" fill="hold"/>
+                                        <p:tgtEl>
+                                          <p:spTgt spid="36"/>
+                                        </p:tgtEl>
+                                        <p:attrNameLst>
+                                          <p:attrName>ppt_y</p:attrName>
+                                        </p:attrNameLst>
+                                      </p:cBhvr>
+                                      <p:tavLst>
+                                        <p:tav tm="0">
+                                          <p:val>
+                                            <p:strVal val="#ppt_y"/>
+                                          </p:val>
+                                        </p:tav>
+                                        <p:tav tm="100000">
+                                          <p:val>
+                                            <p:strVal val="#ppt_y"/>
+                                          </p:val>
+                                        </p:tav>
+                                      </p:tavLst>
+                                    </p:anim>
+                                  </p:childTnLst>
+                                </p:cTn>
+                              </p:par>
+                            </p:childTnLst>
+                          </p:cTn>
+                        </p:par>
+                        <p:par>
+                          <p:cTn id="9" fill="hold">
+                            <p:stCondLst>
+                              <p:cond delay="500"/>
+                            </p:stCondLst>
+                            <p:childTnLst>
+                              <p:par>
+                                <p:cTn id="10" presetID="17" presetClass="entr" presetSubtype="1" fill="hold" grpId="0" nodeType="afterEffect">
+                                  <p:stCondLst>
+                                    <p:cond delay="0"/>
+                                  </p:stCondLst>
+                                  <p:iterate type="lt">
+                                    <p:tmPct val="40000"/>
+                                  </p:iterate>
+                                  <p:childTnLst>
+                                    <p:set>
+                                      <p:cBhvr>
+                                        <p:cTn id="11" dur="1" fill="hold">
+                                          <p:stCondLst>
+                                            <p:cond delay="0"/>
+                                          </p:stCondLst>
+                                        </p:cTn>
+                                        <p:tgtEl>
+                                          <p:spTgt spid="37"/>
+                                        </p:tgtEl>
+                                        <p:attrNameLst>
+                                          <p:attrName>style.visibility</p:attrName>
+                                        </p:attrNameLst>
+                                      </p:cBhvr>
+                                      <p:to>
+                                        <p:strVal val="visible"/>
+                                      </p:to>
+                                    </p:set>
+                                    <p:anim calcmode="lin" valueType="num">
+                                      <p:cBhvr>
+                                        <p:cTn id="12" dur="250" fill="hold"/>
+                                        <p:tgtEl>
+                                          <p:spTgt spid="37"/>
+                                        </p:tgtEl>
+                                        <p:attrNameLst>
+                                          <p:attrName>ppt_x</p:attrName>
+                                        </p:attrNameLst>
+                                      </p:cBhvr>
+                                      <p:tavLst>
+                                        <p:tav tm="0">
+                                          <p:val>
+                                            <p:strVal val="#ppt_x"/>
+                                          </p:val>
+                                        </p:tav>
+                                        <p:tav tm="100000">
+                                          <p:val>
+                                            <p:strVal val="#ppt_x"/>
+                                          </p:val>
+                                        </p:tav>
+                                      </p:tavLst>
+                                    </p:anim>
+                                    <p:anim calcmode="lin" valueType="num">
+                                      <p:cBhvr>
+                                        <p:cTn id="13" dur="250" fill="hold"/>
+                                        <p:tgtEl>
+                                          <p:spTgt spid="37"/>
+                                        </p:tgtEl>
+                                        <p:attrNameLst>
+                                          <p:attrName>ppt_y</p:attrName>
+                                        </p:attrNameLst>
+                                      </p:cBhvr>
+                                      <p:tavLst>
+                                        <p:tav tm="0">
+                                          <p:val>
+                                            <p:strVal val="#ppt_y-#ppt_h/2"/>
+                                          </p:val>
+                                        </p:tav>
+                                        <p:tav tm="100000">
+                                          <p:val>
+                                            <p:strVal val="#ppt_y"/>
+                                          </p:val>
+                                        </p:tav>
+                                      </p:tavLst>
+                                    </p:anim>
+                                    <p:anim calcmode="lin" valueType="num">
+                                      <p:cBhvr>
+                                        <p:cTn id="14" dur="250" fill="hold"/>
+                                        <p:tgtEl>
+                                          <p:spTgt spid="37"/>
+                                        </p:tgtEl>
+                                        <p:attrNameLst>
+                                          <p:attrName>ppt_w</p:attrName>
+                                        </p:attrNameLst>
+                                      </p:cBhvr>
+                                      <p:tavLst>
+                                        <p:tav tm="0">
+                                          <p:val>
+                                            <p:strVal val="#ppt_w"/>
+                                          </p:val>
+                                        </p:tav>
+                                        <p:tav tm="100000">
+                                          <p:val>
+                                            <p:strVal val="#ppt_w"/>
+                                          </p:val>
+                                        </p:tav>
+                                      </p:tavLst>
+                                    </p:anim>
+                                    <p:anim calcmode="lin" valueType="num">
+                                      <p:cBhvr>
+                                        <p:cTn id="15" dur="250" fill="hold"/>
+                                        <p:tgtEl>
+                                          <p:spTgt spid="37"/>
+                                        </p:tgtEl>
+                                        <p:attrNameLst>
+                                          <p:attrName>ppt_h</p:attrName>
+                                        </p:attrNameLst>
+                                      </p:cBhvr>
+                                      <p:tavLst>
+                                        <p:tav tm="0">
+                                          <p:val>
+                                            <p:fltVal val="0"/>
+                                          </p:val>
+                                        </p:tav>
+                                        <p:tav tm="100000">
+                                          <p:val>
+                                            <p:strVal val="#ppt_h"/>
+                                          </p:val>
+                                        </p:tav>
+                                      </p:tavLst>
+                                    </p:anim>
+                                  </p:childTnLst>
+                                </p:cTn>
+                              </p:par>
+                            </p:childTnLst>
+                          </p:cTn>
+                        </p:par>
+                      </p:childTnLst>
+                    </p:cTn>
+                  </p:par>
+                </p:childTnLst>
+              </p:cTn>
+              <p:prevCondLst>
+                <p:cond evt="onPrev" delay="0">
+                  <p:tgtEl>
+                    <p:sldTgt/>
+                  </p:tgtEl>
+                </p:cond>
+              </p:prevCondLst>
+              <p:nextCondLst>
+                <p:cond evt="onNext" delay="0">
+                  <p:tgtEl>
+                    <p:sldTgt/>
+                  </p:tgtEl>
+                </p:cond>
+              </p:nextCondLst>
+            </p:seq>
+          </p:childTnLst>
+        </p:cTn>
+      </p:par>
+    </p:tnLst>
+    <p:bldLst>
+      <p:bldP spid="36" grpId="0" bldLvl="0" animBg="1"/>
+      <p:bldP spid="37" grpId="0"/>
+    </p:bldLst>
+  </p:timing>
+</p:sld>
+</file>
+
+<file path=ppt/slides/slide22.xml><?xml version="1.0" encoding="utf-8"?>
 <p:sld xmlns:a="http://schemas.openxmlformats.org/drawingml/2006/main" xmlns:r="http://schemas.openxmlformats.org/officeDocument/2006/relationships" xmlns:p="http://schemas.openxmlformats.org/presentationml/2006/main">
   <p:cSld>
     <p:spTree>
@@ -23395,13 +23194,6 @@
               </a:rPr>
               <a:t>问酒</a:t>
             </a:r>
-            <a:endParaRPr lang="zh-CN" altLang="en-US" sz="12800" dirty="0">
-              <a:solidFill>
-                <a:srgbClr val="38B1BF"/>
-              </a:solidFill>
-              <a:latin typeface="微软雅黑" panose="020B0503020204020204" pitchFamily="34" charset="-122"/>
-              <a:ea typeface="微软雅黑" panose="020B0503020204020204" pitchFamily="34" charset="-122"/>
-            </a:endParaRPr>
           </a:p>
         </p:txBody>
       </p:sp>
@@ -23493,16 +23285,6 @@
               </a:rPr>
               <a:t>小组</a:t>
             </a:r>
-            <a:endParaRPr lang="zh-CN" altLang="en-US" sz="1900" dirty="0">
-              <a:solidFill>
-                <a:schemeClr val="tx1">
-                  <a:lumMod val="85000"/>
-                  <a:lumOff val="15000"/>
-                </a:schemeClr>
-              </a:solidFill>
-              <a:latin typeface="微软雅黑" panose="020B0503020204020204" pitchFamily="34" charset="-122"/>
-              <a:ea typeface="微软雅黑" panose="020B0503020204020204" pitchFamily="34" charset="-122"/>
-            </a:endParaRPr>
           </a:p>
         </p:txBody>
       </p:sp>
@@ -23553,16 +23335,6 @@
               </a:rPr>
               <a:t>汇报结束 感谢观看</a:t>
             </a:r>
-            <a:endParaRPr lang="zh-CN" altLang="en-US" sz="3600" b="1" dirty="0">
-              <a:solidFill>
-                <a:schemeClr val="tx1">
-                  <a:lumMod val="75000"/>
-                  <a:lumOff val="25000"/>
-                </a:schemeClr>
-              </a:solidFill>
-              <a:latin typeface="微软雅黑" panose="020B0503020204020204" pitchFamily="34" charset="-122"/>
-              <a:ea typeface="微软雅黑" panose="020B0503020204020204" pitchFamily="34" charset="-122"/>
-            </a:endParaRPr>
           </a:p>
         </p:txBody>
       </p:sp>
@@ -23667,16 +23439,6 @@
               </a:rPr>
               <a:t>日</a:t>
             </a:r>
-            <a:endParaRPr lang="zh-CN" altLang="en-US" sz="1900" dirty="0">
-              <a:solidFill>
-                <a:schemeClr val="tx1">
-                  <a:lumMod val="85000"/>
-                  <a:lumOff val="15000"/>
-                </a:schemeClr>
-              </a:solidFill>
-              <a:latin typeface="微软雅黑" panose="020B0503020204020204" pitchFamily="34" charset="-122"/>
-              <a:ea typeface="微软雅黑" panose="020B0503020204020204" pitchFamily="34" charset="-122"/>
-            </a:endParaRPr>
           </a:p>
         </p:txBody>
       </p:sp>
@@ -23724,16 +23486,16 @@
             <a:picLocks noChangeAspect="1"/>
           </p:cNvPicPr>
           <p:nvPr>
-            <a:audioFile r:link="rId1"/>
+            <a:audioFile r:link="rId2"/>
             <p:extLst>
               <p:ext uri="{DAA4B4D4-6D71-4841-9C94-3DE7FCFB9230}">
-                <p14:media xmlns:p14="http://schemas.microsoft.com/office/powerpoint/2010/main" r:embed="rId2"/>
+                <p14:media xmlns:p14="http://schemas.microsoft.com/office/powerpoint/2010/main" r:embed="rId1"/>
               </p:ext>
             </p:extLst>
           </p:nvPr>
         </p:nvPicPr>
         <p:blipFill>
-          <a:blip r:embed="rId3"/>
+          <a:blip r:embed="rId5"/>
           <a:stretch>
             <a:fillRect/>
           </a:stretch>
@@ -23781,14 +23543,6 @@
               </a:rPr>
               <a:t>浙江大学城市学院</a:t>
             </a:r>
-            <a:endParaRPr lang="zh-CN" altLang="en-US" kern="300" spc="2000">
-              <a:solidFill>
-                <a:schemeClr val="tx1"/>
-              </a:solidFill>
-              <a:uFillTx/>
-              <a:latin typeface="+中文标题" charset="0"/>
-              <a:ea typeface="+mj-ea"/>
-            </a:endParaRPr>
           </a:p>
         </p:txBody>
       </p:sp>
@@ -23797,13 +23551,13 @@
   <p:clrMapOvr>
     <a:masterClrMapping/>
   </p:clrMapOvr>
-  <mc:AlternateContent xmlns:mc="http://schemas.openxmlformats.org/markup-compatibility/2006">
-    <mc:Choice xmlns:p14="http://schemas.microsoft.com/office/powerpoint/2010/main" Requires="p14">
+  <mc:AlternateContent xmlns:mc="http://schemas.openxmlformats.org/markup-compatibility/2006" xmlns:p14="http://schemas.microsoft.com/office/powerpoint/2010/main">
+    <mc:Choice Requires="p14">
       <p:transition spd="slow" p14:dur="1600" advClick="0" advTm="0">
         <p:blinds dir="vert"/>
       </p:transition>
     </mc:Choice>
-    <mc:Fallback>
+    <mc:Fallback xmlns="">
       <p:transition spd="slow" advClick="0" advTm="0">
         <p:blinds dir="vert"/>
       </p:transition>
@@ -24789,13 +24543,6 @@
               </a:rPr>
               <a:t>项目简介</a:t>
             </a:r>
-            <a:endParaRPr lang="zh-CN" altLang="en-US" sz="3200" b="1" dirty="0">
-              <a:solidFill>
-                <a:schemeClr val="bg1"/>
-              </a:solidFill>
-              <a:latin typeface="微软雅黑" panose="020B0503020204020204" pitchFamily="34" charset="-122"/>
-              <a:ea typeface="微软雅黑" panose="020B0503020204020204" pitchFamily="34" charset="-122"/>
-            </a:endParaRPr>
           </a:p>
         </p:txBody>
       </p:sp>
@@ -24989,12 +24736,6 @@
                         </a:rPr>
                         <a:t>黄为波</a:t>
                       </a:r>
-                      <a:endParaRPr lang="zh-CN" sz="1800" kern="100">
-                        <a:effectLst/>
-                        <a:latin typeface="+mn-ea"/>
-                        <a:ea typeface="+mn-ea"/>
-                        <a:cs typeface="Times New Roman" panose="02020603050405020304" pitchFamily="18" charset="0"/>
-                      </a:endParaRPr>
                     </a:p>
                   </a:txBody>
                   <a:tcPr marL="68580" marR="68580" marT="0" marB="0" anchor="ctr"/>
@@ -25050,15 +24791,6 @@
                         </a:rPr>
                         <a:t>31601351@stu.zucc.edu.cn</a:t>
                       </a:r>
-                      <a:endParaRPr lang="en-US" sz="1800" u="none" strike="noStrike" kern="100" dirty="0">
-                        <a:solidFill>
-                          <a:srgbClr val="0563C1"/>
-                        </a:solidFill>
-                        <a:effectLst/>
-                        <a:latin typeface="+mn-ea"/>
-                        <a:ea typeface="+mn-ea"/>
-                        <a:cs typeface="Times New Roman" panose="02020603050405020304" pitchFamily="18" charset="0"/>
-                      </a:endParaRPr>
                     </a:p>
                   </a:txBody>
                   <a:tcPr marL="68580" marR="68580" marT="0" marB="0" anchor="ctr"/>
@@ -25091,12 +24823,6 @@
                         </a:rPr>
                         <a:t>1-602</a:t>
                       </a:r>
-                      <a:endParaRPr lang="en-US" altLang="zh-CN" sz="1800" kern="100">
-                        <a:effectLst/>
-                        <a:latin typeface="+mn-ea"/>
-                        <a:ea typeface="+mn-ea"/>
-                        <a:cs typeface="Times New Roman" panose="02020603050405020304" pitchFamily="18" charset="0"/>
-                      </a:endParaRPr>
                     </a:p>
                   </a:txBody>
                   <a:tcPr marL="68580" marR="68580" marT="0" marB="0" anchor="ctr"/>
@@ -25132,7 +24858,6 @@
               <a:rPr lang="zh-CN" altLang="en-US"/>
               <a:t>项目提出者：</a:t>
             </a:r>
-            <a:endParaRPr lang="zh-CN" altLang="en-US"/>
           </a:p>
         </p:txBody>
       </p:sp>
@@ -25162,7 +24887,6 @@
               <a:rPr lang="zh-CN" altLang="en-US"/>
               <a:t>项目用户：</a:t>
             </a:r>
-            <a:endParaRPr lang="zh-CN" altLang="en-US"/>
           </a:p>
         </p:txBody>
       </p:sp>
@@ -25192,7 +24916,6 @@
               <a:rPr lang="zh-CN" altLang="en-US" b="1"/>
               <a:t>喜欢喝酒以及对酒文化感兴趣的群体。</a:t>
             </a:r>
-            <a:endParaRPr lang="zh-CN" altLang="en-US" b="1"/>
           </a:p>
         </p:txBody>
       </p:sp>
@@ -25591,13 +25314,6 @@
               </a:rPr>
               <a:t>项目简介</a:t>
             </a:r>
-            <a:endParaRPr lang="zh-CN" altLang="en-US" sz="3200" b="1" dirty="0">
-              <a:solidFill>
-                <a:schemeClr val="bg1"/>
-              </a:solidFill>
-              <a:latin typeface="微软雅黑" panose="020B0503020204020204" pitchFamily="34" charset="-122"/>
-              <a:ea typeface="微软雅黑" panose="020B0503020204020204" pitchFamily="34" charset="-122"/>
-            </a:endParaRPr>
           </a:p>
         </p:txBody>
       </p:sp>
@@ -25813,12 +25529,6 @@
                         </a:rPr>
                         <a:t>黄为波</a:t>
                       </a:r>
-                      <a:endParaRPr lang="zh-CN" sz="1800" kern="100">
-                        <a:effectLst/>
-                        <a:latin typeface="+mn-ea"/>
-                        <a:ea typeface="+mn-ea"/>
-                        <a:cs typeface="Times New Roman" panose="02020603050405020304" pitchFamily="18" charset="0"/>
-                      </a:endParaRPr>
                     </a:p>
                   </a:txBody>
                   <a:tcPr marL="68580" marR="68580" marT="0" marB="0" anchor="ctr"/>
@@ -25842,12 +25552,6 @@
                         </a:rPr>
                         <a:t>组长</a:t>
                       </a:r>
-                      <a:endParaRPr lang="zh-CN" sz="1800" kern="100">
-                        <a:effectLst/>
-                        <a:latin typeface="+mn-ea"/>
-                        <a:ea typeface="+mn-ea"/>
-                        <a:cs typeface="Times New Roman" panose="02020603050405020304" pitchFamily="18" charset="0"/>
-                      </a:endParaRPr>
                     </a:p>
                   </a:txBody>
                   <a:tcPr marL="68580" marR="68580" marT="0" marB="0" anchor="ctr"/>
@@ -25871,12 +25575,6 @@
                         </a:rPr>
                         <a:t>15336551730</a:t>
                       </a:r>
-                      <a:endParaRPr lang="en-US" sz="1800" kern="100">
-                        <a:effectLst/>
-                        <a:latin typeface="+mn-ea"/>
-                        <a:ea typeface="+mn-ea"/>
-                        <a:cs typeface="Times New Roman" panose="02020603050405020304" pitchFamily="18" charset="0"/>
-                      </a:endParaRPr>
                     </a:p>
                   </a:txBody>
                   <a:tcPr marL="68580" marR="68580" marT="0" marB="0" anchor="ctr"/>
@@ -25969,12 +25667,6 @@
                         </a:rPr>
                         <a:t>蔡峰</a:t>
                       </a:r>
-                      <a:endParaRPr lang="zh-CN" sz="1800" kern="100">
-                        <a:effectLst/>
-                        <a:latin typeface="+mn-ea"/>
-                        <a:ea typeface="+mn-ea"/>
-                        <a:cs typeface="Times New Roman" panose="02020603050405020304" pitchFamily="18" charset="0"/>
-                      </a:endParaRPr>
                     </a:p>
                   </a:txBody>
                   <a:tcPr marL="68580" marR="68580" marT="0" marB="0" anchor="ctr">
@@ -26005,12 +25697,6 @@
                         </a:rPr>
                         <a:t>组员</a:t>
                       </a:r>
-                      <a:endParaRPr lang="zh-CN" sz="1800" kern="100">
-                        <a:effectLst/>
-                        <a:latin typeface="+mn-ea"/>
-                        <a:ea typeface="+mn-ea"/>
-                        <a:cs typeface="Times New Roman" panose="02020603050405020304" pitchFamily="18" charset="0"/>
-                      </a:endParaRPr>
                     </a:p>
                   </a:txBody>
                   <a:tcPr marL="68580" marR="68580" marT="0" marB="0" anchor="ctr">
@@ -26160,12 +25846,6 @@
                         </a:rPr>
                         <a:t>陈子卿</a:t>
                       </a:r>
-                      <a:endParaRPr lang="zh-CN" sz="1800" kern="100">
-                        <a:effectLst/>
-                        <a:latin typeface="+mn-ea"/>
-                        <a:ea typeface="+mn-ea"/>
-                        <a:cs typeface="Times New Roman" panose="02020603050405020304" pitchFamily="18" charset="0"/>
-                      </a:endParaRPr>
                     </a:p>
                   </a:txBody>
                   <a:tcPr marL="68580" marR="68580" marT="0" marB="0" anchor="ctr"/>
@@ -26189,12 +25869,6 @@
                         </a:rPr>
                         <a:t>组员</a:t>
                       </a:r>
-                      <a:endParaRPr lang="zh-CN" sz="1800" kern="100">
-                        <a:effectLst/>
-                        <a:latin typeface="+mn-ea"/>
-                        <a:ea typeface="+mn-ea"/>
-                        <a:cs typeface="Times New Roman" panose="02020603050405020304" pitchFamily="18" charset="0"/>
-                      </a:endParaRPr>
                     </a:p>
                   </a:txBody>
                   <a:tcPr marL="68580" marR="68580" marT="0" marB="0" anchor="ctr"/>
@@ -26218,12 +25892,6 @@
                         </a:rPr>
                         <a:t>15968119438</a:t>
                       </a:r>
-                      <a:endParaRPr lang="en-US" sz="1800" kern="100">
-                        <a:effectLst/>
-                        <a:latin typeface="+mn-ea"/>
-                        <a:ea typeface="+mn-ea"/>
-                        <a:cs typeface="Times New Roman" panose="02020603050405020304" pitchFamily="18" charset="0"/>
-                      </a:endParaRPr>
                     </a:p>
                   </a:txBody>
                   <a:tcPr marL="68580" marR="68580" marT="0" marB="0" anchor="ctr"/>
@@ -26337,18 +26005,6 @@
               </a:rPr>
               <a:t>开发团队：</a:t>
             </a:r>
-            <a:endParaRPr lang="zh-CN" altLang="en-US" sz="2800" b="1">
-              <a:solidFill>
-                <a:schemeClr val="tx1"/>
-              </a:solidFill>
-              <a:effectLst>
-                <a:outerShdw blurRad="38100" dist="19050" dir="2700000" algn="tl" rotWithShape="0">
-                  <a:schemeClr val="dk1">
-                    <a:alpha val="40000"/>
-                  </a:schemeClr>
-                </a:outerShdw>
-              </a:effectLst>
-            </a:endParaRPr>
           </a:p>
         </p:txBody>
       </p:sp>
@@ -29588,15 +29244,6 @@
               </a:rPr>
               <a:t>可行性分析</a:t>
             </a:r>
-            <a:endParaRPr lang="zh-CN" altLang="en-US" sz="3065" kern="0" dirty="0">
-              <a:solidFill>
-                <a:srgbClr val="FFFFFF"/>
-              </a:solidFill>
-              <a:latin typeface="+mn-lt"/>
-              <a:ea typeface="+mn-ea"/>
-              <a:cs typeface="+mn-ea"/>
-              <a:sym typeface="+mn-lt"/>
-            </a:endParaRPr>
           </a:p>
         </p:txBody>
       </p:sp>
@@ -29764,15 +29411,6 @@
               </a:rPr>
               <a:t>需求分析</a:t>
             </a:r>
-            <a:endParaRPr lang="zh-CN" altLang="en-US" sz="3065" kern="0" dirty="0">
-              <a:solidFill>
-                <a:srgbClr val="FFFFFF"/>
-              </a:solidFill>
-              <a:latin typeface="+mn-lt"/>
-              <a:ea typeface="+mn-ea"/>
-              <a:cs typeface="+mn-ea"/>
-              <a:sym typeface="+mn-lt"/>
-            </a:endParaRPr>
           </a:p>
         </p:txBody>
       </p:sp>
@@ -29940,15 +29578,6 @@
               </a:rPr>
               <a:t>项目计划</a:t>
             </a:r>
-            <a:endParaRPr lang="zh-CN" altLang="en-US" sz="3065" kern="0" dirty="0">
-              <a:solidFill>
-                <a:srgbClr val="FFFFFF"/>
-              </a:solidFill>
-              <a:latin typeface="+mn-lt"/>
-              <a:ea typeface="+mn-ea"/>
-              <a:cs typeface="+mn-ea"/>
-              <a:sym typeface="+mn-lt"/>
-            </a:endParaRPr>
           </a:p>
         </p:txBody>
       </p:sp>
@@ -30311,15 +29940,6 @@
                 </a:rPr>
                 <a:t>4</a:t>
               </a:r>
-              <a:endParaRPr lang="en-US" altLang="zh-CN" sz="2800" b="1" kern="0">
-                <a:solidFill>
-                  <a:schemeClr val="tx2"/>
-                </a:solidFill>
-                <a:latin typeface="+mn-lt"/>
-                <a:ea typeface="+mn-ea"/>
-                <a:cs typeface="+mn-ea"/>
-                <a:sym typeface="+mn-lt"/>
-              </a:endParaRPr>
             </a:p>
           </p:txBody>
         </p:sp>
@@ -30488,15 +30108,6 @@
               </a:rPr>
               <a:t>分工及考评</a:t>
             </a:r>
-            <a:endParaRPr lang="zh-CN" altLang="en-US" sz="3065" kern="0" dirty="0">
-              <a:solidFill>
-                <a:srgbClr val="FFFFFF"/>
-              </a:solidFill>
-              <a:latin typeface="+mn-lt"/>
-              <a:ea typeface="+mn-ea"/>
-              <a:cs typeface="+mn-ea"/>
-              <a:sym typeface="+mn-lt"/>
-            </a:endParaRPr>
           </a:p>
         </p:txBody>
       </p:sp>
@@ -31819,14 +31430,6 @@
                 </a:rPr>
                 <a:t>技术可行性</a:t>
               </a:r>
-              <a:endParaRPr lang="zh-CN" altLang="en-US" sz="2000" b="1" kern="100" dirty="0" smtClean="0">
-                <a:solidFill>
-                  <a:schemeClr val="bg1"/>
-                </a:solidFill>
-                <a:latin typeface="微软雅黑" panose="020B0503020204020204" pitchFamily="34" charset="-122"/>
-                <a:ea typeface="微软雅黑" panose="020B0503020204020204" pitchFamily="34" charset="-122"/>
-                <a:cs typeface="Times New Roman" panose="02020603050405020304" pitchFamily="18" charset="0"/>
-              </a:endParaRPr>
             </a:p>
           </p:txBody>
         </p:sp>
@@ -32006,14 +31609,6 @@
                 </a:rPr>
                 <a:t>经济可行性</a:t>
               </a:r>
-              <a:endParaRPr lang="zh-CN" altLang="zh-CN" sz="2000" b="1" kern="100" dirty="0">
-                <a:solidFill>
-                  <a:schemeClr val="bg1"/>
-                </a:solidFill>
-                <a:latin typeface="微软雅黑" panose="020B0503020204020204" pitchFamily="34" charset="-122"/>
-                <a:ea typeface="微软雅黑" panose="020B0503020204020204" pitchFamily="34" charset="-122"/>
-                <a:cs typeface="Times New Roman" panose="02020603050405020304" pitchFamily="18" charset="0"/>
-              </a:endParaRPr>
             </a:p>
           </p:txBody>
         </p:sp>
@@ -32077,11 +31672,6 @@
               </a:rPr>
               <a:t>3</a:t>
             </a:r>
-            <a:endParaRPr lang="en-US" altLang="zh-CN" sz="3600" dirty="0">
-              <a:latin typeface="+mj-lt"/>
-              <a:ea typeface="Arial Unicode MS" panose="020B0604020202020204" pitchFamily="34" charset="-122"/>
-              <a:cs typeface="Arial Unicode MS" panose="020B0604020202020204" pitchFamily="34" charset="-122"/>
-            </a:endParaRPr>
           </a:p>
         </p:txBody>
       </p:sp>
@@ -32193,14 +31783,6 @@
                 </a:rPr>
                 <a:t>法律可行性</a:t>
               </a:r>
-              <a:endParaRPr lang="zh-CN" altLang="zh-CN" sz="2000" b="1" kern="100" dirty="0">
-                <a:solidFill>
-                  <a:schemeClr val="bg1"/>
-                </a:solidFill>
-                <a:latin typeface="微软雅黑" panose="020B0503020204020204" pitchFamily="34" charset="-122"/>
-                <a:ea typeface="微软雅黑" panose="020B0503020204020204" pitchFamily="34" charset="-122"/>
-                <a:cs typeface="Times New Roman" panose="02020603050405020304" pitchFamily="18" charset="0"/>
-              </a:endParaRPr>
             </a:p>
           </p:txBody>
         </p:sp>
@@ -32298,13 +31880,6 @@
               </a:rPr>
               <a:t>可行性分析</a:t>
             </a:r>
-            <a:endParaRPr lang="zh-CN" sz="3200" b="1" dirty="0">
-              <a:solidFill>
-                <a:schemeClr val="bg1"/>
-              </a:solidFill>
-              <a:latin typeface="微软雅黑" panose="020B0503020204020204" pitchFamily="34" charset="-122"/>
-              <a:ea typeface="微软雅黑" panose="020B0503020204020204" pitchFamily="34" charset="-122"/>
-            </a:endParaRPr>
           </a:p>
         </p:txBody>
       </p:sp>
@@ -32366,13 +31941,13 @@
   <p:clrMapOvr>
     <a:masterClrMapping/>
   </p:clrMapOvr>
-  <mc:AlternateContent xmlns:mc="http://schemas.openxmlformats.org/markup-compatibility/2006">
-    <mc:Choice xmlns:p14="http://schemas.microsoft.com/office/powerpoint/2010/main" Requires="p14">
+  <mc:AlternateContent xmlns:mc="http://schemas.openxmlformats.org/markup-compatibility/2006" xmlns:p14="http://schemas.microsoft.com/office/powerpoint/2010/main">
+    <mc:Choice Requires="p14">
       <p:transition spd="slow" p14:dur="1200" advClick="0" advTm="0">
         <p14:prism/>
       </p:transition>
     </mc:Choice>
-    <mc:Fallback>
+    <mc:Fallback xmlns="">
       <p:transition spd="slow" advClick="0" advTm="0">
         <p:fade/>
       </p:transition>
@@ -33253,13 +32828,6 @@
               </a:rPr>
               <a:t>技术可行性</a:t>
             </a:r>
-            <a:endParaRPr lang="zh-CN" sz="2665" dirty="0">
-              <a:solidFill>
-                <a:srgbClr val="183A5D"/>
-              </a:solidFill>
-              <a:latin typeface="微软雅黑" panose="020B0503020204020204" pitchFamily="34" charset="-122"/>
-              <a:ea typeface="微软雅黑" panose="020B0503020204020204" pitchFamily="34" charset="-122"/>
-            </a:endParaRPr>
           </a:p>
         </p:txBody>
       </p:sp>
@@ -33272,7 +32840,7 @@
           <p:nvPr/>
         </p:nvPicPr>
         <p:blipFill>
-          <a:blip r:embed="rId1"/>
+          <a:blip r:embed="rId2"/>
           <a:stretch>
             <a:fillRect/>
           </a:stretch>
@@ -33313,7 +32881,6 @@
               <a:rPr lang="zh-CN" altLang="en-US"/>
               <a:t>数据流图：</a:t>
             </a:r>
-            <a:endParaRPr lang="zh-CN" altLang="en-US"/>
           </a:p>
         </p:txBody>
       </p:sp>
@@ -33444,7 +33011,6 @@
               <a:rPr lang="en-US" sz="2400" dirty="0"/>
               <a:t>2</a:t>
             </a:r>
-            <a:endParaRPr lang="en-US" sz="2400" dirty="0"/>
           </a:p>
         </p:txBody>
       </p:sp>
@@ -33480,13 +33046,6 @@
               </a:rPr>
               <a:t>经济可行性</a:t>
             </a:r>
-            <a:endParaRPr lang="zh-CN" sz="2665" dirty="0" smtClean="0">
-              <a:solidFill>
-                <a:srgbClr val="183A5D"/>
-              </a:solidFill>
-              <a:latin typeface="微软雅黑" panose="020B0503020204020204" pitchFamily="34" charset="-122"/>
-              <a:ea typeface="微软雅黑" panose="020B0503020204020204" pitchFamily="34" charset="-122"/>
-            </a:endParaRPr>
           </a:p>
         </p:txBody>
       </p:sp>
@@ -33559,10 +33118,6 @@
               </a:rPr>
               <a:t>效益 比的情况下，该项目从经济方面来说可行。</a:t>
             </a:r>
-            <a:endParaRPr lang="zh-CN" altLang="en-US" sz="2400">
-              <a:latin typeface="微软雅黑" panose="020B0503020204020204" pitchFamily="34" charset="-122"/>
-              <a:ea typeface="微软雅黑" panose="020B0503020204020204" pitchFamily="34" charset="-122"/>
-            </a:endParaRPr>
           </a:p>
         </p:txBody>
       </p:sp>
@@ -33729,13 +33284,6 @@
               </a:rPr>
               <a:t>法律可行性</a:t>
             </a:r>
-            <a:endParaRPr lang="zh-CN" sz="2665" dirty="0" smtClean="0">
-              <a:solidFill>
-                <a:srgbClr val="183A5D"/>
-              </a:solidFill>
-              <a:latin typeface="微软雅黑" panose="020B0503020204020204" pitchFamily="34" charset="-122"/>
-              <a:ea typeface="微软雅黑" panose="020B0503020204020204" pitchFamily="34" charset="-122"/>
-            </a:endParaRPr>
           </a:p>
         </p:txBody>
       </p:sp>
@@ -33780,10 +33328,6 @@
               </a:rPr>
               <a:t>所用软件均为开源或者正版软件的试用版，所以本项目在法律因素上并不存在侵犯版权等行为。并且本项目可能并不会涉及到盈利部分，所以出现法律问题的可能性较小。</a:t>
             </a:r>
-            <a:endParaRPr lang="zh-CN" altLang="en-US" sz="2400">
-              <a:latin typeface="微软雅黑" panose="020B0503020204020204" pitchFamily="34" charset="-122"/>
-              <a:ea typeface="微软雅黑" panose="020B0503020204020204" pitchFamily="34" charset="-122"/>
-            </a:endParaRPr>
           </a:p>
         </p:txBody>
       </p:sp>
@@ -34083,9 +33627,11 @@
       </a:bgFillStyleLst>
     </a:fmtScheme>
   </a:themeElements>
+  <a:objectDefaults/>
+  <a:extraClrSchemeLst/>
   <a:extLst>
     <a:ext uri="{05A4C25C-085E-4340-85A3-A5531E510DB2}">
-      <thm15:themeFamily xmlns:thm15="http://schemas.microsoft.com/office/thememl/2012/main" name="Office Theme" id="{62F939B6-93AF-4DB8-9C6B-D6C7DFDC589F}" vid="{4A3C46E8-61CC-4603-A589-7422A47A8E4A}"/>
+      <thm15:themeFamily xmlns="" xmlns:thm15="http://schemas.microsoft.com/office/thememl/2012/main" name="Office Theme" id="{62F939B6-93AF-4DB8-9C6B-D6C7DFDC589F}" vid="{4A3C46E8-61CC-4603-A589-7422A47A8E4A}"/>
     </a:ext>
   </a:extLst>
 </a:theme>
@@ -34371,9 +33917,11 @@
       </a:bgFillStyleLst>
     </a:fmtScheme>
   </a:themeElements>
+  <a:objectDefaults/>
+  <a:extraClrSchemeLst/>
   <a:extLst>
     <a:ext uri="{05A4C25C-085E-4340-85A3-A5531E510DB2}">
-      <thm15:themeFamily xmlns:thm15="http://schemas.microsoft.com/office/thememl/2012/main" name="Office Theme" id="{62F939B6-93AF-4DB8-9C6B-D6C7DFDC589F}" vid="{4A3C46E8-61CC-4603-A589-7422A47A8E4A}"/>
+      <thm15:themeFamily xmlns="" xmlns:thm15="http://schemas.microsoft.com/office/thememl/2012/main" name="Office Theme" id="{62F939B6-93AF-4DB8-9C6B-D6C7DFDC589F}" vid="{4A3C46E8-61CC-4603-A589-7422A47A8E4A}"/>
     </a:ext>
   </a:extLst>
 </a:theme>
@@ -34659,9 +34207,11 @@
       </a:bgFillStyleLst>
     </a:fmtScheme>
   </a:themeElements>
+  <a:objectDefaults/>
+  <a:extraClrSchemeLst/>
   <a:extLst>
     <a:ext uri="{05A4C25C-085E-4340-85A3-A5531E510DB2}">
-      <thm15:themeFamily xmlns:thm15="http://schemas.microsoft.com/office/thememl/2012/main" name="Office Theme" id="{62F939B6-93AF-4DB8-9C6B-D6C7DFDC589F}" vid="{4A3C46E8-61CC-4603-A589-7422A47A8E4A}"/>
+      <thm15:themeFamily xmlns="" xmlns:thm15="http://schemas.microsoft.com/office/thememl/2012/main" name="Office Theme" id="{62F939B6-93AF-4DB8-9C6B-D6C7DFDC589F}" vid="{4A3C46E8-61CC-4603-A589-7422A47A8E4A}"/>
     </a:ext>
   </a:extLst>
 </a:theme>

--- a/SE2018春-G17-项目计划PPT.pptx
+++ b/SE2018春-G17-项目计划PPT.pptx
@@ -5,36 +5,36 @@
     <p:sldMasterId id="2147483648" r:id="rId1"/>
   </p:sldMasterIdLst>
   <p:notesMasterIdLst>
-    <p:notesMasterId r:id="rId24"/>
+    <p:notesMasterId r:id="rId4"/>
   </p:notesMasterIdLst>
   <p:handoutMasterIdLst>
-    <p:handoutMasterId r:id="rId25"/>
+    <p:handoutMasterId r:id="rId26"/>
   </p:handoutMasterIdLst>
   <p:sldIdLst>
-    <p:sldId id="370" r:id="rId2"/>
-    <p:sldId id="418" r:id="rId3"/>
-    <p:sldId id="419" r:id="rId4"/>
-    <p:sldId id="420" r:id="rId5"/>
-    <p:sldId id="405" r:id="rId6"/>
-    <p:sldId id="411" r:id="rId7"/>
-    <p:sldId id="439" r:id="rId8"/>
-    <p:sldId id="450" r:id="rId9"/>
-    <p:sldId id="437" r:id="rId10"/>
-    <p:sldId id="410" r:id="rId11"/>
-    <p:sldId id="412" r:id="rId12"/>
-    <p:sldId id="413" r:id="rId13"/>
-    <p:sldId id="364" r:id="rId14"/>
-    <p:sldId id="408" r:id="rId15"/>
-    <p:sldId id="406" r:id="rId16"/>
-    <p:sldId id="409" r:id="rId17"/>
-    <p:sldId id="407" r:id="rId18"/>
-    <p:sldId id="452" r:id="rId19"/>
-    <p:sldId id="453" r:id="rId20"/>
-    <p:sldId id="455" r:id="rId21"/>
-    <p:sldId id="451" r:id="rId22"/>
-    <p:sldId id="436" r:id="rId23"/>
+    <p:sldId id="370" r:id="rId3"/>
+    <p:sldId id="418" r:id="rId5"/>
+    <p:sldId id="419" r:id="rId6"/>
+    <p:sldId id="420" r:id="rId7"/>
+    <p:sldId id="405" r:id="rId8"/>
+    <p:sldId id="411" r:id="rId9"/>
+    <p:sldId id="439" r:id="rId10"/>
+    <p:sldId id="450" r:id="rId11"/>
+    <p:sldId id="437" r:id="rId12"/>
+    <p:sldId id="410" r:id="rId13"/>
+    <p:sldId id="412" r:id="rId14"/>
+    <p:sldId id="413" r:id="rId15"/>
+    <p:sldId id="364" r:id="rId16"/>
+    <p:sldId id="408" r:id="rId17"/>
+    <p:sldId id="406" r:id="rId18"/>
+    <p:sldId id="409" r:id="rId19"/>
+    <p:sldId id="407" r:id="rId20"/>
+    <p:sldId id="452" r:id="rId21"/>
+    <p:sldId id="453" r:id="rId22"/>
+    <p:sldId id="455" r:id="rId23"/>
+    <p:sldId id="451" r:id="rId24"/>
+    <p:sldId id="436" r:id="rId25"/>
   </p:sldIdLst>
-  <p:sldSz cx="12190413" cy="6859588"/>
+  <p:sldSz cx="12190095" cy="6859270"/>
   <p:notesSz cx="6858000" cy="9144000"/>
   <p:defaultTextStyle>
     <a:defPPr>
@@ -216,7 +216,6 @@
           <a:p>
             <a:fld id="{5D1C15E6-6BD2-4E4B-B1D4-218C26E1B228}" type="datetimeFigureOut">
               <a:rPr lang="zh-CN" altLang="en-US" smtClean="0"/>
-              <a:t>2018/3/25</a:t>
             </a:fld>
             <a:endParaRPr lang="zh-CN" altLang="en-US"/>
           </a:p>
@@ -282,18 +281,12 @@
           <a:p>
             <a:fld id="{E655EDCA-2189-4435-B38B-6F3C2C044356}" type="slidenum">
               <a:rPr lang="zh-CN" altLang="en-US" smtClean="0"/>
-              <a:t>‹#›</a:t>
             </a:fld>
             <a:endParaRPr lang="zh-CN" altLang="en-US"/>
           </a:p>
         </p:txBody>
       </p:sp>
     </p:spTree>
-    <p:extLst>
-      <p:ext uri="{BB962C8B-B14F-4D97-AF65-F5344CB8AC3E}">
-        <p14:creationId xmlns:p14="http://schemas.microsoft.com/office/powerpoint/2010/main" val="2291456244"/>
-      </p:ext>
-    </p:extLst>
   </p:cSld>
   <p:clrMap bg1="lt1" tx1="dk1" bg2="lt2" tx2="dk2" accent1="accent1" accent2="accent2" accent3="accent3" accent4="accent4" accent5="accent5" accent6="accent6" hlink="hlink" folHlink="folHlink"/>
 </p:handoutMaster>
@@ -381,7 +374,6 @@
           <a:p>
             <a:fld id="{0B17430C-5A66-4BD0-A971-34190B6C6019}" type="datetimeFigureOut">
               <a:rPr lang="zh-CN" altLang="en-US" smtClean="0"/>
-              <a:t>2018/3/25</a:t>
             </a:fld>
             <a:endParaRPr lang="zh-CN" altLang="en-US"/>
           </a:p>
@@ -448,6 +440,7 @@
               <a:rPr lang="zh-CN" altLang="en-US" smtClean="0"/>
               <a:t>单击此处编辑母版文本样式</a:t>
             </a:r>
+            <a:endParaRPr lang="zh-CN" altLang="en-US" smtClean="0"/>
           </a:p>
           <a:p>
             <a:pPr lvl="1"/>
@@ -455,6 +448,7 @@
               <a:rPr lang="zh-CN" altLang="en-US" smtClean="0"/>
               <a:t>第二级</a:t>
             </a:r>
+            <a:endParaRPr lang="zh-CN" altLang="en-US" smtClean="0"/>
           </a:p>
           <a:p>
             <a:pPr lvl="2"/>
@@ -462,6 +456,7 @@
               <a:rPr lang="zh-CN" altLang="en-US" smtClean="0"/>
               <a:t>第三级</a:t>
             </a:r>
+            <a:endParaRPr lang="zh-CN" altLang="en-US" smtClean="0"/>
           </a:p>
           <a:p>
             <a:pPr lvl="3"/>
@@ -469,6 +464,7 @@
               <a:rPr lang="zh-CN" altLang="en-US" smtClean="0"/>
               <a:t>第四级</a:t>
             </a:r>
+            <a:endParaRPr lang="zh-CN" altLang="en-US" smtClean="0"/>
           </a:p>
           <a:p>
             <a:pPr lvl="4"/>
@@ -540,18 +536,12 @@
           <a:p>
             <a:fld id="{74AC173A-3DA8-4893-B28A-1E15F55C330A}" type="slidenum">
               <a:rPr lang="zh-CN" altLang="en-US" smtClean="0"/>
-              <a:t>‹#›</a:t>
             </a:fld>
             <a:endParaRPr lang="zh-CN" altLang="en-US"/>
           </a:p>
         </p:txBody>
       </p:sp>
     </p:spTree>
-    <p:extLst>
-      <p:ext uri="{BB962C8B-B14F-4D97-AF65-F5344CB8AC3E}">
-        <p14:creationId xmlns:p14="http://schemas.microsoft.com/office/powerpoint/2010/main" val="3918369639"/>
-      </p:ext>
-    </p:extLst>
   </p:cSld>
   <p:clrMap bg1="lt1" tx1="dk1" bg2="lt2" tx2="dk2" accent1="accent1" accent2="accent2" accent3="accent3" accent4="accent4" accent5="accent5" accent6="accent6" hlink="hlink" folHlink="folHlink"/>
   <p:notesStyle>
@@ -714,7 +704,6 @@
           <a:p>
             <a:fld id="{74AC173A-3DA8-4893-B28A-1E15F55C330A}" type="slidenum">
               <a:rPr lang="zh-CN" altLang="en-US" smtClean="0"/>
-              <a:t>1</a:t>
             </a:fld>
             <a:endParaRPr lang="zh-CN" altLang="en-US"/>
           </a:p>
@@ -793,7 +782,6 @@
           <a:p>
             <a:fld id="{74AC173A-3DA8-4893-B28A-1E15F55C330A}" type="slidenum">
               <a:rPr lang="zh-CN" altLang="en-US" smtClean="0"/>
-              <a:t>21</a:t>
             </a:fld>
             <a:endParaRPr lang="zh-CN" altLang="en-US"/>
           </a:p>
@@ -872,7 +860,6 @@
           <a:p>
             <a:fld id="{74AC173A-3DA8-4893-B28A-1E15F55C330A}" type="slidenum">
               <a:rPr lang="zh-CN" altLang="en-US" smtClean="0"/>
-              <a:t>22</a:t>
             </a:fld>
             <a:endParaRPr lang="zh-CN" altLang="en-US"/>
           </a:p>
@@ -951,7 +938,6 @@
           <a:p>
             <a:fld id="{74AC173A-3DA8-4893-B28A-1E15F55C330A}" type="slidenum">
               <a:rPr lang="zh-CN" altLang="en-US" smtClean="0"/>
-              <a:t>2</a:t>
             </a:fld>
             <a:endParaRPr lang="zh-CN" altLang="en-US"/>
           </a:p>
@@ -1030,7 +1016,6 @@
           <a:p>
             <a:fld id="{74AC173A-3DA8-4893-B28A-1E15F55C330A}" type="slidenum">
               <a:rPr lang="zh-CN" altLang="en-US" smtClean="0"/>
-              <a:t>3</a:t>
             </a:fld>
             <a:endParaRPr lang="zh-CN" altLang="en-US"/>
           </a:p>
@@ -1109,7 +1094,6 @@
           <a:p>
             <a:fld id="{74AC173A-3DA8-4893-B28A-1E15F55C330A}" type="slidenum">
               <a:rPr lang="zh-CN" altLang="en-US" smtClean="0"/>
-              <a:t>4</a:t>
             </a:fld>
             <a:endParaRPr lang="zh-CN" altLang="en-US"/>
           </a:p>
@@ -1188,7 +1172,6 @@
           <a:p>
             <a:fld id="{6E611DA1-5E4C-4157-8D98-35F52756B2FB}" type="slidenum">
               <a:rPr lang="zh-CN" altLang="en-US" smtClean="0"/>
-              <a:t>5</a:t>
             </a:fld>
             <a:endParaRPr lang="zh-CN" altLang="en-US"/>
           </a:p>
@@ -1267,7 +1250,6 @@
           <a:p>
             <a:fld id="{74AC173A-3DA8-4893-B28A-1E15F55C330A}" type="slidenum">
               <a:rPr lang="zh-CN" altLang="en-US" smtClean="0"/>
-              <a:t>6</a:t>
             </a:fld>
             <a:endParaRPr lang="zh-CN" altLang="en-US"/>
           </a:p>
@@ -1346,7 +1328,6 @@
           <a:p>
             <a:fld id="{74AC173A-3DA8-4893-B28A-1E15F55C330A}" type="slidenum">
               <a:rPr lang="zh-CN" altLang="en-US" smtClean="0"/>
-              <a:t>10</a:t>
             </a:fld>
             <a:endParaRPr lang="zh-CN" altLang="en-US"/>
           </a:p>
@@ -1425,7 +1406,6 @@
           <a:p>
             <a:fld id="{74AC173A-3DA8-4893-B28A-1E15F55C330A}" type="slidenum">
               <a:rPr lang="zh-CN" altLang="en-US" smtClean="0"/>
-              <a:t>13</a:t>
             </a:fld>
             <a:endParaRPr lang="zh-CN" altLang="en-US"/>
           </a:p>
@@ -1504,7 +1484,6 @@
           <a:p>
             <a:fld id="{74AC173A-3DA8-4893-B28A-1E15F55C330A}" type="slidenum">
               <a:rPr lang="zh-CN" altLang="en-US" smtClean="0"/>
-              <a:t>20</a:t>
             </a:fld>
             <a:endParaRPr lang="zh-CN" altLang="en-US"/>
           </a:p>
@@ -1716,7 +1695,6 @@
                 <a:latin typeface="微软雅黑" panose="020B0503020204020204" pitchFamily="34" charset="-122"/>
                 <a:ea typeface="微软雅黑" panose="020B0503020204020204" pitchFamily="34" charset="-122"/>
               </a:rPr>
-              <a:t>‹#›</a:t>
             </a:fld>
             <a:r>
               <a:rPr lang="zh-CN" altLang="en-US" sz="1800" dirty="0" smtClean="0">
@@ -2646,7 +2624,6 @@
           <a:p>
             <a:fld id="{530820CF-B880-4189-942D-D702A7CBA730}" type="datetimeFigureOut">
               <a:rPr lang="zh-CN" altLang="en-US" smtClean="0"/>
-              <a:t>2018/3/25</a:t>
             </a:fld>
             <a:endParaRPr lang="zh-CN" altLang="en-US"/>
           </a:p>
@@ -2704,7 +2681,6 @@
           <a:p>
             <a:fld id="{0C913308-F349-4B6D-A68A-DD1791B4A57B}" type="slidenum">
               <a:rPr lang="zh-CN" altLang="en-US" smtClean="0"/>
-              <a:t>‹#›</a:t>
             </a:fld>
             <a:endParaRPr lang="zh-CN" altLang="en-US"/>
           </a:p>
@@ -2763,7 +2739,6 @@
           <a:p>
             <a:fld id="{530820CF-B880-4189-942D-D702A7CBA730}" type="datetimeFigureOut">
               <a:rPr lang="zh-CN" altLang="en-US" smtClean="0"/>
-              <a:t>2018/3/25</a:t>
             </a:fld>
             <a:endParaRPr lang="zh-CN" altLang="en-US"/>
           </a:p>
@@ -2821,7 +2796,6 @@
           <a:p>
             <a:fld id="{0C913308-F349-4B6D-A68A-DD1791B4A57B}" type="slidenum">
               <a:rPr lang="zh-CN" altLang="en-US" smtClean="0"/>
-              <a:t>‹#›</a:t>
             </a:fld>
             <a:endParaRPr lang="zh-CN" altLang="en-US"/>
           </a:p>
@@ -3615,6 +3589,13 @@
               </a:rPr>
               <a:t>问酒</a:t>
             </a:r>
+            <a:endParaRPr lang="zh-CN" altLang="en-US" sz="12800" dirty="0">
+              <a:solidFill>
+                <a:srgbClr val="38B1BF"/>
+              </a:solidFill>
+              <a:latin typeface="微软雅黑" panose="020B0503020204020204" pitchFamily="34" charset="-122"/>
+              <a:ea typeface="微软雅黑" panose="020B0503020204020204" pitchFamily="34" charset="-122"/>
+            </a:endParaRPr>
           </a:p>
         </p:txBody>
       </p:sp>
@@ -3706,6 +3687,16 @@
               </a:rPr>
               <a:t>小组</a:t>
             </a:r>
+            <a:endParaRPr lang="zh-CN" altLang="en-US" sz="1900" dirty="0">
+              <a:solidFill>
+                <a:schemeClr val="tx1">
+                  <a:lumMod val="85000"/>
+                  <a:lumOff val="15000"/>
+                </a:schemeClr>
+              </a:solidFill>
+              <a:latin typeface="微软雅黑" panose="020B0503020204020204" pitchFamily="34" charset="-122"/>
+              <a:ea typeface="微软雅黑" panose="020B0503020204020204" pitchFamily="34" charset="-122"/>
+            </a:endParaRPr>
           </a:p>
         </p:txBody>
       </p:sp>
@@ -3769,6 +3760,16 @@
               </a:rPr>
               <a:t>APP</a:t>
             </a:r>
+            <a:endParaRPr lang="en-US" altLang="zh-CN" sz="3600" b="1" dirty="0">
+              <a:solidFill>
+                <a:schemeClr val="tx1">
+                  <a:lumMod val="75000"/>
+                  <a:lumOff val="25000"/>
+                </a:schemeClr>
+              </a:solidFill>
+              <a:latin typeface="微软雅黑" panose="020B0503020204020204" pitchFamily="34" charset="-122"/>
+              <a:ea typeface="微软雅黑" panose="020B0503020204020204" pitchFamily="34" charset="-122"/>
+            </a:endParaRPr>
           </a:p>
         </p:txBody>
       </p:sp>
@@ -3873,6 +3874,16 @@
               </a:rPr>
               <a:t>日</a:t>
             </a:r>
+            <a:endParaRPr lang="zh-CN" altLang="en-US" sz="1900" dirty="0">
+              <a:solidFill>
+                <a:schemeClr val="tx1">
+                  <a:lumMod val="85000"/>
+                  <a:lumOff val="15000"/>
+                </a:schemeClr>
+              </a:solidFill>
+              <a:latin typeface="微软雅黑" panose="020B0503020204020204" pitchFamily="34" charset="-122"/>
+              <a:ea typeface="微软雅黑" panose="020B0503020204020204" pitchFamily="34" charset="-122"/>
+            </a:endParaRPr>
           </a:p>
         </p:txBody>
       </p:sp>
@@ -3920,16 +3931,16 @@
             <a:picLocks noChangeAspect="1"/>
           </p:cNvPicPr>
           <p:nvPr>
-            <a:audioFile r:link="rId2"/>
+            <a:audioFile r:link="rId1"/>
             <p:extLst>
               <p:ext uri="{DAA4B4D4-6D71-4841-9C94-3DE7FCFB9230}">
-                <p14:media xmlns:p14="http://schemas.microsoft.com/office/powerpoint/2010/main" r:embed="rId1"/>
+                <p14:media xmlns:p14="http://schemas.microsoft.com/office/powerpoint/2010/main" r:embed="rId2"/>
               </p:ext>
             </p:extLst>
           </p:nvPr>
         </p:nvPicPr>
         <p:blipFill>
-          <a:blip r:embed="rId5"/>
+          <a:blip r:embed="rId3"/>
           <a:stretch>
             <a:fillRect/>
           </a:stretch>
@@ -3977,6 +3988,14 @@
               </a:rPr>
               <a:t>浙江大学城市学院</a:t>
             </a:r>
+            <a:endParaRPr lang="zh-CN" altLang="en-US" kern="300" spc="2000">
+              <a:solidFill>
+                <a:schemeClr val="tx1"/>
+              </a:solidFill>
+              <a:uFillTx/>
+              <a:latin typeface="+中文标题" charset="0"/>
+              <a:ea typeface="+mj-ea"/>
+            </a:endParaRPr>
           </a:p>
         </p:txBody>
       </p:sp>
@@ -3985,13 +4004,13 @@
   <p:clrMapOvr>
     <a:masterClrMapping/>
   </p:clrMapOvr>
-  <mc:AlternateContent xmlns:mc="http://schemas.openxmlformats.org/markup-compatibility/2006" xmlns:p14="http://schemas.microsoft.com/office/powerpoint/2010/main">
-    <mc:Choice Requires="p14">
+  <mc:AlternateContent xmlns:mc="http://schemas.openxmlformats.org/markup-compatibility/2006">
+    <mc:Choice xmlns:p14="http://schemas.microsoft.com/office/powerpoint/2010/main" Requires="p14">
       <p:transition spd="slow" p14:dur="1600" advClick="0" advTm="0">
         <p:blinds dir="vert"/>
       </p:transition>
     </mc:Choice>
-    <mc:Fallback xmlns="">
+    <mc:Fallback>
       <p:transition spd="slow" advClick="0" advTm="0">
         <p:blinds dir="vert"/>
       </p:transition>
@@ -5067,6 +5086,14 @@
                 </a:rPr>
                 <a:t>社会需求简介</a:t>
               </a:r>
+              <a:endParaRPr lang="zh-CN" altLang="zh-CN" sz="2000" b="1" kern="100" dirty="0">
+                <a:solidFill>
+                  <a:schemeClr val="bg1"/>
+                </a:solidFill>
+                <a:latin typeface="微软雅黑" panose="020B0503020204020204" pitchFamily="34" charset="-122"/>
+                <a:ea typeface="微软雅黑" panose="020B0503020204020204" pitchFamily="34" charset="-122"/>
+                <a:cs typeface="Times New Roman" panose="02020603050405020304" pitchFamily="18" charset="0"/>
+              </a:endParaRPr>
             </a:p>
           </p:txBody>
         </p:sp>
@@ -5246,6 +5273,14 @@
                 </a:rPr>
                 <a:t>对系统的综合要求</a:t>
               </a:r>
+              <a:endParaRPr lang="zh-CN" altLang="zh-CN" sz="2000" b="1" kern="100" dirty="0">
+                <a:solidFill>
+                  <a:schemeClr val="bg1"/>
+                </a:solidFill>
+                <a:latin typeface="微软雅黑" panose="020B0503020204020204" pitchFamily="34" charset="-122"/>
+                <a:ea typeface="微软雅黑" panose="020B0503020204020204" pitchFamily="34" charset="-122"/>
+                <a:cs typeface="Times New Roman" panose="02020603050405020304" pitchFamily="18" charset="0"/>
+              </a:endParaRPr>
             </a:p>
           </p:txBody>
         </p:sp>
@@ -5343,6 +5378,13 @@
               </a:rPr>
               <a:t>需求分析</a:t>
             </a:r>
+            <a:endParaRPr lang="zh-CN" sz="3200" b="1" dirty="0">
+              <a:solidFill>
+                <a:schemeClr val="bg1"/>
+              </a:solidFill>
+              <a:latin typeface="微软雅黑" panose="020B0503020204020204" pitchFamily="34" charset="-122"/>
+              <a:ea typeface="微软雅黑" panose="020B0503020204020204" pitchFamily="34" charset="-122"/>
+            </a:endParaRPr>
           </a:p>
         </p:txBody>
       </p:sp>
@@ -5404,13 +5446,13 @@
   <p:clrMapOvr>
     <a:masterClrMapping/>
   </p:clrMapOvr>
-  <mc:AlternateContent xmlns:mc="http://schemas.openxmlformats.org/markup-compatibility/2006" xmlns:p14="http://schemas.microsoft.com/office/powerpoint/2010/main">
-    <mc:Choice Requires="p14">
+  <mc:AlternateContent xmlns:mc="http://schemas.openxmlformats.org/markup-compatibility/2006">
+    <mc:Choice xmlns:p14="http://schemas.microsoft.com/office/powerpoint/2010/main" Requires="p14">
       <p:transition spd="slow" p14:dur="1200" advClick="0" advTm="0">
         <p14:prism/>
       </p:transition>
     </mc:Choice>
-    <mc:Fallback xmlns="">
+    <mc:Fallback>
       <p:transition spd="slow" advClick="0" advTm="0">
         <p:fade/>
       </p:transition>
@@ -6250,6 +6292,10 @@
               </a:rPr>
               <a:t>需求：</a:t>
             </a:r>
+            <a:endParaRPr lang="zh-CN" altLang="en-US" sz="2400">
+              <a:latin typeface="等线" panose="02010600030101010101" charset="-122"/>
+              <a:ea typeface="等线" panose="02010600030101010101" charset="-122"/>
+            </a:endParaRPr>
           </a:p>
           <a:p>
             <a:r>
@@ -6266,6 +6312,10 @@
               </a:rPr>
               <a:t>人民群众在日常生活中需要了解有关酒的信息</a:t>
             </a:r>
+            <a:endParaRPr lang="zh-CN" altLang="en-US" sz="2400">
+              <a:latin typeface="等线" panose="02010600030101010101" charset="-122"/>
+              <a:ea typeface="等线" panose="02010600030101010101" charset="-122"/>
+            </a:endParaRPr>
           </a:p>
           <a:p>
             <a:r>
@@ -6282,6 +6332,10 @@
               </a:rPr>
               <a:t>酒友们想要分享与获取喝不同酒的经验与体会</a:t>
             </a:r>
+            <a:endParaRPr lang="zh-CN" altLang="en-US" sz="2400">
+              <a:latin typeface="等线" panose="02010600030101010101" charset="-122"/>
+              <a:ea typeface="等线" panose="02010600030101010101" charset="-122"/>
+            </a:endParaRPr>
           </a:p>
         </p:txBody>
       </p:sp>
@@ -6311,30 +6365,35 @@
               <a:rPr lang="zh-CN" altLang="en-US" sz="2400" dirty="0"/>
               <a:t>背景：</a:t>
             </a:r>
+            <a:endParaRPr lang="zh-CN" altLang="en-US" sz="2400" dirty="0"/>
           </a:p>
           <a:p>
             <a:r>
               <a:rPr sz="2400" dirty="0"/>
               <a:t>1.本项目作为软件工程导论2018春季课程的课程作业。</a:t>
             </a:r>
+            <a:endParaRPr sz="2400" dirty="0"/>
           </a:p>
           <a:p>
             <a:r>
               <a:rPr sz="2400" dirty="0"/>
               <a:t>2.目前市面上缺少关于酒的分享与交流专门的平台的APP</a:t>
             </a:r>
+            <a:endParaRPr sz="2400" dirty="0"/>
           </a:p>
           <a:p>
             <a:r>
               <a:rPr sz="2400" dirty="0"/>
               <a:t>3.软件工程的日益发展</a:t>
             </a:r>
+            <a:endParaRPr sz="2400" dirty="0"/>
           </a:p>
           <a:p>
             <a:r>
               <a:rPr sz="2400" dirty="0"/>
               <a:t>4.酒文化的经久不衰</a:t>
             </a:r>
+            <a:endParaRPr sz="2400" dirty="0"/>
           </a:p>
         </p:txBody>
       </p:sp>
@@ -6465,6 +6524,7 @@
               <a:rPr lang="en-US" sz="2400" dirty="0"/>
               <a:t>2</a:t>
             </a:r>
+            <a:endParaRPr lang="en-US" sz="2400" dirty="0"/>
           </a:p>
         </p:txBody>
       </p:sp>
@@ -6514,13 +6574,7 @@
         <p:nvGraphicFramePr>
           <p:cNvPr id="6" name="表格 5"/>
           <p:cNvGraphicFramePr/>
-          <p:nvPr>
-            <p:extLst>
-              <p:ext uri="{D42A27DB-BD31-4B8C-83A1-F6EECF244321}">
-                <p14:modId xmlns:p14="http://schemas.microsoft.com/office/powerpoint/2010/main" val="2657467953"/>
-              </p:ext>
-            </p:extLst>
-          </p:nvPr>
+          <p:nvPr/>
         </p:nvGraphicFramePr>
         <p:xfrm>
           <a:off x="1828800" y="1159510"/>
@@ -6549,6 +6603,7 @@
                         <a:rPr lang="zh-CN" altLang="en-US" dirty="0"/>
                         <a:t>类项</a:t>
                       </a:r>
+                      <a:endParaRPr lang="zh-CN" altLang="en-US" dirty="0"/>
                     </a:p>
                   </a:txBody>
                   <a:tcPr/>
@@ -6565,6 +6620,7 @@
                         <a:rPr lang="zh-CN" altLang="en-US"/>
                         <a:t>具体说明</a:t>
                       </a:r>
+                      <a:endParaRPr lang="zh-CN" altLang="en-US"/>
                     </a:p>
                   </a:txBody>
                   <a:tcPr/>
@@ -6583,6 +6639,7 @@
                         <a:rPr lang="zh-CN" altLang="en-US"/>
                         <a:t>功能需求</a:t>
                       </a:r>
+                      <a:endParaRPr lang="zh-CN" altLang="en-US"/>
                     </a:p>
                   </a:txBody>
                   <a:tcPr anchor="ctr"/>
@@ -6599,6 +6656,7 @@
                         <a:rPr lang="zh-CN" altLang="en-US"/>
                         <a:t>登入注册、通过图像识别来查找该酒的相关信息</a:t>
                       </a:r>
+                      <a:endParaRPr lang="zh-CN" altLang="en-US"/>
                     </a:p>
                   </a:txBody>
                   <a:tcPr/>
@@ -6617,6 +6675,7 @@
                         <a:rPr lang="zh-CN" altLang="en-US"/>
                         <a:t>性能需求</a:t>
                       </a:r>
+                      <a:endParaRPr lang="zh-CN" altLang="en-US"/>
                     </a:p>
                   </a:txBody>
                   <a:tcPr anchor="ctr"/>
@@ -6637,6 +6696,7 @@
                         <a:rPr lang="zh-CN" altLang="en-US"/>
                         <a:t>时间特性要求、灵活性</a:t>
                       </a:r>
+                      <a:endParaRPr lang="zh-CN" altLang="en-US"/>
                     </a:p>
                   </a:txBody>
                   <a:tcPr/>
@@ -6655,6 +6715,7 @@
                         <a:rPr lang="zh-CN" altLang="en-US"/>
                         <a:t>输入输出要求</a:t>
                       </a:r>
+                      <a:endParaRPr lang="zh-CN" altLang="en-US"/>
                     </a:p>
                   </a:txBody>
                   <a:tcPr anchor="ctr"/>
@@ -6671,6 +6732,7 @@
                         <a:rPr lang="zh-CN" altLang="en-US"/>
                         <a:t>标明系统数据输出量与控制精度</a:t>
                       </a:r>
+                      <a:endParaRPr lang="zh-CN" altLang="en-US"/>
                     </a:p>
                   </a:txBody>
                   <a:tcPr/>
@@ -6689,6 +6751,7 @@
                         <a:rPr lang="zh-CN" altLang="en-US"/>
                         <a:t>数据管理能力要求（针对软件系统）</a:t>
                       </a:r>
+                      <a:endParaRPr lang="zh-CN" altLang="en-US"/>
                     </a:p>
                   </a:txBody>
                   <a:tcPr anchor="ctr"/>
@@ -6705,6 +6768,7 @@
                         <a:rPr lang="zh-CN" altLang="en-US"/>
                         <a:t>对生命周期管理的数据量进行估算</a:t>
                       </a:r>
+                      <a:endParaRPr lang="zh-CN" altLang="en-US"/>
                     </a:p>
                   </a:txBody>
                   <a:tcPr/>
@@ -6723,6 +6787,7 @@
                         <a:rPr lang="zh-CN" altLang="en-US"/>
                         <a:t>故障处理要求</a:t>
                       </a:r>
+                      <a:endParaRPr lang="zh-CN" altLang="en-US"/>
                     </a:p>
                   </a:txBody>
                   <a:tcPr anchor="ctr"/>
@@ -6739,6 +6804,7 @@
                         <a:rPr lang="zh-CN" altLang="en-US"/>
                         <a:t>任何时候需要对数据库进行备份</a:t>
                       </a:r>
+                      <a:endParaRPr lang="zh-CN" altLang="en-US"/>
                     </a:p>
                   </a:txBody>
                   <a:tcPr/>
@@ -6757,6 +6823,7 @@
                         <a:rPr lang="zh-CN" altLang="en-US"/>
                         <a:t>可补充性需求</a:t>
                       </a:r>
+                      <a:endParaRPr lang="zh-CN" altLang="en-US"/>
                     </a:p>
                   </a:txBody>
                   <a:tcPr anchor="ctr"/>
@@ -6773,6 +6840,7 @@
                         <a:rPr lang="zh-CN" altLang="en-US"/>
                         <a:t>在编写代码时需要考虑到后续更新工作</a:t>
                       </a:r>
+                      <a:endParaRPr lang="zh-CN" altLang="en-US"/>
                     </a:p>
                   </a:txBody>
                   <a:tcPr/>
@@ -6791,6 +6859,7 @@
                         <a:rPr lang="zh-CN" altLang="en-US"/>
                         <a:t>约束</a:t>
                       </a:r>
+                      <a:endParaRPr lang="zh-CN" altLang="en-US"/>
                     </a:p>
                   </a:txBody>
                   <a:tcPr anchor="ctr"/>
@@ -6815,6 +6884,7 @@
                         <a:rPr lang="zh-CN" altLang="en-US" dirty="0"/>
                         <a:t>Tensorflow</a:t>
                       </a:r>
+                      <a:endParaRPr lang="zh-CN" altLang="en-US" dirty="0"/>
                     </a:p>
                     <a:p>
                       <a:pPr>
@@ -6846,6 +6916,7 @@
                         <a:rPr lang="en-US" altLang="zh-CN" dirty="0"/>
                         <a:t>Android</a:t>
                       </a:r>
+                      <a:endParaRPr lang="en-US" altLang="zh-CN" dirty="0"/>
                     </a:p>
                   </a:txBody>
                   <a:tcPr/>
@@ -7280,6 +7351,14 @@
                 </a:rPr>
                 <a:t>项目资源计划</a:t>
               </a:r>
+              <a:endParaRPr lang="zh-CN" altLang="zh-CN" sz="2000" b="1" kern="100" dirty="0">
+                <a:solidFill>
+                  <a:schemeClr val="bg1"/>
+                </a:solidFill>
+                <a:latin typeface="微软雅黑" panose="020B0503020204020204" pitchFamily="34" charset="-122"/>
+                <a:ea typeface="微软雅黑" panose="020B0503020204020204" pitchFamily="34" charset="-122"/>
+                <a:cs typeface="Times New Roman" panose="02020603050405020304" pitchFamily="18" charset="0"/>
+              </a:endParaRPr>
             </a:p>
           </p:txBody>
         </p:sp>
@@ -7459,6 +7538,14 @@
                 </a:rPr>
                 <a:t>项目风险计划</a:t>
               </a:r>
+              <a:endParaRPr lang="zh-CN" altLang="zh-CN" sz="2000" b="1" kern="100" dirty="0">
+                <a:solidFill>
+                  <a:schemeClr val="bg1"/>
+                </a:solidFill>
+                <a:latin typeface="微软雅黑" panose="020B0503020204020204" pitchFamily="34" charset="-122"/>
+                <a:ea typeface="微软雅黑" panose="020B0503020204020204" pitchFamily="34" charset="-122"/>
+                <a:cs typeface="Times New Roman" panose="02020603050405020304" pitchFamily="18" charset="0"/>
+              </a:endParaRPr>
             </a:p>
           </p:txBody>
         </p:sp>
@@ -7638,6 +7725,14 @@
                 </a:rPr>
                 <a:t>项目初步实施计划</a:t>
               </a:r>
+              <a:endParaRPr lang="zh-CN" altLang="zh-CN" sz="2000" b="1" kern="100" dirty="0">
+                <a:solidFill>
+                  <a:schemeClr val="bg1"/>
+                </a:solidFill>
+                <a:latin typeface="微软雅黑" panose="020B0503020204020204" pitchFamily="34" charset="-122"/>
+                <a:ea typeface="微软雅黑" panose="020B0503020204020204" pitchFamily="34" charset="-122"/>
+                <a:cs typeface="Times New Roman" panose="02020603050405020304" pitchFamily="18" charset="0"/>
+              </a:endParaRPr>
             </a:p>
           </p:txBody>
         </p:sp>
@@ -7735,6 +7830,13 @@
               </a:rPr>
               <a:t>项目计划</a:t>
             </a:r>
+            <a:endParaRPr lang="zh-CN" sz="3200" b="1" dirty="0">
+              <a:solidFill>
+                <a:schemeClr val="bg1"/>
+              </a:solidFill>
+              <a:latin typeface="微软雅黑" panose="020B0503020204020204" pitchFamily="34" charset="-122"/>
+              <a:ea typeface="微软雅黑" panose="020B0503020204020204" pitchFamily="34" charset="-122"/>
+            </a:endParaRPr>
           </a:p>
         </p:txBody>
       </p:sp>
@@ -7796,13 +7898,13 @@
   <p:clrMapOvr>
     <a:masterClrMapping/>
   </p:clrMapOvr>
-  <mc:AlternateContent xmlns:mc="http://schemas.openxmlformats.org/markup-compatibility/2006" xmlns:p14="http://schemas.microsoft.com/office/powerpoint/2010/main">
-    <mc:Choice Requires="p14">
+  <mc:AlternateContent xmlns:mc="http://schemas.openxmlformats.org/markup-compatibility/2006">
+    <mc:Choice xmlns:p14="http://schemas.microsoft.com/office/powerpoint/2010/main" Requires="p14">
       <p:transition spd="slow" p14:dur="1200" advClick="0" advTm="0">
         <p14:prism/>
       </p:transition>
     </mc:Choice>
-    <mc:Fallback xmlns="">
+    <mc:Fallback>
       <p:transition spd="slow" advClick="0" advTm="0">
         <p:fade/>
       </p:transition>
@@ -8788,6 +8890,7 @@
                         <a:rPr lang="zh-CN" altLang="en-US"/>
                         <a:t>必要活动</a:t>
                       </a:r>
+                      <a:endParaRPr lang="zh-CN" altLang="en-US"/>
                     </a:p>
                   </a:txBody>
                   <a:tcPr/>
@@ -8804,6 +8907,7 @@
                         <a:rPr lang="zh-CN" altLang="en-US"/>
                         <a:t>具体目标</a:t>
                       </a:r>
+                      <a:endParaRPr lang="zh-CN" altLang="en-US"/>
                     </a:p>
                   </a:txBody>
                   <a:tcPr/>
@@ -8822,6 +8926,7 @@
                         <a:rPr lang="zh-CN" altLang="en-US"/>
                         <a:t>项目前期准备</a:t>
                       </a:r>
+                      <a:endParaRPr lang="zh-CN" altLang="en-US"/>
                     </a:p>
                   </a:txBody>
                   <a:tcPr/>
@@ -8838,6 +8943,7 @@
                         <a:rPr lang="zh-CN" altLang="en-US"/>
                         <a:t>制定项目初步计划</a:t>
                       </a:r>
+                      <a:endParaRPr lang="zh-CN" altLang="en-US"/>
                     </a:p>
                   </a:txBody>
                   <a:tcPr/>
@@ -8856,6 +8962,7 @@
                         <a:rPr lang="zh-CN" altLang="en-US"/>
                         <a:t>可行性分析</a:t>
                       </a:r>
+                      <a:endParaRPr lang="zh-CN" altLang="en-US"/>
                     </a:p>
                   </a:txBody>
                   <a:tcPr/>
@@ -8872,6 +8979,7 @@
                         <a:rPr lang="zh-CN" altLang="en-US"/>
                         <a:t>可行性分析报告</a:t>
                       </a:r>
+                      <a:endParaRPr lang="zh-CN" altLang="en-US"/>
                     </a:p>
                   </a:txBody>
                   <a:tcPr/>
@@ -8890,6 +8998,7 @@
                         <a:rPr lang="zh-CN" altLang="en-US"/>
                         <a:t>需求分析</a:t>
                       </a:r>
+                      <a:endParaRPr lang="zh-CN" altLang="en-US"/>
                     </a:p>
                   </a:txBody>
                   <a:tcPr/>
@@ -8910,6 +9019,7 @@
                         <a:rPr lang="en-US" altLang="zh-CN"/>
                         <a:t>SRS</a:t>
                       </a:r>
+                      <a:endParaRPr lang="en-US" altLang="zh-CN"/>
                     </a:p>
                   </a:txBody>
                   <a:tcPr/>
@@ -8928,6 +9038,7 @@
                         <a:rPr lang="zh-CN" altLang="en-US"/>
                         <a:t>总体设计</a:t>
                       </a:r>
+                      <a:endParaRPr lang="zh-CN" altLang="en-US"/>
                     </a:p>
                   </a:txBody>
                   <a:tcPr/>
@@ -8944,6 +9055,7 @@
                         <a:rPr lang="zh-CN" altLang="en-US"/>
                         <a:t>系统说明报告，软件结构实现计划，测试计划，总体设计报告</a:t>
                       </a:r>
+                      <a:endParaRPr lang="zh-CN" altLang="en-US"/>
                     </a:p>
                   </a:txBody>
                   <a:tcPr/>
@@ -8962,6 +9074,7 @@
                         <a:rPr lang="zh-CN" altLang="en-US"/>
                         <a:t>详细设计</a:t>
                       </a:r>
+                      <a:endParaRPr lang="zh-CN" altLang="en-US"/>
                     </a:p>
                   </a:txBody>
                   <a:tcPr/>
@@ -8978,6 +9091,7 @@
                         <a:rPr lang="zh-CN" altLang="en-US"/>
                         <a:t>详细设计报告</a:t>
                       </a:r>
+                      <a:endParaRPr lang="zh-CN" altLang="en-US"/>
                     </a:p>
                   </a:txBody>
                   <a:tcPr/>
@@ -8996,6 +9110,7 @@
                         <a:rPr lang="zh-CN" altLang="en-US"/>
                         <a:t>项目实现</a:t>
                       </a:r>
+                      <a:endParaRPr lang="zh-CN" altLang="en-US"/>
                     </a:p>
                   </a:txBody>
                   <a:tcPr/>
@@ -9012,6 +9127,7 @@
                         <a:rPr lang="zh-CN" altLang="en-US"/>
                         <a:t>项目实现计划，安装部署计划</a:t>
                       </a:r>
+                      <a:endParaRPr lang="zh-CN" altLang="en-US"/>
                     </a:p>
                   </a:txBody>
                   <a:tcPr/>
@@ -9030,6 +9146,7 @@
                         <a:rPr lang="zh-CN" altLang="en-US"/>
                         <a:t>项目总结</a:t>
                       </a:r>
+                      <a:endParaRPr lang="zh-CN" altLang="en-US"/>
                     </a:p>
                   </a:txBody>
                   <a:tcPr/>
@@ -9046,6 +9163,7 @@
                         <a:rPr lang="zh-CN" altLang="en-US"/>
                         <a:t>项目总结报告，系统测试报告</a:t>
                       </a:r>
+                      <a:endParaRPr lang="zh-CN" altLang="en-US"/>
                     </a:p>
                   </a:txBody>
                   <a:tcPr/>
@@ -9218,6 +9336,13 @@
               </a:rPr>
               <a:t>项目资源计划</a:t>
             </a:r>
+            <a:endParaRPr lang="zh-CN" altLang="en-US" sz="2665" dirty="0" smtClean="0">
+              <a:solidFill>
+                <a:srgbClr val="183A5D"/>
+              </a:solidFill>
+              <a:latin typeface="微软雅黑" panose="020B0503020204020204" pitchFamily="34" charset="-122"/>
+              <a:ea typeface="微软雅黑" panose="020B0503020204020204" pitchFamily="34" charset="-122"/>
+            </a:endParaRPr>
           </a:p>
         </p:txBody>
       </p:sp>
@@ -9271,6 +9396,7 @@
                         <a:rPr lang="zh-CN" altLang="en-US"/>
                         <a:t>周一</a:t>
                       </a:r>
+                      <a:endParaRPr lang="zh-CN" altLang="en-US"/>
                     </a:p>
                   </a:txBody>
                   <a:tcPr/>
@@ -9287,6 +9413,7 @@
                         <a:rPr lang="zh-CN" altLang="en-US"/>
                         <a:t>周二</a:t>
                       </a:r>
+                      <a:endParaRPr lang="zh-CN" altLang="en-US"/>
                     </a:p>
                   </a:txBody>
                   <a:tcPr/>
@@ -9303,6 +9430,7 @@
                         <a:rPr lang="zh-CN" altLang="en-US"/>
                         <a:t>周三</a:t>
                       </a:r>
+                      <a:endParaRPr lang="zh-CN" altLang="en-US"/>
                     </a:p>
                   </a:txBody>
                   <a:tcPr/>
@@ -9319,6 +9447,7 @@
                         <a:rPr lang="zh-CN" altLang="en-US"/>
                         <a:t>周四</a:t>
                       </a:r>
+                      <a:endParaRPr lang="zh-CN" altLang="en-US"/>
                     </a:p>
                   </a:txBody>
                   <a:tcPr/>
@@ -9335,6 +9464,7 @@
                         <a:rPr lang="zh-CN" altLang="en-US"/>
                         <a:t>周五</a:t>
                       </a:r>
+                      <a:endParaRPr lang="zh-CN" altLang="en-US"/>
                     </a:p>
                   </a:txBody>
                   <a:tcPr/>
@@ -9357,6 +9487,7 @@
                         <a:rPr lang="en-US" altLang="zh-CN"/>
                         <a:t>1-2</a:t>
                       </a:r>
+                      <a:endParaRPr lang="en-US" altLang="zh-CN"/>
                     </a:p>
                   </a:txBody>
                   <a:tcPr/>
@@ -9393,6 +9524,7 @@
                         <a:rPr lang="zh-CN" altLang="en-US"/>
                         <a:t>，陈</a:t>
                       </a:r>
+                      <a:endParaRPr lang="zh-CN" altLang="en-US"/>
                     </a:p>
                   </a:txBody>
                   <a:tcPr/>
@@ -9417,6 +9549,7 @@
                         <a:rPr lang="zh-CN" altLang="en-US"/>
                         <a:t>，陈</a:t>
                       </a:r>
+                      <a:endParaRPr lang="zh-CN" altLang="en-US"/>
                     </a:p>
                   </a:txBody>
                   <a:tcPr/>
@@ -9446,6 +9579,7 @@
                         <a:rPr lang="zh-CN" altLang="en-US"/>
                         <a:t>陈</a:t>
                       </a:r>
+                      <a:endParaRPr lang="zh-CN" altLang="en-US"/>
                     </a:p>
                   </a:txBody>
                   <a:tcPr/>
@@ -9482,6 +9616,7 @@
                         <a:rPr lang="zh-CN" altLang="en-US"/>
                         <a:t>，陈</a:t>
                       </a:r>
+                      <a:endParaRPr lang="zh-CN" altLang="en-US"/>
                     </a:p>
                   </a:txBody>
                   <a:tcPr/>
@@ -9504,6 +9639,7 @@
                         <a:rPr lang="en-US" altLang="zh-CN"/>
                         <a:t>3-4</a:t>
                       </a:r>
+                      <a:endParaRPr lang="en-US" altLang="zh-CN"/>
                     </a:p>
                   </a:txBody>
                   <a:tcPr/>
@@ -9580,6 +9716,7 @@
                         <a:rPr lang="zh-CN" altLang="en-US"/>
                         <a:t>，陈</a:t>
                       </a:r>
+                      <a:endParaRPr lang="zh-CN" altLang="en-US"/>
                     </a:p>
                   </a:txBody>
                   <a:tcPr/>
@@ -9602,6 +9739,7 @@
                         <a:rPr lang="en-US" altLang="zh-CN"/>
                         <a:t>1-2</a:t>
                       </a:r>
+                      <a:endParaRPr lang="en-US" altLang="zh-CN"/>
                     </a:p>
                   </a:txBody>
                   <a:tcPr/>
@@ -9644,6 +9782,7 @@
                         <a:rPr lang="zh-CN" altLang="en-US"/>
                         <a:t>陈</a:t>
                       </a:r>
+                      <a:endParaRPr lang="zh-CN" altLang="en-US"/>
                     </a:p>
                   </a:txBody>
                   <a:tcPr/>
@@ -9664,6 +9803,11 @@
                         </a:rPr>
                         <a:t>黄</a:t>
                       </a:r>
+                      <a:endParaRPr lang="zh-CN" altLang="en-US">
+                        <a:solidFill>
+                          <a:srgbClr val="00B0F0"/>
+                        </a:solidFill>
+                      </a:endParaRPr>
                     </a:p>
                   </a:txBody>
                   <a:tcPr/>
@@ -9700,6 +9844,7 @@
                         <a:rPr lang="zh-CN" altLang="en-US"/>
                         <a:t>，陈</a:t>
                       </a:r>
+                      <a:endParaRPr lang="zh-CN" altLang="en-US"/>
                     </a:p>
                   </a:txBody>
                   <a:tcPr/>
@@ -9722,6 +9867,7 @@
                         <a:rPr lang="en-US" altLang="zh-CN"/>
                         <a:t>3-4</a:t>
                       </a:r>
+                      <a:endParaRPr lang="en-US" altLang="zh-CN"/>
                     </a:p>
                   </a:txBody>
                   <a:tcPr/>
@@ -9758,6 +9904,7 @@
                         <a:rPr lang="zh-CN" altLang="en-US"/>
                         <a:t>，陈</a:t>
                       </a:r>
+                      <a:endParaRPr lang="zh-CN" altLang="en-US"/>
                     </a:p>
                   </a:txBody>
                   <a:tcPr/>
@@ -9833,6 +9980,7 @@
                         <a:rPr lang="zh-CN" altLang="en-US"/>
                         <a:t>，陈</a:t>
                       </a:r>
+                      <a:endParaRPr lang="zh-CN" altLang="en-US"/>
                     </a:p>
                   </a:txBody>
                   <a:tcPr/>
@@ -9851,6 +9999,7 @@
                         <a:rPr lang="zh-CN" altLang="en-US"/>
                         <a:t>晚上</a:t>
                       </a:r>
+                      <a:endParaRPr lang="zh-CN" altLang="en-US"/>
                     </a:p>
                   </a:txBody>
                   <a:tcPr/>
@@ -9930,6 +10079,7 @@
                         <a:rPr lang="zh-CN" altLang="en-US"/>
                         <a:t>，陈</a:t>
                       </a:r>
+                      <a:endParaRPr lang="zh-CN" altLang="en-US"/>
                     </a:p>
                   </a:txBody>
                   <a:tcPr/>
@@ -9966,6 +10116,7 @@
                         <a:rPr lang="zh-CN" altLang="en-US"/>
                         <a:t>，陈</a:t>
                       </a:r>
+                      <a:endParaRPr lang="zh-CN" altLang="en-US"/>
                     </a:p>
                   </a:txBody>
                   <a:tcPr/>
@@ -10002,6 +10153,7 @@
                         <a:rPr lang="zh-CN" altLang="en-US"/>
                         <a:t>，陈</a:t>
                       </a:r>
+                      <a:endParaRPr lang="zh-CN" altLang="en-US"/>
                     </a:p>
                   </a:txBody>
                   <a:tcPr/>
@@ -10038,6 +10190,7 @@
                         <a:rPr lang="zh-CN" altLang="en-US"/>
                         <a:t>，陈</a:t>
                       </a:r>
+                      <a:endParaRPr lang="zh-CN" altLang="en-US"/>
                     </a:p>
                   </a:txBody>
                   <a:tcPr/>
@@ -10073,6 +10226,7 @@
               <a:rPr lang="zh-CN" altLang="en-US"/>
               <a:t>项目成员空余时间表：</a:t>
             </a:r>
+            <a:endParaRPr lang="zh-CN" altLang="en-US"/>
           </a:p>
         </p:txBody>
       </p:sp>
@@ -10203,6 +10357,7 @@
               <a:rPr lang="en-US" sz="2400" dirty="0"/>
               <a:t>3</a:t>
             </a:r>
+            <a:endParaRPr lang="en-US" sz="2400" dirty="0"/>
           </a:p>
         </p:txBody>
       </p:sp>
@@ -10297,6 +10452,14 @@
                         </a:rPr>
                         <a:t>项目管理过程</a:t>
                       </a:r>
+                      <a:endParaRPr lang="zh-CN" altLang="en-US" sz="1000" b="1" dirty="0">
+                        <a:solidFill>
+                          <a:srgbClr val="000000"/>
+                        </a:solidFill>
+                        <a:latin typeface="微软雅黑" panose="020B0503020204020204" pitchFamily="34" charset="-122"/>
+                        <a:ea typeface="微软雅黑" panose="020B0503020204020204" pitchFamily="34" charset="-122"/>
+                        <a:cs typeface="宋体" panose="02010600030101010101" pitchFamily="2" charset="-122"/>
+                      </a:endParaRPr>
                     </a:p>
                   </a:txBody>
                   <a:tcPr marL="0" marR="0" marT="0" marB="0" anchor="ctr">
@@ -10360,6 +10523,14 @@
                         </a:rPr>
                         <a:t>风险识别</a:t>
                       </a:r>
+                      <a:endParaRPr lang="zh-CN" altLang="en-US" sz="1200" b="1">
+                        <a:solidFill>
+                          <a:srgbClr val="000000"/>
+                        </a:solidFill>
+                        <a:latin typeface="微软雅黑" panose="020B0503020204020204" pitchFamily="34" charset="-122"/>
+                        <a:ea typeface="微软雅黑" panose="020B0503020204020204" pitchFamily="34" charset="-122"/>
+                        <a:cs typeface="宋体" panose="02010600030101010101" pitchFamily="2" charset="-122"/>
+                      </a:endParaRPr>
                     </a:p>
                   </a:txBody>
                   <a:tcPr marL="0" marR="0" marT="0" marB="0" anchor="ctr">
@@ -10405,13 +10576,6 @@
                   </a:tcPr>
                 </a:tc>
                 <a:tc hMerge="1">
-                  <a:txBody>
-                    <a:bodyPr/>
-                    <a:lstStyle/>
-                    <a:p>
-                      <a:endParaRPr lang="zh-CN"/>
-                    </a:p>
-                  </a:txBody>
                   <a:tcPr>
                     <a:lnR w="15240" cap="flat" cmpd="sng">
                       <a:solidFill>
@@ -10458,6 +10622,14 @@
                         </a:rPr>
                         <a:t>风险评估</a:t>
                       </a:r>
+                      <a:endParaRPr lang="zh-CN" altLang="en-US" sz="1200" b="1">
+                        <a:solidFill>
+                          <a:srgbClr val="000000"/>
+                        </a:solidFill>
+                        <a:latin typeface="微软雅黑" panose="020B0503020204020204" pitchFamily="34" charset="-122"/>
+                        <a:ea typeface="微软雅黑" panose="020B0503020204020204" pitchFamily="34" charset="-122"/>
+                        <a:cs typeface="宋体" panose="02010600030101010101" pitchFamily="2" charset="-122"/>
+                      </a:endParaRPr>
                     </a:p>
                   </a:txBody>
                   <a:tcPr marL="0" marR="0" marT="0" marB="0" anchor="ctr">
@@ -10503,13 +10675,6 @@
                   </a:tcPr>
                 </a:tc>
                 <a:tc hMerge="1">
-                  <a:txBody>
-                    <a:bodyPr/>
-                    <a:lstStyle/>
-                    <a:p>
-                      <a:endParaRPr lang="zh-CN"/>
-                    </a:p>
-                  </a:txBody>
                   <a:tcPr>
                     <a:lnT w="15240" cap="flat" cmpd="sng">
                       <a:solidFill>
@@ -10530,13 +10695,6 @@
                   </a:tcPr>
                 </a:tc>
                 <a:tc hMerge="1">
-                  <a:txBody>
-                    <a:bodyPr/>
-                    <a:lstStyle/>
-                    <a:p>
-                      <a:endParaRPr lang="zh-CN"/>
-                    </a:p>
-                  </a:txBody>
                   <a:tcPr>
                     <a:lnT w="15240" cap="flat" cmpd="sng">
                       <a:solidFill>
@@ -10557,13 +10715,6 @@
                   </a:tcPr>
                 </a:tc>
                 <a:tc hMerge="1">
-                  <a:txBody>
-                    <a:bodyPr/>
-                    <a:lstStyle/>
-                    <a:p>
-                      <a:endParaRPr lang="zh-CN"/>
-                    </a:p>
-                  </a:txBody>
                   <a:tcPr>
                     <a:lnR w="15240" cap="flat" cmpd="sng">
                       <a:solidFill>
@@ -10610,6 +10761,14 @@
                         </a:rPr>
                         <a:t>风险应对措施</a:t>
                       </a:r>
+                      <a:endParaRPr lang="zh-CN" altLang="en-US" sz="1200" b="1">
+                        <a:solidFill>
+                          <a:srgbClr val="000000"/>
+                        </a:solidFill>
+                        <a:latin typeface="微软雅黑" panose="020B0503020204020204" pitchFamily="34" charset="-122"/>
+                        <a:ea typeface="微软雅黑" panose="020B0503020204020204" pitchFamily="34" charset="-122"/>
+                        <a:cs typeface="宋体" panose="02010600030101010101" pitchFamily="2" charset="-122"/>
+                      </a:endParaRPr>
                     </a:p>
                   </a:txBody>
                   <a:tcPr marL="0" marR="0" marT="0" marB="0" anchor="ctr">
@@ -10837,13 +10996,6 @@
               </a:tr>
               <a:tr h="460375">
                 <a:tc vMerge="1">
-                  <a:txBody>
-                    <a:bodyPr/>
-                    <a:lstStyle/>
-                    <a:p>
-                      <a:endParaRPr lang="zh-CN"/>
-                    </a:p>
-                  </a:txBody>
                   <a:tcPr>
                     <a:lnL w="15240" cap="flat" cmpd="sng">
                       <a:solidFill>
@@ -10890,6 +11042,14 @@
                         </a:rPr>
                         <a:t>潜在的风险事件</a:t>
                       </a:r>
+                      <a:endParaRPr lang="zh-CN" altLang="en-US" sz="1000" b="1">
+                        <a:solidFill>
+                          <a:srgbClr val="000000"/>
+                        </a:solidFill>
+                        <a:latin typeface="微软雅黑" panose="020B0503020204020204" pitchFamily="34" charset="-122"/>
+                        <a:ea typeface="微软雅黑" panose="020B0503020204020204" pitchFamily="34" charset="-122"/>
+                        <a:cs typeface="宋体" panose="02010600030101010101" pitchFamily="2" charset="-122"/>
+                      </a:endParaRPr>
                     </a:p>
                   </a:txBody>
                   <a:tcPr marL="0" marR="0" marT="0" marB="0" anchor="ctr">
@@ -10953,6 +11113,14 @@
                         </a:rPr>
                         <a:t>风险发生的后果</a:t>
                       </a:r>
+                      <a:endParaRPr lang="zh-CN" altLang="en-US" sz="1000" b="1">
+                        <a:solidFill>
+                          <a:srgbClr val="000000"/>
+                        </a:solidFill>
+                        <a:latin typeface="微软雅黑" panose="020B0503020204020204" pitchFamily="34" charset="-122"/>
+                        <a:ea typeface="微软雅黑" panose="020B0503020204020204" pitchFamily="34" charset="-122"/>
+                        <a:cs typeface="宋体" panose="02010600030101010101" pitchFamily="2" charset="-122"/>
+                      </a:endParaRPr>
                     </a:p>
                   </a:txBody>
                   <a:tcPr marL="0" marR="0" marT="0" marB="0" anchor="ctr">
@@ -11016,6 +11184,14 @@
                         </a:rPr>
                         <a:t>可能性</a:t>
                       </a:r>
+                      <a:endParaRPr lang="zh-CN" altLang="en-US" sz="1000" b="1">
+                        <a:solidFill>
+                          <a:srgbClr val="000000"/>
+                        </a:solidFill>
+                        <a:latin typeface="微软雅黑" panose="020B0503020204020204" pitchFamily="34" charset="-122"/>
+                        <a:ea typeface="微软雅黑" panose="020B0503020204020204" pitchFamily="34" charset="-122"/>
+                        <a:cs typeface="宋体" panose="02010600030101010101" pitchFamily="2" charset="-122"/>
+                      </a:endParaRPr>
                     </a:p>
                   </a:txBody>
                   <a:tcPr marL="0" marR="0" marT="0" marB="0" anchor="ctr">
@@ -11079,6 +11255,14 @@
                         </a:rPr>
                         <a:t>严重性</a:t>
                       </a:r>
+                      <a:endParaRPr lang="zh-CN" altLang="en-US" sz="1000" b="1">
+                        <a:solidFill>
+                          <a:srgbClr val="000000"/>
+                        </a:solidFill>
+                        <a:latin typeface="微软雅黑" panose="020B0503020204020204" pitchFamily="34" charset="-122"/>
+                        <a:ea typeface="微软雅黑" panose="020B0503020204020204" pitchFamily="34" charset="-122"/>
+                        <a:cs typeface="宋体" panose="02010600030101010101" pitchFamily="2" charset="-122"/>
+                      </a:endParaRPr>
                     </a:p>
                   </a:txBody>
                   <a:tcPr marL="0" marR="0" marT="0" marB="0" anchor="ctr">
@@ -11142,6 +11326,14 @@
                         </a:rPr>
                         <a:t>不可控性</a:t>
                       </a:r>
+                      <a:endParaRPr lang="zh-CN" altLang="en-US" sz="1000" b="1">
+                        <a:solidFill>
+                          <a:srgbClr val="000000"/>
+                        </a:solidFill>
+                        <a:latin typeface="微软雅黑" panose="020B0503020204020204" pitchFamily="34" charset="-122"/>
+                        <a:ea typeface="微软雅黑" panose="020B0503020204020204" pitchFamily="34" charset="-122"/>
+                        <a:cs typeface="宋体" panose="02010600030101010101" pitchFamily="2" charset="-122"/>
+                      </a:endParaRPr>
                     </a:p>
                   </a:txBody>
                   <a:tcPr marL="0" marR="0" marT="0" marB="0" anchor="ctr">
@@ -11205,6 +11397,14 @@
                         </a:rPr>
                         <a:t>风险等级</a:t>
                       </a:r>
+                      <a:endParaRPr lang="zh-CN" altLang="en-US" sz="1000" b="1">
+                        <a:solidFill>
+                          <a:srgbClr val="000000"/>
+                        </a:solidFill>
+                        <a:latin typeface="微软雅黑" panose="020B0503020204020204" pitchFamily="34" charset="-122"/>
+                        <a:ea typeface="微软雅黑" panose="020B0503020204020204" pitchFamily="34" charset="-122"/>
+                        <a:cs typeface="宋体" panose="02010600030101010101" pitchFamily="2" charset="-122"/>
+                      </a:endParaRPr>
                     </a:p>
                   </a:txBody>
                   <a:tcPr marL="0" marR="0" marT="0" marB="0" anchor="ctr">
@@ -11268,6 +11468,14 @@
                         </a:rPr>
                         <a:t>应对措施</a:t>
                       </a:r>
+                      <a:endParaRPr lang="zh-CN" altLang="en-US" sz="1000" b="1">
+                        <a:solidFill>
+                          <a:srgbClr val="000000"/>
+                        </a:solidFill>
+                        <a:latin typeface="微软雅黑" panose="020B0503020204020204" pitchFamily="34" charset="-122"/>
+                        <a:ea typeface="微软雅黑" panose="020B0503020204020204" pitchFamily="34" charset="-122"/>
+                        <a:cs typeface="宋体" panose="02010600030101010101" pitchFamily="2" charset="-122"/>
+                      </a:endParaRPr>
                     </a:p>
                   </a:txBody>
                   <a:tcPr marL="0" marR="0" marT="0" marB="0" anchor="ctr">
@@ -11331,6 +11539,14 @@
                         </a:rPr>
                         <a:t>事故发生的对策</a:t>
                       </a:r>
+                      <a:endParaRPr lang="zh-CN" altLang="en-US" sz="1000" b="1">
+                        <a:solidFill>
+                          <a:srgbClr val="000000"/>
+                        </a:solidFill>
+                        <a:latin typeface="微软雅黑" panose="020B0503020204020204" pitchFamily="34" charset="-122"/>
+                        <a:ea typeface="微软雅黑" panose="020B0503020204020204" pitchFamily="34" charset="-122"/>
+                        <a:cs typeface="宋体" panose="02010600030101010101" pitchFamily="2" charset="-122"/>
+                      </a:endParaRPr>
                     </a:p>
                   </a:txBody>
                   <a:tcPr marL="0" marR="0" marT="0" marB="0" anchor="ctr">
@@ -11394,6 +11610,14 @@
                         </a:rPr>
                         <a:t>发生次数</a:t>
                       </a:r>
+                      <a:endParaRPr lang="zh-CN" altLang="en-US" sz="1000" b="1">
+                        <a:solidFill>
+                          <a:srgbClr val="000000"/>
+                        </a:solidFill>
+                        <a:latin typeface="微软雅黑" panose="020B0503020204020204" pitchFamily="34" charset="-122"/>
+                        <a:ea typeface="微软雅黑" panose="020B0503020204020204" pitchFamily="34" charset="-122"/>
+                        <a:cs typeface="宋体" panose="02010600030101010101" pitchFamily="2" charset="-122"/>
+                      </a:endParaRPr>
                     </a:p>
                   </a:txBody>
                   <a:tcPr marL="0" marR="0" marT="0" marB="0" anchor="ctr">
@@ -11457,6 +11681,14 @@
                         </a:rPr>
                         <a:t>风险高低</a:t>
                       </a:r>
+                      <a:endParaRPr lang="zh-CN" altLang="en-US" sz="1000" b="1">
+                        <a:solidFill>
+                          <a:srgbClr val="000000"/>
+                        </a:solidFill>
+                        <a:latin typeface="微软雅黑" panose="020B0503020204020204" pitchFamily="34" charset="-122"/>
+                        <a:ea typeface="微软雅黑" panose="020B0503020204020204" pitchFamily="34" charset="-122"/>
+                        <a:cs typeface="宋体" panose="02010600030101010101" pitchFamily="2" charset="-122"/>
+                      </a:endParaRPr>
                     </a:p>
                   </a:txBody>
                   <a:tcPr marL="0" marR="0" marT="0" marB="0" anchor="ctr">
@@ -11522,6 +11754,14 @@
                         </a:rPr>
                         <a:t>组员</a:t>
                       </a:r>
+                      <a:endParaRPr lang="zh-CN" altLang="en-US" sz="1000" b="1">
+                        <a:solidFill>
+                          <a:srgbClr val="000000"/>
+                        </a:solidFill>
+                        <a:latin typeface="微软雅黑" panose="020B0503020204020204" pitchFamily="34" charset="-122"/>
+                        <a:ea typeface="微软雅黑" panose="020B0503020204020204" pitchFamily="34" charset="-122"/>
+                        <a:cs typeface="宋体" panose="02010600030101010101" pitchFamily="2" charset="-122"/>
+                      </a:endParaRPr>
                     </a:p>
                   </a:txBody>
                   <a:tcPr marL="0" marR="0" marT="0" marB="0" anchor="ctr">
@@ -11585,6 +11825,14 @@
                         </a:rPr>
                         <a:t>组员有事情</a:t>
                       </a:r>
+                      <a:endParaRPr lang="zh-CN" altLang="en-US" sz="1000" b="0">
+                        <a:solidFill>
+                          <a:srgbClr val="000000"/>
+                        </a:solidFill>
+                        <a:latin typeface="微软雅黑" panose="020B0503020204020204" pitchFamily="34" charset="-122"/>
+                        <a:ea typeface="微软雅黑" panose="020B0503020204020204" pitchFamily="34" charset="-122"/>
+                        <a:cs typeface="宋体" panose="02010600030101010101" pitchFamily="2" charset="-122"/>
+                      </a:endParaRPr>
                     </a:p>
                   </a:txBody>
                   <a:tcPr marL="0" marR="0" marT="0" marB="0" anchor="ctr">
@@ -11648,6 +11896,14 @@
                         </a:rPr>
                         <a:t>任务不能按时按质完成</a:t>
                       </a:r>
+                      <a:endParaRPr lang="zh-CN" altLang="en-US" sz="1000" b="0">
+                        <a:solidFill>
+                          <a:srgbClr val="000000"/>
+                        </a:solidFill>
+                        <a:latin typeface="微软雅黑" panose="020B0503020204020204" pitchFamily="34" charset="-122"/>
+                        <a:ea typeface="微软雅黑" panose="020B0503020204020204" pitchFamily="34" charset="-122"/>
+                        <a:cs typeface="宋体" panose="02010600030101010101" pitchFamily="2" charset="-122"/>
+                      </a:endParaRPr>
                     </a:p>
                   </a:txBody>
                   <a:tcPr marL="0" marR="0" marT="0" marB="0" anchor="ctr">
@@ -11711,6 +11967,14 @@
                         </a:rPr>
                         <a:t>5</a:t>
                       </a:r>
+                      <a:endParaRPr lang="en-US" altLang="zh-CN" sz="1000" b="0">
+                        <a:solidFill>
+                          <a:srgbClr val="000000"/>
+                        </a:solidFill>
+                        <a:latin typeface="微软雅黑" panose="020B0503020204020204" pitchFamily="34" charset="-122"/>
+                        <a:ea typeface="微软雅黑" panose="020B0503020204020204" pitchFamily="34" charset="-122"/>
+                        <a:cs typeface="宋体" panose="02010600030101010101" pitchFamily="2" charset="-122"/>
+                      </a:endParaRPr>
                     </a:p>
                   </a:txBody>
                   <a:tcPr marL="0" marR="0" marT="0" marB="0" anchor="ctr">
@@ -11774,6 +12038,14 @@
                         </a:rPr>
                         <a:t>9</a:t>
                       </a:r>
+                      <a:endParaRPr lang="en-US" altLang="zh-CN" sz="1000" b="0">
+                        <a:solidFill>
+                          <a:srgbClr val="000000"/>
+                        </a:solidFill>
+                        <a:latin typeface="微软雅黑" panose="020B0503020204020204" pitchFamily="34" charset="-122"/>
+                        <a:ea typeface="微软雅黑" panose="020B0503020204020204" pitchFamily="34" charset="-122"/>
+                        <a:cs typeface="宋体" panose="02010600030101010101" pitchFamily="2" charset="-122"/>
+                      </a:endParaRPr>
                     </a:p>
                   </a:txBody>
                   <a:tcPr marL="0" marR="0" marT="0" marB="0" anchor="ctr">
@@ -11837,6 +12109,14 @@
                         </a:rPr>
                         <a:t>6</a:t>
                       </a:r>
+                      <a:endParaRPr lang="en-US" altLang="zh-CN" sz="1000" b="0">
+                        <a:solidFill>
+                          <a:srgbClr val="000000"/>
+                        </a:solidFill>
+                        <a:latin typeface="微软雅黑" panose="020B0503020204020204" pitchFamily="34" charset="-122"/>
+                        <a:ea typeface="微软雅黑" panose="020B0503020204020204" pitchFamily="34" charset="-122"/>
+                        <a:cs typeface="宋体" panose="02010600030101010101" pitchFamily="2" charset="-122"/>
+                      </a:endParaRPr>
                     </a:p>
                   </a:txBody>
                   <a:tcPr marL="0" marR="0" marT="0" marB="0" anchor="ctr">
@@ -11900,6 +12180,14 @@
                         </a:rPr>
                         <a:t>220</a:t>
                       </a:r>
+                      <a:endParaRPr lang="en-US" altLang="zh-CN" sz="1000" b="0">
+                        <a:solidFill>
+                          <a:srgbClr val="000000"/>
+                        </a:solidFill>
+                        <a:latin typeface="微软雅黑" panose="020B0503020204020204" pitchFamily="34" charset="-122"/>
+                        <a:ea typeface="微软雅黑" panose="020B0503020204020204" pitchFamily="34" charset="-122"/>
+                        <a:cs typeface="宋体" panose="02010600030101010101" pitchFamily="2" charset="-122"/>
+                      </a:endParaRPr>
                     </a:p>
                   </a:txBody>
                   <a:tcPr marL="0" marR="0" marT="0" marB="0" anchor="ctr">
@@ -11963,6 +12251,14 @@
                         </a:rPr>
                         <a:t>提前改变任务的分配，他人顶上</a:t>
                       </a:r>
+                      <a:endParaRPr lang="zh-CN" altLang="en-US" sz="1000" b="0">
+                        <a:solidFill>
+                          <a:srgbClr val="000000"/>
+                        </a:solidFill>
+                        <a:latin typeface="微软雅黑" panose="020B0503020204020204" pitchFamily="34" charset="-122"/>
+                        <a:ea typeface="微软雅黑" panose="020B0503020204020204" pitchFamily="34" charset="-122"/>
+                        <a:cs typeface="宋体" panose="02010600030101010101" pitchFamily="2" charset="-122"/>
+                      </a:endParaRPr>
                     </a:p>
                   </a:txBody>
                   <a:tcPr marL="0" marR="0" marT="0" marB="0" anchor="ctr">
@@ -12026,6 +12322,14 @@
                         </a:rPr>
                         <a:t>有</a:t>
                       </a:r>
+                      <a:endParaRPr lang="zh-CN" altLang="en-US" sz="1000" b="1">
+                        <a:solidFill>
+                          <a:srgbClr val="000000"/>
+                        </a:solidFill>
+                        <a:latin typeface="微软雅黑" panose="020B0503020204020204" pitchFamily="34" charset="-122"/>
+                        <a:ea typeface="微软雅黑" panose="020B0503020204020204" pitchFamily="34" charset="-122"/>
+                        <a:cs typeface="宋体" panose="02010600030101010101" pitchFamily="2" charset="-122"/>
+                      </a:endParaRPr>
                     </a:p>
                   </a:txBody>
                   <a:tcPr marL="0" marR="0" marT="0" marB="0" anchor="ctr">
@@ -12089,6 +12393,14 @@
                         </a:rPr>
                         <a:t>无</a:t>
                       </a:r>
+                      <a:endParaRPr lang="zh-CN" altLang="en-US" sz="1000" b="1">
+                        <a:solidFill>
+                          <a:srgbClr val="000000"/>
+                        </a:solidFill>
+                        <a:latin typeface="微软雅黑" panose="020B0503020204020204" pitchFamily="34" charset="-122"/>
+                        <a:ea typeface="微软雅黑" panose="020B0503020204020204" pitchFamily="34" charset="-122"/>
+                        <a:cs typeface="宋体" panose="02010600030101010101" pitchFamily="2" charset="-122"/>
+                      </a:endParaRPr>
                     </a:p>
                   </a:txBody>
                   <a:tcPr marL="0" marR="0" marT="0" marB="0" anchor="ctr">
@@ -12152,6 +12464,14 @@
                         </a:rPr>
                         <a:t>低</a:t>
                       </a:r>
+                      <a:endParaRPr lang="zh-CN" altLang="en-US" sz="1000" b="1">
+                        <a:solidFill>
+                          <a:srgbClr val="000000"/>
+                        </a:solidFill>
+                        <a:latin typeface="微软雅黑" panose="020B0503020204020204" pitchFamily="34" charset="-122"/>
+                        <a:ea typeface="微软雅黑" panose="020B0503020204020204" pitchFamily="34" charset="-122"/>
+                        <a:cs typeface="宋体" panose="02010600030101010101" pitchFamily="2" charset="-122"/>
+                      </a:endParaRPr>
                     </a:p>
                   </a:txBody>
                   <a:tcPr marL="0" marR="0" marT="0" marB="0" anchor="ctr">
@@ -12199,13 +12519,6 @@
               </a:tr>
               <a:tr h="360045">
                 <a:tc vMerge="1">
-                  <a:txBody>
-                    <a:bodyPr/>
-                    <a:lstStyle/>
-                    <a:p>
-                      <a:endParaRPr lang="zh-CN"/>
-                    </a:p>
-                  </a:txBody>
                   <a:tcPr>
                     <a:lnL w="15240" cap="flat" cmpd="sng">
                       <a:solidFill>
@@ -12244,6 +12557,14 @@
                         </a:rPr>
                         <a:t>组员不能按时完成任务</a:t>
                       </a:r>
+                      <a:endParaRPr lang="zh-CN" altLang="en-US" sz="1000" b="0">
+                        <a:solidFill>
+                          <a:srgbClr val="000000"/>
+                        </a:solidFill>
+                        <a:latin typeface="微软雅黑" panose="020B0503020204020204" pitchFamily="34" charset="-122"/>
+                        <a:ea typeface="微软雅黑" panose="020B0503020204020204" pitchFamily="34" charset="-122"/>
+                        <a:cs typeface="宋体" panose="02010600030101010101" pitchFamily="2" charset="-122"/>
+                      </a:endParaRPr>
                     </a:p>
                   </a:txBody>
                   <a:tcPr marL="0" marR="0" marT="0" marB="0" anchor="ctr">
@@ -12307,6 +12628,14 @@
                         </a:rPr>
                         <a:t>任务不能按时按质完成</a:t>
                       </a:r>
+                      <a:endParaRPr lang="zh-CN" altLang="en-US" sz="1000" b="0">
+                        <a:solidFill>
+                          <a:srgbClr val="000000"/>
+                        </a:solidFill>
+                        <a:latin typeface="微软雅黑" panose="020B0503020204020204" pitchFamily="34" charset="-122"/>
+                        <a:ea typeface="微软雅黑" panose="020B0503020204020204" pitchFamily="34" charset="-122"/>
+                        <a:cs typeface="宋体" panose="02010600030101010101" pitchFamily="2" charset="-122"/>
+                      </a:endParaRPr>
                     </a:p>
                   </a:txBody>
                   <a:tcPr marL="0" marR="0" marT="0" marB="0" anchor="ctr">
@@ -12370,6 +12699,14 @@
                         </a:rPr>
                         <a:t>4</a:t>
                       </a:r>
+                      <a:endParaRPr lang="en-US" altLang="zh-CN" sz="1000" b="0">
+                        <a:solidFill>
+                          <a:srgbClr val="000000"/>
+                        </a:solidFill>
+                        <a:latin typeface="微软雅黑" panose="020B0503020204020204" pitchFamily="34" charset="-122"/>
+                        <a:ea typeface="微软雅黑" panose="020B0503020204020204" pitchFamily="34" charset="-122"/>
+                        <a:cs typeface="宋体" panose="02010600030101010101" pitchFamily="2" charset="-122"/>
+                      </a:endParaRPr>
                     </a:p>
                   </a:txBody>
                   <a:tcPr marL="0" marR="0" marT="0" marB="0" anchor="ctr">
@@ -12433,6 +12770,14 @@
                         </a:rPr>
                         <a:t>9</a:t>
                       </a:r>
+                      <a:endParaRPr lang="en-US" altLang="zh-CN" sz="1000" b="0">
+                        <a:solidFill>
+                          <a:srgbClr val="000000"/>
+                        </a:solidFill>
+                        <a:latin typeface="微软雅黑" panose="020B0503020204020204" pitchFamily="34" charset="-122"/>
+                        <a:ea typeface="微软雅黑" panose="020B0503020204020204" pitchFamily="34" charset="-122"/>
+                        <a:cs typeface="宋体" panose="02010600030101010101" pitchFamily="2" charset="-122"/>
+                      </a:endParaRPr>
                     </a:p>
                   </a:txBody>
                   <a:tcPr marL="0" marR="0" marT="0" marB="0" anchor="ctr">
@@ -12496,6 +12841,14 @@
                         </a:rPr>
                         <a:t>5</a:t>
                       </a:r>
+                      <a:endParaRPr lang="en-US" altLang="zh-CN" sz="1000" b="0">
+                        <a:solidFill>
+                          <a:srgbClr val="000000"/>
+                        </a:solidFill>
+                        <a:latin typeface="微软雅黑" panose="020B0503020204020204" pitchFamily="34" charset="-122"/>
+                        <a:ea typeface="微软雅黑" panose="020B0503020204020204" pitchFamily="34" charset="-122"/>
+                        <a:cs typeface="宋体" panose="02010600030101010101" pitchFamily="2" charset="-122"/>
+                      </a:endParaRPr>
                     </a:p>
                   </a:txBody>
                   <a:tcPr marL="0" marR="0" marT="0" marB="0" anchor="ctr">
@@ -12559,6 +12912,14 @@
                         </a:rPr>
                         <a:t>200</a:t>
                       </a:r>
+                      <a:endParaRPr lang="en-US" altLang="zh-CN" sz="1000" b="0">
+                        <a:solidFill>
+                          <a:srgbClr val="000000"/>
+                        </a:solidFill>
+                        <a:latin typeface="微软雅黑" panose="020B0503020204020204" pitchFamily="34" charset="-122"/>
+                        <a:ea typeface="微软雅黑" panose="020B0503020204020204" pitchFamily="34" charset="-122"/>
+                        <a:cs typeface="宋体" panose="02010600030101010101" pitchFamily="2" charset="-122"/>
+                      </a:endParaRPr>
                     </a:p>
                   </a:txBody>
                   <a:tcPr marL="0" marR="0" marT="0" marB="0" anchor="ctr">
@@ -12622,6 +12983,14 @@
                         </a:rPr>
                         <a:t>其他成员给该成员制定一些培养的计划</a:t>
                       </a:r>
+                      <a:endParaRPr lang="zh-CN" altLang="en-US" sz="1000" b="0">
+                        <a:solidFill>
+                          <a:srgbClr val="000000"/>
+                        </a:solidFill>
+                        <a:latin typeface="微软雅黑" panose="020B0503020204020204" pitchFamily="34" charset="-122"/>
+                        <a:ea typeface="微软雅黑" panose="020B0503020204020204" pitchFamily="34" charset="-122"/>
+                        <a:cs typeface="宋体" panose="02010600030101010101" pitchFamily="2" charset="-122"/>
+                      </a:endParaRPr>
                     </a:p>
                   </a:txBody>
                   <a:tcPr marL="0" marR="0" marT="0" marB="0" anchor="ctr">
@@ -12685,6 +13054,14 @@
                         </a:rPr>
                         <a:t>有</a:t>
                       </a:r>
+                      <a:endParaRPr lang="zh-CN" altLang="en-US" sz="1000" b="1">
+                        <a:solidFill>
+                          <a:srgbClr val="000000"/>
+                        </a:solidFill>
+                        <a:latin typeface="微软雅黑" panose="020B0503020204020204" pitchFamily="34" charset="-122"/>
+                        <a:ea typeface="微软雅黑" panose="020B0503020204020204" pitchFamily="34" charset="-122"/>
+                        <a:cs typeface="宋体" panose="02010600030101010101" pitchFamily="2" charset="-122"/>
+                      </a:endParaRPr>
                     </a:p>
                   </a:txBody>
                   <a:tcPr marL="0" marR="0" marT="0" marB="0" anchor="ctr">
@@ -12748,6 +13125,14 @@
                         </a:rPr>
                         <a:t>无</a:t>
                       </a:r>
+                      <a:endParaRPr lang="zh-CN" altLang="en-US" sz="1000" b="1">
+                        <a:solidFill>
+                          <a:srgbClr val="000000"/>
+                        </a:solidFill>
+                        <a:latin typeface="微软雅黑" panose="020B0503020204020204" pitchFamily="34" charset="-122"/>
+                        <a:ea typeface="微软雅黑" panose="020B0503020204020204" pitchFamily="34" charset="-122"/>
+                        <a:cs typeface="宋体" panose="02010600030101010101" pitchFamily="2" charset="-122"/>
+                      </a:endParaRPr>
                     </a:p>
                   </a:txBody>
                   <a:tcPr marL="0" marR="0" marT="0" marB="0" anchor="ctr">
@@ -12811,6 +13196,14 @@
                         </a:rPr>
                         <a:t>低</a:t>
                       </a:r>
+                      <a:endParaRPr lang="zh-CN" altLang="en-US" sz="1000" b="1">
+                        <a:solidFill>
+                          <a:srgbClr val="000000"/>
+                        </a:solidFill>
+                        <a:latin typeface="微软雅黑" panose="020B0503020204020204" pitchFamily="34" charset="-122"/>
+                        <a:ea typeface="微软雅黑" panose="020B0503020204020204" pitchFamily="34" charset="-122"/>
+                        <a:cs typeface="宋体" panose="02010600030101010101" pitchFamily="2" charset="-122"/>
+                      </a:endParaRPr>
                     </a:p>
                   </a:txBody>
                   <a:tcPr marL="0" marR="0" marT="0" marB="0" anchor="ctr">
@@ -12858,13 +13251,6 @@
               </a:tr>
               <a:tr h="415925">
                 <a:tc vMerge="1">
-                  <a:txBody>
-                    <a:bodyPr/>
-                    <a:lstStyle/>
-                    <a:p>
-                      <a:endParaRPr lang="zh-CN"/>
-                    </a:p>
-                  </a:txBody>
                   <a:tcPr>
                     <a:lnL w="15240" cap="flat" cmpd="sng">
                       <a:solidFill>
@@ -12903,6 +13289,14 @@
                         </a:rPr>
                         <a:t>组员故意不参加讨论与工作</a:t>
                       </a:r>
+                      <a:endParaRPr lang="zh-CN" altLang="en-US" sz="1000" b="0">
+                        <a:solidFill>
+                          <a:srgbClr val="000000"/>
+                        </a:solidFill>
+                        <a:latin typeface="微软雅黑" panose="020B0503020204020204" pitchFamily="34" charset="-122"/>
+                        <a:ea typeface="微软雅黑" panose="020B0503020204020204" pitchFamily="34" charset="-122"/>
+                        <a:cs typeface="宋体" panose="02010600030101010101" pitchFamily="2" charset="-122"/>
+                      </a:endParaRPr>
                     </a:p>
                   </a:txBody>
                   <a:tcPr marL="0" marR="0" marT="0" marB="0" anchor="ctr">
@@ -12966,6 +13360,14 @@
                         </a:rPr>
                         <a:t>其他组员任务太重，时间无法保证</a:t>
                       </a:r>
+                      <a:endParaRPr lang="zh-CN" altLang="en-US" sz="1000" b="0">
+                        <a:solidFill>
+                          <a:srgbClr val="000000"/>
+                        </a:solidFill>
+                        <a:latin typeface="微软雅黑" panose="020B0503020204020204" pitchFamily="34" charset="-122"/>
+                        <a:ea typeface="微软雅黑" panose="020B0503020204020204" pitchFamily="34" charset="-122"/>
+                        <a:cs typeface="宋体" panose="02010600030101010101" pitchFamily="2" charset="-122"/>
+                      </a:endParaRPr>
                     </a:p>
                   </a:txBody>
                   <a:tcPr marL="0" marR="0" marT="0" marB="0" anchor="ctr">
@@ -13029,6 +13431,14 @@
                         </a:rPr>
                         <a:t>1</a:t>
                       </a:r>
+                      <a:endParaRPr lang="en-US" altLang="zh-CN" sz="1000" b="0">
+                        <a:solidFill>
+                          <a:srgbClr val="000000"/>
+                        </a:solidFill>
+                        <a:latin typeface="微软雅黑" panose="020B0503020204020204" pitchFamily="34" charset="-122"/>
+                        <a:ea typeface="微软雅黑" panose="020B0503020204020204" pitchFamily="34" charset="-122"/>
+                        <a:cs typeface="宋体" panose="02010600030101010101" pitchFamily="2" charset="-122"/>
+                      </a:endParaRPr>
                     </a:p>
                   </a:txBody>
                   <a:tcPr marL="0" marR="0" marT="0" marB="0" anchor="ctr">
@@ -13092,6 +13502,14 @@
                         </a:rPr>
                         <a:t>10</a:t>
                       </a:r>
+                      <a:endParaRPr lang="en-US" altLang="zh-CN" sz="1000" b="0">
+                        <a:solidFill>
+                          <a:srgbClr val="000000"/>
+                        </a:solidFill>
+                        <a:latin typeface="微软雅黑" panose="020B0503020204020204" pitchFamily="34" charset="-122"/>
+                        <a:ea typeface="微软雅黑" panose="020B0503020204020204" pitchFamily="34" charset="-122"/>
+                        <a:cs typeface="宋体" panose="02010600030101010101" pitchFamily="2" charset="-122"/>
+                      </a:endParaRPr>
                     </a:p>
                   </a:txBody>
                   <a:tcPr marL="0" marR="0" marT="0" marB="0" anchor="ctr">
@@ -13155,6 +13573,14 @@
                         </a:rPr>
                         <a:t>1</a:t>
                       </a:r>
+                      <a:endParaRPr lang="en-US" altLang="zh-CN" sz="1000" b="0">
+                        <a:solidFill>
+                          <a:srgbClr val="000000"/>
+                        </a:solidFill>
+                        <a:latin typeface="微软雅黑" panose="020B0503020204020204" pitchFamily="34" charset="-122"/>
+                        <a:ea typeface="微软雅黑" panose="020B0503020204020204" pitchFamily="34" charset="-122"/>
+                        <a:cs typeface="宋体" panose="02010600030101010101" pitchFamily="2" charset="-122"/>
+                      </a:endParaRPr>
                     </a:p>
                   </a:txBody>
                   <a:tcPr marL="0" marR="0" marT="0" marB="0" anchor="ctr">
@@ -13218,6 +13644,14 @@
                         </a:rPr>
                         <a:t>10</a:t>
                       </a:r>
+                      <a:endParaRPr lang="en-US" altLang="zh-CN" sz="1000" b="0">
+                        <a:solidFill>
+                          <a:srgbClr val="000000"/>
+                        </a:solidFill>
+                        <a:latin typeface="微软雅黑" panose="020B0503020204020204" pitchFamily="34" charset="-122"/>
+                        <a:ea typeface="微软雅黑" panose="020B0503020204020204" pitchFamily="34" charset="-122"/>
+                        <a:cs typeface="宋体" panose="02010600030101010101" pitchFamily="2" charset="-122"/>
+                      </a:endParaRPr>
                     </a:p>
                   </a:txBody>
                   <a:tcPr marL="0" marR="0" marT="0" marB="0" anchor="ctr">
@@ -13303,6 +13737,14 @@
                         </a:rPr>
                         <a:t>出小组。并且影响小组考评</a:t>
                       </a:r>
+                      <a:endParaRPr lang="zh-CN" altLang="en-US" sz="1000" b="0">
+                        <a:solidFill>
+                          <a:srgbClr val="000000"/>
+                        </a:solidFill>
+                        <a:latin typeface="微软雅黑" panose="020B0503020204020204" pitchFamily="34" charset="-122"/>
+                        <a:ea typeface="微软雅黑" panose="020B0503020204020204" pitchFamily="34" charset="-122"/>
+                        <a:cs typeface="宋体" panose="02010600030101010101" pitchFamily="2" charset="-122"/>
+                      </a:endParaRPr>
                     </a:p>
                   </a:txBody>
                   <a:tcPr marL="0" marR="0" marT="0" marB="0" anchor="ctr">
@@ -13366,6 +13808,14 @@
                         </a:rPr>
                         <a:t>有</a:t>
                       </a:r>
+                      <a:endParaRPr lang="zh-CN" altLang="en-US" sz="1000" b="1">
+                        <a:solidFill>
+                          <a:srgbClr val="000000"/>
+                        </a:solidFill>
+                        <a:latin typeface="微软雅黑" panose="020B0503020204020204" pitchFamily="34" charset="-122"/>
+                        <a:ea typeface="微软雅黑" panose="020B0503020204020204" pitchFamily="34" charset="-122"/>
+                        <a:cs typeface="宋体" panose="02010600030101010101" pitchFamily="2" charset="-122"/>
+                      </a:endParaRPr>
                     </a:p>
                   </a:txBody>
                   <a:tcPr marL="0" marR="0" marT="0" marB="0" anchor="ctr">
@@ -13429,6 +13879,14 @@
                         </a:rPr>
                         <a:t>无</a:t>
                       </a:r>
+                      <a:endParaRPr lang="zh-CN" altLang="en-US" sz="1000" b="1">
+                        <a:solidFill>
+                          <a:srgbClr val="000000"/>
+                        </a:solidFill>
+                        <a:latin typeface="微软雅黑" panose="020B0503020204020204" pitchFamily="34" charset="-122"/>
+                        <a:ea typeface="微软雅黑" panose="020B0503020204020204" pitchFamily="34" charset="-122"/>
+                        <a:cs typeface="宋体" panose="02010600030101010101" pitchFamily="2" charset="-122"/>
+                      </a:endParaRPr>
                     </a:p>
                   </a:txBody>
                   <a:tcPr marL="0" marR="0" marT="0" marB="0" anchor="ctr">
@@ -13492,6 +13950,14 @@
                         </a:rPr>
                         <a:t>低</a:t>
                       </a:r>
+                      <a:endParaRPr lang="zh-CN" altLang="en-US" sz="1000" b="1">
+                        <a:solidFill>
+                          <a:srgbClr val="000000"/>
+                        </a:solidFill>
+                        <a:latin typeface="微软雅黑" panose="020B0503020204020204" pitchFamily="34" charset="-122"/>
+                        <a:ea typeface="微软雅黑" panose="020B0503020204020204" pitchFamily="34" charset="-122"/>
+                        <a:cs typeface="宋体" panose="02010600030101010101" pitchFamily="2" charset="-122"/>
+                      </a:endParaRPr>
                     </a:p>
                   </a:txBody>
                   <a:tcPr marL="0" marR="0" marT="0" marB="0" anchor="ctr">
@@ -13539,13 +14005,6 @@
               </a:tr>
               <a:tr h="448310">
                 <a:tc vMerge="1">
-                  <a:txBody>
-                    <a:bodyPr/>
-                    <a:lstStyle/>
-                    <a:p>
-                      <a:endParaRPr lang="zh-CN"/>
-                    </a:p>
-                  </a:txBody>
                   <a:tcPr>
                     <a:lnL w="15240" cap="flat" cmpd="sng">
                       <a:solidFill>
@@ -13584,6 +14043,14 @@
                         </a:rPr>
                         <a:t>组员能力不平均</a:t>
                       </a:r>
+                      <a:endParaRPr lang="zh-CN" altLang="en-US" sz="1000" b="0">
+                        <a:solidFill>
+                          <a:srgbClr val="000000"/>
+                        </a:solidFill>
+                        <a:latin typeface="微软雅黑" panose="020B0503020204020204" pitchFamily="34" charset="-122"/>
+                        <a:ea typeface="微软雅黑" panose="020B0503020204020204" pitchFamily="34" charset="-122"/>
+                        <a:cs typeface="宋体" panose="02010600030101010101" pitchFamily="2" charset="-122"/>
+                      </a:endParaRPr>
                     </a:p>
                   </a:txBody>
                   <a:tcPr marL="0" marR="0" marT="0" marB="0" anchor="ctr">
@@ -13647,6 +14114,14 @@
                         </a:rPr>
                         <a:t>有的组员能力不行完不成相关任务</a:t>
                       </a:r>
+                      <a:endParaRPr lang="zh-CN" altLang="en-US" sz="1000" b="0">
+                        <a:solidFill>
+                          <a:srgbClr val="000000"/>
+                        </a:solidFill>
+                        <a:latin typeface="微软雅黑" panose="020B0503020204020204" pitchFamily="34" charset="-122"/>
+                        <a:ea typeface="微软雅黑" panose="020B0503020204020204" pitchFamily="34" charset="-122"/>
+                        <a:cs typeface="宋体" panose="02010600030101010101" pitchFamily="2" charset="-122"/>
+                      </a:endParaRPr>
                     </a:p>
                   </a:txBody>
                   <a:tcPr marL="0" marR="0" marT="0" marB="0" anchor="ctr">
@@ -13710,6 +14185,14 @@
                         </a:rPr>
                         <a:t>6</a:t>
                       </a:r>
+                      <a:endParaRPr lang="en-US" altLang="zh-CN" sz="1000" b="0">
+                        <a:solidFill>
+                          <a:srgbClr val="000000"/>
+                        </a:solidFill>
+                        <a:latin typeface="微软雅黑" panose="020B0503020204020204" pitchFamily="34" charset="-122"/>
+                        <a:ea typeface="微软雅黑" panose="020B0503020204020204" pitchFamily="34" charset="-122"/>
+                        <a:cs typeface="宋体" panose="02010600030101010101" pitchFamily="2" charset="-122"/>
+                      </a:endParaRPr>
                     </a:p>
                   </a:txBody>
                   <a:tcPr marL="0" marR="0" marT="0" marB="0" anchor="ctr">
@@ -13773,6 +14256,14 @@
                         </a:rPr>
                         <a:t>9</a:t>
                       </a:r>
+                      <a:endParaRPr lang="en-US" altLang="zh-CN" sz="1000" b="0">
+                        <a:solidFill>
+                          <a:srgbClr val="000000"/>
+                        </a:solidFill>
+                        <a:latin typeface="微软雅黑" panose="020B0503020204020204" pitchFamily="34" charset="-122"/>
+                        <a:ea typeface="微软雅黑" panose="020B0503020204020204" pitchFamily="34" charset="-122"/>
+                        <a:cs typeface="宋体" panose="02010600030101010101" pitchFamily="2" charset="-122"/>
+                      </a:endParaRPr>
                     </a:p>
                   </a:txBody>
                   <a:tcPr marL="0" marR="0" marT="0" marB="0" anchor="ctr">
@@ -13836,6 +14327,14 @@
                         </a:rPr>
                         <a:t>2</a:t>
                       </a:r>
+                      <a:endParaRPr lang="en-US" altLang="zh-CN" sz="1000" b="0">
+                        <a:solidFill>
+                          <a:srgbClr val="000000"/>
+                        </a:solidFill>
+                        <a:latin typeface="微软雅黑" panose="020B0503020204020204" pitchFamily="34" charset="-122"/>
+                        <a:ea typeface="微软雅黑" panose="020B0503020204020204" pitchFamily="34" charset="-122"/>
+                        <a:cs typeface="宋体" panose="02010600030101010101" pitchFamily="2" charset="-122"/>
+                      </a:endParaRPr>
                     </a:p>
                   </a:txBody>
                   <a:tcPr marL="0" marR="0" marT="0" marB="0" anchor="ctr">
@@ -13899,6 +14398,14 @@
                         </a:rPr>
                         <a:t>108</a:t>
                       </a:r>
+                      <a:endParaRPr lang="en-US" altLang="zh-CN" sz="1000" b="0">
+                        <a:solidFill>
+                          <a:srgbClr val="000000"/>
+                        </a:solidFill>
+                        <a:latin typeface="微软雅黑" panose="020B0503020204020204" pitchFamily="34" charset="-122"/>
+                        <a:ea typeface="微软雅黑" panose="020B0503020204020204" pitchFamily="34" charset="-122"/>
+                        <a:cs typeface="宋体" panose="02010600030101010101" pitchFamily="2" charset="-122"/>
+                      </a:endParaRPr>
                     </a:p>
                   </a:txBody>
                   <a:tcPr marL="0" marR="0" marT="0" marB="0" anchor="ctr">
@@ -13962,6 +14469,14 @@
                         </a:rPr>
                         <a:t>由其他能力较强的组员辅导能力较差的组员。对该组员进行提升</a:t>
                       </a:r>
+                      <a:endParaRPr lang="zh-CN" altLang="en-US" sz="1000" b="0">
+                        <a:solidFill>
+                          <a:srgbClr val="000000"/>
+                        </a:solidFill>
+                        <a:latin typeface="微软雅黑" panose="020B0503020204020204" pitchFamily="34" charset="-122"/>
+                        <a:ea typeface="微软雅黑" panose="020B0503020204020204" pitchFamily="34" charset="-122"/>
+                        <a:cs typeface="宋体" panose="02010600030101010101" pitchFamily="2" charset="-122"/>
+                      </a:endParaRPr>
                     </a:p>
                   </a:txBody>
                   <a:tcPr marL="0" marR="0" marT="0" marB="0" anchor="ctr">
@@ -14025,6 +14540,14 @@
                         </a:rPr>
                         <a:t>有</a:t>
                       </a:r>
+                      <a:endParaRPr lang="zh-CN" altLang="en-US" sz="1000" b="1">
+                        <a:solidFill>
+                          <a:srgbClr val="000000"/>
+                        </a:solidFill>
+                        <a:latin typeface="微软雅黑" panose="020B0503020204020204" pitchFamily="34" charset="-122"/>
+                        <a:ea typeface="微软雅黑" panose="020B0503020204020204" pitchFamily="34" charset="-122"/>
+                        <a:cs typeface="宋体" panose="02010600030101010101" pitchFamily="2" charset="-122"/>
+                      </a:endParaRPr>
                     </a:p>
                   </a:txBody>
                   <a:tcPr marL="0" marR="0" marT="0" marB="0" anchor="ctr">
@@ -14088,6 +14611,14 @@
                         </a:rPr>
                         <a:t>无</a:t>
                       </a:r>
+                      <a:endParaRPr lang="zh-CN" altLang="en-US" sz="1000" b="1">
+                        <a:solidFill>
+                          <a:srgbClr val="000000"/>
+                        </a:solidFill>
+                        <a:latin typeface="微软雅黑" panose="020B0503020204020204" pitchFamily="34" charset="-122"/>
+                        <a:ea typeface="微软雅黑" panose="020B0503020204020204" pitchFamily="34" charset="-122"/>
+                        <a:cs typeface="宋体" panose="02010600030101010101" pitchFamily="2" charset="-122"/>
+                      </a:endParaRPr>
                     </a:p>
                   </a:txBody>
                   <a:tcPr marL="0" marR="0" marT="0" marB="0" anchor="ctr">
@@ -14151,6 +14682,14 @@
                         </a:rPr>
                         <a:t>低</a:t>
                       </a:r>
+                      <a:endParaRPr lang="zh-CN" altLang="en-US" sz="1000" b="1">
+                        <a:solidFill>
+                          <a:srgbClr val="000000"/>
+                        </a:solidFill>
+                        <a:latin typeface="微软雅黑" panose="020B0503020204020204" pitchFamily="34" charset="-122"/>
+                        <a:ea typeface="微软雅黑" panose="020B0503020204020204" pitchFamily="34" charset="-122"/>
+                        <a:cs typeface="宋体" panose="02010600030101010101" pitchFamily="2" charset="-122"/>
+                      </a:endParaRPr>
                     </a:p>
                   </a:txBody>
                   <a:tcPr marL="0" marR="0" marT="0" marB="0" anchor="ctr">
@@ -14198,13 +14737,6 @@
               </a:tr>
               <a:tr h="719455">
                 <a:tc vMerge="1">
-                  <a:txBody>
-                    <a:bodyPr/>
-                    <a:lstStyle/>
-                    <a:p>
-                      <a:endParaRPr lang="zh-CN"/>
-                    </a:p>
-                  </a:txBody>
                   <a:tcPr>
                     <a:lnL w="15240" cap="flat" cmpd="sng">
                       <a:solidFill>
@@ -14243,6 +14775,14 @@
                         </a:rPr>
                         <a:t>组员对接下的计划和任务定义不够明确</a:t>
                       </a:r>
+                      <a:endParaRPr lang="zh-CN" altLang="en-US" sz="1000" b="0">
+                        <a:solidFill>
+                          <a:srgbClr val="000000"/>
+                        </a:solidFill>
+                        <a:latin typeface="微软雅黑" panose="020B0503020204020204" pitchFamily="34" charset="-122"/>
+                        <a:ea typeface="微软雅黑" panose="020B0503020204020204" pitchFamily="34" charset="-122"/>
+                        <a:cs typeface="宋体" panose="02010600030101010101" pitchFamily="2" charset="-122"/>
+                      </a:endParaRPr>
                     </a:p>
                   </a:txBody>
                   <a:tcPr marL="0" marR="0" marT="0" marB="0" anchor="ctr">
@@ -14306,6 +14846,14 @@
                         </a:rPr>
                         <a:t>组员不能及时完成任务</a:t>
                       </a:r>
+                      <a:endParaRPr lang="zh-CN" altLang="en-US" sz="1000" b="0">
+                        <a:solidFill>
+                          <a:srgbClr val="000000"/>
+                        </a:solidFill>
+                        <a:latin typeface="微软雅黑" panose="020B0503020204020204" pitchFamily="34" charset="-122"/>
+                        <a:ea typeface="微软雅黑" panose="020B0503020204020204" pitchFamily="34" charset="-122"/>
+                        <a:cs typeface="宋体" panose="02010600030101010101" pitchFamily="2" charset="-122"/>
+                      </a:endParaRPr>
                     </a:p>
                   </a:txBody>
                   <a:tcPr marL="0" marR="0" marT="0" marB="0" anchor="ctr">
@@ -14369,6 +14917,14 @@
                         </a:rPr>
                         <a:t>7</a:t>
                       </a:r>
+                      <a:endParaRPr lang="en-US" altLang="zh-CN" sz="1000" b="0">
+                        <a:solidFill>
+                          <a:srgbClr val="000000"/>
+                        </a:solidFill>
+                        <a:latin typeface="微软雅黑" panose="020B0503020204020204" pitchFamily="34" charset="-122"/>
+                        <a:ea typeface="微软雅黑" panose="020B0503020204020204" pitchFamily="34" charset="-122"/>
+                        <a:cs typeface="宋体" panose="02010600030101010101" pitchFamily="2" charset="-122"/>
+                      </a:endParaRPr>
                     </a:p>
                   </a:txBody>
                   <a:tcPr marL="0" marR="0" marT="0" marB="0" anchor="ctr">
@@ -14432,6 +14988,14 @@
                         </a:rPr>
                         <a:t>7</a:t>
                       </a:r>
+                      <a:endParaRPr lang="en-US" altLang="zh-CN" sz="1000" b="0">
+                        <a:solidFill>
+                          <a:srgbClr val="000000"/>
+                        </a:solidFill>
+                        <a:latin typeface="微软雅黑" panose="020B0503020204020204" pitchFamily="34" charset="-122"/>
+                        <a:ea typeface="微软雅黑" panose="020B0503020204020204" pitchFamily="34" charset="-122"/>
+                        <a:cs typeface="宋体" panose="02010600030101010101" pitchFamily="2" charset="-122"/>
+                      </a:endParaRPr>
                     </a:p>
                   </a:txBody>
                   <a:tcPr marL="0" marR="0" marT="0" marB="0" anchor="ctr">
@@ -14495,6 +15059,14 @@
                         </a:rPr>
                         <a:t>4</a:t>
                       </a:r>
+                      <a:endParaRPr lang="en-US" altLang="zh-CN" sz="1000" b="0">
+                        <a:solidFill>
+                          <a:srgbClr val="000000"/>
+                        </a:solidFill>
+                        <a:latin typeface="微软雅黑" panose="020B0503020204020204" pitchFamily="34" charset="-122"/>
+                        <a:ea typeface="微软雅黑" panose="020B0503020204020204" pitchFamily="34" charset="-122"/>
+                        <a:cs typeface="宋体" panose="02010600030101010101" pitchFamily="2" charset="-122"/>
+                      </a:endParaRPr>
                     </a:p>
                   </a:txBody>
                   <a:tcPr marL="0" marR="0" marT="0" marB="0" anchor="ctr">
@@ -14558,6 +15130,14 @@
                         </a:rPr>
                         <a:t>196</a:t>
                       </a:r>
+                      <a:endParaRPr lang="en-US" altLang="zh-CN" sz="1000" b="0">
+                        <a:solidFill>
+                          <a:srgbClr val="000000"/>
+                        </a:solidFill>
+                        <a:latin typeface="微软雅黑" panose="020B0503020204020204" pitchFamily="34" charset="-122"/>
+                        <a:ea typeface="微软雅黑" panose="020B0503020204020204" pitchFamily="34" charset="-122"/>
+                        <a:cs typeface="宋体" panose="02010600030101010101" pitchFamily="2" charset="-122"/>
+                      </a:endParaRPr>
                     </a:p>
                   </a:txBody>
                   <a:tcPr marL="0" marR="0" marT="0" marB="0" anchor="ctr">
@@ -14621,6 +15201,14 @@
                         </a:rPr>
                         <a:t>由组长沟通班助和老师，真正了解到所要做的事情后再进行任务的分配</a:t>
                       </a:r>
+                      <a:endParaRPr lang="zh-CN" altLang="en-US" sz="1000" b="0">
+                        <a:solidFill>
+                          <a:srgbClr val="000000"/>
+                        </a:solidFill>
+                        <a:latin typeface="微软雅黑" panose="020B0503020204020204" pitchFamily="34" charset="-122"/>
+                        <a:ea typeface="微软雅黑" panose="020B0503020204020204" pitchFamily="34" charset="-122"/>
+                        <a:cs typeface="宋体" panose="02010600030101010101" pitchFamily="2" charset="-122"/>
+                      </a:endParaRPr>
                     </a:p>
                   </a:txBody>
                   <a:tcPr marL="0" marR="0" marT="0" marB="0" anchor="ctr">
@@ -14684,6 +15272,14 @@
                         </a:rPr>
                         <a:t>有</a:t>
                       </a:r>
+                      <a:endParaRPr lang="zh-CN" altLang="en-US" sz="1000" b="1">
+                        <a:solidFill>
+                          <a:srgbClr val="000000"/>
+                        </a:solidFill>
+                        <a:latin typeface="微软雅黑" panose="020B0503020204020204" pitchFamily="34" charset="-122"/>
+                        <a:ea typeface="微软雅黑" panose="020B0503020204020204" pitchFamily="34" charset="-122"/>
+                        <a:cs typeface="宋体" panose="02010600030101010101" pitchFamily="2" charset="-122"/>
+                      </a:endParaRPr>
                     </a:p>
                   </a:txBody>
                   <a:tcPr marL="0" marR="0" marT="0" marB="0" anchor="ctr">
@@ -14747,6 +15343,14 @@
                         </a:rPr>
                         <a:t>无</a:t>
                       </a:r>
+                      <a:endParaRPr lang="zh-CN" altLang="en-US" sz="1000" b="1">
+                        <a:solidFill>
+                          <a:srgbClr val="000000"/>
+                        </a:solidFill>
+                        <a:latin typeface="微软雅黑" panose="020B0503020204020204" pitchFamily="34" charset="-122"/>
+                        <a:ea typeface="微软雅黑" panose="020B0503020204020204" pitchFamily="34" charset="-122"/>
+                        <a:cs typeface="宋体" panose="02010600030101010101" pitchFamily="2" charset="-122"/>
+                      </a:endParaRPr>
                     </a:p>
                   </a:txBody>
                   <a:tcPr marL="0" marR="0" marT="0" marB="0" anchor="ctr">
@@ -14810,6 +15414,14 @@
                         </a:rPr>
                         <a:t>低</a:t>
                       </a:r>
+                      <a:endParaRPr lang="zh-CN" altLang="en-US" sz="1000" b="1">
+                        <a:solidFill>
+                          <a:srgbClr val="000000"/>
+                        </a:solidFill>
+                        <a:latin typeface="微软雅黑" panose="020B0503020204020204" pitchFamily="34" charset="-122"/>
+                        <a:ea typeface="微软雅黑" panose="020B0503020204020204" pitchFamily="34" charset="-122"/>
+                        <a:cs typeface="宋体" panose="02010600030101010101" pitchFamily="2" charset="-122"/>
+                      </a:endParaRPr>
                     </a:p>
                   </a:txBody>
                   <a:tcPr marL="0" marR="0" marT="0" marB="0" anchor="ctr">
@@ -14857,13 +15469,6 @@
               </a:tr>
               <a:tr h="379730">
                 <a:tc vMerge="1">
-                  <a:txBody>
-                    <a:bodyPr/>
-                    <a:lstStyle/>
-                    <a:p>
-                      <a:endParaRPr lang="zh-CN"/>
-                    </a:p>
-                  </a:txBody>
                   <a:tcPr>
                     <a:lnL w="15240" cap="flat" cmpd="sng">
                       <a:solidFill>
@@ -14910,6 +15515,14 @@
                         </a:rPr>
                         <a:t>组员的时间有不确定性</a:t>
                       </a:r>
+                      <a:endParaRPr lang="zh-CN" altLang="en-US" sz="1000" b="0">
+                        <a:solidFill>
+                          <a:srgbClr val="000000"/>
+                        </a:solidFill>
+                        <a:latin typeface="微软雅黑" panose="020B0503020204020204" pitchFamily="34" charset="-122"/>
+                        <a:ea typeface="微软雅黑" panose="020B0503020204020204" pitchFamily="34" charset="-122"/>
+                        <a:cs typeface="宋体" panose="02010600030101010101" pitchFamily="2" charset="-122"/>
+                      </a:endParaRPr>
                     </a:p>
                   </a:txBody>
                   <a:tcPr marL="0" marR="0" marT="0" marB="0" anchor="ctr">
@@ -14973,6 +15586,14 @@
                         </a:rPr>
                         <a:t>任务不好分配</a:t>
                       </a:r>
+                      <a:endParaRPr lang="zh-CN" altLang="en-US" sz="1000" b="0">
+                        <a:solidFill>
+                          <a:srgbClr val="000000"/>
+                        </a:solidFill>
+                        <a:latin typeface="微软雅黑" panose="020B0503020204020204" pitchFamily="34" charset="-122"/>
+                        <a:ea typeface="微软雅黑" panose="020B0503020204020204" pitchFamily="34" charset="-122"/>
+                        <a:cs typeface="宋体" panose="02010600030101010101" pitchFamily="2" charset="-122"/>
+                      </a:endParaRPr>
                     </a:p>
                   </a:txBody>
                   <a:tcPr marL="0" marR="0" marT="0" marB="0" anchor="ctr">
@@ -15036,6 +15657,14 @@
                         </a:rPr>
                         <a:t>5</a:t>
                       </a:r>
+                      <a:endParaRPr lang="en-US" altLang="zh-CN" sz="1000" b="0">
+                        <a:solidFill>
+                          <a:srgbClr val="000000"/>
+                        </a:solidFill>
+                        <a:latin typeface="微软雅黑" panose="020B0503020204020204" pitchFamily="34" charset="-122"/>
+                        <a:ea typeface="微软雅黑" panose="020B0503020204020204" pitchFamily="34" charset="-122"/>
+                        <a:cs typeface="宋体" panose="02010600030101010101" pitchFamily="2" charset="-122"/>
+                      </a:endParaRPr>
                     </a:p>
                   </a:txBody>
                   <a:tcPr marL="0" marR="0" marT="0" marB="0" anchor="ctr">
@@ -15099,6 +15728,14 @@
                         </a:rPr>
                         <a:t>9</a:t>
                       </a:r>
+                      <a:endParaRPr lang="en-US" altLang="zh-CN" sz="1000" b="0">
+                        <a:solidFill>
+                          <a:srgbClr val="000000"/>
+                        </a:solidFill>
+                        <a:latin typeface="微软雅黑" panose="020B0503020204020204" pitchFamily="34" charset="-122"/>
+                        <a:ea typeface="微软雅黑" panose="020B0503020204020204" pitchFamily="34" charset="-122"/>
+                        <a:cs typeface="宋体" panose="02010600030101010101" pitchFamily="2" charset="-122"/>
+                      </a:endParaRPr>
                     </a:p>
                   </a:txBody>
                   <a:tcPr marL="0" marR="0" marT="0" marB="0" anchor="ctr">
@@ -15162,6 +15799,14 @@
                         </a:rPr>
                         <a:t>6</a:t>
                       </a:r>
+                      <a:endParaRPr lang="en-US" altLang="zh-CN" sz="1000" b="0">
+                        <a:solidFill>
+                          <a:srgbClr val="000000"/>
+                        </a:solidFill>
+                        <a:latin typeface="微软雅黑" panose="020B0503020204020204" pitchFamily="34" charset="-122"/>
+                        <a:ea typeface="微软雅黑" panose="020B0503020204020204" pitchFamily="34" charset="-122"/>
+                        <a:cs typeface="宋体" panose="02010600030101010101" pitchFamily="2" charset="-122"/>
+                      </a:endParaRPr>
                     </a:p>
                   </a:txBody>
                   <a:tcPr marL="0" marR="0" marT="0" marB="0" anchor="ctr">
@@ -15225,6 +15870,14 @@
                         </a:rPr>
                         <a:t>190</a:t>
                       </a:r>
+                      <a:endParaRPr lang="en-US" altLang="zh-CN" sz="1000" b="0">
+                        <a:solidFill>
+                          <a:srgbClr val="000000"/>
+                        </a:solidFill>
+                        <a:latin typeface="微软雅黑" panose="020B0503020204020204" pitchFamily="34" charset="-122"/>
+                        <a:ea typeface="微软雅黑" panose="020B0503020204020204" pitchFamily="34" charset="-122"/>
+                        <a:cs typeface="宋体" panose="02010600030101010101" pitchFamily="2" charset="-122"/>
+                      </a:endParaRPr>
                     </a:p>
                   </a:txBody>
                   <a:tcPr marL="0" marR="0" marT="0" marB="0" anchor="ctr">
@@ -15288,6 +15941,14 @@
                         </a:rPr>
                         <a:t>开会说明接下来一周的计划与安排，后再安排工作表</a:t>
                       </a:r>
+                      <a:endParaRPr lang="zh-CN" altLang="en-US" sz="1000" b="0">
+                        <a:solidFill>
+                          <a:srgbClr val="000000"/>
+                        </a:solidFill>
+                        <a:latin typeface="微软雅黑" panose="020B0503020204020204" pitchFamily="34" charset="-122"/>
+                        <a:ea typeface="微软雅黑" panose="020B0503020204020204" pitchFamily="34" charset="-122"/>
+                        <a:cs typeface="宋体" panose="02010600030101010101" pitchFamily="2" charset="-122"/>
+                      </a:endParaRPr>
                     </a:p>
                   </a:txBody>
                   <a:tcPr marL="0" marR="0" marT="0" marB="0" anchor="ctr">
@@ -15351,6 +16012,14 @@
                         </a:rPr>
                         <a:t>有</a:t>
                       </a:r>
+                      <a:endParaRPr lang="zh-CN" altLang="en-US" sz="1000" b="1">
+                        <a:solidFill>
+                          <a:srgbClr val="000000"/>
+                        </a:solidFill>
+                        <a:latin typeface="微软雅黑" panose="020B0503020204020204" pitchFamily="34" charset="-122"/>
+                        <a:ea typeface="微软雅黑" panose="020B0503020204020204" pitchFamily="34" charset="-122"/>
+                        <a:cs typeface="宋体" panose="02010600030101010101" pitchFamily="2" charset="-122"/>
+                      </a:endParaRPr>
                     </a:p>
                   </a:txBody>
                   <a:tcPr marL="0" marR="0" marT="0" marB="0" anchor="ctr">
@@ -15414,6 +16083,14 @@
                         </a:rPr>
                         <a:t>无</a:t>
                       </a:r>
+                      <a:endParaRPr lang="zh-CN" altLang="en-US" sz="1000" b="1">
+                        <a:solidFill>
+                          <a:srgbClr val="000000"/>
+                        </a:solidFill>
+                        <a:latin typeface="微软雅黑" panose="020B0503020204020204" pitchFamily="34" charset="-122"/>
+                        <a:ea typeface="微软雅黑" panose="020B0503020204020204" pitchFamily="34" charset="-122"/>
+                        <a:cs typeface="宋体" panose="02010600030101010101" pitchFamily="2" charset="-122"/>
+                      </a:endParaRPr>
                     </a:p>
                   </a:txBody>
                   <a:tcPr marL="0" marR="0" marT="0" marB="0" anchor="ctr">
@@ -15477,6 +16154,14 @@
                         </a:rPr>
                         <a:t>低</a:t>
                       </a:r>
+                      <a:endParaRPr lang="zh-CN" altLang="en-US" sz="1000" b="1">
+                        <a:solidFill>
+                          <a:srgbClr val="000000"/>
+                        </a:solidFill>
+                        <a:latin typeface="微软雅黑" panose="020B0503020204020204" pitchFamily="34" charset="-122"/>
+                        <a:ea typeface="微软雅黑" panose="020B0503020204020204" pitchFamily="34" charset="-122"/>
+                        <a:cs typeface="宋体" panose="02010600030101010101" pitchFamily="2" charset="-122"/>
+                      </a:endParaRPr>
                     </a:p>
                   </a:txBody>
                   <a:tcPr marL="0" marR="0" marT="0" marB="0" anchor="ctr">
@@ -15542,6 +16227,14 @@
                         </a:rPr>
                         <a:t>项目</a:t>
                       </a:r>
+                      <a:endParaRPr lang="zh-CN" altLang="en-US" sz="1000" b="1">
+                        <a:solidFill>
+                          <a:srgbClr val="000000"/>
+                        </a:solidFill>
+                        <a:latin typeface="微软雅黑" panose="020B0503020204020204" pitchFamily="34" charset="-122"/>
+                        <a:ea typeface="微软雅黑" panose="020B0503020204020204" pitchFamily="34" charset="-122"/>
+                        <a:cs typeface="宋体" panose="02010600030101010101" pitchFamily="2" charset="-122"/>
+                      </a:endParaRPr>
                     </a:p>
                   </a:txBody>
                   <a:tcPr marL="0" marR="0" marT="0" marB="0" anchor="ctr">
@@ -15605,6 +16298,14 @@
                         </a:rPr>
                         <a:t>界面不被用户认可</a:t>
                       </a:r>
+                      <a:endParaRPr lang="zh-CN" altLang="en-US" sz="1000" b="0">
+                        <a:solidFill>
+                          <a:srgbClr val="000000"/>
+                        </a:solidFill>
+                        <a:latin typeface="微软雅黑" panose="020B0503020204020204" pitchFamily="34" charset="-122"/>
+                        <a:ea typeface="微软雅黑" panose="020B0503020204020204" pitchFamily="34" charset="-122"/>
+                        <a:cs typeface="宋体" panose="02010600030101010101" pitchFamily="2" charset="-122"/>
+                      </a:endParaRPr>
                     </a:p>
                   </a:txBody>
                   <a:tcPr marL="0" marR="0" marT="0" marB="0" anchor="ctr">
@@ -15668,6 +16369,14 @@
                         </a:rPr>
                         <a:t>用户减少</a:t>
                       </a:r>
+                      <a:endParaRPr lang="zh-CN" altLang="en-US" sz="1000" b="0">
+                        <a:solidFill>
+                          <a:srgbClr val="000000"/>
+                        </a:solidFill>
+                        <a:latin typeface="微软雅黑" panose="020B0503020204020204" pitchFamily="34" charset="-122"/>
+                        <a:ea typeface="微软雅黑" panose="020B0503020204020204" pitchFamily="34" charset="-122"/>
+                        <a:cs typeface="宋体" panose="02010600030101010101" pitchFamily="2" charset="-122"/>
+                      </a:endParaRPr>
                     </a:p>
                   </a:txBody>
                   <a:tcPr marL="0" marR="0" marT="0" marB="0" anchor="ctr">
@@ -15731,6 +16440,14 @@
                         </a:rPr>
                         <a:t>4</a:t>
                       </a:r>
+                      <a:endParaRPr lang="en-US" altLang="zh-CN" sz="1000" b="0">
+                        <a:solidFill>
+                          <a:srgbClr val="000000"/>
+                        </a:solidFill>
+                        <a:latin typeface="微软雅黑" panose="020B0503020204020204" pitchFamily="34" charset="-122"/>
+                        <a:ea typeface="微软雅黑" panose="020B0503020204020204" pitchFamily="34" charset="-122"/>
+                        <a:cs typeface="宋体" panose="02010600030101010101" pitchFamily="2" charset="-122"/>
+                      </a:endParaRPr>
                     </a:p>
                   </a:txBody>
                   <a:tcPr marL="0" marR="0" marT="0" marB="0" anchor="ctr">
@@ -15794,6 +16511,14 @@
                         </a:rPr>
                         <a:t>5</a:t>
                       </a:r>
+                      <a:endParaRPr lang="en-US" altLang="zh-CN" sz="1000" b="0">
+                        <a:solidFill>
+                          <a:srgbClr val="000000"/>
+                        </a:solidFill>
+                        <a:latin typeface="微软雅黑" panose="020B0503020204020204" pitchFamily="34" charset="-122"/>
+                        <a:ea typeface="微软雅黑" panose="020B0503020204020204" pitchFamily="34" charset="-122"/>
+                        <a:cs typeface="宋体" panose="02010600030101010101" pitchFamily="2" charset="-122"/>
+                      </a:endParaRPr>
                     </a:p>
                   </a:txBody>
                   <a:tcPr marL="0" marR="0" marT="0" marB="0" anchor="ctr">
@@ -15857,6 +16582,14 @@
                         </a:rPr>
                         <a:t>5</a:t>
                       </a:r>
+                      <a:endParaRPr lang="en-US" altLang="zh-CN" sz="1000" b="0">
+                        <a:solidFill>
+                          <a:srgbClr val="000000"/>
+                        </a:solidFill>
+                        <a:latin typeface="微软雅黑" panose="020B0503020204020204" pitchFamily="34" charset="-122"/>
+                        <a:ea typeface="微软雅黑" panose="020B0503020204020204" pitchFamily="34" charset="-122"/>
+                        <a:cs typeface="宋体" panose="02010600030101010101" pitchFamily="2" charset="-122"/>
+                      </a:endParaRPr>
                     </a:p>
                   </a:txBody>
                   <a:tcPr marL="0" marR="0" marT="0" marB="0" anchor="ctr">
@@ -15920,6 +16653,14 @@
                         </a:rPr>
                         <a:t>100</a:t>
                       </a:r>
+                      <a:endParaRPr lang="en-US" altLang="zh-CN" sz="1000" b="0">
+                        <a:solidFill>
+                          <a:srgbClr val="000000"/>
+                        </a:solidFill>
+                        <a:latin typeface="微软雅黑" panose="020B0503020204020204" pitchFamily="34" charset="-122"/>
+                        <a:ea typeface="微软雅黑" panose="020B0503020204020204" pitchFamily="34" charset="-122"/>
+                        <a:cs typeface="宋体" panose="02010600030101010101" pitchFamily="2" charset="-122"/>
+                      </a:endParaRPr>
                     </a:p>
                   </a:txBody>
                   <a:tcPr marL="0" marR="0" marT="0" marB="0" anchor="ctr">
@@ -15983,6 +16724,14 @@
                         </a:rPr>
                         <a:t>与多位不满意的用户进行沟通交流，然后进行总结修改</a:t>
                       </a:r>
+                      <a:endParaRPr lang="zh-CN" altLang="en-US" sz="1000" b="0">
+                        <a:solidFill>
+                          <a:srgbClr val="000000"/>
+                        </a:solidFill>
+                        <a:latin typeface="微软雅黑" panose="020B0503020204020204" pitchFamily="34" charset="-122"/>
+                        <a:ea typeface="微软雅黑" panose="020B0503020204020204" pitchFamily="34" charset="-122"/>
+                        <a:cs typeface="宋体" panose="02010600030101010101" pitchFamily="2" charset="-122"/>
+                      </a:endParaRPr>
                     </a:p>
                   </a:txBody>
                   <a:tcPr marL="0" marR="0" marT="0" marB="0" anchor="ctr">
@@ -16046,6 +16795,14 @@
                         </a:rPr>
                         <a:t>有</a:t>
                       </a:r>
+                      <a:endParaRPr lang="zh-CN" altLang="en-US" sz="1000" b="1">
+                        <a:solidFill>
+                          <a:srgbClr val="000000"/>
+                        </a:solidFill>
+                        <a:latin typeface="微软雅黑" panose="020B0503020204020204" pitchFamily="34" charset="-122"/>
+                        <a:ea typeface="微软雅黑" panose="020B0503020204020204" pitchFamily="34" charset="-122"/>
+                        <a:cs typeface="宋体" panose="02010600030101010101" pitchFamily="2" charset="-122"/>
+                      </a:endParaRPr>
                     </a:p>
                   </a:txBody>
                   <a:tcPr marL="0" marR="0" marT="0" marB="0" anchor="ctr">
@@ -16109,6 +16866,14 @@
                         </a:rPr>
                         <a:t>无</a:t>
                       </a:r>
+                      <a:endParaRPr lang="zh-CN" altLang="en-US" sz="1000" b="1">
+                        <a:solidFill>
+                          <a:srgbClr val="000000"/>
+                        </a:solidFill>
+                        <a:latin typeface="微软雅黑" panose="020B0503020204020204" pitchFamily="34" charset="-122"/>
+                        <a:ea typeface="微软雅黑" panose="020B0503020204020204" pitchFamily="34" charset="-122"/>
+                        <a:cs typeface="宋体" panose="02010600030101010101" pitchFamily="2" charset="-122"/>
+                      </a:endParaRPr>
                     </a:p>
                   </a:txBody>
                   <a:tcPr marL="0" marR="0" marT="0" marB="0" anchor="ctr">
@@ -16172,6 +16937,14 @@
                         </a:rPr>
                         <a:t>低</a:t>
                       </a:r>
+                      <a:endParaRPr lang="zh-CN" altLang="en-US" sz="1000" b="1">
+                        <a:solidFill>
+                          <a:srgbClr val="000000"/>
+                        </a:solidFill>
+                        <a:latin typeface="微软雅黑" panose="020B0503020204020204" pitchFamily="34" charset="-122"/>
+                        <a:ea typeface="微软雅黑" panose="020B0503020204020204" pitchFamily="34" charset="-122"/>
+                        <a:cs typeface="宋体" panose="02010600030101010101" pitchFamily="2" charset="-122"/>
+                      </a:endParaRPr>
                     </a:p>
                   </a:txBody>
                   <a:tcPr marL="0" marR="0" marT="0" marB="0" anchor="ctr">
@@ -16219,13 +16992,6 @@
               </a:tr>
               <a:tr h="459740">
                 <a:tc vMerge="1">
-                  <a:txBody>
-                    <a:bodyPr/>
-                    <a:lstStyle/>
-                    <a:p>
-                      <a:endParaRPr lang="zh-CN"/>
-                    </a:p>
-                  </a:txBody>
                   <a:tcPr>
                     <a:lnL w="15240" cap="flat" cmpd="sng">
                       <a:solidFill>
@@ -16264,6 +17030,14 @@
                         </a:rPr>
                         <a:t>搜索与识别功能在使用过程出现问题</a:t>
                       </a:r>
+                      <a:endParaRPr lang="zh-CN" altLang="en-US" sz="1000" b="0">
+                        <a:solidFill>
+                          <a:srgbClr val="000000"/>
+                        </a:solidFill>
+                        <a:latin typeface="微软雅黑" panose="020B0503020204020204" pitchFamily="34" charset="-122"/>
+                        <a:ea typeface="微软雅黑" panose="020B0503020204020204" pitchFamily="34" charset="-122"/>
+                        <a:cs typeface="宋体" panose="02010600030101010101" pitchFamily="2" charset="-122"/>
+                      </a:endParaRPr>
                     </a:p>
                   </a:txBody>
                   <a:tcPr marL="0" marR="0" marT="0" marB="0" anchor="ctr">
@@ -16327,6 +17101,14 @@
                         </a:rPr>
                         <a:t>用户减少，不满意程度升高</a:t>
                       </a:r>
+                      <a:endParaRPr lang="zh-CN" altLang="en-US" sz="1000" b="0">
+                        <a:solidFill>
+                          <a:srgbClr val="000000"/>
+                        </a:solidFill>
+                        <a:latin typeface="微软雅黑" panose="020B0503020204020204" pitchFamily="34" charset="-122"/>
+                        <a:ea typeface="微软雅黑" panose="020B0503020204020204" pitchFamily="34" charset="-122"/>
+                        <a:cs typeface="宋体" panose="02010600030101010101" pitchFamily="2" charset="-122"/>
+                      </a:endParaRPr>
                     </a:p>
                   </a:txBody>
                   <a:tcPr marL="0" marR="0" marT="0" marB="0" anchor="ctr">
@@ -16390,6 +17172,14 @@
                         </a:rPr>
                         <a:t>5</a:t>
                       </a:r>
+                      <a:endParaRPr lang="en-US" altLang="zh-CN" sz="1000" b="0">
+                        <a:solidFill>
+                          <a:srgbClr val="000000"/>
+                        </a:solidFill>
+                        <a:latin typeface="微软雅黑" panose="020B0503020204020204" pitchFamily="34" charset="-122"/>
+                        <a:ea typeface="微软雅黑" panose="020B0503020204020204" pitchFamily="34" charset="-122"/>
+                        <a:cs typeface="宋体" panose="02010600030101010101" pitchFamily="2" charset="-122"/>
+                      </a:endParaRPr>
                     </a:p>
                   </a:txBody>
                   <a:tcPr marL="0" marR="0" marT="0" marB="0" anchor="ctr">
@@ -16453,6 +17243,14 @@
                         </a:rPr>
                         <a:t>9</a:t>
                       </a:r>
+                      <a:endParaRPr lang="en-US" altLang="zh-CN" sz="1000" b="0">
+                        <a:solidFill>
+                          <a:srgbClr val="000000"/>
+                        </a:solidFill>
+                        <a:latin typeface="微软雅黑" panose="020B0503020204020204" pitchFamily="34" charset="-122"/>
+                        <a:ea typeface="微软雅黑" panose="020B0503020204020204" pitchFamily="34" charset="-122"/>
+                        <a:cs typeface="宋体" panose="02010600030101010101" pitchFamily="2" charset="-122"/>
+                      </a:endParaRPr>
                     </a:p>
                   </a:txBody>
                   <a:tcPr marL="0" marR="0" marT="0" marB="0" anchor="ctr">
@@ -16516,6 +17314,14 @@
                         </a:rPr>
                         <a:t>10</a:t>
                       </a:r>
+                      <a:endParaRPr lang="en-US" altLang="zh-CN" sz="1000" b="0">
+                        <a:solidFill>
+                          <a:srgbClr val="000000"/>
+                        </a:solidFill>
+                        <a:latin typeface="微软雅黑" panose="020B0503020204020204" pitchFamily="34" charset="-122"/>
+                        <a:ea typeface="微软雅黑" panose="020B0503020204020204" pitchFamily="34" charset="-122"/>
+                        <a:cs typeface="宋体" panose="02010600030101010101" pitchFamily="2" charset="-122"/>
+                      </a:endParaRPr>
                     </a:p>
                   </a:txBody>
                   <a:tcPr marL="0" marR="0" marT="0" marB="0" anchor="ctr">
@@ -16579,6 +17385,14 @@
                         </a:rPr>
                         <a:t>230</a:t>
                       </a:r>
+                      <a:endParaRPr lang="en-US" altLang="zh-CN" sz="1000" b="0">
+                        <a:solidFill>
+                          <a:srgbClr val="000000"/>
+                        </a:solidFill>
+                        <a:latin typeface="微软雅黑" panose="020B0503020204020204" pitchFamily="34" charset="-122"/>
+                        <a:ea typeface="微软雅黑" panose="020B0503020204020204" pitchFamily="34" charset="-122"/>
+                        <a:cs typeface="宋体" panose="02010600030101010101" pitchFamily="2" charset="-122"/>
+                      </a:endParaRPr>
                     </a:p>
                   </a:txBody>
                   <a:tcPr marL="0" marR="0" marT="0" marB="0" anchor="ctr">
@@ -16642,6 +17456,14 @@
                         </a:rPr>
                         <a:t>提前做好多次程序的测试与检测，如果突然出现问题，及时修改</a:t>
                       </a:r>
+                      <a:endParaRPr lang="zh-CN" altLang="en-US" sz="1000" b="0">
+                        <a:solidFill>
+                          <a:srgbClr val="000000"/>
+                        </a:solidFill>
+                        <a:latin typeface="微软雅黑" panose="020B0503020204020204" pitchFamily="34" charset="-122"/>
+                        <a:ea typeface="微软雅黑" panose="020B0503020204020204" pitchFamily="34" charset="-122"/>
+                        <a:cs typeface="宋体" panose="02010600030101010101" pitchFamily="2" charset="-122"/>
+                      </a:endParaRPr>
                     </a:p>
                   </a:txBody>
                   <a:tcPr marL="0" marR="0" marT="0" marB="0" anchor="ctr">
@@ -16705,6 +17527,14 @@
                         </a:rPr>
                         <a:t>有</a:t>
                       </a:r>
+                      <a:endParaRPr lang="zh-CN" altLang="en-US" sz="1000" b="1">
+                        <a:solidFill>
+                          <a:srgbClr val="000000"/>
+                        </a:solidFill>
+                        <a:latin typeface="微软雅黑" panose="020B0503020204020204" pitchFamily="34" charset="-122"/>
+                        <a:ea typeface="微软雅黑" panose="020B0503020204020204" pitchFamily="34" charset="-122"/>
+                        <a:cs typeface="宋体" panose="02010600030101010101" pitchFamily="2" charset="-122"/>
+                      </a:endParaRPr>
                     </a:p>
                   </a:txBody>
                   <a:tcPr marL="0" marR="0" marT="0" marB="0" anchor="ctr">
@@ -16768,6 +17598,14 @@
                         </a:rPr>
                         <a:t>无</a:t>
                       </a:r>
+                      <a:endParaRPr lang="zh-CN" altLang="en-US" sz="1000" b="1">
+                        <a:solidFill>
+                          <a:srgbClr val="000000"/>
+                        </a:solidFill>
+                        <a:latin typeface="微软雅黑" panose="020B0503020204020204" pitchFamily="34" charset="-122"/>
+                        <a:ea typeface="微软雅黑" panose="020B0503020204020204" pitchFamily="34" charset="-122"/>
+                        <a:cs typeface="宋体" panose="02010600030101010101" pitchFamily="2" charset="-122"/>
+                      </a:endParaRPr>
                     </a:p>
                   </a:txBody>
                   <a:tcPr marL="0" marR="0" marT="0" marB="0" anchor="ctr">
@@ -16831,6 +17669,14 @@
                         </a:rPr>
                         <a:t>低</a:t>
                       </a:r>
+                      <a:endParaRPr lang="zh-CN" altLang="en-US" sz="1000" b="1">
+                        <a:solidFill>
+                          <a:srgbClr val="000000"/>
+                        </a:solidFill>
+                        <a:latin typeface="微软雅黑" panose="020B0503020204020204" pitchFamily="34" charset="-122"/>
+                        <a:ea typeface="微软雅黑" panose="020B0503020204020204" pitchFamily="34" charset="-122"/>
+                        <a:cs typeface="宋体" panose="02010600030101010101" pitchFamily="2" charset="-122"/>
+                      </a:endParaRPr>
                     </a:p>
                   </a:txBody>
                   <a:tcPr marL="0" marR="0" marT="0" marB="0" anchor="ctr">
@@ -16878,13 +17724,6 @@
               </a:tr>
               <a:tr h="360045">
                 <a:tc vMerge="1">
-                  <a:txBody>
-                    <a:bodyPr/>
-                    <a:lstStyle/>
-                    <a:p>
-                      <a:endParaRPr lang="zh-CN"/>
-                    </a:p>
-                  </a:txBody>
                   <a:tcPr>
                     <a:lnL w="15240" cap="flat" cmpd="sng">
                       <a:solidFill>
@@ -16923,6 +17762,14 @@
                         </a:rPr>
                         <a:t>管理，开发，测试工具是否符合项目要求</a:t>
                       </a:r>
+                      <a:endParaRPr lang="zh-CN" altLang="en-US" sz="1000" b="0">
+                        <a:solidFill>
+                          <a:srgbClr val="000000"/>
+                        </a:solidFill>
+                        <a:latin typeface="微软雅黑" panose="020B0503020204020204" pitchFamily="34" charset="-122"/>
+                        <a:ea typeface="微软雅黑" panose="020B0503020204020204" pitchFamily="34" charset="-122"/>
+                        <a:cs typeface="宋体" panose="02010600030101010101" pitchFamily="2" charset="-122"/>
+                      </a:endParaRPr>
                     </a:p>
                   </a:txBody>
                   <a:tcPr marL="0" marR="0" marT="0" marB="0" anchor="ctr">
@@ -16986,6 +17833,14 @@
                         </a:rPr>
                         <a:t>无法开发</a:t>
                       </a:r>
+                      <a:endParaRPr lang="zh-CN" altLang="en-US" sz="1000" b="0">
+                        <a:solidFill>
+                          <a:srgbClr val="000000"/>
+                        </a:solidFill>
+                        <a:latin typeface="微软雅黑" panose="020B0503020204020204" pitchFamily="34" charset="-122"/>
+                        <a:ea typeface="微软雅黑" panose="020B0503020204020204" pitchFamily="34" charset="-122"/>
+                        <a:cs typeface="宋体" panose="02010600030101010101" pitchFamily="2" charset="-122"/>
+                      </a:endParaRPr>
                     </a:p>
                   </a:txBody>
                   <a:tcPr marL="0" marR="0" marT="0" marB="0" anchor="ctr">
@@ -17049,6 +17904,14 @@
                         </a:rPr>
                         <a:t>5</a:t>
                       </a:r>
+                      <a:endParaRPr lang="en-US" altLang="zh-CN" sz="1000" b="0">
+                        <a:solidFill>
+                          <a:srgbClr val="000000"/>
+                        </a:solidFill>
+                        <a:latin typeface="微软雅黑" panose="020B0503020204020204" pitchFamily="34" charset="-122"/>
+                        <a:ea typeface="微软雅黑" panose="020B0503020204020204" pitchFamily="34" charset="-122"/>
+                        <a:cs typeface="宋体" panose="02010600030101010101" pitchFamily="2" charset="-122"/>
+                      </a:endParaRPr>
                     </a:p>
                   </a:txBody>
                   <a:tcPr marL="0" marR="0" marT="0" marB="0" anchor="ctr">
@@ -17112,6 +17975,14 @@
                         </a:rPr>
                         <a:t>10</a:t>
                       </a:r>
+                      <a:endParaRPr lang="en-US" altLang="zh-CN" sz="1000" b="0">
+                        <a:solidFill>
+                          <a:srgbClr val="000000"/>
+                        </a:solidFill>
+                        <a:latin typeface="微软雅黑" panose="020B0503020204020204" pitchFamily="34" charset="-122"/>
+                        <a:ea typeface="微软雅黑" panose="020B0503020204020204" pitchFamily="34" charset="-122"/>
+                        <a:cs typeface="宋体" panose="02010600030101010101" pitchFamily="2" charset="-122"/>
+                      </a:endParaRPr>
                     </a:p>
                   </a:txBody>
                   <a:tcPr marL="0" marR="0" marT="0" marB="0" anchor="ctr">
@@ -17175,6 +18046,14 @@
                         </a:rPr>
                         <a:t>5</a:t>
                       </a:r>
+                      <a:endParaRPr lang="en-US" altLang="zh-CN" sz="1000" b="0">
+                        <a:solidFill>
+                          <a:srgbClr val="000000"/>
+                        </a:solidFill>
+                        <a:latin typeface="微软雅黑" panose="020B0503020204020204" pitchFamily="34" charset="-122"/>
+                        <a:ea typeface="微软雅黑" panose="020B0503020204020204" pitchFamily="34" charset="-122"/>
+                        <a:cs typeface="宋体" panose="02010600030101010101" pitchFamily="2" charset="-122"/>
+                      </a:endParaRPr>
                     </a:p>
                   </a:txBody>
                   <a:tcPr marL="0" marR="0" marT="0" marB="0" anchor="ctr">
@@ -17238,6 +18117,14 @@
                         </a:rPr>
                         <a:t>250</a:t>
                       </a:r>
+                      <a:endParaRPr lang="en-US" altLang="zh-CN" sz="1000" b="0">
+                        <a:solidFill>
+                          <a:srgbClr val="000000"/>
+                        </a:solidFill>
+                        <a:latin typeface="微软雅黑" panose="020B0503020204020204" pitchFamily="34" charset="-122"/>
+                        <a:ea typeface="微软雅黑" panose="020B0503020204020204" pitchFamily="34" charset="-122"/>
+                        <a:cs typeface="宋体" panose="02010600030101010101" pitchFamily="2" charset="-122"/>
+                      </a:endParaRPr>
                     </a:p>
                   </a:txBody>
                   <a:tcPr marL="0" marR="0" marT="0" marB="0" anchor="ctr">
@@ -17301,6 +18188,14 @@
                         </a:rPr>
                         <a:t>项目启动阶段就要落实好工具的问题</a:t>
                       </a:r>
+                      <a:endParaRPr lang="zh-CN" altLang="en-US" sz="1000" b="0">
+                        <a:solidFill>
+                          <a:srgbClr val="000000"/>
+                        </a:solidFill>
+                        <a:latin typeface="微软雅黑" panose="020B0503020204020204" pitchFamily="34" charset="-122"/>
+                        <a:ea typeface="微软雅黑" panose="020B0503020204020204" pitchFamily="34" charset="-122"/>
+                        <a:cs typeface="宋体" panose="02010600030101010101" pitchFamily="2" charset="-122"/>
+                      </a:endParaRPr>
                     </a:p>
                   </a:txBody>
                   <a:tcPr marL="0" marR="0" marT="0" marB="0" anchor="ctr">
@@ -17364,6 +18259,14 @@
                         </a:rPr>
                         <a:t>有</a:t>
                       </a:r>
+                      <a:endParaRPr lang="zh-CN" altLang="en-US" sz="1000" b="1">
+                        <a:solidFill>
+                          <a:srgbClr val="000000"/>
+                        </a:solidFill>
+                        <a:latin typeface="微软雅黑" panose="020B0503020204020204" pitchFamily="34" charset="-122"/>
+                        <a:ea typeface="微软雅黑" panose="020B0503020204020204" pitchFamily="34" charset="-122"/>
+                        <a:cs typeface="宋体" panose="02010600030101010101" pitchFamily="2" charset="-122"/>
+                      </a:endParaRPr>
                     </a:p>
                   </a:txBody>
                   <a:tcPr marL="0" marR="0" marT="0" marB="0" anchor="ctr">
@@ -17427,6 +18330,14 @@
                         </a:rPr>
                         <a:t>无</a:t>
                       </a:r>
+                      <a:endParaRPr lang="zh-CN" altLang="en-US" sz="1000" b="1">
+                        <a:solidFill>
+                          <a:srgbClr val="000000"/>
+                        </a:solidFill>
+                        <a:latin typeface="微软雅黑" panose="020B0503020204020204" pitchFamily="34" charset="-122"/>
+                        <a:ea typeface="微软雅黑" panose="020B0503020204020204" pitchFamily="34" charset="-122"/>
+                        <a:cs typeface="宋体" panose="02010600030101010101" pitchFamily="2" charset="-122"/>
+                      </a:endParaRPr>
                     </a:p>
                   </a:txBody>
                   <a:tcPr marL="0" marR="0" marT="0" marB="0" anchor="ctr">
@@ -17490,6 +18401,14 @@
                         </a:rPr>
                         <a:t>中</a:t>
                       </a:r>
+                      <a:endParaRPr lang="zh-CN" altLang="en-US" sz="1000" b="1">
+                        <a:solidFill>
+                          <a:srgbClr val="000000"/>
+                        </a:solidFill>
+                        <a:latin typeface="微软雅黑" panose="020B0503020204020204" pitchFamily="34" charset="-122"/>
+                        <a:ea typeface="微软雅黑" panose="020B0503020204020204" pitchFamily="34" charset="-122"/>
+                        <a:cs typeface="宋体" panose="02010600030101010101" pitchFamily="2" charset="-122"/>
+                      </a:endParaRPr>
                     </a:p>
                   </a:txBody>
                   <a:tcPr marL="0" marR="0" marT="0" marB="0" anchor="ctr">
@@ -17537,13 +18456,6 @@
               </a:tr>
               <a:tr h="360045">
                 <a:tc vMerge="1">
-                  <a:txBody>
-                    <a:bodyPr/>
-                    <a:lstStyle/>
-                    <a:p>
-                      <a:endParaRPr lang="zh-CN"/>
-                    </a:p>
-                  </a:txBody>
                   <a:tcPr>
                     <a:lnL w="15240" cap="flat" cmpd="sng">
                       <a:solidFill>
@@ -17590,6 +18502,14 @@
                         </a:rPr>
                         <a:t>电脑出错，导致文件丢失</a:t>
                       </a:r>
+                      <a:endParaRPr lang="zh-CN" altLang="en-US" sz="1000" b="0">
+                        <a:solidFill>
+                          <a:srgbClr val="000000"/>
+                        </a:solidFill>
+                        <a:latin typeface="微软雅黑" panose="020B0503020204020204" pitchFamily="34" charset="-122"/>
+                        <a:ea typeface="微软雅黑" panose="020B0503020204020204" pitchFamily="34" charset="-122"/>
+                        <a:cs typeface="宋体" panose="02010600030101010101" pitchFamily="2" charset="-122"/>
+                      </a:endParaRPr>
                     </a:p>
                   </a:txBody>
                   <a:tcPr marL="0" marR="0" marT="0" marB="0" anchor="ctr">
@@ -17653,6 +18573,14 @@
                         </a:rPr>
                         <a:t>开发重新开始</a:t>
                       </a:r>
+                      <a:endParaRPr lang="zh-CN" altLang="en-US" sz="1000" b="0">
+                        <a:solidFill>
+                          <a:srgbClr val="000000"/>
+                        </a:solidFill>
+                        <a:latin typeface="微软雅黑" panose="020B0503020204020204" pitchFamily="34" charset="-122"/>
+                        <a:ea typeface="微软雅黑" panose="020B0503020204020204" pitchFamily="34" charset="-122"/>
+                        <a:cs typeface="宋体" panose="02010600030101010101" pitchFamily="2" charset="-122"/>
+                      </a:endParaRPr>
                     </a:p>
                   </a:txBody>
                   <a:tcPr marL="0" marR="0" marT="0" marB="0" anchor="ctr">
@@ -17716,6 +18644,14 @@
                         </a:rPr>
                         <a:t>4</a:t>
                       </a:r>
+                      <a:endParaRPr lang="en-US" altLang="zh-CN" sz="1000" b="0">
+                        <a:solidFill>
+                          <a:srgbClr val="000000"/>
+                        </a:solidFill>
+                        <a:latin typeface="微软雅黑" panose="020B0503020204020204" pitchFamily="34" charset="-122"/>
+                        <a:ea typeface="微软雅黑" panose="020B0503020204020204" pitchFamily="34" charset="-122"/>
+                        <a:cs typeface="宋体" panose="02010600030101010101" pitchFamily="2" charset="-122"/>
+                      </a:endParaRPr>
                     </a:p>
                   </a:txBody>
                   <a:tcPr marL="0" marR="0" marT="0" marB="0" anchor="ctr">
@@ -17779,6 +18715,14 @@
                         </a:rPr>
                         <a:t>8</a:t>
                       </a:r>
+                      <a:endParaRPr lang="en-US" altLang="zh-CN" sz="1000" b="0">
+                        <a:solidFill>
+                          <a:srgbClr val="000000"/>
+                        </a:solidFill>
+                        <a:latin typeface="微软雅黑" panose="020B0503020204020204" pitchFamily="34" charset="-122"/>
+                        <a:ea typeface="微软雅黑" panose="020B0503020204020204" pitchFamily="34" charset="-122"/>
+                        <a:cs typeface="宋体" panose="02010600030101010101" pitchFamily="2" charset="-122"/>
+                      </a:endParaRPr>
                     </a:p>
                   </a:txBody>
                   <a:tcPr marL="0" marR="0" marT="0" marB="0" anchor="ctr">
@@ -17842,6 +18786,14 @@
                         </a:rPr>
                         <a:t>5</a:t>
                       </a:r>
+                      <a:endParaRPr lang="en-US" altLang="zh-CN" sz="1000" b="0">
+                        <a:solidFill>
+                          <a:srgbClr val="000000"/>
+                        </a:solidFill>
+                        <a:latin typeface="微软雅黑" panose="020B0503020204020204" pitchFamily="34" charset="-122"/>
+                        <a:ea typeface="微软雅黑" panose="020B0503020204020204" pitchFamily="34" charset="-122"/>
+                        <a:cs typeface="宋体" panose="02010600030101010101" pitchFamily="2" charset="-122"/>
+                      </a:endParaRPr>
                     </a:p>
                   </a:txBody>
                   <a:tcPr marL="0" marR="0" marT="0" marB="0" anchor="ctr">
@@ -17905,6 +18857,14 @@
                         </a:rPr>
                         <a:t>160</a:t>
                       </a:r>
+                      <a:endParaRPr lang="en-US" altLang="zh-CN" sz="1000" b="0">
+                        <a:solidFill>
+                          <a:srgbClr val="000000"/>
+                        </a:solidFill>
+                        <a:latin typeface="微软雅黑" panose="020B0503020204020204" pitchFamily="34" charset="-122"/>
+                        <a:ea typeface="微软雅黑" panose="020B0503020204020204" pitchFamily="34" charset="-122"/>
+                        <a:cs typeface="宋体" panose="02010600030101010101" pitchFamily="2" charset="-122"/>
+                      </a:endParaRPr>
                     </a:p>
                   </a:txBody>
                   <a:tcPr marL="0" marR="0" marT="0" marB="0" anchor="ctr">
@@ -17990,6 +18950,14 @@
                         </a:rPr>
                         <a:t>等工具</a:t>
                       </a:r>
+                      <a:endParaRPr lang="zh-CN" altLang="en-US" sz="1000" b="0">
+                        <a:solidFill>
+                          <a:srgbClr val="000000"/>
+                        </a:solidFill>
+                        <a:latin typeface="微软雅黑" panose="020B0503020204020204" pitchFamily="34" charset="-122"/>
+                        <a:ea typeface="微软雅黑" panose="020B0503020204020204" pitchFamily="34" charset="-122"/>
+                        <a:cs typeface="宋体" panose="02010600030101010101" pitchFamily="2" charset="-122"/>
+                      </a:endParaRPr>
                     </a:p>
                   </a:txBody>
                   <a:tcPr marL="0" marR="0" marT="0" marB="0" anchor="ctr">
@@ -18053,6 +19021,14 @@
                         </a:rPr>
                         <a:t>有</a:t>
                       </a:r>
+                      <a:endParaRPr lang="zh-CN" altLang="en-US" sz="1000" b="1">
+                        <a:solidFill>
+                          <a:srgbClr val="000000"/>
+                        </a:solidFill>
+                        <a:latin typeface="微软雅黑" panose="020B0503020204020204" pitchFamily="34" charset="-122"/>
+                        <a:ea typeface="微软雅黑" panose="020B0503020204020204" pitchFamily="34" charset="-122"/>
+                        <a:cs typeface="宋体" panose="02010600030101010101" pitchFamily="2" charset="-122"/>
+                      </a:endParaRPr>
                     </a:p>
                   </a:txBody>
                   <a:tcPr marL="0" marR="0" marT="0" marB="0" anchor="ctr">
@@ -18116,6 +19092,14 @@
                         </a:rPr>
                         <a:t>无</a:t>
                       </a:r>
+                      <a:endParaRPr lang="zh-CN" altLang="en-US" sz="1000" b="1">
+                        <a:solidFill>
+                          <a:srgbClr val="000000"/>
+                        </a:solidFill>
+                        <a:latin typeface="微软雅黑" panose="020B0503020204020204" pitchFamily="34" charset="-122"/>
+                        <a:ea typeface="微软雅黑" panose="020B0503020204020204" pitchFamily="34" charset="-122"/>
+                        <a:cs typeface="宋体" panose="02010600030101010101" pitchFamily="2" charset="-122"/>
+                      </a:endParaRPr>
                     </a:p>
                   </a:txBody>
                   <a:tcPr marL="0" marR="0" marT="0" marB="0" anchor="ctr">
@@ -18179,6 +19163,14 @@
                         </a:rPr>
                         <a:t>低</a:t>
                       </a:r>
+                      <a:endParaRPr lang="zh-CN" altLang="en-US" sz="1000" b="1">
+                        <a:solidFill>
+                          <a:srgbClr val="000000"/>
+                        </a:solidFill>
+                        <a:latin typeface="微软雅黑" panose="020B0503020204020204" pitchFamily="34" charset="-122"/>
+                        <a:ea typeface="微软雅黑" panose="020B0503020204020204" pitchFamily="34" charset="-122"/>
+                        <a:cs typeface="宋体" panose="02010600030101010101" pitchFamily="2" charset="-122"/>
+                      </a:endParaRPr>
                     </a:p>
                   </a:txBody>
                   <a:tcPr marL="0" marR="0" marT="0" marB="0" anchor="ctr">
@@ -18244,6 +19236,14 @@
                         </a:rPr>
                         <a:t>考评</a:t>
                       </a:r>
+                      <a:endParaRPr lang="zh-CN" altLang="en-US" sz="1000" b="1">
+                        <a:solidFill>
+                          <a:srgbClr val="000000"/>
+                        </a:solidFill>
+                        <a:latin typeface="微软雅黑" panose="020B0503020204020204" pitchFamily="34" charset="-122"/>
+                        <a:ea typeface="微软雅黑" panose="020B0503020204020204" pitchFamily="34" charset="-122"/>
+                        <a:cs typeface="宋体" panose="02010600030101010101" pitchFamily="2" charset="-122"/>
+                      </a:endParaRPr>
                     </a:p>
                   </a:txBody>
                   <a:tcPr marL="0" marR="0" marT="0" marB="0" anchor="ctr">
@@ -18307,6 +19307,14 @@
                         </a:rPr>
                         <a:t>组员对自己的评分不满意</a:t>
                       </a:r>
+                      <a:endParaRPr lang="zh-CN" altLang="en-US" sz="1000" b="0">
+                        <a:solidFill>
+                          <a:srgbClr val="000000"/>
+                        </a:solidFill>
+                        <a:latin typeface="微软雅黑" panose="020B0503020204020204" pitchFamily="34" charset="-122"/>
+                        <a:ea typeface="微软雅黑" panose="020B0503020204020204" pitchFamily="34" charset="-122"/>
+                        <a:cs typeface="宋体" panose="02010600030101010101" pitchFamily="2" charset="-122"/>
+                      </a:endParaRPr>
                     </a:p>
                   </a:txBody>
                   <a:tcPr marL="0" marR="0" marT="0" marB="0" anchor="ctr">
@@ -18370,6 +19378,14 @@
                         </a:rPr>
                         <a:t>组员会产生低落情绪，工作积极性降低</a:t>
                       </a:r>
+                      <a:endParaRPr lang="zh-CN" altLang="en-US" sz="1000" b="0">
+                        <a:solidFill>
+                          <a:srgbClr val="000000"/>
+                        </a:solidFill>
+                        <a:latin typeface="微软雅黑" panose="020B0503020204020204" pitchFamily="34" charset="-122"/>
+                        <a:ea typeface="微软雅黑" panose="020B0503020204020204" pitchFamily="34" charset="-122"/>
+                        <a:cs typeface="宋体" panose="02010600030101010101" pitchFamily="2" charset="-122"/>
+                      </a:endParaRPr>
                     </a:p>
                   </a:txBody>
                   <a:tcPr marL="0" marR="0" marT="0" marB="0" anchor="ctr">
@@ -18433,6 +19449,14 @@
                         </a:rPr>
                         <a:t>6</a:t>
                       </a:r>
+                      <a:endParaRPr lang="en-US" altLang="zh-CN" sz="1000" b="0">
+                        <a:solidFill>
+                          <a:srgbClr val="000000"/>
+                        </a:solidFill>
+                        <a:latin typeface="微软雅黑" panose="020B0503020204020204" pitchFamily="34" charset="-122"/>
+                        <a:ea typeface="微软雅黑" panose="020B0503020204020204" pitchFamily="34" charset="-122"/>
+                        <a:cs typeface="宋体" panose="02010600030101010101" pitchFamily="2" charset="-122"/>
+                      </a:endParaRPr>
                     </a:p>
                   </a:txBody>
                   <a:tcPr marL="0" marR="0" marT="0" marB="0" anchor="ctr">
@@ -18496,6 +19520,14 @@
                         </a:rPr>
                         <a:t>9</a:t>
                       </a:r>
+                      <a:endParaRPr lang="en-US" altLang="zh-CN" sz="1000" b="0">
+                        <a:solidFill>
+                          <a:srgbClr val="000000"/>
+                        </a:solidFill>
+                        <a:latin typeface="微软雅黑" panose="020B0503020204020204" pitchFamily="34" charset="-122"/>
+                        <a:ea typeface="微软雅黑" panose="020B0503020204020204" pitchFamily="34" charset="-122"/>
+                        <a:cs typeface="宋体" panose="02010600030101010101" pitchFamily="2" charset="-122"/>
+                      </a:endParaRPr>
                     </a:p>
                   </a:txBody>
                   <a:tcPr marL="0" marR="0" marT="0" marB="0" anchor="ctr">
@@ -18559,6 +19591,14 @@
                         </a:rPr>
                         <a:t>4</a:t>
                       </a:r>
+                      <a:endParaRPr lang="en-US" altLang="zh-CN" sz="1000" b="0">
+                        <a:solidFill>
+                          <a:srgbClr val="000000"/>
+                        </a:solidFill>
+                        <a:latin typeface="微软雅黑" panose="020B0503020204020204" pitchFamily="34" charset="-122"/>
+                        <a:ea typeface="微软雅黑" panose="020B0503020204020204" pitchFamily="34" charset="-122"/>
+                        <a:cs typeface="宋体" panose="02010600030101010101" pitchFamily="2" charset="-122"/>
+                      </a:endParaRPr>
                     </a:p>
                   </a:txBody>
                   <a:tcPr marL="0" marR="0" marT="0" marB="0" anchor="ctr">
@@ -18622,6 +19662,14 @@
                         </a:rPr>
                         <a:t>216</a:t>
                       </a:r>
+                      <a:endParaRPr lang="en-US" altLang="zh-CN" sz="1000" b="0">
+                        <a:solidFill>
+                          <a:srgbClr val="000000"/>
+                        </a:solidFill>
+                        <a:latin typeface="微软雅黑" panose="020B0503020204020204" pitchFamily="34" charset="-122"/>
+                        <a:ea typeface="微软雅黑" panose="020B0503020204020204" pitchFamily="34" charset="-122"/>
+                        <a:cs typeface="宋体" panose="02010600030101010101" pitchFamily="2" charset="-122"/>
+                      </a:endParaRPr>
                     </a:p>
                   </a:txBody>
                   <a:tcPr marL="0" marR="0" marT="0" marB="0" anchor="ctr">
@@ -18685,6 +19733,14 @@
                         </a:rPr>
                         <a:t>提前列出扣分与加分项目，让各个组员明白自己的扣分点和加分点</a:t>
                       </a:r>
+                      <a:endParaRPr lang="zh-CN" altLang="en-US" sz="1000" b="0">
+                        <a:solidFill>
+                          <a:srgbClr val="000000"/>
+                        </a:solidFill>
+                        <a:latin typeface="微软雅黑" panose="020B0503020204020204" pitchFamily="34" charset="-122"/>
+                        <a:ea typeface="微软雅黑" panose="020B0503020204020204" pitchFamily="34" charset="-122"/>
+                        <a:cs typeface="宋体" panose="02010600030101010101" pitchFamily="2" charset="-122"/>
+                      </a:endParaRPr>
                     </a:p>
                   </a:txBody>
                   <a:tcPr marL="0" marR="0" marT="0" marB="0" anchor="ctr">
@@ -18748,6 +19804,14 @@
                         </a:rPr>
                         <a:t>有</a:t>
                       </a:r>
+                      <a:endParaRPr lang="zh-CN" altLang="en-US" sz="1000" b="1">
+                        <a:solidFill>
+                          <a:srgbClr val="000000"/>
+                        </a:solidFill>
+                        <a:latin typeface="微软雅黑" panose="020B0503020204020204" pitchFamily="34" charset="-122"/>
+                        <a:ea typeface="微软雅黑" panose="020B0503020204020204" pitchFamily="34" charset="-122"/>
+                        <a:cs typeface="宋体" panose="02010600030101010101" pitchFamily="2" charset="-122"/>
+                      </a:endParaRPr>
                     </a:p>
                   </a:txBody>
                   <a:tcPr marL="0" marR="0" marT="0" marB="0" anchor="ctr">
@@ -18811,6 +19875,14 @@
                         </a:rPr>
                         <a:t>无</a:t>
                       </a:r>
+                      <a:endParaRPr lang="zh-CN" altLang="en-US" sz="1000" b="1">
+                        <a:solidFill>
+                          <a:srgbClr val="000000"/>
+                        </a:solidFill>
+                        <a:latin typeface="微软雅黑" panose="020B0503020204020204" pitchFamily="34" charset="-122"/>
+                        <a:ea typeface="微软雅黑" panose="020B0503020204020204" pitchFamily="34" charset="-122"/>
+                        <a:cs typeface="宋体" panose="02010600030101010101" pitchFamily="2" charset="-122"/>
+                      </a:endParaRPr>
                     </a:p>
                   </a:txBody>
                   <a:tcPr marL="0" marR="0" marT="0" marB="0" anchor="ctr">
@@ -18874,6 +19946,14 @@
                         </a:rPr>
                         <a:t>低</a:t>
                       </a:r>
+                      <a:endParaRPr lang="zh-CN" altLang="en-US" sz="1000" b="1">
+                        <a:solidFill>
+                          <a:srgbClr val="000000"/>
+                        </a:solidFill>
+                        <a:latin typeface="微软雅黑" panose="020B0503020204020204" pitchFamily="34" charset="-122"/>
+                        <a:ea typeface="微软雅黑" panose="020B0503020204020204" pitchFamily="34" charset="-122"/>
+                        <a:cs typeface="宋体" panose="02010600030101010101" pitchFamily="2" charset="-122"/>
+                      </a:endParaRPr>
                     </a:p>
                   </a:txBody>
                   <a:tcPr marL="0" marR="0" marT="0" marB="0" anchor="ctr">
@@ -18921,13 +20001,6 @@
               </a:tr>
               <a:tr h="415925">
                 <a:tc vMerge="1">
-                  <a:txBody>
-                    <a:bodyPr/>
-                    <a:lstStyle/>
-                    <a:p>
-                      <a:endParaRPr lang="zh-CN"/>
-                    </a:p>
-                  </a:txBody>
                   <a:tcPr>
                     <a:lnL w="15240" cap="flat" cmpd="sng">
                       <a:solidFill>
@@ -18974,6 +20047,14 @@
                         </a:rPr>
                         <a:t>考评项目不是很好</a:t>
                       </a:r>
+                      <a:endParaRPr lang="zh-CN" altLang="en-US" sz="1000" b="0">
+                        <a:solidFill>
+                          <a:srgbClr val="000000"/>
+                        </a:solidFill>
+                        <a:latin typeface="微软雅黑" panose="020B0503020204020204" pitchFamily="34" charset="-122"/>
+                        <a:ea typeface="微软雅黑" panose="020B0503020204020204" pitchFamily="34" charset="-122"/>
+                        <a:cs typeface="宋体" panose="02010600030101010101" pitchFamily="2" charset="-122"/>
+                      </a:endParaRPr>
                     </a:p>
                   </a:txBody>
                   <a:tcPr marL="0" marR="0" marT="0" marB="0" anchor="ctr">
@@ -19037,6 +20118,14 @@
                         </a:rPr>
                         <a:t>影响最终评分</a:t>
                       </a:r>
+                      <a:endParaRPr lang="zh-CN" altLang="en-US" sz="1000" b="0">
+                        <a:solidFill>
+                          <a:srgbClr val="000000"/>
+                        </a:solidFill>
+                        <a:latin typeface="微软雅黑" panose="020B0503020204020204" pitchFamily="34" charset="-122"/>
+                        <a:ea typeface="微软雅黑" panose="020B0503020204020204" pitchFamily="34" charset="-122"/>
+                        <a:cs typeface="宋体" panose="02010600030101010101" pitchFamily="2" charset="-122"/>
+                      </a:endParaRPr>
                     </a:p>
                   </a:txBody>
                   <a:tcPr marL="0" marR="0" marT="0" marB="0" anchor="ctr">
@@ -19100,6 +20189,14 @@
                         </a:rPr>
                         <a:t>4</a:t>
                       </a:r>
+                      <a:endParaRPr lang="en-US" altLang="zh-CN" sz="1000" b="0">
+                        <a:solidFill>
+                          <a:srgbClr val="000000"/>
+                        </a:solidFill>
+                        <a:latin typeface="微软雅黑" panose="020B0503020204020204" pitchFamily="34" charset="-122"/>
+                        <a:ea typeface="微软雅黑" panose="020B0503020204020204" pitchFamily="34" charset="-122"/>
+                        <a:cs typeface="宋体" panose="02010600030101010101" pitchFamily="2" charset="-122"/>
+                      </a:endParaRPr>
                     </a:p>
                   </a:txBody>
                   <a:tcPr marL="0" marR="0" marT="0" marB="0" anchor="ctr">
@@ -19163,6 +20260,14 @@
                         </a:rPr>
                         <a:t>9</a:t>
                       </a:r>
+                      <a:endParaRPr lang="en-US" altLang="zh-CN" sz="1000" b="0" dirty="0">
+                        <a:solidFill>
+                          <a:srgbClr val="000000"/>
+                        </a:solidFill>
+                        <a:latin typeface="微软雅黑" panose="020B0503020204020204" pitchFamily="34" charset="-122"/>
+                        <a:ea typeface="微软雅黑" panose="020B0503020204020204" pitchFamily="34" charset="-122"/>
+                        <a:cs typeface="宋体" panose="02010600030101010101" pitchFamily="2" charset="-122"/>
+                      </a:endParaRPr>
                     </a:p>
                   </a:txBody>
                   <a:tcPr marL="0" marR="0" marT="0" marB="0" anchor="ctr">
@@ -19226,6 +20331,14 @@
                         </a:rPr>
                         <a:t>5</a:t>
                       </a:r>
+                      <a:endParaRPr lang="en-US" altLang="zh-CN" sz="1000" b="0">
+                        <a:solidFill>
+                          <a:srgbClr val="000000"/>
+                        </a:solidFill>
+                        <a:latin typeface="微软雅黑" panose="020B0503020204020204" pitchFamily="34" charset="-122"/>
+                        <a:ea typeface="微软雅黑" panose="020B0503020204020204" pitchFamily="34" charset="-122"/>
+                        <a:cs typeface="宋体" panose="02010600030101010101" pitchFamily="2" charset="-122"/>
+                      </a:endParaRPr>
                     </a:p>
                   </a:txBody>
                   <a:tcPr marL="0" marR="0" marT="0" marB="0" anchor="ctr">
@@ -19289,6 +20402,14 @@
                         </a:rPr>
                         <a:t>180</a:t>
                       </a:r>
+                      <a:endParaRPr lang="en-US" altLang="zh-CN" sz="1000" b="0">
+                        <a:solidFill>
+                          <a:srgbClr val="000000"/>
+                        </a:solidFill>
+                        <a:latin typeface="微软雅黑" panose="020B0503020204020204" pitchFamily="34" charset="-122"/>
+                        <a:ea typeface="微软雅黑" panose="020B0503020204020204" pitchFamily="34" charset="-122"/>
+                        <a:cs typeface="宋体" panose="02010600030101010101" pitchFamily="2" charset="-122"/>
+                      </a:endParaRPr>
                     </a:p>
                   </a:txBody>
                   <a:tcPr marL="0" marR="0" marT="0" marB="0" anchor="ctr">
@@ -19352,6 +20473,14 @@
                         </a:rPr>
                         <a:t>小组间进行讨论，项目启动阶段制定出大家都满意的打分标准</a:t>
                       </a:r>
+                      <a:endParaRPr lang="zh-CN" altLang="en-US" sz="1000" b="0">
+                        <a:solidFill>
+                          <a:srgbClr val="000000"/>
+                        </a:solidFill>
+                        <a:latin typeface="微软雅黑" panose="020B0503020204020204" pitchFamily="34" charset="-122"/>
+                        <a:ea typeface="微软雅黑" panose="020B0503020204020204" pitchFamily="34" charset="-122"/>
+                        <a:cs typeface="宋体" panose="02010600030101010101" pitchFamily="2" charset="-122"/>
+                      </a:endParaRPr>
                     </a:p>
                   </a:txBody>
                   <a:tcPr marL="0" marR="0" marT="0" marB="0" anchor="ctr">
@@ -19415,6 +20544,14 @@
                         </a:rPr>
                         <a:t>有</a:t>
                       </a:r>
+                      <a:endParaRPr lang="zh-CN" altLang="en-US" sz="1000" b="1">
+                        <a:solidFill>
+                          <a:srgbClr val="000000"/>
+                        </a:solidFill>
+                        <a:latin typeface="微软雅黑" panose="020B0503020204020204" pitchFamily="34" charset="-122"/>
+                        <a:ea typeface="微软雅黑" panose="020B0503020204020204" pitchFamily="34" charset="-122"/>
+                        <a:cs typeface="宋体" panose="02010600030101010101" pitchFamily="2" charset="-122"/>
+                      </a:endParaRPr>
                     </a:p>
                   </a:txBody>
                   <a:tcPr marL="0" marR="0" marT="0" marB="0" anchor="ctr">
@@ -19478,6 +20615,14 @@
                         </a:rPr>
                         <a:t>无</a:t>
                       </a:r>
+                      <a:endParaRPr lang="zh-CN" altLang="en-US" sz="1000" b="1">
+                        <a:solidFill>
+                          <a:srgbClr val="000000"/>
+                        </a:solidFill>
+                        <a:latin typeface="微软雅黑" panose="020B0503020204020204" pitchFamily="34" charset="-122"/>
+                        <a:ea typeface="微软雅黑" panose="020B0503020204020204" pitchFamily="34" charset="-122"/>
+                        <a:cs typeface="宋体" panose="02010600030101010101" pitchFamily="2" charset="-122"/>
+                      </a:endParaRPr>
                     </a:p>
                   </a:txBody>
                   <a:tcPr marL="0" marR="0" marT="0" marB="0" anchor="ctr">
@@ -19541,6 +20686,14 @@
                         </a:rPr>
                         <a:t>低</a:t>
                       </a:r>
+                      <a:endParaRPr lang="zh-CN" altLang="en-US" sz="1000" b="1">
+                        <a:solidFill>
+                          <a:srgbClr val="000000"/>
+                        </a:solidFill>
+                        <a:latin typeface="微软雅黑" panose="020B0503020204020204" pitchFamily="34" charset="-122"/>
+                        <a:ea typeface="微软雅黑" panose="020B0503020204020204" pitchFamily="34" charset="-122"/>
+                        <a:cs typeface="宋体" panose="02010600030101010101" pitchFamily="2" charset="-122"/>
+                      </a:endParaRPr>
                     </a:p>
                   </a:txBody>
                   <a:tcPr marL="0" marR="0" marT="0" marB="0" anchor="ctr">
@@ -19628,6 +20781,7 @@
               <a:rPr lang="en-US" altLang="zh-CN" sz="1200" dirty="0" smtClean="0"/>
               <a:t>》</a:t>
             </a:r>
+            <a:endParaRPr lang="en-US" altLang="zh-CN" sz="1200" dirty="0" smtClean="0"/>
           </a:p>
           <a:p>
             <a:r>
@@ -19831,30 +20985,6 @@
           </a:p>
         </p:txBody>
       </p:sp>
-      <p:pic>
-        <p:nvPicPr>
-          <p:cNvPr id="5" name="图片 4"/>
-          <p:cNvPicPr>
-            <a:picLocks noChangeAspect="1"/>
-          </p:cNvPicPr>
-          <p:nvPr/>
-        </p:nvPicPr>
-        <p:blipFill>
-          <a:blip r:embed="rId2"/>
-          <a:stretch>
-            <a:fillRect/>
-          </a:stretch>
-        </p:blipFill>
-        <p:spPr>
-          <a:xfrm>
-            <a:off x="541655" y="929005"/>
-            <a:ext cx="8420100" cy="5718810"/>
-          </a:xfrm>
-          <a:prstGeom prst="rect">
-            <a:avLst/>
-          </a:prstGeom>
-        </p:spPr>
-      </p:pic>
       <p:sp>
         <p:nvSpPr>
           <p:cNvPr id="8" name="文本框 7"/>
@@ -19892,9 +21022,45 @@
               </a:rPr>
               <a:t>详情见甘特图</a:t>
             </a:r>
+            <a:endParaRPr lang="zh-CN" altLang="en-US" sz="5400">
+              <a:solidFill>
+                <a:schemeClr val="accent1"/>
+              </a:solidFill>
+              <a:effectLst>
+                <a:outerShdw blurRad="38100" dist="25400" dir="5400000" algn="ctr" rotWithShape="0">
+                  <a:srgbClr val="6E747A">
+                    <a:alpha val="43000"/>
+                  </a:srgbClr>
+                </a:outerShdw>
+              </a:effectLst>
+            </a:endParaRPr>
           </a:p>
         </p:txBody>
       </p:sp>
+      <p:pic>
+        <p:nvPicPr>
+          <p:cNvPr id="6" name="图片 5"/>
+          <p:cNvPicPr>
+            <a:picLocks noChangeAspect="1"/>
+          </p:cNvPicPr>
+          <p:nvPr/>
+        </p:nvPicPr>
+        <p:blipFill>
+          <a:blip r:embed="rId1"/>
+          <a:stretch>
+            <a:fillRect/>
+          </a:stretch>
+        </p:blipFill>
+        <p:spPr>
+          <a:xfrm>
+            <a:off x="815340" y="861060"/>
+            <a:ext cx="8244840" cy="5809615"/>
+          </a:xfrm>
+          <a:prstGeom prst="rect">
+            <a:avLst/>
+          </a:prstGeom>
+        </p:spPr>
+      </p:pic>
     </p:spTree>
   </p:cSld>
   <p:clrMapOvr>
@@ -19939,7 +21105,7 @@
           <p:nvPr/>
         </p:nvPicPr>
         <p:blipFill>
-          <a:blip r:embed="rId2">
+          <a:blip r:embed="rId1">
             <a:extLst>
               <a:ext uri="{28A0092B-C50C-407E-A947-70E740481C1C}">
                 <a14:useLocalDpi xmlns:a14="http://schemas.microsoft.com/office/drawing/2010/main" val="0"/>
@@ -20028,7 +21194,7 @@
           <p:nvPr/>
         </p:nvPicPr>
         <p:blipFill>
-          <a:blip r:embed="rId2">
+          <a:blip r:embed="rId1">
             <a:extLst>
               <a:ext uri="{28A0092B-C50C-407E-A947-70E740481C1C}">
                 <a14:useLocalDpi xmlns:a14="http://schemas.microsoft.com/office/drawing/2010/main" val="0"/>
@@ -20483,6 +21649,13 @@
               </a:rPr>
               <a:t>项目名称：问酒</a:t>
             </a:r>
+            <a:endParaRPr lang="zh-CN" altLang="en-US" dirty="0">
+              <a:solidFill>
+                <a:sysClr val="windowText" lastClr="000000"/>
+              </a:solidFill>
+              <a:latin typeface="微软雅黑" panose="020B0503020204020204" pitchFamily="34" charset="-122"/>
+              <a:ea typeface="微软雅黑" panose="020B0503020204020204" pitchFamily="34" charset="-122"/>
+            </a:endParaRPr>
           </a:p>
         </p:txBody>
       </p:sp>
@@ -20518,6 +21691,13 @@
               </a:rPr>
               <a:t>项目简介</a:t>
             </a:r>
+            <a:endParaRPr lang="zh-CN" altLang="en-US" sz="3200" b="1" dirty="0">
+              <a:solidFill>
+                <a:schemeClr val="bg1"/>
+              </a:solidFill>
+              <a:latin typeface="微软雅黑" panose="020B0503020204020204" pitchFamily="34" charset="-122"/>
+              <a:ea typeface="微软雅黑" panose="020B0503020204020204" pitchFamily="34" charset="-122"/>
+            </a:endParaRPr>
           </a:p>
         </p:txBody>
       </p:sp>
@@ -20530,7 +21710,7 @@
         <p:spPr>
           <a:xfrm>
             <a:off x="2291715" y="3240405"/>
-            <a:ext cx="7799070" cy="2353310"/>
+            <a:ext cx="7799070" cy="2030095"/>
           </a:xfrm>
           <a:prstGeom prst="rect">
             <a:avLst/>
@@ -20559,8 +21739,16 @@
                 <a:ea typeface="微软雅黑" panose="020B0503020204020204" pitchFamily="34" charset="-122"/>
                 <a:sym typeface="+mn-ea"/>
               </a:rPr>
-              <a:t>供广大群众通过图像识别查询酒的基本信息，以及推荐喝法和配菜。</a:t>
+              <a:t>供广大群众通过图像识别查询酒的基本信息。</a:t>
             </a:r>
+            <a:endParaRPr lang="zh-CN" altLang="en-US" dirty="0">
+              <a:solidFill>
+                <a:sysClr val="windowText" lastClr="000000"/>
+              </a:solidFill>
+              <a:latin typeface="微软雅黑" panose="020B0503020204020204" pitchFamily="34" charset="-122"/>
+              <a:ea typeface="微软雅黑" panose="020B0503020204020204" pitchFamily="34" charset="-122"/>
+              <a:sym typeface="+mn-ea"/>
+            </a:endParaRPr>
           </a:p>
           <a:p>
             <a:endParaRPr lang="zh-CN" altLang="en-US" dirty="0">
@@ -21215,13 +22403,7 @@
         <p:nvGraphicFramePr>
           <p:cNvPr id="3" name="表格 2"/>
           <p:cNvGraphicFramePr/>
-          <p:nvPr>
-            <p:extLst>
-              <p:ext uri="{D42A27DB-BD31-4B8C-83A1-F6EECF244321}">
-                <p14:modId xmlns:p14="http://schemas.microsoft.com/office/powerpoint/2010/main" val="3926437162"/>
-              </p:ext>
-            </p:extLst>
-          </p:nvPr>
+          <p:nvPr/>
         </p:nvGraphicFramePr>
         <p:xfrm>
           <a:off x="3934967" y="1629594"/>
@@ -21257,7 +22439,6 @@
                         <a:buSzTx/>
                         <a:buFontTx/>
                         <a:buNone/>
-                        <a:tabLst/>
                         <a:defRPr/>
                       </a:pPr>
                       <a:r>
@@ -21284,6 +22465,11 @@
                         </a:rPr>
                         <a:t>》</a:t>
                       </a:r>
+                      <a:endParaRPr lang="en-US" altLang="zh-CN" sz="2400" b="0" dirty="0" smtClean="0">
+                        <a:solidFill>
+                          <a:schemeClr val="tx1"/>
+                        </a:solidFill>
+                      </a:endParaRPr>
                     </a:p>
                     <a:p>
                       <a:pPr algn="l">
@@ -21343,6 +22529,11 @@
                         </a:rPr>
                         <a:t>     </a:t>
                       </a:r>
+                      <a:endParaRPr lang="en-US" altLang="zh-CN" sz="2400" b="0" dirty="0" smtClean="0">
+                        <a:solidFill>
+                          <a:schemeClr val="tx1"/>
+                        </a:solidFill>
+                      </a:endParaRPr>
                     </a:p>
                     <a:p>
                       <a:pPr algn="l"/>
@@ -21420,6 +22611,11 @@
                         </a:rPr>
                         <a:t>》</a:t>
                       </a:r>
+                      <a:endParaRPr lang="en-US" altLang="zh-CN" dirty="0" smtClean="0">
+                        <a:solidFill>
+                          <a:schemeClr val="tx1"/>
+                        </a:solidFill>
+                      </a:endParaRPr>
                     </a:p>
                     <a:p>
                       <a:pPr algn="l">
@@ -21699,22 +22895,17 @@
         </a:graphic>
       </p:graphicFrame>
     </p:spTree>
-    <p:extLst>
-      <p:ext uri="{BB962C8B-B14F-4D97-AF65-F5344CB8AC3E}">
-        <p14:creationId xmlns:p14="http://schemas.microsoft.com/office/powerpoint/2010/main" val="55139724"/>
-      </p:ext>
-    </p:extLst>
   </p:cSld>
   <p:clrMapOvr>
     <a:masterClrMapping/>
   </p:clrMapOvr>
-  <mc:AlternateContent xmlns:mc="http://schemas.openxmlformats.org/markup-compatibility/2006" xmlns:p14="http://schemas.microsoft.com/office/powerpoint/2010/main">
-    <mc:Choice Requires="p14">
+  <mc:AlternateContent xmlns:mc="http://schemas.openxmlformats.org/markup-compatibility/2006">
+    <mc:Choice xmlns:p14="http://schemas.microsoft.com/office/powerpoint/2010/main" Requires="p14">
       <p:transition spd="slow" p14:dur="1200" advClick="0" advTm="0">
         <p14:prism/>
       </p:transition>
     </mc:Choice>
-    <mc:Fallback xmlns="">
+    <mc:Fallback>
       <p:transition spd="slow" advClick="0" advTm="0">
         <p:fade/>
       </p:transition>
@@ -22092,6 +23283,13 @@
               </a:rPr>
               <a:t>分工及考评</a:t>
             </a:r>
+            <a:endParaRPr lang="zh-CN" sz="3200" b="1" dirty="0">
+              <a:solidFill>
+                <a:schemeClr val="bg1"/>
+              </a:solidFill>
+              <a:latin typeface="微软雅黑" panose="020B0503020204020204" pitchFamily="34" charset="-122"/>
+              <a:ea typeface="微软雅黑" panose="020B0503020204020204" pitchFamily="34" charset="-122"/>
+            </a:endParaRPr>
           </a:p>
         </p:txBody>
       </p:sp>
@@ -22133,6 +23331,11 @@
                         </a:rPr>
                         <a:t>黄为波</a:t>
                       </a:r>
+                      <a:endParaRPr lang="zh-CN" altLang="en-US" b="0">
+                        <a:solidFill>
+                          <a:schemeClr val="tx1"/>
+                        </a:solidFill>
+                      </a:endParaRPr>
                     </a:p>
                   </a:txBody>
                   <a:tcPr>
@@ -22192,6 +23395,11 @@
                         </a:rPr>
                         <a:t>结构图</a:t>
                       </a:r>
+                      <a:endParaRPr lang="zh-CN" altLang="en-US" b="0">
+                        <a:solidFill>
+                          <a:schemeClr val="tx1"/>
+                        </a:solidFill>
+                      </a:endParaRPr>
                     </a:p>
                   </a:txBody>
                   <a:tcPr>
@@ -22219,6 +23427,11 @@
                         </a:rPr>
                         <a:t>9.6</a:t>
                       </a:r>
+                      <a:endParaRPr lang="en-US" altLang="zh-CN" b="0">
+                        <a:solidFill>
+                          <a:schemeClr val="tx1"/>
+                        </a:solidFill>
+                      </a:endParaRPr>
                     </a:p>
                   </a:txBody>
                   <a:tcPr>
@@ -22248,6 +23461,11 @@
                         </a:rPr>
                         <a:t>陈子卿</a:t>
                       </a:r>
+                      <a:endParaRPr lang="zh-CN" altLang="en-US">
+                        <a:solidFill>
+                          <a:schemeClr val="tx1"/>
+                        </a:solidFill>
+                      </a:endParaRPr>
                     </a:p>
                   </a:txBody>
                   <a:tcPr/>
@@ -22284,6 +23502,11 @@
                         </a:rPr>
                         <a:t>文档的规范排版，执笔需求分析报告，项目计划报告的修改</a:t>
                       </a:r>
+                      <a:endParaRPr lang="zh-CN" altLang="en-US">
+                        <a:solidFill>
+                          <a:schemeClr val="tx1"/>
+                        </a:solidFill>
+                      </a:endParaRPr>
                     </a:p>
                   </a:txBody>
                   <a:tcPr/>
@@ -22302,8 +23525,13 @@
                             <a:schemeClr val="tx1"/>
                           </a:solidFill>
                         </a:rPr>
-                        <a:t>9.3</a:t>
+                        <a:t>9.5</a:t>
                       </a:r>
+                      <a:endParaRPr lang="en-US" altLang="zh-CN">
+                        <a:solidFill>
+                          <a:schemeClr val="tx1"/>
+                        </a:solidFill>
+                      </a:endParaRPr>
                     </a:p>
                   </a:txBody>
                   <a:tcPr/>
@@ -22326,6 +23554,11 @@
                         </a:rPr>
                         <a:t>蔡峰</a:t>
                       </a:r>
+                      <a:endParaRPr lang="zh-CN" altLang="en-US">
+                        <a:solidFill>
+                          <a:schemeClr val="tx1"/>
+                        </a:solidFill>
+                      </a:endParaRPr>
                     </a:p>
                   </a:txBody>
                   <a:tcPr>
@@ -22385,6 +23618,11 @@
                         </a:rPr>
                         <a:t>的整改</a:t>
                       </a:r>
+                      <a:endParaRPr lang="zh-CN" altLang="en-US">
+                        <a:solidFill>
+                          <a:schemeClr val="tx1"/>
+                        </a:solidFill>
+                      </a:endParaRPr>
                     </a:p>
                   </a:txBody>
                   <a:tcPr>
@@ -22410,8 +23648,13 @@
                             <a:schemeClr val="tx1"/>
                           </a:solidFill>
                         </a:rPr>
-                        <a:t>9.2</a:t>
+                        <a:t>9.4</a:t>
                       </a:r>
+                      <a:endParaRPr lang="en-US" altLang="zh-CN">
+                        <a:solidFill>
+                          <a:schemeClr val="tx1"/>
+                        </a:solidFill>
+                      </a:endParaRPr>
                     </a:p>
                   </a:txBody>
                   <a:tcPr>
@@ -22433,13 +23676,13 @@
   <p:clrMapOvr>
     <a:masterClrMapping/>
   </p:clrMapOvr>
-  <mc:AlternateContent xmlns:mc="http://schemas.openxmlformats.org/markup-compatibility/2006" xmlns:p14="http://schemas.microsoft.com/office/powerpoint/2010/main">
-    <mc:Choice Requires="p14">
+  <mc:AlternateContent xmlns:mc="http://schemas.openxmlformats.org/markup-compatibility/2006">
+    <mc:Choice xmlns:p14="http://schemas.microsoft.com/office/powerpoint/2010/main" Requires="p14">
       <p:transition spd="slow" p14:dur="1200" advClick="0" advTm="0">
         <p14:prism/>
       </p:transition>
     </mc:Choice>
-    <mc:Fallback xmlns="">
+    <mc:Fallback>
       <p:transition spd="slow" advClick="0" advTm="0">
         <p:fade/>
       </p:transition>
@@ -23194,6 +24437,13 @@
               </a:rPr>
               <a:t>问酒</a:t>
             </a:r>
+            <a:endParaRPr lang="zh-CN" altLang="en-US" sz="12800" dirty="0">
+              <a:solidFill>
+                <a:srgbClr val="38B1BF"/>
+              </a:solidFill>
+              <a:latin typeface="微软雅黑" panose="020B0503020204020204" pitchFamily="34" charset="-122"/>
+              <a:ea typeface="微软雅黑" panose="020B0503020204020204" pitchFamily="34" charset="-122"/>
+            </a:endParaRPr>
           </a:p>
         </p:txBody>
       </p:sp>
@@ -23285,6 +24535,16 @@
               </a:rPr>
               <a:t>小组</a:t>
             </a:r>
+            <a:endParaRPr lang="zh-CN" altLang="en-US" sz="1900" dirty="0">
+              <a:solidFill>
+                <a:schemeClr val="tx1">
+                  <a:lumMod val="85000"/>
+                  <a:lumOff val="15000"/>
+                </a:schemeClr>
+              </a:solidFill>
+              <a:latin typeface="微软雅黑" panose="020B0503020204020204" pitchFamily="34" charset="-122"/>
+              <a:ea typeface="微软雅黑" panose="020B0503020204020204" pitchFamily="34" charset="-122"/>
+            </a:endParaRPr>
           </a:p>
         </p:txBody>
       </p:sp>
@@ -23335,6 +24595,16 @@
               </a:rPr>
               <a:t>汇报结束 感谢观看</a:t>
             </a:r>
+            <a:endParaRPr lang="zh-CN" altLang="en-US" sz="3600" b="1" dirty="0">
+              <a:solidFill>
+                <a:schemeClr val="tx1">
+                  <a:lumMod val="75000"/>
+                  <a:lumOff val="25000"/>
+                </a:schemeClr>
+              </a:solidFill>
+              <a:latin typeface="微软雅黑" panose="020B0503020204020204" pitchFamily="34" charset="-122"/>
+              <a:ea typeface="微软雅黑" panose="020B0503020204020204" pitchFamily="34" charset="-122"/>
+            </a:endParaRPr>
           </a:p>
         </p:txBody>
       </p:sp>
@@ -23439,6 +24709,16 @@
               </a:rPr>
               <a:t>日</a:t>
             </a:r>
+            <a:endParaRPr lang="zh-CN" altLang="en-US" sz="1900" dirty="0">
+              <a:solidFill>
+                <a:schemeClr val="tx1">
+                  <a:lumMod val="85000"/>
+                  <a:lumOff val="15000"/>
+                </a:schemeClr>
+              </a:solidFill>
+              <a:latin typeface="微软雅黑" panose="020B0503020204020204" pitchFamily="34" charset="-122"/>
+              <a:ea typeface="微软雅黑" panose="020B0503020204020204" pitchFamily="34" charset="-122"/>
+            </a:endParaRPr>
           </a:p>
         </p:txBody>
       </p:sp>
@@ -23486,16 +24766,16 @@
             <a:picLocks noChangeAspect="1"/>
           </p:cNvPicPr>
           <p:nvPr>
-            <a:audioFile r:link="rId2"/>
+            <a:audioFile r:link="rId1"/>
             <p:extLst>
               <p:ext uri="{DAA4B4D4-6D71-4841-9C94-3DE7FCFB9230}">
-                <p14:media xmlns:p14="http://schemas.microsoft.com/office/powerpoint/2010/main" r:embed="rId1"/>
+                <p14:media xmlns:p14="http://schemas.microsoft.com/office/powerpoint/2010/main" r:embed="rId2"/>
               </p:ext>
             </p:extLst>
           </p:nvPr>
         </p:nvPicPr>
         <p:blipFill>
-          <a:blip r:embed="rId5"/>
+          <a:blip r:embed="rId3"/>
           <a:stretch>
             <a:fillRect/>
           </a:stretch>
@@ -23543,6 +24823,14 @@
               </a:rPr>
               <a:t>浙江大学城市学院</a:t>
             </a:r>
+            <a:endParaRPr lang="zh-CN" altLang="en-US" kern="300" spc="2000">
+              <a:solidFill>
+                <a:schemeClr val="tx1"/>
+              </a:solidFill>
+              <a:uFillTx/>
+              <a:latin typeface="+中文标题" charset="0"/>
+              <a:ea typeface="+mj-ea"/>
+            </a:endParaRPr>
           </a:p>
         </p:txBody>
       </p:sp>
@@ -23551,13 +24839,13 @@
   <p:clrMapOvr>
     <a:masterClrMapping/>
   </p:clrMapOvr>
-  <mc:AlternateContent xmlns:mc="http://schemas.openxmlformats.org/markup-compatibility/2006" xmlns:p14="http://schemas.microsoft.com/office/powerpoint/2010/main">
-    <mc:Choice Requires="p14">
+  <mc:AlternateContent xmlns:mc="http://schemas.openxmlformats.org/markup-compatibility/2006">
+    <mc:Choice xmlns:p14="http://schemas.microsoft.com/office/powerpoint/2010/main" Requires="p14">
       <p:transition spd="slow" p14:dur="1600" advClick="0" advTm="0">
         <p:blinds dir="vert"/>
       </p:transition>
     </mc:Choice>
-    <mc:Fallback xmlns="">
+    <mc:Fallback>
       <p:transition spd="slow" advClick="0" advTm="0">
         <p:blinds dir="vert"/>
       </p:transition>
@@ -24543,6 +25831,13 @@
               </a:rPr>
               <a:t>项目简介</a:t>
             </a:r>
+            <a:endParaRPr lang="zh-CN" altLang="en-US" sz="3200" b="1" dirty="0">
+              <a:solidFill>
+                <a:schemeClr val="bg1"/>
+              </a:solidFill>
+              <a:latin typeface="微软雅黑" panose="020B0503020204020204" pitchFamily="34" charset="-122"/>
+              <a:ea typeface="微软雅黑" panose="020B0503020204020204" pitchFamily="34" charset="-122"/>
+            </a:endParaRPr>
           </a:p>
         </p:txBody>
       </p:sp>
@@ -24734,8 +26029,14 @@
                           <a:ea typeface="+mn-ea"/>
                           <a:cs typeface="Times New Roman" panose="02020603050405020304" pitchFamily="18" charset="0"/>
                         </a:rPr>
-                        <a:t>黄为波</a:t>
+                        <a:t>杨枨</a:t>
                       </a:r>
+                      <a:endParaRPr lang="zh-CN" sz="1800" kern="100">
+                        <a:effectLst/>
+                        <a:latin typeface="+mn-ea"/>
+                        <a:ea typeface="+mn-ea"/>
+                        <a:cs typeface="Times New Roman" panose="02020603050405020304" pitchFamily="18" charset="0"/>
+                      </a:endParaRPr>
                     </a:p>
                   </a:txBody>
                   <a:tcPr marL="68580" marR="68580" marT="0" marB="0" anchor="ctr"/>
@@ -24757,9 +26058,9 @@
                           <a:ea typeface="+mn-ea"/>
                           <a:cs typeface="Times New Roman" panose="02020603050405020304" pitchFamily="18" charset="0"/>
                         </a:rPr>
-                        <a:t>15336551730</a:t>
+                        <a:t>13357102333</a:t>
                       </a:r>
-                      <a:endParaRPr lang="zh-CN" sz="1800" kern="100" dirty="0">
+                      <a:endParaRPr lang="en-US" sz="1800" kern="100" dirty="0">
                         <a:effectLst/>
                         <a:latin typeface="+mn-ea"/>
                         <a:ea typeface="+mn-ea"/>
@@ -24789,8 +26090,17 @@
                           <a:ea typeface="+mn-ea"/>
                           <a:cs typeface="Times New Roman" panose="02020603050405020304" pitchFamily="18" charset="0"/>
                         </a:rPr>
-                        <a:t>31601351@stu.zucc.edu.cn</a:t>
+                        <a:t>yangc@zucc.edu.cn</a:t>
                       </a:r>
+                      <a:endParaRPr lang="en-US" sz="1800" u="none" strike="noStrike" kern="100" dirty="0">
+                        <a:solidFill>
+                          <a:srgbClr val="0563C1"/>
+                        </a:solidFill>
+                        <a:effectLst/>
+                        <a:latin typeface="+mn-ea"/>
+                        <a:ea typeface="+mn-ea"/>
+                        <a:cs typeface="Times New Roman" panose="02020603050405020304" pitchFamily="18" charset="0"/>
+                      </a:endParaRPr>
                     </a:p>
                   </a:txBody>
                   <a:tcPr marL="68580" marR="68580" marT="0" marB="0" anchor="ctr"/>
@@ -24806,23 +26116,20 @@
                         </a:spcAft>
                       </a:pPr>
                       <a:r>
-                        <a:rPr lang="zh-CN" sz="1800" kern="100">
+                        <a:rPr sz="1800" kern="100">
                           <a:effectLst/>
                           <a:latin typeface="+mn-ea"/>
                           <a:ea typeface="+mn-ea"/>
                           <a:cs typeface="Times New Roman" panose="02020603050405020304" pitchFamily="18" charset="0"/>
                         </a:rPr>
-                        <a:t>弘毅</a:t>
+                        <a:t>理四504</a:t>
                       </a:r>
-                      <a:r>
-                        <a:rPr lang="en-US" altLang="zh-CN" sz="1800" kern="100">
-                          <a:effectLst/>
-                          <a:latin typeface="+mn-ea"/>
-                          <a:ea typeface="+mn-ea"/>
-                          <a:cs typeface="Times New Roman" panose="02020603050405020304" pitchFamily="18" charset="0"/>
-                        </a:rPr>
-                        <a:t>1-602</a:t>
-                      </a:r>
+                      <a:endParaRPr sz="1800" kern="100">
+                        <a:effectLst/>
+                        <a:latin typeface="+mn-ea"/>
+                        <a:ea typeface="+mn-ea"/>
+                        <a:cs typeface="Times New Roman" panose="02020603050405020304" pitchFamily="18" charset="0"/>
+                      </a:endParaRPr>
                     </a:p>
                   </a:txBody>
                   <a:tcPr marL="68580" marR="68580" marT="0" marB="0" anchor="ctr"/>
@@ -24858,6 +26165,7 @@
               <a:rPr lang="zh-CN" altLang="en-US"/>
               <a:t>项目提出者：</a:t>
             </a:r>
+            <a:endParaRPr lang="zh-CN" altLang="en-US"/>
           </a:p>
         </p:txBody>
       </p:sp>
@@ -24887,6 +26195,7 @@
               <a:rPr lang="zh-CN" altLang="en-US"/>
               <a:t>项目用户：</a:t>
             </a:r>
+            <a:endParaRPr lang="zh-CN" altLang="en-US"/>
           </a:p>
         </p:txBody>
       </p:sp>
@@ -24916,6 +26225,7 @@
               <a:rPr lang="zh-CN" altLang="en-US" b="1"/>
               <a:t>喜欢喝酒以及对酒文化感兴趣的群体。</a:t>
             </a:r>
+            <a:endParaRPr lang="zh-CN" altLang="en-US" b="1"/>
           </a:p>
         </p:txBody>
       </p:sp>
@@ -25314,6 +26624,13 @@
               </a:rPr>
               <a:t>项目简介</a:t>
             </a:r>
+            <a:endParaRPr lang="zh-CN" altLang="en-US" sz="3200" b="1" dirty="0">
+              <a:solidFill>
+                <a:schemeClr val="bg1"/>
+              </a:solidFill>
+              <a:latin typeface="微软雅黑" panose="020B0503020204020204" pitchFamily="34" charset="-122"/>
+              <a:ea typeface="微软雅黑" panose="020B0503020204020204" pitchFamily="34" charset="-122"/>
+            </a:endParaRPr>
           </a:p>
         </p:txBody>
       </p:sp>
@@ -25336,11 +26653,12 @@
                 <a:tableStyleId>{5FD0F851-EC5A-4D38-B0AD-8093EC10F338}</a:tableStyleId>
               </a:tblPr>
               <a:tblGrid>
-                <a:gridCol w="1369060"/>
-                <a:gridCol w="1141730"/>
-                <a:gridCol w="1988820"/>
-                <a:gridCol w="2226310"/>
-                <a:gridCol w="1680845"/>
+                <a:gridCol w="1140941"/>
+                <a:gridCol w="951489"/>
+                <a:gridCol w="1657434"/>
+                <a:gridCol w="1855352"/>
+                <a:gridCol w="1327785"/>
+                <a:gridCol w="1473764"/>
               </a:tblGrid>
               <a:tr h="1000760">
                 <a:tc>
@@ -25508,6 +26826,39 @@
                     </a:solidFill>
                   </a:tcPr>
                 </a:tc>
+                <a:tc>
+                  <a:txBody>
+                    <a:bodyPr/>
+                    <a:p>
+                      <a:pPr indent="127000" algn="just">
+                        <a:spcAft>
+                          <a:spcPts val="0"/>
+                        </a:spcAft>
+                        <a:buNone/>
+                      </a:pPr>
+                      <a:r>
+                        <a:rPr lang="zh-CN" altLang="en-US" sz="1800" kern="100" dirty="0">
+                          <a:effectLst/>
+                          <a:latin typeface="+mn-ea"/>
+                          <a:ea typeface="+mn-ea"/>
+                          <a:cs typeface="Times New Roman" panose="02020603050405020304" pitchFamily="18" charset="0"/>
+                        </a:rPr>
+                        <a:t>职务</a:t>
+                      </a:r>
+                      <a:endParaRPr lang="zh-CN" altLang="en-US" sz="1800" kern="100" dirty="0">
+                        <a:effectLst/>
+                        <a:latin typeface="+mn-ea"/>
+                        <a:ea typeface="+mn-ea"/>
+                        <a:cs typeface="Times New Roman" panose="02020603050405020304" pitchFamily="18" charset="0"/>
+                      </a:endParaRPr>
+                    </a:p>
+                  </a:txBody>
+                  <a:tcPr marL="68580" marR="68580" marT="0" marB="0" anchor="ctr">
+                    <a:solidFill>
+                      <a:schemeClr val="accent1"/>
+                    </a:solidFill>
+                  </a:tcPr>
+                </a:tc>
               </a:tr>
               <a:tr h="1040130">
                 <a:tc>
@@ -25529,6 +26880,12 @@
                         </a:rPr>
                         <a:t>黄为波</a:t>
                       </a:r>
+                      <a:endParaRPr lang="zh-CN" sz="1800" kern="100">
+                        <a:effectLst/>
+                        <a:latin typeface="+mn-ea"/>
+                        <a:ea typeface="+mn-ea"/>
+                        <a:cs typeface="Times New Roman" panose="02020603050405020304" pitchFamily="18" charset="0"/>
+                      </a:endParaRPr>
                     </a:p>
                   </a:txBody>
                   <a:tcPr marL="68580" marR="68580" marT="0" marB="0" anchor="ctr"/>
@@ -25552,6 +26909,12 @@
                         </a:rPr>
                         <a:t>组长</a:t>
                       </a:r>
+                      <a:endParaRPr lang="zh-CN" sz="1800" kern="100">
+                        <a:effectLst/>
+                        <a:latin typeface="+mn-ea"/>
+                        <a:ea typeface="+mn-ea"/>
+                        <a:cs typeface="Times New Roman" panose="02020603050405020304" pitchFamily="18" charset="0"/>
+                      </a:endParaRPr>
                     </a:p>
                   </a:txBody>
                   <a:tcPr marL="68580" marR="68580" marT="0" marB="0" anchor="ctr"/>
@@ -25575,6 +26938,12 @@
                         </a:rPr>
                         <a:t>15336551730</a:t>
                       </a:r>
+                      <a:endParaRPr lang="en-US" sz="1800" kern="100">
+                        <a:effectLst/>
+                        <a:latin typeface="+mn-ea"/>
+                        <a:ea typeface="+mn-ea"/>
+                        <a:cs typeface="Times New Roman" panose="02020603050405020304" pitchFamily="18" charset="0"/>
+                      </a:endParaRPr>
                     </a:p>
                   </a:txBody>
                   <a:tcPr marL="68580" marR="68580" marT="0" marB="0" anchor="ctr"/>
@@ -25646,6 +27015,35 @@
                   </a:txBody>
                   <a:tcPr marL="68580" marR="68580" marT="0" marB="0" anchor="ctr"/>
                 </a:tc>
+                <a:tc>
+                  <a:txBody>
+                    <a:bodyPr/>
+                    <a:p>
+                      <a:pPr indent="127000" algn="just">
+                        <a:spcAft>
+                          <a:spcPts val="0"/>
+                        </a:spcAft>
+                        <a:buNone/>
+                      </a:pPr>
+                      <a:r>
+                        <a:rPr lang="zh-CN" altLang="en-US" sz="1800" kern="100">
+                          <a:effectLst/>
+                          <a:latin typeface="+mn-ea"/>
+                          <a:ea typeface="+mn-ea"/>
+                          <a:cs typeface="Times New Roman" panose="02020603050405020304" pitchFamily="18" charset="0"/>
+                        </a:rPr>
+                        <a:t>项目经理</a:t>
+                      </a:r>
+                      <a:endParaRPr lang="zh-CN" altLang="en-US" sz="1800" kern="100">
+                        <a:effectLst/>
+                        <a:latin typeface="+mn-ea"/>
+                        <a:ea typeface="+mn-ea"/>
+                        <a:cs typeface="Times New Roman" panose="02020603050405020304" pitchFamily="18" charset="0"/>
+                      </a:endParaRPr>
+                    </a:p>
+                  </a:txBody>
+                  <a:tcPr marL="68580" marR="68580" marT="0" marB="0" anchor="ctr"/>
+                </a:tc>
               </a:tr>
               <a:tr h="1040130">
                 <a:tc>
@@ -25667,6 +27065,12 @@
                         </a:rPr>
                         <a:t>蔡峰</a:t>
                       </a:r>
+                      <a:endParaRPr lang="zh-CN" sz="1800" kern="100">
+                        <a:effectLst/>
+                        <a:latin typeface="+mn-ea"/>
+                        <a:ea typeface="+mn-ea"/>
+                        <a:cs typeface="Times New Roman" panose="02020603050405020304" pitchFamily="18" charset="0"/>
+                      </a:endParaRPr>
                     </a:p>
                   </a:txBody>
                   <a:tcPr marL="68580" marR="68580" marT="0" marB="0" anchor="ctr">
@@ -25697,6 +27101,12 @@
                         </a:rPr>
                         <a:t>组员</a:t>
                       </a:r>
+                      <a:endParaRPr lang="zh-CN" sz="1800" kern="100">
+                        <a:effectLst/>
+                        <a:latin typeface="+mn-ea"/>
+                        <a:ea typeface="+mn-ea"/>
+                        <a:cs typeface="Times New Roman" panose="02020603050405020304" pitchFamily="18" charset="0"/>
+                      </a:endParaRPr>
                     </a:p>
                   </a:txBody>
                   <a:tcPr marL="68580" marR="68580" marT="0" marB="0" anchor="ctr">
@@ -25825,6 +27235,42 @@
                     </a:solidFill>
                   </a:tcPr>
                 </a:tc>
+                <a:tc>
+                  <a:txBody>
+                    <a:bodyPr/>
+                    <a:p>
+                      <a:pPr indent="127000" algn="just">
+                        <a:spcAft>
+                          <a:spcPts val="0"/>
+                        </a:spcAft>
+                        <a:buNone/>
+                      </a:pPr>
+                      <a:r>
+                        <a:rPr lang="zh-CN" altLang="en-US" sz="1800" kern="100">
+                          <a:effectLst/>
+                          <a:latin typeface="+mn-ea"/>
+                          <a:ea typeface="+mn-ea"/>
+                          <a:cs typeface="Times New Roman" panose="02020603050405020304" pitchFamily="18" charset="0"/>
+                        </a:rPr>
+                        <a:t>配置管理员</a:t>
+                      </a:r>
+                      <a:endParaRPr lang="zh-CN" altLang="en-US" sz="1800" kern="100">
+                        <a:effectLst/>
+                        <a:latin typeface="+mn-ea"/>
+                        <a:ea typeface="+mn-ea"/>
+                        <a:cs typeface="Times New Roman" panose="02020603050405020304" pitchFamily="18" charset="0"/>
+                      </a:endParaRPr>
+                    </a:p>
+                  </a:txBody>
+                  <a:tcPr marL="68580" marR="68580" marT="0" marB="0" anchor="ctr">
+                    <a:solidFill>
+                      <a:schemeClr val="accent1">
+                        <a:lumMod val="40000"/>
+                        <a:lumOff val="60000"/>
+                      </a:schemeClr>
+                    </a:solidFill>
+                  </a:tcPr>
+                </a:tc>
               </a:tr>
               <a:tr h="1040130">
                 <a:tc>
@@ -25846,6 +27292,12 @@
                         </a:rPr>
                         <a:t>陈子卿</a:t>
                       </a:r>
+                      <a:endParaRPr lang="zh-CN" sz="1800" kern="100">
+                        <a:effectLst/>
+                        <a:latin typeface="+mn-ea"/>
+                        <a:ea typeface="+mn-ea"/>
+                        <a:cs typeface="Times New Roman" panose="02020603050405020304" pitchFamily="18" charset="0"/>
+                      </a:endParaRPr>
                     </a:p>
                   </a:txBody>
                   <a:tcPr marL="68580" marR="68580" marT="0" marB="0" anchor="ctr"/>
@@ -25869,6 +27321,12 @@
                         </a:rPr>
                         <a:t>组员</a:t>
                       </a:r>
+                      <a:endParaRPr lang="zh-CN" sz="1800" kern="100">
+                        <a:effectLst/>
+                        <a:latin typeface="+mn-ea"/>
+                        <a:ea typeface="+mn-ea"/>
+                        <a:cs typeface="Times New Roman" panose="02020603050405020304" pitchFamily="18" charset="0"/>
+                      </a:endParaRPr>
                     </a:p>
                   </a:txBody>
                   <a:tcPr marL="68580" marR="68580" marT="0" marB="0" anchor="ctr"/>
@@ -25892,6 +27350,12 @@
                         </a:rPr>
                         <a:t>15968119438</a:t>
                       </a:r>
+                      <a:endParaRPr lang="en-US" sz="1800" kern="100">
+                        <a:effectLst/>
+                        <a:latin typeface="+mn-ea"/>
+                        <a:ea typeface="+mn-ea"/>
+                        <a:cs typeface="Times New Roman" panose="02020603050405020304" pitchFamily="18" charset="0"/>
+                      </a:endParaRPr>
                     </a:p>
                   </a:txBody>
                   <a:tcPr marL="68580" marR="68580" marT="0" marB="0" anchor="ctr"/>
@@ -25963,6 +27427,35 @@
                   </a:txBody>
                   <a:tcPr marL="68580" marR="68580" marT="0" marB="0" anchor="ctr"/>
                 </a:tc>
+                <a:tc>
+                  <a:txBody>
+                    <a:bodyPr/>
+                    <a:p>
+                      <a:pPr indent="127000" algn="just">
+                        <a:spcAft>
+                          <a:spcPts val="0"/>
+                        </a:spcAft>
+                        <a:buNone/>
+                      </a:pPr>
+                      <a:r>
+                        <a:rPr lang="zh-CN" altLang="en-US" sz="1800" kern="100">
+                          <a:effectLst/>
+                          <a:latin typeface="+mn-ea"/>
+                          <a:ea typeface="+mn-ea"/>
+                          <a:cs typeface="Times New Roman" panose="02020603050405020304" pitchFamily="18" charset="0"/>
+                        </a:rPr>
+                        <a:t>会议记录员</a:t>
+                      </a:r>
+                      <a:endParaRPr lang="zh-CN" altLang="en-US" sz="1800" kern="100">
+                        <a:effectLst/>
+                        <a:latin typeface="+mn-ea"/>
+                        <a:ea typeface="+mn-ea"/>
+                        <a:cs typeface="Times New Roman" panose="02020603050405020304" pitchFamily="18" charset="0"/>
+                      </a:endParaRPr>
+                    </a:p>
+                  </a:txBody>
+                  <a:tcPr marL="68580" marR="68580" marT="0" marB="0" anchor="ctr"/>
+                </a:tc>
               </a:tr>
             </a:tbl>
           </a:graphicData>
@@ -26005,6 +27498,18 @@
               </a:rPr>
               <a:t>开发团队：</a:t>
             </a:r>
+            <a:endParaRPr lang="zh-CN" altLang="en-US" sz="2800" b="1">
+              <a:solidFill>
+                <a:schemeClr val="tx1"/>
+              </a:solidFill>
+              <a:effectLst>
+                <a:outerShdw blurRad="38100" dist="19050" dir="2700000" algn="tl" rotWithShape="0">
+                  <a:schemeClr val="dk1">
+                    <a:alpha val="40000"/>
+                  </a:schemeClr>
+                </a:outerShdw>
+              </a:effectLst>
+            </a:endParaRPr>
           </a:p>
         </p:txBody>
       </p:sp>
@@ -29244,6 +30749,15 @@
               </a:rPr>
               <a:t>可行性分析</a:t>
             </a:r>
+            <a:endParaRPr lang="zh-CN" altLang="en-US" sz="3065" kern="0" dirty="0">
+              <a:solidFill>
+                <a:srgbClr val="FFFFFF"/>
+              </a:solidFill>
+              <a:latin typeface="+mn-lt"/>
+              <a:ea typeface="+mn-ea"/>
+              <a:cs typeface="+mn-ea"/>
+              <a:sym typeface="+mn-lt"/>
+            </a:endParaRPr>
           </a:p>
         </p:txBody>
       </p:sp>
@@ -29411,6 +30925,15 @@
               </a:rPr>
               <a:t>需求分析</a:t>
             </a:r>
+            <a:endParaRPr lang="zh-CN" altLang="en-US" sz="3065" kern="0" dirty="0">
+              <a:solidFill>
+                <a:srgbClr val="FFFFFF"/>
+              </a:solidFill>
+              <a:latin typeface="+mn-lt"/>
+              <a:ea typeface="+mn-ea"/>
+              <a:cs typeface="+mn-ea"/>
+              <a:sym typeface="+mn-lt"/>
+            </a:endParaRPr>
           </a:p>
         </p:txBody>
       </p:sp>
@@ -29578,6 +31101,15 @@
               </a:rPr>
               <a:t>项目计划</a:t>
             </a:r>
+            <a:endParaRPr lang="zh-CN" altLang="en-US" sz="3065" kern="0" dirty="0">
+              <a:solidFill>
+                <a:srgbClr val="FFFFFF"/>
+              </a:solidFill>
+              <a:latin typeface="+mn-lt"/>
+              <a:ea typeface="+mn-ea"/>
+              <a:cs typeface="+mn-ea"/>
+              <a:sym typeface="+mn-lt"/>
+            </a:endParaRPr>
           </a:p>
         </p:txBody>
       </p:sp>
@@ -29940,6 +31472,15 @@
                 </a:rPr>
                 <a:t>4</a:t>
               </a:r>
+              <a:endParaRPr lang="en-US" altLang="zh-CN" sz="2800" b="1" kern="0">
+                <a:solidFill>
+                  <a:schemeClr val="tx2"/>
+                </a:solidFill>
+                <a:latin typeface="+mn-lt"/>
+                <a:ea typeface="+mn-ea"/>
+                <a:cs typeface="+mn-ea"/>
+                <a:sym typeface="+mn-lt"/>
+              </a:endParaRPr>
             </a:p>
           </p:txBody>
         </p:sp>
@@ -30108,6 +31649,15 @@
               </a:rPr>
               <a:t>分工及考评</a:t>
             </a:r>
+            <a:endParaRPr lang="zh-CN" altLang="en-US" sz="3065" kern="0" dirty="0">
+              <a:solidFill>
+                <a:srgbClr val="FFFFFF"/>
+              </a:solidFill>
+              <a:latin typeface="+mn-lt"/>
+              <a:ea typeface="+mn-ea"/>
+              <a:cs typeface="+mn-ea"/>
+              <a:sym typeface="+mn-lt"/>
+            </a:endParaRPr>
           </a:p>
         </p:txBody>
       </p:sp>
@@ -31430,6 +32980,14 @@
                 </a:rPr>
                 <a:t>技术可行性</a:t>
               </a:r>
+              <a:endParaRPr lang="zh-CN" altLang="en-US" sz="2000" b="1" kern="100" dirty="0" smtClean="0">
+                <a:solidFill>
+                  <a:schemeClr val="bg1"/>
+                </a:solidFill>
+                <a:latin typeface="微软雅黑" panose="020B0503020204020204" pitchFamily="34" charset="-122"/>
+                <a:ea typeface="微软雅黑" panose="020B0503020204020204" pitchFamily="34" charset="-122"/>
+                <a:cs typeface="Times New Roman" panose="02020603050405020304" pitchFamily="18" charset="0"/>
+              </a:endParaRPr>
             </a:p>
           </p:txBody>
         </p:sp>
@@ -31609,6 +33167,14 @@
                 </a:rPr>
                 <a:t>经济可行性</a:t>
               </a:r>
+              <a:endParaRPr lang="zh-CN" altLang="zh-CN" sz="2000" b="1" kern="100" dirty="0">
+                <a:solidFill>
+                  <a:schemeClr val="bg1"/>
+                </a:solidFill>
+                <a:latin typeface="微软雅黑" panose="020B0503020204020204" pitchFamily="34" charset="-122"/>
+                <a:ea typeface="微软雅黑" panose="020B0503020204020204" pitchFamily="34" charset="-122"/>
+                <a:cs typeface="Times New Roman" panose="02020603050405020304" pitchFamily="18" charset="0"/>
+              </a:endParaRPr>
             </a:p>
           </p:txBody>
         </p:sp>
@@ -31672,6 +33238,11 @@
               </a:rPr>
               <a:t>3</a:t>
             </a:r>
+            <a:endParaRPr lang="en-US" altLang="zh-CN" sz="3600" dirty="0">
+              <a:latin typeface="+mj-lt"/>
+              <a:ea typeface="Arial Unicode MS" panose="020B0604020202020204" pitchFamily="34" charset="-122"/>
+              <a:cs typeface="Arial Unicode MS" panose="020B0604020202020204" pitchFamily="34" charset="-122"/>
+            </a:endParaRPr>
           </a:p>
         </p:txBody>
       </p:sp>
@@ -31783,6 +33354,14 @@
                 </a:rPr>
                 <a:t>法律可行性</a:t>
               </a:r>
+              <a:endParaRPr lang="zh-CN" altLang="zh-CN" sz="2000" b="1" kern="100" dirty="0">
+                <a:solidFill>
+                  <a:schemeClr val="bg1"/>
+                </a:solidFill>
+                <a:latin typeface="微软雅黑" panose="020B0503020204020204" pitchFamily="34" charset="-122"/>
+                <a:ea typeface="微软雅黑" panose="020B0503020204020204" pitchFamily="34" charset="-122"/>
+                <a:cs typeface="Times New Roman" panose="02020603050405020304" pitchFamily="18" charset="0"/>
+              </a:endParaRPr>
             </a:p>
           </p:txBody>
         </p:sp>
@@ -31880,6 +33459,13 @@
               </a:rPr>
               <a:t>可行性分析</a:t>
             </a:r>
+            <a:endParaRPr lang="zh-CN" sz="3200" b="1" dirty="0">
+              <a:solidFill>
+                <a:schemeClr val="bg1"/>
+              </a:solidFill>
+              <a:latin typeface="微软雅黑" panose="020B0503020204020204" pitchFamily="34" charset="-122"/>
+              <a:ea typeface="微软雅黑" panose="020B0503020204020204" pitchFamily="34" charset="-122"/>
+            </a:endParaRPr>
           </a:p>
         </p:txBody>
       </p:sp>
@@ -31941,13 +33527,13 @@
   <p:clrMapOvr>
     <a:masterClrMapping/>
   </p:clrMapOvr>
-  <mc:AlternateContent xmlns:mc="http://schemas.openxmlformats.org/markup-compatibility/2006" xmlns:p14="http://schemas.microsoft.com/office/powerpoint/2010/main">
-    <mc:Choice Requires="p14">
+  <mc:AlternateContent xmlns:mc="http://schemas.openxmlformats.org/markup-compatibility/2006">
+    <mc:Choice xmlns:p14="http://schemas.microsoft.com/office/powerpoint/2010/main" Requires="p14">
       <p:transition spd="slow" p14:dur="1200" advClick="0" advTm="0">
         <p14:prism/>
       </p:transition>
     </mc:Choice>
-    <mc:Fallback xmlns="">
+    <mc:Fallback>
       <p:transition spd="slow" advClick="0" advTm="0">
         <p:fade/>
       </p:transition>
@@ -32828,6 +34414,13 @@
               </a:rPr>
               <a:t>技术可行性</a:t>
             </a:r>
+            <a:endParaRPr lang="zh-CN" sz="2665" dirty="0">
+              <a:solidFill>
+                <a:srgbClr val="183A5D"/>
+              </a:solidFill>
+              <a:latin typeface="微软雅黑" panose="020B0503020204020204" pitchFamily="34" charset="-122"/>
+              <a:ea typeface="微软雅黑" panose="020B0503020204020204" pitchFamily="34" charset="-122"/>
+            </a:endParaRPr>
           </a:p>
         </p:txBody>
       </p:sp>
@@ -32840,15 +34433,15 @@
           <p:nvPr/>
         </p:nvPicPr>
         <p:blipFill>
-          <a:blip r:embed="rId2"/>
+          <a:blip r:embed="rId1"/>
           <a:stretch>
             <a:fillRect/>
           </a:stretch>
         </p:blipFill>
         <p:spPr>
           <a:xfrm>
-            <a:off x="328295" y="1610995"/>
-            <a:ext cx="11327130" cy="4450080"/>
+            <a:off x="1863090" y="3158490"/>
+            <a:ext cx="8464550" cy="3325495"/>
           </a:xfrm>
           <a:prstGeom prst="rect">
             <a:avLst/>
@@ -32863,7 +34456,7 @@
         </p:nvSpPr>
         <p:spPr>
           <a:xfrm>
-            <a:off x="1845310" y="1113155"/>
+            <a:off x="2042795" y="3074035"/>
             <a:ext cx="3253740" cy="414020"/>
           </a:xfrm>
           <a:prstGeom prst="rect">
@@ -32881,6 +34474,56 @@
               <a:rPr lang="zh-CN" altLang="en-US"/>
               <a:t>数据流图：</a:t>
             </a:r>
+            <a:endParaRPr lang="zh-CN" altLang="en-US"/>
+          </a:p>
+        </p:txBody>
+      </p:sp>
+      <p:sp>
+        <p:nvSpPr>
+          <p:cNvPr id="8" name="文本框 7"/>
+          <p:cNvSpPr txBox="1"/>
+          <p:nvPr/>
+        </p:nvSpPr>
+        <p:spPr>
+          <a:xfrm>
+            <a:off x="2042795" y="1481455"/>
+            <a:ext cx="8039735" cy="1060450"/>
+          </a:xfrm>
+          <a:prstGeom prst="rect">
+            <a:avLst/>
+          </a:prstGeom>
+          <a:noFill/>
+        </p:spPr>
+        <p:txBody>
+          <a:bodyPr wrap="square" rtlCol="0">
+            <a:spAutoFit/>
+          </a:bodyPr>
+          <a:p>
+            <a:r>
+              <a:rPr lang="en-US" altLang="zh-CN"/>
+              <a:t>         </a:t>
+            </a:r>
+            <a:r>
+              <a:rPr lang="zh-CN" altLang="en-US"/>
+              <a:t>将tensoflow图像识别模块（开源）移植到</a:t>
+            </a:r>
+            <a:r>
+              <a:rPr lang="en-US" altLang="zh-CN"/>
+              <a:t>Android</a:t>
+            </a:r>
+            <a:r>
+              <a:rPr lang="zh-CN" altLang="en-US"/>
+              <a:t>手机，关键技术在于数据库匹配，就目前图像识别领域发展，这个技术难点可以攻破，且软件整体架构属于常见的</a:t>
+            </a:r>
+            <a:r>
+              <a:rPr lang="en-US" altLang="zh-CN"/>
+              <a:t>C/S</a:t>
+            </a:r>
+            <a:r>
+              <a:rPr lang="zh-CN" altLang="en-US"/>
+              <a:t>架构，因此项目技术可行。</a:t>
+            </a:r>
+            <a:endParaRPr lang="zh-CN" altLang="en-US"/>
           </a:p>
         </p:txBody>
       </p:sp>
@@ -33011,6 +34654,7 @@
               <a:rPr lang="en-US" sz="2400" dirty="0"/>
               <a:t>2</a:t>
             </a:r>
+            <a:endParaRPr lang="en-US" sz="2400" dirty="0"/>
           </a:p>
         </p:txBody>
       </p:sp>
@@ -33046,6 +34690,13 @@
               </a:rPr>
               <a:t>经济可行性</a:t>
             </a:r>
+            <a:endParaRPr lang="zh-CN" sz="2665" dirty="0" smtClean="0">
+              <a:solidFill>
+                <a:srgbClr val="183A5D"/>
+              </a:solidFill>
+              <a:latin typeface="微软雅黑" panose="020B0503020204020204" pitchFamily="34" charset="-122"/>
+              <a:ea typeface="微软雅黑" panose="020B0503020204020204" pitchFamily="34" charset="-122"/>
+            </a:endParaRPr>
           </a:p>
         </p:txBody>
       </p:sp>
@@ -33118,6 +34769,10 @@
               </a:rPr>
               <a:t>效益 比的情况下，该项目从经济方面来说可行。</a:t>
             </a:r>
+            <a:endParaRPr lang="zh-CN" altLang="en-US" sz="2400">
+              <a:latin typeface="微软雅黑" panose="020B0503020204020204" pitchFamily="34" charset="-122"/>
+              <a:ea typeface="微软雅黑" panose="020B0503020204020204" pitchFamily="34" charset="-122"/>
+            </a:endParaRPr>
           </a:p>
         </p:txBody>
       </p:sp>
@@ -33284,6 +34939,13 @@
               </a:rPr>
               <a:t>法律可行性</a:t>
             </a:r>
+            <a:endParaRPr lang="zh-CN" sz="2665" dirty="0" smtClean="0">
+              <a:solidFill>
+                <a:srgbClr val="183A5D"/>
+              </a:solidFill>
+              <a:latin typeface="微软雅黑" panose="020B0503020204020204" pitchFamily="34" charset="-122"/>
+              <a:ea typeface="微软雅黑" panose="020B0503020204020204" pitchFamily="34" charset="-122"/>
+            </a:endParaRPr>
           </a:p>
         </p:txBody>
       </p:sp>
@@ -33328,6 +34990,10 @@
               </a:rPr>
               <a:t>所用软件均为开源或者正版软件的试用版，所以本项目在法律因素上并不存在侵犯版权等行为。并且本项目可能并不会涉及到盈利部分，所以出现法律问题的可能性较小。</a:t>
             </a:r>
+            <a:endParaRPr lang="zh-CN" altLang="en-US" sz="2400">
+              <a:latin typeface="微软雅黑" panose="020B0503020204020204" pitchFamily="34" charset="-122"/>
+              <a:ea typeface="微软雅黑" panose="020B0503020204020204" pitchFamily="34" charset="-122"/>
+            </a:endParaRPr>
           </a:p>
         </p:txBody>
       </p:sp>
@@ -33627,11 +35293,9 @@
       </a:bgFillStyleLst>
     </a:fmtScheme>
   </a:themeElements>
-  <a:objectDefaults/>
-  <a:extraClrSchemeLst/>
   <a:extLst>
     <a:ext uri="{05A4C25C-085E-4340-85A3-A5531E510DB2}">
-      <thm15:themeFamily xmlns="" xmlns:thm15="http://schemas.microsoft.com/office/thememl/2012/main" name="Office Theme" id="{62F939B6-93AF-4DB8-9C6B-D6C7DFDC589F}" vid="{4A3C46E8-61CC-4603-A589-7422A47A8E4A}"/>
+      <thm15:themeFamily xmlns:thm15="http://schemas.microsoft.com/office/thememl/2012/main" name="Office Theme" id="{62F939B6-93AF-4DB8-9C6B-D6C7DFDC589F}" vid="{4A3C46E8-61CC-4603-A589-7422A47A8E4A}"/>
     </a:ext>
   </a:extLst>
 </a:theme>
@@ -33917,11 +35581,9 @@
       </a:bgFillStyleLst>
     </a:fmtScheme>
   </a:themeElements>
-  <a:objectDefaults/>
-  <a:extraClrSchemeLst/>
   <a:extLst>
     <a:ext uri="{05A4C25C-085E-4340-85A3-A5531E510DB2}">
-      <thm15:themeFamily xmlns="" xmlns:thm15="http://schemas.microsoft.com/office/thememl/2012/main" name="Office Theme" id="{62F939B6-93AF-4DB8-9C6B-D6C7DFDC589F}" vid="{4A3C46E8-61CC-4603-A589-7422A47A8E4A}"/>
+      <thm15:themeFamily xmlns:thm15="http://schemas.microsoft.com/office/thememl/2012/main" name="Office Theme" id="{62F939B6-93AF-4DB8-9C6B-D6C7DFDC589F}" vid="{4A3C46E8-61CC-4603-A589-7422A47A8E4A}"/>
     </a:ext>
   </a:extLst>
 </a:theme>
@@ -34207,11 +35869,9 @@
       </a:bgFillStyleLst>
     </a:fmtScheme>
   </a:themeElements>
-  <a:objectDefaults/>
-  <a:extraClrSchemeLst/>
   <a:extLst>
     <a:ext uri="{05A4C25C-085E-4340-85A3-A5531E510DB2}">
-      <thm15:themeFamily xmlns="" xmlns:thm15="http://schemas.microsoft.com/office/thememl/2012/main" name="Office Theme" id="{62F939B6-93AF-4DB8-9C6B-D6C7DFDC589F}" vid="{4A3C46E8-61CC-4603-A589-7422A47A8E4A}"/>
+      <thm15:themeFamily xmlns:thm15="http://schemas.microsoft.com/office/thememl/2012/main" name="Office Theme" id="{62F939B6-93AF-4DB8-9C6B-D6C7DFDC589F}" vid="{4A3C46E8-61CC-4603-A589-7422A47A8E4A}"/>
     </a:ext>
   </a:extLst>
 </a:theme>

--- a/SE2018春-G17-项目计划PPT.pptx
+++ b/SE2018春-G17-项目计划PPT.pptx
@@ -9173,6 +9173,43 @@
           </a:graphicData>
         </a:graphic>
       </p:graphicFrame>
+      <p:sp>
+        <p:nvSpPr>
+          <p:cNvPr id="6" name="文本框 5"/>
+          <p:cNvSpPr txBox="1"/>
+          <p:nvPr/>
+        </p:nvSpPr>
+        <p:spPr>
+          <a:xfrm>
+            <a:off x="1763395" y="913130"/>
+            <a:ext cx="2891790" cy="414020"/>
+          </a:xfrm>
+          <a:prstGeom prst="rect">
+            <a:avLst/>
+          </a:prstGeom>
+          <a:noFill/>
+        </p:spPr>
+        <p:txBody>
+          <a:bodyPr wrap="square" rtlCol="0">
+            <a:spAutoFit/>
+          </a:bodyPr>
+          <a:p>
+            <a:r>
+              <a:rPr lang="en-US" altLang="zh-CN">
+                <a:hlinkClick r:id="rId1" tooltip="" action="ppaction://hlinkfile"/>
+              </a:rPr>
+              <a:t>WBS</a:t>
+            </a:r>
+            <a:r>
+              <a:rPr lang="zh-CN" altLang="en-US">
+                <a:hlinkClick r:id="rId1" tooltip="" action="ppaction://hlinkfile"/>
+              </a:rPr>
+              <a:t>结构图</a:t>
+            </a:r>
+            <a:endParaRPr lang="zh-CN" altLang="en-US"/>
+          </a:p>
+        </p:txBody>
+      </p:sp>
     </p:spTree>
   </p:cSld>
   <p:clrMapOvr>
@@ -20985,58 +21022,6 @@
           </a:p>
         </p:txBody>
       </p:sp>
-      <p:sp>
-        <p:nvSpPr>
-          <p:cNvPr id="8" name="文本框 7"/>
-          <p:cNvSpPr txBox="1"/>
-          <p:nvPr/>
-        </p:nvSpPr>
-        <p:spPr>
-          <a:xfrm>
-            <a:off x="9253855" y="1227455"/>
-            <a:ext cx="991235" cy="5077460"/>
-          </a:xfrm>
-          <a:prstGeom prst="rect">
-            <a:avLst/>
-          </a:prstGeom>
-          <a:noFill/>
-        </p:spPr>
-        <p:txBody>
-          <a:bodyPr wrap="square" rtlCol="0">
-            <a:spAutoFit/>
-          </a:bodyPr>
-          <a:lstStyle/>
-          <a:p>
-            <a:r>
-              <a:rPr lang="zh-CN" altLang="en-US" sz="5400">
-                <a:solidFill>
-                  <a:schemeClr val="accent1"/>
-                </a:solidFill>
-                <a:effectLst>
-                  <a:outerShdw blurRad="38100" dist="25400" dir="5400000" algn="ctr" rotWithShape="0">
-                    <a:srgbClr val="6E747A">
-                      <a:alpha val="43000"/>
-                    </a:srgbClr>
-                  </a:outerShdw>
-                </a:effectLst>
-              </a:rPr>
-              <a:t>详情见甘特图</a:t>
-            </a:r>
-            <a:endParaRPr lang="zh-CN" altLang="en-US" sz="5400">
-              <a:solidFill>
-                <a:schemeClr val="accent1"/>
-              </a:solidFill>
-              <a:effectLst>
-                <a:outerShdw blurRad="38100" dist="25400" dir="5400000" algn="ctr" rotWithShape="0">
-                  <a:srgbClr val="6E747A">
-                    <a:alpha val="43000"/>
-                  </a:srgbClr>
-                </a:outerShdw>
-              </a:effectLst>
-            </a:endParaRPr>
-          </a:p>
-        </p:txBody>
-      </p:sp>
       <p:pic>
         <p:nvPicPr>
           <p:cNvPr id="6" name="图片 5"/>
@@ -21239,6 +21224,74 @@
           </a:extLst>
         </p:spPr>
       </p:pic>
+      <p:sp>
+        <p:nvSpPr>
+          <p:cNvPr id="2" name="文本框 1"/>
+          <p:cNvSpPr txBox="1"/>
+          <p:nvPr/>
+        </p:nvSpPr>
+        <p:spPr>
+          <a:xfrm>
+            <a:off x="1014095" y="903605"/>
+            <a:ext cx="3352800" cy="414020"/>
+          </a:xfrm>
+          <a:prstGeom prst="rect">
+            <a:avLst/>
+          </a:prstGeom>
+          <a:noFill/>
+        </p:spPr>
+        <p:txBody>
+          <a:bodyPr wrap="square" rtlCol="0">
+            <a:spAutoFit/>
+          </a:bodyPr>
+          <a:p>
+            <a:r>
+              <a:rPr lang="en-US" altLang="zh-CN">
+                <a:hlinkClick r:id="rId2" tooltip="" action="ppaction://hlinkfile"/>
+              </a:rPr>
+              <a:t>GANTT</a:t>
+            </a:r>
+            <a:r>
+              <a:rPr lang="zh-CN" altLang="en-US">
+                <a:hlinkClick r:id="rId2" tooltip="" action="ppaction://hlinkfile"/>
+              </a:rPr>
+              <a:t>图</a:t>
+            </a:r>
+            <a:endParaRPr lang="zh-CN" altLang="en-US"/>
+          </a:p>
+        </p:txBody>
+      </p:sp>
+      <p:sp>
+        <p:nvSpPr>
+          <p:cNvPr id="3" name="文本框 2"/>
+          <p:cNvSpPr txBox="1"/>
+          <p:nvPr/>
+        </p:nvSpPr>
+        <p:spPr>
+          <a:xfrm>
+            <a:off x="3176905" y="903605"/>
+            <a:ext cx="2080895" cy="414020"/>
+          </a:xfrm>
+          <a:prstGeom prst="rect">
+            <a:avLst/>
+          </a:prstGeom>
+          <a:noFill/>
+        </p:spPr>
+        <p:txBody>
+          <a:bodyPr wrap="square" rtlCol="0">
+            <a:spAutoFit/>
+          </a:bodyPr>
+          <a:p>
+            <a:r>
+              <a:rPr lang="zh-CN" altLang="en-US">
+                <a:hlinkClick r:id="rId3" tooltip="" action="ppaction://hlinkfile"/>
+              </a:rPr>
+              <a:t>项目计划报告</a:t>
+            </a:r>
+            <a:endParaRPr lang="zh-CN" altLang="en-US"/>
+          </a:p>
+        </p:txBody>
+      </p:sp>
     </p:spTree>
   </p:cSld>
   <p:clrMapOvr>
@@ -23671,6 +23724,65 @@
           </a:graphicData>
         </a:graphic>
       </p:graphicFrame>
+      <p:sp>
+        <p:nvSpPr>
+          <p:cNvPr id="2" name="文本框 1"/>
+          <p:cNvSpPr txBox="1"/>
+          <p:nvPr/>
+        </p:nvSpPr>
+        <p:spPr>
+          <a:xfrm>
+            <a:off x="3181985" y="6108065"/>
+            <a:ext cx="6933565" cy="414020"/>
+          </a:xfrm>
+          <a:prstGeom prst="rect">
+            <a:avLst/>
+          </a:prstGeom>
+          <a:noFill/>
+        </p:spPr>
+        <p:txBody>
+          <a:bodyPr wrap="square" rtlCol="0">
+            <a:spAutoFit/>
+          </a:bodyPr>
+          <a:p>
+            <a:r>
+              <a:rPr lang="zh-CN" altLang="en-US"/>
+              <a:t>附件：</a:t>
+            </a:r>
+            <a:r>
+              <a:rPr lang="zh-CN" altLang="en-US">
+                <a:hlinkClick r:id="rId1" tooltip="" action="ppaction://hlinkfile"/>
+              </a:rPr>
+              <a:t>会议记录</a:t>
+            </a:r>
+            <a:r>
+              <a:rPr lang="en-US" altLang="zh-CN">
+                <a:hlinkClick r:id="rId1" tooltip="" action="ppaction://hlinkfile"/>
+              </a:rPr>
+              <a:t>3.17</a:t>
+            </a:r>
+            <a:r>
+              <a:rPr lang="zh-CN" altLang="en-US"/>
+              <a:t>、</a:t>
+            </a:r>
+            <a:r>
+              <a:rPr lang="zh-CN" altLang="en-US">
+                <a:sym typeface="+mn-ea"/>
+                <a:hlinkClick r:id="rId2" tooltip="" action="ppaction://hlinkfile"/>
+              </a:rPr>
+              <a:t>会议记录</a:t>
+            </a:r>
+            <a:r>
+              <a:rPr lang="en-US" altLang="zh-CN">
+                <a:sym typeface="+mn-ea"/>
+                <a:hlinkClick r:id="rId2" tooltip="" action="ppaction://hlinkfile"/>
+              </a:rPr>
+              <a:t>3.24</a:t>
+            </a:r>
+            <a:endParaRPr lang="zh-CN" altLang="en-US"/>
+          </a:p>
+        </p:txBody>
+      </p:sp>
     </p:spTree>
   </p:cSld>
   <p:clrMapOvr>
@@ -26643,8 +26755,8 @@
           <p:nvPr/>
         </p:nvGraphicFramePr>
         <p:xfrm>
-          <a:off x="1727200" y="2122805"/>
-          <a:ext cx="8406765" cy="4121150"/>
+          <a:off x="1727200" y="1979295"/>
+          <a:ext cx="8744585" cy="4121150"/>
         </p:xfrm>
         <a:graphic>
           <a:graphicData uri="http://schemas.openxmlformats.org/drawingml/2006/table">
@@ -26653,12 +26765,12 @@
                 <a:tableStyleId>{5FD0F851-EC5A-4D38-B0AD-8093EC10F338}</a:tableStyleId>
               </a:tblPr>
               <a:tblGrid>
-                <a:gridCol w="1140941"/>
-                <a:gridCol w="951489"/>
-                <a:gridCol w="1657434"/>
-                <a:gridCol w="1855352"/>
-                <a:gridCol w="1327785"/>
-                <a:gridCol w="1473764"/>
+                <a:gridCol w="1186815"/>
+                <a:gridCol w="989330"/>
+                <a:gridCol w="1724025"/>
+                <a:gridCol w="1930400"/>
+                <a:gridCol w="1381125"/>
+                <a:gridCol w="1532890"/>
               </a:tblGrid>
               <a:tr h="1000760">
                 <a:tc>

--- a/SE2018春-G17-项目计划PPT.pptx
+++ b/SE2018春-G17-项目计划PPT.pptx
@@ -9196,13 +9196,13 @@
           <a:p>
             <a:r>
               <a:rPr lang="en-US" altLang="zh-CN">
-                <a:hlinkClick r:id="rId1" tooltip="" action="ppaction://hlinkfile"/>
+                <a:hlinkClick r:id="rId1" action="ppaction://hlinkfile"/>
               </a:rPr>
               <a:t>WBS</a:t>
             </a:r>
             <a:r>
               <a:rPr lang="zh-CN" altLang="en-US">
-                <a:hlinkClick r:id="rId1" tooltip="" action="ppaction://hlinkfile"/>
+                <a:hlinkClick r:id="rId1" action="ppaction://hlinkfile"/>
               </a:rPr>
               <a:t>结构图</a:t>
             </a:r>
@@ -21247,13 +21247,13 @@
           <a:p>
             <a:r>
               <a:rPr lang="en-US" altLang="zh-CN">
-                <a:hlinkClick r:id="rId2" tooltip="" action="ppaction://hlinkfile"/>
+                <a:hlinkClick r:id="rId2" action="ppaction://hlinkfile"/>
               </a:rPr>
               <a:t>GANTT</a:t>
             </a:r>
             <a:r>
               <a:rPr lang="zh-CN" altLang="en-US">
-                <a:hlinkClick r:id="rId2" tooltip="" action="ppaction://hlinkfile"/>
+                <a:hlinkClick r:id="rId2" action="ppaction://hlinkfile"/>
               </a:rPr>
               <a:t>图</a:t>
             </a:r>
@@ -21284,7 +21284,7 @@
           <a:p>
             <a:r>
               <a:rPr lang="zh-CN" altLang="en-US">
-                <a:hlinkClick r:id="rId3" tooltip="" action="ppaction://hlinkfile"/>
+                <a:hlinkClick r:id="rId3" action="ppaction://hlinkfile"/>
               </a:rPr>
               <a:t>项目计划报告</a:t>
             </a:r>
@@ -21823,7 +21823,29 @@
                 <a:ea typeface="微软雅黑" panose="020B0503020204020204" pitchFamily="34" charset="-122"/>
                 <a:sym typeface="+mn-ea"/>
               </a:rPr>
-              <a:t>项目目标：为喜欢喝酒以及对酒文化感兴趣的群体通过Android Studio和Tensorflow等工具开发出一个可以通过图像识别来检索酒的信息的APP。</a:t>
+              <a:t>项目目标：为喜欢喝酒以及对酒文化感兴趣的群体通过Android Studio和图像识别</a:t>
+            </a:r>
+            <a:r>
+              <a:rPr lang="en-US" altLang="zh-CN" dirty="0">
+                <a:solidFill>
+                  <a:sysClr val="windowText" lastClr="000000"/>
+                </a:solidFill>
+                <a:latin typeface="微软雅黑" panose="020B0503020204020204" pitchFamily="34" charset="-122"/>
+                <a:ea typeface="微软雅黑" panose="020B0503020204020204" pitchFamily="34" charset="-122"/>
+                <a:sym typeface="+mn-ea"/>
+              </a:rPr>
+              <a:t>API</a:t>
+            </a:r>
+            <a:r>
+              <a:rPr lang="zh-CN" altLang="en-US" dirty="0">
+                <a:solidFill>
+                  <a:sysClr val="windowText" lastClr="000000"/>
+                </a:solidFill>
+                <a:latin typeface="微软雅黑" panose="020B0503020204020204" pitchFamily="34" charset="-122"/>
+                <a:ea typeface="微软雅黑" panose="020B0503020204020204" pitchFamily="34" charset="-122"/>
+                <a:sym typeface="+mn-ea"/>
+              </a:rPr>
+              <a:t>等工具开发出一个可以通过图像识别来检索酒的信息的APP。</a:t>
             </a:r>
             <a:endParaRPr lang="zh-CN" altLang="en-US" i="1" dirty="0">
               <a:solidFill>
@@ -23751,13 +23773,13 @@
             </a:r>
             <a:r>
               <a:rPr lang="zh-CN" altLang="en-US">
-                <a:hlinkClick r:id="rId1" tooltip="" action="ppaction://hlinkfile"/>
+                <a:hlinkClick r:id="rId1" action="ppaction://hlinkfile"/>
               </a:rPr>
               <a:t>会议记录</a:t>
             </a:r>
             <a:r>
               <a:rPr lang="en-US" altLang="zh-CN">
-                <a:hlinkClick r:id="rId1" tooltip="" action="ppaction://hlinkfile"/>
+                <a:hlinkClick r:id="rId1" action="ppaction://hlinkfile"/>
               </a:rPr>
               <a:t>3.17</a:t>
             </a:r>
@@ -23768,14 +23790,14 @@
             <a:r>
               <a:rPr lang="zh-CN" altLang="en-US">
                 <a:sym typeface="+mn-ea"/>
-                <a:hlinkClick r:id="rId2" tooltip="" action="ppaction://hlinkfile"/>
+                <a:hlinkClick r:id="rId2" action="ppaction://hlinkfile"/>
               </a:rPr>
               <a:t>会议记录</a:t>
             </a:r>
             <a:r>
               <a:rPr lang="en-US" altLang="zh-CN">
                 <a:sym typeface="+mn-ea"/>
-                <a:hlinkClick r:id="rId2" tooltip="" action="ppaction://hlinkfile"/>
+                <a:hlinkClick r:id="rId2" action="ppaction://hlinkfile"/>
               </a:rPr>
               <a:t>3.24</a:t>
             </a:r>
